--- a/LoadTesting.pptx
+++ b/LoadTesting.pptx
@@ -217,7 +217,7 @@
           <a:p>
             <a:fld id="{7F7A1CCF-3A8B-40F6-A64D-2A4687177E43}" type="datetimeFigureOut">
               <a:rPr lang="de-DE" smtClean="0"/>
-              <a:t>05.05.2018</a:t>
+              <a:t>09.05.2018</a:t>
             </a:fld>
             <a:endParaRPr lang="de-DE"/>
           </a:p>
@@ -710,7 +710,7 @@
           <a:p>
             <a:fld id="{29B91BC4-5E82-49A6-88C1-D8535ED7D15D}" type="datetime1">
               <a:rPr lang="de-DE" smtClean="0"/>
-              <a:t>05.05.2018</a:t>
+              <a:t>09.05.2018</a:t>
             </a:fld>
             <a:endParaRPr lang="de-DE"/>
           </a:p>
@@ -918,7 +918,7 @@
           <a:p>
             <a:fld id="{32A52664-B2C7-4A1E-B89B-81D348E24B51}" type="datetime1">
               <a:rPr lang="de-DE" smtClean="0"/>
-              <a:t>05.05.2018</a:t>
+              <a:t>09.05.2018</a:t>
             </a:fld>
             <a:endParaRPr lang="de-DE"/>
           </a:p>
@@ -1174,7 +1174,7 @@
           <a:p>
             <a:fld id="{87A80DC5-21AA-41FB-A73E-ED981639E9E3}" type="datetime1">
               <a:rPr lang="de-DE" smtClean="0"/>
-              <a:t>05.05.2018</a:t>
+              <a:t>09.05.2018</a:t>
             </a:fld>
             <a:endParaRPr lang="de-DE"/>
           </a:p>
@@ -1344,7 +1344,7 @@
           <a:p>
             <a:fld id="{BBFFFFB7-B427-4FC9-89B5-E815E530C709}" type="datetime1">
               <a:rPr lang="de-DE" smtClean="0"/>
-              <a:t>05.05.2018</a:t>
+              <a:t>09.05.2018</a:t>
             </a:fld>
             <a:endParaRPr lang="de-DE"/>
           </a:p>
@@ -1687,7 +1687,7 @@
           <a:p>
             <a:fld id="{9B4A11A6-692F-4D3F-A6E0-135304D8649E}" type="datetime1">
               <a:rPr lang="de-DE" smtClean="0"/>
-              <a:t>05.05.2018</a:t>
+              <a:t>09.05.2018</a:t>
             </a:fld>
             <a:endParaRPr lang="de-DE"/>
           </a:p>
@@ -1962,7 +1962,7 @@
           <a:p>
             <a:fld id="{2FF197E6-8FE2-43C3-B517-8EF10A23BA5B}" type="datetime1">
               <a:rPr lang="de-DE" smtClean="0"/>
-              <a:t>05.05.2018</a:t>
+              <a:t>09.05.2018</a:t>
             </a:fld>
             <a:endParaRPr lang="de-DE"/>
           </a:p>
@@ -2341,7 +2341,7 @@
           <a:p>
             <a:fld id="{88AD5C22-0615-445E-B37E-053106C142C7}" type="datetime1">
               <a:rPr lang="de-DE" smtClean="0"/>
-              <a:t>05.05.2018</a:t>
+              <a:t>09.05.2018</a:t>
             </a:fld>
             <a:endParaRPr lang="de-DE"/>
           </a:p>
@@ -2459,7 +2459,7 @@
           <a:p>
             <a:fld id="{393C4718-61D0-4C05-A837-0FF64CDC070F}" type="datetime1">
               <a:rPr lang="de-DE" smtClean="0"/>
-              <a:t>05.05.2018</a:t>
+              <a:t>09.05.2018</a:t>
             </a:fld>
             <a:endParaRPr lang="de-DE"/>
           </a:p>
@@ -2630,7 +2630,7 @@
           <a:p>
             <a:fld id="{E4C68F9C-9493-41F8-A598-7BDB27153DE0}" type="datetime1">
               <a:rPr lang="de-DE" smtClean="0"/>
-              <a:t>05.05.2018</a:t>
+              <a:t>09.05.2018</a:t>
             </a:fld>
             <a:endParaRPr lang="de-DE"/>
           </a:p>
@@ -2984,7 +2984,7 @@
           <a:p>
             <a:fld id="{25B47950-BAF5-4EB0-B7D8-7E5D445A5AF9}" type="datetime1">
               <a:rPr lang="de-DE" smtClean="0"/>
-              <a:t>05.05.2018</a:t>
+              <a:t>09.05.2018</a:t>
             </a:fld>
             <a:endParaRPr lang="de-DE"/>
           </a:p>
@@ -3361,7 +3361,7 @@
           <a:p>
             <a:fld id="{5E3FA0F3-663C-4E4D-A9AD-FCEECA59737D}" type="datetime1">
               <a:rPr lang="de-DE" smtClean="0"/>
-              <a:t>05.05.2018</a:t>
+              <a:t>09.05.2018</a:t>
             </a:fld>
             <a:endParaRPr lang="de-DE"/>
           </a:p>
@@ -3648,7 +3648,7 @@
           <a:p>
             <a:fld id="{7E243A8A-9070-4D02-9F6C-FDBBE4C2268D}" type="datetime1">
               <a:rPr lang="de-DE" smtClean="0"/>
-              <a:t>05.05.2018</a:t>
+              <a:t>09.05.2018</a:t>
             </a:fld>
             <a:endParaRPr lang="de-DE"/>
           </a:p>
@@ -4396,7 +4396,7 @@
           <a:p>
             <a:fld id="{BBFFFFB7-B427-4FC9-89B5-E815E530C709}" type="datetime1">
               <a:rPr lang="de-DE" smtClean="0"/>
-              <a:t>05.05.2018</a:t>
+              <a:t>09.05.2018</a:t>
             </a:fld>
             <a:endParaRPr lang="de-DE"/>
           </a:p>
@@ -4537,7 +4537,7 @@
           <a:p>
             <a:fld id="{BBFFFFB7-B427-4FC9-89B5-E815E530C709}" type="datetime1">
               <a:rPr lang="de-DE" smtClean="0"/>
-              <a:t>05.05.2018</a:t>
+              <a:t>09.05.2018</a:t>
             </a:fld>
             <a:endParaRPr lang="de-DE"/>
           </a:p>
@@ -4708,7 +4708,7 @@
           <a:p>
             <a:fld id="{BBFFFFB7-B427-4FC9-89B5-E815E530C709}" type="datetime1">
               <a:rPr lang="de-DE" smtClean="0"/>
-              <a:t>05.05.2018</a:t>
+              <a:t>09.05.2018</a:t>
             </a:fld>
             <a:endParaRPr lang="de-DE"/>
           </a:p>
@@ -6044,7 +6044,7 @@
           <a:p>
             <a:fld id="{5E3FA0F3-663C-4E4D-A9AD-FCEECA59737D}" type="datetime1">
               <a:rPr lang="de-DE" smtClean="0"/>
-              <a:t>05.05.2018</a:t>
+              <a:t>09.05.2018</a:t>
             </a:fld>
             <a:endParaRPr lang="de-DE"/>
           </a:p>
@@ -6176,7 +6176,7 @@
           <a:p>
             <a:fld id="{BBFFFFB7-B427-4FC9-89B5-E815E530C709}" type="datetime1">
               <a:rPr lang="de-DE" smtClean="0"/>
-              <a:t>05.05.2018</a:t>
+              <a:t>09.05.2018</a:t>
             </a:fld>
             <a:endParaRPr lang="de-DE"/>
           </a:p>
@@ -7539,7 +7539,7 @@
           <a:p>
             <a:fld id="{BBFFFFB7-B427-4FC9-89B5-E815E530C709}" type="datetime1">
               <a:rPr lang="de-DE" smtClean="0"/>
-              <a:t>05.05.2018</a:t>
+              <a:t>09.05.2018</a:t>
             </a:fld>
             <a:endParaRPr lang="de-DE"/>
           </a:p>
@@ -7576,15 +7576,15 @@
       </p:sp>
       <p:pic>
         <p:nvPicPr>
-          <p:cNvPr id="1026" name="Picture 2" descr="blur, close-up, code">
+          <p:cNvPr id="9" name="Bildplatzhalter 8">
             <a:extLst>
               <a:ext uri="{FF2B5EF4-FFF2-40B4-BE49-F238E27FC236}">
-                <a16:creationId xmlns:a16="http://schemas.microsoft.com/office/drawing/2014/main" id="{8DF9F86F-AC00-4DED-9944-975D8A97B0F6}"/>
+                <a16:creationId xmlns:a16="http://schemas.microsoft.com/office/drawing/2014/main" id="{F737AE18-3A4A-4E5D-B1D7-6A5C7FB15CFC}"/>
               </a:ext>
             </a:extLst>
           </p:cNvPr>
           <p:cNvPicPr>
-            <a:picLocks noGrp="1" noChangeAspect="1" noChangeArrowheads="1"/>
+            <a:picLocks noGrp="1" noChangeAspect="1"/>
           </p:cNvPicPr>
           <p:nvPr>
             <p:ph type="pic" idx="1"/>
@@ -7598,25 +7598,16 @@
               </a:ext>
             </a:extLst>
           </a:blip>
-          <a:srcRect t="19636" b="19636"/>
+          <a:srcRect t="19652" b="19652"/>
           <a:stretch>
             <a:fillRect/>
           </a:stretch>
         </p:blipFill>
-        <p:spPr bwMode="auto">
-          <a:prstGeom prst="rect">
-            <a:avLst/>
-          </a:prstGeom>
-          <a:noFill/>
-          <a:extLst>
-            <a:ext uri="{909E8E84-426E-40DD-AFC4-6F175D3DCCD1}">
-              <a14:hiddenFill xmlns:a14="http://schemas.microsoft.com/office/drawing/2010/main">
-                <a:solidFill>
-                  <a:srgbClr val="FFFFFF"/>
-                </a:solidFill>
-              </a14:hiddenFill>
-            </a:ext>
-          </a:extLst>
+        <p:spPr>
+          <a:xfrm>
+            <a:off x="0" y="0"/>
+            <a:ext cx="12192000" cy="4914900"/>
+          </a:xfrm>
         </p:spPr>
       </p:pic>
     </p:spTree>
@@ -7717,7 +7708,23 @@
             </a:r>
             <a:r>
               <a:rPr lang="de-DE" dirty="0"/>
-              <a:t> (Datenbank, Service)</a:t>
+              <a:t> (</a:t>
+            </a:r>
+            <a:r>
+              <a:rPr lang="de-DE" dirty="0" err="1"/>
+              <a:t>Postgres</a:t>
+            </a:r>
+            <a:r>
+              <a:rPr lang="de-DE" dirty="0"/>
+              <a:t>-Datenbank, </a:t>
+            </a:r>
+            <a:r>
+              <a:rPr lang="de-DE" dirty="0" err="1"/>
+              <a:t>WebService</a:t>
+            </a:r>
+            <a:r>
+              <a:rPr lang="de-DE" dirty="0"/>
+              <a:t>)</a:t>
             </a:r>
           </a:p>
           <a:p>
@@ -7727,7 +7734,33 @@
             </a:pPr>
             <a:r>
               <a:rPr lang="de-DE" dirty="0"/>
-              <a:t> Lasttest-Implementierungen in den jeweiligen Technologien</a:t>
+              <a:t> Lasttest-Implementierungen in den jeweiligen Technologien als </a:t>
+            </a:r>
+            <a:r>
+              <a:rPr lang="de-DE" dirty="0" err="1"/>
+              <a:t>IntelliJ</a:t>
+            </a:r>
+            <a:r>
+              <a:rPr lang="de-DE" dirty="0"/>
+              <a:t>-Projekt</a:t>
+            </a:r>
+          </a:p>
+          <a:p>
+            <a:pPr>
+              <a:buFont typeface="Arial" panose="020B0604020202020204" pitchFamily="34" charset="0"/>
+              <a:buChar char="•"/>
+            </a:pPr>
+            <a:r>
+              <a:rPr lang="de-DE" dirty="0"/>
+              <a:t> Auf Codequalität geachtet beim </a:t>
+            </a:r>
+            <a:r>
+              <a:rPr lang="de-DE" dirty="0" err="1"/>
+              <a:t>WebService</a:t>
+            </a:r>
+            <a:r>
+              <a:rPr lang="de-DE" dirty="0"/>
+              <a:t> (siehe Sonar)</a:t>
             </a:r>
           </a:p>
         </p:txBody>
@@ -7755,7 +7788,7 @@
           <a:p>
             <a:fld id="{5E3FA0F3-663C-4E4D-A9AD-FCEECA59737D}" type="datetime1">
               <a:rPr lang="de-DE" smtClean="0"/>
-              <a:t>05.05.2018</a:t>
+              <a:t>09.05.2018</a:t>
             </a:fld>
             <a:endParaRPr lang="de-DE"/>
           </a:p>
@@ -7934,7 +7967,7 @@
           <a:p>
             <a:fld id="{928650A1-1A79-48B9-A942-815D58127345}" type="datetime1">
               <a:rPr lang="de-DE" smtClean="0"/>
-              <a:t>05.05.2018</a:t>
+              <a:t>09.05.2018</a:t>
             </a:fld>
             <a:endParaRPr lang="de-DE"/>
           </a:p>
@@ -8080,7 +8113,7 @@
           <a:p>
             <a:fld id="{BBFFFFB7-B427-4FC9-89B5-E815E530C709}" type="datetime1">
               <a:rPr lang="de-DE" smtClean="0"/>
-              <a:t>05.05.2018</a:t>
+              <a:t>09.05.2018</a:t>
             </a:fld>
             <a:endParaRPr lang="de-DE"/>
           </a:p>
@@ -8297,7 +8330,7 @@
           <a:p>
             <a:fld id="{5E3FA0F3-663C-4E4D-A9AD-FCEECA59737D}" type="datetime1">
               <a:rPr lang="de-DE" smtClean="0"/>
-              <a:t>05.05.2018</a:t>
+              <a:t>09.05.2018</a:t>
             </a:fld>
             <a:endParaRPr lang="de-DE"/>
           </a:p>
@@ -8428,8 +8461,12 @@
               <a:buChar char="•"/>
             </a:pPr>
             <a:r>
-              <a:rPr lang="en-US" dirty="0"/>
-              <a:t>Measure speed, scalability, and/or stability characteristics of the product under test. </a:t>
+              <a:rPr lang="de-DE" dirty="0"/>
+              <a:t>Messen von Geschwindigkeit, Stabilität und Skalierbarkeit </a:t>
+            </a:r>
+            <a:r>
+              <a:rPr lang="de-DE"/>
+              <a:t>eines Systems</a:t>
             </a:r>
             <a:endParaRPr lang="de-DE" dirty="0"/>
           </a:p>
@@ -8550,7 +8587,7 @@
           <a:p>
             <a:fld id="{5E3FA0F3-663C-4E4D-A9AD-FCEECA59737D}" type="datetime1">
               <a:rPr lang="de-DE" smtClean="0"/>
-              <a:t>05.05.2018</a:t>
+              <a:t>09.05.2018</a:t>
             </a:fld>
             <a:endParaRPr lang="de-DE"/>
           </a:p>
@@ -8691,7 +8728,7 @@
           <a:p>
             <a:fld id="{BBFFFFB7-B427-4FC9-89B5-E815E530C709}" type="datetime1">
               <a:rPr lang="de-DE" smtClean="0"/>
-              <a:t>05.05.2018</a:t>
+              <a:t>09.05.2018</a:t>
             </a:fld>
             <a:endParaRPr lang="de-DE"/>
           </a:p>
@@ -8893,7 +8930,7 @@
           <a:p>
             <a:fld id="{40945502-2D6D-4EF3-B5E9-AD6E136212A6}" type="datetime1">
               <a:rPr lang="de-DE" smtClean="0"/>
-              <a:t>05.05.2018</a:t>
+              <a:t>09.05.2018</a:t>
             </a:fld>
             <a:endParaRPr lang="de-DE"/>
           </a:p>
@@ -9106,7 +9143,7 @@
             </a:pPr>
             <a:r>
               <a:rPr lang="de-DE" dirty="0"/>
-              <a:t> MIT License</a:t>
+              <a:t> MIT Lizenz</a:t>
             </a:r>
           </a:p>
           <a:p>
@@ -9144,7 +9181,7 @@
           <a:p>
             <a:fld id="{BBFFFFB7-B427-4FC9-89B5-E815E530C709}" type="datetime1">
               <a:rPr lang="de-DE" smtClean="0"/>
-              <a:t>05.05.2018</a:t>
+              <a:t>09.05.2018</a:t>
             </a:fld>
             <a:endParaRPr lang="de-DE"/>
           </a:p>
@@ -9362,7 +9399,7 @@
           <a:p>
             <a:fld id="{BBFFFFB7-B427-4FC9-89B5-E815E530C709}" type="datetime1">
               <a:rPr lang="de-DE" smtClean="0"/>
-              <a:t>05.05.2018</a:t>
+              <a:t>09.05.2018</a:t>
             </a:fld>
             <a:endParaRPr lang="de-DE"/>
           </a:p>
@@ -9478,7 +9515,7 @@
           <a:p>
             <a:fld id="{BBFFFFB7-B427-4FC9-89B5-E815E530C709}" type="datetime1">
               <a:rPr lang="de-DE" smtClean="0"/>
-              <a:t>05.05.2018</a:t>
+              <a:t>09.05.2018</a:t>
             </a:fld>
             <a:endParaRPr lang="de-DE"/>
           </a:p>
@@ -9550,7 +9587,7 @@
             </a:pPr>
             <a:r>
               <a:rPr lang="de-DE" dirty="0"/>
-              <a:t> AGPL License</a:t>
+              <a:t> AGPL Lizenz</a:t>
             </a:r>
           </a:p>
           <a:p>
@@ -9560,7 +9597,7 @@
             </a:pPr>
             <a:r>
               <a:rPr lang="de-DE" dirty="0"/>
-              <a:t> Programmiersprache: JavaScript and GO</a:t>
+              <a:t> Programmiersprache: JavaScript und GO</a:t>
             </a:r>
           </a:p>
         </p:txBody>

--- a/LoadTesting.pptx
+++ b/LoadTesting.pptx
@@ -16,8 +16,8 @@
     <p:sldId id="258" r:id="rId7"/>
     <p:sldId id="262" r:id="rId8"/>
     <p:sldId id="266" r:id="rId9"/>
-    <p:sldId id="267" r:id="rId10"/>
-    <p:sldId id="268" r:id="rId11"/>
+    <p:sldId id="274" r:id="rId10"/>
+    <p:sldId id="267" r:id="rId11"/>
     <p:sldId id="269" r:id="rId12"/>
     <p:sldId id="265" r:id="rId13"/>
     <p:sldId id="270" r:id="rId14"/>
@@ -217,7 +217,7 @@
           <a:p>
             <a:fld id="{7F7A1CCF-3A8B-40F6-A64D-2A4687177E43}" type="datetimeFigureOut">
               <a:rPr lang="de-DE" smtClean="0"/>
-              <a:t>09.05.2018</a:t>
+              <a:t>14.05.2018</a:t>
             </a:fld>
             <a:endParaRPr lang="de-DE"/>
           </a:p>
@@ -710,7 +710,7 @@
           <a:p>
             <a:fld id="{29B91BC4-5E82-49A6-88C1-D8535ED7D15D}" type="datetime1">
               <a:rPr lang="de-DE" smtClean="0"/>
-              <a:t>09.05.2018</a:t>
+              <a:t>14.05.2018</a:t>
             </a:fld>
             <a:endParaRPr lang="de-DE"/>
           </a:p>
@@ -918,7 +918,7 @@
           <a:p>
             <a:fld id="{32A52664-B2C7-4A1E-B89B-81D348E24B51}" type="datetime1">
               <a:rPr lang="de-DE" smtClean="0"/>
-              <a:t>09.05.2018</a:t>
+              <a:t>14.05.2018</a:t>
             </a:fld>
             <a:endParaRPr lang="de-DE"/>
           </a:p>
@@ -1174,7 +1174,7 @@
           <a:p>
             <a:fld id="{87A80DC5-21AA-41FB-A73E-ED981639E9E3}" type="datetime1">
               <a:rPr lang="de-DE" smtClean="0"/>
-              <a:t>09.05.2018</a:t>
+              <a:t>14.05.2018</a:t>
             </a:fld>
             <a:endParaRPr lang="de-DE"/>
           </a:p>
@@ -1344,7 +1344,7 @@
           <a:p>
             <a:fld id="{BBFFFFB7-B427-4FC9-89B5-E815E530C709}" type="datetime1">
               <a:rPr lang="de-DE" smtClean="0"/>
-              <a:t>09.05.2018</a:t>
+              <a:t>14.05.2018</a:t>
             </a:fld>
             <a:endParaRPr lang="de-DE"/>
           </a:p>
@@ -1687,7 +1687,7 @@
           <a:p>
             <a:fld id="{9B4A11A6-692F-4D3F-A6E0-135304D8649E}" type="datetime1">
               <a:rPr lang="de-DE" smtClean="0"/>
-              <a:t>09.05.2018</a:t>
+              <a:t>14.05.2018</a:t>
             </a:fld>
             <a:endParaRPr lang="de-DE"/>
           </a:p>
@@ -1962,7 +1962,7 @@
           <a:p>
             <a:fld id="{2FF197E6-8FE2-43C3-B517-8EF10A23BA5B}" type="datetime1">
               <a:rPr lang="de-DE" smtClean="0"/>
-              <a:t>09.05.2018</a:t>
+              <a:t>14.05.2018</a:t>
             </a:fld>
             <a:endParaRPr lang="de-DE"/>
           </a:p>
@@ -2341,7 +2341,7 @@
           <a:p>
             <a:fld id="{88AD5C22-0615-445E-B37E-053106C142C7}" type="datetime1">
               <a:rPr lang="de-DE" smtClean="0"/>
-              <a:t>09.05.2018</a:t>
+              <a:t>14.05.2018</a:t>
             </a:fld>
             <a:endParaRPr lang="de-DE"/>
           </a:p>
@@ -2459,7 +2459,7 @@
           <a:p>
             <a:fld id="{393C4718-61D0-4C05-A837-0FF64CDC070F}" type="datetime1">
               <a:rPr lang="de-DE" smtClean="0"/>
-              <a:t>09.05.2018</a:t>
+              <a:t>14.05.2018</a:t>
             </a:fld>
             <a:endParaRPr lang="de-DE"/>
           </a:p>
@@ -2630,7 +2630,7 @@
           <a:p>
             <a:fld id="{E4C68F9C-9493-41F8-A598-7BDB27153DE0}" type="datetime1">
               <a:rPr lang="de-DE" smtClean="0"/>
-              <a:t>09.05.2018</a:t>
+              <a:t>14.05.2018</a:t>
             </a:fld>
             <a:endParaRPr lang="de-DE"/>
           </a:p>
@@ -2984,7 +2984,7 @@
           <a:p>
             <a:fld id="{25B47950-BAF5-4EB0-B7D8-7E5D445A5AF9}" type="datetime1">
               <a:rPr lang="de-DE" smtClean="0"/>
-              <a:t>09.05.2018</a:t>
+              <a:t>14.05.2018</a:t>
             </a:fld>
             <a:endParaRPr lang="de-DE"/>
           </a:p>
@@ -3361,7 +3361,7 @@
           <a:p>
             <a:fld id="{5E3FA0F3-663C-4E4D-A9AD-FCEECA59737D}" type="datetime1">
               <a:rPr lang="de-DE" smtClean="0"/>
-              <a:t>09.05.2018</a:t>
+              <a:t>14.05.2018</a:t>
             </a:fld>
             <a:endParaRPr lang="de-DE"/>
           </a:p>
@@ -3648,7 +3648,7 @@
           <a:p>
             <a:fld id="{7E243A8A-9070-4D02-9F6C-FDBBE4C2268D}" type="datetime1">
               <a:rPr lang="de-DE" smtClean="0"/>
-              <a:t>09.05.2018</a:t>
+              <a:t>14.05.2018</a:t>
             </a:fld>
             <a:endParaRPr lang="de-DE"/>
           </a:p>
@@ -4300,7 +4300,7 @@
           <p:cNvPr id="2" name="Titel 1">
             <a:extLst>
               <a:ext uri="{FF2B5EF4-FFF2-40B4-BE49-F238E27FC236}">
-                <a16:creationId xmlns:a16="http://schemas.microsoft.com/office/drawing/2014/main" id="{AB2E0062-0DA3-4E1D-B5A1-CEE361E0E4A4}"/>
+                <a16:creationId xmlns:a16="http://schemas.microsoft.com/office/drawing/2014/main" id="{FC5E778E-2A11-4C1E-8D8C-273067E4E86A}"/>
               </a:ext>
             </a:extLst>
           </p:cNvPr>
@@ -4317,43 +4317,18 @@
           <a:lstStyle/>
           <a:p>
             <a:r>
-              <a:rPr lang="de-DE" dirty="0" err="1"/>
-              <a:t>Bees</a:t>
-            </a:r>
-            <a:r>
               <a:rPr lang="de-DE" dirty="0"/>
-              <a:t> </a:t>
-            </a:r>
-            <a:r>
-              <a:rPr lang="de-DE" dirty="0" err="1"/>
-              <a:t>with</a:t>
-            </a:r>
-            <a:r>
-              <a:rPr lang="de-DE" dirty="0"/>
-              <a:t> </a:t>
-            </a:r>
-            <a:r>
-              <a:rPr lang="de-DE" dirty="0" err="1"/>
-              <a:t>Machine</a:t>
-            </a:r>
-            <a:r>
-              <a:rPr lang="de-DE" dirty="0"/>
-              <a:t> </a:t>
-            </a:r>
-            <a:r>
-              <a:rPr lang="de-DE" dirty="0" err="1"/>
-              <a:t>Guns</a:t>
-            </a:r>
-            <a:endParaRPr lang="de-DE" dirty="0"/>
-          </a:p>
-        </p:txBody>
-      </p:sp>
-      <p:sp>
-        <p:nvSpPr>
-          <p:cNvPr id="3" name="Inhaltsplatzhalter 2">
+              <a:t>k6 </a:t>
+            </a:r>
+          </a:p>
+        </p:txBody>
+      </p:sp>
+      <p:sp>
+        <p:nvSpPr>
+          <p:cNvPr id="4" name="Datumsplatzhalter 3">
             <a:extLst>
               <a:ext uri="{FF2B5EF4-FFF2-40B4-BE49-F238E27FC236}">
-                <a16:creationId xmlns:a16="http://schemas.microsoft.com/office/drawing/2014/main" id="{C10B2F1E-6305-4B3B-B3A3-9B13F7849FF4}"/>
+                <a16:creationId xmlns:a16="http://schemas.microsoft.com/office/drawing/2014/main" id="{DD0D5017-119E-4C58-9EF9-8EA436CBC7DC}"/>
               </a:ext>
             </a:extLst>
           </p:cNvPr>
@@ -4361,31 +4336,6 @@
             <a:spLocks noGrp="1"/>
           </p:cNvSpPr>
           <p:nvPr>
-            <p:ph idx="1"/>
-          </p:nvPr>
-        </p:nvSpPr>
-        <p:spPr/>
-        <p:txBody>
-          <a:bodyPr/>
-          <a:lstStyle/>
-          <a:p>
-            <a:endParaRPr lang="de-DE"/>
-          </a:p>
-        </p:txBody>
-      </p:sp>
-      <p:sp>
-        <p:nvSpPr>
-          <p:cNvPr id="4" name="Datumsplatzhalter 3">
-            <a:extLst>
-              <a:ext uri="{FF2B5EF4-FFF2-40B4-BE49-F238E27FC236}">
-                <a16:creationId xmlns:a16="http://schemas.microsoft.com/office/drawing/2014/main" id="{A08B5C12-B2D6-413A-B911-DC632E98AAE0}"/>
-              </a:ext>
-            </a:extLst>
-          </p:cNvPr>
-          <p:cNvSpPr>
-            <a:spLocks noGrp="1"/>
-          </p:cNvSpPr>
-          <p:nvPr>
             <p:ph type="dt" sz="half" idx="10"/>
           </p:nvPr>
         </p:nvSpPr>
@@ -4396,7 +4346,7 @@
           <a:p>
             <a:fld id="{BBFFFFB7-B427-4FC9-89B5-E815E530C709}" type="datetime1">
               <a:rPr lang="de-DE" smtClean="0"/>
-              <a:t>09.05.2018</a:t>
+              <a:t>14.05.2018</a:t>
             </a:fld>
             <a:endParaRPr lang="de-DE"/>
           </a:p>
@@ -4407,7 +4357,7 @@
           <p:cNvPr id="5" name="Foliennummernplatzhalter 4">
             <a:extLst>
               <a:ext uri="{FF2B5EF4-FFF2-40B4-BE49-F238E27FC236}">
-                <a16:creationId xmlns:a16="http://schemas.microsoft.com/office/drawing/2014/main" id="{6779CDC4-BD2F-4C3C-88C2-A183F6FE1F37}"/>
+                <a16:creationId xmlns:a16="http://schemas.microsoft.com/office/drawing/2014/main" id="{942EAD44-7938-41E8-BB37-7A5A16FC2BD2}"/>
               </a:ext>
             </a:extLst>
           </p:cNvPr>
@@ -4431,10 +4381,92 @@
           </a:p>
         </p:txBody>
       </p:sp>
+      <p:sp>
+        <p:nvSpPr>
+          <p:cNvPr id="9" name="Inhaltsplatzhalter 8">
+            <a:extLst>
+              <a:ext uri="{FF2B5EF4-FFF2-40B4-BE49-F238E27FC236}">
+                <a16:creationId xmlns:a16="http://schemas.microsoft.com/office/drawing/2014/main" id="{856C14B4-A813-4D9C-8839-6D7097D8FA29}"/>
+              </a:ext>
+            </a:extLst>
+          </p:cNvPr>
+          <p:cNvSpPr>
+            <a:spLocks noGrp="1"/>
+          </p:cNvSpPr>
+          <p:nvPr>
+            <p:ph idx="1"/>
+          </p:nvPr>
+        </p:nvSpPr>
+        <p:spPr/>
+        <p:txBody>
+          <a:bodyPr/>
+          <a:lstStyle/>
+          <a:p>
+            <a:pPr>
+              <a:buFont typeface="Arial" panose="020B0604020202020204" pitchFamily="34" charset="0"/>
+              <a:buChar char="•"/>
+            </a:pPr>
+            <a:r>
+              <a:rPr lang="de-DE" dirty="0"/>
+              <a:t> 2016 veröffentlicht (aktuell in Version 0.20.0)</a:t>
+            </a:r>
+          </a:p>
+          <a:p>
+            <a:pPr>
+              <a:buFont typeface="Arial" panose="020B0604020202020204" pitchFamily="34" charset="0"/>
+              <a:buChar char="•"/>
+            </a:pPr>
+            <a:r>
+              <a:rPr lang="de-DE" dirty="0"/>
+              <a:t> AGPL Lizenz</a:t>
+            </a:r>
+          </a:p>
+          <a:p>
+            <a:pPr>
+              <a:buFont typeface="Arial" panose="020B0604020202020204" pitchFamily="34" charset="0"/>
+              <a:buChar char="•"/>
+            </a:pPr>
+            <a:r>
+              <a:rPr lang="de-DE" dirty="0"/>
+              <a:t> Programmiersprache: JavaScript und GO</a:t>
+            </a:r>
+          </a:p>
+        </p:txBody>
+      </p:sp>
+      <p:pic>
+        <p:nvPicPr>
+          <p:cNvPr id="3" name="Grafik 2">
+            <a:extLst>
+              <a:ext uri="{FF2B5EF4-FFF2-40B4-BE49-F238E27FC236}">
+                <a16:creationId xmlns:a16="http://schemas.microsoft.com/office/drawing/2014/main" id="{6F55CB92-7381-458D-9959-7EFD9B012DBA}"/>
+              </a:ext>
+            </a:extLst>
+          </p:cNvPr>
+          <p:cNvPicPr>
+            <a:picLocks noChangeAspect="1"/>
+          </p:cNvPicPr>
+          <p:nvPr/>
+        </p:nvPicPr>
+        <p:blipFill>
+          <a:blip r:embed="rId2"/>
+          <a:stretch>
+            <a:fillRect/>
+          </a:stretch>
+        </p:blipFill>
+        <p:spPr>
+          <a:xfrm>
+            <a:off x="1097280" y="3397718"/>
+            <a:ext cx="10058400" cy="2471376"/>
+          </a:xfrm>
+          <a:prstGeom prst="rect">
+            <a:avLst/>
+          </a:prstGeom>
+        </p:spPr>
+      </p:pic>
     </p:spTree>
     <p:extLst>
       <p:ext uri="{BB962C8B-B14F-4D97-AF65-F5344CB8AC3E}">
-        <p14:creationId xmlns:p14="http://schemas.microsoft.com/office/powerpoint/2010/main" val="335859703"/>
+        <p14:creationId xmlns:p14="http://schemas.microsoft.com/office/powerpoint/2010/main" val="2213988132"/>
       </p:ext>
     </p:extLst>
   </p:cSld>
@@ -4537,7 +4569,7 @@
           <a:p>
             <a:fld id="{BBFFFFB7-B427-4FC9-89B5-E815E530C709}" type="datetime1">
               <a:rPr lang="de-DE" smtClean="0"/>
-              <a:t>09.05.2018</a:t>
+              <a:t>14.05.2018</a:t>
             </a:fld>
             <a:endParaRPr lang="de-DE"/>
           </a:p>
@@ -4708,7 +4740,7 @@
           <a:p>
             <a:fld id="{BBFFFFB7-B427-4FC9-89B5-E815E530C709}" type="datetime1">
               <a:rPr lang="de-DE" smtClean="0"/>
-              <a:t>09.05.2018</a:t>
+              <a:t>14.05.2018</a:t>
             </a:fld>
             <a:endParaRPr lang="de-DE"/>
           </a:p>
@@ -4860,14 +4892,14 @@
             <p:ph idx="1"/>
             <p:extLst>
               <p:ext uri="{D42A27DB-BD31-4B8C-83A1-F6EECF244321}">
-                <p14:modId xmlns:p14="http://schemas.microsoft.com/office/powerpoint/2010/main" val="2425337103"/>
+                <p14:modId xmlns:p14="http://schemas.microsoft.com/office/powerpoint/2010/main" val="2210680487"/>
               </p:ext>
             </p:extLst>
           </p:nvPr>
         </p:nvGraphicFramePr>
         <p:xfrm>
-          <a:off x="175801" y="1863041"/>
-          <a:ext cx="11901358" cy="3708400"/>
+          <a:off x="437326" y="1836408"/>
+          <a:ext cx="11273724" cy="3606800"/>
         </p:xfrm>
         <a:graphic>
           <a:graphicData uri="http://schemas.openxmlformats.org/drawingml/2006/table">
@@ -4876,7 +4908,7 @@
                 <a:tableStyleId>{5C22544A-7EE6-4342-B048-85BDC9FD1C3A}</a:tableStyleId>
               </a:tblPr>
               <a:tblGrid>
-                <a:gridCol w="2372424">
+                <a:gridCol w="1684274">
                   <a:extLst>
                     <a:ext uri="{9D8B030D-6E8A-4147-A177-3AD203B41FA5}">
                       <a16:colId xmlns:a16="http://schemas.microsoft.com/office/drawing/2014/main" val="2740601797"/>
@@ -4890,7 +4922,7 @@
                     </a:ext>
                   </a:extLst>
                 </a:gridCol>
-                <a:gridCol w="1374902">
+                <a:gridCol w="1270318">
                   <a:extLst>
                     <a:ext uri="{9D8B030D-6E8A-4147-A177-3AD203B41FA5}">
                       <a16:colId xmlns:a16="http://schemas.microsoft.com/office/drawing/2014/main" val="851099838"/>
@@ -4904,21 +4936,21 @@
                     </a:ext>
                   </a:extLst>
                 </a:gridCol>
-                <a:gridCol w="1374902">
+                <a:gridCol w="1229451">
                   <a:extLst>
                     <a:ext uri="{9D8B030D-6E8A-4147-A177-3AD203B41FA5}">
                       <a16:colId xmlns:a16="http://schemas.microsoft.com/office/drawing/2014/main" val="3251378671"/>
                     </a:ext>
                   </a:extLst>
                 </a:gridCol>
-                <a:gridCol w="813118">
+                <a:gridCol w="958569">
                   <a:extLst>
                     <a:ext uri="{9D8B030D-6E8A-4147-A177-3AD203B41FA5}">
                       <a16:colId xmlns:a16="http://schemas.microsoft.com/office/drawing/2014/main" val="1017323343"/>
                     </a:ext>
                   </a:extLst>
                 </a:gridCol>
-                <a:gridCol w="1105218">
+                <a:gridCol w="1270318">
                   <a:extLst>
                     <a:ext uri="{9D8B030D-6E8A-4147-A177-3AD203B41FA5}">
                       <a16:colId xmlns:a16="http://schemas.microsoft.com/office/drawing/2014/main" val="754126515"/>
@@ -5020,15 +5052,7 @@
                     <a:p>
                       <a:r>
                         <a:rPr lang="de-DE" dirty="0" err="1"/>
-                        <a:t>Bees</a:t>
-                      </a:r>
-                      <a:r>
-                        <a:rPr lang="de-DE" dirty="0"/>
-                        <a:t> </a:t>
-                      </a:r>
-                      <a:r>
-                        <a:rPr lang="de-DE" dirty="0" err="1"/>
-                        <a:t>wM</a:t>
+                        <a:t>nGrinder</a:t>
                       </a:r>
                       <a:endParaRPr lang="de-DE" dirty="0"/>
                     </a:p>
@@ -5156,7 +5180,7 @@
                     <a:p>
                       <a:r>
                         <a:rPr lang="de-DE" dirty="0"/>
-                        <a:t>MIT</a:t>
+                        <a:t>Apache 2.0</a:t>
                       </a:r>
                     </a:p>
                   </a:txBody>
@@ -5284,13 +5308,13 @@
                     <a:p>
                       <a:r>
                         <a:rPr lang="de-DE" dirty="0"/>
-                        <a:t>0.1.4</a:t>
+                        <a:t>3.4.1</a:t>
                       </a:r>
                     </a:p>
                   </a:txBody>
                   <a:tcPr>
                     <a:solidFill>
-                      <a:srgbClr val="FF0000"/>
+                      <a:srgbClr val="92D050"/>
                     </a:solidFill>
                   </a:tcPr>
                 </a:tc>
@@ -5409,7 +5433,7 @@
                     <a:p>
                       <a:r>
                         <a:rPr lang="de-DE" dirty="0"/>
-                        <a:t>2013</a:t>
+                        <a:t>2012</a:t>
                       </a:r>
                     </a:p>
                   </a:txBody>
@@ -5523,30 +5547,51 @@
                     <a:bodyPr/>
                     <a:lstStyle/>
                     <a:p>
-                      <a:endParaRPr lang="de-DE" dirty="0"/>
-                    </a:p>
-                  </a:txBody>
-                  <a:tcPr/>
-                </a:tc>
-                <a:tc>
-                  <a:txBody>
-                    <a:bodyPr/>
-                    <a:lstStyle/>
-                    <a:p>
-                      <a:endParaRPr lang="de-DE"/>
-                    </a:p>
-                  </a:txBody>
-                  <a:tcPr/>
-                </a:tc>
-                <a:tc>
-                  <a:txBody>
-                    <a:bodyPr/>
-                    <a:lstStyle/>
-                    <a:p>
-                      <a:endParaRPr lang="de-DE"/>
-                    </a:p>
-                  </a:txBody>
-                  <a:tcPr/>
+                      <a:r>
+                        <a:rPr lang="de-DE" dirty="0"/>
+                        <a:t>GitHub</a:t>
+                      </a:r>
+                    </a:p>
+                  </a:txBody>
+                  <a:tcPr>
+                    <a:solidFill>
+                      <a:srgbClr val="92D050"/>
+                    </a:solidFill>
+                  </a:tcPr>
+                </a:tc>
+                <a:tc>
+                  <a:txBody>
+                    <a:bodyPr/>
+                    <a:lstStyle/>
+                    <a:p>
+                      <a:r>
+                        <a:rPr lang="de-DE" dirty="0"/>
+                        <a:t>GitHub</a:t>
+                      </a:r>
+                    </a:p>
+                  </a:txBody>
+                  <a:tcPr>
+                    <a:solidFill>
+                      <a:srgbClr val="92D050"/>
+                    </a:solidFill>
+                  </a:tcPr>
+                </a:tc>
+                <a:tc>
+                  <a:txBody>
+                    <a:bodyPr/>
+                    <a:lstStyle/>
+                    <a:p>
+                      <a:r>
+                        <a:rPr lang="de-DE" dirty="0"/>
+                        <a:t>Google Groups</a:t>
+                      </a:r>
+                    </a:p>
+                  </a:txBody>
+                  <a:tcPr>
+                    <a:solidFill>
+                      <a:srgbClr val="92D050"/>
+                    </a:solidFill>
+                  </a:tcPr>
                 </a:tc>
                 <a:extLst>
                   <a:ext uri="{0D108BD9-81ED-4DB2-BD59-A6C34878D82A}">
@@ -5641,112 +5686,6 @@
                 <a:extLst>
                   <a:ext uri="{0D108BD9-81ED-4DB2-BD59-A6C34878D82A}">
                     <a16:rowId xmlns:a16="http://schemas.microsoft.com/office/drawing/2014/main" val="468078094"/>
-                  </a:ext>
-                </a:extLst>
-              </a:tr>
-              <a:tr h="370840">
-                <a:tc>
-                  <a:txBody>
-                    <a:bodyPr/>
-                    <a:lstStyle/>
-                    <a:p>
-                      <a:r>
-                        <a:rPr lang="de-DE" dirty="0"/>
-                        <a:t>Maven/</a:t>
-                      </a:r>
-                      <a:r>
-                        <a:rPr lang="de-DE" dirty="0" err="1"/>
-                        <a:t>Gradle</a:t>
-                      </a:r>
-                      <a:r>
-                        <a:rPr lang="de-DE" dirty="0"/>
-                        <a:t> Support</a:t>
-                      </a:r>
-                    </a:p>
-                  </a:txBody>
-                  <a:tcPr/>
-                </a:tc>
-                <a:tc>
-                  <a:txBody>
-                    <a:bodyPr/>
-                    <a:lstStyle/>
-                    <a:p>
-                      <a:r>
-                        <a:rPr lang="de-DE" dirty="0"/>
-                        <a:t>Maven/</a:t>
-                      </a:r>
-                      <a:r>
-                        <a:rPr lang="de-DE" dirty="0" err="1"/>
-                        <a:t>Gradle</a:t>
-                      </a:r>
-                      <a:endParaRPr lang="de-DE" dirty="0"/>
-                    </a:p>
-                  </a:txBody>
-                  <a:tcPr/>
-                </a:tc>
-                <a:tc>
-                  <a:txBody>
-                    <a:bodyPr/>
-                    <a:lstStyle/>
-                    <a:p>
-                      <a:endParaRPr lang="de-DE" dirty="0"/>
-                    </a:p>
-                  </a:txBody>
-                  <a:tcPr/>
-                </a:tc>
-                <a:tc>
-                  <a:txBody>
-                    <a:bodyPr/>
-                    <a:lstStyle/>
-                    <a:p>
-                      <a:endParaRPr lang="de-DE" dirty="0"/>
-                    </a:p>
-                  </a:txBody>
-                  <a:tcPr/>
-                </a:tc>
-                <a:tc>
-                  <a:txBody>
-                    <a:bodyPr/>
-                    <a:lstStyle/>
-                    <a:p>
-                      <a:endParaRPr lang="de-DE" dirty="0"/>
-                    </a:p>
-                  </a:txBody>
-                  <a:tcPr/>
-                </a:tc>
-                <a:tc>
-                  <a:txBody>
-                    <a:bodyPr/>
-                    <a:lstStyle/>
-                    <a:p>
-                      <a:endParaRPr lang="de-DE" dirty="0"/>
-                    </a:p>
-                  </a:txBody>
-                  <a:tcPr/>
-                </a:tc>
-                <a:tc>
-                  <a:txBody>
-                    <a:bodyPr/>
-                    <a:lstStyle/>
-                    <a:p>
-                      <a:endParaRPr lang="de-DE" dirty="0"/>
-                    </a:p>
-                  </a:txBody>
-                  <a:tcPr/>
-                </a:tc>
-                <a:tc>
-                  <a:txBody>
-                    <a:bodyPr/>
-                    <a:lstStyle/>
-                    <a:p>
-                      <a:endParaRPr lang="de-DE" dirty="0"/>
-                    </a:p>
-                  </a:txBody>
-                  <a:tcPr/>
-                </a:tc>
-                <a:extLst>
-                  <a:ext uri="{0D108BD9-81ED-4DB2-BD59-A6C34878D82A}">
-                    <a16:rowId xmlns:a16="http://schemas.microsoft.com/office/drawing/2014/main" val="2394767327"/>
                   </a:ext>
                 </a:extLst>
               </a:tr>
@@ -6044,7 +5983,7 @@
           <a:p>
             <a:fld id="{5E3FA0F3-663C-4E4D-A9AD-FCEECA59737D}" type="datetime1">
               <a:rPr lang="de-DE" smtClean="0"/>
-              <a:t>09.05.2018</a:t>
+              <a:t>14.05.2018</a:t>
             </a:fld>
             <a:endParaRPr lang="de-DE"/>
           </a:p>
@@ -6124,7 +6063,7 @@
           <a:bodyPr/>
           <a:lstStyle/>
           <a:p>
-            <a:endParaRPr lang="de-DE"/>
+            <a:endParaRPr lang="de-DE" dirty="0"/>
           </a:p>
         </p:txBody>
       </p:sp>
@@ -6149,7 +6088,7 @@
           <a:bodyPr/>
           <a:lstStyle/>
           <a:p>
-            <a:endParaRPr lang="de-DE"/>
+            <a:endParaRPr lang="de-DE" dirty="0"/>
           </a:p>
         </p:txBody>
       </p:sp>
@@ -6176,7 +6115,7 @@
           <a:p>
             <a:fld id="{BBFFFFB7-B427-4FC9-89B5-E815E530C709}" type="datetime1">
               <a:rPr lang="de-DE" smtClean="0"/>
-              <a:t>09.05.2018</a:t>
+              <a:t>14.05.2018</a:t>
             </a:fld>
             <a:endParaRPr lang="de-DE"/>
           </a:p>
@@ -6226,14 +6165,14 @@
           <p:nvPr>
             <p:extLst>
               <p:ext uri="{D42A27DB-BD31-4B8C-83A1-F6EECF244321}">
-                <p14:modId xmlns:p14="http://schemas.microsoft.com/office/powerpoint/2010/main" val="1705911498"/>
+                <p14:modId xmlns:p14="http://schemas.microsoft.com/office/powerpoint/2010/main" val="3152685586"/>
               </p:ext>
             </p:extLst>
           </p:nvPr>
         </p:nvGraphicFramePr>
         <p:xfrm>
-          <a:off x="175801" y="713749"/>
-          <a:ext cx="12294654" cy="4246880"/>
+          <a:off x="301780" y="941033"/>
+          <a:ext cx="11649399" cy="3879269"/>
         </p:xfrm>
         <a:graphic>
           <a:graphicData uri="http://schemas.openxmlformats.org/drawingml/2006/table">
@@ -6242,56 +6181,56 @@
                 <a:tableStyleId>{5C22544A-7EE6-4342-B048-85BDC9FD1C3A}</a:tableStyleId>
               </a:tblPr>
               <a:tblGrid>
-                <a:gridCol w="1812390">
+                <a:gridCol w="1895399">
                   <a:extLst>
                     <a:ext uri="{9D8B030D-6E8A-4147-A177-3AD203B41FA5}">
                       <a16:colId xmlns:a16="http://schemas.microsoft.com/office/drawing/2014/main" val="2740601797"/>
                     </a:ext>
                   </a:extLst>
                 </a:gridCol>
-                <a:gridCol w="2457974">
+                <a:gridCol w="2570551">
                   <a:extLst>
                     <a:ext uri="{9D8B030D-6E8A-4147-A177-3AD203B41FA5}">
                       <a16:colId xmlns:a16="http://schemas.microsoft.com/office/drawing/2014/main" val="130159350"/>
                     </a:ext>
                   </a:extLst>
                 </a:gridCol>
-                <a:gridCol w="1981248">
+                <a:gridCol w="1066186">
                   <a:extLst>
                     <a:ext uri="{9D8B030D-6E8A-4147-A177-3AD203B41FA5}">
                       <a16:colId xmlns:a16="http://schemas.microsoft.com/office/drawing/2014/main" val="851099838"/>
                     </a:ext>
                   </a:extLst>
                 </a:gridCol>
-                <a:gridCol w="1374902">
+                <a:gridCol w="1066186">
                   <a:extLst>
                     <a:ext uri="{9D8B030D-6E8A-4147-A177-3AD203B41FA5}">
                       <a16:colId xmlns:a16="http://schemas.microsoft.com/office/drawing/2014/main" val="2919539333"/>
                     </a:ext>
                   </a:extLst>
                 </a:gridCol>
-                <a:gridCol w="1374902">
+                <a:gridCol w="1437873">
                   <a:extLst>
                     <a:ext uri="{9D8B030D-6E8A-4147-A177-3AD203B41FA5}">
                       <a16:colId xmlns:a16="http://schemas.microsoft.com/office/drawing/2014/main" val="3251378671"/>
                     </a:ext>
                   </a:extLst>
                 </a:gridCol>
-                <a:gridCol w="813118">
+                <a:gridCol w="1019493">
                   <a:extLst>
                     <a:ext uri="{9D8B030D-6E8A-4147-A177-3AD203B41FA5}">
                       <a16:colId xmlns:a16="http://schemas.microsoft.com/office/drawing/2014/main" val="1017323343"/>
                     </a:ext>
                   </a:extLst>
                 </a:gridCol>
-                <a:gridCol w="1105218">
+                <a:gridCol w="1155838">
                   <a:extLst>
                     <a:ext uri="{9D8B030D-6E8A-4147-A177-3AD203B41FA5}">
                       <a16:colId xmlns:a16="http://schemas.microsoft.com/office/drawing/2014/main" val="754126515"/>
                     </a:ext>
                   </a:extLst>
                 </a:gridCol>
-                <a:gridCol w="1374902">
+                <a:gridCol w="1437873">
                   <a:extLst>
                     <a:ext uri="{9D8B030D-6E8A-4147-A177-3AD203B41FA5}">
                       <a16:colId xmlns:a16="http://schemas.microsoft.com/office/drawing/2014/main" val="507640895"/>
@@ -6299,12 +6238,13 @@
                   </a:extLst>
                 </a:gridCol>
               </a:tblGrid>
-              <a:tr h="370840">
-                <a:tc>
-                  <a:txBody>
-                    <a:bodyPr/>
-                    <a:lstStyle/>
-                    <a:p>
+              <a:tr h="371149">
+                <a:tc>
+                  <a:txBody>
+                    <a:bodyPr/>
+                    <a:lstStyle/>
+                    <a:p>
+                      <a:pPr algn="l"/>
                       <a:r>
                         <a:rPr lang="de-DE" dirty="0"/>
                         <a:t>Thema</a:t>
@@ -6318,6 +6258,7 @@
                     <a:bodyPr/>
                     <a:lstStyle/>
                     <a:p>
+                      <a:pPr algn="l"/>
                       <a:r>
                         <a:rPr lang="de-DE" dirty="0"/>
                         <a:t>Kriterium</a:t>
@@ -6331,6 +6272,7 @@
                     <a:bodyPr/>
                     <a:lstStyle/>
                     <a:p>
+                      <a:pPr algn="l"/>
                       <a:r>
                         <a:rPr lang="de-DE" dirty="0"/>
                         <a:t>Gatling</a:t>
@@ -6344,6 +6286,7 @@
                     <a:bodyPr/>
                     <a:lstStyle/>
                     <a:p>
+                      <a:pPr algn="l"/>
                       <a:r>
                         <a:rPr lang="de-DE" dirty="0" err="1"/>
                         <a:t>Locust</a:t>
@@ -6358,6 +6301,7 @@
                     <a:bodyPr/>
                     <a:lstStyle/>
                     <a:p>
+                      <a:pPr algn="l"/>
                       <a:r>
                         <a:rPr lang="de-DE" dirty="0"/>
                         <a:t>Apache AB</a:t>
@@ -6371,6 +6315,7 @@
                     <a:bodyPr/>
                     <a:lstStyle/>
                     <a:p>
+                      <a:pPr algn="l"/>
                       <a:r>
                         <a:rPr lang="de-DE" dirty="0"/>
                         <a:t>k6</a:t>
@@ -6384,17 +6329,10 @@
                     <a:bodyPr/>
                     <a:lstStyle/>
                     <a:p>
+                      <a:pPr algn="l"/>
                       <a:r>
                         <a:rPr lang="de-DE" dirty="0" err="1"/>
-                        <a:t>Bees</a:t>
-                      </a:r>
-                      <a:r>
-                        <a:rPr lang="de-DE" dirty="0"/>
-                        <a:t> </a:t>
-                      </a:r>
-                      <a:r>
-                        <a:rPr lang="de-DE" dirty="0" err="1"/>
-                        <a:t>wM</a:t>
+                        <a:t>nGrinder</a:t>
                       </a:r>
                       <a:endParaRPr lang="de-DE" dirty="0"/>
                     </a:p>
@@ -6406,6 +6344,7 @@
                     <a:bodyPr/>
                     <a:lstStyle/>
                     <a:p>
+                      <a:pPr algn="l"/>
                       <a:r>
                         <a:rPr lang="de-DE" dirty="0"/>
                         <a:t>Taurus</a:t>
@@ -6420,12 +6359,13 @@
                   </a:ext>
                 </a:extLst>
               </a:tr>
-              <a:tr h="370840">
-                <a:tc>
-                  <a:txBody>
-                    <a:bodyPr/>
-                    <a:lstStyle/>
-                    <a:p>
+              <a:tr h="371149">
+                <a:tc>
+                  <a:txBody>
+                    <a:bodyPr/>
+                    <a:lstStyle/>
+                    <a:p>
+                      <a:pPr algn="l"/>
                       <a:r>
                         <a:rPr lang="de-DE" dirty="0"/>
                         <a:t>Mängel / Bugs</a:t>
@@ -6439,6 +6379,7 @@
                     <a:bodyPr/>
                     <a:lstStyle/>
                     <a:p>
+                      <a:pPr algn="l"/>
                       <a:r>
                         <a:rPr lang="de-DE" dirty="0"/>
                         <a:t>Kritische Bugs?</a:t>
@@ -6452,6 +6393,7 @@
                     <a:bodyPr/>
                     <a:lstStyle/>
                     <a:p>
+                      <a:pPr algn="l"/>
                       <a:endParaRPr lang="de-DE" dirty="0"/>
                     </a:p>
                   </a:txBody>
@@ -6466,6 +6408,7 @@
                     <a:bodyPr/>
                     <a:lstStyle/>
                     <a:p>
+                      <a:pPr algn="l"/>
                       <a:endParaRPr lang="de-DE" dirty="0"/>
                     </a:p>
                   </a:txBody>
@@ -6480,6 +6423,7 @@
                     <a:bodyPr/>
                     <a:lstStyle/>
                     <a:p>
+                      <a:pPr algn="l"/>
                       <a:endParaRPr lang="de-DE" dirty="0"/>
                     </a:p>
                   </a:txBody>
@@ -6494,6 +6438,7 @@
                     <a:bodyPr/>
                     <a:lstStyle/>
                     <a:p>
+                      <a:pPr algn="l"/>
                       <a:endParaRPr lang="de-DE" dirty="0"/>
                     </a:p>
                   </a:txBody>
@@ -6508,6 +6453,7 @@
                     <a:bodyPr/>
                     <a:lstStyle/>
                     <a:p>
+                      <a:pPr algn="l"/>
                       <a:endParaRPr lang="de-DE" dirty="0"/>
                     </a:p>
                   </a:txBody>
@@ -6522,6 +6468,7 @@
                     <a:bodyPr/>
                     <a:lstStyle/>
                     <a:p>
+                      <a:pPr algn="l"/>
                       <a:endParaRPr lang="de-DE" dirty="0"/>
                     </a:p>
                   </a:txBody>
@@ -6537,12 +6484,13 @@
                   </a:ext>
                 </a:extLst>
               </a:tr>
-              <a:tr h="370840">
+              <a:tr h="371149">
                 <a:tc rowSpan="2">
                   <a:txBody>
                     <a:bodyPr/>
                     <a:lstStyle/>
                     <a:p>
+                      <a:pPr algn="l"/>
                       <a:r>
                         <a:rPr lang="de-DE" dirty="0"/>
                         <a:t>Bekanntheitsgrad</a:t>
@@ -6556,6 +6504,7 @@
                     <a:bodyPr/>
                     <a:lstStyle/>
                     <a:p>
+                      <a:pPr algn="l"/>
                       <a:r>
                         <a:rPr lang="de-DE" dirty="0" err="1"/>
                         <a:t>GoogleTrends</a:t>
@@ -6570,6 +6519,7 @@
                     <a:bodyPr/>
                     <a:lstStyle/>
                     <a:p>
+                      <a:pPr algn="l"/>
                       <a:endParaRPr lang="de-DE" dirty="0"/>
                     </a:p>
                   </a:txBody>
@@ -6584,6 +6534,7 @@
                     <a:bodyPr/>
                     <a:lstStyle/>
                     <a:p>
+                      <a:pPr algn="l"/>
                       <a:endParaRPr lang="de-DE" dirty="0"/>
                     </a:p>
                   </a:txBody>
@@ -6598,6 +6549,7 @@
                     <a:bodyPr/>
                     <a:lstStyle/>
                     <a:p>
+                      <a:pPr algn="l"/>
                       <a:endParaRPr lang="de-DE" dirty="0"/>
                     </a:p>
                   </a:txBody>
@@ -6608,6 +6560,7 @@
                     <a:bodyPr/>
                     <a:lstStyle/>
                     <a:p>
+                      <a:pPr algn="l"/>
                       <a:endParaRPr lang="de-DE" dirty="0"/>
                     </a:p>
                   </a:txBody>
@@ -6622,6 +6575,7 @@
                     <a:bodyPr/>
                     <a:lstStyle/>
                     <a:p>
+                      <a:pPr algn="l"/>
                       <a:endParaRPr lang="de-DE" dirty="0"/>
                     </a:p>
                   </a:txBody>
@@ -6636,6 +6590,7 @@
                     <a:bodyPr/>
                     <a:lstStyle/>
                     <a:p>
+                      <a:pPr algn="l"/>
                       <a:endParaRPr lang="de-DE" dirty="0"/>
                     </a:p>
                   </a:txBody>
@@ -6651,7 +6606,7 @@
                   </a:ext>
                 </a:extLst>
               </a:tr>
-              <a:tr h="370840">
+              <a:tr h="371149">
                 <a:tc vMerge="1">
                   <a:txBody>
                     <a:bodyPr/>
@@ -6667,6 +6622,7 @@
                     <a:bodyPr/>
                     <a:lstStyle/>
                     <a:p>
+                      <a:pPr algn="l"/>
                       <a:r>
                         <a:rPr lang="de-DE" dirty="0" err="1"/>
                         <a:t>StackOverflow</a:t>
@@ -6681,6 +6637,7 @@
                     <a:bodyPr/>
                     <a:lstStyle/>
                     <a:p>
+                      <a:pPr algn="l"/>
                       <a:endParaRPr lang="de-DE" dirty="0"/>
                     </a:p>
                   </a:txBody>
@@ -6695,6 +6652,7 @@
                     <a:bodyPr/>
                     <a:lstStyle/>
                     <a:p>
+                      <a:pPr algn="l"/>
                       <a:endParaRPr lang="de-DE" dirty="0"/>
                     </a:p>
                   </a:txBody>
@@ -6709,6 +6667,7 @@
                     <a:bodyPr/>
                     <a:lstStyle/>
                     <a:p>
+                      <a:pPr algn="l"/>
                       <a:endParaRPr lang="de-DE" dirty="0"/>
                     </a:p>
                   </a:txBody>
@@ -6719,6 +6678,7 @@
                     <a:bodyPr/>
                     <a:lstStyle/>
                     <a:p>
+                      <a:pPr algn="l"/>
                       <a:endParaRPr lang="de-DE" dirty="0"/>
                     </a:p>
                   </a:txBody>
@@ -6733,6 +6693,7 @@
                     <a:bodyPr/>
                     <a:lstStyle/>
                     <a:p>
+                      <a:pPr algn="l"/>
                       <a:endParaRPr lang="de-DE" dirty="0"/>
                     </a:p>
                   </a:txBody>
@@ -6747,6 +6708,7 @@
                     <a:bodyPr/>
                     <a:lstStyle/>
                     <a:p>
+                      <a:pPr algn="l"/>
                       <a:endParaRPr lang="de-DE" dirty="0"/>
                     </a:p>
                   </a:txBody>
@@ -6762,13 +6724,12 @@
                   </a:ext>
                 </a:extLst>
               </a:tr>
-              <a:tr h="370840">
-                <a:tc rowSpan="2">
-                  <a:txBody>
-                    <a:bodyPr/>
-                    <a:lstStyle/>
-                    <a:p>
-                      <a:pPr algn="l"/>
+              <a:tr h="640613">
+                <a:tc>
+                  <a:txBody>
+                    <a:bodyPr/>
+                    <a:lstStyle/>
+                    <a:p>
                       <a:r>
                         <a:rPr lang="de-DE" dirty="0"/>
                         <a:t>Innere Qualität</a:t>
@@ -6782,114 +6743,14 @@
                     <a:bodyPr/>
                     <a:lstStyle/>
                     <a:p>
-                      <a:r>
-                        <a:rPr lang="de-DE" dirty="0" err="1"/>
-                        <a:t>Build</a:t>
-                      </a:r>
-                      <a:r>
-                        <a:rPr lang="de-DE" dirty="0"/>
-                        <a:t>-Skript baut</a:t>
-                      </a:r>
-                    </a:p>
-                  </a:txBody>
-                  <a:tcPr/>
-                </a:tc>
-                <a:tc>
-                  <a:txBody>
-                    <a:bodyPr/>
-                    <a:lstStyle/>
-                    <a:p>
-                      <a:endParaRPr lang="de-DE" dirty="0"/>
-                    </a:p>
-                  </a:txBody>
-                  <a:tcPr>
-                    <a:solidFill>
-                      <a:srgbClr val="92D050"/>
-                    </a:solidFill>
-                  </a:tcPr>
-                </a:tc>
-                <a:tc>
-                  <a:txBody>
-                    <a:bodyPr/>
-                    <a:lstStyle/>
-                    <a:p>
-                      <a:endParaRPr lang="de-DE" dirty="0"/>
-                    </a:p>
-                  </a:txBody>
-                  <a:tcPr>
-                    <a:solidFill>
-                      <a:srgbClr val="92D050"/>
-                    </a:solidFill>
-                  </a:tcPr>
-                </a:tc>
-                <a:tc>
-                  <a:txBody>
-                    <a:bodyPr/>
-                    <a:lstStyle/>
-                    <a:p>
-                      <a:endParaRPr lang="de-DE" dirty="0"/>
-                    </a:p>
-                  </a:txBody>
-                  <a:tcPr/>
-                </a:tc>
-                <a:tc>
-                  <a:txBody>
-                    <a:bodyPr/>
-                    <a:lstStyle/>
-                    <a:p>
-                      <a:endParaRPr lang="de-DE" dirty="0"/>
-                    </a:p>
-                  </a:txBody>
-                  <a:tcPr/>
-                </a:tc>
-                <a:tc>
-                  <a:txBody>
-                    <a:bodyPr/>
-                    <a:lstStyle/>
-                    <a:p>
-                      <a:endParaRPr lang="de-DE" dirty="0"/>
-                    </a:p>
-                  </a:txBody>
-                  <a:tcPr/>
-                </a:tc>
-                <a:tc>
-                  <a:txBody>
-                    <a:bodyPr/>
-                    <a:lstStyle/>
-                    <a:p>
-                      <a:endParaRPr lang="de-DE" dirty="0"/>
-                    </a:p>
-                  </a:txBody>
-                  <a:tcPr/>
-                </a:tc>
-                <a:extLst>
-                  <a:ext uri="{0D108BD9-81ED-4DB2-BD59-A6C34878D82A}">
-                    <a16:rowId xmlns:a16="http://schemas.microsoft.com/office/drawing/2014/main" val="4285906766"/>
-                  </a:ext>
-                </a:extLst>
-              </a:tr>
-              <a:tr h="370840">
-                <a:tc vMerge="1">
-                  <a:txBody>
-                    <a:bodyPr/>
-                    <a:lstStyle/>
-                    <a:p>
-                      <a:endParaRPr lang="de-DE" dirty="0"/>
-                    </a:p>
-                  </a:txBody>
-                  <a:tcPr/>
-                </a:tc>
-                <a:tc>
-                  <a:txBody>
-                    <a:bodyPr/>
-                    <a:lstStyle/>
-                    <a:p>
+                      <a:pPr algn="l"/>
                       <a:r>
                         <a:rPr lang="de-DE" dirty="0"/>
                         <a:t>Coverage &gt; 30%</a:t>
                       </a:r>
                     </a:p>
                     <a:p>
+                      <a:pPr algn="l"/>
                       <a:r>
                         <a:rPr lang="de-DE" dirty="0"/>
                         <a:t>Comments &gt; 15%</a:t>
@@ -6903,37 +6764,60 @@
                     <a:bodyPr/>
                     <a:lstStyle/>
                     <a:p>
+                      <a:pPr algn="l"/>
                       <a:r>
                         <a:rPr lang="de-DE" dirty="0"/>
                         <a:t>0%</a:t>
                       </a:r>
                     </a:p>
                     <a:p>
+                      <a:pPr algn="l"/>
                       <a:r>
                         <a:rPr lang="de-DE" dirty="0"/>
                         <a:t>3.2%</a:t>
                       </a:r>
                     </a:p>
                   </a:txBody>
-                  <a:tcPr/>
-                </a:tc>
-                <a:tc>
-                  <a:txBody>
-                    <a:bodyPr/>
-                    <a:lstStyle/>
-                    <a:p>
+                  <a:tcPr>
+                    <a:solidFill>
+                      <a:srgbClr val="FF0000"/>
+                    </a:solidFill>
+                  </a:tcPr>
+                </a:tc>
+                <a:tc>
+                  <a:txBody>
+                    <a:bodyPr/>
+                    <a:lstStyle/>
+                    <a:p>
+                      <a:pPr algn="l"/>
                       <a:r>
                         <a:rPr lang="de-DE" dirty="0"/>
                         <a:t>27%</a:t>
                       </a:r>
                     </a:p>
                     <a:p>
+                      <a:pPr algn="l"/>
                       <a:r>
                         <a:rPr lang="de-DE" dirty="0"/>
                         <a:t>13.4%</a:t>
                       </a:r>
                     </a:p>
                   </a:txBody>
+                  <a:tcPr>
+                    <a:solidFill>
+                      <a:srgbClr val="FFFF00"/>
+                    </a:solidFill>
+                  </a:tcPr>
+                </a:tc>
+                <a:tc>
+                  <a:txBody>
+                    <a:bodyPr/>
+                    <a:lstStyle/>
+                    <a:p>
+                      <a:pPr algn="l"/>
+                      <a:endParaRPr lang="de-DE" dirty="0"/>
+                    </a:p>
+                  </a:txBody>
                   <a:tcPr/>
                 </a:tc>
                 <a:tc>
@@ -6941,37 +6825,30 @@
                     <a:bodyPr/>
                     <a:lstStyle/>
                     <a:p>
+                      <a:pPr algn="l"/>
+                      <a:endParaRPr lang="de-DE"/>
+                    </a:p>
+                  </a:txBody>
+                  <a:tcPr/>
+                </a:tc>
+                <a:tc>
+                  <a:txBody>
+                    <a:bodyPr/>
+                    <a:lstStyle/>
+                    <a:p>
+                      <a:pPr algn="l"/>
+                      <a:endParaRPr lang="de-DE"/>
+                    </a:p>
+                  </a:txBody>
+                  <a:tcPr/>
+                </a:tc>
+                <a:tc>
+                  <a:txBody>
+                    <a:bodyPr/>
+                    <a:lstStyle/>
+                    <a:p>
+                      <a:pPr algn="l"/>
                       <a:endParaRPr lang="de-DE" dirty="0"/>
-                    </a:p>
-                  </a:txBody>
-                  <a:tcPr/>
-                </a:tc>
-                <a:tc>
-                  <a:txBody>
-                    <a:bodyPr/>
-                    <a:lstStyle/>
-                    <a:p>
-                      <a:endParaRPr lang="de-DE"/>
-                    </a:p>
-                  </a:txBody>
-                  <a:tcPr/>
-                </a:tc>
-                <a:tc>
-                  <a:txBody>
-                    <a:bodyPr/>
-                    <a:lstStyle/>
-                    <a:p>
-                      <a:endParaRPr lang="de-DE"/>
-                    </a:p>
-                  </a:txBody>
-                  <a:tcPr/>
-                </a:tc>
-                <a:tc>
-                  <a:txBody>
-                    <a:bodyPr/>
-                    <a:lstStyle/>
-                    <a:p>
-                      <a:endParaRPr lang="de-DE"/>
                     </a:p>
                   </a:txBody>
                   <a:tcPr/>
@@ -6982,12 +6859,13 @@
                   </a:ext>
                 </a:extLst>
               </a:tr>
-              <a:tr h="370840">
+              <a:tr h="371149">
                 <a:tc rowSpan="4">
                   <a:txBody>
                     <a:bodyPr/>
                     <a:lstStyle/>
                     <a:p>
+                      <a:pPr algn="l"/>
                       <a:r>
                         <a:rPr lang="de-DE" dirty="0"/>
                         <a:t>Projekt Aktivität</a:t>
@@ -7001,6 +6879,7 @@
                     <a:bodyPr/>
                     <a:lstStyle/>
                     <a:p>
+                      <a:pPr algn="l"/>
                       <a:r>
                         <a:rPr lang="de-DE" dirty="0"/>
                         <a:t>Auf </a:t>
@@ -7022,78 +6901,108 @@
                     <a:bodyPr/>
                     <a:lstStyle/>
                     <a:p>
+                      <a:pPr algn="l"/>
                       <a:r>
                         <a:rPr lang="de-DE" dirty="0"/>
                         <a:t>Ja</a:t>
                       </a:r>
                     </a:p>
                   </a:txBody>
-                  <a:tcPr/>
-                </a:tc>
-                <a:tc>
-                  <a:txBody>
-                    <a:bodyPr/>
-                    <a:lstStyle/>
-                    <a:p>
+                  <a:tcPr>
+                    <a:solidFill>
+                      <a:srgbClr val="92D050"/>
+                    </a:solidFill>
+                  </a:tcPr>
+                </a:tc>
+                <a:tc>
+                  <a:txBody>
+                    <a:bodyPr/>
+                    <a:lstStyle/>
+                    <a:p>
+                      <a:pPr algn="l"/>
                       <a:r>
                         <a:rPr lang="de-DE" dirty="0"/>
                         <a:t>Ja</a:t>
                       </a:r>
                     </a:p>
                   </a:txBody>
-                  <a:tcPr/>
-                </a:tc>
-                <a:tc>
-                  <a:txBody>
-                    <a:bodyPr/>
-                    <a:lstStyle/>
-                    <a:p>
+                  <a:tcPr>
+                    <a:solidFill>
+                      <a:srgbClr val="92D050"/>
+                    </a:solidFill>
+                  </a:tcPr>
+                </a:tc>
+                <a:tc>
+                  <a:txBody>
+                    <a:bodyPr/>
+                    <a:lstStyle/>
+                    <a:p>
+                      <a:pPr algn="l"/>
                       <a:r>
                         <a:rPr lang="de-DE" dirty="0"/>
                         <a:t>Ja</a:t>
                       </a:r>
                     </a:p>
                   </a:txBody>
-                  <a:tcPr/>
-                </a:tc>
-                <a:tc>
-                  <a:txBody>
-                    <a:bodyPr/>
-                    <a:lstStyle/>
-                    <a:p>
+                  <a:tcPr>
+                    <a:solidFill>
+                      <a:srgbClr val="92D050"/>
+                    </a:solidFill>
+                  </a:tcPr>
+                </a:tc>
+                <a:tc>
+                  <a:txBody>
+                    <a:bodyPr/>
+                    <a:lstStyle/>
+                    <a:p>
+                      <a:pPr algn="l"/>
                       <a:r>
                         <a:rPr lang="de-DE" dirty="0"/>
                         <a:t>Nein</a:t>
                       </a:r>
                     </a:p>
                   </a:txBody>
-                  <a:tcPr/>
-                </a:tc>
-                <a:tc>
-                  <a:txBody>
-                    <a:bodyPr/>
-                    <a:lstStyle/>
-                    <a:p>
+                  <a:tcPr>
+                    <a:solidFill>
+                      <a:srgbClr val="FF0000"/>
+                    </a:solidFill>
+                  </a:tcPr>
+                </a:tc>
+                <a:tc>
+                  <a:txBody>
+                    <a:bodyPr/>
+                    <a:lstStyle/>
+                    <a:p>
+                      <a:pPr algn="l"/>
+                      <a:r>
+                        <a:rPr lang="de-DE" dirty="0"/>
+                        <a:t>Ja</a:t>
+                      </a:r>
+                    </a:p>
+                  </a:txBody>
+                  <a:tcPr>
+                    <a:solidFill>
+                      <a:srgbClr val="92D050"/>
+                    </a:solidFill>
+                  </a:tcPr>
+                </a:tc>
+                <a:tc>
+                  <a:txBody>
+                    <a:bodyPr/>
+                    <a:lstStyle/>
+                    <a:p>
+                      <a:pPr algn="l"/>
                       <a:r>
                         <a:rPr lang="de-DE" dirty="0"/>
                         <a:t>Nein</a:t>
                       </a:r>
                     </a:p>
                   </a:txBody>
-                  <a:tcPr/>
-                </a:tc>
-                <a:tc>
-                  <a:txBody>
-                    <a:bodyPr/>
-                    <a:lstStyle/>
-                    <a:p>
-                      <a:r>
-                        <a:rPr lang="de-DE" dirty="0"/>
-                        <a:t>Nein</a:t>
-                      </a:r>
-                    </a:p>
-                  </a:txBody>
-                  <a:tcPr/>
+                  <a:tcPr>
+                    <a:solidFill>
+                      <a:srgbClr val="FF0000"/>
+                    </a:solidFill>
+                  </a:tcPr>
                 </a:tc>
                 <a:extLst>
                   <a:ext uri="{0D108BD9-81ED-4DB2-BD59-A6C34878D82A}">
@@ -7101,7 +7010,7 @@
                   </a:ext>
                 </a:extLst>
               </a:tr>
-              <a:tr h="370840">
+              <a:tr h="640613">
                 <a:tc vMerge="1">
                   <a:txBody>
                     <a:bodyPr/>
@@ -7117,6 +7026,7 @@
                     <a:bodyPr/>
                     <a:lstStyle/>
                     <a:p>
+                      <a:pPr algn="l"/>
                       <a:r>
                         <a:rPr lang="de-DE" dirty="0"/>
                         <a:t>Min. 1 Release im letzten Jahr</a:t>
@@ -7130,25 +7040,46 @@
                     <a:bodyPr/>
                     <a:lstStyle/>
                     <a:p>
+                      <a:pPr algn="l"/>
                       <a:r>
                         <a:rPr lang="de-DE" dirty="0"/>
-                        <a:t>Nein</a:t>
+                        <a:t>04/2016</a:t>
                       </a:r>
                     </a:p>
                   </a:txBody>
-                  <a:tcPr/>
-                </a:tc>
-                <a:tc>
-                  <a:txBody>
-                    <a:bodyPr/>
-                    <a:lstStyle/>
-                    <a:p>
+                  <a:tcPr>
+                    <a:solidFill>
+                      <a:srgbClr val="FF0000"/>
+                    </a:solidFill>
+                  </a:tcPr>
+                </a:tc>
+                <a:tc>
+                  <a:txBody>
+                    <a:bodyPr/>
+                    <a:lstStyle/>
+                    <a:p>
+                      <a:pPr algn="l"/>
                       <a:r>
                         <a:rPr lang="de-DE" dirty="0"/>
-                        <a:t>Ja, 09/2017</a:t>
+                        <a:t>09/2017</a:t>
                       </a:r>
                     </a:p>
                   </a:txBody>
+                  <a:tcPr>
+                    <a:solidFill>
+                      <a:srgbClr val="92D050"/>
+                    </a:solidFill>
+                  </a:tcPr>
+                </a:tc>
+                <a:tc>
+                  <a:txBody>
+                    <a:bodyPr/>
+                    <a:lstStyle/>
+                    <a:p>
+                      <a:pPr algn="l"/>
+                      <a:endParaRPr lang="de-DE" dirty="0"/>
+                    </a:p>
+                  </a:txBody>
                   <a:tcPr/>
                 </a:tc>
                 <a:tc>
@@ -7156,36 +7087,43 @@
                     <a:bodyPr/>
                     <a:lstStyle/>
                     <a:p>
-                      <a:endParaRPr lang="de-DE" dirty="0"/>
-                    </a:p>
-                  </a:txBody>
-                  <a:tcPr/>
-                </a:tc>
-                <a:tc>
-                  <a:txBody>
-                    <a:bodyPr/>
-                    <a:lstStyle/>
-                    <a:p>
-                      <a:endParaRPr lang="de-DE" dirty="0"/>
-                    </a:p>
-                  </a:txBody>
-                  <a:tcPr/>
-                </a:tc>
-                <a:tc>
-                  <a:txBody>
-                    <a:bodyPr/>
-                    <a:lstStyle/>
-                    <a:p>
-                      <a:endParaRPr lang="de-DE" dirty="0"/>
-                    </a:p>
-                  </a:txBody>
-                  <a:tcPr/>
-                </a:tc>
-                <a:tc>
-                  <a:txBody>
-                    <a:bodyPr/>
-                    <a:lstStyle/>
-                    <a:p>
+                      <a:pPr algn="l"/>
+                      <a:r>
+                        <a:rPr lang="de-DE" dirty="0"/>
+                        <a:t>03/2018</a:t>
+                      </a:r>
+                    </a:p>
+                  </a:txBody>
+                  <a:tcPr>
+                    <a:solidFill>
+                      <a:srgbClr val="92D050"/>
+                    </a:solidFill>
+                  </a:tcPr>
+                </a:tc>
+                <a:tc>
+                  <a:txBody>
+                    <a:bodyPr/>
+                    <a:lstStyle/>
+                    <a:p>
+                      <a:pPr algn="l"/>
+                      <a:r>
+                        <a:rPr lang="de-DE" dirty="0"/>
+                        <a:t>02/2017</a:t>
+                      </a:r>
+                    </a:p>
+                  </a:txBody>
+                  <a:tcPr>
+                    <a:solidFill>
+                      <a:srgbClr val="92D050"/>
+                    </a:solidFill>
+                  </a:tcPr>
+                </a:tc>
+                <a:tc>
+                  <a:txBody>
+                    <a:bodyPr/>
+                    <a:lstStyle/>
+                    <a:p>
+                      <a:pPr algn="l"/>
                       <a:endParaRPr lang="de-DE" dirty="0"/>
                     </a:p>
                   </a:txBody>
@@ -7197,7 +7135,7 @@
                   </a:ext>
                 </a:extLst>
               </a:tr>
-              <a:tr h="370840">
+              <a:tr h="371149">
                 <a:tc vMerge="1">
                   <a:txBody>
                     <a:bodyPr/>
@@ -7213,6 +7151,7 @@
                     <a:bodyPr/>
                     <a:lstStyle/>
                     <a:p>
+                      <a:pPr algn="l"/>
                       <a:r>
                         <a:rPr lang="de-DE" dirty="0"/>
                         <a:t>Min. 3 aktive </a:t>
@@ -7231,25 +7170,46 @@
                     <a:bodyPr/>
                     <a:lstStyle/>
                     <a:p>
+                      <a:pPr algn="l"/>
                       <a:r>
                         <a:rPr lang="de-DE" dirty="0"/>
                         <a:t>Ja</a:t>
                       </a:r>
                     </a:p>
                   </a:txBody>
-                  <a:tcPr/>
-                </a:tc>
-                <a:tc>
-                  <a:txBody>
-                    <a:bodyPr/>
-                    <a:lstStyle/>
-                    <a:p>
+                  <a:tcPr>
+                    <a:solidFill>
+                      <a:srgbClr val="92D050"/>
+                    </a:solidFill>
+                  </a:tcPr>
+                </a:tc>
+                <a:tc>
+                  <a:txBody>
+                    <a:bodyPr/>
+                    <a:lstStyle/>
+                    <a:p>
+                      <a:pPr algn="l"/>
                       <a:r>
                         <a:rPr lang="de-DE" dirty="0"/>
                         <a:t>Ja</a:t>
                       </a:r>
                     </a:p>
                   </a:txBody>
+                  <a:tcPr>
+                    <a:solidFill>
+                      <a:srgbClr val="92D050"/>
+                    </a:solidFill>
+                  </a:tcPr>
+                </a:tc>
+                <a:tc>
+                  <a:txBody>
+                    <a:bodyPr/>
+                    <a:lstStyle/>
+                    <a:p>
+                      <a:pPr algn="l"/>
+                      <a:endParaRPr lang="de-DE" dirty="0"/>
+                    </a:p>
+                  </a:txBody>
                   <a:tcPr/>
                 </a:tc>
                 <a:tc>
@@ -7257,6 +7217,7 @@
                     <a:bodyPr/>
                     <a:lstStyle/>
                     <a:p>
+                      <a:pPr algn="l"/>
                       <a:endParaRPr lang="de-DE" dirty="0"/>
                     </a:p>
                   </a:txBody>
@@ -7267,6 +7228,7 @@
                     <a:bodyPr/>
                     <a:lstStyle/>
                     <a:p>
+                      <a:pPr algn="l"/>
                       <a:endParaRPr lang="de-DE" dirty="0"/>
                     </a:p>
                   </a:txBody>
@@ -7277,16 +7239,7 @@
                     <a:bodyPr/>
                     <a:lstStyle/>
                     <a:p>
-                      <a:endParaRPr lang="de-DE" dirty="0"/>
-                    </a:p>
-                  </a:txBody>
-                  <a:tcPr/>
-                </a:tc>
-                <a:tc>
-                  <a:txBody>
-                    <a:bodyPr/>
-                    <a:lstStyle/>
-                    <a:p>
+                      <a:pPr algn="l"/>
                       <a:endParaRPr lang="de-DE" dirty="0"/>
                     </a:p>
                   </a:txBody>
@@ -7298,7 +7251,7 @@
                   </a:ext>
                 </a:extLst>
               </a:tr>
-              <a:tr h="370840">
+              <a:tr h="371149">
                 <a:tc vMerge="1">
                   <a:txBody>
                     <a:bodyPr/>
@@ -7314,6 +7267,7 @@
                     <a:bodyPr/>
                     <a:lstStyle/>
                     <a:p>
+                      <a:pPr algn="l"/>
                       <a:r>
                         <a:rPr lang="de-DE" dirty="0"/>
                         <a:t>Min. 1 Commit / Monat</a:t>
@@ -7327,6 +7281,7 @@
                     <a:bodyPr/>
                     <a:lstStyle/>
                     <a:p>
+                      <a:pPr algn="l"/>
                       <a:r>
                         <a:rPr lang="de-DE" dirty="0"/>
                         <a:t>Ja</a:t>
@@ -7340,6 +7295,7 @@
                     <a:bodyPr/>
                     <a:lstStyle/>
                     <a:p>
+                      <a:pPr algn="l"/>
                       <a:r>
                         <a:rPr lang="de-DE" dirty="0"/>
                         <a:t>Ja</a:t>
@@ -7353,6 +7309,7 @@
                     <a:bodyPr/>
                     <a:lstStyle/>
                     <a:p>
+                      <a:pPr algn="l"/>
                       <a:endParaRPr lang="de-DE" dirty="0"/>
                     </a:p>
                   </a:txBody>
@@ -7363,6 +7320,7 @@
                     <a:bodyPr/>
                     <a:lstStyle/>
                     <a:p>
+                      <a:pPr algn="l"/>
                       <a:endParaRPr lang="de-DE" dirty="0"/>
                     </a:p>
                   </a:txBody>
@@ -7373,6 +7331,7 @@
                     <a:bodyPr/>
                     <a:lstStyle/>
                     <a:p>
+                      <a:pPr algn="l"/>
                       <a:endParaRPr lang="de-DE" dirty="0"/>
                     </a:p>
                   </a:txBody>
@@ -7383,6 +7342,7 @@
                     <a:bodyPr/>
                     <a:lstStyle/>
                     <a:p>
+                      <a:pPr algn="l"/>
                       <a:endParaRPr lang="de-DE" dirty="0"/>
                     </a:p>
                   </a:txBody>
@@ -7539,7 +7499,7 @@
           <a:p>
             <a:fld id="{BBFFFFB7-B427-4FC9-89B5-E815E530C709}" type="datetime1">
               <a:rPr lang="de-DE" smtClean="0"/>
-              <a:t>09.05.2018</a:t>
+              <a:t>14.05.2018</a:t>
             </a:fld>
             <a:endParaRPr lang="de-DE"/>
           </a:p>
@@ -7752,15 +7712,15 @@
             </a:pPr>
             <a:r>
               <a:rPr lang="de-DE" dirty="0"/>
-              <a:t> Auf Codequalität geachtet beim </a:t>
+              <a:t> Durchführung der einzelnen Tests mithilfe von </a:t>
             </a:r>
             <a:r>
               <a:rPr lang="de-DE" dirty="0" err="1"/>
-              <a:t>WebService</a:t>
+              <a:t>Gradle</a:t>
             </a:r>
             <a:r>
               <a:rPr lang="de-DE" dirty="0"/>
-              <a:t> (siehe Sonar)</a:t>
+              <a:t> Tasks</a:t>
             </a:r>
           </a:p>
         </p:txBody>
@@ -7788,7 +7748,7 @@
           <a:p>
             <a:fld id="{5E3FA0F3-663C-4E4D-A9AD-FCEECA59737D}" type="datetime1">
               <a:rPr lang="de-DE" smtClean="0"/>
-              <a:t>09.05.2018</a:t>
+              <a:t>14.05.2018</a:t>
             </a:fld>
             <a:endParaRPr lang="de-DE"/>
           </a:p>
@@ -7967,7 +7927,7 @@
           <a:p>
             <a:fld id="{928650A1-1A79-48B9-A942-815D58127345}" type="datetime1">
               <a:rPr lang="de-DE" smtClean="0"/>
-              <a:t>09.05.2018</a:t>
+              <a:t>14.05.2018</a:t>
             </a:fld>
             <a:endParaRPr lang="de-DE"/>
           </a:p>
@@ -8113,7 +8073,7 @@
           <a:p>
             <a:fld id="{BBFFFFB7-B427-4FC9-89B5-E815E530C709}" type="datetime1">
               <a:rPr lang="de-DE" smtClean="0"/>
-              <a:t>09.05.2018</a:t>
+              <a:t>14.05.2018</a:t>
             </a:fld>
             <a:endParaRPr lang="de-DE"/>
           </a:p>
@@ -8330,7 +8290,7 @@
           <a:p>
             <a:fld id="{5E3FA0F3-663C-4E4D-A9AD-FCEECA59737D}" type="datetime1">
               <a:rPr lang="de-DE" smtClean="0"/>
-              <a:t>09.05.2018</a:t>
+              <a:t>14.05.2018</a:t>
             </a:fld>
             <a:endParaRPr lang="de-DE"/>
           </a:p>
@@ -8587,7 +8547,7 @@
           <a:p>
             <a:fld id="{5E3FA0F3-663C-4E4D-A9AD-FCEECA59737D}" type="datetime1">
               <a:rPr lang="de-DE" smtClean="0"/>
-              <a:t>09.05.2018</a:t>
+              <a:t>14.05.2018</a:t>
             </a:fld>
             <a:endParaRPr lang="de-DE"/>
           </a:p>
@@ -8728,7 +8688,7 @@
           <a:p>
             <a:fld id="{BBFFFFB7-B427-4FC9-89B5-E815E530C709}" type="datetime1">
               <a:rPr lang="de-DE" smtClean="0"/>
-              <a:t>09.05.2018</a:t>
+              <a:t>14.05.2018</a:t>
             </a:fld>
             <a:endParaRPr lang="de-DE"/>
           </a:p>
@@ -8930,7 +8890,7 @@
           <a:p>
             <a:fld id="{40945502-2D6D-4EF3-B5E9-AD6E136212A6}" type="datetime1">
               <a:rPr lang="de-DE" smtClean="0"/>
-              <a:t>09.05.2018</a:t>
+              <a:t>14.05.2018</a:t>
             </a:fld>
             <a:endParaRPr lang="de-DE"/>
           </a:p>
@@ -9181,7 +9141,7 @@
           <a:p>
             <a:fld id="{BBFFFFB7-B427-4FC9-89B5-E815E530C709}" type="datetime1">
               <a:rPr lang="de-DE" smtClean="0"/>
-              <a:t>09.05.2018</a:t>
+              <a:t>14.05.2018</a:t>
             </a:fld>
             <a:endParaRPr lang="de-DE"/>
           </a:p>
@@ -9399,7 +9359,7 @@
           <a:p>
             <a:fld id="{BBFFFFB7-B427-4FC9-89B5-E815E530C709}" type="datetime1">
               <a:rPr lang="de-DE" smtClean="0"/>
-              <a:t>09.05.2018</a:t>
+              <a:t>14.05.2018</a:t>
             </a:fld>
             <a:endParaRPr lang="de-DE"/>
           </a:p>
@@ -9469,7 +9429,7 @@
           <p:cNvPr id="2" name="Titel 1">
             <a:extLst>
               <a:ext uri="{FF2B5EF4-FFF2-40B4-BE49-F238E27FC236}">
-                <a16:creationId xmlns:a16="http://schemas.microsoft.com/office/drawing/2014/main" id="{FC5E778E-2A11-4C1E-8D8C-273067E4E86A}"/>
+                <a16:creationId xmlns:a16="http://schemas.microsoft.com/office/drawing/2014/main" id="{25465261-E22D-45A7-A775-4EE309F0CB55}"/>
               </a:ext>
             </a:extLst>
           </p:cNvPr>
@@ -9486,9 +9446,67 @@
           <a:lstStyle/>
           <a:p>
             <a:r>
+              <a:rPr lang="de-DE" dirty="0" err="1"/>
+              <a:t>nGrinder</a:t>
+            </a:r>
+            <a:endParaRPr lang="de-DE" dirty="0"/>
+          </a:p>
+        </p:txBody>
+      </p:sp>
+      <p:sp>
+        <p:nvSpPr>
+          <p:cNvPr id="3" name="Inhaltsplatzhalter 2">
+            <a:extLst>
+              <a:ext uri="{FF2B5EF4-FFF2-40B4-BE49-F238E27FC236}">
+                <a16:creationId xmlns:a16="http://schemas.microsoft.com/office/drawing/2014/main" id="{956F385F-9DDC-4FF5-BDAD-EFBB0A4BEE67}"/>
+              </a:ext>
+            </a:extLst>
+          </p:cNvPr>
+          <p:cNvSpPr>
+            <a:spLocks noGrp="1"/>
+          </p:cNvSpPr>
+          <p:nvPr>
+            <p:ph idx="1"/>
+          </p:nvPr>
+        </p:nvSpPr>
+        <p:spPr/>
+        <p:txBody>
+          <a:bodyPr/>
+          <a:lstStyle/>
+          <a:p>
+            <a:pPr>
+              <a:buFont typeface="Arial" panose="020B0604020202020204" pitchFamily="34" charset="0"/>
+              <a:buChar char="•"/>
+            </a:pPr>
+            <a:r>
               <a:rPr lang="de-DE" dirty="0"/>
-              <a:t>k6 </a:t>
-            </a:r>
+              <a:t> 2012 veröffentlicht (aktuell in Version 3.4.1)</a:t>
+            </a:r>
+          </a:p>
+          <a:p>
+            <a:pPr>
+              <a:buFont typeface="Arial" panose="020B0604020202020204" pitchFamily="34" charset="0"/>
+              <a:buChar char="•"/>
+            </a:pPr>
+            <a:r>
+              <a:rPr lang="de-DE" dirty="0"/>
+              <a:t> Apache Lizenz 2.0</a:t>
+            </a:r>
+          </a:p>
+          <a:p>
+            <a:pPr>
+              <a:buFont typeface="Arial" panose="020B0604020202020204" pitchFamily="34" charset="0"/>
+              <a:buChar char="•"/>
+            </a:pPr>
+            <a:r>
+              <a:rPr lang="de-DE" dirty="0"/>
+              <a:t> Programmiersprache: </a:t>
+            </a:r>
+            <a:r>
+              <a:rPr lang="de-DE" dirty="0" err="1"/>
+              <a:t>Jython</a:t>
+            </a:r>
+            <a:endParaRPr lang="de-DE" dirty="0"/>
           </a:p>
         </p:txBody>
       </p:sp>
@@ -9497,7 +9515,7 @@
           <p:cNvPr id="4" name="Datumsplatzhalter 3">
             <a:extLst>
               <a:ext uri="{FF2B5EF4-FFF2-40B4-BE49-F238E27FC236}">
-                <a16:creationId xmlns:a16="http://schemas.microsoft.com/office/drawing/2014/main" id="{DD0D5017-119E-4C58-9EF9-8EA436CBC7DC}"/>
+                <a16:creationId xmlns:a16="http://schemas.microsoft.com/office/drawing/2014/main" id="{FFB10ED8-02C7-48E8-A738-E334CC3316C4}"/>
               </a:ext>
             </a:extLst>
           </p:cNvPr>
@@ -9515,7 +9533,7 @@
           <a:p>
             <a:fld id="{BBFFFFB7-B427-4FC9-89B5-E815E530C709}" type="datetime1">
               <a:rPr lang="de-DE" smtClean="0"/>
-              <a:t>09.05.2018</a:t>
+              <a:t>14.05.2018</a:t>
             </a:fld>
             <a:endParaRPr lang="de-DE"/>
           </a:p>
@@ -9526,7 +9544,7 @@
           <p:cNvPr id="5" name="Foliennummernplatzhalter 4">
             <a:extLst>
               <a:ext uri="{FF2B5EF4-FFF2-40B4-BE49-F238E27FC236}">
-                <a16:creationId xmlns:a16="http://schemas.microsoft.com/office/drawing/2014/main" id="{942EAD44-7938-41E8-BB37-7A5A16FC2BD2}"/>
+                <a16:creationId xmlns:a16="http://schemas.microsoft.com/office/drawing/2014/main" id="{C1CC5C3A-0BBF-4937-9624-75E72F07D897}"/>
               </a:ext>
             </a:extLst>
           </p:cNvPr>
@@ -9550,64 +9568,12 @@
           </a:p>
         </p:txBody>
       </p:sp>
-      <p:sp>
-        <p:nvSpPr>
-          <p:cNvPr id="9" name="Inhaltsplatzhalter 8">
+      <p:pic>
+        <p:nvPicPr>
+          <p:cNvPr id="6" name="Grafik 5">
             <a:extLst>
               <a:ext uri="{FF2B5EF4-FFF2-40B4-BE49-F238E27FC236}">
-                <a16:creationId xmlns:a16="http://schemas.microsoft.com/office/drawing/2014/main" id="{856C14B4-A813-4D9C-8839-6D7097D8FA29}"/>
-              </a:ext>
-            </a:extLst>
-          </p:cNvPr>
-          <p:cNvSpPr>
-            <a:spLocks noGrp="1"/>
-          </p:cNvSpPr>
-          <p:nvPr>
-            <p:ph idx="1"/>
-          </p:nvPr>
-        </p:nvSpPr>
-        <p:spPr/>
-        <p:txBody>
-          <a:bodyPr/>
-          <a:lstStyle/>
-          <a:p>
-            <a:pPr>
-              <a:buFont typeface="Arial" panose="020B0604020202020204" pitchFamily="34" charset="0"/>
-              <a:buChar char="•"/>
-            </a:pPr>
-            <a:r>
-              <a:rPr lang="de-DE" dirty="0"/>
-              <a:t> 2016 veröffentlicht (aktuell in Version 0.20.0)</a:t>
-            </a:r>
-          </a:p>
-          <a:p>
-            <a:pPr>
-              <a:buFont typeface="Arial" panose="020B0604020202020204" pitchFamily="34" charset="0"/>
-              <a:buChar char="•"/>
-            </a:pPr>
-            <a:r>
-              <a:rPr lang="de-DE" dirty="0"/>
-              <a:t> AGPL Lizenz</a:t>
-            </a:r>
-          </a:p>
-          <a:p>
-            <a:pPr>
-              <a:buFont typeface="Arial" panose="020B0604020202020204" pitchFamily="34" charset="0"/>
-              <a:buChar char="•"/>
-            </a:pPr>
-            <a:r>
-              <a:rPr lang="de-DE" dirty="0"/>
-              <a:t> Programmiersprache: JavaScript und GO</a:t>
-            </a:r>
-          </a:p>
-        </p:txBody>
-      </p:sp>
-      <p:pic>
-        <p:nvPicPr>
-          <p:cNvPr id="3" name="Grafik 2">
-            <a:extLst>
-              <a:ext uri="{FF2B5EF4-FFF2-40B4-BE49-F238E27FC236}">
-                <a16:creationId xmlns:a16="http://schemas.microsoft.com/office/drawing/2014/main" id="{6F55CB92-7381-458D-9959-7EFD9B012DBA}"/>
+                <a16:creationId xmlns:a16="http://schemas.microsoft.com/office/drawing/2014/main" id="{85560B9E-5419-44F6-8859-4DCA30933AFF}"/>
               </a:ext>
             </a:extLst>
           </p:cNvPr>
@@ -9624,18 +9590,65 @@
         </p:blipFill>
         <p:spPr>
           <a:xfrm>
-            <a:off x="1097280" y="3397718"/>
-            <a:ext cx="10058400" cy="2471376"/>
+            <a:off x="1097281" y="3603594"/>
+            <a:ext cx="10058400" cy="2091755"/>
           </a:xfrm>
           <a:prstGeom prst="rect">
             <a:avLst/>
           </a:prstGeom>
         </p:spPr>
       </p:pic>
+      <p:pic>
+        <p:nvPicPr>
+          <p:cNvPr id="1026" name="Picture 2" descr="http://naver.github.io/ngrinder/images/logo_ngrinder_a_header_inv.png">
+            <a:extLst>
+              <a:ext uri="{FF2B5EF4-FFF2-40B4-BE49-F238E27FC236}">
+                <a16:creationId xmlns:a16="http://schemas.microsoft.com/office/drawing/2014/main" id="{EBFBA67F-76A7-4F5E-930B-5F5706F2A4AB}"/>
+              </a:ext>
+            </a:extLst>
+          </p:cNvPr>
+          <p:cNvPicPr>
+            <a:picLocks noChangeAspect="1" noChangeArrowheads="1"/>
+          </p:cNvPicPr>
+          <p:nvPr/>
+        </p:nvPicPr>
+        <p:blipFill>
+          <a:blip r:embed="rId3">
+            <a:extLst>
+              <a:ext uri="{28A0092B-C50C-407E-A947-70E740481C1C}">
+                <a14:useLocalDpi xmlns:a14="http://schemas.microsoft.com/office/drawing/2010/main" val="0"/>
+              </a:ext>
+            </a:extLst>
+          </a:blip>
+          <a:srcRect/>
+          <a:stretch>
+            <a:fillRect/>
+          </a:stretch>
+        </p:blipFill>
+        <p:spPr bwMode="auto">
+          <a:xfrm>
+            <a:off x="7910004" y="982963"/>
+            <a:ext cx="3302479" cy="544159"/>
+          </a:xfrm>
+          <a:prstGeom prst="rect">
+            <a:avLst/>
+          </a:prstGeom>
+          <a:noFill/>
+          <a:extLst>
+            <a:ext uri="{909E8E84-426E-40DD-AFC4-6F175D3DCCD1}">
+              <a14:hiddenFill xmlns:a14="http://schemas.microsoft.com/office/drawing/2010/main">
+                <a:solidFill>
+                  <a:srgbClr val="FFFFFF"/>
+                </a:solidFill>
+              </a14:hiddenFill>
+            </a:ext>
+          </a:extLst>
+        </p:spPr>
+      </p:pic>
     </p:spTree>
     <p:extLst>
       <p:ext uri="{BB962C8B-B14F-4D97-AF65-F5344CB8AC3E}">
-        <p14:creationId xmlns:p14="http://schemas.microsoft.com/office/powerpoint/2010/main" val="2213988132"/>
+        <p14:creationId xmlns:p14="http://schemas.microsoft.com/office/powerpoint/2010/main" val="3351800027"/>
       </p:ext>
     </p:extLst>
   </p:cSld>

--- a/LoadTesting.pptx
+++ b/LoadTesting.pptx
@@ -5,23 +5,21 @@
     <p:sldMasterId id="2147483672" r:id="rId1"/>
   </p:sldMasterIdLst>
   <p:notesMasterIdLst>
-    <p:notesMasterId r:id="rId16"/>
+    <p:notesMasterId r:id="rId14"/>
   </p:notesMasterIdLst>
   <p:sldIdLst>
     <p:sldId id="256" r:id="rId2"/>
-    <p:sldId id="277" r:id="rId3"/>
-    <p:sldId id="264" r:id="rId4"/>
-    <p:sldId id="263" r:id="rId5"/>
-    <p:sldId id="289" r:id="rId6"/>
-    <p:sldId id="278" r:id="rId7"/>
-    <p:sldId id="292" r:id="rId8"/>
-    <p:sldId id="290" r:id="rId9"/>
-    <p:sldId id="291" r:id="rId10"/>
-    <p:sldId id="295" r:id="rId11"/>
-    <p:sldId id="293" r:id="rId12"/>
-    <p:sldId id="288" r:id="rId13"/>
-    <p:sldId id="259" r:id="rId14"/>
-    <p:sldId id="294" r:id="rId15"/>
+    <p:sldId id="264" r:id="rId3"/>
+    <p:sldId id="263" r:id="rId4"/>
+    <p:sldId id="289" r:id="rId5"/>
+    <p:sldId id="278" r:id="rId6"/>
+    <p:sldId id="292" r:id="rId7"/>
+    <p:sldId id="290" r:id="rId8"/>
+    <p:sldId id="291" r:id="rId9"/>
+    <p:sldId id="295" r:id="rId10"/>
+    <p:sldId id="293" r:id="rId11"/>
+    <p:sldId id="288" r:id="rId12"/>
+    <p:sldId id="259" r:id="rId13"/>
   </p:sldIdLst>
   <p:sldSz cx="12192000" cy="6858000"/>
   <p:notesSz cx="6858000" cy="9144000"/>
@@ -214,7 +212,7 @@
           <a:p>
             <a:fld id="{7F7A1CCF-3A8B-40F6-A64D-2A4687177E43}" type="datetimeFigureOut">
               <a:rPr lang="de-DE" smtClean="0"/>
-              <a:t>17.06.2018</a:t>
+              <a:t>18.06.2018</a:t>
             </a:fld>
             <a:endParaRPr lang="de-DE"/>
           </a:p>
@@ -611,7 +609,7 @@
           <a:p>
             <a:fld id="{D14C2DC8-7E40-4960-AC23-B60999404DF0}" type="slidenum">
               <a:rPr lang="de-DE" smtClean="0"/>
-              <a:t>5</a:t>
+              <a:t>4</a:t>
             </a:fld>
             <a:endParaRPr lang="de-DE"/>
           </a:p>
@@ -755,12 +753,14 @@
                     <a:lumOff val="15000"/>
                   </a:schemeClr>
                 </a:solidFill>
+                <a:latin typeface="Roboto" panose="02000000000000000000" pitchFamily="2" charset="0"/>
+                <a:ea typeface="Roboto" panose="02000000000000000000" pitchFamily="2" charset="0"/>
               </a:defRPr>
             </a:lvl1pPr>
           </a:lstStyle>
           <a:p>
             <a:r>
-              <a:rPr lang="de-DE"/>
+              <a:rPr lang="de-DE" dirty="0"/>
               <a:t>Mastertitelformat bearbeiten</a:t>
             </a:r>
             <a:endParaRPr lang="en-US" dirty="0"/>
@@ -794,7 +794,8 @@
                 <a:solidFill>
                   <a:schemeClr val="tx2"/>
                 </a:solidFill>
-                <a:latin typeface="+mj-lt"/>
+                <a:latin typeface="Roboto" panose="02000000000000000000" pitchFamily="2" charset="0"/>
+                <a:ea typeface="Roboto" panose="02000000000000000000" pitchFamily="2" charset="0"/>
               </a:defRPr>
             </a:lvl1pPr>
             <a:lvl2pPr marL="457200" indent="0" algn="ctr">
@@ -832,7 +833,7 @@
           </a:lstStyle>
           <a:p>
             <a:r>
-              <a:rPr lang="de-DE"/>
+              <a:rPr lang="de-DE" dirty="0"/>
               <a:t>Master-Untertitelformat bearbeiten</a:t>
             </a:r>
             <a:endParaRPr lang="en-US" dirty="0"/>
@@ -856,7 +857,7 @@
           <a:p>
             <a:fld id="{1F23985B-60AA-4E79-BEA5-C25935D74B15}" type="datetime1">
               <a:rPr lang="de-DE" smtClean="0"/>
-              <a:t>17.06.2018</a:t>
+              <a:t>18.06.2018</a:t>
             </a:fld>
             <a:endParaRPr lang="de-DE"/>
           </a:p>
@@ -1064,7 +1065,7 @@
           <a:p>
             <a:fld id="{2B4BA310-ACDC-4138-BFEF-C9793F1134C8}" type="datetime1">
               <a:rPr lang="de-DE" smtClean="0"/>
-              <a:t>17.06.2018</a:t>
+              <a:t>18.06.2018</a:t>
             </a:fld>
             <a:endParaRPr lang="de-DE"/>
           </a:p>
@@ -1320,7 +1321,7 @@
           <a:p>
             <a:fld id="{4BF2939E-C662-4EF8-A507-D594630B8155}" type="datetime1">
               <a:rPr lang="de-DE" smtClean="0"/>
-              <a:t>17.06.2018</a:t>
+              <a:t>18.06.2018</a:t>
             </a:fld>
             <a:endParaRPr lang="de-DE"/>
           </a:p>
@@ -1411,10 +1412,17 @@
         <p:spPr/>
         <p:txBody>
           <a:bodyPr/>
-          <a:lstStyle/>
+          <a:lstStyle>
+            <a:lvl1pPr>
+              <a:defRPr>
+                <a:latin typeface="Roboto" panose="02000000000000000000" pitchFamily="2" charset="0"/>
+                <a:ea typeface="Roboto" panose="02000000000000000000" pitchFamily="2" charset="0"/>
+              </a:defRPr>
+            </a:lvl1pPr>
+          </a:lstStyle>
           <a:p>
             <a:r>
-              <a:rPr lang="de-DE"/>
+              <a:rPr lang="de-DE" dirty="0"/>
               <a:t>Mastertitelformat bearbeiten</a:t>
             </a:r>
             <a:endParaRPr lang="en-US" dirty="0"/>
@@ -1434,39 +1442,70 @@
         <p:spPr/>
         <p:txBody>
           <a:bodyPr/>
-          <a:lstStyle/>
+          <a:lstStyle>
+            <a:lvl1pPr>
+              <a:defRPr>
+                <a:latin typeface="Roboto" panose="02000000000000000000" pitchFamily="2" charset="0"/>
+                <a:ea typeface="Roboto" panose="02000000000000000000" pitchFamily="2" charset="0"/>
+              </a:defRPr>
+            </a:lvl1pPr>
+            <a:lvl2pPr>
+              <a:defRPr>
+                <a:latin typeface="Roboto" panose="02000000000000000000" pitchFamily="2" charset="0"/>
+                <a:ea typeface="Roboto" panose="02000000000000000000" pitchFamily="2" charset="0"/>
+              </a:defRPr>
+            </a:lvl2pPr>
+            <a:lvl3pPr>
+              <a:defRPr>
+                <a:latin typeface="Roboto" panose="02000000000000000000" pitchFamily="2" charset="0"/>
+                <a:ea typeface="Roboto" panose="02000000000000000000" pitchFamily="2" charset="0"/>
+              </a:defRPr>
+            </a:lvl3pPr>
+            <a:lvl4pPr>
+              <a:defRPr>
+                <a:latin typeface="Roboto" panose="02000000000000000000" pitchFamily="2" charset="0"/>
+                <a:ea typeface="Roboto" panose="02000000000000000000" pitchFamily="2" charset="0"/>
+              </a:defRPr>
+            </a:lvl4pPr>
+            <a:lvl5pPr>
+              <a:defRPr>
+                <a:latin typeface="Roboto" panose="02000000000000000000" pitchFamily="2" charset="0"/>
+                <a:ea typeface="Roboto" panose="02000000000000000000" pitchFamily="2" charset="0"/>
+              </a:defRPr>
+            </a:lvl5pPr>
+          </a:lstStyle>
           <a:p>
             <a:pPr lvl="0"/>
             <a:r>
-              <a:rPr lang="de-DE"/>
+              <a:rPr lang="de-DE" dirty="0"/>
               <a:t>Mastertextformat bearbeiten</a:t>
             </a:r>
           </a:p>
           <a:p>
             <a:pPr lvl="1"/>
             <a:r>
-              <a:rPr lang="de-DE"/>
+              <a:rPr lang="de-DE" dirty="0"/>
               <a:t>Zweite Ebene</a:t>
             </a:r>
           </a:p>
           <a:p>
             <a:pPr lvl="2"/>
             <a:r>
-              <a:rPr lang="de-DE"/>
+              <a:rPr lang="de-DE" dirty="0"/>
               <a:t>Dritte Ebene</a:t>
             </a:r>
           </a:p>
           <a:p>
             <a:pPr lvl="3"/>
             <a:r>
-              <a:rPr lang="de-DE"/>
+              <a:rPr lang="de-DE" dirty="0"/>
               <a:t>Vierte Ebene</a:t>
             </a:r>
           </a:p>
           <a:p>
             <a:pPr lvl="4"/>
             <a:r>
-              <a:rPr lang="de-DE"/>
+              <a:rPr lang="de-DE" dirty="0"/>
               <a:t>Fünfte Ebene</a:t>
             </a:r>
             <a:endParaRPr lang="en-US" dirty="0"/>
@@ -1490,7 +1529,7 @@
           <a:p>
             <a:fld id="{7858EF83-5965-4AF8-9DE8-82F677B09B54}" type="datetime1">
               <a:rPr lang="de-DE" smtClean="0"/>
-              <a:t>17.06.2018</a:t>
+              <a:t>18.06.2018</a:t>
             </a:fld>
             <a:endParaRPr lang="de-DE"/>
           </a:p>
@@ -1684,12 +1723,14 @@
                     <a:lumOff val="15000"/>
                   </a:schemeClr>
                 </a:solidFill>
+                <a:latin typeface="Roboto" panose="02000000000000000000" pitchFamily="2" charset="0"/>
+                <a:ea typeface="Roboto" panose="02000000000000000000" pitchFamily="2" charset="0"/>
               </a:defRPr>
             </a:lvl1pPr>
           </a:lstStyle>
           <a:p>
             <a:r>
-              <a:rPr lang="de-DE"/>
+              <a:rPr lang="de-DE" dirty="0"/>
               <a:t>Mastertitelformat bearbeiten</a:t>
             </a:r>
             <a:endParaRPr lang="en-US" dirty="0"/>
@@ -1723,7 +1764,8 @@
                 <a:solidFill>
                   <a:schemeClr val="tx2"/>
                 </a:solidFill>
-                <a:latin typeface="+mj-lt"/>
+                <a:latin typeface="Roboto" panose="02000000000000000000" pitchFamily="2" charset="0"/>
+                <a:ea typeface="Roboto" panose="02000000000000000000" pitchFamily="2" charset="0"/>
               </a:defRPr>
             </a:lvl1pPr>
             <a:lvl2pPr marL="457200" indent="0">
@@ -1810,7 +1852,7 @@
           <a:p>
             <a:pPr lvl="0"/>
             <a:r>
-              <a:rPr lang="de-DE"/>
+              <a:rPr lang="de-DE" dirty="0"/>
               <a:t>Mastertextformat bearbeiten</a:t>
             </a:r>
           </a:p>
@@ -1833,7 +1875,7 @@
           <a:p>
             <a:fld id="{32CD8DDB-EE84-411E-A8D2-71021DAE03BA}" type="datetime1">
               <a:rPr lang="de-DE" smtClean="0"/>
-              <a:t>17.06.2018</a:t>
+              <a:t>18.06.2018</a:t>
             </a:fld>
             <a:endParaRPr lang="de-DE"/>
           </a:p>
@@ -1967,10 +2009,17 @@
         </p:spPr>
         <p:txBody>
           <a:bodyPr/>
-          <a:lstStyle/>
+          <a:lstStyle>
+            <a:lvl1pPr>
+              <a:defRPr>
+                <a:latin typeface="Roboto" panose="02000000000000000000" pitchFamily="2" charset="0"/>
+                <a:ea typeface="Roboto" panose="02000000000000000000" pitchFamily="2" charset="0"/>
+              </a:defRPr>
+            </a:lvl1pPr>
+          </a:lstStyle>
           <a:p>
             <a:r>
-              <a:rPr lang="de-DE"/>
+              <a:rPr lang="de-DE" dirty="0"/>
               <a:t>Mastertitelformat bearbeiten</a:t>
             </a:r>
             <a:endParaRPr lang="en-US" dirty="0"/>
@@ -1995,39 +2044,70 @@
         </p:spPr>
         <p:txBody>
           <a:bodyPr/>
-          <a:lstStyle/>
+          <a:lstStyle>
+            <a:lvl1pPr>
+              <a:defRPr>
+                <a:latin typeface="Roboto" panose="02000000000000000000" pitchFamily="2" charset="0"/>
+                <a:ea typeface="Roboto" panose="02000000000000000000" pitchFamily="2" charset="0"/>
+              </a:defRPr>
+            </a:lvl1pPr>
+            <a:lvl2pPr>
+              <a:defRPr>
+                <a:latin typeface="Roboto" panose="02000000000000000000" pitchFamily="2" charset="0"/>
+                <a:ea typeface="Roboto" panose="02000000000000000000" pitchFamily="2" charset="0"/>
+              </a:defRPr>
+            </a:lvl2pPr>
+            <a:lvl3pPr>
+              <a:defRPr>
+                <a:latin typeface="Roboto" panose="02000000000000000000" pitchFamily="2" charset="0"/>
+                <a:ea typeface="Roboto" panose="02000000000000000000" pitchFamily="2" charset="0"/>
+              </a:defRPr>
+            </a:lvl3pPr>
+            <a:lvl4pPr>
+              <a:defRPr>
+                <a:latin typeface="Roboto" panose="02000000000000000000" pitchFamily="2" charset="0"/>
+                <a:ea typeface="Roboto" panose="02000000000000000000" pitchFamily="2" charset="0"/>
+              </a:defRPr>
+            </a:lvl4pPr>
+            <a:lvl5pPr>
+              <a:defRPr>
+                <a:latin typeface="Roboto" panose="02000000000000000000" pitchFamily="2" charset="0"/>
+                <a:ea typeface="Roboto" panose="02000000000000000000" pitchFamily="2" charset="0"/>
+              </a:defRPr>
+            </a:lvl5pPr>
+          </a:lstStyle>
           <a:p>
             <a:pPr lvl="0"/>
             <a:r>
-              <a:rPr lang="de-DE"/>
+              <a:rPr lang="de-DE" dirty="0"/>
               <a:t>Mastertextformat bearbeiten</a:t>
             </a:r>
           </a:p>
           <a:p>
             <a:pPr lvl="1"/>
             <a:r>
-              <a:rPr lang="de-DE"/>
+              <a:rPr lang="de-DE" dirty="0"/>
               <a:t>Zweite Ebene</a:t>
             </a:r>
           </a:p>
           <a:p>
             <a:pPr lvl="2"/>
             <a:r>
-              <a:rPr lang="de-DE"/>
+              <a:rPr lang="de-DE" dirty="0"/>
               <a:t>Dritte Ebene</a:t>
             </a:r>
           </a:p>
           <a:p>
             <a:pPr lvl="3"/>
             <a:r>
-              <a:rPr lang="de-DE"/>
+              <a:rPr lang="de-DE" dirty="0"/>
               <a:t>Vierte Ebene</a:t>
             </a:r>
           </a:p>
           <a:p>
             <a:pPr lvl="4"/>
             <a:r>
-              <a:rPr lang="de-DE"/>
+              <a:rPr lang="de-DE" dirty="0"/>
               <a:t>Fünfte Ebene</a:t>
             </a:r>
             <a:endParaRPr lang="en-US" dirty="0"/>
@@ -2052,39 +2132,70 @@
         </p:spPr>
         <p:txBody>
           <a:bodyPr/>
-          <a:lstStyle/>
+          <a:lstStyle>
+            <a:lvl1pPr>
+              <a:defRPr>
+                <a:latin typeface="Roboto" panose="02000000000000000000" pitchFamily="2" charset="0"/>
+                <a:ea typeface="Roboto" panose="02000000000000000000" pitchFamily="2" charset="0"/>
+              </a:defRPr>
+            </a:lvl1pPr>
+            <a:lvl2pPr>
+              <a:defRPr>
+                <a:latin typeface="Roboto" panose="02000000000000000000" pitchFamily="2" charset="0"/>
+                <a:ea typeface="Roboto" panose="02000000000000000000" pitchFamily="2" charset="0"/>
+              </a:defRPr>
+            </a:lvl2pPr>
+            <a:lvl3pPr>
+              <a:defRPr>
+                <a:latin typeface="Roboto" panose="02000000000000000000" pitchFamily="2" charset="0"/>
+                <a:ea typeface="Roboto" panose="02000000000000000000" pitchFamily="2" charset="0"/>
+              </a:defRPr>
+            </a:lvl3pPr>
+            <a:lvl4pPr>
+              <a:defRPr>
+                <a:latin typeface="Roboto" panose="02000000000000000000" pitchFamily="2" charset="0"/>
+                <a:ea typeface="Roboto" panose="02000000000000000000" pitchFamily="2" charset="0"/>
+              </a:defRPr>
+            </a:lvl4pPr>
+            <a:lvl5pPr>
+              <a:defRPr>
+                <a:latin typeface="Roboto" panose="02000000000000000000" pitchFamily="2" charset="0"/>
+                <a:ea typeface="Roboto" panose="02000000000000000000" pitchFamily="2" charset="0"/>
+              </a:defRPr>
+            </a:lvl5pPr>
+          </a:lstStyle>
           <a:p>
             <a:pPr lvl="0"/>
             <a:r>
-              <a:rPr lang="de-DE"/>
+              <a:rPr lang="de-DE" dirty="0"/>
               <a:t>Mastertextformat bearbeiten</a:t>
             </a:r>
           </a:p>
           <a:p>
             <a:pPr lvl="1"/>
             <a:r>
-              <a:rPr lang="de-DE"/>
+              <a:rPr lang="de-DE" dirty="0"/>
               <a:t>Zweite Ebene</a:t>
             </a:r>
           </a:p>
           <a:p>
             <a:pPr lvl="2"/>
             <a:r>
-              <a:rPr lang="de-DE"/>
+              <a:rPr lang="de-DE" dirty="0"/>
               <a:t>Dritte Ebene</a:t>
             </a:r>
           </a:p>
           <a:p>
             <a:pPr lvl="3"/>
             <a:r>
-              <a:rPr lang="de-DE"/>
+              <a:rPr lang="de-DE" dirty="0"/>
               <a:t>Vierte Ebene</a:t>
             </a:r>
           </a:p>
           <a:p>
             <a:pPr lvl="4"/>
             <a:r>
-              <a:rPr lang="de-DE"/>
+              <a:rPr lang="de-DE" dirty="0"/>
               <a:t>Fünfte Ebene</a:t>
             </a:r>
             <a:endParaRPr lang="en-US" dirty="0"/>
@@ -2108,7 +2219,7 @@
           <a:p>
             <a:fld id="{94763377-3757-48C2-9021-7F1A089F2529}" type="datetime1">
               <a:rPr lang="de-DE" smtClean="0"/>
-              <a:t>17.06.2018</a:t>
+              <a:t>18.06.2018</a:t>
             </a:fld>
             <a:endParaRPr lang="de-DE"/>
           </a:p>
@@ -2204,10 +2315,17 @@
         </p:spPr>
         <p:txBody>
           <a:bodyPr/>
-          <a:lstStyle/>
+          <a:lstStyle>
+            <a:lvl1pPr>
+              <a:defRPr>
+                <a:latin typeface="Roboto" panose="02000000000000000000" pitchFamily="2" charset="0"/>
+                <a:ea typeface="Roboto" panose="02000000000000000000" pitchFamily="2" charset="0"/>
+              </a:defRPr>
+            </a:lvl1pPr>
+          </a:lstStyle>
           <a:p>
             <a:r>
-              <a:rPr lang="de-DE"/>
+              <a:rPr lang="de-DE" dirty="0"/>
               <a:t>Mastertitelformat bearbeiten</a:t>
             </a:r>
             <a:endParaRPr lang="en-US" dirty="0"/>
@@ -2241,6 +2359,8 @@
                 <a:solidFill>
                   <a:schemeClr val="tx2"/>
                 </a:solidFill>
+                <a:latin typeface="Roboto" panose="02000000000000000000" pitchFamily="2" charset="0"/>
+                <a:ea typeface="Roboto" panose="02000000000000000000" pitchFamily="2" charset="0"/>
               </a:defRPr>
             </a:lvl1pPr>
             <a:lvl2pPr marL="457200" indent="0">
@@ -2279,7 +2399,7 @@
           <a:p>
             <a:pPr lvl="0"/>
             <a:r>
-              <a:rPr lang="de-DE"/>
+              <a:rPr lang="de-DE" dirty="0"/>
               <a:t>Mastertextformat bearbeiten</a:t>
             </a:r>
           </a:p>
@@ -2303,39 +2423,70 @@
         </p:spPr>
         <p:txBody>
           <a:bodyPr/>
-          <a:lstStyle/>
+          <a:lstStyle>
+            <a:lvl1pPr>
+              <a:defRPr>
+                <a:latin typeface="Roboto" panose="02000000000000000000" pitchFamily="2" charset="0"/>
+                <a:ea typeface="Roboto" panose="02000000000000000000" pitchFamily="2" charset="0"/>
+              </a:defRPr>
+            </a:lvl1pPr>
+            <a:lvl2pPr>
+              <a:defRPr>
+                <a:latin typeface="Roboto" panose="02000000000000000000" pitchFamily="2" charset="0"/>
+                <a:ea typeface="Roboto" panose="02000000000000000000" pitchFamily="2" charset="0"/>
+              </a:defRPr>
+            </a:lvl2pPr>
+            <a:lvl3pPr>
+              <a:defRPr>
+                <a:latin typeface="Roboto" panose="02000000000000000000" pitchFamily="2" charset="0"/>
+                <a:ea typeface="Roboto" panose="02000000000000000000" pitchFamily="2" charset="0"/>
+              </a:defRPr>
+            </a:lvl3pPr>
+            <a:lvl4pPr>
+              <a:defRPr>
+                <a:latin typeface="Roboto" panose="02000000000000000000" pitchFamily="2" charset="0"/>
+                <a:ea typeface="Roboto" panose="02000000000000000000" pitchFamily="2" charset="0"/>
+              </a:defRPr>
+            </a:lvl4pPr>
+            <a:lvl5pPr>
+              <a:defRPr>
+                <a:latin typeface="Roboto" panose="02000000000000000000" pitchFamily="2" charset="0"/>
+                <a:ea typeface="Roboto" panose="02000000000000000000" pitchFamily="2" charset="0"/>
+              </a:defRPr>
+            </a:lvl5pPr>
+          </a:lstStyle>
           <a:p>
             <a:pPr lvl="0"/>
             <a:r>
-              <a:rPr lang="de-DE"/>
+              <a:rPr lang="de-DE" dirty="0"/>
               <a:t>Mastertextformat bearbeiten</a:t>
             </a:r>
           </a:p>
           <a:p>
             <a:pPr lvl="1"/>
             <a:r>
-              <a:rPr lang="de-DE"/>
+              <a:rPr lang="de-DE" dirty="0"/>
               <a:t>Zweite Ebene</a:t>
             </a:r>
           </a:p>
           <a:p>
             <a:pPr lvl="2"/>
             <a:r>
-              <a:rPr lang="de-DE"/>
+              <a:rPr lang="de-DE" dirty="0"/>
               <a:t>Dritte Ebene</a:t>
             </a:r>
           </a:p>
           <a:p>
             <a:pPr lvl="3"/>
             <a:r>
-              <a:rPr lang="de-DE"/>
+              <a:rPr lang="de-DE" dirty="0"/>
               <a:t>Vierte Ebene</a:t>
             </a:r>
           </a:p>
           <a:p>
             <a:pPr lvl="4"/>
             <a:r>
-              <a:rPr lang="de-DE"/>
+              <a:rPr lang="de-DE" dirty="0"/>
               <a:t>Fünfte Ebene</a:t>
             </a:r>
             <a:endParaRPr lang="en-US" dirty="0"/>
@@ -2369,6 +2520,8 @@
                 <a:solidFill>
                   <a:schemeClr val="tx2"/>
                 </a:solidFill>
+                <a:latin typeface="Roboto" panose="02000000000000000000" pitchFamily="2" charset="0"/>
+                <a:ea typeface="Roboto" panose="02000000000000000000" pitchFamily="2" charset="0"/>
               </a:defRPr>
             </a:lvl1pPr>
             <a:lvl2pPr marL="457200" indent="0">
@@ -2407,7 +2560,7 @@
           <a:p>
             <a:pPr lvl="0"/>
             <a:r>
-              <a:rPr lang="de-DE"/>
+              <a:rPr lang="de-DE" dirty="0"/>
               <a:t>Mastertextformat bearbeiten</a:t>
             </a:r>
           </a:p>
@@ -2431,39 +2584,70 @@
         </p:spPr>
         <p:txBody>
           <a:bodyPr/>
-          <a:lstStyle/>
+          <a:lstStyle>
+            <a:lvl1pPr>
+              <a:defRPr>
+                <a:latin typeface="Roboto" panose="02000000000000000000" pitchFamily="2" charset="0"/>
+                <a:ea typeface="Roboto" panose="02000000000000000000" pitchFamily="2" charset="0"/>
+              </a:defRPr>
+            </a:lvl1pPr>
+            <a:lvl2pPr>
+              <a:defRPr>
+                <a:latin typeface="Roboto" panose="02000000000000000000" pitchFamily="2" charset="0"/>
+                <a:ea typeface="Roboto" panose="02000000000000000000" pitchFamily="2" charset="0"/>
+              </a:defRPr>
+            </a:lvl2pPr>
+            <a:lvl3pPr>
+              <a:defRPr>
+                <a:latin typeface="Roboto" panose="02000000000000000000" pitchFamily="2" charset="0"/>
+                <a:ea typeface="Roboto" panose="02000000000000000000" pitchFamily="2" charset="0"/>
+              </a:defRPr>
+            </a:lvl3pPr>
+            <a:lvl4pPr>
+              <a:defRPr>
+                <a:latin typeface="Roboto" panose="02000000000000000000" pitchFamily="2" charset="0"/>
+                <a:ea typeface="Roboto" panose="02000000000000000000" pitchFamily="2" charset="0"/>
+              </a:defRPr>
+            </a:lvl4pPr>
+            <a:lvl5pPr>
+              <a:defRPr>
+                <a:latin typeface="Roboto" panose="02000000000000000000" pitchFamily="2" charset="0"/>
+                <a:ea typeface="Roboto" panose="02000000000000000000" pitchFamily="2" charset="0"/>
+              </a:defRPr>
+            </a:lvl5pPr>
+          </a:lstStyle>
           <a:p>
             <a:pPr lvl="0"/>
             <a:r>
-              <a:rPr lang="de-DE"/>
+              <a:rPr lang="de-DE" dirty="0"/>
               <a:t>Mastertextformat bearbeiten</a:t>
             </a:r>
           </a:p>
           <a:p>
             <a:pPr lvl="1"/>
             <a:r>
-              <a:rPr lang="de-DE"/>
+              <a:rPr lang="de-DE" dirty="0"/>
               <a:t>Zweite Ebene</a:t>
             </a:r>
           </a:p>
           <a:p>
             <a:pPr lvl="2"/>
             <a:r>
-              <a:rPr lang="de-DE"/>
+              <a:rPr lang="de-DE" dirty="0"/>
               <a:t>Dritte Ebene</a:t>
             </a:r>
           </a:p>
           <a:p>
             <a:pPr lvl="3"/>
             <a:r>
-              <a:rPr lang="de-DE"/>
+              <a:rPr lang="de-DE" dirty="0"/>
               <a:t>Vierte Ebene</a:t>
             </a:r>
           </a:p>
           <a:p>
             <a:pPr lvl="4"/>
             <a:r>
-              <a:rPr lang="de-DE"/>
+              <a:rPr lang="de-DE" dirty="0"/>
               <a:t>Fünfte Ebene</a:t>
             </a:r>
             <a:endParaRPr lang="en-US" dirty="0"/>
@@ -2487,7 +2671,7 @@
           <a:p>
             <a:fld id="{94E6E277-6620-4F2B-80F0-A8F239FAA8BA}" type="datetime1">
               <a:rPr lang="de-DE" smtClean="0"/>
-              <a:t>17.06.2018</a:t>
+              <a:t>18.06.2018</a:t>
             </a:fld>
             <a:endParaRPr lang="de-DE"/>
           </a:p>
@@ -2578,10 +2762,17 @@
         <p:spPr/>
         <p:txBody>
           <a:bodyPr/>
-          <a:lstStyle/>
+          <a:lstStyle>
+            <a:lvl1pPr>
+              <a:defRPr>
+                <a:latin typeface="Roboto" panose="02000000000000000000" pitchFamily="2" charset="0"/>
+                <a:ea typeface="Roboto" panose="02000000000000000000" pitchFamily="2" charset="0"/>
+              </a:defRPr>
+            </a:lvl1pPr>
+          </a:lstStyle>
           <a:p>
             <a:r>
-              <a:rPr lang="de-DE"/>
+              <a:rPr lang="de-DE" dirty="0"/>
               <a:t>Mastertitelformat bearbeiten</a:t>
             </a:r>
             <a:endParaRPr lang="en-US" dirty="0"/>
@@ -2605,7 +2796,7 @@
           <a:p>
             <a:fld id="{1F39E577-CBBC-42D3-8703-41365BFDA11C}" type="datetime1">
               <a:rPr lang="de-DE" smtClean="0"/>
-              <a:t>17.06.2018</a:t>
+              <a:t>18.06.2018</a:t>
             </a:fld>
             <a:endParaRPr lang="de-DE"/>
           </a:p>
@@ -2776,7 +2967,7 @@
           <a:p>
             <a:fld id="{A600810E-80A4-4193-9277-6EA8DD914AF3}" type="datetime1">
               <a:rPr lang="de-DE" smtClean="0"/>
-              <a:t>17.06.2018</a:t>
+              <a:t>18.06.2018</a:t>
             </a:fld>
             <a:endParaRPr lang="de-DE"/>
           </a:p>
@@ -3130,7 +3321,7 @@
           <a:p>
             <a:fld id="{5A272ADB-5D96-47C0-836C-262FFB2885B6}" type="datetime1">
               <a:rPr lang="de-DE" smtClean="0"/>
-              <a:t>17.06.2018</a:t>
+              <a:t>18.06.2018</a:t>
             </a:fld>
             <a:endParaRPr lang="de-DE"/>
           </a:p>
@@ -3507,7 +3698,7 @@
           <a:p>
             <a:fld id="{730439AA-FB42-40B9-8395-E31A2B37DDC4}" type="datetime1">
               <a:rPr lang="de-DE" smtClean="0"/>
-              <a:t>17.06.2018</a:t>
+              <a:t>18.06.2018</a:t>
             </a:fld>
             <a:endParaRPr lang="de-DE"/>
           </a:p>
@@ -3726,35 +3917,35 @@
           <a:p>
             <a:pPr lvl="0"/>
             <a:r>
-              <a:rPr lang="de-DE"/>
+              <a:rPr lang="de-DE" dirty="0"/>
               <a:t>Mastertextformat bearbeiten</a:t>
             </a:r>
           </a:p>
           <a:p>
             <a:pPr lvl="1"/>
             <a:r>
-              <a:rPr lang="de-DE"/>
+              <a:rPr lang="de-DE" dirty="0"/>
               <a:t>Zweite Ebene</a:t>
             </a:r>
           </a:p>
           <a:p>
             <a:pPr lvl="2"/>
             <a:r>
-              <a:rPr lang="de-DE"/>
+              <a:rPr lang="de-DE" dirty="0"/>
               <a:t>Dritte Ebene</a:t>
             </a:r>
           </a:p>
           <a:p>
             <a:pPr lvl="3"/>
             <a:r>
-              <a:rPr lang="de-DE"/>
+              <a:rPr lang="de-DE" dirty="0"/>
               <a:t>Vierte Ebene</a:t>
             </a:r>
           </a:p>
           <a:p>
             <a:pPr lvl="4"/>
             <a:r>
-              <a:rPr lang="de-DE"/>
+              <a:rPr lang="de-DE" dirty="0"/>
               <a:t>Fünfte Ebene</a:t>
             </a:r>
             <a:endParaRPr lang="en-US" dirty="0"/>
@@ -3788,15 +3979,18 @@
                 <a:solidFill>
                   <a:srgbClr val="FFFFFF"/>
                 </a:solidFill>
+                <a:latin typeface="Roboto" panose="02000000000000000000" pitchFamily="2" charset="0"/>
+                <a:ea typeface="Roboto" panose="02000000000000000000" pitchFamily="2" charset="0"/>
               </a:defRPr>
             </a:lvl1pPr>
           </a:lstStyle>
           <a:p>
             <a:fld id="{6FE7B584-F67F-4054-B603-6630D72D5640}" type="datetime1">
               <a:rPr lang="de-DE" smtClean="0"/>
-              <a:t>17.06.2018</a:t>
+              <a:pPr/>
+              <a:t>18.06.2018</a:t>
             </a:fld>
-            <a:endParaRPr lang="de-DE"/>
+            <a:endParaRPr lang="de-DE" dirty="0"/>
           </a:p>
         </p:txBody>
       </p:sp>
@@ -3827,11 +4021,13 @@
                 <a:solidFill>
                   <a:srgbClr val="FFFFFF"/>
                 </a:solidFill>
+                <a:latin typeface="Roboto" panose="02000000000000000000" pitchFamily="2" charset="0"/>
+                <a:ea typeface="Roboto" panose="02000000000000000000" pitchFamily="2" charset="0"/>
               </a:defRPr>
             </a:lvl1pPr>
           </a:lstStyle>
           <a:p>
-            <a:endParaRPr lang="de-DE"/>
+            <a:endParaRPr lang="de-DE" dirty="0"/>
           </a:p>
         </p:txBody>
       </p:sp>
@@ -3862,15 +4058,18 @@
                 <a:solidFill>
                   <a:srgbClr val="FFFFFF"/>
                 </a:solidFill>
+                <a:latin typeface="Roboto" panose="02000000000000000000" pitchFamily="2" charset="0"/>
+                <a:ea typeface="Roboto" panose="02000000000000000000" pitchFamily="2" charset="0"/>
               </a:defRPr>
             </a:lvl1pPr>
           </a:lstStyle>
           <a:p>
             <a:fld id="{C9BFD74B-BF5B-4F1B-BDFB-3F89FD2A71A6}" type="slidenum">
               <a:rPr lang="de-DE" smtClean="0"/>
+              <a:pPr/>
               <a:t>‹Nr.›</a:t>
             </a:fld>
-            <a:endParaRPr lang="de-DE"/>
+            <a:endParaRPr lang="de-DE" dirty="0"/>
           </a:p>
         </p:txBody>
       </p:sp>
@@ -4397,241 +4596,6 @@
 </file>
 
 <file path=ppt/slides/slide10.xml><?xml version="1.0" encoding="utf-8"?>
-<p:sld xmlns:a="http://schemas.openxmlformats.org/drawingml/2006/main" xmlns:r="http://schemas.openxmlformats.org/officeDocument/2006/relationships" xmlns:p="http://schemas.openxmlformats.org/presentationml/2006/main">
-  <p:cSld>
-    <p:spTree>
-      <p:nvGrpSpPr>
-        <p:cNvPr id="1" name=""/>
-        <p:cNvGrpSpPr/>
-        <p:nvPr/>
-      </p:nvGrpSpPr>
-      <p:grpSpPr>
-        <a:xfrm>
-          <a:off x="0" y="0"/>
-          <a:ext cx="0" cy="0"/>
-          <a:chOff x="0" y="0"/>
-          <a:chExt cx="0" cy="0"/>
-        </a:xfrm>
-      </p:grpSpPr>
-      <p:sp>
-        <p:nvSpPr>
-          <p:cNvPr id="2" name="Titel 1">
-            <a:extLst>
-              <a:ext uri="{FF2B5EF4-FFF2-40B4-BE49-F238E27FC236}">
-                <a16:creationId xmlns:a16="http://schemas.microsoft.com/office/drawing/2014/main" id="{D11F61E1-ACB7-459C-B768-E2C244939FD9}"/>
-              </a:ext>
-            </a:extLst>
-          </p:cNvPr>
-          <p:cNvSpPr>
-            <a:spLocks noGrp="1"/>
-          </p:cNvSpPr>
-          <p:nvPr>
-            <p:ph type="title"/>
-          </p:nvPr>
-        </p:nvSpPr>
-        <p:spPr/>
-        <p:txBody>
-          <a:bodyPr/>
-          <a:lstStyle/>
-          <a:p>
-            <a:r>
-              <a:rPr lang="de-DE" dirty="0"/>
-              <a:t>Aufbau der Testsuite</a:t>
-            </a:r>
-          </a:p>
-        </p:txBody>
-      </p:sp>
-      <p:sp>
-        <p:nvSpPr>
-          <p:cNvPr id="3" name="Inhaltsplatzhalter 2">
-            <a:extLst>
-              <a:ext uri="{FF2B5EF4-FFF2-40B4-BE49-F238E27FC236}">
-                <a16:creationId xmlns:a16="http://schemas.microsoft.com/office/drawing/2014/main" id="{FEE66145-71D6-48B3-9C67-D8AB4500B966}"/>
-              </a:ext>
-            </a:extLst>
-          </p:cNvPr>
-          <p:cNvSpPr>
-            <a:spLocks noGrp="1"/>
-          </p:cNvSpPr>
-          <p:nvPr>
-            <p:ph idx="1"/>
-          </p:nvPr>
-        </p:nvSpPr>
-        <p:spPr/>
-        <p:txBody>
-          <a:bodyPr/>
-          <a:lstStyle/>
-          <a:p>
-            <a:pPr>
-              <a:buFont typeface="Wingdings" panose="05000000000000000000" pitchFamily="2" charset="2"/>
-              <a:buChar char="Ø"/>
-            </a:pPr>
-            <a:r>
-              <a:rPr lang="de-DE" dirty="0"/>
-              <a:t> </a:t>
-            </a:r>
-            <a:r>
-              <a:rPr lang="de-DE" dirty="0" err="1"/>
-              <a:t>Gradle</a:t>
-            </a:r>
-            <a:r>
-              <a:rPr lang="de-DE" dirty="0"/>
-              <a:t> Projekt (</a:t>
-            </a:r>
-            <a:r>
-              <a:rPr lang="de-DE" dirty="0" err="1"/>
-              <a:t>Gradle</a:t>
-            </a:r>
-            <a:r>
-              <a:rPr lang="de-DE" dirty="0"/>
-              <a:t> Tasks für das Starten der verschiedenen Tests)</a:t>
-            </a:r>
-          </a:p>
-          <a:p>
-            <a:pPr>
-              <a:buFont typeface="Wingdings" panose="05000000000000000000" pitchFamily="2" charset="2"/>
-              <a:buChar char="Ø"/>
-            </a:pPr>
-            <a:r>
-              <a:rPr lang="de-DE" dirty="0"/>
-              <a:t> Installationen:</a:t>
-            </a:r>
-          </a:p>
-          <a:p>
-            <a:pPr lvl="1">
-              <a:buFont typeface="Wingdings" panose="05000000000000000000" pitchFamily="2" charset="2"/>
-              <a:buChar char="Ø"/>
-            </a:pPr>
-            <a:r>
-              <a:rPr lang="de-DE" dirty="0"/>
-              <a:t>Gatling als </a:t>
-            </a:r>
-            <a:r>
-              <a:rPr lang="de-DE" dirty="0" err="1"/>
-              <a:t>Gradle</a:t>
-            </a:r>
-            <a:r>
-              <a:rPr lang="de-DE" dirty="0"/>
-              <a:t> </a:t>
-            </a:r>
-            <a:r>
-              <a:rPr lang="de-DE" dirty="0" err="1"/>
-              <a:t>Dependency</a:t>
-            </a:r>
-            <a:endParaRPr lang="de-DE" dirty="0"/>
-          </a:p>
-          <a:p>
-            <a:pPr lvl="1">
-              <a:buFont typeface="Wingdings" panose="05000000000000000000" pitchFamily="2" charset="2"/>
-              <a:buChar char="Ø"/>
-            </a:pPr>
-            <a:r>
-              <a:rPr lang="de-DE" dirty="0" err="1"/>
-              <a:t>Locust</a:t>
-            </a:r>
-            <a:r>
-              <a:rPr lang="de-DE" dirty="0"/>
-              <a:t> mit Python </a:t>
-            </a:r>
-            <a:r>
-              <a:rPr lang="de-DE" dirty="0" err="1"/>
-              <a:t>Pip</a:t>
-            </a:r>
-            <a:endParaRPr lang="de-DE" dirty="0"/>
-          </a:p>
-          <a:p>
-            <a:pPr lvl="1">
-              <a:buFont typeface="Wingdings" panose="05000000000000000000" pitchFamily="2" charset="2"/>
-              <a:buChar char="Ø"/>
-            </a:pPr>
-            <a:r>
-              <a:rPr lang="de-DE" dirty="0" err="1"/>
-              <a:t>Artillery</a:t>
-            </a:r>
-            <a:r>
-              <a:rPr lang="de-DE" dirty="0"/>
-              <a:t> mit </a:t>
-            </a:r>
-            <a:r>
-              <a:rPr lang="de-DE" dirty="0" err="1"/>
-              <a:t>npm</a:t>
-            </a:r>
-            <a:endParaRPr lang="de-DE" dirty="0"/>
-          </a:p>
-        </p:txBody>
-      </p:sp>
-      <p:sp>
-        <p:nvSpPr>
-          <p:cNvPr id="4" name="Datumsplatzhalter 3">
-            <a:extLst>
-              <a:ext uri="{FF2B5EF4-FFF2-40B4-BE49-F238E27FC236}">
-                <a16:creationId xmlns:a16="http://schemas.microsoft.com/office/drawing/2014/main" id="{DF7516F0-F6F8-4C07-9AD1-000677960898}"/>
-              </a:ext>
-            </a:extLst>
-          </p:cNvPr>
-          <p:cNvSpPr>
-            <a:spLocks noGrp="1"/>
-          </p:cNvSpPr>
-          <p:nvPr>
-            <p:ph type="dt" sz="half" idx="10"/>
-          </p:nvPr>
-        </p:nvSpPr>
-        <p:spPr/>
-        <p:txBody>
-          <a:bodyPr/>
-          <a:lstStyle/>
-          <a:p>
-            <a:fld id="{7858EF83-5965-4AF8-9DE8-82F677B09B54}" type="datetime1">
-              <a:rPr lang="de-DE" smtClean="0"/>
-              <a:t>17.06.2018</a:t>
-            </a:fld>
-            <a:endParaRPr lang="de-DE"/>
-          </a:p>
-        </p:txBody>
-      </p:sp>
-      <p:sp>
-        <p:nvSpPr>
-          <p:cNvPr id="5" name="Foliennummernplatzhalter 4">
-            <a:extLst>
-              <a:ext uri="{FF2B5EF4-FFF2-40B4-BE49-F238E27FC236}">
-                <a16:creationId xmlns:a16="http://schemas.microsoft.com/office/drawing/2014/main" id="{663FF34D-06E9-4ACA-B1BF-FC4D04800EEE}"/>
-              </a:ext>
-            </a:extLst>
-          </p:cNvPr>
-          <p:cNvSpPr>
-            <a:spLocks noGrp="1"/>
-          </p:cNvSpPr>
-          <p:nvPr>
-            <p:ph type="sldNum" sz="quarter" idx="12"/>
-          </p:nvPr>
-        </p:nvSpPr>
-        <p:spPr/>
-        <p:txBody>
-          <a:bodyPr/>
-          <a:lstStyle/>
-          <a:p>
-            <a:fld id="{C9BFD74B-BF5B-4F1B-BDFB-3F89FD2A71A6}" type="slidenum">
-              <a:rPr lang="de-DE" smtClean="0"/>
-              <a:t>10</a:t>
-            </a:fld>
-            <a:endParaRPr lang="de-DE"/>
-          </a:p>
-        </p:txBody>
-      </p:sp>
-    </p:spTree>
-    <p:extLst>
-      <p:ext uri="{BB962C8B-B14F-4D97-AF65-F5344CB8AC3E}">
-        <p14:creationId xmlns:p14="http://schemas.microsoft.com/office/powerpoint/2010/main" val="2057577408"/>
-      </p:ext>
-    </p:extLst>
-  </p:cSld>
-  <p:clrMapOvr>
-    <a:masterClrMapping/>
-  </p:clrMapOvr>
-</p:sld>
-</file>
-
-<file path=ppt/slides/slide11.xml><?xml version="1.0" encoding="utf-8"?>
 <p:sld xmlns:a="http://schemas.openxmlformats.org/drawingml/2006/main" xmlns:r="http://schemas.openxmlformats.org/officeDocument/2006/relationships" xmlns:p="http://schemas.openxmlformats.org/presentationml/2006/main">
   <p:cSld>
     <p:spTree>
@@ -5161,7 +5125,7 @@
           <a:p>
             <a:fld id="{7858EF83-5965-4AF8-9DE8-82F677B09B54}" type="datetime1">
               <a:rPr lang="de-DE" smtClean="0"/>
-              <a:t>17.06.2018</a:t>
+              <a:t>18.06.2018</a:t>
             </a:fld>
             <a:endParaRPr lang="de-DE"/>
           </a:p>
@@ -5190,7 +5154,7 @@
           <a:p>
             <a:fld id="{C9BFD74B-BF5B-4F1B-BDFB-3F89FD2A71A6}" type="slidenum">
               <a:rPr lang="de-DE" smtClean="0"/>
-              <a:t>11</a:t>
+              <a:t>10</a:t>
             </a:fld>
             <a:endParaRPr lang="de-DE"/>
           </a:p>
@@ -5209,7 +5173,7 @@
 </p:sld>
 </file>
 
-<file path=ppt/slides/slide12.xml><?xml version="1.0" encoding="utf-8"?>
+<file path=ppt/slides/slide11.xml><?xml version="1.0" encoding="utf-8"?>
 <p:sld xmlns:a="http://schemas.openxmlformats.org/drawingml/2006/main" xmlns:r="http://schemas.openxmlformats.org/officeDocument/2006/relationships" xmlns:p="http://schemas.openxmlformats.org/presentationml/2006/main">
   <p:cSld>
     <p:spTree>
@@ -5270,7 +5234,7 @@
           <a:p>
             <a:fld id="{49A8623C-ABF8-406C-A680-4F9F807D2E5A}" type="datetime1">
               <a:rPr lang="de-DE" smtClean="0"/>
-              <a:t>17.06.2018</a:t>
+              <a:t>18.06.2018</a:t>
             </a:fld>
             <a:endParaRPr lang="de-DE"/>
           </a:p>
@@ -5293,7 +5257,7 @@
           <a:p>
             <a:fld id="{C9BFD74B-BF5B-4F1B-BDFB-3F89FD2A71A6}" type="slidenum">
               <a:rPr lang="de-DE" smtClean="0"/>
-              <a:t>12</a:t>
+              <a:t>11</a:t>
             </a:fld>
             <a:endParaRPr lang="de-DE"/>
           </a:p>
@@ -5434,7 +5398,7 @@
 </p:sld>
 </file>
 
-<file path=ppt/slides/slide13.xml><?xml version="1.0" encoding="utf-8"?>
+<file path=ppt/slides/slide12.xml><?xml version="1.0" encoding="utf-8"?>
 <p:sld xmlns:a="http://schemas.openxmlformats.org/drawingml/2006/main" xmlns:r="http://schemas.openxmlformats.org/officeDocument/2006/relationships" xmlns:p="http://schemas.openxmlformats.org/presentationml/2006/main">
   <p:cSld>
     <p:spTree>
@@ -5607,7 +5571,7 @@
           <a:p>
             <a:fld id="{0CDF705D-777F-4BBF-9B3D-03F87ED8E581}" type="datetime1">
               <a:rPr lang="de-DE" smtClean="0"/>
-              <a:t>17.06.2018</a:t>
+              <a:t>18.06.2018</a:t>
             </a:fld>
             <a:endParaRPr lang="de-DE"/>
           </a:p>
@@ -5636,7 +5600,7 @@
           <a:p>
             <a:fld id="{C9BFD74B-BF5B-4F1B-BDFB-3F89FD2A71A6}" type="slidenum">
               <a:rPr lang="de-DE" smtClean="0"/>
-              <a:t>13</a:t>
+              <a:t>12</a:t>
             </a:fld>
             <a:endParaRPr lang="de-DE"/>
           </a:p>
@@ -5655,1568 +5619,7 @@
 </p:sld>
 </file>
 
-<file path=ppt/slides/slide14.xml><?xml version="1.0" encoding="utf-8"?>
-<p:sld xmlns:a="http://schemas.openxmlformats.org/drawingml/2006/main" xmlns:r="http://schemas.openxmlformats.org/officeDocument/2006/relationships" xmlns:p="http://schemas.openxmlformats.org/presentationml/2006/main" show="0">
-  <p:cSld>
-    <p:spTree>
-      <p:nvGrpSpPr>
-        <p:cNvPr id="1" name=""/>
-        <p:cNvGrpSpPr/>
-        <p:nvPr/>
-      </p:nvGrpSpPr>
-      <p:grpSpPr>
-        <a:xfrm>
-          <a:off x="0" y="0"/>
-          <a:ext cx="0" cy="0"/>
-          <a:chOff x="0" y="0"/>
-          <a:chExt cx="0" cy="0"/>
-        </a:xfrm>
-      </p:grpSpPr>
-      <p:sp>
-        <p:nvSpPr>
-          <p:cNvPr id="2" name="Titel 1">
-            <a:extLst>
-              <a:ext uri="{FF2B5EF4-FFF2-40B4-BE49-F238E27FC236}">
-                <a16:creationId xmlns:a16="http://schemas.microsoft.com/office/drawing/2014/main" id="{AA5420C7-8792-4658-9B57-D2FAE1BA0341}"/>
-              </a:ext>
-            </a:extLst>
-          </p:cNvPr>
-          <p:cNvSpPr>
-            <a:spLocks noGrp="1"/>
-          </p:cNvSpPr>
-          <p:nvPr>
-            <p:ph type="title"/>
-          </p:nvPr>
-        </p:nvSpPr>
-        <p:spPr/>
-        <p:txBody>
-          <a:bodyPr/>
-          <a:lstStyle/>
-          <a:p>
-            <a:pPr algn="ctr"/>
-            <a:r>
-              <a:rPr lang="de-DE" dirty="0"/>
-              <a:t>Quick-Check</a:t>
-            </a:r>
-          </a:p>
-        </p:txBody>
-      </p:sp>
-      <p:graphicFrame>
-        <p:nvGraphicFramePr>
-          <p:cNvPr id="6" name="Inhaltsplatzhalter 5">
-            <a:extLst>
-              <a:ext uri="{FF2B5EF4-FFF2-40B4-BE49-F238E27FC236}">
-                <a16:creationId xmlns:a16="http://schemas.microsoft.com/office/drawing/2014/main" id="{6743B922-0D39-432D-A37D-2A4E4CD4E4ED}"/>
-              </a:ext>
-            </a:extLst>
-          </p:cNvPr>
-          <p:cNvGraphicFramePr>
-            <a:graphicFrameLocks noGrp="1"/>
-          </p:cNvGraphicFramePr>
-          <p:nvPr>
-            <p:ph idx="1"/>
-            <p:extLst/>
-          </p:nvPr>
-        </p:nvGraphicFramePr>
-        <p:xfrm>
-          <a:off x="102664" y="1801874"/>
-          <a:ext cx="11944336" cy="4130928"/>
-        </p:xfrm>
-        <a:graphic>
-          <a:graphicData uri="http://schemas.openxmlformats.org/drawingml/2006/table">
-            <a:tbl>
-              <a:tblPr firstRow="1" firstCol="1" bandRow="1">
-                <a:tableStyleId>{21E4AEA4-8DFA-4A89-87EB-49C32662AFE0}</a:tableStyleId>
-              </a:tblPr>
-              <a:tblGrid>
-                <a:gridCol w="1681748">
-                  <a:extLst>
-                    <a:ext uri="{9D8B030D-6E8A-4147-A177-3AD203B41FA5}">
-                      <a16:colId xmlns:a16="http://schemas.microsoft.com/office/drawing/2014/main" val="2643309448"/>
-                    </a:ext>
-                  </a:extLst>
-                </a:gridCol>
-                <a:gridCol w="1304336">
-                  <a:extLst>
-                    <a:ext uri="{9D8B030D-6E8A-4147-A177-3AD203B41FA5}">
-                      <a16:colId xmlns:a16="http://schemas.microsoft.com/office/drawing/2014/main" val="4145462692"/>
-                    </a:ext>
-                  </a:extLst>
-                </a:gridCol>
-                <a:gridCol w="1493042">
-                  <a:extLst>
-                    <a:ext uri="{9D8B030D-6E8A-4147-A177-3AD203B41FA5}">
-                      <a16:colId xmlns:a16="http://schemas.microsoft.com/office/drawing/2014/main" val="2349765461"/>
-                    </a:ext>
-                  </a:extLst>
-                </a:gridCol>
-                <a:gridCol w="1493042">
-                  <a:extLst>
-                    <a:ext uri="{9D8B030D-6E8A-4147-A177-3AD203B41FA5}">
-                      <a16:colId xmlns:a16="http://schemas.microsoft.com/office/drawing/2014/main" val="3951086953"/>
-                    </a:ext>
-                  </a:extLst>
-                </a:gridCol>
-                <a:gridCol w="1493042">
-                  <a:extLst>
-                    <a:ext uri="{9D8B030D-6E8A-4147-A177-3AD203B41FA5}">
-                      <a16:colId xmlns:a16="http://schemas.microsoft.com/office/drawing/2014/main" val="2690444953"/>
-                    </a:ext>
-                  </a:extLst>
-                </a:gridCol>
-                <a:gridCol w="1493042">
-                  <a:extLst>
-                    <a:ext uri="{9D8B030D-6E8A-4147-A177-3AD203B41FA5}">
-                      <a16:colId xmlns:a16="http://schemas.microsoft.com/office/drawing/2014/main" val="1949433722"/>
-                    </a:ext>
-                  </a:extLst>
-                </a:gridCol>
-                <a:gridCol w="1556777">
-                  <a:extLst>
-                    <a:ext uri="{9D8B030D-6E8A-4147-A177-3AD203B41FA5}">
-                      <a16:colId xmlns:a16="http://schemas.microsoft.com/office/drawing/2014/main" val="266320305"/>
-                    </a:ext>
-                  </a:extLst>
-                </a:gridCol>
-                <a:gridCol w="1429307">
-                  <a:extLst>
-                    <a:ext uri="{9D8B030D-6E8A-4147-A177-3AD203B41FA5}">
-                      <a16:colId xmlns:a16="http://schemas.microsoft.com/office/drawing/2014/main" val="736663375"/>
-                    </a:ext>
-                  </a:extLst>
-                </a:gridCol>
-              </a:tblGrid>
-              <a:tr h="370840">
-                <a:tc>
-                  <a:txBody>
-                    <a:bodyPr/>
-                    <a:lstStyle/>
-                    <a:p>
-                      <a:r>
-                        <a:rPr lang="de-DE" sz="1200" dirty="0"/>
-                        <a:t>Kriterium</a:t>
-                      </a:r>
-                      <a:endParaRPr lang="de-DE" sz="1200" b="1" dirty="0"/>
-                    </a:p>
-                  </a:txBody>
-                  <a:tcPr/>
-                </a:tc>
-                <a:tc>
-                  <a:txBody>
-                    <a:bodyPr/>
-                    <a:lstStyle/>
-                    <a:p>
-                      <a:r>
-                        <a:rPr lang="de-DE" sz="1200" dirty="0"/>
-                        <a:t>Gatling</a:t>
-                      </a:r>
-                      <a:endParaRPr lang="de-DE" sz="1200" b="1" dirty="0"/>
-                    </a:p>
-                  </a:txBody>
-                  <a:tcPr/>
-                </a:tc>
-                <a:tc>
-                  <a:txBody>
-                    <a:bodyPr/>
-                    <a:lstStyle/>
-                    <a:p>
-                      <a:r>
-                        <a:rPr lang="de-DE" sz="1200" dirty="0" err="1"/>
-                        <a:t>Locust</a:t>
-                      </a:r>
-                      <a:endParaRPr lang="de-DE" sz="1200" b="1" dirty="0"/>
-                    </a:p>
-                  </a:txBody>
-                  <a:tcPr/>
-                </a:tc>
-                <a:tc>
-                  <a:txBody>
-                    <a:bodyPr/>
-                    <a:lstStyle/>
-                    <a:p>
-                      <a:r>
-                        <a:rPr lang="de-DE" sz="1200" dirty="0" err="1"/>
-                        <a:t>Slapper</a:t>
-                      </a:r>
-                      <a:endParaRPr lang="de-DE" sz="1200" b="1" dirty="0"/>
-                    </a:p>
-                  </a:txBody>
-                  <a:tcPr/>
-                </a:tc>
-                <a:tc>
-                  <a:txBody>
-                    <a:bodyPr/>
-                    <a:lstStyle/>
-                    <a:p>
-                      <a:r>
-                        <a:rPr lang="de-DE" sz="1200" dirty="0" err="1"/>
-                        <a:t>nGrinder</a:t>
-                      </a:r>
-                      <a:endParaRPr lang="de-DE" sz="1200" b="1" dirty="0"/>
-                    </a:p>
-                  </a:txBody>
-                  <a:tcPr/>
-                </a:tc>
-                <a:tc>
-                  <a:txBody>
-                    <a:bodyPr/>
-                    <a:lstStyle/>
-                    <a:p>
-                      <a:r>
-                        <a:rPr lang="de-DE" sz="1200" dirty="0" err="1"/>
-                        <a:t>Artillery</a:t>
-                      </a:r>
-                      <a:endParaRPr lang="de-DE" sz="1200" b="1" dirty="0"/>
-                    </a:p>
-                  </a:txBody>
-                  <a:tcPr/>
-                </a:tc>
-                <a:tc>
-                  <a:txBody>
-                    <a:bodyPr/>
-                    <a:lstStyle/>
-                    <a:p>
-                      <a:r>
-                        <a:rPr lang="de-DE" sz="1200" dirty="0"/>
-                        <a:t>Apache Bench</a:t>
-                      </a:r>
-                      <a:endParaRPr lang="de-DE" sz="1200" b="1" dirty="0"/>
-                    </a:p>
-                  </a:txBody>
-                  <a:tcPr/>
-                </a:tc>
-                <a:tc>
-                  <a:txBody>
-                    <a:bodyPr/>
-                    <a:lstStyle/>
-                    <a:p>
-                      <a:r>
-                        <a:rPr lang="de-DE" sz="1200" dirty="0"/>
-                        <a:t>k6</a:t>
-                      </a:r>
-                      <a:endParaRPr lang="de-DE" sz="1200" b="1" dirty="0"/>
-                    </a:p>
-                  </a:txBody>
-                  <a:tcPr/>
-                </a:tc>
-                <a:extLst>
-                  <a:ext uri="{0D108BD9-81ED-4DB2-BD59-A6C34878D82A}">
-                    <a16:rowId xmlns:a16="http://schemas.microsoft.com/office/drawing/2014/main" val="2965971547"/>
-                  </a:ext>
-                </a:extLst>
-              </a:tr>
-              <a:tr h="242012">
-                <a:tc>
-                  <a:txBody>
-                    <a:bodyPr/>
-                    <a:lstStyle/>
-                    <a:p>
-                      <a:r>
-                        <a:rPr lang="de-DE" sz="1200" dirty="0"/>
-                        <a:t>Lizenz</a:t>
-                      </a:r>
-                      <a:endParaRPr lang="de-DE" sz="1200" b="1" dirty="0"/>
-                    </a:p>
-                  </a:txBody>
-                  <a:tcPr/>
-                </a:tc>
-                <a:tc>
-                  <a:txBody>
-                    <a:bodyPr/>
-                    <a:lstStyle/>
-                    <a:p>
-                      <a:r>
-                        <a:rPr lang="de-DE" sz="1200" dirty="0"/>
-                        <a:t>Apache Lizenz 2.0</a:t>
-                      </a:r>
-                    </a:p>
-                  </a:txBody>
-                  <a:tcPr/>
-                </a:tc>
-                <a:tc>
-                  <a:txBody>
-                    <a:bodyPr/>
-                    <a:lstStyle/>
-                    <a:p>
-                      <a:r>
-                        <a:rPr lang="de-DE" sz="1200" dirty="0"/>
-                        <a:t>MIT Lizenz</a:t>
-                      </a:r>
-                    </a:p>
-                  </a:txBody>
-                  <a:tcPr/>
-                </a:tc>
-                <a:tc>
-                  <a:txBody>
-                    <a:bodyPr/>
-                    <a:lstStyle/>
-                    <a:p>
-                      <a:r>
-                        <a:rPr lang="de-DE" sz="1200" dirty="0"/>
-                        <a:t>MIT Lizenz</a:t>
-                      </a:r>
-                    </a:p>
-                  </a:txBody>
-                  <a:tcPr/>
-                </a:tc>
-                <a:tc>
-                  <a:txBody>
-                    <a:bodyPr/>
-                    <a:lstStyle/>
-                    <a:p>
-                      <a:r>
-                        <a:rPr lang="de-DE" sz="1200" dirty="0"/>
-                        <a:t>Apache Lizenz 2.0</a:t>
-                      </a:r>
-                    </a:p>
-                  </a:txBody>
-                  <a:tcPr/>
-                </a:tc>
-                <a:tc>
-                  <a:txBody>
-                    <a:bodyPr/>
-                    <a:lstStyle/>
-                    <a:p>
-                      <a:r>
-                        <a:rPr lang="de-DE" sz="1200" dirty="0"/>
-                        <a:t>MPL 2.0 Lizenz</a:t>
-                      </a:r>
-                    </a:p>
-                  </a:txBody>
-                  <a:tcPr/>
-                </a:tc>
-                <a:tc>
-                  <a:txBody>
-                    <a:bodyPr/>
-                    <a:lstStyle/>
-                    <a:p>
-                      <a:r>
-                        <a:rPr lang="de-DE" sz="1200" dirty="0"/>
-                        <a:t>Apache Lizenz</a:t>
-                      </a:r>
-                    </a:p>
-                  </a:txBody>
-                  <a:tcPr/>
-                </a:tc>
-                <a:tc>
-                  <a:txBody>
-                    <a:bodyPr/>
-                    <a:lstStyle/>
-                    <a:p>
-                      <a:r>
-                        <a:rPr lang="de-DE" sz="1200" dirty="0"/>
-                        <a:t>AGPL</a:t>
-                      </a:r>
-                    </a:p>
-                  </a:txBody>
-                  <a:tcPr/>
-                </a:tc>
-                <a:extLst>
-                  <a:ext uri="{0D108BD9-81ED-4DB2-BD59-A6C34878D82A}">
-                    <a16:rowId xmlns:a16="http://schemas.microsoft.com/office/drawing/2014/main" val="1184257119"/>
-                  </a:ext>
-                </a:extLst>
-              </a:tr>
-              <a:tr h="275208">
-                <a:tc>
-                  <a:txBody>
-                    <a:bodyPr/>
-                    <a:lstStyle/>
-                    <a:p>
-                      <a:r>
-                        <a:rPr lang="de-DE" sz="1200" dirty="0" err="1"/>
-                        <a:t>Issue</a:t>
-                      </a:r>
-                      <a:r>
-                        <a:rPr lang="de-DE" sz="1200" dirty="0"/>
-                        <a:t> Tracker</a:t>
-                      </a:r>
-                      <a:endParaRPr lang="de-DE" sz="1200" b="1" dirty="0"/>
-                    </a:p>
-                  </a:txBody>
-                  <a:tcPr/>
-                </a:tc>
-                <a:tc>
-                  <a:txBody>
-                    <a:bodyPr/>
-                    <a:lstStyle/>
-                    <a:p>
-                      <a:r>
-                        <a:rPr lang="de-DE" sz="1200" dirty="0"/>
-                        <a:t>GitHub</a:t>
-                      </a:r>
-                    </a:p>
-                  </a:txBody>
-                  <a:tcPr/>
-                </a:tc>
-                <a:tc>
-                  <a:txBody>
-                    <a:bodyPr/>
-                    <a:lstStyle/>
-                    <a:p>
-                      <a:r>
-                        <a:rPr lang="de-DE" sz="1200" dirty="0"/>
-                        <a:t>GitHub</a:t>
-                      </a:r>
-                    </a:p>
-                  </a:txBody>
-                  <a:tcPr/>
-                </a:tc>
-                <a:tc>
-                  <a:txBody>
-                    <a:bodyPr/>
-                    <a:lstStyle/>
-                    <a:p>
-                      <a:r>
-                        <a:rPr lang="de-DE" sz="1200" dirty="0"/>
-                        <a:t>GitHub</a:t>
-                      </a:r>
-                    </a:p>
-                  </a:txBody>
-                  <a:tcPr/>
-                </a:tc>
-                <a:tc>
-                  <a:txBody>
-                    <a:bodyPr/>
-                    <a:lstStyle/>
-                    <a:p>
-                      <a:r>
-                        <a:rPr lang="de-DE" sz="1200" dirty="0"/>
-                        <a:t>GitHub</a:t>
-                      </a:r>
-                    </a:p>
-                  </a:txBody>
-                  <a:tcPr/>
-                </a:tc>
-                <a:tc>
-                  <a:txBody>
-                    <a:bodyPr/>
-                    <a:lstStyle/>
-                    <a:p>
-                      <a:r>
-                        <a:rPr lang="de-DE" sz="1200" dirty="0"/>
-                        <a:t>GitHub</a:t>
-                      </a:r>
-                    </a:p>
-                  </a:txBody>
-                  <a:tcPr/>
-                </a:tc>
-                <a:tc>
-                  <a:txBody>
-                    <a:bodyPr/>
-                    <a:lstStyle/>
-                    <a:p>
-                      <a:r>
-                        <a:rPr lang="de-DE" sz="1200" dirty="0"/>
-                        <a:t>Mailing List</a:t>
-                      </a:r>
-                    </a:p>
-                  </a:txBody>
-                  <a:tcPr/>
-                </a:tc>
-                <a:tc>
-                  <a:txBody>
-                    <a:bodyPr/>
-                    <a:lstStyle/>
-                    <a:p>
-                      <a:r>
-                        <a:rPr lang="de-DE" sz="1200" dirty="0"/>
-                        <a:t>GitHub</a:t>
-                      </a:r>
-                    </a:p>
-                  </a:txBody>
-                  <a:tcPr/>
-                </a:tc>
-                <a:extLst>
-                  <a:ext uri="{0D108BD9-81ED-4DB2-BD59-A6C34878D82A}">
-                    <a16:rowId xmlns:a16="http://schemas.microsoft.com/office/drawing/2014/main" val="3089076478"/>
-                  </a:ext>
-                </a:extLst>
-              </a:tr>
-              <a:tr h="370840">
-                <a:tc>
-                  <a:txBody>
-                    <a:bodyPr/>
-                    <a:lstStyle/>
-                    <a:p>
-                      <a:r>
-                        <a:rPr lang="de-DE" sz="1200" dirty="0"/>
-                        <a:t>Stable Version &gt; 1.0?</a:t>
-                      </a:r>
-                      <a:endParaRPr lang="de-DE" sz="1200" b="1" dirty="0"/>
-                    </a:p>
-                  </a:txBody>
-                  <a:tcPr/>
-                </a:tc>
-                <a:tc>
-                  <a:txBody>
-                    <a:bodyPr/>
-                    <a:lstStyle/>
-                    <a:p>
-                      <a:r>
-                        <a:rPr lang="de-DE" sz="1200" dirty="0"/>
-                        <a:t>2.2.0</a:t>
-                      </a:r>
-                    </a:p>
-                  </a:txBody>
-                  <a:tcPr/>
-                </a:tc>
-                <a:tc>
-                  <a:txBody>
-                    <a:bodyPr/>
-                    <a:lstStyle/>
-                    <a:p>
-                      <a:r>
-                        <a:rPr lang="de-DE" sz="1200" dirty="0"/>
-                        <a:t>0.8</a:t>
-                      </a:r>
-                    </a:p>
-                  </a:txBody>
-                  <a:tcPr/>
-                </a:tc>
-                <a:tc>
-                  <a:txBody>
-                    <a:bodyPr/>
-                    <a:lstStyle/>
-                    <a:p>
-                      <a:r>
-                        <a:rPr lang="de-DE" sz="1200" dirty="0"/>
-                        <a:t>Kein Release</a:t>
-                      </a:r>
-                    </a:p>
-                  </a:txBody>
-                  <a:tcPr/>
-                </a:tc>
-                <a:tc>
-                  <a:txBody>
-                    <a:bodyPr/>
-                    <a:lstStyle/>
-                    <a:p>
-                      <a:r>
-                        <a:rPr lang="de-DE" sz="1200" dirty="0"/>
-                        <a:t>3.4.1</a:t>
-                      </a:r>
-                    </a:p>
-                  </a:txBody>
-                  <a:tcPr/>
-                </a:tc>
-                <a:tc>
-                  <a:txBody>
-                    <a:bodyPr/>
-                    <a:lstStyle/>
-                    <a:p>
-                      <a:r>
-                        <a:rPr lang="de-DE" sz="1200" dirty="0"/>
-                        <a:t>1.5.6</a:t>
-                      </a:r>
-                    </a:p>
-                  </a:txBody>
-                  <a:tcPr/>
-                </a:tc>
-                <a:tc>
-                  <a:txBody>
-                    <a:bodyPr/>
-                    <a:lstStyle/>
-                    <a:p>
-                      <a:r>
-                        <a:rPr lang="de-DE" sz="1200" dirty="0"/>
-                        <a:t>2.4.3 (Apache Server)</a:t>
-                      </a:r>
-                    </a:p>
-                  </a:txBody>
-                  <a:tcPr/>
-                </a:tc>
-                <a:tc>
-                  <a:txBody>
-                    <a:bodyPr/>
-                    <a:lstStyle/>
-                    <a:p>
-                      <a:r>
-                        <a:rPr lang="de-DE" sz="1200" dirty="0"/>
-                        <a:t>0.20.0</a:t>
-                      </a:r>
-                    </a:p>
-                  </a:txBody>
-                  <a:tcPr/>
-                </a:tc>
-                <a:extLst>
-                  <a:ext uri="{0D108BD9-81ED-4DB2-BD59-A6C34878D82A}">
-                    <a16:rowId xmlns:a16="http://schemas.microsoft.com/office/drawing/2014/main" val="1667510319"/>
-                  </a:ext>
-                </a:extLst>
-              </a:tr>
-              <a:tr h="370840">
-                <a:tc>
-                  <a:txBody>
-                    <a:bodyPr/>
-                    <a:lstStyle/>
-                    <a:p>
-                      <a:r>
-                        <a:rPr lang="de-DE" sz="1200" dirty="0"/>
-                        <a:t>Auf </a:t>
-                      </a:r>
-                      <a:r>
-                        <a:rPr lang="de-DE" sz="1200" dirty="0" err="1"/>
-                        <a:t>OpenHub</a:t>
-                      </a:r>
-                      <a:r>
-                        <a:rPr lang="de-DE" sz="1200" dirty="0"/>
-                        <a:t> gelistet?</a:t>
-                      </a:r>
-                      <a:endParaRPr lang="de-DE" sz="1200" b="1" dirty="0"/>
-                    </a:p>
-                  </a:txBody>
-                  <a:tcPr/>
-                </a:tc>
-                <a:tc>
-                  <a:txBody>
-                    <a:bodyPr/>
-                    <a:lstStyle/>
-                    <a:p>
-                      <a:r>
-                        <a:rPr lang="de-DE" sz="1200" dirty="0"/>
-                        <a:t>Ja</a:t>
-                      </a:r>
-                    </a:p>
-                  </a:txBody>
-                  <a:tcPr/>
-                </a:tc>
-                <a:tc>
-                  <a:txBody>
-                    <a:bodyPr/>
-                    <a:lstStyle/>
-                    <a:p>
-                      <a:r>
-                        <a:rPr lang="de-DE" sz="1200" dirty="0"/>
-                        <a:t>Ja</a:t>
-                      </a:r>
-                    </a:p>
-                  </a:txBody>
-                  <a:tcPr/>
-                </a:tc>
-                <a:tc>
-                  <a:txBody>
-                    <a:bodyPr/>
-                    <a:lstStyle/>
-                    <a:p>
-                      <a:r>
-                        <a:rPr lang="de-DE" sz="1200" dirty="0"/>
-                        <a:t>Nein</a:t>
-                      </a:r>
-                    </a:p>
-                  </a:txBody>
-                  <a:tcPr/>
-                </a:tc>
-                <a:tc>
-                  <a:txBody>
-                    <a:bodyPr/>
-                    <a:lstStyle/>
-                    <a:p>
-                      <a:r>
-                        <a:rPr lang="de-DE" sz="1200" dirty="0"/>
-                        <a:t>Ja</a:t>
-                      </a:r>
-                    </a:p>
-                  </a:txBody>
-                  <a:tcPr/>
-                </a:tc>
-                <a:tc>
-                  <a:txBody>
-                    <a:bodyPr/>
-                    <a:lstStyle/>
-                    <a:p>
-                      <a:r>
-                        <a:rPr lang="de-DE" sz="1200" dirty="0"/>
-                        <a:t>Nein</a:t>
-                      </a:r>
-                    </a:p>
-                  </a:txBody>
-                  <a:tcPr/>
-                </a:tc>
-                <a:tc>
-                  <a:txBody>
-                    <a:bodyPr/>
-                    <a:lstStyle/>
-                    <a:p>
-                      <a:r>
-                        <a:rPr lang="de-DE" sz="1200" dirty="0"/>
-                        <a:t>Ja (Apache Server)</a:t>
-                      </a:r>
-                    </a:p>
-                  </a:txBody>
-                  <a:tcPr/>
-                </a:tc>
-                <a:tc>
-                  <a:txBody>
-                    <a:bodyPr/>
-                    <a:lstStyle/>
-                    <a:p>
-                      <a:r>
-                        <a:rPr lang="de-DE" sz="1200" dirty="0"/>
-                        <a:t>Nein</a:t>
-                      </a:r>
-                    </a:p>
-                  </a:txBody>
-                  <a:tcPr/>
-                </a:tc>
-                <a:extLst>
-                  <a:ext uri="{0D108BD9-81ED-4DB2-BD59-A6C34878D82A}">
-                    <a16:rowId xmlns:a16="http://schemas.microsoft.com/office/drawing/2014/main" val="1435722550"/>
-                  </a:ext>
-                </a:extLst>
-              </a:tr>
-              <a:tr h="370840">
-                <a:tc>
-                  <a:txBody>
-                    <a:bodyPr/>
-                    <a:lstStyle/>
-                    <a:p>
-                      <a:r>
-                        <a:rPr lang="de-DE" sz="1200" dirty="0"/>
-                        <a:t>Google Trends (Durschnitt letzte 12 Monate)</a:t>
-                      </a:r>
-                      <a:endParaRPr lang="de-DE" sz="1200" b="1" dirty="0"/>
-                    </a:p>
-                  </a:txBody>
-                  <a:tcPr/>
-                </a:tc>
-                <a:tc>
-                  <a:txBody>
-                    <a:bodyPr/>
-                    <a:lstStyle/>
-                    <a:p>
-                      <a:r>
-                        <a:rPr lang="de-DE" sz="1200" dirty="0"/>
-                        <a:t>18</a:t>
-                      </a:r>
-                    </a:p>
-                  </a:txBody>
-                  <a:tcPr/>
-                </a:tc>
-                <a:tc>
-                  <a:txBody>
-                    <a:bodyPr/>
-                    <a:lstStyle/>
-                    <a:p>
-                      <a:r>
-                        <a:rPr lang="de-DE" sz="1200" dirty="0"/>
-                        <a:t>6</a:t>
-                      </a:r>
-                    </a:p>
-                  </a:txBody>
-                  <a:tcPr/>
-                </a:tc>
-                <a:tc>
-                  <a:txBody>
-                    <a:bodyPr/>
-                    <a:lstStyle/>
-                    <a:p>
-                      <a:r>
-                        <a:rPr lang="de-DE" sz="1200" dirty="0"/>
-                        <a:t>5</a:t>
-                      </a:r>
-                    </a:p>
-                  </a:txBody>
-                  <a:tcPr/>
-                </a:tc>
-                <a:tc>
-                  <a:txBody>
-                    <a:bodyPr/>
-                    <a:lstStyle/>
-                    <a:p>
-                      <a:r>
-                        <a:rPr lang="de-DE" sz="1200" dirty="0"/>
-                        <a:t>4</a:t>
-                      </a:r>
-                    </a:p>
-                  </a:txBody>
-                  <a:tcPr/>
-                </a:tc>
-                <a:tc>
-                  <a:txBody>
-                    <a:bodyPr/>
-                    <a:lstStyle/>
-                    <a:p>
-                      <a:r>
-                        <a:rPr lang="de-DE" sz="1200" dirty="0"/>
-                        <a:t>30</a:t>
-                      </a:r>
-                    </a:p>
-                  </a:txBody>
-                  <a:tcPr/>
-                </a:tc>
-                <a:tc>
-                  <a:txBody>
-                    <a:bodyPr/>
-                    <a:lstStyle/>
-                    <a:p>
-                      <a:r>
-                        <a:rPr lang="de-DE" sz="1200" dirty="0"/>
-                        <a:t>35</a:t>
-                      </a:r>
-                    </a:p>
-                  </a:txBody>
-                  <a:tcPr/>
-                </a:tc>
-                <a:tc>
-                  <a:txBody>
-                    <a:bodyPr/>
-                    <a:lstStyle/>
-                    <a:p>
-                      <a:r>
-                        <a:rPr lang="de-DE" sz="1200" dirty="0"/>
-                        <a:t>57</a:t>
-                      </a:r>
-                    </a:p>
-                  </a:txBody>
-                  <a:tcPr/>
-                </a:tc>
-                <a:extLst>
-                  <a:ext uri="{0D108BD9-81ED-4DB2-BD59-A6C34878D82A}">
-                    <a16:rowId xmlns:a16="http://schemas.microsoft.com/office/drawing/2014/main" val="2926144639"/>
-                  </a:ext>
-                </a:extLst>
-              </a:tr>
-              <a:tr h="370840">
-                <a:tc>
-                  <a:txBody>
-                    <a:bodyPr/>
-                    <a:lstStyle/>
-                    <a:p>
-                      <a:r>
-                        <a:rPr lang="de-DE" sz="1200" dirty="0"/>
-                        <a:t>Release in den letzten 12 Monaten?</a:t>
-                      </a:r>
-                      <a:endParaRPr lang="de-DE" sz="1200" b="1" dirty="0"/>
-                    </a:p>
-                  </a:txBody>
-                  <a:tcPr/>
-                </a:tc>
-                <a:tc>
-                  <a:txBody>
-                    <a:bodyPr/>
-                    <a:lstStyle/>
-                    <a:p>
-                      <a:r>
-                        <a:rPr lang="de-DE" sz="1200" dirty="0"/>
-                        <a:t>Nein, Apr 2016</a:t>
-                      </a:r>
-                    </a:p>
-                  </a:txBody>
-                  <a:tcPr/>
-                </a:tc>
-                <a:tc>
-                  <a:txBody>
-                    <a:bodyPr/>
-                    <a:lstStyle/>
-                    <a:p>
-                      <a:r>
-                        <a:rPr lang="de-DE" sz="1200" dirty="0"/>
-                        <a:t>Ja, Sep 2017</a:t>
-                      </a:r>
-                    </a:p>
-                  </a:txBody>
-                  <a:tcPr/>
-                </a:tc>
-                <a:tc>
-                  <a:txBody>
-                    <a:bodyPr/>
-                    <a:lstStyle/>
-                    <a:p>
-                      <a:r>
-                        <a:rPr lang="de-DE" sz="1200" dirty="0"/>
-                        <a:t>Kein Release</a:t>
-                      </a:r>
-                    </a:p>
-                  </a:txBody>
-                  <a:tcPr/>
-                </a:tc>
-                <a:tc>
-                  <a:txBody>
-                    <a:bodyPr/>
-                    <a:lstStyle/>
-                    <a:p>
-                      <a:r>
-                        <a:rPr lang="de-DE" sz="1200" dirty="0"/>
-                        <a:t>Nein, Feb 2017</a:t>
-                      </a:r>
-                    </a:p>
-                  </a:txBody>
-                  <a:tcPr/>
-                </a:tc>
-                <a:tc>
-                  <a:txBody>
-                    <a:bodyPr/>
-                    <a:lstStyle/>
-                    <a:p>
-                      <a:r>
-                        <a:rPr lang="de-DE" sz="1200" dirty="0"/>
-                        <a:t>Ja, Mär 2018</a:t>
-                      </a:r>
-                    </a:p>
-                  </a:txBody>
-                  <a:tcPr/>
-                </a:tc>
-                <a:tc>
-                  <a:txBody>
-                    <a:bodyPr/>
-                    <a:lstStyle/>
-                    <a:p>
-                      <a:r>
-                        <a:rPr lang="de-DE" sz="1200" dirty="0"/>
-                        <a:t>Ja, März 2018 (Apache Server)</a:t>
-                      </a:r>
-                    </a:p>
-                  </a:txBody>
-                  <a:tcPr/>
-                </a:tc>
-                <a:tc>
-                  <a:txBody>
-                    <a:bodyPr/>
-                    <a:lstStyle/>
-                    <a:p>
-                      <a:r>
-                        <a:rPr lang="de-DE" sz="1200" dirty="0"/>
-                        <a:t>Ja, Mai 2018</a:t>
-                      </a:r>
-                    </a:p>
-                  </a:txBody>
-                  <a:tcPr/>
-                </a:tc>
-                <a:extLst>
-                  <a:ext uri="{0D108BD9-81ED-4DB2-BD59-A6C34878D82A}">
-                    <a16:rowId xmlns:a16="http://schemas.microsoft.com/office/drawing/2014/main" val="3247816977"/>
-                  </a:ext>
-                </a:extLst>
-              </a:tr>
-              <a:tr h="370840">
-                <a:tc>
-                  <a:txBody>
-                    <a:bodyPr/>
-                    <a:lstStyle/>
-                    <a:p>
-                      <a:r>
-                        <a:rPr lang="de-DE" sz="1200" dirty="0" err="1"/>
-                        <a:t>StackOverflow</a:t>
-                      </a:r>
-                      <a:r>
-                        <a:rPr lang="de-DE" sz="1200" dirty="0"/>
-                        <a:t> Interesse</a:t>
-                      </a:r>
-                      <a:endParaRPr lang="de-DE" sz="1200" b="1" dirty="0"/>
-                    </a:p>
-                  </a:txBody>
-                  <a:tcPr/>
-                </a:tc>
-                <a:tc>
-                  <a:txBody>
-                    <a:bodyPr/>
-                    <a:lstStyle/>
-                    <a:p>
-                      <a:r>
-                        <a:rPr lang="de-DE" sz="1200" dirty="0"/>
-                        <a:t>&gt; 500 Fragen</a:t>
-                      </a:r>
-                    </a:p>
-                  </a:txBody>
-                  <a:tcPr/>
-                </a:tc>
-                <a:tc>
-                  <a:txBody>
-                    <a:bodyPr/>
-                    <a:lstStyle/>
-                    <a:p>
-                      <a:r>
-                        <a:rPr lang="de-DE" sz="1200" dirty="0"/>
-                        <a:t>397 Fragen</a:t>
-                      </a:r>
-                    </a:p>
-                  </a:txBody>
-                  <a:tcPr/>
-                </a:tc>
-                <a:tc>
-                  <a:txBody>
-                    <a:bodyPr/>
-                    <a:lstStyle/>
-                    <a:p>
-                      <a:r>
-                        <a:rPr lang="de-DE" sz="1200" dirty="0"/>
-                        <a:t>&gt; 500 Fragen</a:t>
-                      </a:r>
-                    </a:p>
-                  </a:txBody>
-                  <a:tcPr/>
-                </a:tc>
-                <a:tc>
-                  <a:txBody>
-                    <a:bodyPr/>
-                    <a:lstStyle/>
-                    <a:p>
-                      <a:r>
-                        <a:rPr lang="de-DE" sz="1200" dirty="0"/>
-                        <a:t>13 Fragen</a:t>
-                      </a:r>
-                    </a:p>
-                  </a:txBody>
-                  <a:tcPr/>
-                </a:tc>
-                <a:tc>
-                  <a:txBody>
-                    <a:bodyPr/>
-                    <a:lstStyle/>
-                    <a:p>
-                      <a:r>
-                        <a:rPr lang="de-DE" sz="1200" dirty="0"/>
-                        <a:t>222 Fragen</a:t>
-                      </a:r>
-                    </a:p>
-                  </a:txBody>
-                  <a:tcPr/>
-                </a:tc>
-                <a:tc>
-                  <a:txBody>
-                    <a:bodyPr/>
-                    <a:lstStyle/>
-                    <a:p>
-                      <a:r>
-                        <a:rPr lang="de-DE" sz="1200" dirty="0"/>
-                        <a:t>394 Fragen</a:t>
-                      </a:r>
-                    </a:p>
-                  </a:txBody>
-                  <a:tcPr/>
-                </a:tc>
-                <a:tc>
-                  <a:txBody>
-                    <a:bodyPr/>
-                    <a:lstStyle/>
-                    <a:p>
-                      <a:r>
-                        <a:rPr lang="de-DE" sz="1200" dirty="0"/>
-                        <a:t>&gt; 500 Fragen</a:t>
-                      </a:r>
-                    </a:p>
-                  </a:txBody>
-                  <a:tcPr/>
-                </a:tc>
-                <a:extLst>
-                  <a:ext uri="{0D108BD9-81ED-4DB2-BD59-A6C34878D82A}">
-                    <a16:rowId xmlns:a16="http://schemas.microsoft.com/office/drawing/2014/main" val="1050846634"/>
-                  </a:ext>
-                </a:extLst>
-              </a:tr>
-              <a:tr h="370840">
-                <a:tc>
-                  <a:txBody>
-                    <a:bodyPr/>
-                    <a:lstStyle/>
-                    <a:p>
-                      <a:r>
-                        <a:rPr lang="de-DE" sz="1200" dirty="0"/>
-                        <a:t>Projekt älter als 1 Jahr?</a:t>
-                      </a:r>
-                      <a:endParaRPr lang="de-DE" sz="1200" b="1" dirty="0"/>
-                    </a:p>
-                  </a:txBody>
-                  <a:tcPr/>
-                </a:tc>
-                <a:tc>
-                  <a:txBody>
-                    <a:bodyPr/>
-                    <a:lstStyle/>
-                    <a:p>
-                      <a:r>
-                        <a:rPr lang="de-DE" sz="1200" dirty="0"/>
-                        <a:t>Ja, 2011</a:t>
-                      </a:r>
-                    </a:p>
-                  </a:txBody>
-                  <a:tcPr/>
-                </a:tc>
-                <a:tc>
-                  <a:txBody>
-                    <a:bodyPr/>
-                    <a:lstStyle/>
-                    <a:p>
-                      <a:r>
-                        <a:rPr lang="de-DE" sz="1200" dirty="0"/>
-                        <a:t>Ja, 2011</a:t>
-                      </a:r>
-                    </a:p>
-                  </a:txBody>
-                  <a:tcPr/>
-                </a:tc>
-                <a:tc>
-                  <a:txBody>
-                    <a:bodyPr/>
-                    <a:lstStyle/>
-                    <a:p>
-                      <a:r>
-                        <a:rPr lang="de-DE" sz="1200" dirty="0"/>
-                        <a:t>Ja, 2017</a:t>
-                      </a:r>
-                    </a:p>
-                  </a:txBody>
-                  <a:tcPr/>
-                </a:tc>
-                <a:tc>
-                  <a:txBody>
-                    <a:bodyPr/>
-                    <a:lstStyle/>
-                    <a:p>
-                      <a:r>
-                        <a:rPr lang="de-DE" sz="1200" dirty="0"/>
-                        <a:t>Ja, 2012</a:t>
-                      </a:r>
-                    </a:p>
-                  </a:txBody>
-                  <a:tcPr/>
-                </a:tc>
-                <a:tc>
-                  <a:txBody>
-                    <a:bodyPr/>
-                    <a:lstStyle/>
-                    <a:p>
-                      <a:r>
-                        <a:rPr lang="de-DE" sz="1200" dirty="0"/>
-                        <a:t>Ja, 2016</a:t>
-                      </a:r>
-                    </a:p>
-                  </a:txBody>
-                  <a:tcPr/>
-                </a:tc>
-                <a:tc>
-                  <a:txBody>
-                    <a:bodyPr/>
-                    <a:lstStyle/>
-                    <a:p>
-                      <a:r>
-                        <a:rPr lang="de-DE" sz="1200" dirty="0"/>
-                        <a:t>Ja, 1995 (Apache Server)</a:t>
-                      </a:r>
-                    </a:p>
-                  </a:txBody>
-                  <a:tcPr/>
-                </a:tc>
-                <a:tc>
-                  <a:txBody>
-                    <a:bodyPr/>
-                    <a:lstStyle/>
-                    <a:p>
-                      <a:r>
-                        <a:rPr lang="de-DE" sz="1200" dirty="0"/>
-                        <a:t>Ja, 2016</a:t>
-                      </a:r>
-                    </a:p>
-                  </a:txBody>
-                  <a:tcPr/>
-                </a:tc>
-                <a:extLst>
-                  <a:ext uri="{0D108BD9-81ED-4DB2-BD59-A6C34878D82A}">
-                    <a16:rowId xmlns:a16="http://schemas.microsoft.com/office/drawing/2014/main" val="2354061839"/>
-                  </a:ext>
-                </a:extLst>
-              </a:tr>
-              <a:tr h="370840">
-                <a:tc>
-                  <a:txBody>
-                    <a:bodyPr/>
-                    <a:lstStyle/>
-                    <a:p>
-                      <a:r>
-                        <a:rPr lang="de-DE" sz="1200" dirty="0" err="1"/>
-                        <a:t>Getting-Started</a:t>
-                      </a:r>
-                      <a:r>
-                        <a:rPr lang="de-DE" sz="1200" dirty="0"/>
-                        <a:t> / Quickstart vorhanden?</a:t>
-                      </a:r>
-                      <a:endParaRPr lang="de-DE" sz="1200" b="1" dirty="0"/>
-                    </a:p>
-                  </a:txBody>
-                  <a:tcPr/>
-                </a:tc>
-                <a:tc>
-                  <a:txBody>
-                    <a:bodyPr/>
-                    <a:lstStyle/>
-                    <a:p>
-                      <a:r>
-                        <a:rPr lang="de-DE" sz="1200" dirty="0"/>
-                        <a:t>Ja</a:t>
-                      </a:r>
-                    </a:p>
-                  </a:txBody>
-                  <a:tcPr/>
-                </a:tc>
-                <a:tc>
-                  <a:txBody>
-                    <a:bodyPr/>
-                    <a:lstStyle/>
-                    <a:p>
-                      <a:r>
-                        <a:rPr lang="de-DE" sz="1200" dirty="0"/>
-                        <a:t>Ja</a:t>
-                      </a:r>
-                    </a:p>
-                  </a:txBody>
-                  <a:tcPr/>
-                </a:tc>
-                <a:tc>
-                  <a:txBody>
-                    <a:bodyPr/>
-                    <a:lstStyle/>
-                    <a:p>
-                      <a:r>
-                        <a:rPr lang="de-DE" sz="1200" dirty="0"/>
-                        <a:t>Nein, nur README</a:t>
-                      </a:r>
-                    </a:p>
-                  </a:txBody>
-                  <a:tcPr/>
-                </a:tc>
-                <a:tc>
-                  <a:txBody>
-                    <a:bodyPr/>
-                    <a:lstStyle/>
-                    <a:p>
-                      <a:r>
-                        <a:rPr lang="de-DE" sz="1200" dirty="0"/>
-                        <a:t>Ja</a:t>
-                      </a:r>
-                    </a:p>
-                  </a:txBody>
-                  <a:tcPr/>
-                </a:tc>
-                <a:tc>
-                  <a:txBody>
-                    <a:bodyPr/>
-                    <a:lstStyle/>
-                    <a:p>
-                      <a:r>
-                        <a:rPr lang="de-DE" sz="1200" dirty="0"/>
-                        <a:t>Ja</a:t>
-                      </a:r>
-                    </a:p>
-                  </a:txBody>
-                  <a:tcPr/>
-                </a:tc>
-                <a:tc>
-                  <a:txBody>
-                    <a:bodyPr/>
-                    <a:lstStyle/>
-                    <a:p>
-                      <a:r>
-                        <a:rPr lang="de-DE" sz="1200" dirty="0"/>
-                        <a:t>Nein, nur man-page</a:t>
-                      </a:r>
-                    </a:p>
-                  </a:txBody>
-                  <a:tcPr/>
-                </a:tc>
-                <a:tc>
-                  <a:txBody>
-                    <a:bodyPr/>
-                    <a:lstStyle/>
-                    <a:p>
-                      <a:r>
-                        <a:rPr lang="de-DE" sz="1200" dirty="0"/>
-                        <a:t>Ja</a:t>
-                      </a:r>
-                    </a:p>
-                  </a:txBody>
-                  <a:tcPr/>
-                </a:tc>
-                <a:extLst>
-                  <a:ext uri="{0D108BD9-81ED-4DB2-BD59-A6C34878D82A}">
-                    <a16:rowId xmlns:a16="http://schemas.microsoft.com/office/drawing/2014/main" val="2679417557"/>
-                  </a:ext>
-                </a:extLst>
-              </a:tr>
-            </a:tbl>
-          </a:graphicData>
-        </a:graphic>
-      </p:graphicFrame>
-      <p:sp>
-        <p:nvSpPr>
-          <p:cNvPr id="4" name="Datumsplatzhalter 3">
-            <a:extLst>
-              <a:ext uri="{FF2B5EF4-FFF2-40B4-BE49-F238E27FC236}">
-                <a16:creationId xmlns:a16="http://schemas.microsoft.com/office/drawing/2014/main" id="{5266DE27-CF86-40AF-B11C-4D4F194355DA}"/>
-              </a:ext>
-            </a:extLst>
-          </p:cNvPr>
-          <p:cNvSpPr>
-            <a:spLocks noGrp="1"/>
-          </p:cNvSpPr>
-          <p:nvPr>
-            <p:ph type="dt" sz="half" idx="10"/>
-          </p:nvPr>
-        </p:nvSpPr>
-        <p:spPr/>
-        <p:txBody>
-          <a:bodyPr/>
-          <a:lstStyle/>
-          <a:p>
-            <a:fld id="{B1D20A44-4E77-4F9B-AD84-A838E630158E}" type="datetime1">
-              <a:rPr lang="de-DE" smtClean="0"/>
-              <a:t>17.06.2018</a:t>
-            </a:fld>
-            <a:endParaRPr lang="de-DE"/>
-          </a:p>
-        </p:txBody>
-      </p:sp>
-      <p:sp>
-        <p:nvSpPr>
-          <p:cNvPr id="5" name="Foliennummernplatzhalter 4">
-            <a:extLst>
-              <a:ext uri="{FF2B5EF4-FFF2-40B4-BE49-F238E27FC236}">
-                <a16:creationId xmlns:a16="http://schemas.microsoft.com/office/drawing/2014/main" id="{25BE26E0-2DA1-4FF2-BA25-97B5F5BD0BED}"/>
-              </a:ext>
-            </a:extLst>
-          </p:cNvPr>
-          <p:cNvSpPr>
-            <a:spLocks noGrp="1"/>
-          </p:cNvSpPr>
-          <p:nvPr>
-            <p:ph type="sldNum" sz="quarter" idx="12"/>
-          </p:nvPr>
-        </p:nvSpPr>
-        <p:spPr/>
-        <p:txBody>
-          <a:bodyPr/>
-          <a:lstStyle/>
-          <a:p>
-            <a:fld id="{C9BFD74B-BF5B-4F1B-BDFB-3F89FD2A71A6}" type="slidenum">
-              <a:rPr lang="de-DE" smtClean="0"/>
-              <a:t>14</a:t>
-            </a:fld>
-            <a:endParaRPr lang="de-DE"/>
-          </a:p>
-        </p:txBody>
-      </p:sp>
-    </p:spTree>
-    <p:extLst>
-      <p:ext uri="{BB962C8B-B14F-4D97-AF65-F5344CB8AC3E}">
-        <p14:creationId xmlns:p14="http://schemas.microsoft.com/office/powerpoint/2010/main" val="984597225"/>
-      </p:ext>
-    </p:extLst>
-  </p:cSld>
-  <p:clrMapOvr>
-    <a:masterClrMapping/>
-  </p:clrMapOvr>
-</p:sld>
-</file>
-
 <file path=ppt/slides/slide2.xml><?xml version="1.0" encoding="utf-8"?>
-<p:sld xmlns:a="http://schemas.openxmlformats.org/drawingml/2006/main" xmlns:r="http://schemas.openxmlformats.org/officeDocument/2006/relationships" xmlns:p="http://schemas.openxmlformats.org/presentationml/2006/main">
-  <p:cSld>
-    <p:spTree>
-      <p:nvGrpSpPr>
-        <p:cNvPr id="1" name=""/>
-        <p:cNvGrpSpPr/>
-        <p:nvPr/>
-      </p:nvGrpSpPr>
-      <p:grpSpPr>
-        <a:xfrm>
-          <a:off x="0" y="0"/>
-          <a:ext cx="0" cy="0"/>
-          <a:chOff x="0" y="0"/>
-          <a:chExt cx="0" cy="0"/>
-        </a:xfrm>
-      </p:grpSpPr>
-      <p:sp>
-        <p:nvSpPr>
-          <p:cNvPr id="2" name="Titel 1">
-            <a:extLst>
-              <a:ext uri="{FF2B5EF4-FFF2-40B4-BE49-F238E27FC236}">
-                <a16:creationId xmlns:a16="http://schemas.microsoft.com/office/drawing/2014/main" id="{D2B99C6D-C9D8-4DA9-8F56-D9BD3B321166}"/>
-              </a:ext>
-            </a:extLst>
-          </p:cNvPr>
-          <p:cNvSpPr>
-            <a:spLocks noGrp="1"/>
-          </p:cNvSpPr>
-          <p:nvPr>
-            <p:ph type="title"/>
-          </p:nvPr>
-        </p:nvSpPr>
-        <p:spPr/>
-        <p:txBody>
-          <a:bodyPr/>
-          <a:lstStyle/>
-          <a:p>
-            <a:r>
-              <a:rPr lang="de-DE" dirty="0"/>
-              <a:t>Agenda</a:t>
-            </a:r>
-          </a:p>
-        </p:txBody>
-      </p:sp>
-      <p:sp>
-        <p:nvSpPr>
-          <p:cNvPr id="3" name="Inhaltsplatzhalter 2">
-            <a:extLst>
-              <a:ext uri="{FF2B5EF4-FFF2-40B4-BE49-F238E27FC236}">
-                <a16:creationId xmlns:a16="http://schemas.microsoft.com/office/drawing/2014/main" id="{413CDB15-8B96-4D6A-A253-C4FD91F32E90}"/>
-              </a:ext>
-            </a:extLst>
-          </p:cNvPr>
-          <p:cNvSpPr>
-            <a:spLocks noGrp="1"/>
-          </p:cNvSpPr>
-          <p:nvPr>
-            <p:ph idx="1"/>
-          </p:nvPr>
-        </p:nvSpPr>
-        <p:spPr/>
-        <p:txBody>
-          <a:bodyPr/>
-          <a:lstStyle/>
-          <a:p>
-            <a:pPr>
-              <a:buFont typeface="Courier New" panose="02070309020205020404" pitchFamily="49" charset="0"/>
-              <a:buChar char="o"/>
-            </a:pPr>
-            <a:r>
-              <a:rPr lang="de-DE" dirty="0"/>
-              <a:t> Allgemeines zu Performance- /Lasttests</a:t>
-            </a:r>
-          </a:p>
-          <a:p>
-            <a:pPr>
-              <a:buFont typeface="Courier New" panose="02070309020205020404" pitchFamily="49" charset="0"/>
-              <a:buChar char="o"/>
-            </a:pPr>
-            <a:r>
-              <a:rPr lang="de-DE" dirty="0"/>
-              <a:t> Open Source Tools</a:t>
-            </a:r>
-          </a:p>
-          <a:p>
-            <a:pPr>
-              <a:buFont typeface="Courier New" panose="02070309020205020404" pitchFamily="49" charset="0"/>
-              <a:buChar char="o"/>
-            </a:pPr>
-            <a:r>
-              <a:rPr lang="de-DE" dirty="0"/>
-              <a:t> Quick-Check</a:t>
-            </a:r>
-          </a:p>
-          <a:p>
-            <a:pPr>
-              <a:buFont typeface="Courier New" panose="02070309020205020404" pitchFamily="49" charset="0"/>
-              <a:buChar char="o"/>
-            </a:pPr>
-            <a:r>
-              <a:rPr lang="de-DE" dirty="0"/>
-              <a:t> Auswahl an Tools für Testszenario Implementierung</a:t>
-            </a:r>
-          </a:p>
-          <a:p>
-            <a:pPr>
-              <a:buFont typeface="Courier New" panose="02070309020205020404" pitchFamily="49" charset="0"/>
-              <a:buChar char="o"/>
-            </a:pPr>
-            <a:r>
-              <a:rPr lang="de-DE" dirty="0"/>
-              <a:t> Testszenario</a:t>
-            </a:r>
-          </a:p>
-          <a:p>
-            <a:pPr>
-              <a:buFont typeface="Courier New" panose="02070309020205020404" pitchFamily="49" charset="0"/>
-              <a:buChar char="o"/>
-            </a:pPr>
-            <a:r>
-              <a:rPr lang="de-DE" dirty="0"/>
-              <a:t> Auswertung</a:t>
-            </a:r>
-          </a:p>
-          <a:p>
-            <a:pPr>
-              <a:buFont typeface="Courier New" panose="02070309020205020404" pitchFamily="49" charset="0"/>
-              <a:buChar char="o"/>
-            </a:pPr>
-            <a:r>
-              <a:rPr lang="de-DE" dirty="0"/>
-              <a:t> Live Test</a:t>
-            </a:r>
-          </a:p>
-        </p:txBody>
-      </p:sp>
-      <p:sp>
-        <p:nvSpPr>
-          <p:cNvPr id="4" name="Datumsplatzhalter 3">
-            <a:extLst>
-              <a:ext uri="{FF2B5EF4-FFF2-40B4-BE49-F238E27FC236}">
-                <a16:creationId xmlns:a16="http://schemas.microsoft.com/office/drawing/2014/main" id="{75CBE0C4-0800-40C5-8092-8ACAD0DC653C}"/>
-              </a:ext>
-            </a:extLst>
-          </p:cNvPr>
-          <p:cNvSpPr>
-            <a:spLocks noGrp="1"/>
-          </p:cNvSpPr>
-          <p:nvPr>
-            <p:ph type="dt" sz="half" idx="10"/>
-          </p:nvPr>
-        </p:nvSpPr>
-        <p:spPr/>
-        <p:txBody>
-          <a:bodyPr/>
-          <a:lstStyle/>
-          <a:p>
-            <a:fld id="{DE392219-BEB6-4847-9BCD-88B8F9CE2119}" type="datetime1">
-              <a:rPr lang="de-DE" smtClean="0"/>
-              <a:t>17.06.2018</a:t>
-            </a:fld>
-            <a:endParaRPr lang="de-DE"/>
-          </a:p>
-        </p:txBody>
-      </p:sp>
-      <p:sp>
-        <p:nvSpPr>
-          <p:cNvPr id="5" name="Foliennummernplatzhalter 4">
-            <a:extLst>
-              <a:ext uri="{FF2B5EF4-FFF2-40B4-BE49-F238E27FC236}">
-                <a16:creationId xmlns:a16="http://schemas.microsoft.com/office/drawing/2014/main" id="{0CBD8DDD-D697-4E9F-9624-4B943CEC6922}"/>
-              </a:ext>
-            </a:extLst>
-          </p:cNvPr>
-          <p:cNvSpPr>
-            <a:spLocks noGrp="1"/>
-          </p:cNvSpPr>
-          <p:nvPr>
-            <p:ph type="sldNum" sz="quarter" idx="12"/>
-          </p:nvPr>
-        </p:nvSpPr>
-        <p:spPr/>
-        <p:txBody>
-          <a:bodyPr/>
-          <a:lstStyle/>
-          <a:p>
-            <a:fld id="{C9BFD74B-BF5B-4F1B-BDFB-3F89FD2A71A6}" type="slidenum">
-              <a:rPr lang="de-DE" smtClean="0"/>
-              <a:t>2</a:t>
-            </a:fld>
-            <a:endParaRPr lang="de-DE"/>
-          </a:p>
-        </p:txBody>
-      </p:sp>
-    </p:spTree>
-    <p:extLst>
-      <p:ext uri="{BB962C8B-B14F-4D97-AF65-F5344CB8AC3E}">
-        <p14:creationId xmlns:p14="http://schemas.microsoft.com/office/powerpoint/2010/main" val="3840613787"/>
-      </p:ext>
-    </p:extLst>
-  </p:cSld>
-  <p:clrMapOvr>
-    <a:masterClrMapping/>
-  </p:clrMapOvr>
-</p:sld>
-</file>
-
-<file path=ppt/slides/slide3.xml><?xml version="1.0" encoding="utf-8"?>
 <p:sld xmlns:a="http://schemas.openxmlformats.org/drawingml/2006/main" xmlns:r="http://schemas.openxmlformats.org/officeDocument/2006/relationships" xmlns:p="http://schemas.openxmlformats.org/presentationml/2006/main">
   <p:cSld>
     <p:spTree>
@@ -7346,7 +5749,7 @@
           <a:p>
             <a:fld id="{8E8B6494-CAD2-423A-8565-2C4A8AE8562C}" type="datetime1">
               <a:rPr lang="de-DE" smtClean="0"/>
-              <a:t>17.06.2018</a:t>
+              <a:t>18.06.2018</a:t>
             </a:fld>
             <a:endParaRPr lang="de-DE"/>
           </a:p>
@@ -7375,7 +5778,7 @@
           <a:p>
             <a:fld id="{C9BFD74B-BF5B-4F1B-BDFB-3F89FD2A71A6}" type="slidenum">
               <a:rPr lang="de-DE" smtClean="0"/>
-              <a:t>3</a:t>
+              <a:t>2</a:t>
             </a:fld>
             <a:endParaRPr lang="de-DE"/>
           </a:p>
@@ -7394,7 +5797,7 @@
 </p:sld>
 </file>
 
-<file path=ppt/slides/slide4.xml><?xml version="1.0" encoding="utf-8"?>
+<file path=ppt/slides/slide3.xml><?xml version="1.0" encoding="utf-8"?>
 <p:sld xmlns:a="http://schemas.openxmlformats.org/drawingml/2006/main" xmlns:r="http://schemas.openxmlformats.org/officeDocument/2006/relationships" xmlns:p="http://schemas.openxmlformats.org/presentationml/2006/main">
   <p:cSld>
     <p:spTree>
@@ -7594,7 +5997,7 @@
           <a:p>
             <a:fld id="{23EC3B39-C883-44CA-8BF8-D4AC8E88EB16}" type="datetime1">
               <a:rPr lang="de-DE" smtClean="0"/>
-              <a:t>17.06.2018</a:t>
+              <a:t>18.06.2018</a:t>
             </a:fld>
             <a:endParaRPr lang="de-DE"/>
           </a:p>
@@ -7623,7 +6026,7 @@
           <a:p>
             <a:fld id="{C9BFD74B-BF5B-4F1B-BDFB-3F89FD2A71A6}" type="slidenum">
               <a:rPr lang="de-DE" smtClean="0"/>
-              <a:t>4</a:t>
+              <a:t>3</a:t>
             </a:fld>
             <a:endParaRPr lang="de-DE"/>
           </a:p>
@@ -7642,7 +6045,7 @@
 </p:sld>
 </file>
 
-<file path=ppt/slides/slide5.xml><?xml version="1.0" encoding="utf-8"?>
+<file path=ppt/slides/slide4.xml><?xml version="1.0" encoding="utf-8"?>
 <p:sld xmlns:a="http://schemas.openxmlformats.org/drawingml/2006/main" xmlns:r="http://schemas.openxmlformats.org/officeDocument/2006/relationships" xmlns:p="http://schemas.openxmlformats.org/presentationml/2006/main">
   <p:cSld>
     <p:spTree>
@@ -7710,7 +6113,7 @@
           <a:p>
             <a:fld id="{8BB9C7E3-F0B8-4C1B-8245-ABBD3426EBBA}" type="datetime1">
               <a:rPr lang="de-DE" smtClean="0"/>
-              <a:t>17.06.2018</a:t>
+              <a:t>18.06.2018</a:t>
             </a:fld>
             <a:endParaRPr lang="de-DE"/>
           </a:p>
@@ -7739,59 +6142,12 @@
           <a:p>
             <a:fld id="{C9BFD74B-BF5B-4F1B-BDFB-3F89FD2A71A6}" type="slidenum">
               <a:rPr lang="de-DE" smtClean="0"/>
-              <a:t>5</a:t>
+              <a:t>4</a:t>
             </a:fld>
             <a:endParaRPr lang="de-DE"/>
           </a:p>
         </p:txBody>
       </p:sp>
-      <p:pic>
-        <p:nvPicPr>
-          <p:cNvPr id="6" name="Picture 2" descr="Bildergebnis fÃ¼r gatling logo">
-            <a:extLst>
-              <a:ext uri="{FF2B5EF4-FFF2-40B4-BE49-F238E27FC236}">
-                <a16:creationId xmlns:a16="http://schemas.microsoft.com/office/drawing/2014/main" id="{12C6DBA6-2A87-4CD9-BCFE-FDDFFA0D0FFE}"/>
-              </a:ext>
-            </a:extLst>
-          </p:cNvPr>
-          <p:cNvPicPr>
-            <a:picLocks noChangeAspect="1" noChangeArrowheads="1"/>
-          </p:cNvPicPr>
-          <p:nvPr/>
-        </p:nvPicPr>
-        <p:blipFill>
-          <a:blip r:embed="rId3">
-            <a:extLst>
-              <a:ext uri="{28A0092B-C50C-407E-A947-70E740481C1C}">
-                <a14:useLocalDpi xmlns:a14="http://schemas.microsoft.com/office/drawing/2010/main" val="0"/>
-              </a:ext>
-            </a:extLst>
-          </a:blip>
-          <a:srcRect/>
-          <a:stretch>
-            <a:fillRect/>
-          </a:stretch>
-        </p:blipFill>
-        <p:spPr bwMode="auto">
-          <a:xfrm>
-            <a:off x="174003" y="1783686"/>
-            <a:ext cx="2148381" cy="683185"/>
-          </a:xfrm>
-          <a:prstGeom prst="rect">
-            <a:avLst/>
-          </a:prstGeom>
-          <a:noFill/>
-          <a:extLst>
-            <a:ext uri="{909E8E84-426E-40DD-AFC4-6F175D3DCCD1}">
-              <a14:hiddenFill xmlns:a14="http://schemas.microsoft.com/office/drawing/2010/main">
-                <a:solidFill>
-                  <a:srgbClr val="FFFFFF"/>
-                </a:solidFill>
-              </a14:hiddenFill>
-            </a:ext>
-          </a:extLst>
-        </p:spPr>
-      </p:pic>
       <p:pic>
         <p:nvPicPr>
           <p:cNvPr id="7" name="Grafik 6">
@@ -7807,45 +6163,15 @@
           <p:nvPr/>
         </p:nvPicPr>
         <p:blipFill>
-          <a:blip r:embed="rId4"/>
+          <a:blip r:embed="rId3"/>
           <a:stretch>
             <a:fillRect/>
           </a:stretch>
         </p:blipFill>
         <p:spPr>
           <a:xfrm>
-            <a:off x="174003" y="2473241"/>
+            <a:off x="269701" y="1943144"/>
             <a:ext cx="5019435" cy="1041482"/>
-          </a:xfrm>
-          <a:prstGeom prst="rect">
-            <a:avLst/>
-          </a:prstGeom>
-        </p:spPr>
-      </p:pic>
-      <p:pic>
-        <p:nvPicPr>
-          <p:cNvPr id="8" name="Grafik 7">
-            <a:extLst>
-              <a:ext uri="{FF2B5EF4-FFF2-40B4-BE49-F238E27FC236}">
-                <a16:creationId xmlns:a16="http://schemas.microsoft.com/office/drawing/2014/main" id="{7C0F87C3-E966-4F53-AA15-65863D774A06}"/>
-              </a:ext>
-            </a:extLst>
-          </p:cNvPr>
-          <p:cNvPicPr>
-            <a:picLocks noChangeAspect="1"/>
-          </p:cNvPicPr>
-          <p:nvPr/>
-        </p:nvPicPr>
-        <p:blipFill>
-          <a:blip r:embed="rId5"/>
-          <a:stretch>
-            <a:fillRect/>
-          </a:stretch>
-        </p:blipFill>
-        <p:spPr>
-          <a:xfrm>
-            <a:off x="174003" y="3933581"/>
-            <a:ext cx="2495580" cy="612633"/>
           </a:xfrm>
           <a:prstGeom prst="rect">
             <a:avLst/>
@@ -7867,14 +6193,14 @@
           <p:nvPr/>
         </p:nvPicPr>
         <p:blipFill>
-          <a:blip r:embed="rId6"/>
+          <a:blip r:embed="rId4"/>
           <a:stretch>
             <a:fillRect/>
           </a:stretch>
         </p:blipFill>
         <p:spPr>
           <a:xfrm>
-            <a:off x="174003" y="4615952"/>
+            <a:off x="300160" y="3298302"/>
             <a:ext cx="5019435" cy="1214216"/>
           </a:xfrm>
           <a:prstGeom prst="rect">
@@ -7888,6 +6214,83 @@
             <a:extLst>
               <a:ext uri="{FF2B5EF4-FFF2-40B4-BE49-F238E27FC236}">
                 <a16:creationId xmlns:a16="http://schemas.microsoft.com/office/drawing/2014/main" id="{D044960D-944B-45C1-A277-2A286C9DF2BC}"/>
+              </a:ext>
+            </a:extLst>
+          </p:cNvPr>
+          <p:cNvPicPr>
+            <a:picLocks noChangeAspect="1" noChangeArrowheads="1"/>
+          </p:cNvPicPr>
+          <p:nvPr/>
+        </p:nvPicPr>
+        <p:blipFill>
+          <a:blip r:embed="rId5">
+            <a:extLst>
+              <a:ext uri="{28A0092B-C50C-407E-A947-70E740481C1C}">
+                <a14:useLocalDpi xmlns:a14="http://schemas.microsoft.com/office/drawing/2010/main" val="0"/>
+              </a:ext>
+            </a:extLst>
+          </a:blip>
+          <a:srcRect/>
+          <a:stretch>
+            <a:fillRect/>
+          </a:stretch>
+        </p:blipFill>
+        <p:spPr bwMode="auto">
+          <a:xfrm>
+            <a:off x="10681763" y="3676611"/>
+            <a:ext cx="1061439" cy="562563"/>
+          </a:xfrm>
+          <a:prstGeom prst="rect">
+            <a:avLst/>
+          </a:prstGeom>
+          <a:noFill/>
+          <a:extLst>
+            <a:ext uri="{909E8E84-426E-40DD-AFC4-6F175D3DCCD1}">
+              <a14:hiddenFill xmlns:a14="http://schemas.microsoft.com/office/drawing/2010/main">
+                <a:solidFill>
+                  <a:srgbClr val="FFFFFF"/>
+                </a:solidFill>
+              </a14:hiddenFill>
+            </a:ext>
+          </a:extLst>
+        </p:spPr>
+      </p:pic>
+      <p:pic>
+        <p:nvPicPr>
+          <p:cNvPr id="11" name="Grafik 10">
+            <a:extLst>
+              <a:ext uri="{FF2B5EF4-FFF2-40B4-BE49-F238E27FC236}">
+                <a16:creationId xmlns:a16="http://schemas.microsoft.com/office/drawing/2014/main" id="{9C2ACACC-D32B-490C-98D1-F6AFCB1E689C}"/>
+              </a:ext>
+            </a:extLst>
+          </p:cNvPr>
+          <p:cNvPicPr>
+            <a:picLocks noChangeAspect="1"/>
+          </p:cNvPicPr>
+          <p:nvPr/>
+        </p:nvPicPr>
+        <p:blipFill>
+          <a:blip r:embed="rId6"/>
+          <a:stretch>
+            <a:fillRect/>
+          </a:stretch>
+        </p:blipFill>
+        <p:spPr>
+          <a:xfrm>
+            <a:off x="5387201" y="3389269"/>
+            <a:ext cx="4963807" cy="1032279"/>
+          </a:xfrm>
+          <a:prstGeom prst="rect">
+            <a:avLst/>
+          </a:prstGeom>
+        </p:spPr>
+      </p:pic>
+      <p:pic>
+        <p:nvPicPr>
+          <p:cNvPr id="12" name="Picture 2" descr="http://naver.github.io/ngrinder/images/logo_ngrinder_a_header_inv.png">
+            <a:extLst>
+              <a:ext uri="{FF2B5EF4-FFF2-40B4-BE49-F238E27FC236}">
+                <a16:creationId xmlns:a16="http://schemas.microsoft.com/office/drawing/2014/main" id="{0648AFDF-B942-4677-8C93-1B29EAB329F8}"/>
               </a:ext>
             </a:extLst>
           </p:cNvPr>
@@ -7911,85 +6314,8 @@
         </p:blipFill>
         <p:spPr bwMode="auto">
           <a:xfrm>
-            <a:off x="10415952" y="4985845"/>
-            <a:ext cx="1593061" cy="844323"/>
-          </a:xfrm>
-          <a:prstGeom prst="rect">
-            <a:avLst/>
-          </a:prstGeom>
-          <a:noFill/>
-          <a:extLst>
-            <a:ext uri="{909E8E84-426E-40DD-AFC4-6F175D3DCCD1}">
-              <a14:hiddenFill xmlns:a14="http://schemas.microsoft.com/office/drawing/2010/main">
-                <a:solidFill>
-                  <a:srgbClr val="FFFFFF"/>
-                </a:solidFill>
-              </a14:hiddenFill>
-            </a:ext>
-          </a:extLst>
-        </p:spPr>
-      </p:pic>
-      <p:pic>
-        <p:nvPicPr>
-          <p:cNvPr id="11" name="Grafik 10">
-            <a:extLst>
-              <a:ext uri="{FF2B5EF4-FFF2-40B4-BE49-F238E27FC236}">
-                <a16:creationId xmlns:a16="http://schemas.microsoft.com/office/drawing/2014/main" id="{9C2ACACC-D32B-490C-98D1-F6AFCB1E689C}"/>
-              </a:ext>
-            </a:extLst>
-          </p:cNvPr>
-          <p:cNvPicPr>
-            <a:picLocks noChangeAspect="1"/>
-          </p:cNvPicPr>
-          <p:nvPr/>
-        </p:nvPicPr>
-        <p:blipFill>
-          <a:blip r:embed="rId8"/>
-          <a:stretch>
-            <a:fillRect/>
-          </a:stretch>
-        </p:blipFill>
-        <p:spPr>
-          <a:xfrm>
-            <a:off x="5268566" y="3447754"/>
-            <a:ext cx="4887474" cy="1016405"/>
-          </a:xfrm>
-          <a:prstGeom prst="rect">
-            <a:avLst/>
-          </a:prstGeom>
-        </p:spPr>
-      </p:pic>
-      <p:pic>
-        <p:nvPicPr>
-          <p:cNvPr id="12" name="Picture 2" descr="http://naver.github.io/ngrinder/images/logo_ngrinder_a_header_inv.png">
-            <a:extLst>
-              <a:ext uri="{FF2B5EF4-FFF2-40B4-BE49-F238E27FC236}">
-                <a16:creationId xmlns:a16="http://schemas.microsoft.com/office/drawing/2014/main" id="{0648AFDF-B942-4677-8C93-1B29EAB329F8}"/>
-              </a:ext>
-            </a:extLst>
-          </p:cNvPr>
-          <p:cNvPicPr>
-            <a:picLocks noChangeAspect="1" noChangeArrowheads="1"/>
-          </p:cNvPicPr>
-          <p:nvPr/>
-        </p:nvPicPr>
-        <p:blipFill>
-          <a:blip r:embed="rId9">
-            <a:extLst>
-              <a:ext uri="{28A0092B-C50C-407E-A947-70E740481C1C}">
-                <a14:useLocalDpi xmlns:a14="http://schemas.microsoft.com/office/drawing/2010/main" val="0"/>
-              </a:ext>
-            </a:extLst>
-          </a:blip>
-          <a:srcRect/>
-          <a:stretch>
-            <a:fillRect/>
-          </a:stretch>
-        </p:blipFill>
-        <p:spPr bwMode="auto">
-          <a:xfrm>
-            <a:off x="5271340" y="3019583"/>
-            <a:ext cx="2503503" cy="412509"/>
+            <a:off x="8422187" y="3817215"/>
+            <a:ext cx="1707546" cy="281357"/>
           </a:xfrm>
           <a:prstGeom prst="rect">
             <a:avLst/>
@@ -8021,15 +6347,15 @@
           <p:nvPr/>
         </p:nvPicPr>
         <p:blipFill>
-          <a:blip r:embed="rId10"/>
+          <a:blip r:embed="rId8"/>
           <a:stretch>
             <a:fillRect/>
           </a:stretch>
         </p:blipFill>
         <p:spPr>
           <a:xfrm>
-            <a:off x="5268567" y="5102725"/>
-            <a:ext cx="4887474" cy="1149528"/>
+            <a:off x="5389219" y="4849494"/>
+            <a:ext cx="4961789" cy="1167007"/>
           </a:xfrm>
           <a:prstGeom prst="rect">
             <a:avLst/>
@@ -8051,7 +6377,7 @@
           <p:nvPr/>
         </p:nvPicPr>
         <p:blipFill>
-          <a:blip r:embed="rId11" cstate="hqprint">
+          <a:blip r:embed="rId9" cstate="hqprint">
             <a:extLst>
               <a:ext uri="{28A0092B-C50C-407E-A947-70E740481C1C}">
                 <a14:useLocalDpi xmlns:a14="http://schemas.microsoft.com/office/drawing/2010/main" val="0"/>
@@ -8065,8 +6391,8 @@
         </p:blipFill>
         <p:spPr bwMode="auto">
           <a:xfrm>
-            <a:off x="5268566" y="4564043"/>
-            <a:ext cx="1456095" cy="482125"/>
+            <a:off x="6792517" y="4824848"/>
+            <a:ext cx="824435" cy="272977"/>
           </a:xfrm>
           <a:prstGeom prst="rect">
             <a:avLst/>
@@ -8098,15 +6424,15 @@
           <p:nvPr/>
         </p:nvPicPr>
         <p:blipFill>
-          <a:blip r:embed="rId12"/>
+          <a:blip r:embed="rId10"/>
           <a:stretch>
             <a:fillRect/>
           </a:stretch>
         </p:blipFill>
         <p:spPr>
           <a:xfrm>
-            <a:off x="5268566" y="1956198"/>
-            <a:ext cx="4887474" cy="1006828"/>
+            <a:off x="5387201" y="1951544"/>
+            <a:ext cx="4963807" cy="1022553"/>
           </a:xfrm>
           <a:prstGeom prst="rect">
             <a:avLst/>
@@ -8128,15 +6454,15 @@
           <p:nvPr/>
         </p:nvPicPr>
         <p:blipFill>
-          <a:blip r:embed="rId13"/>
+          <a:blip r:embed="rId11"/>
           <a:stretch>
             <a:fillRect/>
           </a:stretch>
         </p:blipFill>
         <p:spPr>
           <a:xfrm>
-            <a:off x="7099505" y="717221"/>
-            <a:ext cx="4056175" cy="996613"/>
+            <a:off x="300160" y="4824848"/>
+            <a:ext cx="4951829" cy="1216677"/>
           </a:xfrm>
           <a:prstGeom prst="rect">
             <a:avLst/>
@@ -8158,7 +6484,7 @@
           <p:nvPr/>
         </p:nvPicPr>
         <p:blipFill>
-          <a:blip r:embed="rId14">
+          <a:blip r:embed="rId12">
             <a:extLst>
               <a:ext uri="{28A0092B-C50C-407E-A947-70E740481C1C}">
                 <a14:useLocalDpi xmlns:a14="http://schemas.microsoft.com/office/drawing/2010/main" val="0"/>
@@ -8172,8 +6498,8 @@
         </p:blipFill>
         <p:spPr bwMode="auto">
           <a:xfrm>
-            <a:off x="6174846" y="888177"/>
-            <a:ext cx="696489" cy="654700"/>
+            <a:off x="4225626" y="5271508"/>
+            <a:ext cx="520110" cy="488903"/>
           </a:xfrm>
           <a:prstGeom prst="rect">
             <a:avLst/>
@@ -8188,6 +6514,83 @@
               </a14:hiddenFill>
             </a:ext>
           </a:extLst>
+        </p:spPr>
+      </p:pic>
+      <p:pic>
+        <p:nvPicPr>
+          <p:cNvPr id="6" name="Picture 2" descr="Bildergebnis fÃ¼r gatling logo">
+            <a:extLst>
+              <a:ext uri="{FF2B5EF4-FFF2-40B4-BE49-F238E27FC236}">
+                <a16:creationId xmlns:a16="http://schemas.microsoft.com/office/drawing/2014/main" id="{12C6DBA6-2A87-4CD9-BCFE-FDDFFA0D0FFE}"/>
+              </a:ext>
+            </a:extLst>
+          </p:cNvPr>
+          <p:cNvPicPr>
+            <a:picLocks noChangeAspect="1" noChangeArrowheads="1"/>
+          </p:cNvPicPr>
+          <p:nvPr/>
+        </p:nvPicPr>
+        <p:blipFill>
+          <a:blip r:embed="rId13">
+            <a:extLst>
+              <a:ext uri="{28A0092B-C50C-407E-A947-70E740481C1C}">
+                <a14:useLocalDpi xmlns:a14="http://schemas.microsoft.com/office/drawing/2010/main" val="0"/>
+              </a:ext>
+            </a:extLst>
+          </a:blip>
+          <a:srcRect/>
+          <a:stretch>
+            <a:fillRect/>
+          </a:stretch>
+        </p:blipFill>
+        <p:spPr bwMode="auto">
+          <a:xfrm>
+            <a:off x="3725208" y="2237588"/>
+            <a:ext cx="1526781" cy="485516"/>
+          </a:xfrm>
+          <a:prstGeom prst="rect">
+            <a:avLst/>
+          </a:prstGeom>
+          <a:noFill/>
+          <a:extLst>
+            <a:ext uri="{909E8E84-426E-40DD-AFC4-6F175D3DCCD1}">
+              <a14:hiddenFill xmlns:a14="http://schemas.microsoft.com/office/drawing/2010/main">
+                <a:solidFill>
+                  <a:srgbClr val="FFFFFF"/>
+                </a:solidFill>
+              </a14:hiddenFill>
+            </a:ext>
+          </a:extLst>
+        </p:spPr>
+      </p:pic>
+      <p:pic>
+        <p:nvPicPr>
+          <p:cNvPr id="8" name="Grafik 7">
+            <a:extLst>
+              <a:ext uri="{FF2B5EF4-FFF2-40B4-BE49-F238E27FC236}">
+                <a16:creationId xmlns:a16="http://schemas.microsoft.com/office/drawing/2014/main" id="{7C0F87C3-E966-4F53-AA15-65863D774A06}"/>
+              </a:ext>
+            </a:extLst>
+          </p:cNvPr>
+          <p:cNvPicPr>
+            <a:picLocks noChangeAspect="1"/>
+          </p:cNvPicPr>
+          <p:nvPr/>
+        </p:nvPicPr>
+        <p:blipFill>
+          <a:blip r:embed="rId14"/>
+          <a:stretch>
+            <a:fillRect/>
+          </a:stretch>
+        </p:blipFill>
+        <p:spPr>
+          <a:xfrm>
+            <a:off x="3402752" y="3764732"/>
+            <a:ext cx="1849237" cy="453964"/>
+          </a:xfrm>
+          <a:prstGeom prst="rect">
+            <a:avLst/>
+          </a:prstGeom>
         </p:spPr>
       </p:pic>
     </p:spTree>
@@ -8234,7 +6637,7 @@
                                           </p:stCondLst>
                                         </p:cTn>
                                         <p:tgtEl>
-                                          <p:spTgt spid="6"/>
+                                          <p:spTgt spid="7"/>
                                         </p:tgtEl>
                                         <p:attrNameLst>
                                           <p:attrName>style.visibility</p:attrName>
@@ -8261,7 +6664,7 @@
                                           </p:stCondLst>
                                         </p:cTn>
                                         <p:tgtEl>
-                                          <p:spTgt spid="7"/>
+                                          <p:spTgt spid="6"/>
                                         </p:tgtEl>
                                         <p:attrNameLst>
                                           <p:attrName>style.visibility</p:attrName>
@@ -8306,7 +6709,7 @@
                                           </p:stCondLst>
                                         </p:cTn>
                                         <p:tgtEl>
-                                          <p:spTgt spid="8"/>
+                                          <p:spTgt spid="9"/>
                                         </p:tgtEl>
                                         <p:attrNameLst>
                                           <p:attrName>style.visibility</p:attrName>
@@ -8333,7 +6736,7 @@
                                           </p:stCondLst>
                                         </p:cTn>
                                         <p:tgtEl>
-                                          <p:spTgt spid="9"/>
+                                          <p:spTgt spid="8"/>
                                         </p:tgtEl>
                                         <p:attrNameLst>
                                           <p:attrName>style.visibility</p:attrName>
@@ -8378,7 +6781,34 @@
                                           </p:stCondLst>
                                         </p:cTn>
                                         <p:tgtEl>
-                                          <p:spTgt spid="15"/>
+                                          <p:spTgt spid="16"/>
+                                        </p:tgtEl>
+                                        <p:attrNameLst>
+                                          <p:attrName>style.visibility</p:attrName>
+                                        </p:attrNameLst>
+                                      </p:cBhvr>
+                                      <p:to>
+                                        <p:strVal val="visible"/>
+                                      </p:to>
+                                    </p:set>
+                                  </p:childTnLst>
+                                </p:cTn>
+                              </p:par>
+                              <p:par>
+                                <p:cTn id="19" presetID="1" presetClass="entr" presetSubtype="0" fill="hold" nodeType="withEffect">
+                                  <p:stCondLst>
+                                    <p:cond delay="0"/>
+                                  </p:stCondLst>
+                                  <p:childTnLst>
+                                    <p:set>
+                                      <p:cBhvr>
+                                        <p:cTn id="20" dur="1" fill="hold">
+                                          <p:stCondLst>
+                                            <p:cond delay="0"/>
+                                          </p:stCondLst>
+                                        </p:cTn>
+                                        <p:tgtEl>
+                                          <p:spTgt spid="17"/>
                                         </p:tgtEl>
                                         <p:attrNameLst>
                                           <p:attrName>style.visibility</p:attrName>
@@ -8398,46 +6828,19 @@
                     </p:cTn>
                   </p:par>
                   <p:par>
-                    <p:cTn id="19" fill="hold">
+                    <p:cTn id="21" fill="hold">
                       <p:stCondLst>
                         <p:cond delay="indefinite"/>
                       </p:stCondLst>
                       <p:childTnLst>
                         <p:par>
-                          <p:cTn id="20" fill="hold">
+                          <p:cTn id="22" fill="hold">
                             <p:stCondLst>
                               <p:cond delay="0"/>
                             </p:stCondLst>
                             <p:childTnLst>
                               <p:par>
-                                <p:cTn id="21" presetID="1" presetClass="entr" presetSubtype="0" fill="hold" nodeType="clickEffect">
-                                  <p:stCondLst>
-                                    <p:cond delay="0"/>
-                                  </p:stCondLst>
-                                  <p:childTnLst>
-                                    <p:set>
-                                      <p:cBhvr>
-                                        <p:cTn id="22" dur="1" fill="hold">
-                                          <p:stCondLst>
-                                            <p:cond delay="0"/>
-                                          </p:stCondLst>
-                                        </p:cTn>
-                                        <p:tgtEl>
-                                          <p:spTgt spid="12"/>
-                                        </p:tgtEl>
-                                        <p:attrNameLst>
-                                          <p:attrName>style.visibility</p:attrName>
-                                        </p:attrNameLst>
-                                      </p:cBhvr>
-                                      <p:to>
-                                        <p:strVal val="visible"/>
-                                      </p:to>
-                                    </p:set>
-                                  </p:childTnLst>
-                                </p:cTn>
-                              </p:par>
-                              <p:par>
-                                <p:cTn id="23" presetID="1" presetClass="entr" presetSubtype="0" fill="hold" nodeType="withEffect">
+                                <p:cTn id="23" presetID="1" presetClass="entr" presetSubtype="0" fill="hold" nodeType="clickEffect">
                                   <p:stCondLst>
                                     <p:cond delay="0"/>
                                   </p:stCondLst>
@@ -8450,7 +6853,7 @@
                                           </p:stCondLst>
                                         </p:cTn>
                                         <p:tgtEl>
-                                          <p:spTgt spid="11"/>
+                                          <p:spTgt spid="15"/>
                                         </p:tgtEl>
                                         <p:attrNameLst>
                                           <p:attrName>style.visibility</p:attrName>
@@ -8495,7 +6898,7 @@
                                           </p:stCondLst>
                                         </p:cTn>
                                         <p:tgtEl>
-                                          <p:spTgt spid="14"/>
+                                          <p:spTgt spid="11"/>
                                         </p:tgtEl>
                                         <p:attrNameLst>
                                           <p:attrName>style.visibility</p:attrName>
@@ -8522,7 +6925,7 @@
                                           </p:stCondLst>
                                         </p:cTn>
                                         <p:tgtEl>
-                                          <p:spTgt spid="13"/>
+                                          <p:spTgt spid="12"/>
                                         </p:tgtEl>
                                         <p:attrNameLst>
                                           <p:attrName>style.visibility</p:attrName>
@@ -8567,7 +6970,34 @@
                                           </p:stCondLst>
                                         </p:cTn>
                                         <p:tgtEl>
-                                          <p:spTgt spid="10"/>
+                                          <p:spTgt spid="13"/>
+                                        </p:tgtEl>
+                                        <p:attrNameLst>
+                                          <p:attrName>style.visibility</p:attrName>
+                                        </p:attrNameLst>
+                                      </p:cBhvr>
+                                      <p:to>
+                                        <p:strVal val="visible"/>
+                                      </p:to>
+                                    </p:set>
+                                  </p:childTnLst>
+                                </p:cTn>
+                              </p:par>
+                              <p:par>
+                                <p:cTn id="35" presetID="1" presetClass="entr" presetSubtype="0" fill="hold" nodeType="withEffect">
+                                  <p:stCondLst>
+                                    <p:cond delay="0"/>
+                                  </p:stCondLst>
+                                  <p:childTnLst>
+                                    <p:set>
+                                      <p:cBhvr>
+                                        <p:cTn id="36" dur="1" fill="hold">
+                                          <p:stCondLst>
+                                            <p:cond delay="0"/>
+                                          </p:stCondLst>
+                                        </p:cTn>
+                                        <p:tgtEl>
+                                          <p:spTgt spid="14"/>
                                         </p:tgtEl>
                                         <p:attrNameLst>
                                           <p:attrName>style.visibility</p:attrName>
@@ -8587,46 +7017,19 @@
                     </p:cTn>
                   </p:par>
                   <p:par>
-                    <p:cTn id="35" fill="hold">
+                    <p:cTn id="37" fill="hold">
                       <p:stCondLst>
                         <p:cond delay="indefinite"/>
                       </p:stCondLst>
                       <p:childTnLst>
                         <p:par>
-                          <p:cTn id="36" fill="hold">
+                          <p:cTn id="38" fill="hold">
                             <p:stCondLst>
                               <p:cond delay="0"/>
                             </p:stCondLst>
                             <p:childTnLst>
                               <p:par>
-                                <p:cTn id="37" presetID="1" presetClass="entr" presetSubtype="0" fill="hold" nodeType="clickEffect">
-                                  <p:stCondLst>
-                                    <p:cond delay="0"/>
-                                  </p:stCondLst>
-                                  <p:childTnLst>
-                                    <p:set>
-                                      <p:cBhvr>
-                                        <p:cTn id="38" dur="1" fill="hold">
-                                          <p:stCondLst>
-                                            <p:cond delay="0"/>
-                                          </p:stCondLst>
-                                        </p:cTn>
-                                        <p:tgtEl>
-                                          <p:spTgt spid="17"/>
-                                        </p:tgtEl>
-                                        <p:attrNameLst>
-                                          <p:attrName>style.visibility</p:attrName>
-                                        </p:attrNameLst>
-                                      </p:cBhvr>
-                                      <p:to>
-                                        <p:strVal val="visible"/>
-                                      </p:to>
-                                    </p:set>
-                                  </p:childTnLst>
-                                </p:cTn>
-                              </p:par>
-                              <p:par>
-                                <p:cTn id="39" presetID="1" presetClass="entr" presetSubtype="0" fill="hold" nodeType="withEffect">
+                                <p:cTn id="39" presetID="1" presetClass="entr" presetSubtype="0" fill="hold" nodeType="clickEffect">
                                   <p:stCondLst>
                                     <p:cond delay="0"/>
                                   </p:stCondLst>
@@ -8639,7 +7042,7 @@
                                           </p:stCondLst>
                                         </p:cTn>
                                         <p:tgtEl>
-                                          <p:spTgt spid="16"/>
+                                          <p:spTgt spid="10"/>
                                         </p:tgtEl>
                                         <p:attrNameLst>
                                           <p:attrName>style.visibility</p:attrName>
@@ -8683,7 +7086,7 @@
 </p:sld>
 </file>
 
-<file path=ppt/slides/slide6.xml><?xml version="1.0" encoding="utf-8"?>
+<file path=ppt/slides/slide5.xml><?xml version="1.0" encoding="utf-8"?>
 <p:sld xmlns:a="http://schemas.openxmlformats.org/drawingml/2006/main" xmlns:r="http://schemas.openxmlformats.org/officeDocument/2006/relationships" xmlns:p="http://schemas.openxmlformats.org/presentationml/2006/main">
   <p:cSld>
     <p:spTree>
@@ -8752,7 +7155,7 @@
           <a:p>
             <a:fld id="{B1D20A44-4E77-4F9B-AD84-A838E630158E}" type="datetime1">
               <a:rPr lang="de-DE" smtClean="0"/>
-              <a:t>17.06.2018</a:t>
+              <a:t>18.06.2018</a:t>
             </a:fld>
             <a:endParaRPr lang="de-DE"/>
           </a:p>
@@ -8781,7 +7184,7 @@
           <a:p>
             <a:fld id="{C9BFD74B-BF5B-4F1B-BDFB-3F89FD2A71A6}" type="slidenum">
               <a:rPr lang="de-DE" smtClean="0"/>
-              <a:t>6</a:t>
+              <a:t>5</a:t>
             </a:fld>
             <a:endParaRPr lang="de-DE"/>
           </a:p>
@@ -35415,4642 +33818,10 @@
   <p:clrMapOvr>
     <a:masterClrMapping/>
   </p:clrMapOvr>
-  <p:timing>
-    <p:tnLst>
-      <p:par>
-        <p:cTn id="1" dur="indefinite" restart="never" nodeType="tmRoot">
-          <p:childTnLst>
-            <p:seq concurrent="1" nextAc="seek">
-              <p:cTn id="2" dur="indefinite" nodeType="mainSeq">
-                <p:childTnLst>
-                  <p:par>
-                    <p:cTn id="3" fill="hold">
-                      <p:stCondLst>
-                        <p:cond delay="indefinite"/>
-                      </p:stCondLst>
-                      <p:childTnLst>
-                        <p:par>
-                          <p:cTn id="4" fill="hold">
-                            <p:stCondLst>
-                              <p:cond delay="0"/>
-                            </p:stCondLst>
-                            <p:childTnLst>
-                              <p:par>
-                                <p:cTn id="5" presetID="1" presetClass="entr" presetSubtype="0" fill="hold" grpId="0" nodeType="clickEffect">
-                                  <p:stCondLst>
-                                    <p:cond delay="0"/>
-                                  </p:stCondLst>
-                                  <p:childTnLst>
-                                    <p:set>
-                                      <p:cBhvr>
-                                        <p:cTn id="6" dur="1" fill="hold">
-                                          <p:stCondLst>
-                                            <p:cond delay="0"/>
-                                          </p:stCondLst>
-                                        </p:cTn>
-                                        <p:tgtEl>
-                                          <p:spTgt spid="9"/>
-                                        </p:tgtEl>
-                                        <p:attrNameLst>
-                                          <p:attrName>style.visibility</p:attrName>
-                                        </p:attrNameLst>
-                                      </p:cBhvr>
-                                      <p:to>
-                                        <p:strVal val="visible"/>
-                                      </p:to>
-                                    </p:set>
-                                  </p:childTnLst>
-                                </p:cTn>
-                              </p:par>
-                              <p:par>
-                                <p:cTn id="7" presetID="1" presetClass="entr" presetSubtype="0" fill="hold" grpId="0" nodeType="withEffect">
-                                  <p:stCondLst>
-                                    <p:cond delay="0"/>
-                                  </p:stCondLst>
-                                  <p:childTnLst>
-                                    <p:set>
-                                      <p:cBhvr>
-                                        <p:cTn id="8" dur="1" fill="hold">
-                                          <p:stCondLst>
-                                            <p:cond delay="0"/>
-                                          </p:stCondLst>
-                                        </p:cTn>
-                                        <p:tgtEl>
-                                          <p:spTgt spid="96"/>
-                                        </p:tgtEl>
-                                        <p:attrNameLst>
-                                          <p:attrName>style.visibility</p:attrName>
-                                        </p:attrNameLst>
-                                      </p:cBhvr>
-                                      <p:to>
-                                        <p:strVal val="visible"/>
-                                      </p:to>
-                                    </p:set>
-                                  </p:childTnLst>
-                                </p:cTn>
-                              </p:par>
-                              <p:par>
-                                <p:cTn id="9" presetID="1" presetClass="entr" presetSubtype="0" fill="hold" grpId="0" nodeType="withEffect">
-                                  <p:stCondLst>
-                                    <p:cond delay="0"/>
-                                  </p:stCondLst>
-                                  <p:childTnLst>
-                                    <p:set>
-                                      <p:cBhvr>
-                                        <p:cTn id="10" dur="1" fill="hold">
-                                          <p:stCondLst>
-                                            <p:cond delay="0"/>
-                                          </p:stCondLst>
-                                        </p:cTn>
-                                        <p:tgtEl>
-                                          <p:spTgt spid="17"/>
-                                        </p:tgtEl>
-                                        <p:attrNameLst>
-                                          <p:attrName>style.visibility</p:attrName>
-                                        </p:attrNameLst>
-                                      </p:cBhvr>
-                                      <p:to>
-                                        <p:strVal val="visible"/>
-                                      </p:to>
-                                    </p:set>
-                                  </p:childTnLst>
-                                </p:cTn>
-                              </p:par>
-                              <p:par>
-                                <p:cTn id="11" presetID="1" presetClass="entr" presetSubtype="0" fill="hold" grpId="0" nodeType="withEffect">
-                                  <p:stCondLst>
-                                    <p:cond delay="0"/>
-                                  </p:stCondLst>
-                                  <p:childTnLst>
-                                    <p:set>
-                                      <p:cBhvr>
-                                        <p:cTn id="12" dur="1" fill="hold">
-                                          <p:stCondLst>
-                                            <p:cond delay="0"/>
-                                          </p:stCondLst>
-                                        </p:cTn>
-                                        <p:tgtEl>
-                                          <p:spTgt spid="25"/>
-                                        </p:tgtEl>
-                                        <p:attrNameLst>
-                                          <p:attrName>style.visibility</p:attrName>
-                                        </p:attrNameLst>
-                                      </p:cBhvr>
-                                      <p:to>
-                                        <p:strVal val="visible"/>
-                                      </p:to>
-                                    </p:set>
-                                  </p:childTnLst>
-                                </p:cTn>
-                              </p:par>
-                              <p:par>
-                                <p:cTn id="13" presetID="1" presetClass="entr" presetSubtype="0" fill="hold" grpId="0" nodeType="withEffect">
-                                  <p:stCondLst>
-                                    <p:cond delay="0"/>
-                                  </p:stCondLst>
-                                  <p:childTnLst>
-                                    <p:set>
-                                      <p:cBhvr>
-                                        <p:cTn id="14" dur="1" fill="hold">
-                                          <p:stCondLst>
-                                            <p:cond delay="0"/>
-                                          </p:stCondLst>
-                                        </p:cTn>
-                                        <p:tgtEl>
-                                          <p:spTgt spid="33"/>
-                                        </p:tgtEl>
-                                        <p:attrNameLst>
-                                          <p:attrName>style.visibility</p:attrName>
-                                        </p:attrNameLst>
-                                      </p:cBhvr>
-                                      <p:to>
-                                        <p:strVal val="visible"/>
-                                      </p:to>
-                                    </p:set>
-                                  </p:childTnLst>
-                                </p:cTn>
-                              </p:par>
-                              <p:par>
-                                <p:cTn id="15" presetID="1" presetClass="entr" presetSubtype="0" fill="hold" grpId="0" nodeType="withEffect">
-                                  <p:stCondLst>
-                                    <p:cond delay="0"/>
-                                  </p:stCondLst>
-                                  <p:childTnLst>
-                                    <p:set>
-                                      <p:cBhvr>
-                                        <p:cTn id="16" dur="1" fill="hold">
-                                          <p:stCondLst>
-                                            <p:cond delay="0"/>
-                                          </p:stCondLst>
-                                        </p:cTn>
-                                        <p:tgtEl>
-                                          <p:spTgt spid="41"/>
-                                        </p:tgtEl>
-                                        <p:attrNameLst>
-                                          <p:attrName>style.visibility</p:attrName>
-                                        </p:attrNameLst>
-                                      </p:cBhvr>
-                                      <p:to>
-                                        <p:strVal val="visible"/>
-                                      </p:to>
-                                    </p:set>
-                                  </p:childTnLst>
-                                </p:cTn>
-                              </p:par>
-                              <p:par>
-                                <p:cTn id="17" presetID="1" presetClass="entr" presetSubtype="0" fill="hold" grpId="0" nodeType="withEffect">
-                                  <p:stCondLst>
-                                    <p:cond delay="0"/>
-                                  </p:stCondLst>
-                                  <p:childTnLst>
-                                    <p:set>
-                                      <p:cBhvr>
-                                        <p:cTn id="18" dur="1" fill="hold">
-                                          <p:stCondLst>
-                                            <p:cond delay="0"/>
-                                          </p:stCondLst>
-                                        </p:cTn>
-                                        <p:tgtEl>
-                                          <p:spTgt spid="49"/>
-                                        </p:tgtEl>
-                                        <p:attrNameLst>
-                                          <p:attrName>style.visibility</p:attrName>
-                                        </p:attrNameLst>
-                                      </p:cBhvr>
-                                      <p:to>
-                                        <p:strVal val="visible"/>
-                                      </p:to>
-                                    </p:set>
-                                  </p:childTnLst>
-                                </p:cTn>
-                              </p:par>
-                              <p:par>
-                                <p:cTn id="19" presetID="1" presetClass="entr" presetSubtype="0" fill="hold" grpId="0" nodeType="withEffect">
-                                  <p:stCondLst>
-                                    <p:cond delay="0"/>
-                                  </p:stCondLst>
-                                  <p:childTnLst>
-                                    <p:set>
-                                      <p:cBhvr>
-                                        <p:cTn id="20" dur="1" fill="hold">
-                                          <p:stCondLst>
-                                            <p:cond delay="0"/>
-                                          </p:stCondLst>
-                                        </p:cTn>
-                                        <p:tgtEl>
-                                          <p:spTgt spid="57"/>
-                                        </p:tgtEl>
-                                        <p:attrNameLst>
-                                          <p:attrName>style.visibility</p:attrName>
-                                        </p:attrNameLst>
-                                      </p:cBhvr>
-                                      <p:to>
-                                        <p:strVal val="visible"/>
-                                      </p:to>
-                                    </p:set>
-                                  </p:childTnLst>
-                                </p:cTn>
-                              </p:par>
-                              <p:par>
-                                <p:cTn id="21" presetID="1" presetClass="entr" presetSubtype="0" fill="hold" grpId="0" nodeType="withEffect">
-                                  <p:stCondLst>
-                                    <p:cond delay="0"/>
-                                  </p:stCondLst>
-                                  <p:childTnLst>
-                                    <p:set>
-                                      <p:cBhvr>
-                                        <p:cTn id="22" dur="1" fill="hold">
-                                          <p:stCondLst>
-                                            <p:cond delay="0"/>
-                                          </p:stCondLst>
-                                        </p:cTn>
-                                        <p:tgtEl>
-                                          <p:spTgt spid="65"/>
-                                        </p:tgtEl>
-                                        <p:attrNameLst>
-                                          <p:attrName>style.visibility</p:attrName>
-                                        </p:attrNameLst>
-                                      </p:cBhvr>
-                                      <p:to>
-                                        <p:strVal val="visible"/>
-                                      </p:to>
-                                    </p:set>
-                                  </p:childTnLst>
-                                </p:cTn>
-                              </p:par>
-                              <p:par>
-                                <p:cTn id="23" presetID="1" presetClass="entr" presetSubtype="0" fill="hold" grpId="0" nodeType="withEffect">
-                                  <p:stCondLst>
-                                    <p:cond delay="0"/>
-                                  </p:stCondLst>
-                                  <p:childTnLst>
-                                    <p:set>
-                                      <p:cBhvr>
-                                        <p:cTn id="24" dur="1" fill="hold">
-                                          <p:stCondLst>
-                                            <p:cond delay="0"/>
-                                          </p:stCondLst>
-                                        </p:cTn>
-                                        <p:tgtEl>
-                                          <p:spTgt spid="73"/>
-                                        </p:tgtEl>
-                                        <p:attrNameLst>
-                                          <p:attrName>style.visibility</p:attrName>
-                                        </p:attrNameLst>
-                                      </p:cBhvr>
-                                      <p:to>
-                                        <p:strVal val="visible"/>
-                                      </p:to>
-                                    </p:set>
-                                  </p:childTnLst>
-                                </p:cTn>
-                              </p:par>
-                              <p:par>
-                                <p:cTn id="25" presetID="1" presetClass="entr" presetSubtype="0" fill="hold" grpId="0" nodeType="withEffect">
-                                  <p:stCondLst>
-                                    <p:cond delay="0"/>
-                                  </p:stCondLst>
-                                  <p:childTnLst>
-                                    <p:set>
-                                      <p:cBhvr>
-                                        <p:cTn id="26" dur="1" fill="hold">
-                                          <p:stCondLst>
-                                            <p:cond delay="0"/>
-                                          </p:stCondLst>
-                                        </p:cTn>
-                                        <p:tgtEl>
-                                          <p:spTgt spid="81"/>
-                                        </p:tgtEl>
-                                        <p:attrNameLst>
-                                          <p:attrName>style.visibility</p:attrName>
-                                        </p:attrNameLst>
-                                      </p:cBhvr>
-                                      <p:to>
-                                        <p:strVal val="visible"/>
-                                      </p:to>
-                                    </p:set>
-                                  </p:childTnLst>
-                                </p:cTn>
-                              </p:par>
-                            </p:childTnLst>
-                          </p:cTn>
-                        </p:par>
-                      </p:childTnLst>
-                    </p:cTn>
-                  </p:par>
-                  <p:par>
-                    <p:cTn id="27" fill="hold">
-                      <p:stCondLst>
-                        <p:cond delay="indefinite"/>
-                      </p:stCondLst>
-                      <p:childTnLst>
-                        <p:par>
-                          <p:cTn id="28" fill="hold">
-                            <p:stCondLst>
-                              <p:cond delay="0"/>
-                            </p:stCondLst>
-                            <p:childTnLst>
-                              <p:par>
-                                <p:cTn id="29" presetID="1" presetClass="entr" presetSubtype="0" fill="hold" grpId="0" nodeType="clickEffect">
-                                  <p:stCondLst>
-                                    <p:cond delay="0"/>
-                                  </p:stCondLst>
-                                  <p:childTnLst>
-                                    <p:set>
-                                      <p:cBhvr>
-                                        <p:cTn id="30" dur="1" fill="hold">
-                                          <p:stCondLst>
-                                            <p:cond delay="0"/>
-                                          </p:stCondLst>
-                                        </p:cTn>
-                                        <p:tgtEl>
-                                          <p:spTgt spid="10"/>
-                                        </p:tgtEl>
-                                        <p:attrNameLst>
-                                          <p:attrName>style.visibility</p:attrName>
-                                        </p:attrNameLst>
-                                      </p:cBhvr>
-                                      <p:to>
-                                        <p:strVal val="visible"/>
-                                      </p:to>
-                                    </p:set>
-                                  </p:childTnLst>
-                                </p:cTn>
-                              </p:par>
-                              <p:par>
-                                <p:cTn id="31" presetID="1" presetClass="entr" presetSubtype="0" fill="hold" grpId="0" nodeType="withEffect">
-                                  <p:stCondLst>
-                                    <p:cond delay="0"/>
-                                  </p:stCondLst>
-                                  <p:childTnLst>
-                                    <p:set>
-                                      <p:cBhvr>
-                                        <p:cTn id="32" dur="1" fill="hold">
-                                          <p:stCondLst>
-                                            <p:cond delay="0"/>
-                                          </p:stCondLst>
-                                        </p:cTn>
-                                        <p:tgtEl>
-                                          <p:spTgt spid="11"/>
-                                        </p:tgtEl>
-                                        <p:attrNameLst>
-                                          <p:attrName>style.visibility</p:attrName>
-                                        </p:attrNameLst>
-                                      </p:cBhvr>
-                                      <p:to>
-                                        <p:strVal val="visible"/>
-                                      </p:to>
-                                    </p:set>
-                                  </p:childTnLst>
-                                </p:cTn>
-                              </p:par>
-                              <p:par>
-                                <p:cTn id="33" presetID="1" presetClass="entr" presetSubtype="0" fill="hold" grpId="0" nodeType="withEffect">
-                                  <p:stCondLst>
-                                    <p:cond delay="0"/>
-                                  </p:stCondLst>
-                                  <p:childTnLst>
-                                    <p:set>
-                                      <p:cBhvr>
-                                        <p:cTn id="34" dur="1" fill="hold">
-                                          <p:stCondLst>
-                                            <p:cond delay="0"/>
-                                          </p:stCondLst>
-                                        </p:cTn>
-                                        <p:tgtEl>
-                                          <p:spTgt spid="12"/>
-                                        </p:tgtEl>
-                                        <p:attrNameLst>
-                                          <p:attrName>style.visibility</p:attrName>
-                                        </p:attrNameLst>
-                                      </p:cBhvr>
-                                      <p:to>
-                                        <p:strVal val="visible"/>
-                                      </p:to>
-                                    </p:set>
-                                  </p:childTnLst>
-                                </p:cTn>
-                              </p:par>
-                              <p:par>
-                                <p:cTn id="35" presetID="1" presetClass="entr" presetSubtype="0" fill="hold" grpId="0" nodeType="withEffect">
-                                  <p:stCondLst>
-                                    <p:cond delay="0"/>
-                                  </p:stCondLst>
-                                  <p:childTnLst>
-                                    <p:set>
-                                      <p:cBhvr>
-                                        <p:cTn id="36" dur="1" fill="hold">
-                                          <p:stCondLst>
-                                            <p:cond delay="0"/>
-                                          </p:stCondLst>
-                                        </p:cTn>
-                                        <p:tgtEl>
-                                          <p:spTgt spid="13"/>
-                                        </p:tgtEl>
-                                        <p:attrNameLst>
-                                          <p:attrName>style.visibility</p:attrName>
-                                        </p:attrNameLst>
-                                      </p:cBhvr>
-                                      <p:to>
-                                        <p:strVal val="visible"/>
-                                      </p:to>
-                                    </p:set>
-                                  </p:childTnLst>
-                                </p:cTn>
-                              </p:par>
-                              <p:par>
-                                <p:cTn id="37" presetID="1" presetClass="entr" presetSubtype="0" fill="hold" grpId="0" nodeType="withEffect">
-                                  <p:stCondLst>
-                                    <p:cond delay="0"/>
-                                  </p:stCondLst>
-                                  <p:childTnLst>
-                                    <p:set>
-                                      <p:cBhvr>
-                                        <p:cTn id="38" dur="1" fill="hold">
-                                          <p:stCondLst>
-                                            <p:cond delay="0"/>
-                                          </p:stCondLst>
-                                        </p:cTn>
-                                        <p:tgtEl>
-                                          <p:spTgt spid="14"/>
-                                        </p:tgtEl>
-                                        <p:attrNameLst>
-                                          <p:attrName>style.visibility</p:attrName>
-                                        </p:attrNameLst>
-                                      </p:cBhvr>
-                                      <p:to>
-                                        <p:strVal val="visible"/>
-                                      </p:to>
-                                    </p:set>
-                                  </p:childTnLst>
-                                </p:cTn>
-                              </p:par>
-                              <p:par>
-                                <p:cTn id="39" presetID="1" presetClass="entr" presetSubtype="0" fill="hold" grpId="0" nodeType="withEffect">
-                                  <p:stCondLst>
-                                    <p:cond delay="0"/>
-                                  </p:stCondLst>
-                                  <p:childTnLst>
-                                    <p:set>
-                                      <p:cBhvr>
-                                        <p:cTn id="40" dur="1" fill="hold">
-                                          <p:stCondLst>
-                                            <p:cond delay="0"/>
-                                          </p:stCondLst>
-                                        </p:cTn>
-                                        <p:tgtEl>
-                                          <p:spTgt spid="15"/>
-                                        </p:tgtEl>
-                                        <p:attrNameLst>
-                                          <p:attrName>style.visibility</p:attrName>
-                                        </p:attrNameLst>
-                                      </p:cBhvr>
-                                      <p:to>
-                                        <p:strVal val="visible"/>
-                                      </p:to>
-                                    </p:set>
-                                  </p:childTnLst>
-                                </p:cTn>
-                              </p:par>
-                              <p:par>
-                                <p:cTn id="41" presetID="1" presetClass="entr" presetSubtype="0" fill="hold" grpId="0" nodeType="withEffect">
-                                  <p:stCondLst>
-                                    <p:cond delay="0"/>
-                                  </p:stCondLst>
-                                  <p:childTnLst>
-                                    <p:set>
-                                      <p:cBhvr>
-                                        <p:cTn id="42" dur="1" fill="hold">
-                                          <p:stCondLst>
-                                            <p:cond delay="0"/>
-                                          </p:stCondLst>
-                                        </p:cTn>
-                                        <p:tgtEl>
-                                          <p:spTgt spid="16"/>
-                                        </p:tgtEl>
-                                        <p:attrNameLst>
-                                          <p:attrName>style.visibility</p:attrName>
-                                        </p:attrNameLst>
-                                      </p:cBhvr>
-                                      <p:to>
-                                        <p:strVal val="visible"/>
-                                      </p:to>
-                                    </p:set>
-                                  </p:childTnLst>
-                                </p:cTn>
-                              </p:par>
-                              <p:par>
-                                <p:cTn id="43" presetID="1" presetClass="entr" presetSubtype="0" fill="hold" grpId="0" nodeType="withEffect">
-                                  <p:stCondLst>
-                                    <p:cond delay="0"/>
-                                  </p:stCondLst>
-                                  <p:childTnLst>
-                                    <p:set>
-                                      <p:cBhvr>
-                                        <p:cTn id="44" dur="1" fill="hold">
-                                          <p:stCondLst>
-                                            <p:cond delay="0"/>
-                                          </p:stCondLst>
-                                        </p:cTn>
-                                        <p:tgtEl>
-                                          <p:spTgt spid="18"/>
-                                        </p:tgtEl>
-                                        <p:attrNameLst>
-                                          <p:attrName>style.visibility</p:attrName>
-                                        </p:attrNameLst>
-                                      </p:cBhvr>
-                                      <p:to>
-                                        <p:strVal val="visible"/>
-                                      </p:to>
-                                    </p:set>
-                                  </p:childTnLst>
-                                </p:cTn>
-                              </p:par>
-                              <p:par>
-                                <p:cTn id="45" presetID="1" presetClass="entr" presetSubtype="0" fill="hold" grpId="0" nodeType="withEffect">
-                                  <p:stCondLst>
-                                    <p:cond delay="0"/>
-                                  </p:stCondLst>
-                                  <p:childTnLst>
-                                    <p:set>
-                                      <p:cBhvr>
-                                        <p:cTn id="46" dur="1" fill="hold">
-                                          <p:stCondLst>
-                                            <p:cond delay="0"/>
-                                          </p:stCondLst>
-                                        </p:cTn>
-                                        <p:tgtEl>
-                                          <p:spTgt spid="19"/>
-                                        </p:tgtEl>
-                                        <p:attrNameLst>
-                                          <p:attrName>style.visibility</p:attrName>
-                                        </p:attrNameLst>
-                                      </p:cBhvr>
-                                      <p:to>
-                                        <p:strVal val="visible"/>
-                                      </p:to>
-                                    </p:set>
-                                  </p:childTnLst>
-                                </p:cTn>
-                              </p:par>
-                              <p:par>
-                                <p:cTn id="47" presetID="1" presetClass="entr" presetSubtype="0" fill="hold" grpId="0" nodeType="withEffect">
-                                  <p:stCondLst>
-                                    <p:cond delay="0"/>
-                                  </p:stCondLst>
-                                  <p:childTnLst>
-                                    <p:set>
-                                      <p:cBhvr>
-                                        <p:cTn id="48" dur="1" fill="hold">
-                                          <p:stCondLst>
-                                            <p:cond delay="0"/>
-                                          </p:stCondLst>
-                                        </p:cTn>
-                                        <p:tgtEl>
-                                          <p:spTgt spid="20"/>
-                                        </p:tgtEl>
-                                        <p:attrNameLst>
-                                          <p:attrName>style.visibility</p:attrName>
-                                        </p:attrNameLst>
-                                      </p:cBhvr>
-                                      <p:to>
-                                        <p:strVal val="visible"/>
-                                      </p:to>
-                                    </p:set>
-                                  </p:childTnLst>
-                                </p:cTn>
-                              </p:par>
-                              <p:par>
-                                <p:cTn id="49" presetID="1" presetClass="entr" presetSubtype="0" fill="hold" grpId="0" nodeType="withEffect">
-                                  <p:stCondLst>
-                                    <p:cond delay="0"/>
-                                  </p:stCondLst>
-                                  <p:childTnLst>
-                                    <p:set>
-                                      <p:cBhvr>
-                                        <p:cTn id="50" dur="1" fill="hold">
-                                          <p:stCondLst>
-                                            <p:cond delay="0"/>
-                                          </p:stCondLst>
-                                        </p:cTn>
-                                        <p:tgtEl>
-                                          <p:spTgt spid="21"/>
-                                        </p:tgtEl>
-                                        <p:attrNameLst>
-                                          <p:attrName>style.visibility</p:attrName>
-                                        </p:attrNameLst>
-                                      </p:cBhvr>
-                                      <p:to>
-                                        <p:strVal val="visible"/>
-                                      </p:to>
-                                    </p:set>
-                                  </p:childTnLst>
-                                </p:cTn>
-                              </p:par>
-                              <p:par>
-                                <p:cTn id="51" presetID="1" presetClass="entr" presetSubtype="0" fill="hold" grpId="0" nodeType="withEffect">
-                                  <p:stCondLst>
-                                    <p:cond delay="0"/>
-                                  </p:stCondLst>
-                                  <p:childTnLst>
-                                    <p:set>
-                                      <p:cBhvr>
-                                        <p:cTn id="52" dur="1" fill="hold">
-                                          <p:stCondLst>
-                                            <p:cond delay="0"/>
-                                          </p:stCondLst>
-                                        </p:cTn>
-                                        <p:tgtEl>
-                                          <p:spTgt spid="22"/>
-                                        </p:tgtEl>
-                                        <p:attrNameLst>
-                                          <p:attrName>style.visibility</p:attrName>
-                                        </p:attrNameLst>
-                                      </p:cBhvr>
-                                      <p:to>
-                                        <p:strVal val="visible"/>
-                                      </p:to>
-                                    </p:set>
-                                  </p:childTnLst>
-                                </p:cTn>
-                              </p:par>
-                              <p:par>
-                                <p:cTn id="53" presetID="1" presetClass="entr" presetSubtype="0" fill="hold" grpId="0" nodeType="withEffect">
-                                  <p:stCondLst>
-                                    <p:cond delay="0"/>
-                                  </p:stCondLst>
-                                  <p:childTnLst>
-                                    <p:set>
-                                      <p:cBhvr>
-                                        <p:cTn id="54" dur="1" fill="hold">
-                                          <p:stCondLst>
-                                            <p:cond delay="0"/>
-                                          </p:stCondLst>
-                                        </p:cTn>
-                                        <p:tgtEl>
-                                          <p:spTgt spid="23"/>
-                                        </p:tgtEl>
-                                        <p:attrNameLst>
-                                          <p:attrName>style.visibility</p:attrName>
-                                        </p:attrNameLst>
-                                      </p:cBhvr>
-                                      <p:to>
-                                        <p:strVal val="visible"/>
-                                      </p:to>
-                                    </p:set>
-                                  </p:childTnLst>
-                                </p:cTn>
-                              </p:par>
-                              <p:par>
-                                <p:cTn id="55" presetID="1" presetClass="entr" presetSubtype="0" fill="hold" grpId="0" nodeType="withEffect">
-                                  <p:stCondLst>
-                                    <p:cond delay="0"/>
-                                  </p:stCondLst>
-                                  <p:childTnLst>
-                                    <p:set>
-                                      <p:cBhvr>
-                                        <p:cTn id="56" dur="1" fill="hold">
-                                          <p:stCondLst>
-                                            <p:cond delay="0"/>
-                                          </p:stCondLst>
-                                        </p:cTn>
-                                        <p:tgtEl>
-                                          <p:spTgt spid="24"/>
-                                        </p:tgtEl>
-                                        <p:attrNameLst>
-                                          <p:attrName>style.visibility</p:attrName>
-                                        </p:attrNameLst>
-                                      </p:cBhvr>
-                                      <p:to>
-                                        <p:strVal val="visible"/>
-                                      </p:to>
-                                    </p:set>
-                                  </p:childTnLst>
-                                </p:cTn>
-                              </p:par>
-                              <p:par>
-                                <p:cTn id="57" presetID="1" presetClass="entr" presetSubtype="0" fill="hold" grpId="0" nodeType="withEffect">
-                                  <p:stCondLst>
-                                    <p:cond delay="0"/>
-                                  </p:stCondLst>
-                                  <p:childTnLst>
-                                    <p:set>
-                                      <p:cBhvr>
-                                        <p:cTn id="58" dur="1" fill="hold">
-                                          <p:stCondLst>
-                                            <p:cond delay="0"/>
-                                          </p:stCondLst>
-                                        </p:cTn>
-                                        <p:tgtEl>
-                                          <p:spTgt spid="26"/>
-                                        </p:tgtEl>
-                                        <p:attrNameLst>
-                                          <p:attrName>style.visibility</p:attrName>
-                                        </p:attrNameLst>
-                                      </p:cBhvr>
-                                      <p:to>
-                                        <p:strVal val="visible"/>
-                                      </p:to>
-                                    </p:set>
-                                  </p:childTnLst>
-                                </p:cTn>
-                              </p:par>
-                              <p:par>
-                                <p:cTn id="59" presetID="1" presetClass="entr" presetSubtype="0" fill="hold" grpId="0" nodeType="withEffect">
-                                  <p:stCondLst>
-                                    <p:cond delay="0"/>
-                                  </p:stCondLst>
-                                  <p:childTnLst>
-                                    <p:set>
-                                      <p:cBhvr>
-                                        <p:cTn id="60" dur="1" fill="hold">
-                                          <p:stCondLst>
-                                            <p:cond delay="0"/>
-                                          </p:stCondLst>
-                                        </p:cTn>
-                                        <p:tgtEl>
-                                          <p:spTgt spid="27"/>
-                                        </p:tgtEl>
-                                        <p:attrNameLst>
-                                          <p:attrName>style.visibility</p:attrName>
-                                        </p:attrNameLst>
-                                      </p:cBhvr>
-                                      <p:to>
-                                        <p:strVal val="visible"/>
-                                      </p:to>
-                                    </p:set>
-                                  </p:childTnLst>
-                                </p:cTn>
-                              </p:par>
-                              <p:par>
-                                <p:cTn id="61" presetID="1" presetClass="entr" presetSubtype="0" fill="hold" grpId="0" nodeType="withEffect">
-                                  <p:stCondLst>
-                                    <p:cond delay="0"/>
-                                  </p:stCondLst>
-                                  <p:childTnLst>
-                                    <p:set>
-                                      <p:cBhvr>
-                                        <p:cTn id="62" dur="1" fill="hold">
-                                          <p:stCondLst>
-                                            <p:cond delay="0"/>
-                                          </p:stCondLst>
-                                        </p:cTn>
-                                        <p:tgtEl>
-                                          <p:spTgt spid="28"/>
-                                        </p:tgtEl>
-                                        <p:attrNameLst>
-                                          <p:attrName>style.visibility</p:attrName>
-                                        </p:attrNameLst>
-                                      </p:cBhvr>
-                                      <p:to>
-                                        <p:strVal val="visible"/>
-                                      </p:to>
-                                    </p:set>
-                                  </p:childTnLst>
-                                </p:cTn>
-                              </p:par>
-                              <p:par>
-                                <p:cTn id="63" presetID="1" presetClass="entr" presetSubtype="0" fill="hold" grpId="0" nodeType="withEffect">
-                                  <p:stCondLst>
-                                    <p:cond delay="0"/>
-                                  </p:stCondLst>
-                                  <p:childTnLst>
-                                    <p:set>
-                                      <p:cBhvr>
-                                        <p:cTn id="64" dur="1" fill="hold">
-                                          <p:stCondLst>
-                                            <p:cond delay="0"/>
-                                          </p:stCondLst>
-                                        </p:cTn>
-                                        <p:tgtEl>
-                                          <p:spTgt spid="29"/>
-                                        </p:tgtEl>
-                                        <p:attrNameLst>
-                                          <p:attrName>style.visibility</p:attrName>
-                                        </p:attrNameLst>
-                                      </p:cBhvr>
-                                      <p:to>
-                                        <p:strVal val="visible"/>
-                                      </p:to>
-                                    </p:set>
-                                  </p:childTnLst>
-                                </p:cTn>
-                              </p:par>
-                              <p:par>
-                                <p:cTn id="65" presetID="1" presetClass="entr" presetSubtype="0" fill="hold" grpId="0" nodeType="withEffect">
-                                  <p:stCondLst>
-                                    <p:cond delay="0"/>
-                                  </p:stCondLst>
-                                  <p:childTnLst>
-                                    <p:set>
-                                      <p:cBhvr>
-                                        <p:cTn id="66" dur="1" fill="hold">
-                                          <p:stCondLst>
-                                            <p:cond delay="0"/>
-                                          </p:stCondLst>
-                                        </p:cTn>
-                                        <p:tgtEl>
-                                          <p:spTgt spid="30"/>
-                                        </p:tgtEl>
-                                        <p:attrNameLst>
-                                          <p:attrName>style.visibility</p:attrName>
-                                        </p:attrNameLst>
-                                      </p:cBhvr>
-                                      <p:to>
-                                        <p:strVal val="visible"/>
-                                      </p:to>
-                                    </p:set>
-                                  </p:childTnLst>
-                                </p:cTn>
-                              </p:par>
-                              <p:par>
-                                <p:cTn id="67" presetID="1" presetClass="entr" presetSubtype="0" fill="hold" grpId="0" nodeType="withEffect">
-                                  <p:stCondLst>
-                                    <p:cond delay="0"/>
-                                  </p:stCondLst>
-                                  <p:childTnLst>
-                                    <p:set>
-                                      <p:cBhvr>
-                                        <p:cTn id="68" dur="1" fill="hold">
-                                          <p:stCondLst>
-                                            <p:cond delay="0"/>
-                                          </p:stCondLst>
-                                        </p:cTn>
-                                        <p:tgtEl>
-                                          <p:spTgt spid="31"/>
-                                        </p:tgtEl>
-                                        <p:attrNameLst>
-                                          <p:attrName>style.visibility</p:attrName>
-                                        </p:attrNameLst>
-                                      </p:cBhvr>
-                                      <p:to>
-                                        <p:strVal val="visible"/>
-                                      </p:to>
-                                    </p:set>
-                                  </p:childTnLst>
-                                </p:cTn>
-                              </p:par>
-                              <p:par>
-                                <p:cTn id="69" presetID="1" presetClass="entr" presetSubtype="0" fill="hold" grpId="0" nodeType="withEffect">
-                                  <p:stCondLst>
-                                    <p:cond delay="0"/>
-                                  </p:stCondLst>
-                                  <p:childTnLst>
-                                    <p:set>
-                                      <p:cBhvr>
-                                        <p:cTn id="70" dur="1" fill="hold">
-                                          <p:stCondLst>
-                                            <p:cond delay="0"/>
-                                          </p:stCondLst>
-                                        </p:cTn>
-                                        <p:tgtEl>
-                                          <p:spTgt spid="32"/>
-                                        </p:tgtEl>
-                                        <p:attrNameLst>
-                                          <p:attrName>style.visibility</p:attrName>
-                                        </p:attrNameLst>
-                                      </p:cBhvr>
-                                      <p:to>
-                                        <p:strVal val="visible"/>
-                                      </p:to>
-                                    </p:set>
-                                  </p:childTnLst>
-                                </p:cTn>
-                              </p:par>
-                              <p:par>
-                                <p:cTn id="71" presetID="1" presetClass="entr" presetSubtype="0" fill="hold" grpId="0" nodeType="withEffect">
-                                  <p:stCondLst>
-                                    <p:cond delay="0"/>
-                                  </p:stCondLst>
-                                  <p:childTnLst>
-                                    <p:set>
-                                      <p:cBhvr>
-                                        <p:cTn id="72" dur="1" fill="hold">
-                                          <p:stCondLst>
-                                            <p:cond delay="0"/>
-                                          </p:stCondLst>
-                                        </p:cTn>
-                                        <p:tgtEl>
-                                          <p:spTgt spid="34"/>
-                                        </p:tgtEl>
-                                        <p:attrNameLst>
-                                          <p:attrName>style.visibility</p:attrName>
-                                        </p:attrNameLst>
-                                      </p:cBhvr>
-                                      <p:to>
-                                        <p:strVal val="visible"/>
-                                      </p:to>
-                                    </p:set>
-                                  </p:childTnLst>
-                                </p:cTn>
-                              </p:par>
-                              <p:par>
-                                <p:cTn id="73" presetID="1" presetClass="entr" presetSubtype="0" fill="hold" grpId="0" nodeType="withEffect">
-                                  <p:stCondLst>
-                                    <p:cond delay="0"/>
-                                  </p:stCondLst>
-                                  <p:childTnLst>
-                                    <p:set>
-                                      <p:cBhvr>
-                                        <p:cTn id="74" dur="1" fill="hold">
-                                          <p:stCondLst>
-                                            <p:cond delay="0"/>
-                                          </p:stCondLst>
-                                        </p:cTn>
-                                        <p:tgtEl>
-                                          <p:spTgt spid="35"/>
-                                        </p:tgtEl>
-                                        <p:attrNameLst>
-                                          <p:attrName>style.visibility</p:attrName>
-                                        </p:attrNameLst>
-                                      </p:cBhvr>
-                                      <p:to>
-                                        <p:strVal val="visible"/>
-                                      </p:to>
-                                    </p:set>
-                                  </p:childTnLst>
-                                </p:cTn>
-                              </p:par>
-                              <p:par>
-                                <p:cTn id="75" presetID="1" presetClass="entr" presetSubtype="0" fill="hold" grpId="0" nodeType="withEffect">
-                                  <p:stCondLst>
-                                    <p:cond delay="0"/>
-                                  </p:stCondLst>
-                                  <p:childTnLst>
-                                    <p:set>
-                                      <p:cBhvr>
-                                        <p:cTn id="76" dur="1" fill="hold">
-                                          <p:stCondLst>
-                                            <p:cond delay="0"/>
-                                          </p:stCondLst>
-                                        </p:cTn>
-                                        <p:tgtEl>
-                                          <p:spTgt spid="36"/>
-                                        </p:tgtEl>
-                                        <p:attrNameLst>
-                                          <p:attrName>style.visibility</p:attrName>
-                                        </p:attrNameLst>
-                                      </p:cBhvr>
-                                      <p:to>
-                                        <p:strVal val="visible"/>
-                                      </p:to>
-                                    </p:set>
-                                  </p:childTnLst>
-                                </p:cTn>
-                              </p:par>
-                              <p:par>
-                                <p:cTn id="77" presetID="1" presetClass="entr" presetSubtype="0" fill="hold" grpId="0" nodeType="withEffect">
-                                  <p:stCondLst>
-                                    <p:cond delay="0"/>
-                                  </p:stCondLst>
-                                  <p:childTnLst>
-                                    <p:set>
-                                      <p:cBhvr>
-                                        <p:cTn id="78" dur="1" fill="hold">
-                                          <p:stCondLst>
-                                            <p:cond delay="0"/>
-                                          </p:stCondLst>
-                                        </p:cTn>
-                                        <p:tgtEl>
-                                          <p:spTgt spid="37"/>
-                                        </p:tgtEl>
-                                        <p:attrNameLst>
-                                          <p:attrName>style.visibility</p:attrName>
-                                        </p:attrNameLst>
-                                      </p:cBhvr>
-                                      <p:to>
-                                        <p:strVal val="visible"/>
-                                      </p:to>
-                                    </p:set>
-                                  </p:childTnLst>
-                                </p:cTn>
-                              </p:par>
-                              <p:par>
-                                <p:cTn id="79" presetID="1" presetClass="entr" presetSubtype="0" fill="hold" grpId="0" nodeType="withEffect">
-                                  <p:stCondLst>
-                                    <p:cond delay="0"/>
-                                  </p:stCondLst>
-                                  <p:childTnLst>
-                                    <p:set>
-                                      <p:cBhvr>
-                                        <p:cTn id="80" dur="1" fill="hold">
-                                          <p:stCondLst>
-                                            <p:cond delay="0"/>
-                                          </p:stCondLst>
-                                        </p:cTn>
-                                        <p:tgtEl>
-                                          <p:spTgt spid="38"/>
-                                        </p:tgtEl>
-                                        <p:attrNameLst>
-                                          <p:attrName>style.visibility</p:attrName>
-                                        </p:attrNameLst>
-                                      </p:cBhvr>
-                                      <p:to>
-                                        <p:strVal val="visible"/>
-                                      </p:to>
-                                    </p:set>
-                                  </p:childTnLst>
-                                </p:cTn>
-                              </p:par>
-                              <p:par>
-                                <p:cTn id="81" presetID="1" presetClass="entr" presetSubtype="0" fill="hold" grpId="0" nodeType="withEffect">
-                                  <p:stCondLst>
-                                    <p:cond delay="0"/>
-                                  </p:stCondLst>
-                                  <p:childTnLst>
-                                    <p:set>
-                                      <p:cBhvr>
-                                        <p:cTn id="82" dur="1" fill="hold">
-                                          <p:stCondLst>
-                                            <p:cond delay="0"/>
-                                          </p:stCondLst>
-                                        </p:cTn>
-                                        <p:tgtEl>
-                                          <p:spTgt spid="39"/>
-                                        </p:tgtEl>
-                                        <p:attrNameLst>
-                                          <p:attrName>style.visibility</p:attrName>
-                                        </p:attrNameLst>
-                                      </p:cBhvr>
-                                      <p:to>
-                                        <p:strVal val="visible"/>
-                                      </p:to>
-                                    </p:set>
-                                  </p:childTnLst>
-                                </p:cTn>
-                              </p:par>
-                              <p:par>
-                                <p:cTn id="83" presetID="1" presetClass="entr" presetSubtype="0" fill="hold" grpId="0" nodeType="withEffect">
-                                  <p:stCondLst>
-                                    <p:cond delay="0"/>
-                                  </p:stCondLst>
-                                  <p:childTnLst>
-                                    <p:set>
-                                      <p:cBhvr>
-                                        <p:cTn id="84" dur="1" fill="hold">
-                                          <p:stCondLst>
-                                            <p:cond delay="0"/>
-                                          </p:stCondLst>
-                                        </p:cTn>
-                                        <p:tgtEl>
-                                          <p:spTgt spid="40"/>
-                                        </p:tgtEl>
-                                        <p:attrNameLst>
-                                          <p:attrName>style.visibility</p:attrName>
-                                        </p:attrNameLst>
-                                      </p:cBhvr>
-                                      <p:to>
-                                        <p:strVal val="visible"/>
-                                      </p:to>
-                                    </p:set>
-                                  </p:childTnLst>
-                                </p:cTn>
-                              </p:par>
-                              <p:par>
-                                <p:cTn id="85" presetID="1" presetClass="entr" presetSubtype="0" fill="hold" grpId="0" nodeType="withEffect">
-                                  <p:stCondLst>
-                                    <p:cond delay="0"/>
-                                  </p:stCondLst>
-                                  <p:childTnLst>
-                                    <p:set>
-                                      <p:cBhvr>
-                                        <p:cTn id="86" dur="1" fill="hold">
-                                          <p:stCondLst>
-                                            <p:cond delay="0"/>
-                                          </p:stCondLst>
-                                        </p:cTn>
-                                        <p:tgtEl>
-                                          <p:spTgt spid="42"/>
-                                        </p:tgtEl>
-                                        <p:attrNameLst>
-                                          <p:attrName>style.visibility</p:attrName>
-                                        </p:attrNameLst>
-                                      </p:cBhvr>
-                                      <p:to>
-                                        <p:strVal val="visible"/>
-                                      </p:to>
-                                    </p:set>
-                                  </p:childTnLst>
-                                </p:cTn>
-                              </p:par>
-                              <p:par>
-                                <p:cTn id="87" presetID="1" presetClass="entr" presetSubtype="0" fill="hold" grpId="0" nodeType="withEffect">
-                                  <p:stCondLst>
-                                    <p:cond delay="0"/>
-                                  </p:stCondLst>
-                                  <p:childTnLst>
-                                    <p:set>
-                                      <p:cBhvr>
-                                        <p:cTn id="88" dur="1" fill="hold">
-                                          <p:stCondLst>
-                                            <p:cond delay="0"/>
-                                          </p:stCondLst>
-                                        </p:cTn>
-                                        <p:tgtEl>
-                                          <p:spTgt spid="43"/>
-                                        </p:tgtEl>
-                                        <p:attrNameLst>
-                                          <p:attrName>style.visibility</p:attrName>
-                                        </p:attrNameLst>
-                                      </p:cBhvr>
-                                      <p:to>
-                                        <p:strVal val="visible"/>
-                                      </p:to>
-                                    </p:set>
-                                  </p:childTnLst>
-                                </p:cTn>
-                              </p:par>
-                              <p:par>
-                                <p:cTn id="89" presetID="1" presetClass="entr" presetSubtype="0" fill="hold" grpId="0" nodeType="withEffect">
-                                  <p:stCondLst>
-                                    <p:cond delay="0"/>
-                                  </p:stCondLst>
-                                  <p:childTnLst>
-                                    <p:set>
-                                      <p:cBhvr>
-                                        <p:cTn id="90" dur="1" fill="hold">
-                                          <p:stCondLst>
-                                            <p:cond delay="0"/>
-                                          </p:stCondLst>
-                                        </p:cTn>
-                                        <p:tgtEl>
-                                          <p:spTgt spid="44"/>
-                                        </p:tgtEl>
-                                        <p:attrNameLst>
-                                          <p:attrName>style.visibility</p:attrName>
-                                        </p:attrNameLst>
-                                      </p:cBhvr>
-                                      <p:to>
-                                        <p:strVal val="visible"/>
-                                      </p:to>
-                                    </p:set>
-                                  </p:childTnLst>
-                                </p:cTn>
-                              </p:par>
-                              <p:par>
-                                <p:cTn id="91" presetID="1" presetClass="entr" presetSubtype="0" fill="hold" grpId="0" nodeType="withEffect">
-                                  <p:stCondLst>
-                                    <p:cond delay="0"/>
-                                  </p:stCondLst>
-                                  <p:childTnLst>
-                                    <p:set>
-                                      <p:cBhvr>
-                                        <p:cTn id="92" dur="1" fill="hold">
-                                          <p:stCondLst>
-                                            <p:cond delay="0"/>
-                                          </p:stCondLst>
-                                        </p:cTn>
-                                        <p:tgtEl>
-                                          <p:spTgt spid="45"/>
-                                        </p:tgtEl>
-                                        <p:attrNameLst>
-                                          <p:attrName>style.visibility</p:attrName>
-                                        </p:attrNameLst>
-                                      </p:cBhvr>
-                                      <p:to>
-                                        <p:strVal val="visible"/>
-                                      </p:to>
-                                    </p:set>
-                                  </p:childTnLst>
-                                </p:cTn>
-                              </p:par>
-                              <p:par>
-                                <p:cTn id="93" presetID="1" presetClass="entr" presetSubtype="0" fill="hold" grpId="0" nodeType="withEffect">
-                                  <p:stCondLst>
-                                    <p:cond delay="0"/>
-                                  </p:stCondLst>
-                                  <p:childTnLst>
-                                    <p:set>
-                                      <p:cBhvr>
-                                        <p:cTn id="94" dur="1" fill="hold">
-                                          <p:stCondLst>
-                                            <p:cond delay="0"/>
-                                          </p:stCondLst>
-                                        </p:cTn>
-                                        <p:tgtEl>
-                                          <p:spTgt spid="46"/>
-                                        </p:tgtEl>
-                                        <p:attrNameLst>
-                                          <p:attrName>style.visibility</p:attrName>
-                                        </p:attrNameLst>
-                                      </p:cBhvr>
-                                      <p:to>
-                                        <p:strVal val="visible"/>
-                                      </p:to>
-                                    </p:set>
-                                  </p:childTnLst>
-                                </p:cTn>
-                              </p:par>
-                              <p:par>
-                                <p:cTn id="95" presetID="1" presetClass="entr" presetSubtype="0" fill="hold" grpId="0" nodeType="withEffect">
-                                  <p:stCondLst>
-                                    <p:cond delay="0"/>
-                                  </p:stCondLst>
-                                  <p:childTnLst>
-                                    <p:set>
-                                      <p:cBhvr>
-                                        <p:cTn id="96" dur="1" fill="hold">
-                                          <p:stCondLst>
-                                            <p:cond delay="0"/>
-                                          </p:stCondLst>
-                                        </p:cTn>
-                                        <p:tgtEl>
-                                          <p:spTgt spid="47"/>
-                                        </p:tgtEl>
-                                        <p:attrNameLst>
-                                          <p:attrName>style.visibility</p:attrName>
-                                        </p:attrNameLst>
-                                      </p:cBhvr>
-                                      <p:to>
-                                        <p:strVal val="visible"/>
-                                      </p:to>
-                                    </p:set>
-                                  </p:childTnLst>
-                                </p:cTn>
-                              </p:par>
-                              <p:par>
-                                <p:cTn id="97" presetID="1" presetClass="entr" presetSubtype="0" fill="hold" grpId="0" nodeType="withEffect">
-                                  <p:stCondLst>
-                                    <p:cond delay="0"/>
-                                  </p:stCondLst>
-                                  <p:childTnLst>
-                                    <p:set>
-                                      <p:cBhvr>
-                                        <p:cTn id="98" dur="1" fill="hold">
-                                          <p:stCondLst>
-                                            <p:cond delay="0"/>
-                                          </p:stCondLst>
-                                        </p:cTn>
-                                        <p:tgtEl>
-                                          <p:spTgt spid="48"/>
-                                        </p:tgtEl>
-                                        <p:attrNameLst>
-                                          <p:attrName>style.visibility</p:attrName>
-                                        </p:attrNameLst>
-                                      </p:cBhvr>
-                                      <p:to>
-                                        <p:strVal val="visible"/>
-                                      </p:to>
-                                    </p:set>
-                                  </p:childTnLst>
-                                </p:cTn>
-                              </p:par>
-                              <p:par>
-                                <p:cTn id="99" presetID="1" presetClass="entr" presetSubtype="0" fill="hold" grpId="0" nodeType="withEffect">
-                                  <p:stCondLst>
-                                    <p:cond delay="0"/>
-                                  </p:stCondLst>
-                                  <p:childTnLst>
-                                    <p:set>
-                                      <p:cBhvr>
-                                        <p:cTn id="100" dur="1" fill="hold">
-                                          <p:stCondLst>
-                                            <p:cond delay="0"/>
-                                          </p:stCondLst>
-                                        </p:cTn>
-                                        <p:tgtEl>
-                                          <p:spTgt spid="50"/>
-                                        </p:tgtEl>
-                                        <p:attrNameLst>
-                                          <p:attrName>style.visibility</p:attrName>
-                                        </p:attrNameLst>
-                                      </p:cBhvr>
-                                      <p:to>
-                                        <p:strVal val="visible"/>
-                                      </p:to>
-                                    </p:set>
-                                  </p:childTnLst>
-                                </p:cTn>
-                              </p:par>
-                              <p:par>
-                                <p:cTn id="101" presetID="1" presetClass="entr" presetSubtype="0" fill="hold" grpId="0" nodeType="withEffect">
-                                  <p:stCondLst>
-                                    <p:cond delay="0"/>
-                                  </p:stCondLst>
-                                  <p:childTnLst>
-                                    <p:set>
-                                      <p:cBhvr>
-                                        <p:cTn id="102" dur="1" fill="hold">
-                                          <p:stCondLst>
-                                            <p:cond delay="0"/>
-                                          </p:stCondLst>
-                                        </p:cTn>
-                                        <p:tgtEl>
-                                          <p:spTgt spid="51"/>
-                                        </p:tgtEl>
-                                        <p:attrNameLst>
-                                          <p:attrName>style.visibility</p:attrName>
-                                        </p:attrNameLst>
-                                      </p:cBhvr>
-                                      <p:to>
-                                        <p:strVal val="visible"/>
-                                      </p:to>
-                                    </p:set>
-                                  </p:childTnLst>
-                                </p:cTn>
-                              </p:par>
-                              <p:par>
-                                <p:cTn id="103" presetID="1" presetClass="entr" presetSubtype="0" fill="hold" grpId="0" nodeType="withEffect">
-                                  <p:stCondLst>
-                                    <p:cond delay="0"/>
-                                  </p:stCondLst>
-                                  <p:childTnLst>
-                                    <p:set>
-                                      <p:cBhvr>
-                                        <p:cTn id="104" dur="1" fill="hold">
-                                          <p:stCondLst>
-                                            <p:cond delay="0"/>
-                                          </p:stCondLst>
-                                        </p:cTn>
-                                        <p:tgtEl>
-                                          <p:spTgt spid="52"/>
-                                        </p:tgtEl>
-                                        <p:attrNameLst>
-                                          <p:attrName>style.visibility</p:attrName>
-                                        </p:attrNameLst>
-                                      </p:cBhvr>
-                                      <p:to>
-                                        <p:strVal val="visible"/>
-                                      </p:to>
-                                    </p:set>
-                                  </p:childTnLst>
-                                </p:cTn>
-                              </p:par>
-                              <p:par>
-                                <p:cTn id="105" presetID="1" presetClass="entr" presetSubtype="0" fill="hold" grpId="0" nodeType="withEffect">
-                                  <p:stCondLst>
-                                    <p:cond delay="0"/>
-                                  </p:stCondLst>
-                                  <p:childTnLst>
-                                    <p:set>
-                                      <p:cBhvr>
-                                        <p:cTn id="106" dur="1" fill="hold">
-                                          <p:stCondLst>
-                                            <p:cond delay="0"/>
-                                          </p:stCondLst>
-                                        </p:cTn>
-                                        <p:tgtEl>
-                                          <p:spTgt spid="53"/>
-                                        </p:tgtEl>
-                                        <p:attrNameLst>
-                                          <p:attrName>style.visibility</p:attrName>
-                                        </p:attrNameLst>
-                                      </p:cBhvr>
-                                      <p:to>
-                                        <p:strVal val="visible"/>
-                                      </p:to>
-                                    </p:set>
-                                  </p:childTnLst>
-                                </p:cTn>
-                              </p:par>
-                              <p:par>
-                                <p:cTn id="107" presetID="1" presetClass="entr" presetSubtype="0" fill="hold" grpId="0" nodeType="withEffect">
-                                  <p:stCondLst>
-                                    <p:cond delay="0"/>
-                                  </p:stCondLst>
-                                  <p:childTnLst>
-                                    <p:set>
-                                      <p:cBhvr>
-                                        <p:cTn id="108" dur="1" fill="hold">
-                                          <p:stCondLst>
-                                            <p:cond delay="0"/>
-                                          </p:stCondLst>
-                                        </p:cTn>
-                                        <p:tgtEl>
-                                          <p:spTgt spid="54"/>
-                                        </p:tgtEl>
-                                        <p:attrNameLst>
-                                          <p:attrName>style.visibility</p:attrName>
-                                        </p:attrNameLst>
-                                      </p:cBhvr>
-                                      <p:to>
-                                        <p:strVal val="visible"/>
-                                      </p:to>
-                                    </p:set>
-                                  </p:childTnLst>
-                                </p:cTn>
-                              </p:par>
-                              <p:par>
-                                <p:cTn id="109" presetID="1" presetClass="entr" presetSubtype="0" fill="hold" grpId="0" nodeType="withEffect">
-                                  <p:stCondLst>
-                                    <p:cond delay="0"/>
-                                  </p:stCondLst>
-                                  <p:childTnLst>
-                                    <p:set>
-                                      <p:cBhvr>
-                                        <p:cTn id="110" dur="1" fill="hold">
-                                          <p:stCondLst>
-                                            <p:cond delay="0"/>
-                                          </p:stCondLst>
-                                        </p:cTn>
-                                        <p:tgtEl>
-                                          <p:spTgt spid="55"/>
-                                        </p:tgtEl>
-                                        <p:attrNameLst>
-                                          <p:attrName>style.visibility</p:attrName>
-                                        </p:attrNameLst>
-                                      </p:cBhvr>
-                                      <p:to>
-                                        <p:strVal val="visible"/>
-                                      </p:to>
-                                    </p:set>
-                                  </p:childTnLst>
-                                </p:cTn>
-                              </p:par>
-                              <p:par>
-                                <p:cTn id="111" presetID="1" presetClass="entr" presetSubtype="0" fill="hold" grpId="0" nodeType="withEffect">
-                                  <p:stCondLst>
-                                    <p:cond delay="0"/>
-                                  </p:stCondLst>
-                                  <p:childTnLst>
-                                    <p:set>
-                                      <p:cBhvr>
-                                        <p:cTn id="112" dur="1" fill="hold">
-                                          <p:stCondLst>
-                                            <p:cond delay="0"/>
-                                          </p:stCondLst>
-                                        </p:cTn>
-                                        <p:tgtEl>
-                                          <p:spTgt spid="56"/>
-                                        </p:tgtEl>
-                                        <p:attrNameLst>
-                                          <p:attrName>style.visibility</p:attrName>
-                                        </p:attrNameLst>
-                                      </p:cBhvr>
-                                      <p:to>
-                                        <p:strVal val="visible"/>
-                                      </p:to>
-                                    </p:set>
-                                  </p:childTnLst>
-                                </p:cTn>
-                              </p:par>
-                              <p:par>
-                                <p:cTn id="113" presetID="1" presetClass="entr" presetSubtype="0" fill="hold" grpId="0" nodeType="withEffect">
-                                  <p:stCondLst>
-                                    <p:cond delay="0"/>
-                                  </p:stCondLst>
-                                  <p:childTnLst>
-                                    <p:set>
-                                      <p:cBhvr>
-                                        <p:cTn id="114" dur="1" fill="hold">
-                                          <p:stCondLst>
-                                            <p:cond delay="0"/>
-                                          </p:stCondLst>
-                                        </p:cTn>
-                                        <p:tgtEl>
-                                          <p:spTgt spid="58"/>
-                                        </p:tgtEl>
-                                        <p:attrNameLst>
-                                          <p:attrName>style.visibility</p:attrName>
-                                        </p:attrNameLst>
-                                      </p:cBhvr>
-                                      <p:to>
-                                        <p:strVal val="visible"/>
-                                      </p:to>
-                                    </p:set>
-                                  </p:childTnLst>
-                                </p:cTn>
-                              </p:par>
-                              <p:par>
-                                <p:cTn id="115" presetID="1" presetClass="entr" presetSubtype="0" fill="hold" grpId="0" nodeType="withEffect">
-                                  <p:stCondLst>
-                                    <p:cond delay="0"/>
-                                  </p:stCondLst>
-                                  <p:childTnLst>
-                                    <p:set>
-                                      <p:cBhvr>
-                                        <p:cTn id="116" dur="1" fill="hold">
-                                          <p:stCondLst>
-                                            <p:cond delay="0"/>
-                                          </p:stCondLst>
-                                        </p:cTn>
-                                        <p:tgtEl>
-                                          <p:spTgt spid="59"/>
-                                        </p:tgtEl>
-                                        <p:attrNameLst>
-                                          <p:attrName>style.visibility</p:attrName>
-                                        </p:attrNameLst>
-                                      </p:cBhvr>
-                                      <p:to>
-                                        <p:strVal val="visible"/>
-                                      </p:to>
-                                    </p:set>
-                                  </p:childTnLst>
-                                </p:cTn>
-                              </p:par>
-                              <p:par>
-                                <p:cTn id="117" presetID="1" presetClass="entr" presetSubtype="0" fill="hold" grpId="0" nodeType="withEffect">
-                                  <p:stCondLst>
-                                    <p:cond delay="0"/>
-                                  </p:stCondLst>
-                                  <p:childTnLst>
-                                    <p:set>
-                                      <p:cBhvr>
-                                        <p:cTn id="118" dur="1" fill="hold">
-                                          <p:stCondLst>
-                                            <p:cond delay="0"/>
-                                          </p:stCondLst>
-                                        </p:cTn>
-                                        <p:tgtEl>
-                                          <p:spTgt spid="60"/>
-                                        </p:tgtEl>
-                                        <p:attrNameLst>
-                                          <p:attrName>style.visibility</p:attrName>
-                                        </p:attrNameLst>
-                                      </p:cBhvr>
-                                      <p:to>
-                                        <p:strVal val="visible"/>
-                                      </p:to>
-                                    </p:set>
-                                  </p:childTnLst>
-                                </p:cTn>
-                              </p:par>
-                              <p:par>
-                                <p:cTn id="119" presetID="1" presetClass="entr" presetSubtype="0" fill="hold" grpId="0" nodeType="withEffect">
-                                  <p:stCondLst>
-                                    <p:cond delay="0"/>
-                                  </p:stCondLst>
-                                  <p:childTnLst>
-                                    <p:set>
-                                      <p:cBhvr>
-                                        <p:cTn id="120" dur="1" fill="hold">
-                                          <p:stCondLst>
-                                            <p:cond delay="0"/>
-                                          </p:stCondLst>
-                                        </p:cTn>
-                                        <p:tgtEl>
-                                          <p:spTgt spid="61"/>
-                                        </p:tgtEl>
-                                        <p:attrNameLst>
-                                          <p:attrName>style.visibility</p:attrName>
-                                        </p:attrNameLst>
-                                      </p:cBhvr>
-                                      <p:to>
-                                        <p:strVal val="visible"/>
-                                      </p:to>
-                                    </p:set>
-                                  </p:childTnLst>
-                                </p:cTn>
-                              </p:par>
-                              <p:par>
-                                <p:cTn id="121" presetID="1" presetClass="entr" presetSubtype="0" fill="hold" grpId="0" nodeType="withEffect">
-                                  <p:stCondLst>
-                                    <p:cond delay="0"/>
-                                  </p:stCondLst>
-                                  <p:childTnLst>
-                                    <p:set>
-                                      <p:cBhvr>
-                                        <p:cTn id="122" dur="1" fill="hold">
-                                          <p:stCondLst>
-                                            <p:cond delay="0"/>
-                                          </p:stCondLst>
-                                        </p:cTn>
-                                        <p:tgtEl>
-                                          <p:spTgt spid="62"/>
-                                        </p:tgtEl>
-                                        <p:attrNameLst>
-                                          <p:attrName>style.visibility</p:attrName>
-                                        </p:attrNameLst>
-                                      </p:cBhvr>
-                                      <p:to>
-                                        <p:strVal val="visible"/>
-                                      </p:to>
-                                    </p:set>
-                                  </p:childTnLst>
-                                </p:cTn>
-                              </p:par>
-                              <p:par>
-                                <p:cTn id="123" presetID="1" presetClass="entr" presetSubtype="0" fill="hold" grpId="0" nodeType="withEffect">
-                                  <p:stCondLst>
-                                    <p:cond delay="0"/>
-                                  </p:stCondLst>
-                                  <p:childTnLst>
-                                    <p:set>
-                                      <p:cBhvr>
-                                        <p:cTn id="124" dur="1" fill="hold">
-                                          <p:stCondLst>
-                                            <p:cond delay="0"/>
-                                          </p:stCondLst>
-                                        </p:cTn>
-                                        <p:tgtEl>
-                                          <p:spTgt spid="63"/>
-                                        </p:tgtEl>
-                                        <p:attrNameLst>
-                                          <p:attrName>style.visibility</p:attrName>
-                                        </p:attrNameLst>
-                                      </p:cBhvr>
-                                      <p:to>
-                                        <p:strVal val="visible"/>
-                                      </p:to>
-                                    </p:set>
-                                  </p:childTnLst>
-                                </p:cTn>
-                              </p:par>
-                              <p:par>
-                                <p:cTn id="125" presetID="1" presetClass="entr" presetSubtype="0" fill="hold" grpId="0" nodeType="withEffect">
-                                  <p:stCondLst>
-                                    <p:cond delay="0"/>
-                                  </p:stCondLst>
-                                  <p:childTnLst>
-                                    <p:set>
-                                      <p:cBhvr>
-                                        <p:cTn id="126" dur="1" fill="hold">
-                                          <p:stCondLst>
-                                            <p:cond delay="0"/>
-                                          </p:stCondLst>
-                                        </p:cTn>
-                                        <p:tgtEl>
-                                          <p:spTgt spid="64"/>
-                                        </p:tgtEl>
-                                        <p:attrNameLst>
-                                          <p:attrName>style.visibility</p:attrName>
-                                        </p:attrNameLst>
-                                      </p:cBhvr>
-                                      <p:to>
-                                        <p:strVal val="visible"/>
-                                      </p:to>
-                                    </p:set>
-                                  </p:childTnLst>
-                                </p:cTn>
-                              </p:par>
-                              <p:par>
-                                <p:cTn id="127" presetID="1" presetClass="entr" presetSubtype="0" fill="hold" grpId="0" nodeType="withEffect">
-                                  <p:stCondLst>
-                                    <p:cond delay="0"/>
-                                  </p:stCondLst>
-                                  <p:childTnLst>
-                                    <p:set>
-                                      <p:cBhvr>
-                                        <p:cTn id="128" dur="1" fill="hold">
-                                          <p:stCondLst>
-                                            <p:cond delay="0"/>
-                                          </p:stCondLst>
-                                        </p:cTn>
-                                        <p:tgtEl>
-                                          <p:spTgt spid="66"/>
-                                        </p:tgtEl>
-                                        <p:attrNameLst>
-                                          <p:attrName>style.visibility</p:attrName>
-                                        </p:attrNameLst>
-                                      </p:cBhvr>
-                                      <p:to>
-                                        <p:strVal val="visible"/>
-                                      </p:to>
-                                    </p:set>
-                                  </p:childTnLst>
-                                </p:cTn>
-                              </p:par>
-                              <p:par>
-                                <p:cTn id="129" presetID="1" presetClass="entr" presetSubtype="0" fill="hold" grpId="0" nodeType="withEffect">
-                                  <p:stCondLst>
-                                    <p:cond delay="0"/>
-                                  </p:stCondLst>
-                                  <p:childTnLst>
-                                    <p:set>
-                                      <p:cBhvr>
-                                        <p:cTn id="130" dur="1" fill="hold">
-                                          <p:stCondLst>
-                                            <p:cond delay="0"/>
-                                          </p:stCondLst>
-                                        </p:cTn>
-                                        <p:tgtEl>
-                                          <p:spTgt spid="67"/>
-                                        </p:tgtEl>
-                                        <p:attrNameLst>
-                                          <p:attrName>style.visibility</p:attrName>
-                                        </p:attrNameLst>
-                                      </p:cBhvr>
-                                      <p:to>
-                                        <p:strVal val="visible"/>
-                                      </p:to>
-                                    </p:set>
-                                  </p:childTnLst>
-                                </p:cTn>
-                              </p:par>
-                              <p:par>
-                                <p:cTn id="131" presetID="1" presetClass="entr" presetSubtype="0" fill="hold" grpId="0" nodeType="withEffect">
-                                  <p:stCondLst>
-                                    <p:cond delay="0"/>
-                                  </p:stCondLst>
-                                  <p:childTnLst>
-                                    <p:set>
-                                      <p:cBhvr>
-                                        <p:cTn id="132" dur="1" fill="hold">
-                                          <p:stCondLst>
-                                            <p:cond delay="0"/>
-                                          </p:stCondLst>
-                                        </p:cTn>
-                                        <p:tgtEl>
-                                          <p:spTgt spid="68"/>
-                                        </p:tgtEl>
-                                        <p:attrNameLst>
-                                          <p:attrName>style.visibility</p:attrName>
-                                        </p:attrNameLst>
-                                      </p:cBhvr>
-                                      <p:to>
-                                        <p:strVal val="visible"/>
-                                      </p:to>
-                                    </p:set>
-                                  </p:childTnLst>
-                                </p:cTn>
-                              </p:par>
-                              <p:par>
-                                <p:cTn id="133" presetID="1" presetClass="entr" presetSubtype="0" fill="hold" grpId="0" nodeType="withEffect">
-                                  <p:stCondLst>
-                                    <p:cond delay="0"/>
-                                  </p:stCondLst>
-                                  <p:childTnLst>
-                                    <p:set>
-                                      <p:cBhvr>
-                                        <p:cTn id="134" dur="1" fill="hold">
-                                          <p:stCondLst>
-                                            <p:cond delay="0"/>
-                                          </p:stCondLst>
-                                        </p:cTn>
-                                        <p:tgtEl>
-                                          <p:spTgt spid="69"/>
-                                        </p:tgtEl>
-                                        <p:attrNameLst>
-                                          <p:attrName>style.visibility</p:attrName>
-                                        </p:attrNameLst>
-                                      </p:cBhvr>
-                                      <p:to>
-                                        <p:strVal val="visible"/>
-                                      </p:to>
-                                    </p:set>
-                                  </p:childTnLst>
-                                </p:cTn>
-                              </p:par>
-                              <p:par>
-                                <p:cTn id="135" presetID="1" presetClass="entr" presetSubtype="0" fill="hold" grpId="0" nodeType="withEffect">
-                                  <p:stCondLst>
-                                    <p:cond delay="0"/>
-                                  </p:stCondLst>
-                                  <p:childTnLst>
-                                    <p:set>
-                                      <p:cBhvr>
-                                        <p:cTn id="136" dur="1" fill="hold">
-                                          <p:stCondLst>
-                                            <p:cond delay="0"/>
-                                          </p:stCondLst>
-                                        </p:cTn>
-                                        <p:tgtEl>
-                                          <p:spTgt spid="70"/>
-                                        </p:tgtEl>
-                                        <p:attrNameLst>
-                                          <p:attrName>style.visibility</p:attrName>
-                                        </p:attrNameLst>
-                                      </p:cBhvr>
-                                      <p:to>
-                                        <p:strVal val="visible"/>
-                                      </p:to>
-                                    </p:set>
-                                  </p:childTnLst>
-                                </p:cTn>
-                              </p:par>
-                              <p:par>
-                                <p:cTn id="137" presetID="1" presetClass="entr" presetSubtype="0" fill="hold" grpId="0" nodeType="withEffect">
-                                  <p:stCondLst>
-                                    <p:cond delay="0"/>
-                                  </p:stCondLst>
-                                  <p:childTnLst>
-                                    <p:set>
-                                      <p:cBhvr>
-                                        <p:cTn id="138" dur="1" fill="hold">
-                                          <p:stCondLst>
-                                            <p:cond delay="0"/>
-                                          </p:stCondLst>
-                                        </p:cTn>
-                                        <p:tgtEl>
-                                          <p:spTgt spid="71"/>
-                                        </p:tgtEl>
-                                        <p:attrNameLst>
-                                          <p:attrName>style.visibility</p:attrName>
-                                        </p:attrNameLst>
-                                      </p:cBhvr>
-                                      <p:to>
-                                        <p:strVal val="visible"/>
-                                      </p:to>
-                                    </p:set>
-                                  </p:childTnLst>
-                                </p:cTn>
-                              </p:par>
-                              <p:par>
-                                <p:cTn id="139" presetID="1" presetClass="entr" presetSubtype="0" fill="hold" grpId="0" nodeType="withEffect">
-                                  <p:stCondLst>
-                                    <p:cond delay="0"/>
-                                  </p:stCondLst>
-                                  <p:childTnLst>
-                                    <p:set>
-                                      <p:cBhvr>
-                                        <p:cTn id="140" dur="1" fill="hold">
-                                          <p:stCondLst>
-                                            <p:cond delay="0"/>
-                                          </p:stCondLst>
-                                        </p:cTn>
-                                        <p:tgtEl>
-                                          <p:spTgt spid="72"/>
-                                        </p:tgtEl>
-                                        <p:attrNameLst>
-                                          <p:attrName>style.visibility</p:attrName>
-                                        </p:attrNameLst>
-                                      </p:cBhvr>
-                                      <p:to>
-                                        <p:strVal val="visible"/>
-                                      </p:to>
-                                    </p:set>
-                                  </p:childTnLst>
-                                </p:cTn>
-                              </p:par>
-                              <p:par>
-                                <p:cTn id="141" presetID="1" presetClass="entr" presetSubtype="0" fill="hold" grpId="0" nodeType="withEffect">
-                                  <p:stCondLst>
-                                    <p:cond delay="0"/>
-                                  </p:stCondLst>
-                                  <p:childTnLst>
-                                    <p:set>
-                                      <p:cBhvr>
-                                        <p:cTn id="142" dur="1" fill="hold">
-                                          <p:stCondLst>
-                                            <p:cond delay="0"/>
-                                          </p:stCondLst>
-                                        </p:cTn>
-                                        <p:tgtEl>
-                                          <p:spTgt spid="74"/>
-                                        </p:tgtEl>
-                                        <p:attrNameLst>
-                                          <p:attrName>style.visibility</p:attrName>
-                                        </p:attrNameLst>
-                                      </p:cBhvr>
-                                      <p:to>
-                                        <p:strVal val="visible"/>
-                                      </p:to>
-                                    </p:set>
-                                  </p:childTnLst>
-                                </p:cTn>
-                              </p:par>
-                              <p:par>
-                                <p:cTn id="143" presetID="1" presetClass="entr" presetSubtype="0" fill="hold" grpId="0" nodeType="withEffect">
-                                  <p:stCondLst>
-                                    <p:cond delay="0"/>
-                                  </p:stCondLst>
-                                  <p:childTnLst>
-                                    <p:set>
-                                      <p:cBhvr>
-                                        <p:cTn id="144" dur="1" fill="hold">
-                                          <p:stCondLst>
-                                            <p:cond delay="0"/>
-                                          </p:stCondLst>
-                                        </p:cTn>
-                                        <p:tgtEl>
-                                          <p:spTgt spid="75"/>
-                                        </p:tgtEl>
-                                        <p:attrNameLst>
-                                          <p:attrName>style.visibility</p:attrName>
-                                        </p:attrNameLst>
-                                      </p:cBhvr>
-                                      <p:to>
-                                        <p:strVal val="visible"/>
-                                      </p:to>
-                                    </p:set>
-                                  </p:childTnLst>
-                                </p:cTn>
-                              </p:par>
-                              <p:par>
-                                <p:cTn id="145" presetID="1" presetClass="entr" presetSubtype="0" fill="hold" grpId="0" nodeType="withEffect">
-                                  <p:stCondLst>
-                                    <p:cond delay="0"/>
-                                  </p:stCondLst>
-                                  <p:childTnLst>
-                                    <p:set>
-                                      <p:cBhvr>
-                                        <p:cTn id="146" dur="1" fill="hold">
-                                          <p:stCondLst>
-                                            <p:cond delay="0"/>
-                                          </p:stCondLst>
-                                        </p:cTn>
-                                        <p:tgtEl>
-                                          <p:spTgt spid="76"/>
-                                        </p:tgtEl>
-                                        <p:attrNameLst>
-                                          <p:attrName>style.visibility</p:attrName>
-                                        </p:attrNameLst>
-                                      </p:cBhvr>
-                                      <p:to>
-                                        <p:strVal val="visible"/>
-                                      </p:to>
-                                    </p:set>
-                                  </p:childTnLst>
-                                </p:cTn>
-                              </p:par>
-                              <p:par>
-                                <p:cTn id="147" presetID="1" presetClass="entr" presetSubtype="0" fill="hold" grpId="0" nodeType="withEffect">
-                                  <p:stCondLst>
-                                    <p:cond delay="0"/>
-                                  </p:stCondLst>
-                                  <p:childTnLst>
-                                    <p:set>
-                                      <p:cBhvr>
-                                        <p:cTn id="148" dur="1" fill="hold">
-                                          <p:stCondLst>
-                                            <p:cond delay="0"/>
-                                          </p:stCondLst>
-                                        </p:cTn>
-                                        <p:tgtEl>
-                                          <p:spTgt spid="77"/>
-                                        </p:tgtEl>
-                                        <p:attrNameLst>
-                                          <p:attrName>style.visibility</p:attrName>
-                                        </p:attrNameLst>
-                                      </p:cBhvr>
-                                      <p:to>
-                                        <p:strVal val="visible"/>
-                                      </p:to>
-                                    </p:set>
-                                  </p:childTnLst>
-                                </p:cTn>
-                              </p:par>
-                              <p:par>
-                                <p:cTn id="149" presetID="1" presetClass="entr" presetSubtype="0" fill="hold" grpId="0" nodeType="withEffect">
-                                  <p:stCondLst>
-                                    <p:cond delay="0"/>
-                                  </p:stCondLst>
-                                  <p:childTnLst>
-                                    <p:set>
-                                      <p:cBhvr>
-                                        <p:cTn id="150" dur="1" fill="hold">
-                                          <p:stCondLst>
-                                            <p:cond delay="0"/>
-                                          </p:stCondLst>
-                                        </p:cTn>
-                                        <p:tgtEl>
-                                          <p:spTgt spid="78"/>
-                                        </p:tgtEl>
-                                        <p:attrNameLst>
-                                          <p:attrName>style.visibility</p:attrName>
-                                        </p:attrNameLst>
-                                      </p:cBhvr>
-                                      <p:to>
-                                        <p:strVal val="visible"/>
-                                      </p:to>
-                                    </p:set>
-                                  </p:childTnLst>
-                                </p:cTn>
-                              </p:par>
-                              <p:par>
-                                <p:cTn id="151" presetID="1" presetClass="entr" presetSubtype="0" fill="hold" grpId="0" nodeType="withEffect">
-                                  <p:stCondLst>
-                                    <p:cond delay="0"/>
-                                  </p:stCondLst>
-                                  <p:childTnLst>
-                                    <p:set>
-                                      <p:cBhvr>
-                                        <p:cTn id="152" dur="1" fill="hold">
-                                          <p:stCondLst>
-                                            <p:cond delay="0"/>
-                                          </p:stCondLst>
-                                        </p:cTn>
-                                        <p:tgtEl>
-                                          <p:spTgt spid="79"/>
-                                        </p:tgtEl>
-                                        <p:attrNameLst>
-                                          <p:attrName>style.visibility</p:attrName>
-                                        </p:attrNameLst>
-                                      </p:cBhvr>
-                                      <p:to>
-                                        <p:strVal val="visible"/>
-                                      </p:to>
-                                    </p:set>
-                                  </p:childTnLst>
-                                </p:cTn>
-                              </p:par>
-                              <p:par>
-                                <p:cTn id="153" presetID="1" presetClass="entr" presetSubtype="0" fill="hold" grpId="0" nodeType="withEffect">
-                                  <p:stCondLst>
-                                    <p:cond delay="0"/>
-                                  </p:stCondLst>
-                                  <p:childTnLst>
-                                    <p:set>
-                                      <p:cBhvr>
-                                        <p:cTn id="154" dur="1" fill="hold">
-                                          <p:stCondLst>
-                                            <p:cond delay="0"/>
-                                          </p:stCondLst>
-                                        </p:cTn>
-                                        <p:tgtEl>
-                                          <p:spTgt spid="80"/>
-                                        </p:tgtEl>
-                                        <p:attrNameLst>
-                                          <p:attrName>style.visibility</p:attrName>
-                                        </p:attrNameLst>
-                                      </p:cBhvr>
-                                      <p:to>
-                                        <p:strVal val="visible"/>
-                                      </p:to>
-                                    </p:set>
-                                  </p:childTnLst>
-                                </p:cTn>
-                              </p:par>
-                              <p:par>
-                                <p:cTn id="155" presetID="1" presetClass="entr" presetSubtype="0" fill="hold" grpId="0" nodeType="withEffect">
-                                  <p:stCondLst>
-                                    <p:cond delay="0"/>
-                                  </p:stCondLst>
-                                  <p:childTnLst>
-                                    <p:set>
-                                      <p:cBhvr>
-                                        <p:cTn id="156" dur="1" fill="hold">
-                                          <p:stCondLst>
-                                            <p:cond delay="0"/>
-                                          </p:stCondLst>
-                                        </p:cTn>
-                                        <p:tgtEl>
-                                          <p:spTgt spid="82"/>
-                                        </p:tgtEl>
-                                        <p:attrNameLst>
-                                          <p:attrName>style.visibility</p:attrName>
-                                        </p:attrNameLst>
-                                      </p:cBhvr>
-                                      <p:to>
-                                        <p:strVal val="visible"/>
-                                      </p:to>
-                                    </p:set>
-                                  </p:childTnLst>
-                                </p:cTn>
-                              </p:par>
-                              <p:par>
-                                <p:cTn id="157" presetID="1" presetClass="entr" presetSubtype="0" fill="hold" grpId="0" nodeType="withEffect">
-                                  <p:stCondLst>
-                                    <p:cond delay="0"/>
-                                  </p:stCondLst>
-                                  <p:childTnLst>
-                                    <p:set>
-                                      <p:cBhvr>
-                                        <p:cTn id="158" dur="1" fill="hold">
-                                          <p:stCondLst>
-                                            <p:cond delay="0"/>
-                                          </p:stCondLst>
-                                        </p:cTn>
-                                        <p:tgtEl>
-                                          <p:spTgt spid="83"/>
-                                        </p:tgtEl>
-                                        <p:attrNameLst>
-                                          <p:attrName>style.visibility</p:attrName>
-                                        </p:attrNameLst>
-                                      </p:cBhvr>
-                                      <p:to>
-                                        <p:strVal val="visible"/>
-                                      </p:to>
-                                    </p:set>
-                                  </p:childTnLst>
-                                </p:cTn>
-                              </p:par>
-                              <p:par>
-                                <p:cTn id="159" presetID="1" presetClass="entr" presetSubtype="0" fill="hold" grpId="0" nodeType="withEffect">
-                                  <p:stCondLst>
-                                    <p:cond delay="0"/>
-                                  </p:stCondLst>
-                                  <p:childTnLst>
-                                    <p:set>
-                                      <p:cBhvr>
-                                        <p:cTn id="160" dur="1" fill="hold">
-                                          <p:stCondLst>
-                                            <p:cond delay="0"/>
-                                          </p:stCondLst>
-                                        </p:cTn>
-                                        <p:tgtEl>
-                                          <p:spTgt spid="84"/>
-                                        </p:tgtEl>
-                                        <p:attrNameLst>
-                                          <p:attrName>style.visibility</p:attrName>
-                                        </p:attrNameLst>
-                                      </p:cBhvr>
-                                      <p:to>
-                                        <p:strVal val="visible"/>
-                                      </p:to>
-                                    </p:set>
-                                  </p:childTnLst>
-                                </p:cTn>
-                              </p:par>
-                              <p:par>
-                                <p:cTn id="161" presetID="1" presetClass="entr" presetSubtype="0" fill="hold" grpId="0" nodeType="withEffect">
-                                  <p:stCondLst>
-                                    <p:cond delay="0"/>
-                                  </p:stCondLst>
-                                  <p:childTnLst>
-                                    <p:set>
-                                      <p:cBhvr>
-                                        <p:cTn id="162" dur="1" fill="hold">
-                                          <p:stCondLst>
-                                            <p:cond delay="0"/>
-                                          </p:stCondLst>
-                                        </p:cTn>
-                                        <p:tgtEl>
-                                          <p:spTgt spid="85"/>
-                                        </p:tgtEl>
-                                        <p:attrNameLst>
-                                          <p:attrName>style.visibility</p:attrName>
-                                        </p:attrNameLst>
-                                      </p:cBhvr>
-                                      <p:to>
-                                        <p:strVal val="visible"/>
-                                      </p:to>
-                                    </p:set>
-                                  </p:childTnLst>
-                                </p:cTn>
-                              </p:par>
-                              <p:par>
-                                <p:cTn id="163" presetID="1" presetClass="entr" presetSubtype="0" fill="hold" grpId="0" nodeType="withEffect">
-                                  <p:stCondLst>
-                                    <p:cond delay="0"/>
-                                  </p:stCondLst>
-                                  <p:childTnLst>
-                                    <p:set>
-                                      <p:cBhvr>
-                                        <p:cTn id="164" dur="1" fill="hold">
-                                          <p:stCondLst>
-                                            <p:cond delay="0"/>
-                                          </p:stCondLst>
-                                        </p:cTn>
-                                        <p:tgtEl>
-                                          <p:spTgt spid="86"/>
-                                        </p:tgtEl>
-                                        <p:attrNameLst>
-                                          <p:attrName>style.visibility</p:attrName>
-                                        </p:attrNameLst>
-                                      </p:cBhvr>
-                                      <p:to>
-                                        <p:strVal val="visible"/>
-                                      </p:to>
-                                    </p:set>
-                                  </p:childTnLst>
-                                </p:cTn>
-                              </p:par>
-                              <p:par>
-                                <p:cTn id="165" presetID="1" presetClass="entr" presetSubtype="0" fill="hold" grpId="0" nodeType="withEffect">
-                                  <p:stCondLst>
-                                    <p:cond delay="0"/>
-                                  </p:stCondLst>
-                                  <p:childTnLst>
-                                    <p:set>
-                                      <p:cBhvr>
-                                        <p:cTn id="166" dur="1" fill="hold">
-                                          <p:stCondLst>
-                                            <p:cond delay="0"/>
-                                          </p:stCondLst>
-                                        </p:cTn>
-                                        <p:tgtEl>
-                                          <p:spTgt spid="87"/>
-                                        </p:tgtEl>
-                                        <p:attrNameLst>
-                                          <p:attrName>style.visibility</p:attrName>
-                                        </p:attrNameLst>
-                                      </p:cBhvr>
-                                      <p:to>
-                                        <p:strVal val="visible"/>
-                                      </p:to>
-                                    </p:set>
-                                  </p:childTnLst>
-                                </p:cTn>
-                              </p:par>
-                              <p:par>
-                                <p:cTn id="167" presetID="1" presetClass="entr" presetSubtype="0" fill="hold" grpId="0" nodeType="withEffect">
-                                  <p:stCondLst>
-                                    <p:cond delay="0"/>
-                                  </p:stCondLst>
-                                  <p:childTnLst>
-                                    <p:set>
-                                      <p:cBhvr>
-                                        <p:cTn id="168" dur="1" fill="hold">
-                                          <p:stCondLst>
-                                            <p:cond delay="0"/>
-                                          </p:stCondLst>
-                                        </p:cTn>
-                                        <p:tgtEl>
-                                          <p:spTgt spid="88"/>
-                                        </p:tgtEl>
-                                        <p:attrNameLst>
-                                          <p:attrName>style.visibility</p:attrName>
-                                        </p:attrNameLst>
-                                      </p:cBhvr>
-                                      <p:to>
-                                        <p:strVal val="visible"/>
-                                      </p:to>
-                                    </p:set>
-                                  </p:childTnLst>
-                                </p:cTn>
-                              </p:par>
-                              <p:par>
-                                <p:cTn id="169" presetID="1" presetClass="entr" presetSubtype="0" fill="hold" grpId="0" nodeType="withEffect">
-                                  <p:stCondLst>
-                                    <p:cond delay="0"/>
-                                  </p:stCondLst>
-                                  <p:childTnLst>
-                                    <p:set>
-                                      <p:cBhvr>
-                                        <p:cTn id="170" dur="1" fill="hold">
-                                          <p:stCondLst>
-                                            <p:cond delay="0"/>
-                                          </p:stCondLst>
-                                        </p:cTn>
-                                        <p:tgtEl>
-                                          <p:spTgt spid="89"/>
-                                        </p:tgtEl>
-                                        <p:attrNameLst>
-                                          <p:attrName>style.visibility</p:attrName>
-                                        </p:attrNameLst>
-                                      </p:cBhvr>
-                                      <p:to>
-                                        <p:strVal val="visible"/>
-                                      </p:to>
-                                    </p:set>
-                                  </p:childTnLst>
-                                </p:cTn>
-                              </p:par>
-                              <p:par>
-                                <p:cTn id="171" presetID="1" presetClass="entr" presetSubtype="0" fill="hold" grpId="0" nodeType="withEffect">
-                                  <p:stCondLst>
-                                    <p:cond delay="0"/>
-                                  </p:stCondLst>
-                                  <p:childTnLst>
-                                    <p:set>
-                                      <p:cBhvr>
-                                        <p:cTn id="172" dur="1" fill="hold">
-                                          <p:stCondLst>
-                                            <p:cond delay="0"/>
-                                          </p:stCondLst>
-                                        </p:cTn>
-                                        <p:tgtEl>
-                                          <p:spTgt spid="90"/>
-                                        </p:tgtEl>
-                                        <p:attrNameLst>
-                                          <p:attrName>style.visibility</p:attrName>
-                                        </p:attrNameLst>
-                                      </p:cBhvr>
-                                      <p:to>
-                                        <p:strVal val="visible"/>
-                                      </p:to>
-                                    </p:set>
-                                  </p:childTnLst>
-                                </p:cTn>
-                              </p:par>
-                              <p:par>
-                                <p:cTn id="173" presetID="1" presetClass="entr" presetSubtype="0" fill="hold" grpId="0" nodeType="withEffect">
-                                  <p:stCondLst>
-                                    <p:cond delay="0"/>
-                                  </p:stCondLst>
-                                  <p:childTnLst>
-                                    <p:set>
-                                      <p:cBhvr>
-                                        <p:cTn id="174" dur="1" fill="hold">
-                                          <p:stCondLst>
-                                            <p:cond delay="0"/>
-                                          </p:stCondLst>
-                                        </p:cTn>
-                                        <p:tgtEl>
-                                          <p:spTgt spid="91"/>
-                                        </p:tgtEl>
-                                        <p:attrNameLst>
-                                          <p:attrName>style.visibility</p:attrName>
-                                        </p:attrNameLst>
-                                      </p:cBhvr>
-                                      <p:to>
-                                        <p:strVal val="visible"/>
-                                      </p:to>
-                                    </p:set>
-                                  </p:childTnLst>
-                                </p:cTn>
-                              </p:par>
-                              <p:par>
-                                <p:cTn id="175" presetID="1" presetClass="entr" presetSubtype="0" fill="hold" grpId="0" nodeType="withEffect">
-                                  <p:stCondLst>
-                                    <p:cond delay="0"/>
-                                  </p:stCondLst>
-                                  <p:childTnLst>
-                                    <p:set>
-                                      <p:cBhvr>
-                                        <p:cTn id="176" dur="1" fill="hold">
-                                          <p:stCondLst>
-                                            <p:cond delay="0"/>
-                                          </p:stCondLst>
-                                        </p:cTn>
-                                        <p:tgtEl>
-                                          <p:spTgt spid="92"/>
-                                        </p:tgtEl>
-                                        <p:attrNameLst>
-                                          <p:attrName>style.visibility</p:attrName>
-                                        </p:attrNameLst>
-                                      </p:cBhvr>
-                                      <p:to>
-                                        <p:strVal val="visible"/>
-                                      </p:to>
-                                    </p:set>
-                                  </p:childTnLst>
-                                </p:cTn>
-                              </p:par>
-                              <p:par>
-                                <p:cTn id="177" presetID="1" presetClass="entr" presetSubtype="0" fill="hold" grpId="0" nodeType="withEffect">
-                                  <p:stCondLst>
-                                    <p:cond delay="0"/>
-                                  </p:stCondLst>
-                                  <p:childTnLst>
-                                    <p:set>
-                                      <p:cBhvr>
-                                        <p:cTn id="178" dur="1" fill="hold">
-                                          <p:stCondLst>
-                                            <p:cond delay="0"/>
-                                          </p:stCondLst>
-                                        </p:cTn>
-                                        <p:tgtEl>
-                                          <p:spTgt spid="93"/>
-                                        </p:tgtEl>
-                                        <p:attrNameLst>
-                                          <p:attrName>style.visibility</p:attrName>
-                                        </p:attrNameLst>
-                                      </p:cBhvr>
-                                      <p:to>
-                                        <p:strVal val="visible"/>
-                                      </p:to>
-                                    </p:set>
-                                  </p:childTnLst>
-                                </p:cTn>
-                              </p:par>
-                              <p:par>
-                                <p:cTn id="179" presetID="1" presetClass="entr" presetSubtype="0" fill="hold" grpId="0" nodeType="withEffect">
-                                  <p:stCondLst>
-                                    <p:cond delay="0"/>
-                                  </p:stCondLst>
-                                  <p:childTnLst>
-                                    <p:set>
-                                      <p:cBhvr>
-                                        <p:cTn id="180" dur="1" fill="hold">
-                                          <p:stCondLst>
-                                            <p:cond delay="0"/>
-                                          </p:stCondLst>
-                                        </p:cTn>
-                                        <p:tgtEl>
-                                          <p:spTgt spid="94"/>
-                                        </p:tgtEl>
-                                        <p:attrNameLst>
-                                          <p:attrName>style.visibility</p:attrName>
-                                        </p:attrNameLst>
-                                      </p:cBhvr>
-                                      <p:to>
-                                        <p:strVal val="visible"/>
-                                      </p:to>
-                                    </p:set>
-                                  </p:childTnLst>
-                                </p:cTn>
-                              </p:par>
-                              <p:par>
-                                <p:cTn id="181" presetID="1" presetClass="entr" presetSubtype="0" fill="hold" grpId="0" nodeType="withEffect">
-                                  <p:stCondLst>
-                                    <p:cond delay="0"/>
-                                  </p:stCondLst>
-                                  <p:childTnLst>
-                                    <p:set>
-                                      <p:cBhvr>
-                                        <p:cTn id="182" dur="1" fill="hold">
-                                          <p:stCondLst>
-                                            <p:cond delay="0"/>
-                                          </p:stCondLst>
-                                        </p:cTn>
-                                        <p:tgtEl>
-                                          <p:spTgt spid="95"/>
-                                        </p:tgtEl>
-                                        <p:attrNameLst>
-                                          <p:attrName>style.visibility</p:attrName>
-                                        </p:attrNameLst>
-                                      </p:cBhvr>
-                                      <p:to>
-                                        <p:strVal val="visible"/>
-                                      </p:to>
-                                    </p:set>
-                                  </p:childTnLst>
-                                </p:cTn>
-                              </p:par>
-                              <p:par>
-                                <p:cTn id="183" presetID="1" presetClass="entr" presetSubtype="0" fill="hold" grpId="0" nodeType="withEffect">
-                                  <p:stCondLst>
-                                    <p:cond delay="0"/>
-                                  </p:stCondLst>
-                                  <p:childTnLst>
-                                    <p:set>
-                                      <p:cBhvr>
-                                        <p:cTn id="184" dur="1" fill="hold">
-                                          <p:stCondLst>
-                                            <p:cond delay="0"/>
-                                          </p:stCondLst>
-                                        </p:cTn>
-                                        <p:tgtEl>
-                                          <p:spTgt spid="106"/>
-                                        </p:tgtEl>
-                                        <p:attrNameLst>
-                                          <p:attrName>style.visibility</p:attrName>
-                                        </p:attrNameLst>
-                                      </p:cBhvr>
-                                      <p:to>
-                                        <p:strVal val="visible"/>
-                                      </p:to>
-                                    </p:set>
-                                  </p:childTnLst>
-                                </p:cTn>
-                              </p:par>
-                              <p:par>
-                                <p:cTn id="185" presetID="1" presetClass="entr" presetSubtype="0" fill="hold" grpId="0" nodeType="withEffect">
-                                  <p:stCondLst>
-                                    <p:cond delay="0"/>
-                                  </p:stCondLst>
-                                  <p:childTnLst>
-                                    <p:set>
-                                      <p:cBhvr>
-                                        <p:cTn id="186" dur="1" fill="hold">
-                                          <p:stCondLst>
-                                            <p:cond delay="0"/>
-                                          </p:stCondLst>
-                                        </p:cTn>
-                                        <p:tgtEl>
-                                          <p:spTgt spid="110"/>
-                                        </p:tgtEl>
-                                        <p:attrNameLst>
-                                          <p:attrName>style.visibility</p:attrName>
-                                        </p:attrNameLst>
-                                      </p:cBhvr>
-                                      <p:to>
-                                        <p:strVal val="visible"/>
-                                      </p:to>
-                                    </p:set>
-                                  </p:childTnLst>
-                                </p:cTn>
-                              </p:par>
-                              <p:par>
-                                <p:cTn id="187" presetID="1" presetClass="entr" presetSubtype="0" fill="hold" grpId="0" nodeType="withEffect">
-                                  <p:stCondLst>
-                                    <p:cond delay="0"/>
-                                  </p:stCondLst>
-                                  <p:childTnLst>
-                                    <p:set>
-                                      <p:cBhvr>
-                                        <p:cTn id="188" dur="1" fill="hold">
-                                          <p:stCondLst>
-                                            <p:cond delay="0"/>
-                                          </p:stCondLst>
-                                        </p:cTn>
-                                        <p:tgtEl>
-                                          <p:spTgt spid="111"/>
-                                        </p:tgtEl>
-                                        <p:attrNameLst>
-                                          <p:attrName>style.visibility</p:attrName>
-                                        </p:attrNameLst>
-                                      </p:cBhvr>
-                                      <p:to>
-                                        <p:strVal val="visible"/>
-                                      </p:to>
-                                    </p:set>
-                                  </p:childTnLst>
-                                </p:cTn>
-                              </p:par>
-                              <p:par>
-                                <p:cTn id="189" presetID="1" presetClass="entr" presetSubtype="0" fill="hold" grpId="0" nodeType="withEffect">
-                                  <p:stCondLst>
-                                    <p:cond delay="0"/>
-                                  </p:stCondLst>
-                                  <p:childTnLst>
-                                    <p:set>
-                                      <p:cBhvr>
-                                        <p:cTn id="190" dur="1" fill="hold">
-                                          <p:stCondLst>
-                                            <p:cond delay="0"/>
-                                          </p:stCondLst>
-                                        </p:cTn>
-                                        <p:tgtEl>
-                                          <p:spTgt spid="112"/>
-                                        </p:tgtEl>
-                                        <p:attrNameLst>
-                                          <p:attrName>style.visibility</p:attrName>
-                                        </p:attrNameLst>
-                                      </p:cBhvr>
-                                      <p:to>
-                                        <p:strVal val="visible"/>
-                                      </p:to>
-                                    </p:set>
-                                  </p:childTnLst>
-                                </p:cTn>
-                              </p:par>
-                              <p:par>
-                                <p:cTn id="191" presetID="1" presetClass="entr" presetSubtype="0" fill="hold" grpId="0" nodeType="withEffect">
-                                  <p:stCondLst>
-                                    <p:cond delay="0"/>
-                                  </p:stCondLst>
-                                  <p:childTnLst>
-                                    <p:set>
-                                      <p:cBhvr>
-                                        <p:cTn id="192" dur="1" fill="hold">
-                                          <p:stCondLst>
-                                            <p:cond delay="0"/>
-                                          </p:stCondLst>
-                                        </p:cTn>
-                                        <p:tgtEl>
-                                          <p:spTgt spid="113"/>
-                                        </p:tgtEl>
-                                        <p:attrNameLst>
-                                          <p:attrName>style.visibility</p:attrName>
-                                        </p:attrNameLst>
-                                      </p:cBhvr>
-                                      <p:to>
-                                        <p:strVal val="visible"/>
-                                      </p:to>
-                                    </p:set>
-                                  </p:childTnLst>
-                                </p:cTn>
-                              </p:par>
-                              <p:par>
-                                <p:cTn id="193" presetID="1" presetClass="entr" presetSubtype="0" fill="hold" grpId="0" nodeType="withEffect">
-                                  <p:stCondLst>
-                                    <p:cond delay="0"/>
-                                  </p:stCondLst>
-                                  <p:childTnLst>
-                                    <p:set>
-                                      <p:cBhvr>
-                                        <p:cTn id="194" dur="1" fill="hold">
-                                          <p:stCondLst>
-                                            <p:cond delay="0"/>
-                                          </p:stCondLst>
-                                        </p:cTn>
-                                        <p:tgtEl>
-                                          <p:spTgt spid="114"/>
-                                        </p:tgtEl>
-                                        <p:attrNameLst>
-                                          <p:attrName>style.visibility</p:attrName>
-                                        </p:attrNameLst>
-                                      </p:cBhvr>
-                                      <p:to>
-                                        <p:strVal val="visible"/>
-                                      </p:to>
-                                    </p:set>
-                                  </p:childTnLst>
-                                </p:cTn>
-                              </p:par>
-                              <p:par>
-                                <p:cTn id="195" presetID="1" presetClass="entr" presetSubtype="0" fill="hold" grpId="0" nodeType="withEffect">
-                                  <p:stCondLst>
-                                    <p:cond delay="0"/>
-                                  </p:stCondLst>
-                                  <p:childTnLst>
-                                    <p:set>
-                                      <p:cBhvr>
-                                        <p:cTn id="196" dur="1" fill="hold">
-                                          <p:stCondLst>
-                                            <p:cond delay="0"/>
-                                          </p:stCondLst>
-                                        </p:cTn>
-                                        <p:tgtEl>
-                                          <p:spTgt spid="115"/>
-                                        </p:tgtEl>
-                                        <p:attrNameLst>
-                                          <p:attrName>style.visibility</p:attrName>
-                                        </p:attrNameLst>
-                                      </p:cBhvr>
-                                      <p:to>
-                                        <p:strVal val="visible"/>
-                                      </p:to>
-                                    </p:set>
-                                  </p:childTnLst>
-                                </p:cTn>
-                              </p:par>
-                              <p:par>
-                                <p:cTn id="197" presetID="1" presetClass="entr" presetSubtype="0" fill="hold" grpId="0" nodeType="withEffect">
-                                  <p:stCondLst>
-                                    <p:cond delay="0"/>
-                                  </p:stCondLst>
-                                  <p:childTnLst>
-                                    <p:set>
-                                      <p:cBhvr>
-                                        <p:cTn id="198" dur="1" fill="hold">
-                                          <p:stCondLst>
-                                            <p:cond delay="0"/>
-                                          </p:stCondLst>
-                                        </p:cTn>
-                                        <p:tgtEl>
-                                          <p:spTgt spid="116"/>
-                                        </p:tgtEl>
-                                        <p:attrNameLst>
-                                          <p:attrName>style.visibility</p:attrName>
-                                        </p:attrNameLst>
-                                      </p:cBhvr>
-                                      <p:to>
-                                        <p:strVal val="visible"/>
-                                      </p:to>
-                                    </p:set>
-                                  </p:childTnLst>
-                                </p:cTn>
-                              </p:par>
-                              <p:par>
-                                <p:cTn id="199" presetID="1" presetClass="entr" presetSubtype="0" fill="hold" grpId="0" nodeType="withEffect">
-                                  <p:stCondLst>
-                                    <p:cond delay="0"/>
-                                  </p:stCondLst>
-                                  <p:childTnLst>
-                                    <p:set>
-                                      <p:cBhvr>
-                                        <p:cTn id="200" dur="1" fill="hold">
-                                          <p:stCondLst>
-                                            <p:cond delay="0"/>
-                                          </p:stCondLst>
-                                        </p:cTn>
-                                        <p:tgtEl>
-                                          <p:spTgt spid="118"/>
-                                        </p:tgtEl>
-                                        <p:attrNameLst>
-                                          <p:attrName>style.visibility</p:attrName>
-                                        </p:attrNameLst>
-                                      </p:cBhvr>
-                                      <p:to>
-                                        <p:strVal val="visible"/>
-                                      </p:to>
-                                    </p:set>
-                                  </p:childTnLst>
-                                </p:cTn>
-                              </p:par>
-                              <p:par>
-                                <p:cTn id="201" presetID="1" presetClass="entr" presetSubtype="0" fill="hold" grpId="0" nodeType="withEffect">
-                                  <p:stCondLst>
-                                    <p:cond delay="0"/>
-                                  </p:stCondLst>
-                                  <p:childTnLst>
-                                    <p:set>
-                                      <p:cBhvr>
-                                        <p:cTn id="202" dur="1" fill="hold">
-                                          <p:stCondLst>
-                                            <p:cond delay="0"/>
-                                          </p:stCondLst>
-                                        </p:cTn>
-                                        <p:tgtEl>
-                                          <p:spTgt spid="119"/>
-                                        </p:tgtEl>
-                                        <p:attrNameLst>
-                                          <p:attrName>style.visibility</p:attrName>
-                                        </p:attrNameLst>
-                                      </p:cBhvr>
-                                      <p:to>
-                                        <p:strVal val="visible"/>
-                                      </p:to>
-                                    </p:set>
-                                  </p:childTnLst>
-                                </p:cTn>
-                              </p:par>
-                              <p:par>
-                                <p:cTn id="203" presetID="1" presetClass="entr" presetSubtype="0" fill="hold" grpId="0" nodeType="withEffect">
-                                  <p:stCondLst>
-                                    <p:cond delay="0"/>
-                                  </p:stCondLst>
-                                  <p:childTnLst>
-                                    <p:set>
-                                      <p:cBhvr>
-                                        <p:cTn id="204" dur="1" fill="hold">
-                                          <p:stCondLst>
-                                            <p:cond delay="0"/>
-                                          </p:stCondLst>
-                                        </p:cTn>
-                                        <p:tgtEl>
-                                          <p:spTgt spid="120"/>
-                                        </p:tgtEl>
-                                        <p:attrNameLst>
-                                          <p:attrName>style.visibility</p:attrName>
-                                        </p:attrNameLst>
-                                      </p:cBhvr>
-                                      <p:to>
-                                        <p:strVal val="visible"/>
-                                      </p:to>
-                                    </p:set>
-                                  </p:childTnLst>
-                                </p:cTn>
-                              </p:par>
-                              <p:par>
-                                <p:cTn id="205" presetID="1" presetClass="entr" presetSubtype="0" fill="hold" grpId="0" nodeType="withEffect">
-                                  <p:stCondLst>
-                                    <p:cond delay="0"/>
-                                  </p:stCondLst>
-                                  <p:childTnLst>
-                                    <p:set>
-                                      <p:cBhvr>
-                                        <p:cTn id="206" dur="1" fill="hold">
-                                          <p:stCondLst>
-                                            <p:cond delay="0"/>
-                                          </p:stCondLst>
-                                        </p:cTn>
-                                        <p:tgtEl>
-                                          <p:spTgt spid="121"/>
-                                        </p:tgtEl>
-                                        <p:attrNameLst>
-                                          <p:attrName>style.visibility</p:attrName>
-                                        </p:attrNameLst>
-                                      </p:cBhvr>
-                                      <p:to>
-                                        <p:strVal val="visible"/>
-                                      </p:to>
-                                    </p:set>
-                                  </p:childTnLst>
-                                </p:cTn>
-                              </p:par>
-                              <p:par>
-                                <p:cTn id="207" presetID="1" presetClass="entr" presetSubtype="0" fill="hold" grpId="0" nodeType="withEffect">
-                                  <p:stCondLst>
-                                    <p:cond delay="0"/>
-                                  </p:stCondLst>
-                                  <p:childTnLst>
-                                    <p:set>
-                                      <p:cBhvr>
-                                        <p:cTn id="208" dur="1" fill="hold">
-                                          <p:stCondLst>
-                                            <p:cond delay="0"/>
-                                          </p:stCondLst>
-                                        </p:cTn>
-                                        <p:tgtEl>
-                                          <p:spTgt spid="122"/>
-                                        </p:tgtEl>
-                                        <p:attrNameLst>
-                                          <p:attrName>style.visibility</p:attrName>
-                                        </p:attrNameLst>
-                                      </p:cBhvr>
-                                      <p:to>
-                                        <p:strVal val="visible"/>
-                                      </p:to>
-                                    </p:set>
-                                  </p:childTnLst>
-                                </p:cTn>
-                              </p:par>
-                              <p:par>
-                                <p:cTn id="209" presetID="1" presetClass="entr" presetSubtype="0" fill="hold" grpId="0" nodeType="withEffect">
-                                  <p:stCondLst>
-                                    <p:cond delay="0"/>
-                                  </p:stCondLst>
-                                  <p:childTnLst>
-                                    <p:set>
-                                      <p:cBhvr>
-                                        <p:cTn id="210" dur="1" fill="hold">
-                                          <p:stCondLst>
-                                            <p:cond delay="0"/>
-                                          </p:stCondLst>
-                                        </p:cTn>
-                                        <p:tgtEl>
-                                          <p:spTgt spid="123"/>
-                                        </p:tgtEl>
-                                        <p:attrNameLst>
-                                          <p:attrName>style.visibility</p:attrName>
-                                        </p:attrNameLst>
-                                      </p:cBhvr>
-                                      <p:to>
-                                        <p:strVal val="visible"/>
-                                      </p:to>
-                                    </p:set>
-                                  </p:childTnLst>
-                                </p:cTn>
-                              </p:par>
-                              <p:par>
-                                <p:cTn id="211" presetID="1" presetClass="entr" presetSubtype="0" fill="hold" grpId="0" nodeType="withEffect">
-                                  <p:stCondLst>
-                                    <p:cond delay="0"/>
-                                  </p:stCondLst>
-                                  <p:childTnLst>
-                                    <p:set>
-                                      <p:cBhvr>
-                                        <p:cTn id="212" dur="1" fill="hold">
-                                          <p:stCondLst>
-                                            <p:cond delay="0"/>
-                                          </p:stCondLst>
-                                        </p:cTn>
-                                        <p:tgtEl>
-                                          <p:spTgt spid="124"/>
-                                        </p:tgtEl>
-                                        <p:attrNameLst>
-                                          <p:attrName>style.visibility</p:attrName>
-                                        </p:attrNameLst>
-                                      </p:cBhvr>
-                                      <p:to>
-                                        <p:strVal val="visible"/>
-                                      </p:to>
-                                    </p:set>
-                                  </p:childTnLst>
-                                </p:cTn>
-                              </p:par>
-                              <p:par>
-                                <p:cTn id="213" presetID="1" presetClass="entr" presetSubtype="0" fill="hold" grpId="0" nodeType="withEffect">
-                                  <p:stCondLst>
-                                    <p:cond delay="0"/>
-                                  </p:stCondLst>
-                                  <p:childTnLst>
-                                    <p:set>
-                                      <p:cBhvr>
-                                        <p:cTn id="214" dur="1" fill="hold">
-                                          <p:stCondLst>
-                                            <p:cond delay="0"/>
-                                          </p:stCondLst>
-                                        </p:cTn>
-                                        <p:tgtEl>
-                                          <p:spTgt spid="127"/>
-                                        </p:tgtEl>
-                                        <p:attrNameLst>
-                                          <p:attrName>style.visibility</p:attrName>
-                                        </p:attrNameLst>
-                                      </p:cBhvr>
-                                      <p:to>
-                                        <p:strVal val="visible"/>
-                                      </p:to>
-                                    </p:set>
-                                  </p:childTnLst>
-                                </p:cTn>
-                              </p:par>
-                              <p:par>
-                                <p:cTn id="215" presetID="1" presetClass="entr" presetSubtype="0" fill="hold" grpId="0" nodeType="withEffect">
-                                  <p:stCondLst>
-                                    <p:cond delay="0"/>
-                                  </p:stCondLst>
-                                  <p:childTnLst>
-                                    <p:set>
-                                      <p:cBhvr>
-                                        <p:cTn id="216" dur="1" fill="hold">
-                                          <p:stCondLst>
-                                            <p:cond delay="0"/>
-                                          </p:stCondLst>
-                                        </p:cTn>
-                                        <p:tgtEl>
-                                          <p:spTgt spid="128"/>
-                                        </p:tgtEl>
-                                        <p:attrNameLst>
-                                          <p:attrName>style.visibility</p:attrName>
-                                        </p:attrNameLst>
-                                      </p:cBhvr>
-                                      <p:to>
-                                        <p:strVal val="visible"/>
-                                      </p:to>
-                                    </p:set>
-                                  </p:childTnLst>
-                                </p:cTn>
-                              </p:par>
-                              <p:par>
-                                <p:cTn id="217" presetID="1" presetClass="entr" presetSubtype="0" fill="hold" grpId="0" nodeType="withEffect">
-                                  <p:stCondLst>
-                                    <p:cond delay="0"/>
-                                  </p:stCondLst>
-                                  <p:childTnLst>
-                                    <p:set>
-                                      <p:cBhvr>
-                                        <p:cTn id="218" dur="1" fill="hold">
-                                          <p:stCondLst>
-                                            <p:cond delay="0"/>
-                                          </p:stCondLst>
-                                        </p:cTn>
-                                        <p:tgtEl>
-                                          <p:spTgt spid="129"/>
-                                        </p:tgtEl>
-                                        <p:attrNameLst>
-                                          <p:attrName>style.visibility</p:attrName>
-                                        </p:attrNameLst>
-                                      </p:cBhvr>
-                                      <p:to>
-                                        <p:strVal val="visible"/>
-                                      </p:to>
-                                    </p:set>
-                                  </p:childTnLst>
-                                </p:cTn>
-                              </p:par>
-                              <p:par>
-                                <p:cTn id="219" presetID="1" presetClass="entr" presetSubtype="0" fill="hold" grpId="0" nodeType="withEffect">
-                                  <p:stCondLst>
-                                    <p:cond delay="0"/>
-                                  </p:stCondLst>
-                                  <p:childTnLst>
-                                    <p:set>
-                                      <p:cBhvr>
-                                        <p:cTn id="220" dur="1" fill="hold">
-                                          <p:stCondLst>
-                                            <p:cond delay="0"/>
-                                          </p:stCondLst>
-                                        </p:cTn>
-                                        <p:tgtEl>
-                                          <p:spTgt spid="130"/>
-                                        </p:tgtEl>
-                                        <p:attrNameLst>
-                                          <p:attrName>style.visibility</p:attrName>
-                                        </p:attrNameLst>
-                                      </p:cBhvr>
-                                      <p:to>
-                                        <p:strVal val="visible"/>
-                                      </p:to>
-                                    </p:set>
-                                  </p:childTnLst>
-                                </p:cTn>
-                              </p:par>
-                              <p:par>
-                                <p:cTn id="221" presetID="1" presetClass="entr" presetSubtype="0" fill="hold" grpId="0" nodeType="withEffect">
-                                  <p:stCondLst>
-                                    <p:cond delay="0"/>
-                                  </p:stCondLst>
-                                  <p:childTnLst>
-                                    <p:set>
-                                      <p:cBhvr>
-                                        <p:cTn id="222" dur="1" fill="hold">
-                                          <p:stCondLst>
-                                            <p:cond delay="0"/>
-                                          </p:stCondLst>
-                                        </p:cTn>
-                                        <p:tgtEl>
-                                          <p:spTgt spid="131"/>
-                                        </p:tgtEl>
-                                        <p:attrNameLst>
-                                          <p:attrName>style.visibility</p:attrName>
-                                        </p:attrNameLst>
-                                      </p:cBhvr>
-                                      <p:to>
-                                        <p:strVal val="visible"/>
-                                      </p:to>
-                                    </p:set>
-                                  </p:childTnLst>
-                                </p:cTn>
-                              </p:par>
-                              <p:par>
-                                <p:cTn id="223" presetID="1" presetClass="entr" presetSubtype="0" fill="hold" grpId="0" nodeType="withEffect">
-                                  <p:stCondLst>
-                                    <p:cond delay="0"/>
-                                  </p:stCondLst>
-                                  <p:childTnLst>
-                                    <p:set>
-                                      <p:cBhvr>
-                                        <p:cTn id="224" dur="1" fill="hold">
-                                          <p:stCondLst>
-                                            <p:cond delay="0"/>
-                                          </p:stCondLst>
-                                        </p:cTn>
-                                        <p:tgtEl>
-                                          <p:spTgt spid="132"/>
-                                        </p:tgtEl>
-                                        <p:attrNameLst>
-                                          <p:attrName>style.visibility</p:attrName>
-                                        </p:attrNameLst>
-                                      </p:cBhvr>
-                                      <p:to>
-                                        <p:strVal val="visible"/>
-                                      </p:to>
-                                    </p:set>
-                                  </p:childTnLst>
-                                </p:cTn>
-                              </p:par>
-                              <p:par>
-                                <p:cTn id="225" presetID="1" presetClass="entr" presetSubtype="0" fill="hold" grpId="0" nodeType="withEffect">
-                                  <p:stCondLst>
-                                    <p:cond delay="0"/>
-                                  </p:stCondLst>
-                                  <p:childTnLst>
-                                    <p:set>
-                                      <p:cBhvr>
-                                        <p:cTn id="226" dur="1" fill="hold">
-                                          <p:stCondLst>
-                                            <p:cond delay="0"/>
-                                          </p:stCondLst>
-                                        </p:cTn>
-                                        <p:tgtEl>
-                                          <p:spTgt spid="133"/>
-                                        </p:tgtEl>
-                                        <p:attrNameLst>
-                                          <p:attrName>style.visibility</p:attrName>
-                                        </p:attrNameLst>
-                                      </p:cBhvr>
-                                      <p:to>
-                                        <p:strVal val="visible"/>
-                                      </p:to>
-                                    </p:set>
-                                  </p:childTnLst>
-                                </p:cTn>
-                              </p:par>
-                              <p:par>
-                                <p:cTn id="227" presetID="1" presetClass="entr" presetSubtype="0" fill="hold" grpId="0" nodeType="withEffect">
-                                  <p:stCondLst>
-                                    <p:cond delay="0"/>
-                                  </p:stCondLst>
-                                  <p:childTnLst>
-                                    <p:set>
-                                      <p:cBhvr>
-                                        <p:cTn id="228" dur="1" fill="hold">
-                                          <p:stCondLst>
-                                            <p:cond delay="0"/>
-                                          </p:stCondLst>
-                                        </p:cTn>
-                                        <p:tgtEl>
-                                          <p:spTgt spid="135"/>
-                                        </p:tgtEl>
-                                        <p:attrNameLst>
-                                          <p:attrName>style.visibility</p:attrName>
-                                        </p:attrNameLst>
-                                      </p:cBhvr>
-                                      <p:to>
-                                        <p:strVal val="visible"/>
-                                      </p:to>
-                                    </p:set>
-                                  </p:childTnLst>
-                                </p:cTn>
-                              </p:par>
-                              <p:par>
-                                <p:cTn id="229" presetID="1" presetClass="entr" presetSubtype="0" fill="hold" grpId="0" nodeType="withEffect">
-                                  <p:stCondLst>
-                                    <p:cond delay="0"/>
-                                  </p:stCondLst>
-                                  <p:childTnLst>
-                                    <p:set>
-                                      <p:cBhvr>
-                                        <p:cTn id="230" dur="1" fill="hold">
-                                          <p:stCondLst>
-                                            <p:cond delay="0"/>
-                                          </p:stCondLst>
-                                        </p:cTn>
-                                        <p:tgtEl>
-                                          <p:spTgt spid="136"/>
-                                        </p:tgtEl>
-                                        <p:attrNameLst>
-                                          <p:attrName>style.visibility</p:attrName>
-                                        </p:attrNameLst>
-                                      </p:cBhvr>
-                                      <p:to>
-                                        <p:strVal val="visible"/>
-                                      </p:to>
-                                    </p:set>
-                                  </p:childTnLst>
-                                </p:cTn>
-                              </p:par>
-                              <p:par>
-                                <p:cTn id="231" presetID="1" presetClass="entr" presetSubtype="0" fill="hold" grpId="0" nodeType="withEffect">
-                                  <p:stCondLst>
-                                    <p:cond delay="0"/>
-                                  </p:stCondLst>
-                                  <p:childTnLst>
-                                    <p:set>
-                                      <p:cBhvr>
-                                        <p:cTn id="232" dur="1" fill="hold">
-                                          <p:stCondLst>
-                                            <p:cond delay="0"/>
-                                          </p:stCondLst>
-                                        </p:cTn>
-                                        <p:tgtEl>
-                                          <p:spTgt spid="137"/>
-                                        </p:tgtEl>
-                                        <p:attrNameLst>
-                                          <p:attrName>style.visibility</p:attrName>
-                                        </p:attrNameLst>
-                                      </p:cBhvr>
-                                      <p:to>
-                                        <p:strVal val="visible"/>
-                                      </p:to>
-                                    </p:set>
-                                  </p:childTnLst>
-                                </p:cTn>
-                              </p:par>
-                              <p:par>
-                                <p:cTn id="233" presetID="1" presetClass="entr" presetSubtype="0" fill="hold" grpId="0" nodeType="withEffect">
-                                  <p:stCondLst>
-                                    <p:cond delay="0"/>
-                                  </p:stCondLst>
-                                  <p:childTnLst>
-                                    <p:set>
-                                      <p:cBhvr>
-                                        <p:cTn id="234" dur="1" fill="hold">
-                                          <p:stCondLst>
-                                            <p:cond delay="0"/>
-                                          </p:stCondLst>
-                                        </p:cTn>
-                                        <p:tgtEl>
-                                          <p:spTgt spid="138"/>
-                                        </p:tgtEl>
-                                        <p:attrNameLst>
-                                          <p:attrName>style.visibility</p:attrName>
-                                        </p:attrNameLst>
-                                      </p:cBhvr>
-                                      <p:to>
-                                        <p:strVal val="visible"/>
-                                      </p:to>
-                                    </p:set>
-                                  </p:childTnLst>
-                                </p:cTn>
-                              </p:par>
-                              <p:par>
-                                <p:cTn id="235" presetID="1" presetClass="entr" presetSubtype="0" fill="hold" grpId="0" nodeType="withEffect">
-                                  <p:stCondLst>
-                                    <p:cond delay="0"/>
-                                  </p:stCondLst>
-                                  <p:childTnLst>
-                                    <p:set>
-                                      <p:cBhvr>
-                                        <p:cTn id="236" dur="1" fill="hold">
-                                          <p:stCondLst>
-                                            <p:cond delay="0"/>
-                                          </p:stCondLst>
-                                        </p:cTn>
-                                        <p:tgtEl>
-                                          <p:spTgt spid="139"/>
-                                        </p:tgtEl>
-                                        <p:attrNameLst>
-                                          <p:attrName>style.visibility</p:attrName>
-                                        </p:attrNameLst>
-                                      </p:cBhvr>
-                                      <p:to>
-                                        <p:strVal val="visible"/>
-                                      </p:to>
-                                    </p:set>
-                                  </p:childTnLst>
-                                </p:cTn>
-                              </p:par>
-                              <p:par>
-                                <p:cTn id="237" presetID="1" presetClass="entr" presetSubtype="0" fill="hold" grpId="0" nodeType="withEffect">
-                                  <p:stCondLst>
-                                    <p:cond delay="0"/>
-                                  </p:stCondLst>
-                                  <p:childTnLst>
-                                    <p:set>
-                                      <p:cBhvr>
-                                        <p:cTn id="238" dur="1" fill="hold">
-                                          <p:stCondLst>
-                                            <p:cond delay="0"/>
-                                          </p:stCondLst>
-                                        </p:cTn>
-                                        <p:tgtEl>
-                                          <p:spTgt spid="140"/>
-                                        </p:tgtEl>
-                                        <p:attrNameLst>
-                                          <p:attrName>style.visibility</p:attrName>
-                                        </p:attrNameLst>
-                                      </p:cBhvr>
-                                      <p:to>
-                                        <p:strVal val="visible"/>
-                                      </p:to>
-                                    </p:set>
-                                  </p:childTnLst>
-                                </p:cTn>
-                              </p:par>
-                              <p:par>
-                                <p:cTn id="239" presetID="1" presetClass="entr" presetSubtype="0" fill="hold" grpId="0" nodeType="withEffect">
-                                  <p:stCondLst>
-                                    <p:cond delay="0"/>
-                                  </p:stCondLst>
-                                  <p:childTnLst>
-                                    <p:set>
-                                      <p:cBhvr>
-                                        <p:cTn id="240" dur="1" fill="hold">
-                                          <p:stCondLst>
-                                            <p:cond delay="0"/>
-                                          </p:stCondLst>
-                                        </p:cTn>
-                                        <p:tgtEl>
-                                          <p:spTgt spid="141"/>
-                                        </p:tgtEl>
-                                        <p:attrNameLst>
-                                          <p:attrName>style.visibility</p:attrName>
-                                        </p:attrNameLst>
-                                      </p:cBhvr>
-                                      <p:to>
-                                        <p:strVal val="visible"/>
-                                      </p:to>
-                                    </p:set>
-                                  </p:childTnLst>
-                                </p:cTn>
-                              </p:par>
-                              <p:par>
-                                <p:cTn id="241" presetID="1" presetClass="entr" presetSubtype="0" fill="hold" grpId="0" nodeType="withEffect">
-                                  <p:stCondLst>
-                                    <p:cond delay="0"/>
-                                  </p:stCondLst>
-                                  <p:childTnLst>
-                                    <p:set>
-                                      <p:cBhvr>
-                                        <p:cTn id="242" dur="1" fill="hold">
-                                          <p:stCondLst>
-                                            <p:cond delay="0"/>
-                                          </p:stCondLst>
-                                        </p:cTn>
-                                        <p:tgtEl>
-                                          <p:spTgt spid="145"/>
-                                        </p:tgtEl>
-                                        <p:attrNameLst>
-                                          <p:attrName>style.visibility</p:attrName>
-                                        </p:attrNameLst>
-                                      </p:cBhvr>
-                                      <p:to>
-                                        <p:strVal val="visible"/>
-                                      </p:to>
-                                    </p:set>
-                                  </p:childTnLst>
-                                </p:cTn>
-                              </p:par>
-                              <p:par>
-                                <p:cTn id="243" presetID="1" presetClass="entr" presetSubtype="0" fill="hold" grpId="0" nodeType="withEffect">
-                                  <p:stCondLst>
-                                    <p:cond delay="0"/>
-                                  </p:stCondLst>
-                                  <p:childTnLst>
-                                    <p:set>
-                                      <p:cBhvr>
-                                        <p:cTn id="244" dur="1" fill="hold">
-                                          <p:stCondLst>
-                                            <p:cond delay="0"/>
-                                          </p:stCondLst>
-                                        </p:cTn>
-                                        <p:tgtEl>
-                                          <p:spTgt spid="146"/>
-                                        </p:tgtEl>
-                                        <p:attrNameLst>
-                                          <p:attrName>style.visibility</p:attrName>
-                                        </p:attrNameLst>
-                                      </p:cBhvr>
-                                      <p:to>
-                                        <p:strVal val="visible"/>
-                                      </p:to>
-                                    </p:set>
-                                  </p:childTnLst>
-                                </p:cTn>
-                              </p:par>
-                              <p:par>
-                                <p:cTn id="245" presetID="1" presetClass="entr" presetSubtype="0" fill="hold" grpId="0" nodeType="withEffect">
-                                  <p:stCondLst>
-                                    <p:cond delay="0"/>
-                                  </p:stCondLst>
-                                  <p:childTnLst>
-                                    <p:set>
-                                      <p:cBhvr>
-                                        <p:cTn id="246" dur="1" fill="hold">
-                                          <p:stCondLst>
-                                            <p:cond delay="0"/>
-                                          </p:stCondLst>
-                                        </p:cTn>
-                                        <p:tgtEl>
-                                          <p:spTgt spid="147"/>
-                                        </p:tgtEl>
-                                        <p:attrNameLst>
-                                          <p:attrName>style.visibility</p:attrName>
-                                        </p:attrNameLst>
-                                      </p:cBhvr>
-                                      <p:to>
-                                        <p:strVal val="visible"/>
-                                      </p:to>
-                                    </p:set>
-                                  </p:childTnLst>
-                                </p:cTn>
-                              </p:par>
-                              <p:par>
-                                <p:cTn id="247" presetID="1" presetClass="entr" presetSubtype="0" fill="hold" grpId="0" nodeType="withEffect">
-                                  <p:stCondLst>
-                                    <p:cond delay="0"/>
-                                  </p:stCondLst>
-                                  <p:childTnLst>
-                                    <p:set>
-                                      <p:cBhvr>
-                                        <p:cTn id="248" dur="1" fill="hold">
-                                          <p:stCondLst>
-                                            <p:cond delay="0"/>
-                                          </p:stCondLst>
-                                        </p:cTn>
-                                        <p:tgtEl>
-                                          <p:spTgt spid="148"/>
-                                        </p:tgtEl>
-                                        <p:attrNameLst>
-                                          <p:attrName>style.visibility</p:attrName>
-                                        </p:attrNameLst>
-                                      </p:cBhvr>
-                                      <p:to>
-                                        <p:strVal val="visible"/>
-                                      </p:to>
-                                    </p:set>
-                                  </p:childTnLst>
-                                </p:cTn>
-                              </p:par>
-                              <p:par>
-                                <p:cTn id="249" presetID="1" presetClass="entr" presetSubtype="0" fill="hold" grpId="0" nodeType="withEffect">
-                                  <p:stCondLst>
-                                    <p:cond delay="0"/>
-                                  </p:stCondLst>
-                                  <p:childTnLst>
-                                    <p:set>
-                                      <p:cBhvr>
-                                        <p:cTn id="250" dur="1" fill="hold">
-                                          <p:stCondLst>
-                                            <p:cond delay="0"/>
-                                          </p:stCondLst>
-                                        </p:cTn>
-                                        <p:tgtEl>
-                                          <p:spTgt spid="149"/>
-                                        </p:tgtEl>
-                                        <p:attrNameLst>
-                                          <p:attrName>style.visibility</p:attrName>
-                                        </p:attrNameLst>
-                                      </p:cBhvr>
-                                      <p:to>
-                                        <p:strVal val="visible"/>
-                                      </p:to>
-                                    </p:set>
-                                  </p:childTnLst>
-                                </p:cTn>
-                              </p:par>
-                              <p:par>
-                                <p:cTn id="251" presetID="1" presetClass="entr" presetSubtype="0" fill="hold" grpId="0" nodeType="withEffect">
-                                  <p:stCondLst>
-                                    <p:cond delay="0"/>
-                                  </p:stCondLst>
-                                  <p:childTnLst>
-                                    <p:set>
-                                      <p:cBhvr>
-                                        <p:cTn id="252" dur="1" fill="hold">
-                                          <p:stCondLst>
-                                            <p:cond delay="0"/>
-                                          </p:stCondLst>
-                                        </p:cTn>
-                                        <p:tgtEl>
-                                          <p:spTgt spid="150"/>
-                                        </p:tgtEl>
-                                        <p:attrNameLst>
-                                          <p:attrName>style.visibility</p:attrName>
-                                        </p:attrNameLst>
-                                      </p:cBhvr>
-                                      <p:to>
-                                        <p:strVal val="visible"/>
-                                      </p:to>
-                                    </p:set>
-                                  </p:childTnLst>
-                                </p:cTn>
-                              </p:par>
-                              <p:par>
-                                <p:cTn id="253" presetID="1" presetClass="entr" presetSubtype="0" fill="hold" grpId="0" nodeType="withEffect">
-                                  <p:stCondLst>
-                                    <p:cond delay="0"/>
-                                  </p:stCondLst>
-                                  <p:childTnLst>
-                                    <p:set>
-                                      <p:cBhvr>
-                                        <p:cTn id="254" dur="1" fill="hold">
-                                          <p:stCondLst>
-                                            <p:cond delay="0"/>
-                                          </p:stCondLst>
-                                        </p:cTn>
-                                        <p:tgtEl>
-                                          <p:spTgt spid="151"/>
-                                        </p:tgtEl>
-                                        <p:attrNameLst>
-                                          <p:attrName>style.visibility</p:attrName>
-                                        </p:attrNameLst>
-                                      </p:cBhvr>
-                                      <p:to>
-                                        <p:strVal val="visible"/>
-                                      </p:to>
-                                    </p:set>
-                                  </p:childTnLst>
-                                </p:cTn>
-                              </p:par>
-                              <p:par>
-                                <p:cTn id="255" presetID="1" presetClass="entr" presetSubtype="0" fill="hold" grpId="0" nodeType="withEffect">
-                                  <p:stCondLst>
-                                    <p:cond delay="0"/>
-                                  </p:stCondLst>
-                                  <p:childTnLst>
-                                    <p:set>
-                                      <p:cBhvr>
-                                        <p:cTn id="256" dur="1" fill="hold">
-                                          <p:stCondLst>
-                                            <p:cond delay="0"/>
-                                          </p:stCondLst>
-                                        </p:cTn>
-                                        <p:tgtEl>
-                                          <p:spTgt spid="155"/>
-                                        </p:tgtEl>
-                                        <p:attrNameLst>
-                                          <p:attrName>style.visibility</p:attrName>
-                                        </p:attrNameLst>
-                                      </p:cBhvr>
-                                      <p:to>
-                                        <p:strVal val="visible"/>
-                                      </p:to>
-                                    </p:set>
-                                  </p:childTnLst>
-                                </p:cTn>
-                              </p:par>
-                              <p:par>
-                                <p:cTn id="257" presetID="1" presetClass="entr" presetSubtype="0" fill="hold" grpId="0" nodeType="withEffect">
-                                  <p:stCondLst>
-                                    <p:cond delay="0"/>
-                                  </p:stCondLst>
-                                  <p:childTnLst>
-                                    <p:set>
-                                      <p:cBhvr>
-                                        <p:cTn id="258" dur="1" fill="hold">
-                                          <p:stCondLst>
-                                            <p:cond delay="0"/>
-                                          </p:stCondLst>
-                                        </p:cTn>
-                                        <p:tgtEl>
-                                          <p:spTgt spid="156"/>
-                                        </p:tgtEl>
-                                        <p:attrNameLst>
-                                          <p:attrName>style.visibility</p:attrName>
-                                        </p:attrNameLst>
-                                      </p:cBhvr>
-                                      <p:to>
-                                        <p:strVal val="visible"/>
-                                      </p:to>
-                                    </p:set>
-                                  </p:childTnLst>
-                                </p:cTn>
-                              </p:par>
-                              <p:par>
-                                <p:cTn id="259" presetID="1" presetClass="entr" presetSubtype="0" fill="hold" grpId="0" nodeType="withEffect">
-                                  <p:stCondLst>
-                                    <p:cond delay="0"/>
-                                  </p:stCondLst>
-                                  <p:childTnLst>
-                                    <p:set>
-                                      <p:cBhvr>
-                                        <p:cTn id="260" dur="1" fill="hold">
-                                          <p:stCondLst>
-                                            <p:cond delay="0"/>
-                                          </p:stCondLst>
-                                        </p:cTn>
-                                        <p:tgtEl>
-                                          <p:spTgt spid="157"/>
-                                        </p:tgtEl>
-                                        <p:attrNameLst>
-                                          <p:attrName>style.visibility</p:attrName>
-                                        </p:attrNameLst>
-                                      </p:cBhvr>
-                                      <p:to>
-                                        <p:strVal val="visible"/>
-                                      </p:to>
-                                    </p:set>
-                                  </p:childTnLst>
-                                </p:cTn>
-                              </p:par>
-                              <p:par>
-                                <p:cTn id="261" presetID="1" presetClass="entr" presetSubtype="0" fill="hold" grpId="0" nodeType="withEffect">
-                                  <p:stCondLst>
-                                    <p:cond delay="0"/>
-                                  </p:stCondLst>
-                                  <p:childTnLst>
-                                    <p:set>
-                                      <p:cBhvr>
-                                        <p:cTn id="262" dur="1" fill="hold">
-                                          <p:stCondLst>
-                                            <p:cond delay="0"/>
-                                          </p:stCondLst>
-                                        </p:cTn>
-                                        <p:tgtEl>
-                                          <p:spTgt spid="158"/>
-                                        </p:tgtEl>
-                                        <p:attrNameLst>
-                                          <p:attrName>style.visibility</p:attrName>
-                                        </p:attrNameLst>
-                                      </p:cBhvr>
-                                      <p:to>
-                                        <p:strVal val="visible"/>
-                                      </p:to>
-                                    </p:set>
-                                  </p:childTnLst>
-                                </p:cTn>
-                              </p:par>
-                              <p:par>
-                                <p:cTn id="263" presetID="1" presetClass="entr" presetSubtype="0" fill="hold" grpId="0" nodeType="withEffect">
-                                  <p:stCondLst>
-                                    <p:cond delay="0"/>
-                                  </p:stCondLst>
-                                  <p:childTnLst>
-                                    <p:set>
-                                      <p:cBhvr>
-                                        <p:cTn id="264" dur="1" fill="hold">
-                                          <p:stCondLst>
-                                            <p:cond delay="0"/>
-                                          </p:stCondLst>
-                                        </p:cTn>
-                                        <p:tgtEl>
-                                          <p:spTgt spid="159"/>
-                                        </p:tgtEl>
-                                        <p:attrNameLst>
-                                          <p:attrName>style.visibility</p:attrName>
-                                        </p:attrNameLst>
-                                      </p:cBhvr>
-                                      <p:to>
-                                        <p:strVal val="visible"/>
-                                      </p:to>
-                                    </p:set>
-                                  </p:childTnLst>
-                                </p:cTn>
-                              </p:par>
-                              <p:par>
-                                <p:cTn id="265" presetID="1" presetClass="entr" presetSubtype="0" fill="hold" grpId="0" nodeType="withEffect">
-                                  <p:stCondLst>
-                                    <p:cond delay="0"/>
-                                  </p:stCondLst>
-                                  <p:childTnLst>
-                                    <p:set>
-                                      <p:cBhvr>
-                                        <p:cTn id="266" dur="1" fill="hold">
-                                          <p:stCondLst>
-                                            <p:cond delay="0"/>
-                                          </p:stCondLst>
-                                        </p:cTn>
-                                        <p:tgtEl>
-                                          <p:spTgt spid="160"/>
-                                        </p:tgtEl>
-                                        <p:attrNameLst>
-                                          <p:attrName>style.visibility</p:attrName>
-                                        </p:attrNameLst>
-                                      </p:cBhvr>
-                                      <p:to>
-                                        <p:strVal val="visible"/>
-                                      </p:to>
-                                    </p:set>
-                                  </p:childTnLst>
-                                </p:cTn>
-                              </p:par>
-                              <p:par>
-                                <p:cTn id="267" presetID="1" presetClass="entr" presetSubtype="0" fill="hold" grpId="0" nodeType="withEffect">
-                                  <p:stCondLst>
-                                    <p:cond delay="0"/>
-                                  </p:stCondLst>
-                                  <p:childTnLst>
-                                    <p:set>
-                                      <p:cBhvr>
-                                        <p:cTn id="268" dur="1" fill="hold">
-                                          <p:stCondLst>
-                                            <p:cond delay="0"/>
-                                          </p:stCondLst>
-                                        </p:cTn>
-                                        <p:tgtEl>
-                                          <p:spTgt spid="161"/>
-                                        </p:tgtEl>
-                                        <p:attrNameLst>
-                                          <p:attrName>style.visibility</p:attrName>
-                                        </p:attrNameLst>
-                                      </p:cBhvr>
-                                      <p:to>
-                                        <p:strVal val="visible"/>
-                                      </p:to>
-                                    </p:set>
-                                  </p:childTnLst>
-                                </p:cTn>
-                              </p:par>
-                              <p:par>
-                                <p:cTn id="269" presetID="1" presetClass="entr" presetSubtype="0" fill="hold" grpId="0" nodeType="withEffect">
-                                  <p:stCondLst>
-                                    <p:cond delay="0"/>
-                                  </p:stCondLst>
-                                  <p:childTnLst>
-                                    <p:set>
-                                      <p:cBhvr>
-                                        <p:cTn id="270" dur="1" fill="hold">
-                                          <p:stCondLst>
-                                            <p:cond delay="0"/>
-                                          </p:stCondLst>
-                                        </p:cTn>
-                                        <p:tgtEl>
-                                          <p:spTgt spid="164"/>
-                                        </p:tgtEl>
-                                        <p:attrNameLst>
-                                          <p:attrName>style.visibility</p:attrName>
-                                        </p:attrNameLst>
-                                      </p:cBhvr>
-                                      <p:to>
-                                        <p:strVal val="visible"/>
-                                      </p:to>
-                                    </p:set>
-                                  </p:childTnLst>
-                                </p:cTn>
-                              </p:par>
-                              <p:par>
-                                <p:cTn id="271" presetID="1" presetClass="entr" presetSubtype="0" fill="hold" grpId="0" nodeType="withEffect">
-                                  <p:stCondLst>
-                                    <p:cond delay="0"/>
-                                  </p:stCondLst>
-                                  <p:childTnLst>
-                                    <p:set>
-                                      <p:cBhvr>
-                                        <p:cTn id="272" dur="1" fill="hold">
-                                          <p:stCondLst>
-                                            <p:cond delay="0"/>
-                                          </p:stCondLst>
-                                        </p:cTn>
-                                        <p:tgtEl>
-                                          <p:spTgt spid="165"/>
-                                        </p:tgtEl>
-                                        <p:attrNameLst>
-                                          <p:attrName>style.visibility</p:attrName>
-                                        </p:attrNameLst>
-                                      </p:cBhvr>
-                                      <p:to>
-                                        <p:strVal val="visible"/>
-                                      </p:to>
-                                    </p:set>
-                                  </p:childTnLst>
-                                </p:cTn>
-                              </p:par>
-                              <p:par>
-                                <p:cTn id="273" presetID="1" presetClass="entr" presetSubtype="0" fill="hold" grpId="0" nodeType="withEffect">
-                                  <p:stCondLst>
-                                    <p:cond delay="0"/>
-                                  </p:stCondLst>
-                                  <p:childTnLst>
-                                    <p:set>
-                                      <p:cBhvr>
-                                        <p:cTn id="274" dur="1" fill="hold">
-                                          <p:stCondLst>
-                                            <p:cond delay="0"/>
-                                          </p:stCondLst>
-                                        </p:cTn>
-                                        <p:tgtEl>
-                                          <p:spTgt spid="166"/>
-                                        </p:tgtEl>
-                                        <p:attrNameLst>
-                                          <p:attrName>style.visibility</p:attrName>
-                                        </p:attrNameLst>
-                                      </p:cBhvr>
-                                      <p:to>
-                                        <p:strVal val="visible"/>
-                                      </p:to>
-                                    </p:set>
-                                  </p:childTnLst>
-                                </p:cTn>
-                              </p:par>
-                              <p:par>
-                                <p:cTn id="275" presetID="1" presetClass="entr" presetSubtype="0" fill="hold" grpId="0" nodeType="withEffect">
-                                  <p:stCondLst>
-                                    <p:cond delay="0"/>
-                                  </p:stCondLst>
-                                  <p:childTnLst>
-                                    <p:set>
-                                      <p:cBhvr>
-                                        <p:cTn id="276" dur="1" fill="hold">
-                                          <p:stCondLst>
-                                            <p:cond delay="0"/>
-                                          </p:stCondLst>
-                                        </p:cTn>
-                                        <p:tgtEl>
-                                          <p:spTgt spid="167"/>
-                                        </p:tgtEl>
-                                        <p:attrNameLst>
-                                          <p:attrName>style.visibility</p:attrName>
-                                        </p:attrNameLst>
-                                      </p:cBhvr>
-                                      <p:to>
-                                        <p:strVal val="visible"/>
-                                      </p:to>
-                                    </p:set>
-                                  </p:childTnLst>
-                                </p:cTn>
-                              </p:par>
-                              <p:par>
-                                <p:cTn id="277" presetID="1" presetClass="entr" presetSubtype="0" fill="hold" grpId="0" nodeType="withEffect">
-                                  <p:stCondLst>
-                                    <p:cond delay="0"/>
-                                  </p:stCondLst>
-                                  <p:childTnLst>
-                                    <p:set>
-                                      <p:cBhvr>
-                                        <p:cTn id="278" dur="1" fill="hold">
-                                          <p:stCondLst>
-                                            <p:cond delay="0"/>
-                                          </p:stCondLst>
-                                        </p:cTn>
-                                        <p:tgtEl>
-                                          <p:spTgt spid="168"/>
-                                        </p:tgtEl>
-                                        <p:attrNameLst>
-                                          <p:attrName>style.visibility</p:attrName>
-                                        </p:attrNameLst>
-                                      </p:cBhvr>
-                                      <p:to>
-                                        <p:strVal val="visible"/>
-                                      </p:to>
-                                    </p:set>
-                                  </p:childTnLst>
-                                </p:cTn>
-                              </p:par>
-                              <p:par>
-                                <p:cTn id="279" presetID="1" presetClass="entr" presetSubtype="0" fill="hold" grpId="0" nodeType="withEffect">
-                                  <p:stCondLst>
-                                    <p:cond delay="0"/>
-                                  </p:stCondLst>
-                                  <p:childTnLst>
-                                    <p:set>
-                                      <p:cBhvr>
-                                        <p:cTn id="280" dur="1" fill="hold">
-                                          <p:stCondLst>
-                                            <p:cond delay="0"/>
-                                          </p:stCondLst>
-                                        </p:cTn>
-                                        <p:tgtEl>
-                                          <p:spTgt spid="169"/>
-                                        </p:tgtEl>
-                                        <p:attrNameLst>
-                                          <p:attrName>style.visibility</p:attrName>
-                                        </p:attrNameLst>
-                                      </p:cBhvr>
-                                      <p:to>
-                                        <p:strVal val="visible"/>
-                                      </p:to>
-                                    </p:set>
-                                  </p:childTnLst>
-                                </p:cTn>
-                              </p:par>
-                              <p:par>
-                                <p:cTn id="281" presetID="1" presetClass="entr" presetSubtype="0" fill="hold" grpId="0" nodeType="withEffect">
-                                  <p:stCondLst>
-                                    <p:cond delay="0"/>
-                                  </p:stCondLst>
-                                  <p:childTnLst>
-                                    <p:set>
-                                      <p:cBhvr>
-                                        <p:cTn id="282" dur="1" fill="hold">
-                                          <p:stCondLst>
-                                            <p:cond delay="0"/>
-                                          </p:stCondLst>
-                                        </p:cTn>
-                                        <p:tgtEl>
-                                          <p:spTgt spid="170"/>
-                                        </p:tgtEl>
-                                        <p:attrNameLst>
-                                          <p:attrName>style.visibility</p:attrName>
-                                        </p:attrNameLst>
-                                      </p:cBhvr>
-                                      <p:to>
-                                        <p:strVal val="visible"/>
-                                      </p:to>
-                                    </p:set>
-                                  </p:childTnLst>
-                                </p:cTn>
-                              </p:par>
-                              <p:par>
-                                <p:cTn id="283" presetID="1" presetClass="entr" presetSubtype="0" fill="hold" grpId="0" nodeType="withEffect">
-                                  <p:stCondLst>
-                                    <p:cond delay="0"/>
-                                  </p:stCondLst>
-                                  <p:childTnLst>
-                                    <p:set>
-                                      <p:cBhvr>
-                                        <p:cTn id="284" dur="1" fill="hold">
-                                          <p:stCondLst>
-                                            <p:cond delay="0"/>
-                                          </p:stCondLst>
-                                        </p:cTn>
-                                        <p:tgtEl>
-                                          <p:spTgt spid="171"/>
-                                        </p:tgtEl>
-                                        <p:attrNameLst>
-                                          <p:attrName>style.visibility</p:attrName>
-                                        </p:attrNameLst>
-                                      </p:cBhvr>
-                                      <p:to>
-                                        <p:strVal val="visible"/>
-                                      </p:to>
-                                    </p:set>
-                                  </p:childTnLst>
-                                </p:cTn>
-                              </p:par>
-                              <p:par>
-                                <p:cTn id="285" presetID="1" presetClass="entr" presetSubtype="0" fill="hold" grpId="0" nodeType="withEffect">
-                                  <p:stCondLst>
-                                    <p:cond delay="0"/>
-                                  </p:stCondLst>
-                                  <p:childTnLst>
-                                    <p:set>
-                                      <p:cBhvr>
-                                        <p:cTn id="286" dur="1" fill="hold">
-                                          <p:stCondLst>
-                                            <p:cond delay="0"/>
-                                          </p:stCondLst>
-                                        </p:cTn>
-                                        <p:tgtEl>
-                                          <p:spTgt spid="174"/>
-                                        </p:tgtEl>
-                                        <p:attrNameLst>
-                                          <p:attrName>style.visibility</p:attrName>
-                                        </p:attrNameLst>
-                                      </p:cBhvr>
-                                      <p:to>
-                                        <p:strVal val="visible"/>
-                                      </p:to>
-                                    </p:set>
-                                  </p:childTnLst>
-                                </p:cTn>
-                              </p:par>
-                              <p:par>
-                                <p:cTn id="287" presetID="1" presetClass="entr" presetSubtype="0" fill="hold" grpId="0" nodeType="withEffect">
-                                  <p:stCondLst>
-                                    <p:cond delay="0"/>
-                                  </p:stCondLst>
-                                  <p:childTnLst>
-                                    <p:set>
-                                      <p:cBhvr>
-                                        <p:cTn id="288" dur="1" fill="hold">
-                                          <p:stCondLst>
-                                            <p:cond delay="0"/>
-                                          </p:stCondLst>
-                                        </p:cTn>
-                                        <p:tgtEl>
-                                          <p:spTgt spid="175"/>
-                                        </p:tgtEl>
-                                        <p:attrNameLst>
-                                          <p:attrName>style.visibility</p:attrName>
-                                        </p:attrNameLst>
-                                      </p:cBhvr>
-                                      <p:to>
-                                        <p:strVal val="visible"/>
-                                      </p:to>
-                                    </p:set>
-                                  </p:childTnLst>
-                                </p:cTn>
-                              </p:par>
-                              <p:par>
-                                <p:cTn id="289" presetID="1" presetClass="entr" presetSubtype="0" fill="hold" grpId="0" nodeType="withEffect">
-                                  <p:stCondLst>
-                                    <p:cond delay="0"/>
-                                  </p:stCondLst>
-                                  <p:childTnLst>
-                                    <p:set>
-                                      <p:cBhvr>
-                                        <p:cTn id="290" dur="1" fill="hold">
-                                          <p:stCondLst>
-                                            <p:cond delay="0"/>
-                                          </p:stCondLst>
-                                        </p:cTn>
-                                        <p:tgtEl>
-                                          <p:spTgt spid="176"/>
-                                        </p:tgtEl>
-                                        <p:attrNameLst>
-                                          <p:attrName>style.visibility</p:attrName>
-                                        </p:attrNameLst>
-                                      </p:cBhvr>
-                                      <p:to>
-                                        <p:strVal val="visible"/>
-                                      </p:to>
-                                    </p:set>
-                                  </p:childTnLst>
-                                </p:cTn>
-                              </p:par>
-                              <p:par>
-                                <p:cTn id="291" presetID="1" presetClass="entr" presetSubtype="0" fill="hold" grpId="0" nodeType="withEffect">
-                                  <p:stCondLst>
-                                    <p:cond delay="0"/>
-                                  </p:stCondLst>
-                                  <p:childTnLst>
-                                    <p:set>
-                                      <p:cBhvr>
-                                        <p:cTn id="292" dur="1" fill="hold">
-                                          <p:stCondLst>
-                                            <p:cond delay="0"/>
-                                          </p:stCondLst>
-                                        </p:cTn>
-                                        <p:tgtEl>
-                                          <p:spTgt spid="177"/>
-                                        </p:tgtEl>
-                                        <p:attrNameLst>
-                                          <p:attrName>style.visibility</p:attrName>
-                                        </p:attrNameLst>
-                                      </p:cBhvr>
-                                      <p:to>
-                                        <p:strVal val="visible"/>
-                                      </p:to>
-                                    </p:set>
-                                  </p:childTnLst>
-                                </p:cTn>
-                              </p:par>
-                              <p:par>
-                                <p:cTn id="293" presetID="1" presetClass="entr" presetSubtype="0" fill="hold" grpId="0" nodeType="withEffect">
-                                  <p:stCondLst>
-                                    <p:cond delay="0"/>
-                                  </p:stCondLst>
-                                  <p:childTnLst>
-                                    <p:set>
-                                      <p:cBhvr>
-                                        <p:cTn id="294" dur="1" fill="hold">
-                                          <p:stCondLst>
-                                            <p:cond delay="0"/>
-                                          </p:stCondLst>
-                                        </p:cTn>
-                                        <p:tgtEl>
-                                          <p:spTgt spid="178"/>
-                                        </p:tgtEl>
-                                        <p:attrNameLst>
-                                          <p:attrName>style.visibility</p:attrName>
-                                        </p:attrNameLst>
-                                      </p:cBhvr>
-                                      <p:to>
-                                        <p:strVal val="visible"/>
-                                      </p:to>
-                                    </p:set>
-                                  </p:childTnLst>
-                                </p:cTn>
-                              </p:par>
-                              <p:par>
-                                <p:cTn id="295" presetID="1" presetClass="entr" presetSubtype="0" fill="hold" grpId="0" nodeType="withEffect">
-                                  <p:stCondLst>
-                                    <p:cond delay="0"/>
-                                  </p:stCondLst>
-                                  <p:childTnLst>
-                                    <p:set>
-                                      <p:cBhvr>
-                                        <p:cTn id="296" dur="1" fill="hold">
-                                          <p:stCondLst>
-                                            <p:cond delay="0"/>
-                                          </p:stCondLst>
-                                        </p:cTn>
-                                        <p:tgtEl>
-                                          <p:spTgt spid="179"/>
-                                        </p:tgtEl>
-                                        <p:attrNameLst>
-                                          <p:attrName>style.visibility</p:attrName>
-                                        </p:attrNameLst>
-                                      </p:cBhvr>
-                                      <p:to>
-                                        <p:strVal val="visible"/>
-                                      </p:to>
-                                    </p:set>
-                                  </p:childTnLst>
-                                </p:cTn>
-                              </p:par>
-                              <p:par>
-                                <p:cTn id="297" presetID="1" presetClass="entr" presetSubtype="0" fill="hold" grpId="0" nodeType="withEffect">
-                                  <p:stCondLst>
-                                    <p:cond delay="0"/>
-                                  </p:stCondLst>
-                                  <p:childTnLst>
-                                    <p:set>
-                                      <p:cBhvr>
-                                        <p:cTn id="298" dur="1" fill="hold">
-                                          <p:stCondLst>
-                                            <p:cond delay="0"/>
-                                          </p:stCondLst>
-                                        </p:cTn>
-                                        <p:tgtEl>
-                                          <p:spTgt spid="180"/>
-                                        </p:tgtEl>
-                                        <p:attrNameLst>
-                                          <p:attrName>style.visibility</p:attrName>
-                                        </p:attrNameLst>
-                                      </p:cBhvr>
-                                      <p:to>
-                                        <p:strVal val="visible"/>
-                                      </p:to>
-                                    </p:set>
-                                  </p:childTnLst>
-                                </p:cTn>
-                              </p:par>
-                              <p:par>
-                                <p:cTn id="299" presetID="1" presetClass="entr" presetSubtype="0" fill="hold" grpId="0" nodeType="withEffect">
-                                  <p:stCondLst>
-                                    <p:cond delay="0"/>
-                                  </p:stCondLst>
-                                  <p:childTnLst>
-                                    <p:set>
-                                      <p:cBhvr>
-                                        <p:cTn id="300" dur="1" fill="hold">
-                                          <p:stCondLst>
-                                            <p:cond delay="0"/>
-                                          </p:stCondLst>
-                                        </p:cTn>
-                                        <p:tgtEl>
-                                          <p:spTgt spid="182"/>
-                                        </p:tgtEl>
-                                        <p:attrNameLst>
-                                          <p:attrName>style.visibility</p:attrName>
-                                        </p:attrNameLst>
-                                      </p:cBhvr>
-                                      <p:to>
-                                        <p:strVal val="visible"/>
-                                      </p:to>
-                                    </p:set>
-                                  </p:childTnLst>
-                                </p:cTn>
-                              </p:par>
-                              <p:par>
-                                <p:cTn id="301" presetID="1" presetClass="entr" presetSubtype="0" fill="hold" grpId="0" nodeType="withEffect">
-                                  <p:stCondLst>
-                                    <p:cond delay="0"/>
-                                  </p:stCondLst>
-                                  <p:childTnLst>
-                                    <p:set>
-                                      <p:cBhvr>
-                                        <p:cTn id="302" dur="1" fill="hold">
-                                          <p:stCondLst>
-                                            <p:cond delay="0"/>
-                                          </p:stCondLst>
-                                        </p:cTn>
-                                        <p:tgtEl>
-                                          <p:spTgt spid="183"/>
-                                        </p:tgtEl>
-                                        <p:attrNameLst>
-                                          <p:attrName>style.visibility</p:attrName>
-                                        </p:attrNameLst>
-                                      </p:cBhvr>
-                                      <p:to>
-                                        <p:strVal val="visible"/>
-                                      </p:to>
-                                    </p:set>
-                                  </p:childTnLst>
-                                </p:cTn>
-                              </p:par>
-                              <p:par>
-                                <p:cTn id="303" presetID="1" presetClass="entr" presetSubtype="0" fill="hold" grpId="0" nodeType="withEffect">
-                                  <p:stCondLst>
-                                    <p:cond delay="0"/>
-                                  </p:stCondLst>
-                                  <p:childTnLst>
-                                    <p:set>
-                                      <p:cBhvr>
-                                        <p:cTn id="304" dur="1" fill="hold">
-                                          <p:stCondLst>
-                                            <p:cond delay="0"/>
-                                          </p:stCondLst>
-                                        </p:cTn>
-                                        <p:tgtEl>
-                                          <p:spTgt spid="184"/>
-                                        </p:tgtEl>
-                                        <p:attrNameLst>
-                                          <p:attrName>style.visibility</p:attrName>
-                                        </p:attrNameLst>
-                                      </p:cBhvr>
-                                      <p:to>
-                                        <p:strVal val="visible"/>
-                                      </p:to>
-                                    </p:set>
-                                  </p:childTnLst>
-                                </p:cTn>
-                              </p:par>
-                              <p:par>
-                                <p:cTn id="305" presetID="1" presetClass="entr" presetSubtype="0" fill="hold" grpId="0" nodeType="withEffect">
-                                  <p:stCondLst>
-                                    <p:cond delay="0"/>
-                                  </p:stCondLst>
-                                  <p:childTnLst>
-                                    <p:set>
-                                      <p:cBhvr>
-                                        <p:cTn id="306" dur="1" fill="hold">
-                                          <p:stCondLst>
-                                            <p:cond delay="0"/>
-                                          </p:stCondLst>
-                                        </p:cTn>
-                                        <p:tgtEl>
-                                          <p:spTgt spid="185"/>
-                                        </p:tgtEl>
-                                        <p:attrNameLst>
-                                          <p:attrName>style.visibility</p:attrName>
-                                        </p:attrNameLst>
-                                      </p:cBhvr>
-                                      <p:to>
-                                        <p:strVal val="visible"/>
-                                      </p:to>
-                                    </p:set>
-                                  </p:childTnLst>
-                                </p:cTn>
-                              </p:par>
-                              <p:par>
-                                <p:cTn id="307" presetID="1" presetClass="entr" presetSubtype="0" fill="hold" grpId="0" nodeType="withEffect">
-                                  <p:stCondLst>
-                                    <p:cond delay="0"/>
-                                  </p:stCondLst>
-                                  <p:childTnLst>
-                                    <p:set>
-                                      <p:cBhvr>
-                                        <p:cTn id="308" dur="1" fill="hold">
-                                          <p:stCondLst>
-                                            <p:cond delay="0"/>
-                                          </p:stCondLst>
-                                        </p:cTn>
-                                        <p:tgtEl>
-                                          <p:spTgt spid="186"/>
-                                        </p:tgtEl>
-                                        <p:attrNameLst>
-                                          <p:attrName>style.visibility</p:attrName>
-                                        </p:attrNameLst>
-                                      </p:cBhvr>
-                                      <p:to>
-                                        <p:strVal val="visible"/>
-                                      </p:to>
-                                    </p:set>
-                                  </p:childTnLst>
-                                </p:cTn>
-                              </p:par>
-                              <p:par>
-                                <p:cTn id="309" presetID="1" presetClass="entr" presetSubtype="0" fill="hold" grpId="0" nodeType="withEffect">
-                                  <p:stCondLst>
-                                    <p:cond delay="0"/>
-                                  </p:stCondLst>
-                                  <p:childTnLst>
-                                    <p:set>
-                                      <p:cBhvr>
-                                        <p:cTn id="310" dur="1" fill="hold">
-                                          <p:stCondLst>
-                                            <p:cond delay="0"/>
-                                          </p:stCondLst>
-                                        </p:cTn>
-                                        <p:tgtEl>
-                                          <p:spTgt spid="187"/>
-                                        </p:tgtEl>
-                                        <p:attrNameLst>
-                                          <p:attrName>style.visibility</p:attrName>
-                                        </p:attrNameLst>
-                                      </p:cBhvr>
-                                      <p:to>
-                                        <p:strVal val="visible"/>
-                                      </p:to>
-                                    </p:set>
-                                  </p:childTnLst>
-                                </p:cTn>
-                              </p:par>
-                              <p:par>
-                                <p:cTn id="311" presetID="1" presetClass="entr" presetSubtype="0" fill="hold" grpId="0" nodeType="withEffect">
-                                  <p:stCondLst>
-                                    <p:cond delay="0"/>
-                                  </p:stCondLst>
-                                  <p:childTnLst>
-                                    <p:set>
-                                      <p:cBhvr>
-                                        <p:cTn id="312" dur="1" fill="hold">
-                                          <p:stCondLst>
-                                            <p:cond delay="0"/>
-                                          </p:stCondLst>
-                                        </p:cTn>
-                                        <p:tgtEl>
-                                          <p:spTgt spid="188"/>
-                                        </p:tgtEl>
-                                        <p:attrNameLst>
-                                          <p:attrName>style.visibility</p:attrName>
-                                        </p:attrNameLst>
-                                      </p:cBhvr>
-                                      <p:to>
-                                        <p:strVal val="visible"/>
-                                      </p:to>
-                                    </p:set>
-                                  </p:childTnLst>
-                                </p:cTn>
-                              </p:par>
-                              <p:par>
-                                <p:cTn id="313" presetID="1" presetClass="entr" presetSubtype="0" fill="hold" grpId="0" nodeType="withEffect">
-                                  <p:stCondLst>
-                                    <p:cond delay="0"/>
-                                  </p:stCondLst>
-                                  <p:childTnLst>
-                                    <p:set>
-                                      <p:cBhvr>
-                                        <p:cTn id="314" dur="1" fill="hold">
-                                          <p:stCondLst>
-                                            <p:cond delay="0"/>
-                                          </p:stCondLst>
-                                        </p:cTn>
-                                        <p:tgtEl>
-                                          <p:spTgt spid="189"/>
-                                        </p:tgtEl>
-                                        <p:attrNameLst>
-                                          <p:attrName>style.visibility</p:attrName>
-                                        </p:attrNameLst>
-                                      </p:cBhvr>
-                                      <p:to>
-                                        <p:strVal val="visible"/>
-                                      </p:to>
-                                    </p:set>
-                                  </p:childTnLst>
-                                </p:cTn>
-                              </p:par>
-                              <p:par>
-                                <p:cTn id="315" presetID="1" presetClass="entr" presetSubtype="0" fill="hold" grpId="0" nodeType="withEffect">
-                                  <p:stCondLst>
-                                    <p:cond delay="0"/>
-                                  </p:stCondLst>
-                                  <p:childTnLst>
-                                    <p:set>
-                                      <p:cBhvr>
-                                        <p:cTn id="316" dur="1" fill="hold">
-                                          <p:stCondLst>
-                                            <p:cond delay="0"/>
-                                          </p:stCondLst>
-                                        </p:cTn>
-                                        <p:tgtEl>
-                                          <p:spTgt spid="195"/>
-                                        </p:tgtEl>
-                                        <p:attrNameLst>
-                                          <p:attrName>style.visibility</p:attrName>
-                                        </p:attrNameLst>
-                                      </p:cBhvr>
-                                      <p:to>
-                                        <p:strVal val="visible"/>
-                                      </p:to>
-                                    </p:set>
-                                  </p:childTnLst>
-                                </p:cTn>
-                              </p:par>
-                              <p:par>
-                                <p:cTn id="317" presetID="1" presetClass="entr" presetSubtype="0" fill="hold" grpId="0" nodeType="withEffect">
-                                  <p:stCondLst>
-                                    <p:cond delay="0"/>
-                                  </p:stCondLst>
-                                  <p:childTnLst>
-                                    <p:set>
-                                      <p:cBhvr>
-                                        <p:cTn id="318" dur="1" fill="hold">
-                                          <p:stCondLst>
-                                            <p:cond delay="0"/>
-                                          </p:stCondLst>
-                                        </p:cTn>
-                                        <p:tgtEl>
-                                          <p:spTgt spid="196"/>
-                                        </p:tgtEl>
-                                        <p:attrNameLst>
-                                          <p:attrName>style.visibility</p:attrName>
-                                        </p:attrNameLst>
-                                      </p:cBhvr>
-                                      <p:to>
-                                        <p:strVal val="visible"/>
-                                      </p:to>
-                                    </p:set>
-                                  </p:childTnLst>
-                                </p:cTn>
-                              </p:par>
-                              <p:par>
-                                <p:cTn id="319" presetID="1" presetClass="entr" presetSubtype="0" fill="hold" grpId="0" nodeType="withEffect">
-                                  <p:stCondLst>
-                                    <p:cond delay="0"/>
-                                  </p:stCondLst>
-                                  <p:childTnLst>
-                                    <p:set>
-                                      <p:cBhvr>
-                                        <p:cTn id="320" dur="1" fill="hold">
-                                          <p:stCondLst>
-                                            <p:cond delay="0"/>
-                                          </p:stCondLst>
-                                        </p:cTn>
-                                        <p:tgtEl>
-                                          <p:spTgt spid="197"/>
-                                        </p:tgtEl>
-                                        <p:attrNameLst>
-                                          <p:attrName>style.visibility</p:attrName>
-                                        </p:attrNameLst>
-                                      </p:cBhvr>
-                                      <p:to>
-                                        <p:strVal val="visible"/>
-                                      </p:to>
-                                    </p:set>
-                                  </p:childTnLst>
-                                </p:cTn>
-                              </p:par>
-                              <p:par>
-                                <p:cTn id="321" presetID="1" presetClass="entr" presetSubtype="0" fill="hold" grpId="0" nodeType="withEffect">
-                                  <p:stCondLst>
-                                    <p:cond delay="0"/>
-                                  </p:stCondLst>
-                                  <p:childTnLst>
-                                    <p:set>
-                                      <p:cBhvr>
-                                        <p:cTn id="322" dur="1" fill="hold">
-                                          <p:stCondLst>
-                                            <p:cond delay="0"/>
-                                          </p:stCondLst>
-                                        </p:cTn>
-                                        <p:tgtEl>
-                                          <p:spTgt spid="198"/>
-                                        </p:tgtEl>
-                                        <p:attrNameLst>
-                                          <p:attrName>style.visibility</p:attrName>
-                                        </p:attrNameLst>
-                                      </p:cBhvr>
-                                      <p:to>
-                                        <p:strVal val="visible"/>
-                                      </p:to>
-                                    </p:set>
-                                  </p:childTnLst>
-                                </p:cTn>
-                              </p:par>
-                              <p:par>
-                                <p:cTn id="323" presetID="1" presetClass="entr" presetSubtype="0" fill="hold" grpId="0" nodeType="withEffect">
-                                  <p:stCondLst>
-                                    <p:cond delay="0"/>
-                                  </p:stCondLst>
-                                  <p:childTnLst>
-                                    <p:set>
-                                      <p:cBhvr>
-                                        <p:cTn id="324" dur="1" fill="hold">
-                                          <p:stCondLst>
-                                            <p:cond delay="0"/>
-                                          </p:stCondLst>
-                                        </p:cTn>
-                                        <p:tgtEl>
-                                          <p:spTgt spid="199"/>
-                                        </p:tgtEl>
-                                        <p:attrNameLst>
-                                          <p:attrName>style.visibility</p:attrName>
-                                        </p:attrNameLst>
-                                      </p:cBhvr>
-                                      <p:to>
-                                        <p:strVal val="visible"/>
-                                      </p:to>
-                                    </p:set>
-                                  </p:childTnLst>
-                                </p:cTn>
-                              </p:par>
-                              <p:par>
-                                <p:cTn id="325" presetID="1" presetClass="entr" presetSubtype="0" fill="hold" grpId="0" nodeType="withEffect">
-                                  <p:stCondLst>
-                                    <p:cond delay="0"/>
-                                  </p:stCondLst>
-                                  <p:childTnLst>
-                                    <p:set>
-                                      <p:cBhvr>
-                                        <p:cTn id="326" dur="1" fill="hold">
-                                          <p:stCondLst>
-                                            <p:cond delay="0"/>
-                                          </p:stCondLst>
-                                        </p:cTn>
-                                        <p:tgtEl>
-                                          <p:spTgt spid="200"/>
-                                        </p:tgtEl>
-                                        <p:attrNameLst>
-                                          <p:attrName>style.visibility</p:attrName>
-                                        </p:attrNameLst>
-                                      </p:cBhvr>
-                                      <p:to>
-                                        <p:strVal val="visible"/>
-                                      </p:to>
-                                    </p:set>
-                                  </p:childTnLst>
-                                </p:cTn>
-                              </p:par>
-                              <p:par>
-                                <p:cTn id="327" presetID="1" presetClass="entr" presetSubtype="0" fill="hold" grpId="0" nodeType="withEffect">
-                                  <p:stCondLst>
-                                    <p:cond delay="0"/>
-                                  </p:stCondLst>
-                                  <p:childTnLst>
-                                    <p:set>
-                                      <p:cBhvr>
-                                        <p:cTn id="328" dur="1" fill="hold">
-                                          <p:stCondLst>
-                                            <p:cond delay="0"/>
-                                          </p:stCondLst>
-                                        </p:cTn>
-                                        <p:tgtEl>
-                                          <p:spTgt spid="201"/>
-                                        </p:tgtEl>
-                                        <p:attrNameLst>
-                                          <p:attrName>style.visibility</p:attrName>
-                                        </p:attrNameLst>
-                                      </p:cBhvr>
-                                      <p:to>
-                                        <p:strVal val="visible"/>
-                                      </p:to>
-                                    </p:set>
-                                  </p:childTnLst>
-                                </p:cTn>
-                              </p:par>
-                              <p:par>
-                                <p:cTn id="329" presetID="1" presetClass="entr" presetSubtype="0" fill="hold" grpId="0" nodeType="withEffect">
-                                  <p:stCondLst>
-                                    <p:cond delay="0"/>
-                                  </p:stCondLst>
-                                  <p:childTnLst>
-                                    <p:set>
-                                      <p:cBhvr>
-                                        <p:cTn id="330" dur="1" fill="hold">
-                                          <p:stCondLst>
-                                            <p:cond delay="0"/>
-                                          </p:stCondLst>
-                                        </p:cTn>
-                                        <p:tgtEl>
-                                          <p:spTgt spid="202"/>
-                                        </p:tgtEl>
-                                        <p:attrNameLst>
-                                          <p:attrName>style.visibility</p:attrName>
-                                        </p:attrNameLst>
-                                      </p:cBhvr>
-                                      <p:to>
-                                        <p:strVal val="visible"/>
-                                      </p:to>
-                                    </p:set>
-                                  </p:childTnLst>
-                                </p:cTn>
-                              </p:par>
-                              <p:par>
-                                <p:cTn id="331" presetID="1" presetClass="entr" presetSubtype="0" fill="hold" grpId="0" nodeType="withEffect">
-                                  <p:stCondLst>
-                                    <p:cond delay="0"/>
-                                  </p:stCondLst>
-                                  <p:childTnLst>
-                                    <p:set>
-                                      <p:cBhvr>
-                                        <p:cTn id="332" dur="1" fill="hold">
-                                          <p:stCondLst>
-                                            <p:cond delay="0"/>
-                                          </p:stCondLst>
-                                        </p:cTn>
-                                        <p:tgtEl>
-                                          <p:spTgt spid="203"/>
-                                        </p:tgtEl>
-                                        <p:attrNameLst>
-                                          <p:attrName>style.visibility</p:attrName>
-                                        </p:attrNameLst>
-                                      </p:cBhvr>
-                                      <p:to>
-                                        <p:strVal val="visible"/>
-                                      </p:to>
-                                    </p:set>
-                                  </p:childTnLst>
-                                </p:cTn>
-                              </p:par>
-                            </p:childTnLst>
-                          </p:cTn>
-                        </p:par>
-                      </p:childTnLst>
-                    </p:cTn>
-                  </p:par>
-                </p:childTnLst>
-              </p:cTn>
-              <p:prevCondLst>
-                <p:cond evt="onPrev" delay="0">
-                  <p:tgtEl>
-                    <p:sldTgt/>
-                  </p:tgtEl>
-                </p:cond>
-              </p:prevCondLst>
-              <p:nextCondLst>
-                <p:cond evt="onNext" delay="0">
-                  <p:tgtEl>
-                    <p:sldTgt/>
-                  </p:tgtEl>
-                </p:cond>
-              </p:nextCondLst>
-            </p:seq>
-          </p:childTnLst>
-        </p:cTn>
-      </p:par>
-    </p:tnLst>
-    <p:bldLst>
-      <p:bldP spid="9" grpId="0" animBg="1"/>
-      <p:bldP spid="10" grpId="0" animBg="1"/>
-      <p:bldP spid="11" grpId="0" animBg="1"/>
-      <p:bldP spid="12" grpId="0" animBg="1"/>
-      <p:bldP spid="13" grpId="0" animBg="1"/>
-      <p:bldP spid="14" grpId="0" animBg="1"/>
-      <p:bldP spid="15" grpId="0" animBg="1"/>
-      <p:bldP spid="16" grpId="0" animBg="1"/>
-      <p:bldP spid="17" grpId="0" animBg="1"/>
-      <p:bldP spid="18" grpId="0" animBg="1"/>
-      <p:bldP spid="19" grpId="0" animBg="1"/>
-      <p:bldP spid="20" grpId="0" animBg="1"/>
-      <p:bldP spid="21" grpId="0" animBg="1"/>
-      <p:bldP spid="22" grpId="0" animBg="1"/>
-      <p:bldP spid="23" grpId="0" animBg="1"/>
-      <p:bldP spid="24" grpId="0" animBg="1"/>
-      <p:bldP spid="25" grpId="0" animBg="1"/>
-      <p:bldP spid="26" grpId="0" animBg="1"/>
-      <p:bldP spid="27" grpId="0" animBg="1"/>
-      <p:bldP spid="28" grpId="0" animBg="1"/>
-      <p:bldP spid="29" grpId="0" animBg="1"/>
-      <p:bldP spid="30" grpId="0" animBg="1"/>
-      <p:bldP spid="31" grpId="0" animBg="1"/>
-      <p:bldP spid="32" grpId="0" animBg="1"/>
-      <p:bldP spid="33" grpId="0" animBg="1"/>
-      <p:bldP spid="34" grpId="0" animBg="1"/>
-      <p:bldP spid="35" grpId="0" animBg="1"/>
-      <p:bldP spid="36" grpId="0" animBg="1"/>
-      <p:bldP spid="37" grpId="0" animBg="1"/>
-      <p:bldP spid="38" grpId="0" animBg="1"/>
-      <p:bldP spid="39" grpId="0" animBg="1"/>
-      <p:bldP spid="40" grpId="0" animBg="1"/>
-      <p:bldP spid="41" grpId="0" animBg="1"/>
-      <p:bldP spid="42" grpId="0" animBg="1"/>
-      <p:bldP spid="43" grpId="0" animBg="1"/>
-      <p:bldP spid="44" grpId="0" animBg="1"/>
-      <p:bldP spid="45" grpId="0" animBg="1"/>
-      <p:bldP spid="46" grpId="0" animBg="1"/>
-      <p:bldP spid="47" grpId="0" animBg="1"/>
-      <p:bldP spid="48" grpId="0" animBg="1"/>
-      <p:bldP spid="49" grpId="0" animBg="1"/>
-      <p:bldP spid="50" grpId="0" animBg="1"/>
-      <p:bldP spid="51" grpId="0" animBg="1"/>
-      <p:bldP spid="52" grpId="0" animBg="1"/>
-      <p:bldP spid="53" grpId="0" animBg="1"/>
-      <p:bldP spid="54" grpId="0" animBg="1"/>
-      <p:bldP spid="55" grpId="0" animBg="1"/>
-      <p:bldP spid="56" grpId="0" animBg="1"/>
-      <p:bldP spid="57" grpId="0" animBg="1"/>
-      <p:bldP spid="58" grpId="0" animBg="1"/>
-      <p:bldP spid="59" grpId="0" animBg="1"/>
-      <p:bldP spid="60" grpId="0" animBg="1"/>
-      <p:bldP spid="61" grpId="0" animBg="1"/>
-      <p:bldP spid="62" grpId="0" animBg="1"/>
-      <p:bldP spid="63" grpId="0" animBg="1"/>
-      <p:bldP spid="64" grpId="0" animBg="1"/>
-      <p:bldP spid="65" grpId="0" animBg="1"/>
-      <p:bldP spid="66" grpId="0" animBg="1"/>
-      <p:bldP spid="67" grpId="0" animBg="1"/>
-      <p:bldP spid="68" grpId="0" animBg="1"/>
-      <p:bldP spid="69" grpId="0" animBg="1"/>
-      <p:bldP spid="70" grpId="0" animBg="1"/>
-      <p:bldP spid="71" grpId="0" animBg="1"/>
-      <p:bldP spid="72" grpId="0" animBg="1"/>
-      <p:bldP spid="73" grpId="0" animBg="1"/>
-      <p:bldP spid="74" grpId="0" animBg="1"/>
-      <p:bldP spid="75" grpId="0" animBg="1"/>
-      <p:bldP spid="76" grpId="0" animBg="1"/>
-      <p:bldP spid="77" grpId="0" animBg="1"/>
-      <p:bldP spid="78" grpId="0" animBg="1"/>
-      <p:bldP spid="79" grpId="0" animBg="1"/>
-      <p:bldP spid="80" grpId="0" animBg="1"/>
-      <p:bldP spid="81" grpId="0" animBg="1"/>
-      <p:bldP spid="82" grpId="0" animBg="1"/>
-      <p:bldP spid="83" grpId="0" animBg="1"/>
-      <p:bldP spid="84" grpId="0" animBg="1"/>
-      <p:bldP spid="85" grpId="0" animBg="1"/>
-      <p:bldP spid="86" grpId="0" animBg="1"/>
-      <p:bldP spid="87" grpId="0" animBg="1"/>
-      <p:bldP spid="88" grpId="0" animBg="1"/>
-      <p:bldP spid="89" grpId="0" animBg="1"/>
-      <p:bldP spid="90" grpId="0" animBg="1"/>
-      <p:bldP spid="91" grpId="0" animBg="1"/>
-      <p:bldP spid="92" grpId="0" animBg="1"/>
-      <p:bldP spid="93" grpId="0" animBg="1"/>
-      <p:bldP spid="94" grpId="0" animBg="1"/>
-      <p:bldP spid="95" grpId="0" animBg="1"/>
-      <p:bldP spid="96" grpId="0" animBg="1"/>
-      <p:bldP spid="106" grpId="0" animBg="1"/>
-      <p:bldP spid="110" grpId="0"/>
-      <p:bldP spid="111" grpId="0"/>
-      <p:bldP spid="112" grpId="0"/>
-      <p:bldP spid="113" grpId="0"/>
-      <p:bldP spid="114" grpId="0"/>
-      <p:bldP spid="115" grpId="0"/>
-      <p:bldP spid="116" grpId="0"/>
-      <p:bldP spid="118" grpId="0"/>
-      <p:bldP spid="119" grpId="0"/>
-      <p:bldP spid="120" grpId="0"/>
-      <p:bldP spid="121" grpId="0"/>
-      <p:bldP spid="122" grpId="0"/>
-      <p:bldP spid="123" grpId="0"/>
-      <p:bldP spid="124" grpId="0"/>
-      <p:bldP spid="127" grpId="0"/>
-      <p:bldP spid="128" grpId="0"/>
-      <p:bldP spid="129" grpId="0"/>
-      <p:bldP spid="130" grpId="0"/>
-      <p:bldP spid="131" grpId="0"/>
-      <p:bldP spid="132" grpId="0"/>
-      <p:bldP spid="133" grpId="0"/>
-      <p:bldP spid="135" grpId="0"/>
-      <p:bldP spid="136" grpId="0"/>
-      <p:bldP spid="137" grpId="0"/>
-      <p:bldP spid="138" grpId="0"/>
-      <p:bldP spid="139" grpId="0"/>
-      <p:bldP spid="140" grpId="0"/>
-      <p:bldP spid="141" grpId="0"/>
-      <p:bldP spid="145" grpId="0"/>
-      <p:bldP spid="146" grpId="0"/>
-      <p:bldP spid="147" grpId="0"/>
-      <p:bldP spid="148" grpId="0"/>
-      <p:bldP spid="149" grpId="0"/>
-      <p:bldP spid="150" grpId="0"/>
-      <p:bldP spid="151" grpId="0"/>
-      <p:bldP spid="155" grpId="0"/>
-      <p:bldP spid="156" grpId="0"/>
-      <p:bldP spid="157" grpId="0"/>
-      <p:bldP spid="158" grpId="0"/>
-      <p:bldP spid="159" grpId="0"/>
-      <p:bldP spid="160" grpId="0"/>
-      <p:bldP spid="161" grpId="0"/>
-      <p:bldP spid="164" grpId="0"/>
-      <p:bldP spid="165" grpId="0"/>
-      <p:bldP spid="166" grpId="0"/>
-      <p:bldP spid="167" grpId="0"/>
-      <p:bldP spid="168" grpId="0"/>
-      <p:bldP spid="169" grpId="0"/>
-      <p:bldP spid="170" grpId="0"/>
-      <p:bldP spid="171" grpId="0"/>
-      <p:bldP spid="174" grpId="0"/>
-      <p:bldP spid="175" grpId="0"/>
-      <p:bldP spid="176" grpId="0"/>
-      <p:bldP spid="177" grpId="0"/>
-      <p:bldP spid="178" grpId="0"/>
-      <p:bldP spid="179" grpId="0"/>
-      <p:bldP spid="180" grpId="0"/>
-      <p:bldP spid="182" grpId="0"/>
-      <p:bldP spid="183" grpId="0"/>
-      <p:bldP spid="184" grpId="0"/>
-      <p:bldP spid="185" grpId="0"/>
-      <p:bldP spid="186" grpId="0"/>
-      <p:bldP spid="187" grpId="0"/>
-      <p:bldP spid="188" grpId="0"/>
-      <p:bldP spid="189" grpId="0"/>
-      <p:bldP spid="195" grpId="0"/>
-      <p:bldP spid="196" grpId="0"/>
-      <p:bldP spid="197" grpId="0"/>
-      <p:bldP spid="198" grpId="0"/>
-      <p:bldP spid="199" grpId="0"/>
-      <p:bldP spid="200" grpId="0"/>
-      <p:bldP spid="201" grpId="0"/>
-      <p:bldP spid="202" grpId="0"/>
-      <p:bldP spid="203" grpId="0"/>
-    </p:bldLst>
-  </p:timing>
 </p:sld>
 </file>
 
-<file path=ppt/slides/slide7.xml><?xml version="1.0" encoding="utf-8"?>
+<file path=ppt/slides/slide6.xml><?xml version="1.0" encoding="utf-8"?>
 <p:sld xmlns:a="http://schemas.openxmlformats.org/drawingml/2006/main" xmlns:r="http://schemas.openxmlformats.org/officeDocument/2006/relationships" xmlns:p="http://schemas.openxmlformats.org/presentationml/2006/main">
   <p:cSld>
     <p:spTree>
@@ -40118,7 +33889,7 @@
           <a:p>
             <a:fld id="{7858EF83-5965-4AF8-9DE8-82F677B09B54}" type="datetime1">
               <a:rPr lang="de-DE" smtClean="0"/>
-              <a:t>17.06.2018</a:t>
+              <a:t>18.06.2018</a:t>
             </a:fld>
             <a:endParaRPr lang="de-DE"/>
           </a:p>
@@ -40147,7 +33918,7 @@
           <a:p>
             <a:fld id="{C9BFD74B-BF5B-4F1B-BDFB-3F89FD2A71A6}" type="slidenum">
               <a:rPr lang="de-DE" smtClean="0"/>
-              <a:t>7</a:t>
+              <a:t>6</a:t>
             </a:fld>
             <a:endParaRPr lang="de-DE"/>
           </a:p>
@@ -40455,7 +34226,7 @@
 </p:sld>
 </file>
 
-<file path=ppt/slides/slide8.xml><?xml version="1.0" encoding="utf-8"?>
+<file path=ppt/slides/slide7.xml><?xml version="1.0" encoding="utf-8"?>
 <p:sld xmlns:a="http://schemas.openxmlformats.org/drawingml/2006/main" xmlns:r="http://schemas.openxmlformats.org/officeDocument/2006/relationships" xmlns:p="http://schemas.openxmlformats.org/presentationml/2006/main">
   <p:cSld>
     <p:spTree>
@@ -40495,7 +34266,7 @@
           <a:p>
             <a:r>
               <a:rPr lang="de-DE" dirty="0"/>
-              <a:t>Target</a:t>
+              <a:t>Das Ziel des Lasttests</a:t>
             </a:r>
           </a:p>
         </p:txBody>
@@ -40523,7 +34294,7 @@
           <a:p>
             <a:fld id="{7736C446-317E-49E7-ADCD-DA06ECC51C08}" type="datetime1">
               <a:rPr lang="de-DE" smtClean="0"/>
-              <a:t>17.06.2018</a:t>
+              <a:t>18.06.2018</a:t>
             </a:fld>
             <a:endParaRPr lang="de-DE"/>
           </a:p>
@@ -40552,7 +34323,7 @@
           <a:p>
             <a:fld id="{C9BFD74B-BF5B-4F1B-BDFB-3F89FD2A71A6}" type="slidenum">
               <a:rPr lang="de-DE" smtClean="0"/>
-              <a:t>8</a:t>
+              <a:t>7</a:t>
             </a:fld>
             <a:endParaRPr lang="de-DE"/>
           </a:p>
@@ -40601,7 +34372,7 @@
 </p:sld>
 </file>
 
-<file path=ppt/slides/slide9.xml><?xml version="1.0" encoding="utf-8"?>
+<file path=ppt/slides/slide8.xml><?xml version="1.0" encoding="utf-8"?>
 <p:sld xmlns:a="http://schemas.openxmlformats.org/drawingml/2006/main" xmlns:r="http://schemas.openxmlformats.org/officeDocument/2006/relationships" xmlns:p="http://schemas.openxmlformats.org/presentationml/2006/main">
   <p:cSld>
     <p:spTree>
@@ -40669,7 +34440,7 @@
           <a:p>
             <a:fld id="{4C0B1892-615A-4EE1-81D8-E7473EB75E35}" type="datetime1">
               <a:rPr lang="de-DE" smtClean="0"/>
-              <a:t>17.06.2018</a:t>
+              <a:t>18.06.2018</a:t>
             </a:fld>
             <a:endParaRPr lang="de-DE"/>
           </a:p>
@@ -40698,7 +34469,7 @@
           <a:p>
             <a:fld id="{C9BFD74B-BF5B-4F1B-BDFB-3F89FD2A71A6}" type="slidenum">
               <a:rPr lang="de-DE" smtClean="0"/>
-              <a:t>9</a:t>
+              <a:t>8</a:t>
             </a:fld>
             <a:endParaRPr lang="de-DE"/>
           </a:p>
@@ -42517,6 +36288,241 @@
 </p:sld>
 </file>
 
+<file path=ppt/slides/slide9.xml><?xml version="1.0" encoding="utf-8"?>
+<p:sld xmlns:a="http://schemas.openxmlformats.org/drawingml/2006/main" xmlns:r="http://schemas.openxmlformats.org/officeDocument/2006/relationships" xmlns:p="http://schemas.openxmlformats.org/presentationml/2006/main">
+  <p:cSld>
+    <p:spTree>
+      <p:nvGrpSpPr>
+        <p:cNvPr id="1" name=""/>
+        <p:cNvGrpSpPr/>
+        <p:nvPr/>
+      </p:nvGrpSpPr>
+      <p:grpSpPr>
+        <a:xfrm>
+          <a:off x="0" y="0"/>
+          <a:ext cx="0" cy="0"/>
+          <a:chOff x="0" y="0"/>
+          <a:chExt cx="0" cy="0"/>
+        </a:xfrm>
+      </p:grpSpPr>
+      <p:sp>
+        <p:nvSpPr>
+          <p:cNvPr id="2" name="Titel 1">
+            <a:extLst>
+              <a:ext uri="{FF2B5EF4-FFF2-40B4-BE49-F238E27FC236}">
+                <a16:creationId xmlns:a16="http://schemas.microsoft.com/office/drawing/2014/main" id="{D11F61E1-ACB7-459C-B768-E2C244939FD9}"/>
+              </a:ext>
+            </a:extLst>
+          </p:cNvPr>
+          <p:cNvSpPr>
+            <a:spLocks noGrp="1"/>
+          </p:cNvSpPr>
+          <p:nvPr>
+            <p:ph type="title"/>
+          </p:nvPr>
+        </p:nvSpPr>
+        <p:spPr/>
+        <p:txBody>
+          <a:bodyPr/>
+          <a:lstStyle/>
+          <a:p>
+            <a:r>
+              <a:rPr lang="de-DE" dirty="0"/>
+              <a:t>Aufbau der Testsuite</a:t>
+            </a:r>
+          </a:p>
+        </p:txBody>
+      </p:sp>
+      <p:sp>
+        <p:nvSpPr>
+          <p:cNvPr id="3" name="Inhaltsplatzhalter 2">
+            <a:extLst>
+              <a:ext uri="{FF2B5EF4-FFF2-40B4-BE49-F238E27FC236}">
+                <a16:creationId xmlns:a16="http://schemas.microsoft.com/office/drawing/2014/main" id="{FEE66145-71D6-48B3-9C67-D8AB4500B966}"/>
+              </a:ext>
+            </a:extLst>
+          </p:cNvPr>
+          <p:cNvSpPr>
+            <a:spLocks noGrp="1"/>
+          </p:cNvSpPr>
+          <p:nvPr>
+            <p:ph idx="1"/>
+          </p:nvPr>
+        </p:nvSpPr>
+        <p:spPr/>
+        <p:txBody>
+          <a:bodyPr/>
+          <a:lstStyle/>
+          <a:p>
+            <a:pPr>
+              <a:buFont typeface="Wingdings" panose="05000000000000000000" pitchFamily="2" charset="2"/>
+              <a:buChar char="Ø"/>
+            </a:pPr>
+            <a:r>
+              <a:rPr lang="de-DE" dirty="0"/>
+              <a:t> </a:t>
+            </a:r>
+            <a:r>
+              <a:rPr lang="de-DE" dirty="0" err="1"/>
+              <a:t>Gradle</a:t>
+            </a:r>
+            <a:r>
+              <a:rPr lang="de-DE" dirty="0"/>
+              <a:t> Projekt (</a:t>
+            </a:r>
+            <a:r>
+              <a:rPr lang="de-DE" dirty="0" err="1"/>
+              <a:t>Gradle</a:t>
+            </a:r>
+            <a:r>
+              <a:rPr lang="de-DE" dirty="0"/>
+              <a:t> Tasks für das Starten der verschiedenen Tests)</a:t>
+            </a:r>
+          </a:p>
+          <a:p>
+            <a:pPr>
+              <a:buFont typeface="Wingdings" panose="05000000000000000000" pitchFamily="2" charset="2"/>
+              <a:buChar char="Ø"/>
+            </a:pPr>
+            <a:r>
+              <a:rPr lang="de-DE" dirty="0"/>
+              <a:t> Installationen:</a:t>
+            </a:r>
+          </a:p>
+          <a:p>
+            <a:pPr lvl="1">
+              <a:buFont typeface="Wingdings" panose="05000000000000000000" pitchFamily="2" charset="2"/>
+              <a:buChar char="Ø"/>
+            </a:pPr>
+            <a:r>
+              <a:rPr lang="de-DE" dirty="0"/>
+              <a:t>Gatling als </a:t>
+            </a:r>
+            <a:r>
+              <a:rPr lang="de-DE" dirty="0" err="1"/>
+              <a:t>Gradle</a:t>
+            </a:r>
+            <a:r>
+              <a:rPr lang="de-DE" dirty="0"/>
+              <a:t> </a:t>
+            </a:r>
+            <a:r>
+              <a:rPr lang="de-DE" dirty="0" err="1"/>
+              <a:t>Dependency</a:t>
+            </a:r>
+            <a:endParaRPr lang="de-DE" dirty="0"/>
+          </a:p>
+          <a:p>
+            <a:pPr lvl="1">
+              <a:buFont typeface="Wingdings" panose="05000000000000000000" pitchFamily="2" charset="2"/>
+              <a:buChar char="Ø"/>
+            </a:pPr>
+            <a:r>
+              <a:rPr lang="de-DE" dirty="0" err="1"/>
+              <a:t>Locust</a:t>
+            </a:r>
+            <a:r>
+              <a:rPr lang="de-DE" dirty="0"/>
+              <a:t> mit Python </a:t>
+            </a:r>
+            <a:r>
+              <a:rPr lang="de-DE" dirty="0" err="1"/>
+              <a:t>Pip</a:t>
+            </a:r>
+            <a:endParaRPr lang="de-DE" dirty="0"/>
+          </a:p>
+          <a:p>
+            <a:pPr lvl="1">
+              <a:buFont typeface="Wingdings" panose="05000000000000000000" pitchFamily="2" charset="2"/>
+              <a:buChar char="Ø"/>
+            </a:pPr>
+            <a:r>
+              <a:rPr lang="de-DE" dirty="0" err="1"/>
+              <a:t>Artillery</a:t>
+            </a:r>
+            <a:r>
+              <a:rPr lang="de-DE" dirty="0"/>
+              <a:t> mit </a:t>
+            </a:r>
+            <a:r>
+              <a:rPr lang="de-DE" dirty="0" err="1"/>
+              <a:t>npm</a:t>
+            </a:r>
+            <a:endParaRPr lang="de-DE" dirty="0"/>
+          </a:p>
+        </p:txBody>
+      </p:sp>
+      <p:sp>
+        <p:nvSpPr>
+          <p:cNvPr id="4" name="Datumsplatzhalter 3">
+            <a:extLst>
+              <a:ext uri="{FF2B5EF4-FFF2-40B4-BE49-F238E27FC236}">
+                <a16:creationId xmlns:a16="http://schemas.microsoft.com/office/drawing/2014/main" id="{DF7516F0-F6F8-4C07-9AD1-000677960898}"/>
+              </a:ext>
+            </a:extLst>
+          </p:cNvPr>
+          <p:cNvSpPr>
+            <a:spLocks noGrp="1"/>
+          </p:cNvSpPr>
+          <p:nvPr>
+            <p:ph type="dt" sz="half" idx="10"/>
+          </p:nvPr>
+        </p:nvSpPr>
+        <p:spPr/>
+        <p:txBody>
+          <a:bodyPr/>
+          <a:lstStyle/>
+          <a:p>
+            <a:fld id="{7858EF83-5965-4AF8-9DE8-82F677B09B54}" type="datetime1">
+              <a:rPr lang="de-DE" smtClean="0"/>
+              <a:t>18.06.2018</a:t>
+            </a:fld>
+            <a:endParaRPr lang="de-DE"/>
+          </a:p>
+        </p:txBody>
+      </p:sp>
+      <p:sp>
+        <p:nvSpPr>
+          <p:cNvPr id="5" name="Foliennummernplatzhalter 4">
+            <a:extLst>
+              <a:ext uri="{FF2B5EF4-FFF2-40B4-BE49-F238E27FC236}">
+                <a16:creationId xmlns:a16="http://schemas.microsoft.com/office/drawing/2014/main" id="{663FF34D-06E9-4ACA-B1BF-FC4D04800EEE}"/>
+              </a:ext>
+            </a:extLst>
+          </p:cNvPr>
+          <p:cNvSpPr>
+            <a:spLocks noGrp="1"/>
+          </p:cNvSpPr>
+          <p:nvPr>
+            <p:ph type="sldNum" sz="quarter" idx="12"/>
+          </p:nvPr>
+        </p:nvSpPr>
+        <p:spPr/>
+        <p:txBody>
+          <a:bodyPr/>
+          <a:lstStyle/>
+          <a:p>
+            <a:fld id="{C9BFD74B-BF5B-4F1B-BDFB-3F89FD2A71A6}" type="slidenum">
+              <a:rPr lang="de-DE" smtClean="0"/>
+              <a:t>9</a:t>
+            </a:fld>
+            <a:endParaRPr lang="de-DE"/>
+          </a:p>
+        </p:txBody>
+      </p:sp>
+    </p:spTree>
+    <p:extLst>
+      <p:ext uri="{BB962C8B-B14F-4D97-AF65-F5344CB8AC3E}">
+        <p14:creationId xmlns:p14="http://schemas.microsoft.com/office/powerpoint/2010/main" val="2057577408"/>
+      </p:ext>
+    </p:extLst>
+  </p:cSld>
+  <p:clrMapOvr>
+    <a:masterClrMapping/>
+  </p:clrMapOvr>
+</p:sld>
+</file>
+
 <file path=ppt/theme/theme1.xml><?xml version="1.0" encoding="utf-8"?>
 <a:theme xmlns:a="http://schemas.openxmlformats.org/drawingml/2006/main" name="Rückblick">
   <a:themeElements>

--- a/LoadTesting.pptx
+++ b/LoadTesting.pptx
@@ -5,7 +5,7 @@
     <p:sldMasterId id="2147483672" r:id="rId1"/>
   </p:sldMasterIdLst>
   <p:notesMasterIdLst>
-    <p:notesMasterId r:id="rId14"/>
+    <p:notesMasterId r:id="rId13"/>
   </p:notesMasterIdLst>
   <p:sldIdLst>
     <p:sldId id="256" r:id="rId2"/>
@@ -19,7 +19,6 @@
     <p:sldId id="295" r:id="rId10"/>
     <p:sldId id="293" r:id="rId11"/>
     <p:sldId id="288" r:id="rId12"/>
-    <p:sldId id="259" r:id="rId13"/>
   </p:sldIdLst>
   <p:sldSz cx="12192000" cy="6858000"/>
   <p:notesSz cx="6858000" cy="9144000"/>
@@ -212,7 +211,7 @@
           <a:p>
             <a:fld id="{7F7A1CCF-3A8B-40F6-A64D-2A4687177E43}" type="datetimeFigureOut">
               <a:rPr lang="de-DE" smtClean="0"/>
-              <a:t>18.06.2018</a:t>
+              <a:t>24.06.2018</a:t>
             </a:fld>
             <a:endParaRPr lang="de-DE"/>
           </a:p>
@@ -855,11 +854,10 @@
           <a:bodyPr/>
           <a:lstStyle/>
           <a:p>
-            <a:fld id="{1F23985B-60AA-4E79-BEA5-C25935D74B15}" type="datetime1">
-              <a:rPr lang="de-DE" smtClean="0"/>
-              <a:t>18.06.2018</a:t>
-            </a:fld>
-            <a:endParaRPr lang="de-DE"/>
+            <a:r>
+              <a:rPr lang="de-DE"/>
+              <a:t>02.07.2018</a:t>
+            </a:r>
           </a:p>
         </p:txBody>
       </p:sp>
@@ -878,7 +876,10 @@
           <a:bodyPr/>
           <a:lstStyle/>
           <a:p>
-            <a:endParaRPr lang="de-DE"/>
+            <a:r>
+              <a:rPr lang="de-DE"/>
+              <a:t>Vergleich von Open-Source Lasttest-Tools | Stefan Träger</a:t>
+            </a:r>
           </a:p>
         </p:txBody>
       </p:sp>
@@ -1063,11 +1064,10 @@
           <a:bodyPr/>
           <a:lstStyle/>
           <a:p>
-            <a:fld id="{2B4BA310-ACDC-4138-BFEF-C9793F1134C8}" type="datetime1">
-              <a:rPr lang="de-DE" smtClean="0"/>
-              <a:t>18.06.2018</a:t>
-            </a:fld>
-            <a:endParaRPr lang="de-DE"/>
+            <a:r>
+              <a:rPr lang="de-DE"/>
+              <a:t>02.07.2018</a:t>
+            </a:r>
           </a:p>
         </p:txBody>
       </p:sp>
@@ -1086,7 +1086,10 @@
           <a:bodyPr/>
           <a:lstStyle/>
           <a:p>
-            <a:endParaRPr lang="de-DE"/>
+            <a:r>
+              <a:rPr lang="de-DE"/>
+              <a:t>Vergleich von Open-Source Lasttest-Tools | Stefan Träger</a:t>
+            </a:r>
           </a:p>
         </p:txBody>
       </p:sp>
@@ -1319,11 +1322,10 @@
           <a:bodyPr/>
           <a:lstStyle/>
           <a:p>
-            <a:fld id="{4BF2939E-C662-4EF8-A507-D594630B8155}" type="datetime1">
-              <a:rPr lang="de-DE" smtClean="0"/>
-              <a:t>18.06.2018</a:t>
-            </a:fld>
-            <a:endParaRPr lang="de-DE"/>
+            <a:r>
+              <a:rPr lang="de-DE"/>
+              <a:t>02.07.2018</a:t>
+            </a:r>
           </a:p>
         </p:txBody>
       </p:sp>
@@ -1342,7 +1344,10 @@
           <a:bodyPr/>
           <a:lstStyle/>
           <a:p>
-            <a:endParaRPr lang="de-DE"/>
+            <a:r>
+              <a:rPr lang="de-DE"/>
+              <a:t>Vergleich von Open-Source Lasttest-Tools | Stefan Träger</a:t>
+            </a:r>
           </a:p>
         </p:txBody>
       </p:sp>
@@ -1527,11 +1532,10 @@
           <a:bodyPr/>
           <a:lstStyle/>
           <a:p>
-            <a:fld id="{7858EF83-5965-4AF8-9DE8-82F677B09B54}" type="datetime1">
-              <a:rPr lang="de-DE" smtClean="0"/>
-              <a:t>18.06.2018</a:t>
-            </a:fld>
-            <a:endParaRPr lang="de-DE"/>
+            <a:r>
+              <a:rPr lang="de-DE"/>
+              <a:t>02.07.2018</a:t>
+            </a:r>
           </a:p>
         </p:txBody>
       </p:sp>
@@ -1550,7 +1554,10 @@
           <a:bodyPr/>
           <a:lstStyle/>
           <a:p>
-            <a:endParaRPr lang="de-DE"/>
+            <a:r>
+              <a:rPr lang="de-DE"/>
+              <a:t>Vergleich von Open-Source Lasttest-Tools | Stefan Träger</a:t>
+            </a:r>
           </a:p>
         </p:txBody>
       </p:sp>
@@ -1873,11 +1880,10 @@
           <a:bodyPr/>
           <a:lstStyle/>
           <a:p>
-            <a:fld id="{32CD8DDB-EE84-411E-A8D2-71021DAE03BA}" type="datetime1">
-              <a:rPr lang="de-DE" smtClean="0"/>
-              <a:t>18.06.2018</a:t>
-            </a:fld>
-            <a:endParaRPr lang="de-DE"/>
+            <a:r>
+              <a:rPr lang="de-DE"/>
+              <a:t>02.07.2018</a:t>
+            </a:r>
           </a:p>
         </p:txBody>
       </p:sp>
@@ -1896,7 +1902,10 @@
           <a:bodyPr/>
           <a:lstStyle/>
           <a:p>
-            <a:endParaRPr lang="de-DE"/>
+            <a:r>
+              <a:rPr lang="de-DE"/>
+              <a:t>Vergleich von Open-Source Lasttest-Tools | Stefan Träger</a:t>
+            </a:r>
           </a:p>
         </p:txBody>
       </p:sp>
@@ -2217,11 +2226,10 @@
           <a:bodyPr/>
           <a:lstStyle/>
           <a:p>
-            <a:fld id="{94763377-3757-48C2-9021-7F1A089F2529}" type="datetime1">
-              <a:rPr lang="de-DE" smtClean="0"/>
-              <a:t>18.06.2018</a:t>
-            </a:fld>
-            <a:endParaRPr lang="de-DE"/>
+            <a:r>
+              <a:rPr lang="de-DE"/>
+              <a:t>02.07.2018</a:t>
+            </a:r>
           </a:p>
         </p:txBody>
       </p:sp>
@@ -2240,7 +2248,10 @@
           <a:bodyPr/>
           <a:lstStyle/>
           <a:p>
-            <a:endParaRPr lang="de-DE"/>
+            <a:r>
+              <a:rPr lang="de-DE"/>
+              <a:t>Vergleich von Open-Source Lasttest-Tools | Stefan Träger</a:t>
+            </a:r>
           </a:p>
         </p:txBody>
       </p:sp>
@@ -2669,11 +2680,10 @@
           <a:bodyPr/>
           <a:lstStyle/>
           <a:p>
-            <a:fld id="{94E6E277-6620-4F2B-80F0-A8F239FAA8BA}" type="datetime1">
-              <a:rPr lang="de-DE" smtClean="0"/>
-              <a:t>18.06.2018</a:t>
-            </a:fld>
-            <a:endParaRPr lang="de-DE"/>
+            <a:r>
+              <a:rPr lang="de-DE"/>
+              <a:t>02.07.2018</a:t>
+            </a:r>
           </a:p>
         </p:txBody>
       </p:sp>
@@ -2692,7 +2702,10 @@
           <a:bodyPr/>
           <a:lstStyle/>
           <a:p>
-            <a:endParaRPr lang="de-DE"/>
+            <a:r>
+              <a:rPr lang="de-DE"/>
+              <a:t>Vergleich von Open-Source Lasttest-Tools | Stefan Träger</a:t>
+            </a:r>
           </a:p>
         </p:txBody>
       </p:sp>
@@ -2794,11 +2807,10 @@
           <a:bodyPr/>
           <a:lstStyle/>
           <a:p>
-            <a:fld id="{1F39E577-CBBC-42D3-8703-41365BFDA11C}" type="datetime1">
-              <a:rPr lang="de-DE" smtClean="0"/>
-              <a:t>18.06.2018</a:t>
-            </a:fld>
-            <a:endParaRPr lang="de-DE"/>
+            <a:r>
+              <a:rPr lang="de-DE"/>
+              <a:t>02.07.2018</a:t>
+            </a:r>
           </a:p>
         </p:txBody>
       </p:sp>
@@ -2817,7 +2829,10 @@
           <a:bodyPr/>
           <a:lstStyle/>
           <a:p>
-            <a:endParaRPr lang="de-DE"/>
+            <a:r>
+              <a:rPr lang="de-DE"/>
+              <a:t>Vergleich von Open-Source Lasttest-Tools | Stefan Träger</a:t>
+            </a:r>
           </a:p>
         </p:txBody>
       </p:sp>
@@ -2965,11 +2980,10 @@
           <a:bodyPr/>
           <a:lstStyle/>
           <a:p>
-            <a:fld id="{A600810E-80A4-4193-9277-6EA8DD914AF3}" type="datetime1">
-              <a:rPr lang="de-DE" smtClean="0"/>
-              <a:t>18.06.2018</a:t>
-            </a:fld>
-            <a:endParaRPr lang="de-DE"/>
+            <a:r>
+              <a:rPr lang="de-DE"/>
+              <a:t>02.07.2018</a:t>
+            </a:r>
           </a:p>
         </p:txBody>
       </p:sp>
@@ -2996,7 +3010,10 @@
             </a:lvl1pPr>
           </a:lstStyle>
           <a:p>
-            <a:endParaRPr lang="de-DE"/>
+            <a:r>
+              <a:rPr lang="de-DE"/>
+              <a:t>Vergleich von Open-Source Lasttest-Tools | Stefan Träger</a:t>
+            </a:r>
           </a:p>
         </p:txBody>
       </p:sp>
@@ -3319,11 +3336,10 @@
             </a:lvl1pPr>
           </a:lstStyle>
           <a:p>
-            <a:fld id="{5A272ADB-5D96-47C0-836C-262FFB2885B6}" type="datetime1">
-              <a:rPr lang="de-DE" smtClean="0"/>
-              <a:t>18.06.2018</a:t>
-            </a:fld>
-            <a:endParaRPr lang="de-DE"/>
+            <a:r>
+              <a:rPr lang="de-DE"/>
+              <a:t>02.07.2018</a:t>
+            </a:r>
           </a:p>
         </p:txBody>
       </p:sp>
@@ -3355,7 +3371,10 @@
             </a:lvl1pPr>
           </a:lstStyle>
           <a:p>
-            <a:endParaRPr lang="de-DE"/>
+            <a:r>
+              <a:rPr lang="de-DE"/>
+              <a:t>Vergleich von Open-Source Lasttest-Tools | Stefan Träger</a:t>
+            </a:r>
           </a:p>
         </p:txBody>
       </p:sp>
@@ -3696,11 +3715,10 @@
           <a:bodyPr/>
           <a:lstStyle/>
           <a:p>
-            <a:fld id="{730439AA-FB42-40B9-8395-E31A2B37DDC4}" type="datetime1">
-              <a:rPr lang="de-DE" smtClean="0"/>
-              <a:t>18.06.2018</a:t>
-            </a:fld>
-            <a:endParaRPr lang="de-DE"/>
+            <a:r>
+              <a:rPr lang="de-DE"/>
+              <a:t>02.07.2018</a:t>
+            </a:r>
           </a:p>
         </p:txBody>
       </p:sp>
@@ -3719,7 +3737,10 @@
           <a:bodyPr/>
           <a:lstStyle/>
           <a:p>
-            <a:endParaRPr lang="de-DE"/>
+            <a:r>
+              <a:rPr lang="de-DE"/>
+              <a:t>Vergleich von Open-Source Lasttest-Tools | Stefan Träger</a:t>
+            </a:r>
           </a:p>
         </p:txBody>
       </p:sp>
@@ -3985,11 +4006,10 @@
             </a:lvl1pPr>
           </a:lstStyle>
           <a:p>
-            <a:fld id="{6FE7B584-F67F-4054-B603-6630D72D5640}" type="datetime1">
-              <a:rPr lang="de-DE" smtClean="0"/>
-              <a:pPr/>
-              <a:t>18.06.2018</a:t>
-            </a:fld>
+            <a:r>
+              <a:rPr lang="de-DE"/>
+              <a:t>02.07.2018</a:t>
+            </a:r>
             <a:endParaRPr lang="de-DE" dirty="0"/>
           </a:p>
         </p:txBody>
@@ -4027,6 +4047,10 @@
             </a:lvl1pPr>
           </a:lstStyle>
           <a:p>
+            <a:r>
+              <a:rPr lang="de-DE"/>
+              <a:t>Vergleich von Open-Source Lasttest-Tools | Stefan Träger</a:t>
+            </a:r>
             <a:endParaRPr lang="de-DE" dirty="0"/>
           </a:p>
         </p:txBody>
@@ -4656,14 +4680,14 @@
             <p:ph idx="1"/>
             <p:extLst>
               <p:ext uri="{D42A27DB-BD31-4B8C-83A1-F6EECF244321}">
-                <p14:modId xmlns:p14="http://schemas.microsoft.com/office/powerpoint/2010/main" val="963123006"/>
+                <p14:modId xmlns:p14="http://schemas.microsoft.com/office/powerpoint/2010/main" val="2356859967"/>
               </p:ext>
             </p:extLst>
           </p:nvPr>
         </p:nvGraphicFramePr>
         <p:xfrm>
-          <a:off x="1096963" y="1846263"/>
-          <a:ext cx="10058400" cy="4399280"/>
+          <a:off x="146304" y="1827975"/>
+          <a:ext cx="11914316" cy="4399280"/>
         </p:xfrm>
         <a:graphic>
           <a:graphicData uri="http://schemas.openxmlformats.org/drawingml/2006/table">
@@ -4672,28 +4696,28 @@
                 <a:tableStyleId>{5C22544A-7EE6-4342-B048-85BDC9FD1C3A}</a:tableStyleId>
               </a:tblPr>
               <a:tblGrid>
-                <a:gridCol w="2514600">
+                <a:gridCol w="2978579">
                   <a:extLst>
                     <a:ext uri="{9D8B030D-6E8A-4147-A177-3AD203B41FA5}">
                       <a16:colId xmlns:a16="http://schemas.microsoft.com/office/drawing/2014/main" val="4043243373"/>
                     </a:ext>
                   </a:extLst>
                 </a:gridCol>
-                <a:gridCol w="2514600">
+                <a:gridCol w="2978579">
                   <a:extLst>
                     <a:ext uri="{9D8B030D-6E8A-4147-A177-3AD203B41FA5}">
                       <a16:colId xmlns:a16="http://schemas.microsoft.com/office/drawing/2014/main" val="3224653980"/>
                     </a:ext>
                   </a:extLst>
                 </a:gridCol>
-                <a:gridCol w="2514600">
+                <a:gridCol w="2978579">
                   <a:extLst>
                     <a:ext uri="{9D8B030D-6E8A-4147-A177-3AD203B41FA5}">
                       <a16:colId xmlns:a16="http://schemas.microsoft.com/office/drawing/2014/main" val="1500568629"/>
                     </a:ext>
                   </a:extLst>
                 </a:gridCol>
-                <a:gridCol w="2514600">
+                <a:gridCol w="2978579">
                   <a:extLst>
                     <a:ext uri="{9D8B030D-6E8A-4147-A177-3AD203B41FA5}">
                       <a16:colId xmlns:a16="http://schemas.microsoft.com/office/drawing/2014/main" val="829322388"/>
@@ -4781,6 +4805,10 @@
                     <a:bodyPr/>
                     <a:lstStyle/>
                     <a:p>
+                      <a:pPr marL="285750" indent="-285750">
+                        <a:buFont typeface="Arial" panose="020B0604020202020204" pitchFamily="34" charset="0"/>
+                        <a:buChar char="•"/>
+                      </a:pPr>
                       <a:r>
                         <a:rPr lang="de-DE" dirty="0"/>
                         <a:t>JDK8</a:t>
@@ -4794,6 +4822,10 @@
                     <a:bodyPr/>
                     <a:lstStyle/>
                     <a:p>
+                      <a:pPr marL="285750" indent="-285750">
+                        <a:buFont typeface="Arial" panose="020B0604020202020204" pitchFamily="34" charset="0"/>
+                        <a:buChar char="•"/>
+                      </a:pPr>
                       <a:r>
                         <a:rPr lang="de-DE" dirty="0"/>
                         <a:t>Python 2.x bzw. 3.x</a:t>
@@ -4807,6 +4839,10 @@
                     <a:bodyPr/>
                     <a:lstStyle/>
                     <a:p>
+                      <a:pPr marL="285750" indent="-285750">
+                        <a:buFont typeface="Arial" panose="020B0604020202020204" pitchFamily="34" charset="0"/>
+                        <a:buChar char="•"/>
+                      </a:pPr>
                       <a:r>
                         <a:rPr lang="de-DE" dirty="0"/>
                         <a:t>Node.js</a:t>
@@ -4829,7 +4865,7 @@
                     <a:p>
                       <a:r>
                         <a:rPr lang="de-DE" dirty="0"/>
-                        <a:t>Einbinden</a:t>
+                        <a:t>Installationsmöglichkeiten</a:t>
                       </a:r>
                     </a:p>
                   </a:txBody>
@@ -4840,13 +4876,34 @@
                     <a:bodyPr/>
                     <a:lstStyle/>
                     <a:p>
+                      <a:pPr marL="285750" indent="-285750">
+                        <a:buFont typeface="Arial" panose="020B0604020202020204" pitchFamily="34" charset="0"/>
+                        <a:buChar char="•"/>
+                      </a:pPr>
                       <a:r>
                         <a:rPr lang="de-DE" dirty="0" err="1"/>
                         <a:t>Gradle</a:t>
                       </a:r>
+                      <a:endParaRPr lang="de-DE" dirty="0"/>
+                    </a:p>
+                    <a:p>
+                      <a:pPr marL="285750" indent="-285750">
+                        <a:buFont typeface="Arial" panose="020B0604020202020204" pitchFamily="34" charset="0"/>
+                        <a:buChar char="•"/>
+                      </a:pPr>
                       <a:r>
                         <a:rPr lang="de-DE" dirty="0"/>
-                        <a:t>, ZIP Bundle, Maven</a:t>
+                        <a:t>ZIP Bundle</a:t>
+                      </a:r>
+                    </a:p>
+                    <a:p>
+                      <a:pPr marL="285750" indent="-285750">
+                        <a:buFont typeface="Arial" panose="020B0604020202020204" pitchFamily="34" charset="0"/>
+                        <a:buChar char="•"/>
+                      </a:pPr>
+                      <a:r>
+                        <a:rPr lang="de-DE" dirty="0"/>
+                        <a:t>Maven</a:t>
                       </a:r>
                     </a:p>
                   </a:txBody>
@@ -4857,6 +4914,10 @@
                     <a:bodyPr/>
                     <a:lstStyle/>
                     <a:p>
+                      <a:pPr marL="285750" indent="-285750">
+                        <a:buFont typeface="Arial" panose="020B0604020202020204" pitchFamily="34" charset="0"/>
+                        <a:buChar char="•"/>
+                      </a:pPr>
                       <a:r>
                         <a:rPr lang="de-DE" dirty="0"/>
                         <a:t>Python </a:t>
@@ -4865,10 +4926,13 @@
                         <a:rPr lang="de-DE" dirty="0" err="1"/>
                         <a:t>pip</a:t>
                       </a:r>
-                      <a:r>
-                        <a:rPr lang="de-DE" dirty="0"/>
-                        <a:t>, </a:t>
-                      </a:r>
+                      <a:endParaRPr lang="de-DE" dirty="0"/>
+                    </a:p>
+                    <a:p>
+                      <a:pPr marL="285750" indent="-285750">
+                        <a:buFont typeface="Arial" panose="020B0604020202020204" pitchFamily="34" charset="0"/>
+                        <a:buChar char="•"/>
+                      </a:pPr>
                       <a:r>
                         <a:rPr lang="de-DE" dirty="0" err="1"/>
                         <a:t>Homebrew</a:t>
@@ -4886,6 +4950,10 @@
                     <a:bodyPr/>
                     <a:lstStyle/>
                     <a:p>
+                      <a:pPr marL="285750" indent="-285750">
+                        <a:buFont typeface="Arial" panose="020B0604020202020204" pitchFamily="34" charset="0"/>
+                        <a:buChar char="•"/>
+                      </a:pPr>
                       <a:r>
                         <a:rPr lang="de-DE" dirty="0" err="1"/>
                         <a:t>Npm</a:t>
@@ -4920,9 +4988,23 @@
                     <a:bodyPr/>
                     <a:lstStyle/>
                     <a:p>
+                      <a:pPr marL="285750" indent="-285750">
+                        <a:buFont typeface="Arial" panose="020B0604020202020204" pitchFamily="34" charset="0"/>
+                        <a:buChar char="•"/>
+                      </a:pPr>
                       <a:r>
                         <a:rPr lang="de-DE" dirty="0"/>
-                        <a:t>Ausgabe in Konsole + Testreport als HTML</a:t>
+                        <a:t>Ausgabe in Konsole</a:t>
+                      </a:r>
+                    </a:p>
+                    <a:p>
+                      <a:pPr marL="285750" indent="-285750">
+                        <a:buFont typeface="Arial" panose="020B0604020202020204" pitchFamily="34" charset="0"/>
+                        <a:buChar char="•"/>
+                      </a:pPr>
+                      <a:r>
+                        <a:rPr lang="de-DE" dirty="0"/>
+                        <a:t>Testreport als HTML</a:t>
                       </a:r>
                     </a:p>
                   </a:txBody>
@@ -4933,9 +5015,23 @@
                     <a:bodyPr/>
                     <a:lstStyle/>
                     <a:p>
+                      <a:pPr marL="285750" indent="-285750">
+                        <a:buFont typeface="Arial" panose="020B0604020202020204" pitchFamily="34" charset="0"/>
+                        <a:buChar char="•"/>
+                      </a:pPr>
                       <a:r>
                         <a:rPr lang="de-DE" dirty="0"/>
-                        <a:t>Live-Dashboard (Browser) + Report nach Testlauf</a:t>
+                        <a:t>Live-Dashboard (Browser)</a:t>
+                      </a:r>
+                    </a:p>
+                    <a:p>
+                      <a:pPr marL="285750" indent="-285750">
+                        <a:buFont typeface="Arial" panose="020B0604020202020204" pitchFamily="34" charset="0"/>
+                        <a:buChar char="•"/>
+                      </a:pPr>
+                      <a:r>
+                        <a:rPr lang="de-DE" dirty="0"/>
+                        <a:t>Report nach Testlauf</a:t>
                       </a:r>
                     </a:p>
                   </a:txBody>
@@ -4946,9 +5042,23 @@
                     <a:bodyPr/>
                     <a:lstStyle/>
                     <a:p>
+                      <a:pPr marL="285750" indent="-285750">
+                        <a:buFont typeface="Arial" panose="020B0604020202020204" pitchFamily="34" charset="0"/>
+                        <a:buChar char="•"/>
+                      </a:pPr>
                       <a:r>
                         <a:rPr lang="de-DE" dirty="0"/>
-                        <a:t>Ausgabe in Konsole + Testreport als HTML</a:t>
+                        <a:t>Ausgabe in Konsole</a:t>
+                      </a:r>
+                    </a:p>
+                    <a:p>
+                      <a:pPr marL="285750" indent="-285750">
+                        <a:buFont typeface="Arial" panose="020B0604020202020204" pitchFamily="34" charset="0"/>
+                        <a:buChar char="•"/>
+                      </a:pPr>
+                      <a:r>
+                        <a:rPr lang="de-DE" dirty="0"/>
+                        <a:t>Testreport als HTML</a:t>
                       </a:r>
                     </a:p>
                   </a:txBody>
@@ -4979,9 +5089,13 @@
                     <a:bodyPr/>
                     <a:lstStyle/>
                     <a:p>
+                      <a:pPr marL="285750" indent="-285750">
+                        <a:buFont typeface="Arial" panose="020B0604020202020204" pitchFamily="34" charset="0"/>
+                        <a:buChar char="•"/>
+                      </a:pPr>
                       <a:r>
                         <a:rPr lang="de-DE" dirty="0"/>
-                        <a:t>Durch Doku auch Scala kein Problem</a:t>
+                        <a:t>Keine Scala Kenntnisse notwendig</a:t>
                       </a:r>
                     </a:p>
                   </a:txBody>
@@ -4992,9 +5106,39 @@
                     <a:bodyPr/>
                     <a:lstStyle/>
                     <a:p>
+                      <a:pPr marL="285750" indent="-285750">
+                        <a:buFont typeface="Arial" panose="020B0604020202020204" pitchFamily="34" charset="0"/>
+                        <a:buChar char="•"/>
+                      </a:pPr>
                       <a:r>
                         <a:rPr lang="de-DE" dirty="0"/>
-                        <a:t>Python Skript einfach zu erstellen</a:t>
+                        <a:t>Python Kenntnisse (Bsp. CSV-Feeder)</a:t>
+                      </a:r>
+                    </a:p>
+                    <a:p>
+                      <a:pPr marL="285750" indent="-285750">
+                        <a:buFont typeface="Arial" panose="020B0604020202020204" pitchFamily="34" charset="0"/>
+                        <a:buChar char="•"/>
+                      </a:pPr>
+                      <a:r>
+                        <a:rPr lang="de-DE" dirty="0"/>
+                        <a:t>Lokal umständlicher (</a:t>
+                      </a:r>
+                      <a:r>
+                        <a:rPr lang="de-DE" dirty="0" err="1"/>
+                        <a:t>WebUI</a:t>
+                      </a:r>
+                      <a:r>
+                        <a:rPr lang="de-DE" dirty="0"/>
+                        <a:t> zur User </a:t>
+                      </a:r>
+                      <a:r>
+                        <a:rPr lang="de-DE" dirty="0" err="1"/>
+                        <a:t>Config</a:t>
+                      </a:r>
+                      <a:r>
+                        <a:rPr lang="de-DE" dirty="0"/>
+                        <a:t>)</a:t>
                       </a:r>
                     </a:p>
                   </a:txBody>
@@ -5005,17 +5149,13 @@
                     <a:bodyPr/>
                     <a:lstStyle/>
                     <a:p>
+                      <a:pPr marL="285750" indent="-285750">
+                        <a:buFont typeface="Arial" panose="020B0604020202020204" pitchFamily="34" charset="0"/>
+                        <a:buChar char="•"/>
+                      </a:pPr>
                       <a:r>
                         <a:rPr lang="de-DE" dirty="0"/>
-                        <a:t>Einfache </a:t>
-                      </a:r>
-                      <a:r>
-                        <a:rPr lang="de-DE" dirty="0" err="1"/>
-                        <a:t>Config</a:t>
-                      </a:r>
-                      <a:r>
-                        <a:rPr lang="de-DE" dirty="0"/>
-                        <a:t> durch .</a:t>
+                        <a:t>Sprechendes Format (.</a:t>
                       </a:r>
                       <a:r>
                         <a:rPr lang="de-DE" dirty="0" err="1"/>
@@ -5023,7 +5163,7 @@
                       </a:r>
                       <a:r>
                         <a:rPr lang="de-DE" dirty="0"/>
-                        <a:t> Format</a:t>
+                        <a:t>)</a:t>
                       </a:r>
                     </a:p>
                   </a:txBody>
@@ -5067,9 +5207,13 @@
                     <a:bodyPr/>
                     <a:lstStyle/>
                     <a:p>
+                      <a:pPr marL="285750" indent="-285750">
+                        <a:buFont typeface="Arial" panose="020B0604020202020204" pitchFamily="34" charset="0"/>
+                        <a:buChar char="•"/>
+                      </a:pPr>
                       <a:r>
                         <a:rPr lang="de-DE" dirty="0"/>
-                        <a:t>Keine integrierte Methode, um CSV Feeder einzubauen. Manuelle Methode nötig.</a:t>
+                        <a:t>Kein CSV-Feeder -&gt; manuelles Schreiben einer passenden Methode</a:t>
                       </a:r>
                     </a:p>
                   </a:txBody>
@@ -5080,13 +5224,17 @@
                     <a:bodyPr/>
                     <a:lstStyle/>
                     <a:p>
+                      <a:pPr marL="285750" indent="-285750">
+                        <a:buFont typeface="Arial" panose="020B0604020202020204" pitchFamily="34" charset="0"/>
+                        <a:buChar char="•"/>
+                      </a:pPr>
                       <a:r>
                         <a:rPr lang="de-DE" dirty="0" err="1"/>
-                        <a:t>RampUp</a:t>
+                        <a:t>Ramp</a:t>
                       </a:r>
                       <a:r>
                         <a:rPr lang="de-DE" dirty="0"/>
-                        <a:t> nur über Umwege möglich (Phasendefinitionen)</a:t>
+                        <a:t>-Up nicht direkt integriert</a:t>
                       </a:r>
                     </a:p>
                   </a:txBody>
@@ -5123,11 +5271,10 @@
           <a:bodyPr/>
           <a:lstStyle/>
           <a:p>
-            <a:fld id="{7858EF83-5965-4AF8-9DE8-82F677B09B54}" type="datetime1">
-              <a:rPr lang="de-DE" smtClean="0"/>
-              <a:t>18.06.2018</a:t>
-            </a:fld>
-            <a:endParaRPr lang="de-DE"/>
+            <a:r>
+              <a:rPr lang="de-DE"/>
+              <a:t>02.07.2018</a:t>
+            </a:r>
           </a:p>
         </p:txBody>
       </p:sp>
@@ -5232,11 +5379,10 @@
           <a:bodyPr/>
           <a:lstStyle/>
           <a:p>
-            <a:fld id="{49A8623C-ABF8-406C-A680-4F9F807D2E5A}" type="datetime1">
-              <a:rPr lang="de-DE" smtClean="0"/>
-              <a:t>18.06.2018</a:t>
-            </a:fld>
-            <a:endParaRPr lang="de-DE"/>
+            <a:r>
+              <a:rPr lang="de-DE"/>
+              <a:t>02.07.2018</a:t>
+            </a:r>
           </a:p>
         </p:txBody>
       </p:sp>
@@ -5395,227 +5541,6 @@
       </p:par>
     </p:tnLst>
   </p:timing>
-</p:sld>
-</file>
-
-<file path=ppt/slides/slide12.xml><?xml version="1.0" encoding="utf-8"?>
-<p:sld xmlns:a="http://schemas.openxmlformats.org/drawingml/2006/main" xmlns:r="http://schemas.openxmlformats.org/officeDocument/2006/relationships" xmlns:p="http://schemas.openxmlformats.org/presentationml/2006/main">
-  <p:cSld>
-    <p:spTree>
-      <p:nvGrpSpPr>
-        <p:cNvPr id="1" name=""/>
-        <p:cNvGrpSpPr/>
-        <p:nvPr/>
-      </p:nvGrpSpPr>
-      <p:grpSpPr>
-        <a:xfrm>
-          <a:off x="0" y="0"/>
-          <a:ext cx="0" cy="0"/>
-          <a:chOff x="0" y="0"/>
-          <a:chExt cx="0" cy="0"/>
-        </a:xfrm>
-      </p:grpSpPr>
-      <p:sp>
-        <p:nvSpPr>
-          <p:cNvPr id="2" name="Titel 1">
-            <a:extLst>
-              <a:ext uri="{FF2B5EF4-FFF2-40B4-BE49-F238E27FC236}">
-                <a16:creationId xmlns:a16="http://schemas.microsoft.com/office/drawing/2014/main" id="{CFA6FC09-FD2A-4DC6-AA0E-AD0A47762821}"/>
-              </a:ext>
-            </a:extLst>
-          </p:cNvPr>
-          <p:cNvSpPr>
-            <a:spLocks noGrp="1"/>
-          </p:cNvSpPr>
-          <p:nvPr>
-            <p:ph type="title"/>
-          </p:nvPr>
-        </p:nvSpPr>
-        <p:spPr/>
-        <p:txBody>
-          <a:bodyPr/>
-          <a:lstStyle/>
-          <a:p>
-            <a:r>
-              <a:rPr lang="de-DE" dirty="0"/>
-              <a:t>Quellenverzeichnis</a:t>
-            </a:r>
-          </a:p>
-        </p:txBody>
-      </p:sp>
-      <p:sp>
-        <p:nvSpPr>
-          <p:cNvPr id="3" name="Inhaltsplatzhalter 2">
-            <a:extLst>
-              <a:ext uri="{FF2B5EF4-FFF2-40B4-BE49-F238E27FC236}">
-                <a16:creationId xmlns:a16="http://schemas.microsoft.com/office/drawing/2014/main" id="{F926B786-52E8-4D73-810F-00938F8555A6}"/>
-              </a:ext>
-            </a:extLst>
-          </p:cNvPr>
-          <p:cNvSpPr>
-            <a:spLocks noGrp="1"/>
-          </p:cNvSpPr>
-          <p:nvPr>
-            <p:ph idx="1"/>
-          </p:nvPr>
-        </p:nvSpPr>
-        <p:spPr/>
-        <p:txBody>
-          <a:bodyPr/>
-          <a:lstStyle/>
-          <a:p>
-            <a:r>
-              <a:rPr lang="de-DE" dirty="0"/>
-              <a:t>Gatling Logo: </a:t>
-            </a:r>
-            <a:r>
-              <a:rPr lang="de-DE" dirty="0">
-                <a:hlinkClick r:id="rId2"/>
-              </a:rPr>
-              <a:t>https://gatling.io</a:t>
-            </a:r>
-            <a:endParaRPr lang="de-DE" dirty="0"/>
-          </a:p>
-          <a:p>
-            <a:r>
-              <a:rPr lang="de-DE" dirty="0" err="1"/>
-              <a:t>Locust</a:t>
-            </a:r>
-            <a:r>
-              <a:rPr lang="de-DE" dirty="0"/>
-              <a:t> Logo: </a:t>
-            </a:r>
-            <a:r>
-              <a:rPr lang="de-DE" dirty="0">
-                <a:hlinkClick r:id="rId3"/>
-              </a:rPr>
-              <a:t>https://locust.io</a:t>
-            </a:r>
-            <a:endParaRPr lang="de-DE" dirty="0"/>
-          </a:p>
-          <a:p>
-            <a:r>
-              <a:rPr lang="de-DE" dirty="0" err="1"/>
-              <a:t>NGrinder</a:t>
-            </a:r>
-            <a:r>
-              <a:rPr lang="de-DE" dirty="0"/>
-              <a:t> Logo: </a:t>
-            </a:r>
-            <a:r>
-              <a:rPr lang="de-DE" dirty="0">
-                <a:hlinkClick r:id="rId4"/>
-              </a:rPr>
-              <a:t>http://naver.github.io/ngrinder/</a:t>
-            </a:r>
-            <a:endParaRPr lang="de-DE" dirty="0"/>
-          </a:p>
-          <a:p>
-            <a:r>
-              <a:rPr lang="de-DE" dirty="0" err="1"/>
-              <a:t>Artillery</a:t>
-            </a:r>
-            <a:r>
-              <a:rPr lang="de-DE" dirty="0"/>
-              <a:t> Logo: </a:t>
-            </a:r>
-            <a:r>
-              <a:rPr lang="de-DE" dirty="0">
-                <a:hlinkClick r:id="rId5"/>
-              </a:rPr>
-              <a:t>https://artillery.io</a:t>
-            </a:r>
-            <a:endParaRPr lang="de-DE" dirty="0"/>
-          </a:p>
-          <a:p>
-            <a:r>
-              <a:rPr lang="de-DE" dirty="0"/>
-              <a:t>k6 Logo: </a:t>
-            </a:r>
-            <a:r>
-              <a:rPr lang="de-DE" dirty="0">
-                <a:hlinkClick r:id="rId6"/>
-              </a:rPr>
-              <a:t>https://k6.io</a:t>
-            </a:r>
-            <a:endParaRPr lang="de-DE" dirty="0"/>
-          </a:p>
-          <a:p>
-            <a:endParaRPr lang="de-DE" dirty="0"/>
-          </a:p>
-          <a:p>
-            <a:endParaRPr lang="de-DE" dirty="0"/>
-          </a:p>
-        </p:txBody>
-      </p:sp>
-      <p:sp>
-        <p:nvSpPr>
-          <p:cNvPr id="4" name="Datumsplatzhalter 3">
-            <a:extLst>
-              <a:ext uri="{FF2B5EF4-FFF2-40B4-BE49-F238E27FC236}">
-                <a16:creationId xmlns:a16="http://schemas.microsoft.com/office/drawing/2014/main" id="{3E9F0B9F-17E5-4703-8283-92A0990D0830}"/>
-              </a:ext>
-            </a:extLst>
-          </p:cNvPr>
-          <p:cNvSpPr>
-            <a:spLocks noGrp="1"/>
-          </p:cNvSpPr>
-          <p:nvPr>
-            <p:ph type="dt" sz="half" idx="10"/>
-          </p:nvPr>
-        </p:nvSpPr>
-        <p:spPr/>
-        <p:txBody>
-          <a:bodyPr/>
-          <a:lstStyle/>
-          <a:p>
-            <a:fld id="{0CDF705D-777F-4BBF-9B3D-03F87ED8E581}" type="datetime1">
-              <a:rPr lang="de-DE" smtClean="0"/>
-              <a:t>18.06.2018</a:t>
-            </a:fld>
-            <a:endParaRPr lang="de-DE"/>
-          </a:p>
-        </p:txBody>
-      </p:sp>
-      <p:sp>
-        <p:nvSpPr>
-          <p:cNvPr id="5" name="Foliennummernplatzhalter 4">
-            <a:extLst>
-              <a:ext uri="{FF2B5EF4-FFF2-40B4-BE49-F238E27FC236}">
-                <a16:creationId xmlns:a16="http://schemas.microsoft.com/office/drawing/2014/main" id="{81891E25-DF85-4697-83D5-B83859A51B2C}"/>
-              </a:ext>
-            </a:extLst>
-          </p:cNvPr>
-          <p:cNvSpPr>
-            <a:spLocks noGrp="1"/>
-          </p:cNvSpPr>
-          <p:nvPr>
-            <p:ph type="sldNum" sz="quarter" idx="12"/>
-          </p:nvPr>
-        </p:nvSpPr>
-        <p:spPr/>
-        <p:txBody>
-          <a:bodyPr/>
-          <a:lstStyle/>
-          <a:p>
-            <a:fld id="{C9BFD74B-BF5B-4F1B-BDFB-3F89FD2A71A6}" type="slidenum">
-              <a:rPr lang="de-DE" smtClean="0"/>
-              <a:t>12</a:t>
-            </a:fld>
-            <a:endParaRPr lang="de-DE"/>
-          </a:p>
-        </p:txBody>
-      </p:sp>
-    </p:spTree>
-    <p:extLst>
-      <p:ext uri="{BB962C8B-B14F-4D97-AF65-F5344CB8AC3E}">
-        <p14:creationId xmlns:p14="http://schemas.microsoft.com/office/powerpoint/2010/main" val="78394033"/>
-      </p:ext>
-    </p:extLst>
-  </p:cSld>
-  <p:clrMapOvr>
-    <a:masterClrMapping/>
-  </p:clrMapOvr>
 </p:sld>
 </file>
 
@@ -5747,11 +5672,10 @@
           <a:bodyPr/>
           <a:lstStyle/>
           <a:p>
-            <a:fld id="{8E8B6494-CAD2-423A-8565-2C4A8AE8562C}" type="datetime1">
-              <a:rPr lang="de-DE" smtClean="0"/>
-              <a:t>18.06.2018</a:t>
-            </a:fld>
-            <a:endParaRPr lang="de-DE"/>
+            <a:r>
+              <a:rPr lang="de-DE"/>
+              <a:t>02.07.2018</a:t>
+            </a:r>
           </a:p>
         </p:txBody>
       </p:sp>
@@ -5871,7 +5795,11 @@
             </a:pPr>
             <a:r>
               <a:rPr lang="de-DE" dirty="0"/>
-              <a:t> Performance Test:</a:t>
+              <a:t> </a:t>
+            </a:r>
+            <a:r>
+              <a:rPr lang="de-DE" b="1" dirty="0"/>
+              <a:t>Performance Test:</a:t>
             </a:r>
           </a:p>
           <a:p>
@@ -5894,11 +5822,11 @@
               <a:t> </a:t>
             </a:r>
             <a:r>
-              <a:rPr lang="de-DE" dirty="0" err="1"/>
+              <a:rPr lang="de-DE" b="1" dirty="0" err="1"/>
               <a:t>Lasttest</a:t>
             </a:r>
             <a:r>
-              <a:rPr lang="de-DE" dirty="0"/>
+              <a:rPr lang="de-DE" b="1" dirty="0"/>
               <a:t>:</a:t>
             </a:r>
           </a:p>
@@ -5934,7 +5862,7 @@
               <a:buChar char="Ø"/>
             </a:pPr>
             <a:r>
-              <a:rPr lang="de-DE" dirty="0"/>
+              <a:rPr lang="de-DE" b="1" dirty="0"/>
               <a:t> Stresstest:</a:t>
             </a:r>
           </a:p>
@@ -5967,10 +5895,50 @@
             </a:r>
           </a:p>
           <a:p>
-            <a:pPr marL="0" indent="0">
-              <a:buNone/>
+            <a:pPr>
+              <a:buFont typeface="Wingdings" panose="05000000000000000000" pitchFamily="2" charset="2"/>
+              <a:buChar char="Ø"/>
             </a:pPr>
-            <a:endParaRPr lang="de-DE" dirty="0"/>
+            <a:r>
+              <a:rPr lang="de-DE" b="1" dirty="0"/>
+              <a:t>Kapazitätstest:</a:t>
+            </a:r>
+          </a:p>
+          <a:p>
+            <a:pPr lvl="1">
+              <a:buFont typeface="Wingdings" panose="05000000000000000000" pitchFamily="2" charset="2"/>
+              <a:buChar char="Ø"/>
+            </a:pPr>
+            <a:r>
+              <a:rPr lang="de-DE" dirty="0"/>
+              <a:t>Gibt Auskunft, </a:t>
+            </a:r>
+            <a:r>
+              <a:rPr lang="de-DE" b="1" dirty="0"/>
+              <a:t>wie viele Benutzer</a:t>
+            </a:r>
+            <a:r>
+              <a:rPr lang="de-DE" dirty="0"/>
+              <a:t> die Applikation </a:t>
+            </a:r>
+            <a:r>
+              <a:rPr lang="de-DE" b="1" dirty="0"/>
+              <a:t>maximal</a:t>
+            </a:r>
+            <a:r>
+              <a:rPr lang="de-DE" dirty="0"/>
+              <a:t> verträgt</a:t>
+            </a:r>
+          </a:p>
+          <a:p>
+            <a:pPr lvl="1">
+              <a:buFont typeface="Wingdings" panose="05000000000000000000" pitchFamily="2" charset="2"/>
+              <a:buChar char="Ø"/>
+            </a:pPr>
+            <a:r>
+              <a:rPr lang="de-DE" dirty="0"/>
+              <a:t>Test solange, bis Performance &amp; Stabilität beeinträchtigt werden</a:t>
+            </a:r>
           </a:p>
         </p:txBody>
       </p:sp>
@@ -5995,11 +5963,10 @@
           <a:bodyPr/>
           <a:lstStyle/>
           <a:p>
-            <a:fld id="{23EC3B39-C883-44CA-8BF8-D4AC8E88EB16}" type="datetime1">
-              <a:rPr lang="de-DE" smtClean="0"/>
-              <a:t>18.06.2018</a:t>
-            </a:fld>
-            <a:endParaRPr lang="de-DE"/>
+            <a:r>
+              <a:rPr lang="de-DE"/>
+              <a:t>02.07.2018</a:t>
+            </a:r>
           </a:p>
         </p:txBody>
       </p:sp>
@@ -6111,11 +6078,10 @@
           <a:bodyPr/>
           <a:lstStyle/>
           <a:p>
-            <a:fld id="{8BB9C7E3-F0B8-4C1B-8245-ABBD3426EBBA}" type="datetime1">
-              <a:rPr lang="de-DE" smtClean="0"/>
-              <a:t>18.06.2018</a:t>
-            </a:fld>
-            <a:endParaRPr lang="de-DE"/>
+            <a:r>
+              <a:rPr lang="de-DE"/>
+              <a:t>02.07.2018</a:t>
+            </a:r>
           </a:p>
         </p:txBody>
       </p:sp>
@@ -7127,7 +7093,7 @@
             <a:pPr algn="ctr"/>
             <a:r>
               <a:rPr lang="de-DE" dirty="0"/>
-              <a:t>Quick-Check</a:t>
+              <a:t>Quick-Check der Tools</a:t>
             </a:r>
           </a:p>
         </p:txBody>
@@ -7153,11 +7119,10 @@
           <a:bodyPr/>
           <a:lstStyle/>
           <a:p>
-            <a:fld id="{B1D20A44-4E77-4F9B-AD84-A838E630158E}" type="datetime1">
-              <a:rPr lang="de-DE" smtClean="0"/>
-              <a:t>18.06.2018</a:t>
-            </a:fld>
-            <a:endParaRPr lang="de-DE"/>
+            <a:r>
+              <a:rPr lang="de-DE"/>
+              <a:t>02.07.2018</a:t>
+            </a:r>
           </a:p>
         </p:txBody>
       </p:sp>
@@ -14743,7 +14708,7 @@
               <a:tabLst/>
             </a:pPr>
             <a:r>
-              <a:rPr kumimoji="0" lang="de-DE" altLang="de-DE" sz="1000" b="0" i="0" u="none" strike="noStrike" cap="none" normalizeH="0" baseline="0">
+              <a:rPr kumimoji="0" lang="de-DE" altLang="de-DE" sz="1000" b="0" i="0" u="none" strike="noStrike" cap="none" normalizeH="0" baseline="0" dirty="0">
                 <a:ln>
                   <a:noFill/>
                 </a:ln>
@@ -14755,7 +14720,7 @@
               </a:rPr>
               <a:t>Apache Lizenz 2.0</a:t>
             </a:r>
-            <a:endParaRPr kumimoji="0" lang="de-DE" altLang="de-DE" sz="1800" b="0" i="0" u="none" strike="noStrike" cap="none" normalizeH="0" baseline="0">
+            <a:endParaRPr kumimoji="0" lang="de-DE" altLang="de-DE" sz="1800" b="0" i="0" u="none" strike="noStrike" cap="none" normalizeH="0" baseline="0" dirty="0">
               <a:ln>
                 <a:noFill/>
               </a:ln>
@@ -19671,7 +19636,7 @@
               <a:tabLst/>
             </a:pPr>
             <a:r>
-              <a:rPr kumimoji="0" lang="de-DE" altLang="de-DE" sz="1000" b="0" i="0" u="none" strike="noStrike" cap="none" normalizeH="0" baseline="0">
+              <a:rPr kumimoji="0" lang="de-DE" altLang="de-DE" sz="1000" b="0" i="0" u="none" strike="noStrike" cap="none" normalizeH="0" baseline="0" dirty="0">
                 <a:ln>
                   <a:noFill/>
                 </a:ln>
@@ -19683,7 +19648,7 @@
               </a:rPr>
               <a:t>2.4.3 (Apache Server)</a:t>
             </a:r>
-            <a:endParaRPr kumimoji="0" lang="de-DE" altLang="de-DE" sz="1800" b="0" i="0" u="none" strike="noStrike" cap="none" normalizeH="0" baseline="0">
+            <a:endParaRPr kumimoji="0" lang="de-DE" altLang="de-DE" sz="1800" b="0" i="0" u="none" strike="noStrike" cap="none" normalizeH="0" baseline="0" dirty="0">
               <a:ln>
                 <a:noFill/>
               </a:ln>
@@ -33818,6 +33783,8148 @@
   <p:clrMapOvr>
     <a:masterClrMapping/>
   </p:clrMapOvr>
+  <p:timing>
+    <p:tnLst>
+      <p:par>
+        <p:cTn id="1" dur="indefinite" restart="never" nodeType="tmRoot">
+          <p:childTnLst>
+            <p:seq concurrent="1" nextAc="seek">
+              <p:cTn id="2" dur="indefinite" nodeType="mainSeq">
+                <p:childTnLst>
+                  <p:par>
+                    <p:cTn id="3" fill="hold">
+                      <p:stCondLst>
+                        <p:cond delay="indefinite"/>
+                      </p:stCondLst>
+                      <p:childTnLst>
+                        <p:par>
+                          <p:cTn id="4" fill="hold">
+                            <p:stCondLst>
+                              <p:cond delay="0"/>
+                            </p:stCondLst>
+                            <p:childTnLst>
+                              <p:par>
+                                <p:cTn id="5" presetID="1" presetClass="entr" presetSubtype="0" fill="hold" grpId="0" nodeType="clickEffect">
+                                  <p:stCondLst>
+                                    <p:cond delay="0"/>
+                                  </p:stCondLst>
+                                  <p:childTnLst>
+                                    <p:set>
+                                      <p:cBhvr>
+                                        <p:cTn id="6" dur="1" fill="hold">
+                                          <p:stCondLst>
+                                            <p:cond delay="0"/>
+                                          </p:stCondLst>
+                                        </p:cTn>
+                                        <p:tgtEl>
+                                          <p:spTgt spid="9"/>
+                                        </p:tgtEl>
+                                        <p:attrNameLst>
+                                          <p:attrName>style.visibility</p:attrName>
+                                        </p:attrNameLst>
+                                      </p:cBhvr>
+                                      <p:to>
+                                        <p:strVal val="visible"/>
+                                      </p:to>
+                                    </p:set>
+                                  </p:childTnLst>
+                                </p:cTn>
+                              </p:par>
+                              <p:par>
+                                <p:cTn id="7" presetID="1" presetClass="entr" presetSubtype="0" fill="hold" grpId="0" nodeType="withEffect">
+                                  <p:stCondLst>
+                                    <p:cond delay="0"/>
+                                  </p:stCondLst>
+                                  <p:childTnLst>
+                                    <p:set>
+                                      <p:cBhvr>
+                                        <p:cTn id="8" dur="1" fill="hold">
+                                          <p:stCondLst>
+                                            <p:cond delay="0"/>
+                                          </p:stCondLst>
+                                        </p:cTn>
+                                        <p:tgtEl>
+                                          <p:spTgt spid="17"/>
+                                        </p:tgtEl>
+                                        <p:attrNameLst>
+                                          <p:attrName>style.visibility</p:attrName>
+                                        </p:attrNameLst>
+                                      </p:cBhvr>
+                                      <p:to>
+                                        <p:strVal val="visible"/>
+                                      </p:to>
+                                    </p:set>
+                                  </p:childTnLst>
+                                </p:cTn>
+                              </p:par>
+                              <p:par>
+                                <p:cTn id="9" presetID="1" presetClass="entr" presetSubtype="0" fill="hold" grpId="0" nodeType="withEffect">
+                                  <p:stCondLst>
+                                    <p:cond delay="0"/>
+                                  </p:stCondLst>
+                                  <p:childTnLst>
+                                    <p:set>
+                                      <p:cBhvr>
+                                        <p:cTn id="10" dur="1" fill="hold">
+                                          <p:stCondLst>
+                                            <p:cond delay="0"/>
+                                          </p:stCondLst>
+                                        </p:cTn>
+                                        <p:tgtEl>
+                                          <p:spTgt spid="25"/>
+                                        </p:tgtEl>
+                                        <p:attrNameLst>
+                                          <p:attrName>style.visibility</p:attrName>
+                                        </p:attrNameLst>
+                                      </p:cBhvr>
+                                      <p:to>
+                                        <p:strVal val="visible"/>
+                                      </p:to>
+                                    </p:set>
+                                  </p:childTnLst>
+                                </p:cTn>
+                              </p:par>
+                              <p:par>
+                                <p:cTn id="11" presetID="1" presetClass="entr" presetSubtype="0" fill="hold" grpId="0" nodeType="withEffect">
+                                  <p:stCondLst>
+                                    <p:cond delay="0"/>
+                                  </p:stCondLst>
+                                  <p:childTnLst>
+                                    <p:set>
+                                      <p:cBhvr>
+                                        <p:cTn id="12" dur="1" fill="hold">
+                                          <p:stCondLst>
+                                            <p:cond delay="0"/>
+                                          </p:stCondLst>
+                                        </p:cTn>
+                                        <p:tgtEl>
+                                          <p:spTgt spid="33"/>
+                                        </p:tgtEl>
+                                        <p:attrNameLst>
+                                          <p:attrName>style.visibility</p:attrName>
+                                        </p:attrNameLst>
+                                      </p:cBhvr>
+                                      <p:to>
+                                        <p:strVal val="visible"/>
+                                      </p:to>
+                                    </p:set>
+                                  </p:childTnLst>
+                                </p:cTn>
+                              </p:par>
+                              <p:par>
+                                <p:cTn id="13" presetID="1" presetClass="entr" presetSubtype="0" fill="hold" grpId="0" nodeType="withEffect">
+                                  <p:stCondLst>
+                                    <p:cond delay="0"/>
+                                  </p:stCondLst>
+                                  <p:childTnLst>
+                                    <p:set>
+                                      <p:cBhvr>
+                                        <p:cTn id="14" dur="1" fill="hold">
+                                          <p:stCondLst>
+                                            <p:cond delay="0"/>
+                                          </p:stCondLst>
+                                        </p:cTn>
+                                        <p:tgtEl>
+                                          <p:spTgt spid="41"/>
+                                        </p:tgtEl>
+                                        <p:attrNameLst>
+                                          <p:attrName>style.visibility</p:attrName>
+                                        </p:attrNameLst>
+                                      </p:cBhvr>
+                                      <p:to>
+                                        <p:strVal val="visible"/>
+                                      </p:to>
+                                    </p:set>
+                                  </p:childTnLst>
+                                </p:cTn>
+                              </p:par>
+                              <p:par>
+                                <p:cTn id="15" presetID="1" presetClass="entr" presetSubtype="0" fill="hold" grpId="0" nodeType="withEffect">
+                                  <p:stCondLst>
+                                    <p:cond delay="0"/>
+                                  </p:stCondLst>
+                                  <p:childTnLst>
+                                    <p:set>
+                                      <p:cBhvr>
+                                        <p:cTn id="16" dur="1" fill="hold">
+                                          <p:stCondLst>
+                                            <p:cond delay="0"/>
+                                          </p:stCondLst>
+                                        </p:cTn>
+                                        <p:tgtEl>
+                                          <p:spTgt spid="49"/>
+                                        </p:tgtEl>
+                                        <p:attrNameLst>
+                                          <p:attrName>style.visibility</p:attrName>
+                                        </p:attrNameLst>
+                                      </p:cBhvr>
+                                      <p:to>
+                                        <p:strVal val="visible"/>
+                                      </p:to>
+                                    </p:set>
+                                  </p:childTnLst>
+                                </p:cTn>
+                              </p:par>
+                              <p:par>
+                                <p:cTn id="17" presetID="1" presetClass="entr" presetSubtype="0" fill="hold" grpId="0" nodeType="withEffect">
+                                  <p:stCondLst>
+                                    <p:cond delay="0"/>
+                                  </p:stCondLst>
+                                  <p:childTnLst>
+                                    <p:set>
+                                      <p:cBhvr>
+                                        <p:cTn id="18" dur="1" fill="hold">
+                                          <p:stCondLst>
+                                            <p:cond delay="0"/>
+                                          </p:stCondLst>
+                                        </p:cTn>
+                                        <p:tgtEl>
+                                          <p:spTgt spid="57"/>
+                                        </p:tgtEl>
+                                        <p:attrNameLst>
+                                          <p:attrName>style.visibility</p:attrName>
+                                        </p:attrNameLst>
+                                      </p:cBhvr>
+                                      <p:to>
+                                        <p:strVal val="visible"/>
+                                      </p:to>
+                                    </p:set>
+                                  </p:childTnLst>
+                                </p:cTn>
+                              </p:par>
+                              <p:par>
+                                <p:cTn id="19" presetID="1" presetClass="entr" presetSubtype="0" fill="hold" grpId="0" nodeType="withEffect">
+                                  <p:stCondLst>
+                                    <p:cond delay="0"/>
+                                  </p:stCondLst>
+                                  <p:childTnLst>
+                                    <p:set>
+                                      <p:cBhvr>
+                                        <p:cTn id="20" dur="1" fill="hold">
+                                          <p:stCondLst>
+                                            <p:cond delay="0"/>
+                                          </p:stCondLst>
+                                        </p:cTn>
+                                        <p:tgtEl>
+                                          <p:spTgt spid="65"/>
+                                        </p:tgtEl>
+                                        <p:attrNameLst>
+                                          <p:attrName>style.visibility</p:attrName>
+                                        </p:attrNameLst>
+                                      </p:cBhvr>
+                                      <p:to>
+                                        <p:strVal val="visible"/>
+                                      </p:to>
+                                    </p:set>
+                                  </p:childTnLst>
+                                </p:cTn>
+                              </p:par>
+                              <p:par>
+                                <p:cTn id="21" presetID="1" presetClass="entr" presetSubtype="0" fill="hold" grpId="0" nodeType="withEffect">
+                                  <p:stCondLst>
+                                    <p:cond delay="0"/>
+                                  </p:stCondLst>
+                                  <p:childTnLst>
+                                    <p:set>
+                                      <p:cBhvr>
+                                        <p:cTn id="22" dur="1" fill="hold">
+                                          <p:stCondLst>
+                                            <p:cond delay="0"/>
+                                          </p:stCondLst>
+                                        </p:cTn>
+                                        <p:tgtEl>
+                                          <p:spTgt spid="73"/>
+                                        </p:tgtEl>
+                                        <p:attrNameLst>
+                                          <p:attrName>style.visibility</p:attrName>
+                                        </p:attrNameLst>
+                                      </p:cBhvr>
+                                      <p:to>
+                                        <p:strVal val="visible"/>
+                                      </p:to>
+                                    </p:set>
+                                  </p:childTnLst>
+                                </p:cTn>
+                              </p:par>
+                              <p:par>
+                                <p:cTn id="23" presetID="1" presetClass="entr" presetSubtype="0" fill="hold" grpId="0" nodeType="withEffect">
+                                  <p:stCondLst>
+                                    <p:cond delay="0"/>
+                                  </p:stCondLst>
+                                  <p:childTnLst>
+                                    <p:set>
+                                      <p:cBhvr>
+                                        <p:cTn id="24" dur="1" fill="hold">
+                                          <p:stCondLst>
+                                            <p:cond delay="0"/>
+                                          </p:stCondLst>
+                                        </p:cTn>
+                                        <p:tgtEl>
+                                          <p:spTgt spid="81"/>
+                                        </p:tgtEl>
+                                        <p:attrNameLst>
+                                          <p:attrName>style.visibility</p:attrName>
+                                        </p:attrNameLst>
+                                      </p:cBhvr>
+                                      <p:to>
+                                        <p:strVal val="visible"/>
+                                      </p:to>
+                                    </p:set>
+                                  </p:childTnLst>
+                                </p:cTn>
+                              </p:par>
+                              <p:par>
+                                <p:cTn id="25" presetID="1" presetClass="entr" presetSubtype="0" fill="hold" grpId="0" nodeType="withEffect">
+                                  <p:stCondLst>
+                                    <p:cond delay="0"/>
+                                  </p:stCondLst>
+                                  <p:childTnLst>
+                                    <p:set>
+                                      <p:cBhvr>
+                                        <p:cTn id="26" dur="1" fill="hold">
+                                          <p:stCondLst>
+                                            <p:cond delay="0"/>
+                                          </p:stCondLst>
+                                        </p:cTn>
+                                        <p:tgtEl>
+                                          <p:spTgt spid="105"/>
+                                        </p:tgtEl>
+                                        <p:attrNameLst>
+                                          <p:attrName>style.visibility</p:attrName>
+                                        </p:attrNameLst>
+                                      </p:cBhvr>
+                                      <p:to>
+                                        <p:strVal val="visible"/>
+                                      </p:to>
+                                    </p:set>
+                                  </p:childTnLst>
+                                </p:cTn>
+                              </p:par>
+                              <p:par>
+                                <p:cTn id="27" presetID="1" presetClass="entr" presetSubtype="0" fill="hold" grpId="0" nodeType="withEffect">
+                                  <p:stCondLst>
+                                    <p:cond delay="0"/>
+                                  </p:stCondLst>
+                                  <p:childTnLst>
+                                    <p:set>
+                                      <p:cBhvr>
+                                        <p:cTn id="28" dur="1" fill="hold">
+                                          <p:stCondLst>
+                                            <p:cond delay="0"/>
+                                          </p:stCondLst>
+                                        </p:cTn>
+                                        <p:tgtEl>
+                                          <p:spTgt spid="109"/>
+                                        </p:tgtEl>
+                                        <p:attrNameLst>
+                                          <p:attrName>style.visibility</p:attrName>
+                                        </p:attrNameLst>
+                                      </p:cBhvr>
+                                      <p:to>
+                                        <p:strVal val="visible"/>
+                                      </p:to>
+                                    </p:set>
+                                  </p:childTnLst>
+                                </p:cTn>
+                              </p:par>
+                              <p:par>
+                                <p:cTn id="29" presetID="1" presetClass="entr" presetSubtype="0" fill="hold" grpId="0" nodeType="withEffect">
+                                  <p:stCondLst>
+                                    <p:cond delay="0"/>
+                                  </p:stCondLst>
+                                  <p:childTnLst>
+                                    <p:set>
+                                      <p:cBhvr>
+                                        <p:cTn id="30" dur="1" fill="hold">
+                                          <p:stCondLst>
+                                            <p:cond delay="0"/>
+                                          </p:stCondLst>
+                                        </p:cTn>
+                                        <p:tgtEl>
+                                          <p:spTgt spid="117"/>
+                                        </p:tgtEl>
+                                        <p:attrNameLst>
+                                          <p:attrName>style.visibility</p:attrName>
+                                        </p:attrNameLst>
+                                      </p:cBhvr>
+                                      <p:to>
+                                        <p:strVal val="visible"/>
+                                      </p:to>
+                                    </p:set>
+                                  </p:childTnLst>
+                                </p:cTn>
+                              </p:par>
+                              <p:par>
+                                <p:cTn id="31" presetID="1" presetClass="entr" presetSubtype="0" fill="hold" grpId="0" nodeType="withEffect">
+                                  <p:stCondLst>
+                                    <p:cond delay="0"/>
+                                  </p:stCondLst>
+                                  <p:childTnLst>
+                                    <p:set>
+                                      <p:cBhvr>
+                                        <p:cTn id="32" dur="1" fill="hold">
+                                          <p:stCondLst>
+                                            <p:cond delay="0"/>
+                                          </p:stCondLst>
+                                        </p:cTn>
+                                        <p:tgtEl>
+                                          <p:spTgt spid="125"/>
+                                        </p:tgtEl>
+                                        <p:attrNameLst>
+                                          <p:attrName>style.visibility</p:attrName>
+                                        </p:attrNameLst>
+                                      </p:cBhvr>
+                                      <p:to>
+                                        <p:strVal val="visible"/>
+                                      </p:to>
+                                    </p:set>
+                                  </p:childTnLst>
+                                </p:cTn>
+                              </p:par>
+                              <p:par>
+                                <p:cTn id="33" presetID="1" presetClass="entr" presetSubtype="0" fill="hold" grpId="0" nodeType="withEffect">
+                                  <p:stCondLst>
+                                    <p:cond delay="0"/>
+                                  </p:stCondLst>
+                                  <p:childTnLst>
+                                    <p:set>
+                                      <p:cBhvr>
+                                        <p:cTn id="34" dur="1" fill="hold">
+                                          <p:stCondLst>
+                                            <p:cond delay="0"/>
+                                          </p:stCondLst>
+                                        </p:cTn>
+                                        <p:tgtEl>
+                                          <p:spTgt spid="126"/>
+                                        </p:tgtEl>
+                                        <p:attrNameLst>
+                                          <p:attrName>style.visibility</p:attrName>
+                                        </p:attrNameLst>
+                                      </p:cBhvr>
+                                      <p:to>
+                                        <p:strVal val="visible"/>
+                                      </p:to>
+                                    </p:set>
+                                  </p:childTnLst>
+                                </p:cTn>
+                              </p:par>
+                              <p:par>
+                                <p:cTn id="35" presetID="1" presetClass="entr" presetSubtype="0" fill="hold" grpId="0" nodeType="withEffect">
+                                  <p:stCondLst>
+                                    <p:cond delay="0"/>
+                                  </p:stCondLst>
+                                  <p:childTnLst>
+                                    <p:set>
+                                      <p:cBhvr>
+                                        <p:cTn id="36" dur="1" fill="hold">
+                                          <p:stCondLst>
+                                            <p:cond delay="0"/>
+                                          </p:stCondLst>
+                                        </p:cTn>
+                                        <p:tgtEl>
+                                          <p:spTgt spid="134"/>
+                                        </p:tgtEl>
+                                        <p:attrNameLst>
+                                          <p:attrName>style.visibility</p:attrName>
+                                        </p:attrNameLst>
+                                      </p:cBhvr>
+                                      <p:to>
+                                        <p:strVal val="visible"/>
+                                      </p:to>
+                                    </p:set>
+                                  </p:childTnLst>
+                                </p:cTn>
+                              </p:par>
+                              <p:par>
+                                <p:cTn id="37" presetID="1" presetClass="entr" presetSubtype="0" fill="hold" grpId="0" nodeType="withEffect">
+                                  <p:stCondLst>
+                                    <p:cond delay="0"/>
+                                  </p:stCondLst>
+                                  <p:childTnLst>
+                                    <p:set>
+                                      <p:cBhvr>
+                                        <p:cTn id="38" dur="1" fill="hold">
+                                          <p:stCondLst>
+                                            <p:cond delay="0"/>
+                                          </p:stCondLst>
+                                        </p:cTn>
+                                        <p:tgtEl>
+                                          <p:spTgt spid="142"/>
+                                        </p:tgtEl>
+                                        <p:attrNameLst>
+                                          <p:attrName>style.visibility</p:attrName>
+                                        </p:attrNameLst>
+                                      </p:cBhvr>
+                                      <p:to>
+                                        <p:strVal val="visible"/>
+                                      </p:to>
+                                    </p:set>
+                                  </p:childTnLst>
+                                </p:cTn>
+                              </p:par>
+                              <p:par>
+                                <p:cTn id="39" presetID="1" presetClass="entr" presetSubtype="0" fill="hold" grpId="0" nodeType="withEffect">
+                                  <p:stCondLst>
+                                    <p:cond delay="0"/>
+                                  </p:stCondLst>
+                                  <p:childTnLst>
+                                    <p:set>
+                                      <p:cBhvr>
+                                        <p:cTn id="40" dur="1" fill="hold">
+                                          <p:stCondLst>
+                                            <p:cond delay="0"/>
+                                          </p:stCondLst>
+                                        </p:cTn>
+                                        <p:tgtEl>
+                                          <p:spTgt spid="143"/>
+                                        </p:tgtEl>
+                                        <p:attrNameLst>
+                                          <p:attrName>style.visibility</p:attrName>
+                                        </p:attrNameLst>
+                                      </p:cBhvr>
+                                      <p:to>
+                                        <p:strVal val="visible"/>
+                                      </p:to>
+                                    </p:set>
+                                  </p:childTnLst>
+                                </p:cTn>
+                              </p:par>
+                              <p:par>
+                                <p:cTn id="41" presetID="1" presetClass="entr" presetSubtype="0" fill="hold" grpId="0" nodeType="withEffect">
+                                  <p:stCondLst>
+                                    <p:cond delay="0"/>
+                                  </p:stCondLst>
+                                  <p:childTnLst>
+                                    <p:set>
+                                      <p:cBhvr>
+                                        <p:cTn id="42" dur="1" fill="hold">
+                                          <p:stCondLst>
+                                            <p:cond delay="0"/>
+                                          </p:stCondLst>
+                                        </p:cTn>
+                                        <p:tgtEl>
+                                          <p:spTgt spid="144"/>
+                                        </p:tgtEl>
+                                        <p:attrNameLst>
+                                          <p:attrName>style.visibility</p:attrName>
+                                        </p:attrNameLst>
+                                      </p:cBhvr>
+                                      <p:to>
+                                        <p:strVal val="visible"/>
+                                      </p:to>
+                                    </p:set>
+                                  </p:childTnLst>
+                                </p:cTn>
+                              </p:par>
+                              <p:par>
+                                <p:cTn id="43" presetID="1" presetClass="entr" presetSubtype="0" fill="hold" grpId="0" nodeType="withEffect">
+                                  <p:stCondLst>
+                                    <p:cond delay="0"/>
+                                  </p:stCondLst>
+                                  <p:childTnLst>
+                                    <p:set>
+                                      <p:cBhvr>
+                                        <p:cTn id="44" dur="1" fill="hold">
+                                          <p:stCondLst>
+                                            <p:cond delay="0"/>
+                                          </p:stCondLst>
+                                        </p:cTn>
+                                        <p:tgtEl>
+                                          <p:spTgt spid="152"/>
+                                        </p:tgtEl>
+                                        <p:attrNameLst>
+                                          <p:attrName>style.visibility</p:attrName>
+                                        </p:attrNameLst>
+                                      </p:cBhvr>
+                                      <p:to>
+                                        <p:strVal val="visible"/>
+                                      </p:to>
+                                    </p:set>
+                                  </p:childTnLst>
+                                </p:cTn>
+                              </p:par>
+                              <p:par>
+                                <p:cTn id="45" presetID="1" presetClass="entr" presetSubtype="0" fill="hold" grpId="0" nodeType="withEffect">
+                                  <p:stCondLst>
+                                    <p:cond delay="0"/>
+                                  </p:stCondLst>
+                                  <p:childTnLst>
+                                    <p:set>
+                                      <p:cBhvr>
+                                        <p:cTn id="46" dur="1" fill="hold">
+                                          <p:stCondLst>
+                                            <p:cond delay="0"/>
+                                          </p:stCondLst>
+                                        </p:cTn>
+                                        <p:tgtEl>
+                                          <p:spTgt spid="153"/>
+                                        </p:tgtEl>
+                                        <p:attrNameLst>
+                                          <p:attrName>style.visibility</p:attrName>
+                                        </p:attrNameLst>
+                                      </p:cBhvr>
+                                      <p:to>
+                                        <p:strVal val="visible"/>
+                                      </p:to>
+                                    </p:set>
+                                  </p:childTnLst>
+                                </p:cTn>
+                              </p:par>
+                              <p:par>
+                                <p:cTn id="47" presetID="1" presetClass="entr" presetSubtype="0" fill="hold" grpId="0" nodeType="withEffect">
+                                  <p:stCondLst>
+                                    <p:cond delay="0"/>
+                                  </p:stCondLst>
+                                  <p:childTnLst>
+                                    <p:set>
+                                      <p:cBhvr>
+                                        <p:cTn id="48" dur="1" fill="hold">
+                                          <p:stCondLst>
+                                            <p:cond delay="0"/>
+                                          </p:stCondLst>
+                                        </p:cTn>
+                                        <p:tgtEl>
+                                          <p:spTgt spid="154"/>
+                                        </p:tgtEl>
+                                        <p:attrNameLst>
+                                          <p:attrName>style.visibility</p:attrName>
+                                        </p:attrNameLst>
+                                      </p:cBhvr>
+                                      <p:to>
+                                        <p:strVal val="visible"/>
+                                      </p:to>
+                                    </p:set>
+                                  </p:childTnLst>
+                                </p:cTn>
+                              </p:par>
+                              <p:par>
+                                <p:cTn id="49" presetID="1" presetClass="entr" presetSubtype="0" fill="hold" grpId="0" nodeType="withEffect">
+                                  <p:stCondLst>
+                                    <p:cond delay="0"/>
+                                  </p:stCondLst>
+                                  <p:childTnLst>
+                                    <p:set>
+                                      <p:cBhvr>
+                                        <p:cTn id="50" dur="1" fill="hold">
+                                          <p:stCondLst>
+                                            <p:cond delay="0"/>
+                                          </p:stCondLst>
+                                        </p:cTn>
+                                        <p:tgtEl>
+                                          <p:spTgt spid="163"/>
+                                        </p:tgtEl>
+                                        <p:attrNameLst>
+                                          <p:attrName>style.visibility</p:attrName>
+                                        </p:attrNameLst>
+                                      </p:cBhvr>
+                                      <p:to>
+                                        <p:strVal val="visible"/>
+                                      </p:to>
+                                    </p:set>
+                                  </p:childTnLst>
+                                </p:cTn>
+                              </p:par>
+                              <p:par>
+                                <p:cTn id="51" presetID="1" presetClass="entr" presetSubtype="0" fill="hold" grpId="0" nodeType="withEffect">
+                                  <p:stCondLst>
+                                    <p:cond delay="0"/>
+                                  </p:stCondLst>
+                                  <p:childTnLst>
+                                    <p:set>
+                                      <p:cBhvr>
+                                        <p:cTn id="52" dur="1" fill="hold">
+                                          <p:stCondLst>
+                                            <p:cond delay="0"/>
+                                          </p:stCondLst>
+                                        </p:cTn>
+                                        <p:tgtEl>
+                                          <p:spTgt spid="172"/>
+                                        </p:tgtEl>
+                                        <p:attrNameLst>
+                                          <p:attrName>style.visibility</p:attrName>
+                                        </p:attrNameLst>
+                                      </p:cBhvr>
+                                      <p:to>
+                                        <p:strVal val="visible"/>
+                                      </p:to>
+                                    </p:set>
+                                  </p:childTnLst>
+                                </p:cTn>
+                              </p:par>
+                              <p:par>
+                                <p:cTn id="53" presetID="1" presetClass="entr" presetSubtype="0" fill="hold" grpId="0" nodeType="withEffect">
+                                  <p:stCondLst>
+                                    <p:cond delay="0"/>
+                                  </p:stCondLst>
+                                  <p:childTnLst>
+                                    <p:set>
+                                      <p:cBhvr>
+                                        <p:cTn id="54" dur="1" fill="hold">
+                                          <p:stCondLst>
+                                            <p:cond delay="0"/>
+                                          </p:stCondLst>
+                                        </p:cTn>
+                                        <p:tgtEl>
+                                          <p:spTgt spid="173"/>
+                                        </p:tgtEl>
+                                        <p:attrNameLst>
+                                          <p:attrName>style.visibility</p:attrName>
+                                        </p:attrNameLst>
+                                      </p:cBhvr>
+                                      <p:to>
+                                        <p:strVal val="visible"/>
+                                      </p:to>
+                                    </p:set>
+                                  </p:childTnLst>
+                                </p:cTn>
+                              </p:par>
+                              <p:par>
+                                <p:cTn id="55" presetID="1" presetClass="entr" presetSubtype="0" fill="hold" grpId="0" nodeType="withEffect">
+                                  <p:stCondLst>
+                                    <p:cond delay="0"/>
+                                  </p:stCondLst>
+                                  <p:childTnLst>
+                                    <p:set>
+                                      <p:cBhvr>
+                                        <p:cTn id="56" dur="1" fill="hold">
+                                          <p:stCondLst>
+                                            <p:cond delay="0"/>
+                                          </p:stCondLst>
+                                        </p:cTn>
+                                        <p:tgtEl>
+                                          <p:spTgt spid="190"/>
+                                        </p:tgtEl>
+                                        <p:attrNameLst>
+                                          <p:attrName>style.visibility</p:attrName>
+                                        </p:attrNameLst>
+                                      </p:cBhvr>
+                                      <p:to>
+                                        <p:strVal val="visible"/>
+                                      </p:to>
+                                    </p:set>
+                                  </p:childTnLst>
+                                </p:cTn>
+                              </p:par>
+                              <p:par>
+                                <p:cTn id="57" presetID="1" presetClass="entr" presetSubtype="0" fill="hold" grpId="0" nodeType="withEffect">
+                                  <p:stCondLst>
+                                    <p:cond delay="0"/>
+                                  </p:stCondLst>
+                                  <p:childTnLst>
+                                    <p:set>
+                                      <p:cBhvr>
+                                        <p:cTn id="58" dur="1" fill="hold">
+                                          <p:stCondLst>
+                                            <p:cond delay="0"/>
+                                          </p:stCondLst>
+                                        </p:cTn>
+                                        <p:tgtEl>
+                                          <p:spTgt spid="191"/>
+                                        </p:tgtEl>
+                                        <p:attrNameLst>
+                                          <p:attrName>style.visibility</p:attrName>
+                                        </p:attrNameLst>
+                                      </p:cBhvr>
+                                      <p:to>
+                                        <p:strVal val="visible"/>
+                                      </p:to>
+                                    </p:set>
+                                  </p:childTnLst>
+                                </p:cTn>
+                              </p:par>
+                              <p:par>
+                                <p:cTn id="59" presetID="1" presetClass="entr" presetSubtype="0" fill="hold" grpId="0" nodeType="withEffect">
+                                  <p:stCondLst>
+                                    <p:cond delay="0"/>
+                                  </p:stCondLst>
+                                  <p:childTnLst>
+                                    <p:set>
+                                      <p:cBhvr>
+                                        <p:cTn id="60" dur="1" fill="hold">
+                                          <p:stCondLst>
+                                            <p:cond delay="0"/>
+                                          </p:stCondLst>
+                                        </p:cTn>
+                                        <p:tgtEl>
+                                          <p:spTgt spid="192"/>
+                                        </p:tgtEl>
+                                        <p:attrNameLst>
+                                          <p:attrName>style.visibility</p:attrName>
+                                        </p:attrNameLst>
+                                      </p:cBhvr>
+                                      <p:to>
+                                        <p:strVal val="visible"/>
+                                      </p:to>
+                                    </p:set>
+                                  </p:childTnLst>
+                                </p:cTn>
+                              </p:par>
+                              <p:par>
+                                <p:cTn id="61" presetID="1" presetClass="entr" presetSubtype="0" fill="hold" grpId="0" nodeType="withEffect">
+                                  <p:stCondLst>
+                                    <p:cond delay="0"/>
+                                  </p:stCondLst>
+                                  <p:childTnLst>
+                                    <p:set>
+                                      <p:cBhvr>
+                                        <p:cTn id="62" dur="1" fill="hold">
+                                          <p:stCondLst>
+                                            <p:cond delay="0"/>
+                                          </p:stCondLst>
+                                        </p:cTn>
+                                        <p:tgtEl>
+                                          <p:spTgt spid="193"/>
+                                        </p:tgtEl>
+                                        <p:attrNameLst>
+                                          <p:attrName>style.visibility</p:attrName>
+                                        </p:attrNameLst>
+                                      </p:cBhvr>
+                                      <p:to>
+                                        <p:strVal val="visible"/>
+                                      </p:to>
+                                    </p:set>
+                                  </p:childTnLst>
+                                </p:cTn>
+                              </p:par>
+                            </p:childTnLst>
+                          </p:cTn>
+                        </p:par>
+                      </p:childTnLst>
+                    </p:cTn>
+                  </p:par>
+                  <p:par>
+                    <p:cTn id="63" fill="hold">
+                      <p:stCondLst>
+                        <p:cond delay="indefinite"/>
+                      </p:stCondLst>
+                      <p:childTnLst>
+                        <p:par>
+                          <p:cTn id="64" fill="hold">
+                            <p:stCondLst>
+                              <p:cond delay="0"/>
+                            </p:stCondLst>
+                            <p:childTnLst>
+                              <p:par>
+                                <p:cTn id="65" presetID="1" presetClass="entr" presetSubtype="0" fill="hold" grpId="0" nodeType="clickEffect">
+                                  <p:stCondLst>
+                                    <p:cond delay="0"/>
+                                  </p:stCondLst>
+                                  <p:childTnLst>
+                                    <p:set>
+                                      <p:cBhvr>
+                                        <p:cTn id="66" dur="1" fill="hold">
+                                          <p:stCondLst>
+                                            <p:cond delay="0"/>
+                                          </p:stCondLst>
+                                        </p:cTn>
+                                        <p:tgtEl>
+                                          <p:spTgt spid="10"/>
+                                        </p:tgtEl>
+                                        <p:attrNameLst>
+                                          <p:attrName>style.visibility</p:attrName>
+                                        </p:attrNameLst>
+                                      </p:cBhvr>
+                                      <p:to>
+                                        <p:strVal val="visible"/>
+                                      </p:to>
+                                    </p:set>
+                                  </p:childTnLst>
+                                </p:cTn>
+                              </p:par>
+                              <p:par>
+                                <p:cTn id="67" presetID="1" presetClass="entr" presetSubtype="0" fill="hold" grpId="0" nodeType="withEffect">
+                                  <p:stCondLst>
+                                    <p:cond delay="0"/>
+                                  </p:stCondLst>
+                                  <p:childTnLst>
+                                    <p:set>
+                                      <p:cBhvr>
+                                        <p:cTn id="68" dur="1" fill="hold">
+                                          <p:stCondLst>
+                                            <p:cond delay="0"/>
+                                          </p:stCondLst>
+                                        </p:cTn>
+                                        <p:tgtEl>
+                                          <p:spTgt spid="18"/>
+                                        </p:tgtEl>
+                                        <p:attrNameLst>
+                                          <p:attrName>style.visibility</p:attrName>
+                                        </p:attrNameLst>
+                                      </p:cBhvr>
+                                      <p:to>
+                                        <p:strVal val="visible"/>
+                                      </p:to>
+                                    </p:set>
+                                  </p:childTnLst>
+                                </p:cTn>
+                              </p:par>
+                              <p:par>
+                                <p:cTn id="69" presetID="1" presetClass="entr" presetSubtype="0" fill="hold" grpId="0" nodeType="withEffect">
+                                  <p:stCondLst>
+                                    <p:cond delay="0"/>
+                                  </p:stCondLst>
+                                  <p:childTnLst>
+                                    <p:set>
+                                      <p:cBhvr>
+                                        <p:cTn id="70" dur="1" fill="hold">
+                                          <p:stCondLst>
+                                            <p:cond delay="0"/>
+                                          </p:stCondLst>
+                                        </p:cTn>
+                                        <p:tgtEl>
+                                          <p:spTgt spid="26"/>
+                                        </p:tgtEl>
+                                        <p:attrNameLst>
+                                          <p:attrName>style.visibility</p:attrName>
+                                        </p:attrNameLst>
+                                      </p:cBhvr>
+                                      <p:to>
+                                        <p:strVal val="visible"/>
+                                      </p:to>
+                                    </p:set>
+                                  </p:childTnLst>
+                                </p:cTn>
+                              </p:par>
+                              <p:par>
+                                <p:cTn id="71" presetID="1" presetClass="entr" presetSubtype="0" fill="hold" grpId="0" nodeType="withEffect">
+                                  <p:stCondLst>
+                                    <p:cond delay="0"/>
+                                  </p:stCondLst>
+                                  <p:childTnLst>
+                                    <p:set>
+                                      <p:cBhvr>
+                                        <p:cTn id="72" dur="1" fill="hold">
+                                          <p:stCondLst>
+                                            <p:cond delay="0"/>
+                                          </p:stCondLst>
+                                        </p:cTn>
+                                        <p:tgtEl>
+                                          <p:spTgt spid="34"/>
+                                        </p:tgtEl>
+                                        <p:attrNameLst>
+                                          <p:attrName>style.visibility</p:attrName>
+                                        </p:attrNameLst>
+                                      </p:cBhvr>
+                                      <p:to>
+                                        <p:strVal val="visible"/>
+                                      </p:to>
+                                    </p:set>
+                                  </p:childTnLst>
+                                </p:cTn>
+                              </p:par>
+                              <p:par>
+                                <p:cTn id="73" presetID="1" presetClass="entr" presetSubtype="0" fill="hold" grpId="0" nodeType="withEffect">
+                                  <p:stCondLst>
+                                    <p:cond delay="0"/>
+                                  </p:stCondLst>
+                                  <p:childTnLst>
+                                    <p:set>
+                                      <p:cBhvr>
+                                        <p:cTn id="74" dur="1" fill="hold">
+                                          <p:stCondLst>
+                                            <p:cond delay="0"/>
+                                          </p:stCondLst>
+                                        </p:cTn>
+                                        <p:tgtEl>
+                                          <p:spTgt spid="42"/>
+                                        </p:tgtEl>
+                                        <p:attrNameLst>
+                                          <p:attrName>style.visibility</p:attrName>
+                                        </p:attrNameLst>
+                                      </p:cBhvr>
+                                      <p:to>
+                                        <p:strVal val="visible"/>
+                                      </p:to>
+                                    </p:set>
+                                  </p:childTnLst>
+                                </p:cTn>
+                              </p:par>
+                              <p:par>
+                                <p:cTn id="75" presetID="1" presetClass="entr" presetSubtype="0" fill="hold" grpId="0" nodeType="withEffect">
+                                  <p:stCondLst>
+                                    <p:cond delay="0"/>
+                                  </p:stCondLst>
+                                  <p:childTnLst>
+                                    <p:set>
+                                      <p:cBhvr>
+                                        <p:cTn id="76" dur="1" fill="hold">
+                                          <p:stCondLst>
+                                            <p:cond delay="0"/>
+                                          </p:stCondLst>
+                                        </p:cTn>
+                                        <p:tgtEl>
+                                          <p:spTgt spid="50"/>
+                                        </p:tgtEl>
+                                        <p:attrNameLst>
+                                          <p:attrName>style.visibility</p:attrName>
+                                        </p:attrNameLst>
+                                      </p:cBhvr>
+                                      <p:to>
+                                        <p:strVal val="visible"/>
+                                      </p:to>
+                                    </p:set>
+                                  </p:childTnLst>
+                                </p:cTn>
+                              </p:par>
+                              <p:par>
+                                <p:cTn id="77" presetID="1" presetClass="entr" presetSubtype="0" fill="hold" grpId="0" nodeType="withEffect">
+                                  <p:stCondLst>
+                                    <p:cond delay="0"/>
+                                  </p:stCondLst>
+                                  <p:childTnLst>
+                                    <p:set>
+                                      <p:cBhvr>
+                                        <p:cTn id="78" dur="1" fill="hold">
+                                          <p:stCondLst>
+                                            <p:cond delay="0"/>
+                                          </p:stCondLst>
+                                        </p:cTn>
+                                        <p:tgtEl>
+                                          <p:spTgt spid="58"/>
+                                        </p:tgtEl>
+                                        <p:attrNameLst>
+                                          <p:attrName>style.visibility</p:attrName>
+                                        </p:attrNameLst>
+                                      </p:cBhvr>
+                                      <p:to>
+                                        <p:strVal val="visible"/>
+                                      </p:to>
+                                    </p:set>
+                                  </p:childTnLst>
+                                </p:cTn>
+                              </p:par>
+                              <p:par>
+                                <p:cTn id="79" presetID="1" presetClass="entr" presetSubtype="0" fill="hold" grpId="0" nodeType="withEffect">
+                                  <p:stCondLst>
+                                    <p:cond delay="0"/>
+                                  </p:stCondLst>
+                                  <p:childTnLst>
+                                    <p:set>
+                                      <p:cBhvr>
+                                        <p:cTn id="80" dur="1" fill="hold">
+                                          <p:stCondLst>
+                                            <p:cond delay="0"/>
+                                          </p:stCondLst>
+                                        </p:cTn>
+                                        <p:tgtEl>
+                                          <p:spTgt spid="66"/>
+                                        </p:tgtEl>
+                                        <p:attrNameLst>
+                                          <p:attrName>style.visibility</p:attrName>
+                                        </p:attrNameLst>
+                                      </p:cBhvr>
+                                      <p:to>
+                                        <p:strVal val="visible"/>
+                                      </p:to>
+                                    </p:set>
+                                  </p:childTnLst>
+                                </p:cTn>
+                              </p:par>
+                              <p:par>
+                                <p:cTn id="81" presetID="1" presetClass="entr" presetSubtype="0" fill="hold" grpId="0" nodeType="withEffect">
+                                  <p:stCondLst>
+                                    <p:cond delay="0"/>
+                                  </p:stCondLst>
+                                  <p:childTnLst>
+                                    <p:set>
+                                      <p:cBhvr>
+                                        <p:cTn id="82" dur="1" fill="hold">
+                                          <p:stCondLst>
+                                            <p:cond delay="0"/>
+                                          </p:stCondLst>
+                                        </p:cTn>
+                                        <p:tgtEl>
+                                          <p:spTgt spid="74"/>
+                                        </p:tgtEl>
+                                        <p:attrNameLst>
+                                          <p:attrName>style.visibility</p:attrName>
+                                        </p:attrNameLst>
+                                      </p:cBhvr>
+                                      <p:to>
+                                        <p:strVal val="visible"/>
+                                      </p:to>
+                                    </p:set>
+                                  </p:childTnLst>
+                                </p:cTn>
+                              </p:par>
+                              <p:par>
+                                <p:cTn id="83" presetID="1" presetClass="entr" presetSubtype="0" fill="hold" grpId="0" nodeType="withEffect">
+                                  <p:stCondLst>
+                                    <p:cond delay="0"/>
+                                  </p:stCondLst>
+                                  <p:childTnLst>
+                                    <p:set>
+                                      <p:cBhvr>
+                                        <p:cTn id="84" dur="1" fill="hold">
+                                          <p:stCondLst>
+                                            <p:cond delay="0"/>
+                                          </p:stCondLst>
+                                        </p:cTn>
+                                        <p:tgtEl>
+                                          <p:spTgt spid="82"/>
+                                        </p:tgtEl>
+                                        <p:attrNameLst>
+                                          <p:attrName>style.visibility</p:attrName>
+                                        </p:attrNameLst>
+                                      </p:cBhvr>
+                                      <p:to>
+                                        <p:strVal val="visible"/>
+                                      </p:to>
+                                    </p:set>
+                                  </p:childTnLst>
+                                </p:cTn>
+                              </p:par>
+                              <p:par>
+                                <p:cTn id="85" presetID="1" presetClass="entr" presetSubtype="0" fill="hold" grpId="0" nodeType="withEffect">
+                                  <p:stCondLst>
+                                    <p:cond delay="0"/>
+                                  </p:stCondLst>
+                                  <p:childTnLst>
+                                    <p:set>
+                                      <p:cBhvr>
+                                        <p:cTn id="86" dur="1" fill="hold">
+                                          <p:stCondLst>
+                                            <p:cond delay="0"/>
+                                          </p:stCondLst>
+                                        </p:cTn>
+                                        <p:tgtEl>
+                                          <p:spTgt spid="89"/>
+                                        </p:tgtEl>
+                                        <p:attrNameLst>
+                                          <p:attrName>style.visibility</p:attrName>
+                                        </p:attrNameLst>
+                                      </p:cBhvr>
+                                      <p:to>
+                                        <p:strVal val="visible"/>
+                                      </p:to>
+                                    </p:set>
+                                  </p:childTnLst>
+                                </p:cTn>
+                              </p:par>
+                              <p:par>
+                                <p:cTn id="87" presetID="1" presetClass="entr" presetSubtype="0" fill="hold" grpId="0" nodeType="withEffect">
+                                  <p:stCondLst>
+                                    <p:cond delay="0"/>
+                                  </p:stCondLst>
+                                  <p:childTnLst>
+                                    <p:set>
+                                      <p:cBhvr>
+                                        <p:cTn id="88" dur="1" fill="hold">
+                                          <p:stCondLst>
+                                            <p:cond delay="0"/>
+                                          </p:stCondLst>
+                                        </p:cTn>
+                                        <p:tgtEl>
+                                          <p:spTgt spid="110"/>
+                                        </p:tgtEl>
+                                        <p:attrNameLst>
+                                          <p:attrName>style.visibility</p:attrName>
+                                        </p:attrNameLst>
+                                      </p:cBhvr>
+                                      <p:to>
+                                        <p:strVal val="visible"/>
+                                      </p:to>
+                                    </p:set>
+                                  </p:childTnLst>
+                                </p:cTn>
+                              </p:par>
+                              <p:par>
+                                <p:cTn id="89" presetID="1" presetClass="entr" presetSubtype="0" fill="hold" grpId="0" nodeType="withEffect">
+                                  <p:stCondLst>
+                                    <p:cond delay="0"/>
+                                  </p:stCondLst>
+                                  <p:childTnLst>
+                                    <p:set>
+                                      <p:cBhvr>
+                                        <p:cTn id="90" dur="1" fill="hold">
+                                          <p:stCondLst>
+                                            <p:cond delay="0"/>
+                                          </p:stCondLst>
+                                        </p:cTn>
+                                        <p:tgtEl>
+                                          <p:spTgt spid="127"/>
+                                        </p:tgtEl>
+                                        <p:attrNameLst>
+                                          <p:attrName>style.visibility</p:attrName>
+                                        </p:attrNameLst>
+                                      </p:cBhvr>
+                                      <p:to>
+                                        <p:strVal val="visible"/>
+                                      </p:to>
+                                    </p:set>
+                                  </p:childTnLst>
+                                </p:cTn>
+                              </p:par>
+                              <p:par>
+                                <p:cTn id="91" presetID="1" presetClass="entr" presetSubtype="0" fill="hold" grpId="0" nodeType="withEffect">
+                                  <p:stCondLst>
+                                    <p:cond delay="0"/>
+                                  </p:stCondLst>
+                                  <p:childTnLst>
+                                    <p:set>
+                                      <p:cBhvr>
+                                        <p:cTn id="92" dur="1" fill="hold">
+                                          <p:stCondLst>
+                                            <p:cond delay="0"/>
+                                          </p:stCondLst>
+                                        </p:cTn>
+                                        <p:tgtEl>
+                                          <p:spTgt spid="135"/>
+                                        </p:tgtEl>
+                                        <p:attrNameLst>
+                                          <p:attrName>style.visibility</p:attrName>
+                                        </p:attrNameLst>
+                                      </p:cBhvr>
+                                      <p:to>
+                                        <p:strVal val="visible"/>
+                                      </p:to>
+                                    </p:set>
+                                  </p:childTnLst>
+                                </p:cTn>
+                              </p:par>
+                              <p:par>
+                                <p:cTn id="93" presetID="1" presetClass="entr" presetSubtype="0" fill="hold" grpId="0" nodeType="withEffect">
+                                  <p:stCondLst>
+                                    <p:cond delay="0"/>
+                                  </p:stCondLst>
+                                  <p:childTnLst>
+                                    <p:set>
+                                      <p:cBhvr>
+                                        <p:cTn id="94" dur="1" fill="hold">
+                                          <p:stCondLst>
+                                            <p:cond delay="0"/>
+                                          </p:stCondLst>
+                                        </p:cTn>
+                                        <p:tgtEl>
+                                          <p:spTgt spid="145"/>
+                                        </p:tgtEl>
+                                        <p:attrNameLst>
+                                          <p:attrName>style.visibility</p:attrName>
+                                        </p:attrNameLst>
+                                      </p:cBhvr>
+                                      <p:to>
+                                        <p:strVal val="visible"/>
+                                      </p:to>
+                                    </p:set>
+                                  </p:childTnLst>
+                                </p:cTn>
+                              </p:par>
+                              <p:par>
+                                <p:cTn id="95" presetID="1" presetClass="entr" presetSubtype="0" fill="hold" grpId="0" nodeType="withEffect">
+                                  <p:stCondLst>
+                                    <p:cond delay="0"/>
+                                  </p:stCondLst>
+                                  <p:childTnLst>
+                                    <p:set>
+                                      <p:cBhvr>
+                                        <p:cTn id="96" dur="1" fill="hold">
+                                          <p:stCondLst>
+                                            <p:cond delay="0"/>
+                                          </p:stCondLst>
+                                        </p:cTn>
+                                        <p:tgtEl>
+                                          <p:spTgt spid="155"/>
+                                        </p:tgtEl>
+                                        <p:attrNameLst>
+                                          <p:attrName>style.visibility</p:attrName>
+                                        </p:attrNameLst>
+                                      </p:cBhvr>
+                                      <p:to>
+                                        <p:strVal val="visible"/>
+                                      </p:to>
+                                    </p:set>
+                                  </p:childTnLst>
+                                </p:cTn>
+                              </p:par>
+                              <p:par>
+                                <p:cTn id="97" presetID="1" presetClass="entr" presetSubtype="0" fill="hold" grpId="0" nodeType="withEffect">
+                                  <p:stCondLst>
+                                    <p:cond delay="0"/>
+                                  </p:stCondLst>
+                                  <p:childTnLst>
+                                    <p:set>
+                                      <p:cBhvr>
+                                        <p:cTn id="98" dur="1" fill="hold">
+                                          <p:stCondLst>
+                                            <p:cond delay="0"/>
+                                          </p:stCondLst>
+                                        </p:cTn>
+                                        <p:tgtEl>
+                                          <p:spTgt spid="164"/>
+                                        </p:tgtEl>
+                                        <p:attrNameLst>
+                                          <p:attrName>style.visibility</p:attrName>
+                                        </p:attrNameLst>
+                                      </p:cBhvr>
+                                      <p:to>
+                                        <p:strVal val="visible"/>
+                                      </p:to>
+                                    </p:set>
+                                  </p:childTnLst>
+                                </p:cTn>
+                              </p:par>
+                              <p:par>
+                                <p:cTn id="99" presetID="1" presetClass="entr" presetSubtype="0" fill="hold" grpId="0" nodeType="withEffect">
+                                  <p:stCondLst>
+                                    <p:cond delay="0"/>
+                                  </p:stCondLst>
+                                  <p:childTnLst>
+                                    <p:set>
+                                      <p:cBhvr>
+                                        <p:cTn id="100" dur="1" fill="hold">
+                                          <p:stCondLst>
+                                            <p:cond delay="0"/>
+                                          </p:stCondLst>
+                                        </p:cTn>
+                                        <p:tgtEl>
+                                          <p:spTgt spid="174"/>
+                                        </p:tgtEl>
+                                        <p:attrNameLst>
+                                          <p:attrName>style.visibility</p:attrName>
+                                        </p:attrNameLst>
+                                      </p:cBhvr>
+                                      <p:to>
+                                        <p:strVal val="visible"/>
+                                      </p:to>
+                                    </p:set>
+                                  </p:childTnLst>
+                                </p:cTn>
+                              </p:par>
+                              <p:par>
+                                <p:cTn id="101" presetID="1" presetClass="entr" presetSubtype="0" fill="hold" grpId="0" nodeType="withEffect">
+                                  <p:stCondLst>
+                                    <p:cond delay="0"/>
+                                  </p:stCondLst>
+                                  <p:childTnLst>
+                                    <p:set>
+                                      <p:cBhvr>
+                                        <p:cTn id="102" dur="1" fill="hold">
+                                          <p:stCondLst>
+                                            <p:cond delay="0"/>
+                                          </p:stCondLst>
+                                        </p:cTn>
+                                        <p:tgtEl>
+                                          <p:spTgt spid="182"/>
+                                        </p:tgtEl>
+                                        <p:attrNameLst>
+                                          <p:attrName>style.visibility</p:attrName>
+                                        </p:attrNameLst>
+                                      </p:cBhvr>
+                                      <p:to>
+                                        <p:strVal val="visible"/>
+                                      </p:to>
+                                    </p:set>
+                                  </p:childTnLst>
+                                </p:cTn>
+                              </p:par>
+                              <p:par>
+                                <p:cTn id="103" presetID="1" presetClass="entr" presetSubtype="0" fill="hold" grpId="0" nodeType="withEffect">
+                                  <p:stCondLst>
+                                    <p:cond delay="0"/>
+                                  </p:stCondLst>
+                                  <p:childTnLst>
+                                    <p:set>
+                                      <p:cBhvr>
+                                        <p:cTn id="104" dur="1" fill="hold">
+                                          <p:stCondLst>
+                                            <p:cond delay="0"/>
+                                          </p:stCondLst>
+                                        </p:cTn>
+                                        <p:tgtEl>
+                                          <p:spTgt spid="195"/>
+                                        </p:tgtEl>
+                                        <p:attrNameLst>
+                                          <p:attrName>style.visibility</p:attrName>
+                                        </p:attrNameLst>
+                                      </p:cBhvr>
+                                      <p:to>
+                                        <p:strVal val="visible"/>
+                                      </p:to>
+                                    </p:set>
+                                  </p:childTnLst>
+                                </p:cTn>
+                              </p:par>
+                              <p:par>
+                                <p:cTn id="105" presetID="1" presetClass="entr" presetSubtype="0" fill="hold" grpId="0" nodeType="withEffect">
+                                  <p:stCondLst>
+                                    <p:cond delay="0"/>
+                                  </p:stCondLst>
+                                  <p:childTnLst>
+                                    <p:set>
+                                      <p:cBhvr>
+                                        <p:cTn id="106" dur="1" fill="hold">
+                                          <p:stCondLst>
+                                            <p:cond delay="0"/>
+                                          </p:stCondLst>
+                                        </p:cTn>
+                                        <p:tgtEl>
+                                          <p:spTgt spid="118"/>
+                                        </p:tgtEl>
+                                        <p:attrNameLst>
+                                          <p:attrName>style.visibility</p:attrName>
+                                        </p:attrNameLst>
+                                      </p:cBhvr>
+                                      <p:to>
+                                        <p:strVal val="visible"/>
+                                      </p:to>
+                                    </p:set>
+                                  </p:childTnLst>
+                                </p:cTn>
+                              </p:par>
+                            </p:childTnLst>
+                          </p:cTn>
+                        </p:par>
+                      </p:childTnLst>
+                    </p:cTn>
+                  </p:par>
+                  <p:par>
+                    <p:cTn id="107" fill="hold">
+                      <p:stCondLst>
+                        <p:cond delay="indefinite"/>
+                      </p:stCondLst>
+                      <p:childTnLst>
+                        <p:par>
+                          <p:cTn id="108" fill="hold">
+                            <p:stCondLst>
+                              <p:cond delay="0"/>
+                            </p:stCondLst>
+                            <p:childTnLst>
+                              <p:par>
+                                <p:cTn id="109" presetID="1" presetClass="entr" presetSubtype="0" fill="hold" grpId="0" nodeType="clickEffect">
+                                  <p:stCondLst>
+                                    <p:cond delay="0"/>
+                                  </p:stCondLst>
+                                  <p:childTnLst>
+                                    <p:set>
+                                      <p:cBhvr>
+                                        <p:cTn id="110" dur="1" fill="hold">
+                                          <p:stCondLst>
+                                            <p:cond delay="0"/>
+                                          </p:stCondLst>
+                                        </p:cTn>
+                                        <p:tgtEl>
+                                          <p:spTgt spid="11"/>
+                                        </p:tgtEl>
+                                        <p:attrNameLst>
+                                          <p:attrName>style.visibility</p:attrName>
+                                        </p:attrNameLst>
+                                      </p:cBhvr>
+                                      <p:to>
+                                        <p:strVal val="visible"/>
+                                      </p:to>
+                                    </p:set>
+                                  </p:childTnLst>
+                                </p:cTn>
+                              </p:par>
+                              <p:par>
+                                <p:cTn id="111" presetID="1" presetClass="entr" presetSubtype="0" fill="hold" grpId="0" nodeType="withEffect">
+                                  <p:stCondLst>
+                                    <p:cond delay="0"/>
+                                  </p:stCondLst>
+                                  <p:childTnLst>
+                                    <p:set>
+                                      <p:cBhvr>
+                                        <p:cTn id="112" dur="1" fill="hold">
+                                          <p:stCondLst>
+                                            <p:cond delay="0"/>
+                                          </p:stCondLst>
+                                        </p:cTn>
+                                        <p:tgtEl>
+                                          <p:spTgt spid="19"/>
+                                        </p:tgtEl>
+                                        <p:attrNameLst>
+                                          <p:attrName>style.visibility</p:attrName>
+                                        </p:attrNameLst>
+                                      </p:cBhvr>
+                                      <p:to>
+                                        <p:strVal val="visible"/>
+                                      </p:to>
+                                    </p:set>
+                                  </p:childTnLst>
+                                </p:cTn>
+                              </p:par>
+                              <p:par>
+                                <p:cTn id="113" presetID="1" presetClass="entr" presetSubtype="0" fill="hold" grpId="0" nodeType="withEffect">
+                                  <p:stCondLst>
+                                    <p:cond delay="0"/>
+                                  </p:stCondLst>
+                                  <p:childTnLst>
+                                    <p:set>
+                                      <p:cBhvr>
+                                        <p:cTn id="114" dur="1" fill="hold">
+                                          <p:stCondLst>
+                                            <p:cond delay="0"/>
+                                          </p:stCondLst>
+                                        </p:cTn>
+                                        <p:tgtEl>
+                                          <p:spTgt spid="27"/>
+                                        </p:tgtEl>
+                                        <p:attrNameLst>
+                                          <p:attrName>style.visibility</p:attrName>
+                                        </p:attrNameLst>
+                                      </p:cBhvr>
+                                      <p:to>
+                                        <p:strVal val="visible"/>
+                                      </p:to>
+                                    </p:set>
+                                  </p:childTnLst>
+                                </p:cTn>
+                              </p:par>
+                              <p:par>
+                                <p:cTn id="115" presetID="1" presetClass="entr" presetSubtype="0" fill="hold" grpId="0" nodeType="withEffect">
+                                  <p:stCondLst>
+                                    <p:cond delay="0"/>
+                                  </p:stCondLst>
+                                  <p:childTnLst>
+                                    <p:set>
+                                      <p:cBhvr>
+                                        <p:cTn id="116" dur="1" fill="hold">
+                                          <p:stCondLst>
+                                            <p:cond delay="0"/>
+                                          </p:stCondLst>
+                                        </p:cTn>
+                                        <p:tgtEl>
+                                          <p:spTgt spid="35"/>
+                                        </p:tgtEl>
+                                        <p:attrNameLst>
+                                          <p:attrName>style.visibility</p:attrName>
+                                        </p:attrNameLst>
+                                      </p:cBhvr>
+                                      <p:to>
+                                        <p:strVal val="visible"/>
+                                      </p:to>
+                                    </p:set>
+                                  </p:childTnLst>
+                                </p:cTn>
+                              </p:par>
+                              <p:par>
+                                <p:cTn id="117" presetID="1" presetClass="entr" presetSubtype="0" fill="hold" grpId="0" nodeType="withEffect">
+                                  <p:stCondLst>
+                                    <p:cond delay="0"/>
+                                  </p:stCondLst>
+                                  <p:childTnLst>
+                                    <p:set>
+                                      <p:cBhvr>
+                                        <p:cTn id="118" dur="1" fill="hold">
+                                          <p:stCondLst>
+                                            <p:cond delay="0"/>
+                                          </p:stCondLst>
+                                        </p:cTn>
+                                        <p:tgtEl>
+                                          <p:spTgt spid="43"/>
+                                        </p:tgtEl>
+                                        <p:attrNameLst>
+                                          <p:attrName>style.visibility</p:attrName>
+                                        </p:attrNameLst>
+                                      </p:cBhvr>
+                                      <p:to>
+                                        <p:strVal val="visible"/>
+                                      </p:to>
+                                    </p:set>
+                                  </p:childTnLst>
+                                </p:cTn>
+                              </p:par>
+                              <p:par>
+                                <p:cTn id="119" presetID="1" presetClass="entr" presetSubtype="0" fill="hold" grpId="0" nodeType="withEffect">
+                                  <p:stCondLst>
+                                    <p:cond delay="0"/>
+                                  </p:stCondLst>
+                                  <p:childTnLst>
+                                    <p:set>
+                                      <p:cBhvr>
+                                        <p:cTn id="120" dur="1" fill="hold">
+                                          <p:stCondLst>
+                                            <p:cond delay="0"/>
+                                          </p:stCondLst>
+                                        </p:cTn>
+                                        <p:tgtEl>
+                                          <p:spTgt spid="51"/>
+                                        </p:tgtEl>
+                                        <p:attrNameLst>
+                                          <p:attrName>style.visibility</p:attrName>
+                                        </p:attrNameLst>
+                                      </p:cBhvr>
+                                      <p:to>
+                                        <p:strVal val="visible"/>
+                                      </p:to>
+                                    </p:set>
+                                  </p:childTnLst>
+                                </p:cTn>
+                              </p:par>
+                              <p:par>
+                                <p:cTn id="121" presetID="1" presetClass="entr" presetSubtype="0" fill="hold" grpId="0" nodeType="withEffect">
+                                  <p:stCondLst>
+                                    <p:cond delay="0"/>
+                                  </p:stCondLst>
+                                  <p:childTnLst>
+                                    <p:set>
+                                      <p:cBhvr>
+                                        <p:cTn id="122" dur="1" fill="hold">
+                                          <p:stCondLst>
+                                            <p:cond delay="0"/>
+                                          </p:stCondLst>
+                                        </p:cTn>
+                                        <p:tgtEl>
+                                          <p:spTgt spid="59"/>
+                                        </p:tgtEl>
+                                        <p:attrNameLst>
+                                          <p:attrName>style.visibility</p:attrName>
+                                        </p:attrNameLst>
+                                      </p:cBhvr>
+                                      <p:to>
+                                        <p:strVal val="visible"/>
+                                      </p:to>
+                                    </p:set>
+                                  </p:childTnLst>
+                                </p:cTn>
+                              </p:par>
+                              <p:par>
+                                <p:cTn id="123" presetID="1" presetClass="entr" presetSubtype="0" fill="hold" grpId="0" nodeType="withEffect">
+                                  <p:stCondLst>
+                                    <p:cond delay="0"/>
+                                  </p:stCondLst>
+                                  <p:childTnLst>
+                                    <p:set>
+                                      <p:cBhvr>
+                                        <p:cTn id="124" dur="1" fill="hold">
+                                          <p:stCondLst>
+                                            <p:cond delay="0"/>
+                                          </p:stCondLst>
+                                        </p:cTn>
+                                        <p:tgtEl>
+                                          <p:spTgt spid="67"/>
+                                        </p:tgtEl>
+                                        <p:attrNameLst>
+                                          <p:attrName>style.visibility</p:attrName>
+                                        </p:attrNameLst>
+                                      </p:cBhvr>
+                                      <p:to>
+                                        <p:strVal val="visible"/>
+                                      </p:to>
+                                    </p:set>
+                                  </p:childTnLst>
+                                </p:cTn>
+                              </p:par>
+                              <p:par>
+                                <p:cTn id="125" presetID="1" presetClass="entr" presetSubtype="0" fill="hold" grpId="0" nodeType="withEffect">
+                                  <p:stCondLst>
+                                    <p:cond delay="0"/>
+                                  </p:stCondLst>
+                                  <p:childTnLst>
+                                    <p:set>
+                                      <p:cBhvr>
+                                        <p:cTn id="126" dur="1" fill="hold">
+                                          <p:stCondLst>
+                                            <p:cond delay="0"/>
+                                          </p:stCondLst>
+                                        </p:cTn>
+                                        <p:tgtEl>
+                                          <p:spTgt spid="75"/>
+                                        </p:tgtEl>
+                                        <p:attrNameLst>
+                                          <p:attrName>style.visibility</p:attrName>
+                                        </p:attrNameLst>
+                                      </p:cBhvr>
+                                      <p:to>
+                                        <p:strVal val="visible"/>
+                                      </p:to>
+                                    </p:set>
+                                  </p:childTnLst>
+                                </p:cTn>
+                              </p:par>
+                              <p:par>
+                                <p:cTn id="127" presetID="1" presetClass="entr" presetSubtype="0" fill="hold" grpId="0" nodeType="withEffect">
+                                  <p:stCondLst>
+                                    <p:cond delay="0"/>
+                                  </p:stCondLst>
+                                  <p:childTnLst>
+                                    <p:set>
+                                      <p:cBhvr>
+                                        <p:cTn id="128" dur="1" fill="hold">
+                                          <p:stCondLst>
+                                            <p:cond delay="0"/>
+                                          </p:stCondLst>
+                                        </p:cTn>
+                                        <p:tgtEl>
+                                          <p:spTgt spid="83"/>
+                                        </p:tgtEl>
+                                        <p:attrNameLst>
+                                          <p:attrName>style.visibility</p:attrName>
+                                        </p:attrNameLst>
+                                      </p:cBhvr>
+                                      <p:to>
+                                        <p:strVal val="visible"/>
+                                      </p:to>
+                                    </p:set>
+                                  </p:childTnLst>
+                                </p:cTn>
+                              </p:par>
+                              <p:par>
+                                <p:cTn id="129" presetID="1" presetClass="entr" presetSubtype="0" fill="hold" grpId="0" nodeType="withEffect">
+                                  <p:stCondLst>
+                                    <p:cond delay="0"/>
+                                  </p:stCondLst>
+                                  <p:childTnLst>
+                                    <p:set>
+                                      <p:cBhvr>
+                                        <p:cTn id="130" dur="1" fill="hold">
+                                          <p:stCondLst>
+                                            <p:cond delay="0"/>
+                                          </p:stCondLst>
+                                        </p:cTn>
+                                        <p:tgtEl>
+                                          <p:spTgt spid="90"/>
+                                        </p:tgtEl>
+                                        <p:attrNameLst>
+                                          <p:attrName>style.visibility</p:attrName>
+                                        </p:attrNameLst>
+                                      </p:cBhvr>
+                                      <p:to>
+                                        <p:strVal val="visible"/>
+                                      </p:to>
+                                    </p:set>
+                                  </p:childTnLst>
+                                </p:cTn>
+                              </p:par>
+                              <p:par>
+                                <p:cTn id="131" presetID="1" presetClass="entr" presetSubtype="0" fill="hold" grpId="0" nodeType="withEffect">
+                                  <p:stCondLst>
+                                    <p:cond delay="0"/>
+                                  </p:stCondLst>
+                                  <p:childTnLst>
+                                    <p:set>
+                                      <p:cBhvr>
+                                        <p:cTn id="132" dur="1" fill="hold">
+                                          <p:stCondLst>
+                                            <p:cond delay="0"/>
+                                          </p:stCondLst>
+                                        </p:cTn>
+                                        <p:tgtEl>
+                                          <p:spTgt spid="111"/>
+                                        </p:tgtEl>
+                                        <p:attrNameLst>
+                                          <p:attrName>style.visibility</p:attrName>
+                                        </p:attrNameLst>
+                                      </p:cBhvr>
+                                      <p:to>
+                                        <p:strVal val="visible"/>
+                                      </p:to>
+                                    </p:set>
+                                  </p:childTnLst>
+                                </p:cTn>
+                              </p:par>
+                              <p:par>
+                                <p:cTn id="133" presetID="1" presetClass="entr" presetSubtype="0" fill="hold" grpId="0" nodeType="withEffect">
+                                  <p:stCondLst>
+                                    <p:cond delay="0"/>
+                                  </p:stCondLst>
+                                  <p:childTnLst>
+                                    <p:set>
+                                      <p:cBhvr>
+                                        <p:cTn id="134" dur="1" fill="hold">
+                                          <p:stCondLst>
+                                            <p:cond delay="0"/>
+                                          </p:stCondLst>
+                                        </p:cTn>
+                                        <p:tgtEl>
+                                          <p:spTgt spid="119"/>
+                                        </p:tgtEl>
+                                        <p:attrNameLst>
+                                          <p:attrName>style.visibility</p:attrName>
+                                        </p:attrNameLst>
+                                      </p:cBhvr>
+                                      <p:to>
+                                        <p:strVal val="visible"/>
+                                      </p:to>
+                                    </p:set>
+                                  </p:childTnLst>
+                                </p:cTn>
+                              </p:par>
+                              <p:par>
+                                <p:cTn id="135" presetID="1" presetClass="entr" presetSubtype="0" fill="hold" grpId="0" nodeType="withEffect">
+                                  <p:stCondLst>
+                                    <p:cond delay="0"/>
+                                  </p:stCondLst>
+                                  <p:childTnLst>
+                                    <p:set>
+                                      <p:cBhvr>
+                                        <p:cTn id="136" dur="1" fill="hold">
+                                          <p:stCondLst>
+                                            <p:cond delay="0"/>
+                                          </p:stCondLst>
+                                        </p:cTn>
+                                        <p:tgtEl>
+                                          <p:spTgt spid="128"/>
+                                        </p:tgtEl>
+                                        <p:attrNameLst>
+                                          <p:attrName>style.visibility</p:attrName>
+                                        </p:attrNameLst>
+                                      </p:cBhvr>
+                                      <p:to>
+                                        <p:strVal val="visible"/>
+                                      </p:to>
+                                    </p:set>
+                                  </p:childTnLst>
+                                </p:cTn>
+                              </p:par>
+                              <p:par>
+                                <p:cTn id="137" presetID="1" presetClass="entr" presetSubtype="0" fill="hold" grpId="0" nodeType="withEffect">
+                                  <p:stCondLst>
+                                    <p:cond delay="0"/>
+                                  </p:stCondLst>
+                                  <p:childTnLst>
+                                    <p:set>
+                                      <p:cBhvr>
+                                        <p:cTn id="138" dur="1" fill="hold">
+                                          <p:stCondLst>
+                                            <p:cond delay="0"/>
+                                          </p:stCondLst>
+                                        </p:cTn>
+                                        <p:tgtEl>
+                                          <p:spTgt spid="136"/>
+                                        </p:tgtEl>
+                                        <p:attrNameLst>
+                                          <p:attrName>style.visibility</p:attrName>
+                                        </p:attrNameLst>
+                                      </p:cBhvr>
+                                      <p:to>
+                                        <p:strVal val="visible"/>
+                                      </p:to>
+                                    </p:set>
+                                  </p:childTnLst>
+                                </p:cTn>
+                              </p:par>
+                              <p:par>
+                                <p:cTn id="139" presetID="1" presetClass="entr" presetSubtype="0" fill="hold" grpId="0" nodeType="withEffect">
+                                  <p:stCondLst>
+                                    <p:cond delay="0"/>
+                                  </p:stCondLst>
+                                  <p:childTnLst>
+                                    <p:set>
+                                      <p:cBhvr>
+                                        <p:cTn id="140" dur="1" fill="hold">
+                                          <p:stCondLst>
+                                            <p:cond delay="0"/>
+                                          </p:stCondLst>
+                                        </p:cTn>
+                                        <p:tgtEl>
+                                          <p:spTgt spid="146"/>
+                                        </p:tgtEl>
+                                        <p:attrNameLst>
+                                          <p:attrName>style.visibility</p:attrName>
+                                        </p:attrNameLst>
+                                      </p:cBhvr>
+                                      <p:to>
+                                        <p:strVal val="visible"/>
+                                      </p:to>
+                                    </p:set>
+                                  </p:childTnLst>
+                                </p:cTn>
+                              </p:par>
+                              <p:par>
+                                <p:cTn id="141" presetID="1" presetClass="entr" presetSubtype="0" fill="hold" grpId="0" nodeType="withEffect">
+                                  <p:stCondLst>
+                                    <p:cond delay="0"/>
+                                  </p:stCondLst>
+                                  <p:childTnLst>
+                                    <p:set>
+                                      <p:cBhvr>
+                                        <p:cTn id="142" dur="1" fill="hold">
+                                          <p:stCondLst>
+                                            <p:cond delay="0"/>
+                                          </p:stCondLst>
+                                        </p:cTn>
+                                        <p:tgtEl>
+                                          <p:spTgt spid="156"/>
+                                        </p:tgtEl>
+                                        <p:attrNameLst>
+                                          <p:attrName>style.visibility</p:attrName>
+                                        </p:attrNameLst>
+                                      </p:cBhvr>
+                                      <p:to>
+                                        <p:strVal val="visible"/>
+                                      </p:to>
+                                    </p:set>
+                                  </p:childTnLst>
+                                </p:cTn>
+                              </p:par>
+                              <p:par>
+                                <p:cTn id="143" presetID="1" presetClass="entr" presetSubtype="0" fill="hold" grpId="0" nodeType="withEffect">
+                                  <p:stCondLst>
+                                    <p:cond delay="0"/>
+                                  </p:stCondLst>
+                                  <p:childTnLst>
+                                    <p:set>
+                                      <p:cBhvr>
+                                        <p:cTn id="144" dur="1" fill="hold">
+                                          <p:stCondLst>
+                                            <p:cond delay="0"/>
+                                          </p:stCondLst>
+                                        </p:cTn>
+                                        <p:tgtEl>
+                                          <p:spTgt spid="165"/>
+                                        </p:tgtEl>
+                                        <p:attrNameLst>
+                                          <p:attrName>style.visibility</p:attrName>
+                                        </p:attrNameLst>
+                                      </p:cBhvr>
+                                      <p:to>
+                                        <p:strVal val="visible"/>
+                                      </p:to>
+                                    </p:set>
+                                  </p:childTnLst>
+                                </p:cTn>
+                              </p:par>
+                              <p:par>
+                                <p:cTn id="145" presetID="1" presetClass="entr" presetSubtype="0" fill="hold" grpId="0" nodeType="withEffect">
+                                  <p:stCondLst>
+                                    <p:cond delay="0"/>
+                                  </p:stCondLst>
+                                  <p:childTnLst>
+                                    <p:set>
+                                      <p:cBhvr>
+                                        <p:cTn id="146" dur="1" fill="hold">
+                                          <p:stCondLst>
+                                            <p:cond delay="0"/>
+                                          </p:stCondLst>
+                                        </p:cTn>
+                                        <p:tgtEl>
+                                          <p:spTgt spid="175"/>
+                                        </p:tgtEl>
+                                        <p:attrNameLst>
+                                          <p:attrName>style.visibility</p:attrName>
+                                        </p:attrNameLst>
+                                      </p:cBhvr>
+                                      <p:to>
+                                        <p:strVal val="visible"/>
+                                      </p:to>
+                                    </p:set>
+                                  </p:childTnLst>
+                                </p:cTn>
+                              </p:par>
+                              <p:par>
+                                <p:cTn id="147" presetID="1" presetClass="entr" presetSubtype="0" fill="hold" grpId="0" nodeType="withEffect">
+                                  <p:stCondLst>
+                                    <p:cond delay="0"/>
+                                  </p:stCondLst>
+                                  <p:childTnLst>
+                                    <p:set>
+                                      <p:cBhvr>
+                                        <p:cTn id="148" dur="1" fill="hold">
+                                          <p:stCondLst>
+                                            <p:cond delay="0"/>
+                                          </p:stCondLst>
+                                        </p:cTn>
+                                        <p:tgtEl>
+                                          <p:spTgt spid="183"/>
+                                        </p:tgtEl>
+                                        <p:attrNameLst>
+                                          <p:attrName>style.visibility</p:attrName>
+                                        </p:attrNameLst>
+                                      </p:cBhvr>
+                                      <p:to>
+                                        <p:strVal val="visible"/>
+                                      </p:to>
+                                    </p:set>
+                                  </p:childTnLst>
+                                </p:cTn>
+                              </p:par>
+                              <p:par>
+                                <p:cTn id="149" presetID="1" presetClass="entr" presetSubtype="0" fill="hold" grpId="0" nodeType="withEffect">
+                                  <p:stCondLst>
+                                    <p:cond delay="0"/>
+                                  </p:stCondLst>
+                                  <p:childTnLst>
+                                    <p:set>
+                                      <p:cBhvr>
+                                        <p:cTn id="150" dur="1" fill="hold">
+                                          <p:stCondLst>
+                                            <p:cond delay="0"/>
+                                          </p:stCondLst>
+                                        </p:cTn>
+                                        <p:tgtEl>
+                                          <p:spTgt spid="196"/>
+                                        </p:tgtEl>
+                                        <p:attrNameLst>
+                                          <p:attrName>style.visibility</p:attrName>
+                                        </p:attrNameLst>
+                                      </p:cBhvr>
+                                      <p:to>
+                                        <p:strVal val="visible"/>
+                                      </p:to>
+                                    </p:set>
+                                  </p:childTnLst>
+                                </p:cTn>
+                              </p:par>
+                            </p:childTnLst>
+                          </p:cTn>
+                        </p:par>
+                      </p:childTnLst>
+                    </p:cTn>
+                  </p:par>
+                  <p:par>
+                    <p:cTn id="151" fill="hold">
+                      <p:stCondLst>
+                        <p:cond delay="indefinite"/>
+                      </p:stCondLst>
+                      <p:childTnLst>
+                        <p:par>
+                          <p:cTn id="152" fill="hold">
+                            <p:stCondLst>
+                              <p:cond delay="0"/>
+                            </p:stCondLst>
+                            <p:childTnLst>
+                              <p:par>
+                                <p:cTn id="153" presetID="1" presetClass="entr" presetSubtype="0" fill="hold" grpId="0" nodeType="clickEffect">
+                                  <p:stCondLst>
+                                    <p:cond delay="0"/>
+                                  </p:stCondLst>
+                                  <p:childTnLst>
+                                    <p:set>
+                                      <p:cBhvr>
+                                        <p:cTn id="154" dur="1" fill="hold">
+                                          <p:stCondLst>
+                                            <p:cond delay="0"/>
+                                          </p:stCondLst>
+                                        </p:cTn>
+                                        <p:tgtEl>
+                                          <p:spTgt spid="12"/>
+                                        </p:tgtEl>
+                                        <p:attrNameLst>
+                                          <p:attrName>style.visibility</p:attrName>
+                                        </p:attrNameLst>
+                                      </p:cBhvr>
+                                      <p:to>
+                                        <p:strVal val="visible"/>
+                                      </p:to>
+                                    </p:set>
+                                  </p:childTnLst>
+                                </p:cTn>
+                              </p:par>
+                              <p:par>
+                                <p:cTn id="155" presetID="1" presetClass="entr" presetSubtype="0" fill="hold" grpId="0" nodeType="withEffect">
+                                  <p:stCondLst>
+                                    <p:cond delay="0"/>
+                                  </p:stCondLst>
+                                  <p:childTnLst>
+                                    <p:set>
+                                      <p:cBhvr>
+                                        <p:cTn id="156" dur="1" fill="hold">
+                                          <p:stCondLst>
+                                            <p:cond delay="0"/>
+                                          </p:stCondLst>
+                                        </p:cTn>
+                                        <p:tgtEl>
+                                          <p:spTgt spid="20"/>
+                                        </p:tgtEl>
+                                        <p:attrNameLst>
+                                          <p:attrName>style.visibility</p:attrName>
+                                        </p:attrNameLst>
+                                      </p:cBhvr>
+                                      <p:to>
+                                        <p:strVal val="visible"/>
+                                      </p:to>
+                                    </p:set>
+                                  </p:childTnLst>
+                                </p:cTn>
+                              </p:par>
+                              <p:par>
+                                <p:cTn id="157" presetID="1" presetClass="entr" presetSubtype="0" fill="hold" grpId="0" nodeType="withEffect">
+                                  <p:stCondLst>
+                                    <p:cond delay="0"/>
+                                  </p:stCondLst>
+                                  <p:childTnLst>
+                                    <p:set>
+                                      <p:cBhvr>
+                                        <p:cTn id="158" dur="1" fill="hold">
+                                          <p:stCondLst>
+                                            <p:cond delay="0"/>
+                                          </p:stCondLst>
+                                        </p:cTn>
+                                        <p:tgtEl>
+                                          <p:spTgt spid="28"/>
+                                        </p:tgtEl>
+                                        <p:attrNameLst>
+                                          <p:attrName>style.visibility</p:attrName>
+                                        </p:attrNameLst>
+                                      </p:cBhvr>
+                                      <p:to>
+                                        <p:strVal val="visible"/>
+                                      </p:to>
+                                    </p:set>
+                                  </p:childTnLst>
+                                </p:cTn>
+                              </p:par>
+                              <p:par>
+                                <p:cTn id="159" presetID="1" presetClass="entr" presetSubtype="0" fill="hold" grpId="0" nodeType="withEffect">
+                                  <p:stCondLst>
+                                    <p:cond delay="0"/>
+                                  </p:stCondLst>
+                                  <p:childTnLst>
+                                    <p:set>
+                                      <p:cBhvr>
+                                        <p:cTn id="160" dur="1" fill="hold">
+                                          <p:stCondLst>
+                                            <p:cond delay="0"/>
+                                          </p:stCondLst>
+                                        </p:cTn>
+                                        <p:tgtEl>
+                                          <p:spTgt spid="36"/>
+                                        </p:tgtEl>
+                                        <p:attrNameLst>
+                                          <p:attrName>style.visibility</p:attrName>
+                                        </p:attrNameLst>
+                                      </p:cBhvr>
+                                      <p:to>
+                                        <p:strVal val="visible"/>
+                                      </p:to>
+                                    </p:set>
+                                  </p:childTnLst>
+                                </p:cTn>
+                              </p:par>
+                              <p:par>
+                                <p:cTn id="161" presetID="1" presetClass="entr" presetSubtype="0" fill="hold" grpId="0" nodeType="withEffect">
+                                  <p:stCondLst>
+                                    <p:cond delay="0"/>
+                                  </p:stCondLst>
+                                  <p:childTnLst>
+                                    <p:set>
+                                      <p:cBhvr>
+                                        <p:cTn id="162" dur="1" fill="hold">
+                                          <p:stCondLst>
+                                            <p:cond delay="0"/>
+                                          </p:stCondLst>
+                                        </p:cTn>
+                                        <p:tgtEl>
+                                          <p:spTgt spid="44"/>
+                                        </p:tgtEl>
+                                        <p:attrNameLst>
+                                          <p:attrName>style.visibility</p:attrName>
+                                        </p:attrNameLst>
+                                      </p:cBhvr>
+                                      <p:to>
+                                        <p:strVal val="visible"/>
+                                      </p:to>
+                                    </p:set>
+                                  </p:childTnLst>
+                                </p:cTn>
+                              </p:par>
+                              <p:par>
+                                <p:cTn id="163" presetID="1" presetClass="entr" presetSubtype="0" fill="hold" grpId="0" nodeType="withEffect">
+                                  <p:stCondLst>
+                                    <p:cond delay="0"/>
+                                  </p:stCondLst>
+                                  <p:childTnLst>
+                                    <p:set>
+                                      <p:cBhvr>
+                                        <p:cTn id="164" dur="1" fill="hold">
+                                          <p:stCondLst>
+                                            <p:cond delay="0"/>
+                                          </p:stCondLst>
+                                        </p:cTn>
+                                        <p:tgtEl>
+                                          <p:spTgt spid="52"/>
+                                        </p:tgtEl>
+                                        <p:attrNameLst>
+                                          <p:attrName>style.visibility</p:attrName>
+                                        </p:attrNameLst>
+                                      </p:cBhvr>
+                                      <p:to>
+                                        <p:strVal val="visible"/>
+                                      </p:to>
+                                    </p:set>
+                                  </p:childTnLst>
+                                </p:cTn>
+                              </p:par>
+                              <p:par>
+                                <p:cTn id="165" presetID="1" presetClass="entr" presetSubtype="0" fill="hold" grpId="0" nodeType="withEffect">
+                                  <p:stCondLst>
+                                    <p:cond delay="0"/>
+                                  </p:stCondLst>
+                                  <p:childTnLst>
+                                    <p:set>
+                                      <p:cBhvr>
+                                        <p:cTn id="166" dur="1" fill="hold">
+                                          <p:stCondLst>
+                                            <p:cond delay="0"/>
+                                          </p:stCondLst>
+                                        </p:cTn>
+                                        <p:tgtEl>
+                                          <p:spTgt spid="60"/>
+                                        </p:tgtEl>
+                                        <p:attrNameLst>
+                                          <p:attrName>style.visibility</p:attrName>
+                                        </p:attrNameLst>
+                                      </p:cBhvr>
+                                      <p:to>
+                                        <p:strVal val="visible"/>
+                                      </p:to>
+                                    </p:set>
+                                  </p:childTnLst>
+                                </p:cTn>
+                              </p:par>
+                              <p:par>
+                                <p:cTn id="167" presetID="1" presetClass="entr" presetSubtype="0" fill="hold" grpId="0" nodeType="withEffect">
+                                  <p:stCondLst>
+                                    <p:cond delay="0"/>
+                                  </p:stCondLst>
+                                  <p:childTnLst>
+                                    <p:set>
+                                      <p:cBhvr>
+                                        <p:cTn id="168" dur="1" fill="hold">
+                                          <p:stCondLst>
+                                            <p:cond delay="0"/>
+                                          </p:stCondLst>
+                                        </p:cTn>
+                                        <p:tgtEl>
+                                          <p:spTgt spid="68"/>
+                                        </p:tgtEl>
+                                        <p:attrNameLst>
+                                          <p:attrName>style.visibility</p:attrName>
+                                        </p:attrNameLst>
+                                      </p:cBhvr>
+                                      <p:to>
+                                        <p:strVal val="visible"/>
+                                      </p:to>
+                                    </p:set>
+                                  </p:childTnLst>
+                                </p:cTn>
+                              </p:par>
+                              <p:par>
+                                <p:cTn id="169" presetID="1" presetClass="entr" presetSubtype="0" fill="hold" grpId="0" nodeType="withEffect">
+                                  <p:stCondLst>
+                                    <p:cond delay="0"/>
+                                  </p:stCondLst>
+                                  <p:childTnLst>
+                                    <p:set>
+                                      <p:cBhvr>
+                                        <p:cTn id="170" dur="1" fill="hold">
+                                          <p:stCondLst>
+                                            <p:cond delay="0"/>
+                                          </p:stCondLst>
+                                        </p:cTn>
+                                        <p:tgtEl>
+                                          <p:spTgt spid="76"/>
+                                        </p:tgtEl>
+                                        <p:attrNameLst>
+                                          <p:attrName>style.visibility</p:attrName>
+                                        </p:attrNameLst>
+                                      </p:cBhvr>
+                                      <p:to>
+                                        <p:strVal val="visible"/>
+                                      </p:to>
+                                    </p:set>
+                                  </p:childTnLst>
+                                </p:cTn>
+                              </p:par>
+                              <p:par>
+                                <p:cTn id="171" presetID="1" presetClass="entr" presetSubtype="0" fill="hold" grpId="0" nodeType="withEffect">
+                                  <p:stCondLst>
+                                    <p:cond delay="0"/>
+                                  </p:stCondLst>
+                                  <p:childTnLst>
+                                    <p:set>
+                                      <p:cBhvr>
+                                        <p:cTn id="172" dur="1" fill="hold">
+                                          <p:stCondLst>
+                                            <p:cond delay="0"/>
+                                          </p:stCondLst>
+                                        </p:cTn>
+                                        <p:tgtEl>
+                                          <p:spTgt spid="84"/>
+                                        </p:tgtEl>
+                                        <p:attrNameLst>
+                                          <p:attrName>style.visibility</p:attrName>
+                                        </p:attrNameLst>
+                                      </p:cBhvr>
+                                      <p:to>
+                                        <p:strVal val="visible"/>
+                                      </p:to>
+                                    </p:set>
+                                  </p:childTnLst>
+                                </p:cTn>
+                              </p:par>
+                              <p:par>
+                                <p:cTn id="173" presetID="1" presetClass="entr" presetSubtype="0" fill="hold" grpId="0" nodeType="withEffect">
+                                  <p:stCondLst>
+                                    <p:cond delay="0"/>
+                                  </p:stCondLst>
+                                  <p:childTnLst>
+                                    <p:set>
+                                      <p:cBhvr>
+                                        <p:cTn id="174" dur="1" fill="hold">
+                                          <p:stCondLst>
+                                            <p:cond delay="0"/>
+                                          </p:stCondLst>
+                                        </p:cTn>
+                                        <p:tgtEl>
+                                          <p:spTgt spid="91"/>
+                                        </p:tgtEl>
+                                        <p:attrNameLst>
+                                          <p:attrName>style.visibility</p:attrName>
+                                        </p:attrNameLst>
+                                      </p:cBhvr>
+                                      <p:to>
+                                        <p:strVal val="visible"/>
+                                      </p:to>
+                                    </p:set>
+                                  </p:childTnLst>
+                                </p:cTn>
+                              </p:par>
+                              <p:par>
+                                <p:cTn id="175" presetID="1" presetClass="entr" presetSubtype="0" fill="hold" grpId="0" nodeType="withEffect">
+                                  <p:stCondLst>
+                                    <p:cond delay="0"/>
+                                  </p:stCondLst>
+                                  <p:childTnLst>
+                                    <p:set>
+                                      <p:cBhvr>
+                                        <p:cTn id="176" dur="1" fill="hold">
+                                          <p:stCondLst>
+                                            <p:cond delay="0"/>
+                                          </p:stCondLst>
+                                        </p:cTn>
+                                        <p:tgtEl>
+                                          <p:spTgt spid="112"/>
+                                        </p:tgtEl>
+                                        <p:attrNameLst>
+                                          <p:attrName>style.visibility</p:attrName>
+                                        </p:attrNameLst>
+                                      </p:cBhvr>
+                                      <p:to>
+                                        <p:strVal val="visible"/>
+                                      </p:to>
+                                    </p:set>
+                                  </p:childTnLst>
+                                </p:cTn>
+                              </p:par>
+                              <p:par>
+                                <p:cTn id="177" presetID="1" presetClass="entr" presetSubtype="0" fill="hold" grpId="0" nodeType="withEffect">
+                                  <p:stCondLst>
+                                    <p:cond delay="0"/>
+                                  </p:stCondLst>
+                                  <p:childTnLst>
+                                    <p:set>
+                                      <p:cBhvr>
+                                        <p:cTn id="178" dur="1" fill="hold">
+                                          <p:stCondLst>
+                                            <p:cond delay="0"/>
+                                          </p:stCondLst>
+                                        </p:cTn>
+                                        <p:tgtEl>
+                                          <p:spTgt spid="120"/>
+                                        </p:tgtEl>
+                                        <p:attrNameLst>
+                                          <p:attrName>style.visibility</p:attrName>
+                                        </p:attrNameLst>
+                                      </p:cBhvr>
+                                      <p:to>
+                                        <p:strVal val="visible"/>
+                                      </p:to>
+                                    </p:set>
+                                  </p:childTnLst>
+                                </p:cTn>
+                              </p:par>
+                              <p:par>
+                                <p:cTn id="179" presetID="1" presetClass="entr" presetSubtype="0" fill="hold" grpId="0" nodeType="withEffect">
+                                  <p:stCondLst>
+                                    <p:cond delay="0"/>
+                                  </p:stCondLst>
+                                  <p:childTnLst>
+                                    <p:set>
+                                      <p:cBhvr>
+                                        <p:cTn id="180" dur="1" fill="hold">
+                                          <p:stCondLst>
+                                            <p:cond delay="0"/>
+                                          </p:stCondLst>
+                                        </p:cTn>
+                                        <p:tgtEl>
+                                          <p:spTgt spid="129"/>
+                                        </p:tgtEl>
+                                        <p:attrNameLst>
+                                          <p:attrName>style.visibility</p:attrName>
+                                        </p:attrNameLst>
+                                      </p:cBhvr>
+                                      <p:to>
+                                        <p:strVal val="visible"/>
+                                      </p:to>
+                                    </p:set>
+                                  </p:childTnLst>
+                                </p:cTn>
+                              </p:par>
+                              <p:par>
+                                <p:cTn id="181" presetID="1" presetClass="entr" presetSubtype="0" fill="hold" grpId="0" nodeType="withEffect">
+                                  <p:stCondLst>
+                                    <p:cond delay="0"/>
+                                  </p:stCondLst>
+                                  <p:childTnLst>
+                                    <p:set>
+                                      <p:cBhvr>
+                                        <p:cTn id="182" dur="1" fill="hold">
+                                          <p:stCondLst>
+                                            <p:cond delay="0"/>
+                                          </p:stCondLst>
+                                        </p:cTn>
+                                        <p:tgtEl>
+                                          <p:spTgt spid="137"/>
+                                        </p:tgtEl>
+                                        <p:attrNameLst>
+                                          <p:attrName>style.visibility</p:attrName>
+                                        </p:attrNameLst>
+                                      </p:cBhvr>
+                                      <p:to>
+                                        <p:strVal val="visible"/>
+                                      </p:to>
+                                    </p:set>
+                                  </p:childTnLst>
+                                </p:cTn>
+                              </p:par>
+                              <p:par>
+                                <p:cTn id="183" presetID="1" presetClass="entr" presetSubtype="0" fill="hold" grpId="0" nodeType="withEffect">
+                                  <p:stCondLst>
+                                    <p:cond delay="0"/>
+                                  </p:stCondLst>
+                                  <p:childTnLst>
+                                    <p:set>
+                                      <p:cBhvr>
+                                        <p:cTn id="184" dur="1" fill="hold">
+                                          <p:stCondLst>
+                                            <p:cond delay="0"/>
+                                          </p:stCondLst>
+                                        </p:cTn>
+                                        <p:tgtEl>
+                                          <p:spTgt spid="147"/>
+                                        </p:tgtEl>
+                                        <p:attrNameLst>
+                                          <p:attrName>style.visibility</p:attrName>
+                                        </p:attrNameLst>
+                                      </p:cBhvr>
+                                      <p:to>
+                                        <p:strVal val="visible"/>
+                                      </p:to>
+                                    </p:set>
+                                  </p:childTnLst>
+                                </p:cTn>
+                              </p:par>
+                              <p:par>
+                                <p:cTn id="185" presetID="1" presetClass="entr" presetSubtype="0" fill="hold" grpId="0" nodeType="withEffect">
+                                  <p:stCondLst>
+                                    <p:cond delay="0"/>
+                                  </p:stCondLst>
+                                  <p:childTnLst>
+                                    <p:set>
+                                      <p:cBhvr>
+                                        <p:cTn id="186" dur="1" fill="hold">
+                                          <p:stCondLst>
+                                            <p:cond delay="0"/>
+                                          </p:stCondLst>
+                                        </p:cTn>
+                                        <p:tgtEl>
+                                          <p:spTgt spid="157"/>
+                                        </p:tgtEl>
+                                        <p:attrNameLst>
+                                          <p:attrName>style.visibility</p:attrName>
+                                        </p:attrNameLst>
+                                      </p:cBhvr>
+                                      <p:to>
+                                        <p:strVal val="visible"/>
+                                      </p:to>
+                                    </p:set>
+                                  </p:childTnLst>
+                                </p:cTn>
+                              </p:par>
+                              <p:par>
+                                <p:cTn id="187" presetID="1" presetClass="entr" presetSubtype="0" fill="hold" grpId="0" nodeType="withEffect">
+                                  <p:stCondLst>
+                                    <p:cond delay="0"/>
+                                  </p:stCondLst>
+                                  <p:childTnLst>
+                                    <p:set>
+                                      <p:cBhvr>
+                                        <p:cTn id="188" dur="1" fill="hold">
+                                          <p:stCondLst>
+                                            <p:cond delay="0"/>
+                                          </p:stCondLst>
+                                        </p:cTn>
+                                        <p:tgtEl>
+                                          <p:spTgt spid="166"/>
+                                        </p:tgtEl>
+                                        <p:attrNameLst>
+                                          <p:attrName>style.visibility</p:attrName>
+                                        </p:attrNameLst>
+                                      </p:cBhvr>
+                                      <p:to>
+                                        <p:strVal val="visible"/>
+                                      </p:to>
+                                    </p:set>
+                                  </p:childTnLst>
+                                </p:cTn>
+                              </p:par>
+                              <p:par>
+                                <p:cTn id="189" presetID="1" presetClass="entr" presetSubtype="0" fill="hold" grpId="0" nodeType="withEffect">
+                                  <p:stCondLst>
+                                    <p:cond delay="0"/>
+                                  </p:stCondLst>
+                                  <p:childTnLst>
+                                    <p:set>
+                                      <p:cBhvr>
+                                        <p:cTn id="190" dur="1" fill="hold">
+                                          <p:stCondLst>
+                                            <p:cond delay="0"/>
+                                          </p:stCondLst>
+                                        </p:cTn>
+                                        <p:tgtEl>
+                                          <p:spTgt spid="176"/>
+                                        </p:tgtEl>
+                                        <p:attrNameLst>
+                                          <p:attrName>style.visibility</p:attrName>
+                                        </p:attrNameLst>
+                                      </p:cBhvr>
+                                      <p:to>
+                                        <p:strVal val="visible"/>
+                                      </p:to>
+                                    </p:set>
+                                  </p:childTnLst>
+                                </p:cTn>
+                              </p:par>
+                              <p:par>
+                                <p:cTn id="191" presetID="1" presetClass="entr" presetSubtype="0" fill="hold" grpId="0" nodeType="withEffect">
+                                  <p:stCondLst>
+                                    <p:cond delay="0"/>
+                                  </p:stCondLst>
+                                  <p:childTnLst>
+                                    <p:set>
+                                      <p:cBhvr>
+                                        <p:cTn id="192" dur="1" fill="hold">
+                                          <p:stCondLst>
+                                            <p:cond delay="0"/>
+                                          </p:stCondLst>
+                                        </p:cTn>
+                                        <p:tgtEl>
+                                          <p:spTgt spid="184"/>
+                                        </p:tgtEl>
+                                        <p:attrNameLst>
+                                          <p:attrName>style.visibility</p:attrName>
+                                        </p:attrNameLst>
+                                      </p:cBhvr>
+                                      <p:to>
+                                        <p:strVal val="visible"/>
+                                      </p:to>
+                                    </p:set>
+                                  </p:childTnLst>
+                                </p:cTn>
+                              </p:par>
+                              <p:par>
+                                <p:cTn id="193" presetID="1" presetClass="entr" presetSubtype="0" fill="hold" grpId="0" nodeType="withEffect">
+                                  <p:stCondLst>
+                                    <p:cond delay="0"/>
+                                  </p:stCondLst>
+                                  <p:childTnLst>
+                                    <p:set>
+                                      <p:cBhvr>
+                                        <p:cTn id="194" dur="1" fill="hold">
+                                          <p:stCondLst>
+                                            <p:cond delay="0"/>
+                                          </p:stCondLst>
+                                        </p:cTn>
+                                        <p:tgtEl>
+                                          <p:spTgt spid="197"/>
+                                        </p:tgtEl>
+                                        <p:attrNameLst>
+                                          <p:attrName>style.visibility</p:attrName>
+                                        </p:attrNameLst>
+                                      </p:cBhvr>
+                                      <p:to>
+                                        <p:strVal val="visible"/>
+                                      </p:to>
+                                    </p:set>
+                                  </p:childTnLst>
+                                </p:cTn>
+                              </p:par>
+                            </p:childTnLst>
+                          </p:cTn>
+                        </p:par>
+                      </p:childTnLst>
+                    </p:cTn>
+                  </p:par>
+                  <p:par>
+                    <p:cTn id="195" fill="hold">
+                      <p:stCondLst>
+                        <p:cond delay="indefinite"/>
+                      </p:stCondLst>
+                      <p:childTnLst>
+                        <p:par>
+                          <p:cTn id="196" fill="hold">
+                            <p:stCondLst>
+                              <p:cond delay="0"/>
+                            </p:stCondLst>
+                            <p:childTnLst>
+                              <p:par>
+                                <p:cTn id="197" presetID="1" presetClass="entr" presetSubtype="0" fill="hold" grpId="0" nodeType="clickEffect">
+                                  <p:stCondLst>
+                                    <p:cond delay="0"/>
+                                  </p:stCondLst>
+                                  <p:childTnLst>
+                                    <p:set>
+                                      <p:cBhvr>
+                                        <p:cTn id="198" dur="1" fill="hold">
+                                          <p:stCondLst>
+                                            <p:cond delay="0"/>
+                                          </p:stCondLst>
+                                        </p:cTn>
+                                        <p:tgtEl>
+                                          <p:spTgt spid="13"/>
+                                        </p:tgtEl>
+                                        <p:attrNameLst>
+                                          <p:attrName>style.visibility</p:attrName>
+                                        </p:attrNameLst>
+                                      </p:cBhvr>
+                                      <p:to>
+                                        <p:strVal val="visible"/>
+                                      </p:to>
+                                    </p:set>
+                                  </p:childTnLst>
+                                </p:cTn>
+                              </p:par>
+                              <p:par>
+                                <p:cTn id="199" presetID="1" presetClass="entr" presetSubtype="0" fill="hold" grpId="0" nodeType="withEffect">
+                                  <p:stCondLst>
+                                    <p:cond delay="0"/>
+                                  </p:stCondLst>
+                                  <p:childTnLst>
+                                    <p:set>
+                                      <p:cBhvr>
+                                        <p:cTn id="200" dur="1" fill="hold">
+                                          <p:stCondLst>
+                                            <p:cond delay="0"/>
+                                          </p:stCondLst>
+                                        </p:cTn>
+                                        <p:tgtEl>
+                                          <p:spTgt spid="21"/>
+                                        </p:tgtEl>
+                                        <p:attrNameLst>
+                                          <p:attrName>style.visibility</p:attrName>
+                                        </p:attrNameLst>
+                                      </p:cBhvr>
+                                      <p:to>
+                                        <p:strVal val="visible"/>
+                                      </p:to>
+                                    </p:set>
+                                  </p:childTnLst>
+                                </p:cTn>
+                              </p:par>
+                              <p:par>
+                                <p:cTn id="201" presetID="1" presetClass="entr" presetSubtype="0" fill="hold" grpId="0" nodeType="withEffect">
+                                  <p:stCondLst>
+                                    <p:cond delay="0"/>
+                                  </p:stCondLst>
+                                  <p:childTnLst>
+                                    <p:set>
+                                      <p:cBhvr>
+                                        <p:cTn id="202" dur="1" fill="hold">
+                                          <p:stCondLst>
+                                            <p:cond delay="0"/>
+                                          </p:stCondLst>
+                                        </p:cTn>
+                                        <p:tgtEl>
+                                          <p:spTgt spid="29"/>
+                                        </p:tgtEl>
+                                        <p:attrNameLst>
+                                          <p:attrName>style.visibility</p:attrName>
+                                        </p:attrNameLst>
+                                      </p:cBhvr>
+                                      <p:to>
+                                        <p:strVal val="visible"/>
+                                      </p:to>
+                                    </p:set>
+                                  </p:childTnLst>
+                                </p:cTn>
+                              </p:par>
+                              <p:par>
+                                <p:cTn id="203" presetID="1" presetClass="entr" presetSubtype="0" fill="hold" grpId="0" nodeType="withEffect">
+                                  <p:stCondLst>
+                                    <p:cond delay="0"/>
+                                  </p:stCondLst>
+                                  <p:childTnLst>
+                                    <p:set>
+                                      <p:cBhvr>
+                                        <p:cTn id="204" dur="1" fill="hold">
+                                          <p:stCondLst>
+                                            <p:cond delay="0"/>
+                                          </p:stCondLst>
+                                        </p:cTn>
+                                        <p:tgtEl>
+                                          <p:spTgt spid="37"/>
+                                        </p:tgtEl>
+                                        <p:attrNameLst>
+                                          <p:attrName>style.visibility</p:attrName>
+                                        </p:attrNameLst>
+                                      </p:cBhvr>
+                                      <p:to>
+                                        <p:strVal val="visible"/>
+                                      </p:to>
+                                    </p:set>
+                                  </p:childTnLst>
+                                </p:cTn>
+                              </p:par>
+                              <p:par>
+                                <p:cTn id="205" presetID="1" presetClass="entr" presetSubtype="0" fill="hold" grpId="0" nodeType="withEffect">
+                                  <p:stCondLst>
+                                    <p:cond delay="0"/>
+                                  </p:stCondLst>
+                                  <p:childTnLst>
+                                    <p:set>
+                                      <p:cBhvr>
+                                        <p:cTn id="206" dur="1" fill="hold">
+                                          <p:stCondLst>
+                                            <p:cond delay="0"/>
+                                          </p:stCondLst>
+                                        </p:cTn>
+                                        <p:tgtEl>
+                                          <p:spTgt spid="45"/>
+                                        </p:tgtEl>
+                                        <p:attrNameLst>
+                                          <p:attrName>style.visibility</p:attrName>
+                                        </p:attrNameLst>
+                                      </p:cBhvr>
+                                      <p:to>
+                                        <p:strVal val="visible"/>
+                                      </p:to>
+                                    </p:set>
+                                  </p:childTnLst>
+                                </p:cTn>
+                              </p:par>
+                              <p:par>
+                                <p:cTn id="207" presetID="1" presetClass="entr" presetSubtype="0" fill="hold" grpId="0" nodeType="withEffect">
+                                  <p:stCondLst>
+                                    <p:cond delay="0"/>
+                                  </p:stCondLst>
+                                  <p:childTnLst>
+                                    <p:set>
+                                      <p:cBhvr>
+                                        <p:cTn id="208" dur="1" fill="hold">
+                                          <p:stCondLst>
+                                            <p:cond delay="0"/>
+                                          </p:stCondLst>
+                                        </p:cTn>
+                                        <p:tgtEl>
+                                          <p:spTgt spid="53"/>
+                                        </p:tgtEl>
+                                        <p:attrNameLst>
+                                          <p:attrName>style.visibility</p:attrName>
+                                        </p:attrNameLst>
+                                      </p:cBhvr>
+                                      <p:to>
+                                        <p:strVal val="visible"/>
+                                      </p:to>
+                                    </p:set>
+                                  </p:childTnLst>
+                                </p:cTn>
+                              </p:par>
+                              <p:par>
+                                <p:cTn id="209" presetID="1" presetClass="entr" presetSubtype="0" fill="hold" grpId="0" nodeType="withEffect">
+                                  <p:stCondLst>
+                                    <p:cond delay="0"/>
+                                  </p:stCondLst>
+                                  <p:childTnLst>
+                                    <p:set>
+                                      <p:cBhvr>
+                                        <p:cTn id="210" dur="1" fill="hold">
+                                          <p:stCondLst>
+                                            <p:cond delay="0"/>
+                                          </p:stCondLst>
+                                        </p:cTn>
+                                        <p:tgtEl>
+                                          <p:spTgt spid="61"/>
+                                        </p:tgtEl>
+                                        <p:attrNameLst>
+                                          <p:attrName>style.visibility</p:attrName>
+                                        </p:attrNameLst>
+                                      </p:cBhvr>
+                                      <p:to>
+                                        <p:strVal val="visible"/>
+                                      </p:to>
+                                    </p:set>
+                                  </p:childTnLst>
+                                </p:cTn>
+                              </p:par>
+                              <p:par>
+                                <p:cTn id="211" presetID="1" presetClass="entr" presetSubtype="0" fill="hold" grpId="0" nodeType="withEffect">
+                                  <p:stCondLst>
+                                    <p:cond delay="0"/>
+                                  </p:stCondLst>
+                                  <p:childTnLst>
+                                    <p:set>
+                                      <p:cBhvr>
+                                        <p:cTn id="212" dur="1" fill="hold">
+                                          <p:stCondLst>
+                                            <p:cond delay="0"/>
+                                          </p:stCondLst>
+                                        </p:cTn>
+                                        <p:tgtEl>
+                                          <p:spTgt spid="69"/>
+                                        </p:tgtEl>
+                                        <p:attrNameLst>
+                                          <p:attrName>style.visibility</p:attrName>
+                                        </p:attrNameLst>
+                                      </p:cBhvr>
+                                      <p:to>
+                                        <p:strVal val="visible"/>
+                                      </p:to>
+                                    </p:set>
+                                  </p:childTnLst>
+                                </p:cTn>
+                              </p:par>
+                              <p:par>
+                                <p:cTn id="213" presetID="1" presetClass="entr" presetSubtype="0" fill="hold" grpId="0" nodeType="withEffect">
+                                  <p:stCondLst>
+                                    <p:cond delay="0"/>
+                                  </p:stCondLst>
+                                  <p:childTnLst>
+                                    <p:set>
+                                      <p:cBhvr>
+                                        <p:cTn id="214" dur="1" fill="hold">
+                                          <p:stCondLst>
+                                            <p:cond delay="0"/>
+                                          </p:stCondLst>
+                                        </p:cTn>
+                                        <p:tgtEl>
+                                          <p:spTgt spid="77"/>
+                                        </p:tgtEl>
+                                        <p:attrNameLst>
+                                          <p:attrName>style.visibility</p:attrName>
+                                        </p:attrNameLst>
+                                      </p:cBhvr>
+                                      <p:to>
+                                        <p:strVal val="visible"/>
+                                      </p:to>
+                                    </p:set>
+                                  </p:childTnLst>
+                                </p:cTn>
+                              </p:par>
+                              <p:par>
+                                <p:cTn id="215" presetID="1" presetClass="entr" presetSubtype="0" fill="hold" grpId="0" nodeType="withEffect">
+                                  <p:stCondLst>
+                                    <p:cond delay="0"/>
+                                  </p:stCondLst>
+                                  <p:childTnLst>
+                                    <p:set>
+                                      <p:cBhvr>
+                                        <p:cTn id="216" dur="1" fill="hold">
+                                          <p:stCondLst>
+                                            <p:cond delay="0"/>
+                                          </p:stCondLst>
+                                        </p:cTn>
+                                        <p:tgtEl>
+                                          <p:spTgt spid="85"/>
+                                        </p:tgtEl>
+                                        <p:attrNameLst>
+                                          <p:attrName>style.visibility</p:attrName>
+                                        </p:attrNameLst>
+                                      </p:cBhvr>
+                                      <p:to>
+                                        <p:strVal val="visible"/>
+                                      </p:to>
+                                    </p:set>
+                                  </p:childTnLst>
+                                </p:cTn>
+                              </p:par>
+                              <p:par>
+                                <p:cTn id="217" presetID="1" presetClass="entr" presetSubtype="0" fill="hold" grpId="0" nodeType="withEffect">
+                                  <p:stCondLst>
+                                    <p:cond delay="0"/>
+                                  </p:stCondLst>
+                                  <p:childTnLst>
+                                    <p:set>
+                                      <p:cBhvr>
+                                        <p:cTn id="218" dur="1" fill="hold">
+                                          <p:stCondLst>
+                                            <p:cond delay="0"/>
+                                          </p:stCondLst>
+                                        </p:cTn>
+                                        <p:tgtEl>
+                                          <p:spTgt spid="92"/>
+                                        </p:tgtEl>
+                                        <p:attrNameLst>
+                                          <p:attrName>style.visibility</p:attrName>
+                                        </p:attrNameLst>
+                                      </p:cBhvr>
+                                      <p:to>
+                                        <p:strVal val="visible"/>
+                                      </p:to>
+                                    </p:set>
+                                  </p:childTnLst>
+                                </p:cTn>
+                              </p:par>
+                              <p:par>
+                                <p:cTn id="219" presetID="1" presetClass="entr" presetSubtype="0" fill="hold" grpId="0" nodeType="withEffect">
+                                  <p:stCondLst>
+                                    <p:cond delay="0"/>
+                                  </p:stCondLst>
+                                  <p:childTnLst>
+                                    <p:set>
+                                      <p:cBhvr>
+                                        <p:cTn id="220" dur="1" fill="hold">
+                                          <p:stCondLst>
+                                            <p:cond delay="0"/>
+                                          </p:stCondLst>
+                                        </p:cTn>
+                                        <p:tgtEl>
+                                          <p:spTgt spid="113"/>
+                                        </p:tgtEl>
+                                        <p:attrNameLst>
+                                          <p:attrName>style.visibility</p:attrName>
+                                        </p:attrNameLst>
+                                      </p:cBhvr>
+                                      <p:to>
+                                        <p:strVal val="visible"/>
+                                      </p:to>
+                                    </p:set>
+                                  </p:childTnLst>
+                                </p:cTn>
+                              </p:par>
+                              <p:par>
+                                <p:cTn id="221" presetID="1" presetClass="entr" presetSubtype="0" fill="hold" grpId="0" nodeType="withEffect">
+                                  <p:stCondLst>
+                                    <p:cond delay="0"/>
+                                  </p:stCondLst>
+                                  <p:childTnLst>
+                                    <p:set>
+                                      <p:cBhvr>
+                                        <p:cTn id="222" dur="1" fill="hold">
+                                          <p:stCondLst>
+                                            <p:cond delay="0"/>
+                                          </p:stCondLst>
+                                        </p:cTn>
+                                        <p:tgtEl>
+                                          <p:spTgt spid="121"/>
+                                        </p:tgtEl>
+                                        <p:attrNameLst>
+                                          <p:attrName>style.visibility</p:attrName>
+                                        </p:attrNameLst>
+                                      </p:cBhvr>
+                                      <p:to>
+                                        <p:strVal val="visible"/>
+                                      </p:to>
+                                    </p:set>
+                                  </p:childTnLst>
+                                </p:cTn>
+                              </p:par>
+                              <p:par>
+                                <p:cTn id="223" presetID="1" presetClass="entr" presetSubtype="0" fill="hold" grpId="0" nodeType="withEffect">
+                                  <p:stCondLst>
+                                    <p:cond delay="0"/>
+                                  </p:stCondLst>
+                                  <p:childTnLst>
+                                    <p:set>
+                                      <p:cBhvr>
+                                        <p:cTn id="224" dur="1" fill="hold">
+                                          <p:stCondLst>
+                                            <p:cond delay="0"/>
+                                          </p:stCondLst>
+                                        </p:cTn>
+                                        <p:tgtEl>
+                                          <p:spTgt spid="130"/>
+                                        </p:tgtEl>
+                                        <p:attrNameLst>
+                                          <p:attrName>style.visibility</p:attrName>
+                                        </p:attrNameLst>
+                                      </p:cBhvr>
+                                      <p:to>
+                                        <p:strVal val="visible"/>
+                                      </p:to>
+                                    </p:set>
+                                  </p:childTnLst>
+                                </p:cTn>
+                              </p:par>
+                              <p:par>
+                                <p:cTn id="225" presetID="1" presetClass="entr" presetSubtype="0" fill="hold" grpId="0" nodeType="withEffect">
+                                  <p:stCondLst>
+                                    <p:cond delay="0"/>
+                                  </p:stCondLst>
+                                  <p:childTnLst>
+                                    <p:set>
+                                      <p:cBhvr>
+                                        <p:cTn id="226" dur="1" fill="hold">
+                                          <p:stCondLst>
+                                            <p:cond delay="0"/>
+                                          </p:stCondLst>
+                                        </p:cTn>
+                                        <p:tgtEl>
+                                          <p:spTgt spid="138"/>
+                                        </p:tgtEl>
+                                        <p:attrNameLst>
+                                          <p:attrName>style.visibility</p:attrName>
+                                        </p:attrNameLst>
+                                      </p:cBhvr>
+                                      <p:to>
+                                        <p:strVal val="visible"/>
+                                      </p:to>
+                                    </p:set>
+                                  </p:childTnLst>
+                                </p:cTn>
+                              </p:par>
+                              <p:par>
+                                <p:cTn id="227" presetID="1" presetClass="entr" presetSubtype="0" fill="hold" grpId="0" nodeType="withEffect">
+                                  <p:stCondLst>
+                                    <p:cond delay="0"/>
+                                  </p:stCondLst>
+                                  <p:childTnLst>
+                                    <p:set>
+                                      <p:cBhvr>
+                                        <p:cTn id="228" dur="1" fill="hold">
+                                          <p:stCondLst>
+                                            <p:cond delay="0"/>
+                                          </p:stCondLst>
+                                        </p:cTn>
+                                        <p:tgtEl>
+                                          <p:spTgt spid="148"/>
+                                        </p:tgtEl>
+                                        <p:attrNameLst>
+                                          <p:attrName>style.visibility</p:attrName>
+                                        </p:attrNameLst>
+                                      </p:cBhvr>
+                                      <p:to>
+                                        <p:strVal val="visible"/>
+                                      </p:to>
+                                    </p:set>
+                                  </p:childTnLst>
+                                </p:cTn>
+                              </p:par>
+                              <p:par>
+                                <p:cTn id="229" presetID="1" presetClass="entr" presetSubtype="0" fill="hold" grpId="0" nodeType="withEffect">
+                                  <p:stCondLst>
+                                    <p:cond delay="0"/>
+                                  </p:stCondLst>
+                                  <p:childTnLst>
+                                    <p:set>
+                                      <p:cBhvr>
+                                        <p:cTn id="230" dur="1" fill="hold">
+                                          <p:stCondLst>
+                                            <p:cond delay="0"/>
+                                          </p:stCondLst>
+                                        </p:cTn>
+                                        <p:tgtEl>
+                                          <p:spTgt spid="158"/>
+                                        </p:tgtEl>
+                                        <p:attrNameLst>
+                                          <p:attrName>style.visibility</p:attrName>
+                                        </p:attrNameLst>
+                                      </p:cBhvr>
+                                      <p:to>
+                                        <p:strVal val="visible"/>
+                                      </p:to>
+                                    </p:set>
+                                  </p:childTnLst>
+                                </p:cTn>
+                              </p:par>
+                              <p:par>
+                                <p:cTn id="231" presetID="1" presetClass="entr" presetSubtype="0" fill="hold" grpId="0" nodeType="withEffect">
+                                  <p:stCondLst>
+                                    <p:cond delay="0"/>
+                                  </p:stCondLst>
+                                  <p:childTnLst>
+                                    <p:set>
+                                      <p:cBhvr>
+                                        <p:cTn id="232" dur="1" fill="hold">
+                                          <p:stCondLst>
+                                            <p:cond delay="0"/>
+                                          </p:stCondLst>
+                                        </p:cTn>
+                                        <p:tgtEl>
+                                          <p:spTgt spid="167"/>
+                                        </p:tgtEl>
+                                        <p:attrNameLst>
+                                          <p:attrName>style.visibility</p:attrName>
+                                        </p:attrNameLst>
+                                      </p:cBhvr>
+                                      <p:to>
+                                        <p:strVal val="visible"/>
+                                      </p:to>
+                                    </p:set>
+                                  </p:childTnLst>
+                                </p:cTn>
+                              </p:par>
+                              <p:par>
+                                <p:cTn id="233" presetID="1" presetClass="entr" presetSubtype="0" fill="hold" grpId="0" nodeType="withEffect">
+                                  <p:stCondLst>
+                                    <p:cond delay="0"/>
+                                  </p:stCondLst>
+                                  <p:childTnLst>
+                                    <p:set>
+                                      <p:cBhvr>
+                                        <p:cTn id="234" dur="1" fill="hold">
+                                          <p:stCondLst>
+                                            <p:cond delay="0"/>
+                                          </p:stCondLst>
+                                        </p:cTn>
+                                        <p:tgtEl>
+                                          <p:spTgt spid="177"/>
+                                        </p:tgtEl>
+                                        <p:attrNameLst>
+                                          <p:attrName>style.visibility</p:attrName>
+                                        </p:attrNameLst>
+                                      </p:cBhvr>
+                                      <p:to>
+                                        <p:strVal val="visible"/>
+                                      </p:to>
+                                    </p:set>
+                                  </p:childTnLst>
+                                </p:cTn>
+                              </p:par>
+                              <p:par>
+                                <p:cTn id="235" presetID="1" presetClass="entr" presetSubtype="0" fill="hold" grpId="0" nodeType="withEffect">
+                                  <p:stCondLst>
+                                    <p:cond delay="0"/>
+                                  </p:stCondLst>
+                                  <p:childTnLst>
+                                    <p:set>
+                                      <p:cBhvr>
+                                        <p:cTn id="236" dur="1" fill="hold">
+                                          <p:stCondLst>
+                                            <p:cond delay="0"/>
+                                          </p:stCondLst>
+                                        </p:cTn>
+                                        <p:tgtEl>
+                                          <p:spTgt spid="185"/>
+                                        </p:tgtEl>
+                                        <p:attrNameLst>
+                                          <p:attrName>style.visibility</p:attrName>
+                                        </p:attrNameLst>
+                                      </p:cBhvr>
+                                      <p:to>
+                                        <p:strVal val="visible"/>
+                                      </p:to>
+                                    </p:set>
+                                  </p:childTnLst>
+                                </p:cTn>
+                              </p:par>
+                              <p:par>
+                                <p:cTn id="237" presetID="1" presetClass="entr" presetSubtype="0" fill="hold" grpId="0" nodeType="withEffect">
+                                  <p:stCondLst>
+                                    <p:cond delay="0"/>
+                                  </p:stCondLst>
+                                  <p:childTnLst>
+                                    <p:set>
+                                      <p:cBhvr>
+                                        <p:cTn id="238" dur="1" fill="hold">
+                                          <p:stCondLst>
+                                            <p:cond delay="0"/>
+                                          </p:stCondLst>
+                                        </p:cTn>
+                                        <p:tgtEl>
+                                          <p:spTgt spid="198"/>
+                                        </p:tgtEl>
+                                        <p:attrNameLst>
+                                          <p:attrName>style.visibility</p:attrName>
+                                        </p:attrNameLst>
+                                      </p:cBhvr>
+                                      <p:to>
+                                        <p:strVal val="visible"/>
+                                      </p:to>
+                                    </p:set>
+                                  </p:childTnLst>
+                                </p:cTn>
+                              </p:par>
+                            </p:childTnLst>
+                          </p:cTn>
+                        </p:par>
+                      </p:childTnLst>
+                    </p:cTn>
+                  </p:par>
+                  <p:par>
+                    <p:cTn id="239" fill="hold">
+                      <p:stCondLst>
+                        <p:cond delay="indefinite"/>
+                      </p:stCondLst>
+                      <p:childTnLst>
+                        <p:par>
+                          <p:cTn id="240" fill="hold">
+                            <p:stCondLst>
+                              <p:cond delay="0"/>
+                            </p:stCondLst>
+                            <p:childTnLst>
+                              <p:par>
+                                <p:cTn id="241" presetID="1" presetClass="entr" presetSubtype="0" fill="hold" grpId="0" nodeType="clickEffect">
+                                  <p:stCondLst>
+                                    <p:cond delay="0"/>
+                                  </p:stCondLst>
+                                  <p:childTnLst>
+                                    <p:set>
+                                      <p:cBhvr>
+                                        <p:cTn id="242" dur="1" fill="hold">
+                                          <p:stCondLst>
+                                            <p:cond delay="0"/>
+                                          </p:stCondLst>
+                                        </p:cTn>
+                                        <p:tgtEl>
+                                          <p:spTgt spid="14"/>
+                                        </p:tgtEl>
+                                        <p:attrNameLst>
+                                          <p:attrName>style.visibility</p:attrName>
+                                        </p:attrNameLst>
+                                      </p:cBhvr>
+                                      <p:to>
+                                        <p:strVal val="visible"/>
+                                      </p:to>
+                                    </p:set>
+                                  </p:childTnLst>
+                                </p:cTn>
+                              </p:par>
+                              <p:par>
+                                <p:cTn id="243" presetID="1" presetClass="entr" presetSubtype="0" fill="hold" grpId="0" nodeType="withEffect">
+                                  <p:stCondLst>
+                                    <p:cond delay="0"/>
+                                  </p:stCondLst>
+                                  <p:childTnLst>
+                                    <p:set>
+                                      <p:cBhvr>
+                                        <p:cTn id="244" dur="1" fill="hold">
+                                          <p:stCondLst>
+                                            <p:cond delay="0"/>
+                                          </p:stCondLst>
+                                        </p:cTn>
+                                        <p:tgtEl>
+                                          <p:spTgt spid="22"/>
+                                        </p:tgtEl>
+                                        <p:attrNameLst>
+                                          <p:attrName>style.visibility</p:attrName>
+                                        </p:attrNameLst>
+                                      </p:cBhvr>
+                                      <p:to>
+                                        <p:strVal val="visible"/>
+                                      </p:to>
+                                    </p:set>
+                                  </p:childTnLst>
+                                </p:cTn>
+                              </p:par>
+                              <p:par>
+                                <p:cTn id="245" presetID="1" presetClass="entr" presetSubtype="0" fill="hold" grpId="0" nodeType="withEffect">
+                                  <p:stCondLst>
+                                    <p:cond delay="0"/>
+                                  </p:stCondLst>
+                                  <p:childTnLst>
+                                    <p:set>
+                                      <p:cBhvr>
+                                        <p:cTn id="246" dur="1" fill="hold">
+                                          <p:stCondLst>
+                                            <p:cond delay="0"/>
+                                          </p:stCondLst>
+                                        </p:cTn>
+                                        <p:tgtEl>
+                                          <p:spTgt spid="30"/>
+                                        </p:tgtEl>
+                                        <p:attrNameLst>
+                                          <p:attrName>style.visibility</p:attrName>
+                                        </p:attrNameLst>
+                                      </p:cBhvr>
+                                      <p:to>
+                                        <p:strVal val="visible"/>
+                                      </p:to>
+                                    </p:set>
+                                  </p:childTnLst>
+                                </p:cTn>
+                              </p:par>
+                              <p:par>
+                                <p:cTn id="247" presetID="1" presetClass="entr" presetSubtype="0" fill="hold" grpId="0" nodeType="withEffect">
+                                  <p:stCondLst>
+                                    <p:cond delay="0"/>
+                                  </p:stCondLst>
+                                  <p:childTnLst>
+                                    <p:set>
+                                      <p:cBhvr>
+                                        <p:cTn id="248" dur="1" fill="hold">
+                                          <p:stCondLst>
+                                            <p:cond delay="0"/>
+                                          </p:stCondLst>
+                                        </p:cTn>
+                                        <p:tgtEl>
+                                          <p:spTgt spid="38"/>
+                                        </p:tgtEl>
+                                        <p:attrNameLst>
+                                          <p:attrName>style.visibility</p:attrName>
+                                        </p:attrNameLst>
+                                      </p:cBhvr>
+                                      <p:to>
+                                        <p:strVal val="visible"/>
+                                      </p:to>
+                                    </p:set>
+                                  </p:childTnLst>
+                                </p:cTn>
+                              </p:par>
+                              <p:par>
+                                <p:cTn id="249" presetID="1" presetClass="entr" presetSubtype="0" fill="hold" grpId="0" nodeType="withEffect">
+                                  <p:stCondLst>
+                                    <p:cond delay="0"/>
+                                  </p:stCondLst>
+                                  <p:childTnLst>
+                                    <p:set>
+                                      <p:cBhvr>
+                                        <p:cTn id="250" dur="1" fill="hold">
+                                          <p:stCondLst>
+                                            <p:cond delay="0"/>
+                                          </p:stCondLst>
+                                        </p:cTn>
+                                        <p:tgtEl>
+                                          <p:spTgt spid="46"/>
+                                        </p:tgtEl>
+                                        <p:attrNameLst>
+                                          <p:attrName>style.visibility</p:attrName>
+                                        </p:attrNameLst>
+                                      </p:cBhvr>
+                                      <p:to>
+                                        <p:strVal val="visible"/>
+                                      </p:to>
+                                    </p:set>
+                                  </p:childTnLst>
+                                </p:cTn>
+                              </p:par>
+                              <p:par>
+                                <p:cTn id="251" presetID="1" presetClass="entr" presetSubtype="0" fill="hold" grpId="0" nodeType="withEffect">
+                                  <p:stCondLst>
+                                    <p:cond delay="0"/>
+                                  </p:stCondLst>
+                                  <p:childTnLst>
+                                    <p:set>
+                                      <p:cBhvr>
+                                        <p:cTn id="252" dur="1" fill="hold">
+                                          <p:stCondLst>
+                                            <p:cond delay="0"/>
+                                          </p:stCondLst>
+                                        </p:cTn>
+                                        <p:tgtEl>
+                                          <p:spTgt spid="54"/>
+                                        </p:tgtEl>
+                                        <p:attrNameLst>
+                                          <p:attrName>style.visibility</p:attrName>
+                                        </p:attrNameLst>
+                                      </p:cBhvr>
+                                      <p:to>
+                                        <p:strVal val="visible"/>
+                                      </p:to>
+                                    </p:set>
+                                  </p:childTnLst>
+                                </p:cTn>
+                              </p:par>
+                              <p:par>
+                                <p:cTn id="253" presetID="1" presetClass="entr" presetSubtype="0" fill="hold" grpId="0" nodeType="withEffect">
+                                  <p:stCondLst>
+                                    <p:cond delay="0"/>
+                                  </p:stCondLst>
+                                  <p:childTnLst>
+                                    <p:set>
+                                      <p:cBhvr>
+                                        <p:cTn id="254" dur="1" fill="hold">
+                                          <p:stCondLst>
+                                            <p:cond delay="0"/>
+                                          </p:stCondLst>
+                                        </p:cTn>
+                                        <p:tgtEl>
+                                          <p:spTgt spid="62"/>
+                                        </p:tgtEl>
+                                        <p:attrNameLst>
+                                          <p:attrName>style.visibility</p:attrName>
+                                        </p:attrNameLst>
+                                      </p:cBhvr>
+                                      <p:to>
+                                        <p:strVal val="visible"/>
+                                      </p:to>
+                                    </p:set>
+                                  </p:childTnLst>
+                                </p:cTn>
+                              </p:par>
+                              <p:par>
+                                <p:cTn id="255" presetID="1" presetClass="entr" presetSubtype="0" fill="hold" grpId="0" nodeType="withEffect">
+                                  <p:stCondLst>
+                                    <p:cond delay="0"/>
+                                  </p:stCondLst>
+                                  <p:childTnLst>
+                                    <p:set>
+                                      <p:cBhvr>
+                                        <p:cTn id="256" dur="1" fill="hold">
+                                          <p:stCondLst>
+                                            <p:cond delay="0"/>
+                                          </p:stCondLst>
+                                        </p:cTn>
+                                        <p:tgtEl>
+                                          <p:spTgt spid="70"/>
+                                        </p:tgtEl>
+                                        <p:attrNameLst>
+                                          <p:attrName>style.visibility</p:attrName>
+                                        </p:attrNameLst>
+                                      </p:cBhvr>
+                                      <p:to>
+                                        <p:strVal val="visible"/>
+                                      </p:to>
+                                    </p:set>
+                                  </p:childTnLst>
+                                </p:cTn>
+                              </p:par>
+                              <p:par>
+                                <p:cTn id="257" presetID="1" presetClass="entr" presetSubtype="0" fill="hold" grpId="0" nodeType="withEffect">
+                                  <p:stCondLst>
+                                    <p:cond delay="0"/>
+                                  </p:stCondLst>
+                                  <p:childTnLst>
+                                    <p:set>
+                                      <p:cBhvr>
+                                        <p:cTn id="258" dur="1" fill="hold">
+                                          <p:stCondLst>
+                                            <p:cond delay="0"/>
+                                          </p:stCondLst>
+                                        </p:cTn>
+                                        <p:tgtEl>
+                                          <p:spTgt spid="78"/>
+                                        </p:tgtEl>
+                                        <p:attrNameLst>
+                                          <p:attrName>style.visibility</p:attrName>
+                                        </p:attrNameLst>
+                                      </p:cBhvr>
+                                      <p:to>
+                                        <p:strVal val="visible"/>
+                                      </p:to>
+                                    </p:set>
+                                  </p:childTnLst>
+                                </p:cTn>
+                              </p:par>
+                              <p:par>
+                                <p:cTn id="259" presetID="1" presetClass="entr" presetSubtype="0" fill="hold" grpId="0" nodeType="withEffect">
+                                  <p:stCondLst>
+                                    <p:cond delay="0"/>
+                                  </p:stCondLst>
+                                  <p:childTnLst>
+                                    <p:set>
+                                      <p:cBhvr>
+                                        <p:cTn id="260" dur="1" fill="hold">
+                                          <p:stCondLst>
+                                            <p:cond delay="0"/>
+                                          </p:stCondLst>
+                                        </p:cTn>
+                                        <p:tgtEl>
+                                          <p:spTgt spid="86"/>
+                                        </p:tgtEl>
+                                        <p:attrNameLst>
+                                          <p:attrName>style.visibility</p:attrName>
+                                        </p:attrNameLst>
+                                      </p:cBhvr>
+                                      <p:to>
+                                        <p:strVal val="visible"/>
+                                      </p:to>
+                                    </p:set>
+                                  </p:childTnLst>
+                                </p:cTn>
+                              </p:par>
+                              <p:par>
+                                <p:cTn id="261" presetID="1" presetClass="entr" presetSubtype="0" fill="hold" grpId="0" nodeType="withEffect">
+                                  <p:stCondLst>
+                                    <p:cond delay="0"/>
+                                  </p:stCondLst>
+                                  <p:childTnLst>
+                                    <p:set>
+                                      <p:cBhvr>
+                                        <p:cTn id="262" dur="1" fill="hold">
+                                          <p:stCondLst>
+                                            <p:cond delay="0"/>
+                                          </p:stCondLst>
+                                        </p:cTn>
+                                        <p:tgtEl>
+                                          <p:spTgt spid="93"/>
+                                        </p:tgtEl>
+                                        <p:attrNameLst>
+                                          <p:attrName>style.visibility</p:attrName>
+                                        </p:attrNameLst>
+                                      </p:cBhvr>
+                                      <p:to>
+                                        <p:strVal val="visible"/>
+                                      </p:to>
+                                    </p:set>
+                                  </p:childTnLst>
+                                </p:cTn>
+                              </p:par>
+                              <p:par>
+                                <p:cTn id="263" presetID="1" presetClass="entr" presetSubtype="0" fill="hold" grpId="0" nodeType="withEffect">
+                                  <p:stCondLst>
+                                    <p:cond delay="0"/>
+                                  </p:stCondLst>
+                                  <p:childTnLst>
+                                    <p:set>
+                                      <p:cBhvr>
+                                        <p:cTn id="264" dur="1" fill="hold">
+                                          <p:stCondLst>
+                                            <p:cond delay="0"/>
+                                          </p:stCondLst>
+                                        </p:cTn>
+                                        <p:tgtEl>
+                                          <p:spTgt spid="114"/>
+                                        </p:tgtEl>
+                                        <p:attrNameLst>
+                                          <p:attrName>style.visibility</p:attrName>
+                                        </p:attrNameLst>
+                                      </p:cBhvr>
+                                      <p:to>
+                                        <p:strVal val="visible"/>
+                                      </p:to>
+                                    </p:set>
+                                  </p:childTnLst>
+                                </p:cTn>
+                              </p:par>
+                              <p:par>
+                                <p:cTn id="265" presetID="1" presetClass="entr" presetSubtype="0" fill="hold" grpId="0" nodeType="withEffect">
+                                  <p:stCondLst>
+                                    <p:cond delay="0"/>
+                                  </p:stCondLst>
+                                  <p:childTnLst>
+                                    <p:set>
+                                      <p:cBhvr>
+                                        <p:cTn id="266" dur="1" fill="hold">
+                                          <p:stCondLst>
+                                            <p:cond delay="0"/>
+                                          </p:stCondLst>
+                                        </p:cTn>
+                                        <p:tgtEl>
+                                          <p:spTgt spid="122"/>
+                                        </p:tgtEl>
+                                        <p:attrNameLst>
+                                          <p:attrName>style.visibility</p:attrName>
+                                        </p:attrNameLst>
+                                      </p:cBhvr>
+                                      <p:to>
+                                        <p:strVal val="visible"/>
+                                      </p:to>
+                                    </p:set>
+                                  </p:childTnLst>
+                                </p:cTn>
+                              </p:par>
+                              <p:par>
+                                <p:cTn id="267" presetID="1" presetClass="entr" presetSubtype="0" fill="hold" grpId="0" nodeType="withEffect">
+                                  <p:stCondLst>
+                                    <p:cond delay="0"/>
+                                  </p:stCondLst>
+                                  <p:childTnLst>
+                                    <p:set>
+                                      <p:cBhvr>
+                                        <p:cTn id="268" dur="1" fill="hold">
+                                          <p:stCondLst>
+                                            <p:cond delay="0"/>
+                                          </p:stCondLst>
+                                        </p:cTn>
+                                        <p:tgtEl>
+                                          <p:spTgt spid="131"/>
+                                        </p:tgtEl>
+                                        <p:attrNameLst>
+                                          <p:attrName>style.visibility</p:attrName>
+                                        </p:attrNameLst>
+                                      </p:cBhvr>
+                                      <p:to>
+                                        <p:strVal val="visible"/>
+                                      </p:to>
+                                    </p:set>
+                                  </p:childTnLst>
+                                </p:cTn>
+                              </p:par>
+                              <p:par>
+                                <p:cTn id="269" presetID="1" presetClass="entr" presetSubtype="0" fill="hold" grpId="0" nodeType="withEffect">
+                                  <p:stCondLst>
+                                    <p:cond delay="0"/>
+                                  </p:stCondLst>
+                                  <p:childTnLst>
+                                    <p:set>
+                                      <p:cBhvr>
+                                        <p:cTn id="270" dur="1" fill="hold">
+                                          <p:stCondLst>
+                                            <p:cond delay="0"/>
+                                          </p:stCondLst>
+                                        </p:cTn>
+                                        <p:tgtEl>
+                                          <p:spTgt spid="139"/>
+                                        </p:tgtEl>
+                                        <p:attrNameLst>
+                                          <p:attrName>style.visibility</p:attrName>
+                                        </p:attrNameLst>
+                                      </p:cBhvr>
+                                      <p:to>
+                                        <p:strVal val="visible"/>
+                                      </p:to>
+                                    </p:set>
+                                  </p:childTnLst>
+                                </p:cTn>
+                              </p:par>
+                              <p:par>
+                                <p:cTn id="271" presetID="1" presetClass="entr" presetSubtype="0" fill="hold" grpId="0" nodeType="withEffect">
+                                  <p:stCondLst>
+                                    <p:cond delay="0"/>
+                                  </p:stCondLst>
+                                  <p:childTnLst>
+                                    <p:set>
+                                      <p:cBhvr>
+                                        <p:cTn id="272" dur="1" fill="hold">
+                                          <p:stCondLst>
+                                            <p:cond delay="0"/>
+                                          </p:stCondLst>
+                                        </p:cTn>
+                                        <p:tgtEl>
+                                          <p:spTgt spid="149"/>
+                                        </p:tgtEl>
+                                        <p:attrNameLst>
+                                          <p:attrName>style.visibility</p:attrName>
+                                        </p:attrNameLst>
+                                      </p:cBhvr>
+                                      <p:to>
+                                        <p:strVal val="visible"/>
+                                      </p:to>
+                                    </p:set>
+                                  </p:childTnLst>
+                                </p:cTn>
+                              </p:par>
+                              <p:par>
+                                <p:cTn id="273" presetID="1" presetClass="entr" presetSubtype="0" fill="hold" grpId="0" nodeType="withEffect">
+                                  <p:stCondLst>
+                                    <p:cond delay="0"/>
+                                  </p:stCondLst>
+                                  <p:childTnLst>
+                                    <p:set>
+                                      <p:cBhvr>
+                                        <p:cTn id="274" dur="1" fill="hold">
+                                          <p:stCondLst>
+                                            <p:cond delay="0"/>
+                                          </p:stCondLst>
+                                        </p:cTn>
+                                        <p:tgtEl>
+                                          <p:spTgt spid="159"/>
+                                        </p:tgtEl>
+                                        <p:attrNameLst>
+                                          <p:attrName>style.visibility</p:attrName>
+                                        </p:attrNameLst>
+                                      </p:cBhvr>
+                                      <p:to>
+                                        <p:strVal val="visible"/>
+                                      </p:to>
+                                    </p:set>
+                                  </p:childTnLst>
+                                </p:cTn>
+                              </p:par>
+                              <p:par>
+                                <p:cTn id="275" presetID="1" presetClass="entr" presetSubtype="0" fill="hold" grpId="0" nodeType="withEffect">
+                                  <p:stCondLst>
+                                    <p:cond delay="0"/>
+                                  </p:stCondLst>
+                                  <p:childTnLst>
+                                    <p:set>
+                                      <p:cBhvr>
+                                        <p:cTn id="276" dur="1" fill="hold">
+                                          <p:stCondLst>
+                                            <p:cond delay="0"/>
+                                          </p:stCondLst>
+                                        </p:cTn>
+                                        <p:tgtEl>
+                                          <p:spTgt spid="168"/>
+                                        </p:tgtEl>
+                                        <p:attrNameLst>
+                                          <p:attrName>style.visibility</p:attrName>
+                                        </p:attrNameLst>
+                                      </p:cBhvr>
+                                      <p:to>
+                                        <p:strVal val="visible"/>
+                                      </p:to>
+                                    </p:set>
+                                  </p:childTnLst>
+                                </p:cTn>
+                              </p:par>
+                              <p:par>
+                                <p:cTn id="277" presetID="1" presetClass="entr" presetSubtype="0" fill="hold" grpId="0" nodeType="withEffect">
+                                  <p:stCondLst>
+                                    <p:cond delay="0"/>
+                                  </p:stCondLst>
+                                  <p:childTnLst>
+                                    <p:set>
+                                      <p:cBhvr>
+                                        <p:cTn id="278" dur="1" fill="hold">
+                                          <p:stCondLst>
+                                            <p:cond delay="0"/>
+                                          </p:stCondLst>
+                                        </p:cTn>
+                                        <p:tgtEl>
+                                          <p:spTgt spid="178"/>
+                                        </p:tgtEl>
+                                        <p:attrNameLst>
+                                          <p:attrName>style.visibility</p:attrName>
+                                        </p:attrNameLst>
+                                      </p:cBhvr>
+                                      <p:to>
+                                        <p:strVal val="visible"/>
+                                      </p:to>
+                                    </p:set>
+                                  </p:childTnLst>
+                                </p:cTn>
+                              </p:par>
+                              <p:par>
+                                <p:cTn id="279" presetID="1" presetClass="entr" presetSubtype="0" fill="hold" grpId="0" nodeType="withEffect">
+                                  <p:stCondLst>
+                                    <p:cond delay="0"/>
+                                  </p:stCondLst>
+                                  <p:childTnLst>
+                                    <p:set>
+                                      <p:cBhvr>
+                                        <p:cTn id="280" dur="1" fill="hold">
+                                          <p:stCondLst>
+                                            <p:cond delay="0"/>
+                                          </p:stCondLst>
+                                        </p:cTn>
+                                        <p:tgtEl>
+                                          <p:spTgt spid="186"/>
+                                        </p:tgtEl>
+                                        <p:attrNameLst>
+                                          <p:attrName>style.visibility</p:attrName>
+                                        </p:attrNameLst>
+                                      </p:cBhvr>
+                                      <p:to>
+                                        <p:strVal val="visible"/>
+                                      </p:to>
+                                    </p:set>
+                                  </p:childTnLst>
+                                </p:cTn>
+                              </p:par>
+                              <p:par>
+                                <p:cTn id="281" presetID="1" presetClass="entr" presetSubtype="0" fill="hold" grpId="0" nodeType="withEffect">
+                                  <p:stCondLst>
+                                    <p:cond delay="0"/>
+                                  </p:stCondLst>
+                                  <p:childTnLst>
+                                    <p:set>
+                                      <p:cBhvr>
+                                        <p:cTn id="282" dur="1" fill="hold">
+                                          <p:stCondLst>
+                                            <p:cond delay="0"/>
+                                          </p:stCondLst>
+                                        </p:cTn>
+                                        <p:tgtEl>
+                                          <p:spTgt spid="199"/>
+                                        </p:tgtEl>
+                                        <p:attrNameLst>
+                                          <p:attrName>style.visibility</p:attrName>
+                                        </p:attrNameLst>
+                                      </p:cBhvr>
+                                      <p:to>
+                                        <p:strVal val="visible"/>
+                                      </p:to>
+                                    </p:set>
+                                  </p:childTnLst>
+                                </p:cTn>
+                              </p:par>
+                            </p:childTnLst>
+                          </p:cTn>
+                        </p:par>
+                      </p:childTnLst>
+                    </p:cTn>
+                  </p:par>
+                  <p:par>
+                    <p:cTn id="283" fill="hold">
+                      <p:stCondLst>
+                        <p:cond delay="indefinite"/>
+                      </p:stCondLst>
+                      <p:childTnLst>
+                        <p:par>
+                          <p:cTn id="284" fill="hold">
+                            <p:stCondLst>
+                              <p:cond delay="0"/>
+                            </p:stCondLst>
+                            <p:childTnLst>
+                              <p:par>
+                                <p:cTn id="285" presetID="1" presetClass="entr" presetSubtype="0" fill="hold" grpId="0" nodeType="clickEffect">
+                                  <p:stCondLst>
+                                    <p:cond delay="0"/>
+                                  </p:stCondLst>
+                                  <p:childTnLst>
+                                    <p:set>
+                                      <p:cBhvr>
+                                        <p:cTn id="286" dur="1" fill="hold">
+                                          <p:stCondLst>
+                                            <p:cond delay="0"/>
+                                          </p:stCondLst>
+                                        </p:cTn>
+                                        <p:tgtEl>
+                                          <p:spTgt spid="15"/>
+                                        </p:tgtEl>
+                                        <p:attrNameLst>
+                                          <p:attrName>style.visibility</p:attrName>
+                                        </p:attrNameLst>
+                                      </p:cBhvr>
+                                      <p:to>
+                                        <p:strVal val="visible"/>
+                                      </p:to>
+                                    </p:set>
+                                  </p:childTnLst>
+                                </p:cTn>
+                              </p:par>
+                              <p:par>
+                                <p:cTn id="287" presetID="1" presetClass="entr" presetSubtype="0" fill="hold" grpId="0" nodeType="withEffect">
+                                  <p:stCondLst>
+                                    <p:cond delay="0"/>
+                                  </p:stCondLst>
+                                  <p:childTnLst>
+                                    <p:set>
+                                      <p:cBhvr>
+                                        <p:cTn id="288" dur="1" fill="hold">
+                                          <p:stCondLst>
+                                            <p:cond delay="0"/>
+                                          </p:stCondLst>
+                                        </p:cTn>
+                                        <p:tgtEl>
+                                          <p:spTgt spid="23"/>
+                                        </p:tgtEl>
+                                        <p:attrNameLst>
+                                          <p:attrName>style.visibility</p:attrName>
+                                        </p:attrNameLst>
+                                      </p:cBhvr>
+                                      <p:to>
+                                        <p:strVal val="visible"/>
+                                      </p:to>
+                                    </p:set>
+                                  </p:childTnLst>
+                                </p:cTn>
+                              </p:par>
+                              <p:par>
+                                <p:cTn id="289" presetID="1" presetClass="entr" presetSubtype="0" fill="hold" grpId="0" nodeType="withEffect">
+                                  <p:stCondLst>
+                                    <p:cond delay="0"/>
+                                  </p:stCondLst>
+                                  <p:childTnLst>
+                                    <p:set>
+                                      <p:cBhvr>
+                                        <p:cTn id="290" dur="1" fill="hold">
+                                          <p:stCondLst>
+                                            <p:cond delay="0"/>
+                                          </p:stCondLst>
+                                        </p:cTn>
+                                        <p:tgtEl>
+                                          <p:spTgt spid="31"/>
+                                        </p:tgtEl>
+                                        <p:attrNameLst>
+                                          <p:attrName>style.visibility</p:attrName>
+                                        </p:attrNameLst>
+                                      </p:cBhvr>
+                                      <p:to>
+                                        <p:strVal val="visible"/>
+                                      </p:to>
+                                    </p:set>
+                                  </p:childTnLst>
+                                </p:cTn>
+                              </p:par>
+                              <p:par>
+                                <p:cTn id="291" presetID="1" presetClass="entr" presetSubtype="0" fill="hold" grpId="0" nodeType="withEffect">
+                                  <p:stCondLst>
+                                    <p:cond delay="0"/>
+                                  </p:stCondLst>
+                                  <p:childTnLst>
+                                    <p:set>
+                                      <p:cBhvr>
+                                        <p:cTn id="292" dur="1" fill="hold">
+                                          <p:stCondLst>
+                                            <p:cond delay="0"/>
+                                          </p:stCondLst>
+                                        </p:cTn>
+                                        <p:tgtEl>
+                                          <p:spTgt spid="39"/>
+                                        </p:tgtEl>
+                                        <p:attrNameLst>
+                                          <p:attrName>style.visibility</p:attrName>
+                                        </p:attrNameLst>
+                                      </p:cBhvr>
+                                      <p:to>
+                                        <p:strVal val="visible"/>
+                                      </p:to>
+                                    </p:set>
+                                  </p:childTnLst>
+                                </p:cTn>
+                              </p:par>
+                              <p:par>
+                                <p:cTn id="293" presetID="1" presetClass="entr" presetSubtype="0" fill="hold" grpId="0" nodeType="withEffect">
+                                  <p:stCondLst>
+                                    <p:cond delay="0"/>
+                                  </p:stCondLst>
+                                  <p:childTnLst>
+                                    <p:set>
+                                      <p:cBhvr>
+                                        <p:cTn id="294" dur="1" fill="hold">
+                                          <p:stCondLst>
+                                            <p:cond delay="0"/>
+                                          </p:stCondLst>
+                                        </p:cTn>
+                                        <p:tgtEl>
+                                          <p:spTgt spid="47"/>
+                                        </p:tgtEl>
+                                        <p:attrNameLst>
+                                          <p:attrName>style.visibility</p:attrName>
+                                        </p:attrNameLst>
+                                      </p:cBhvr>
+                                      <p:to>
+                                        <p:strVal val="visible"/>
+                                      </p:to>
+                                    </p:set>
+                                  </p:childTnLst>
+                                </p:cTn>
+                              </p:par>
+                              <p:par>
+                                <p:cTn id="295" presetID="1" presetClass="entr" presetSubtype="0" fill="hold" grpId="0" nodeType="withEffect">
+                                  <p:stCondLst>
+                                    <p:cond delay="0"/>
+                                  </p:stCondLst>
+                                  <p:childTnLst>
+                                    <p:set>
+                                      <p:cBhvr>
+                                        <p:cTn id="296" dur="1" fill="hold">
+                                          <p:stCondLst>
+                                            <p:cond delay="0"/>
+                                          </p:stCondLst>
+                                        </p:cTn>
+                                        <p:tgtEl>
+                                          <p:spTgt spid="55"/>
+                                        </p:tgtEl>
+                                        <p:attrNameLst>
+                                          <p:attrName>style.visibility</p:attrName>
+                                        </p:attrNameLst>
+                                      </p:cBhvr>
+                                      <p:to>
+                                        <p:strVal val="visible"/>
+                                      </p:to>
+                                    </p:set>
+                                  </p:childTnLst>
+                                </p:cTn>
+                              </p:par>
+                              <p:par>
+                                <p:cTn id="297" presetID="1" presetClass="entr" presetSubtype="0" fill="hold" grpId="0" nodeType="withEffect">
+                                  <p:stCondLst>
+                                    <p:cond delay="0"/>
+                                  </p:stCondLst>
+                                  <p:childTnLst>
+                                    <p:set>
+                                      <p:cBhvr>
+                                        <p:cTn id="298" dur="1" fill="hold">
+                                          <p:stCondLst>
+                                            <p:cond delay="0"/>
+                                          </p:stCondLst>
+                                        </p:cTn>
+                                        <p:tgtEl>
+                                          <p:spTgt spid="63"/>
+                                        </p:tgtEl>
+                                        <p:attrNameLst>
+                                          <p:attrName>style.visibility</p:attrName>
+                                        </p:attrNameLst>
+                                      </p:cBhvr>
+                                      <p:to>
+                                        <p:strVal val="visible"/>
+                                      </p:to>
+                                    </p:set>
+                                  </p:childTnLst>
+                                </p:cTn>
+                              </p:par>
+                              <p:par>
+                                <p:cTn id="299" presetID="1" presetClass="entr" presetSubtype="0" fill="hold" grpId="0" nodeType="withEffect">
+                                  <p:stCondLst>
+                                    <p:cond delay="0"/>
+                                  </p:stCondLst>
+                                  <p:childTnLst>
+                                    <p:set>
+                                      <p:cBhvr>
+                                        <p:cTn id="300" dur="1" fill="hold">
+                                          <p:stCondLst>
+                                            <p:cond delay="0"/>
+                                          </p:stCondLst>
+                                        </p:cTn>
+                                        <p:tgtEl>
+                                          <p:spTgt spid="71"/>
+                                        </p:tgtEl>
+                                        <p:attrNameLst>
+                                          <p:attrName>style.visibility</p:attrName>
+                                        </p:attrNameLst>
+                                      </p:cBhvr>
+                                      <p:to>
+                                        <p:strVal val="visible"/>
+                                      </p:to>
+                                    </p:set>
+                                  </p:childTnLst>
+                                </p:cTn>
+                              </p:par>
+                              <p:par>
+                                <p:cTn id="301" presetID="1" presetClass="entr" presetSubtype="0" fill="hold" grpId="0" nodeType="withEffect">
+                                  <p:stCondLst>
+                                    <p:cond delay="0"/>
+                                  </p:stCondLst>
+                                  <p:childTnLst>
+                                    <p:set>
+                                      <p:cBhvr>
+                                        <p:cTn id="302" dur="1" fill="hold">
+                                          <p:stCondLst>
+                                            <p:cond delay="0"/>
+                                          </p:stCondLst>
+                                        </p:cTn>
+                                        <p:tgtEl>
+                                          <p:spTgt spid="79"/>
+                                        </p:tgtEl>
+                                        <p:attrNameLst>
+                                          <p:attrName>style.visibility</p:attrName>
+                                        </p:attrNameLst>
+                                      </p:cBhvr>
+                                      <p:to>
+                                        <p:strVal val="visible"/>
+                                      </p:to>
+                                    </p:set>
+                                  </p:childTnLst>
+                                </p:cTn>
+                              </p:par>
+                              <p:par>
+                                <p:cTn id="303" presetID="1" presetClass="entr" presetSubtype="0" fill="hold" grpId="0" nodeType="withEffect">
+                                  <p:stCondLst>
+                                    <p:cond delay="0"/>
+                                  </p:stCondLst>
+                                  <p:childTnLst>
+                                    <p:set>
+                                      <p:cBhvr>
+                                        <p:cTn id="304" dur="1" fill="hold">
+                                          <p:stCondLst>
+                                            <p:cond delay="0"/>
+                                          </p:stCondLst>
+                                        </p:cTn>
+                                        <p:tgtEl>
+                                          <p:spTgt spid="87"/>
+                                        </p:tgtEl>
+                                        <p:attrNameLst>
+                                          <p:attrName>style.visibility</p:attrName>
+                                        </p:attrNameLst>
+                                      </p:cBhvr>
+                                      <p:to>
+                                        <p:strVal val="visible"/>
+                                      </p:to>
+                                    </p:set>
+                                  </p:childTnLst>
+                                </p:cTn>
+                              </p:par>
+                              <p:par>
+                                <p:cTn id="305" presetID="1" presetClass="entr" presetSubtype="0" fill="hold" grpId="0" nodeType="withEffect">
+                                  <p:stCondLst>
+                                    <p:cond delay="0"/>
+                                  </p:stCondLst>
+                                  <p:childTnLst>
+                                    <p:set>
+                                      <p:cBhvr>
+                                        <p:cTn id="306" dur="1" fill="hold">
+                                          <p:stCondLst>
+                                            <p:cond delay="0"/>
+                                          </p:stCondLst>
+                                        </p:cTn>
+                                        <p:tgtEl>
+                                          <p:spTgt spid="94"/>
+                                        </p:tgtEl>
+                                        <p:attrNameLst>
+                                          <p:attrName>style.visibility</p:attrName>
+                                        </p:attrNameLst>
+                                      </p:cBhvr>
+                                      <p:to>
+                                        <p:strVal val="visible"/>
+                                      </p:to>
+                                    </p:set>
+                                  </p:childTnLst>
+                                </p:cTn>
+                              </p:par>
+                              <p:par>
+                                <p:cTn id="307" presetID="1" presetClass="entr" presetSubtype="0" fill="hold" grpId="0" nodeType="withEffect">
+                                  <p:stCondLst>
+                                    <p:cond delay="0"/>
+                                  </p:stCondLst>
+                                  <p:childTnLst>
+                                    <p:set>
+                                      <p:cBhvr>
+                                        <p:cTn id="308" dur="1" fill="hold">
+                                          <p:stCondLst>
+                                            <p:cond delay="0"/>
+                                          </p:stCondLst>
+                                        </p:cTn>
+                                        <p:tgtEl>
+                                          <p:spTgt spid="115"/>
+                                        </p:tgtEl>
+                                        <p:attrNameLst>
+                                          <p:attrName>style.visibility</p:attrName>
+                                        </p:attrNameLst>
+                                      </p:cBhvr>
+                                      <p:to>
+                                        <p:strVal val="visible"/>
+                                      </p:to>
+                                    </p:set>
+                                  </p:childTnLst>
+                                </p:cTn>
+                              </p:par>
+                              <p:par>
+                                <p:cTn id="309" presetID="1" presetClass="entr" presetSubtype="0" fill="hold" grpId="0" nodeType="withEffect">
+                                  <p:stCondLst>
+                                    <p:cond delay="0"/>
+                                  </p:stCondLst>
+                                  <p:childTnLst>
+                                    <p:set>
+                                      <p:cBhvr>
+                                        <p:cTn id="310" dur="1" fill="hold">
+                                          <p:stCondLst>
+                                            <p:cond delay="0"/>
+                                          </p:stCondLst>
+                                        </p:cTn>
+                                        <p:tgtEl>
+                                          <p:spTgt spid="123"/>
+                                        </p:tgtEl>
+                                        <p:attrNameLst>
+                                          <p:attrName>style.visibility</p:attrName>
+                                        </p:attrNameLst>
+                                      </p:cBhvr>
+                                      <p:to>
+                                        <p:strVal val="visible"/>
+                                      </p:to>
+                                    </p:set>
+                                  </p:childTnLst>
+                                </p:cTn>
+                              </p:par>
+                              <p:par>
+                                <p:cTn id="311" presetID="1" presetClass="entr" presetSubtype="0" fill="hold" grpId="0" nodeType="withEffect">
+                                  <p:stCondLst>
+                                    <p:cond delay="0"/>
+                                  </p:stCondLst>
+                                  <p:childTnLst>
+                                    <p:set>
+                                      <p:cBhvr>
+                                        <p:cTn id="312" dur="1" fill="hold">
+                                          <p:stCondLst>
+                                            <p:cond delay="0"/>
+                                          </p:stCondLst>
+                                        </p:cTn>
+                                        <p:tgtEl>
+                                          <p:spTgt spid="132"/>
+                                        </p:tgtEl>
+                                        <p:attrNameLst>
+                                          <p:attrName>style.visibility</p:attrName>
+                                        </p:attrNameLst>
+                                      </p:cBhvr>
+                                      <p:to>
+                                        <p:strVal val="visible"/>
+                                      </p:to>
+                                    </p:set>
+                                  </p:childTnLst>
+                                </p:cTn>
+                              </p:par>
+                              <p:par>
+                                <p:cTn id="313" presetID="1" presetClass="entr" presetSubtype="0" fill="hold" grpId="0" nodeType="withEffect">
+                                  <p:stCondLst>
+                                    <p:cond delay="0"/>
+                                  </p:stCondLst>
+                                  <p:childTnLst>
+                                    <p:set>
+                                      <p:cBhvr>
+                                        <p:cTn id="314" dur="1" fill="hold">
+                                          <p:stCondLst>
+                                            <p:cond delay="0"/>
+                                          </p:stCondLst>
+                                        </p:cTn>
+                                        <p:tgtEl>
+                                          <p:spTgt spid="150"/>
+                                        </p:tgtEl>
+                                        <p:attrNameLst>
+                                          <p:attrName>style.visibility</p:attrName>
+                                        </p:attrNameLst>
+                                      </p:cBhvr>
+                                      <p:to>
+                                        <p:strVal val="visible"/>
+                                      </p:to>
+                                    </p:set>
+                                  </p:childTnLst>
+                                </p:cTn>
+                              </p:par>
+                              <p:par>
+                                <p:cTn id="315" presetID="1" presetClass="entr" presetSubtype="0" fill="hold" grpId="0" nodeType="withEffect">
+                                  <p:stCondLst>
+                                    <p:cond delay="0"/>
+                                  </p:stCondLst>
+                                  <p:childTnLst>
+                                    <p:set>
+                                      <p:cBhvr>
+                                        <p:cTn id="316" dur="1" fill="hold">
+                                          <p:stCondLst>
+                                            <p:cond delay="0"/>
+                                          </p:stCondLst>
+                                        </p:cTn>
+                                        <p:tgtEl>
+                                          <p:spTgt spid="160"/>
+                                        </p:tgtEl>
+                                        <p:attrNameLst>
+                                          <p:attrName>style.visibility</p:attrName>
+                                        </p:attrNameLst>
+                                      </p:cBhvr>
+                                      <p:to>
+                                        <p:strVal val="visible"/>
+                                      </p:to>
+                                    </p:set>
+                                  </p:childTnLst>
+                                </p:cTn>
+                              </p:par>
+                              <p:par>
+                                <p:cTn id="317" presetID="1" presetClass="entr" presetSubtype="0" fill="hold" grpId="0" nodeType="withEffect">
+                                  <p:stCondLst>
+                                    <p:cond delay="0"/>
+                                  </p:stCondLst>
+                                  <p:childTnLst>
+                                    <p:set>
+                                      <p:cBhvr>
+                                        <p:cTn id="318" dur="1" fill="hold">
+                                          <p:stCondLst>
+                                            <p:cond delay="0"/>
+                                          </p:stCondLst>
+                                        </p:cTn>
+                                        <p:tgtEl>
+                                          <p:spTgt spid="169"/>
+                                        </p:tgtEl>
+                                        <p:attrNameLst>
+                                          <p:attrName>style.visibility</p:attrName>
+                                        </p:attrNameLst>
+                                      </p:cBhvr>
+                                      <p:to>
+                                        <p:strVal val="visible"/>
+                                      </p:to>
+                                    </p:set>
+                                  </p:childTnLst>
+                                </p:cTn>
+                              </p:par>
+                              <p:par>
+                                <p:cTn id="319" presetID="1" presetClass="entr" presetSubtype="0" fill="hold" grpId="0" nodeType="withEffect">
+                                  <p:stCondLst>
+                                    <p:cond delay="0"/>
+                                  </p:stCondLst>
+                                  <p:childTnLst>
+                                    <p:set>
+                                      <p:cBhvr>
+                                        <p:cTn id="320" dur="1" fill="hold">
+                                          <p:stCondLst>
+                                            <p:cond delay="0"/>
+                                          </p:stCondLst>
+                                        </p:cTn>
+                                        <p:tgtEl>
+                                          <p:spTgt spid="170"/>
+                                        </p:tgtEl>
+                                        <p:attrNameLst>
+                                          <p:attrName>style.visibility</p:attrName>
+                                        </p:attrNameLst>
+                                      </p:cBhvr>
+                                      <p:to>
+                                        <p:strVal val="visible"/>
+                                      </p:to>
+                                    </p:set>
+                                  </p:childTnLst>
+                                </p:cTn>
+                              </p:par>
+                              <p:par>
+                                <p:cTn id="321" presetID="1" presetClass="entr" presetSubtype="0" fill="hold" grpId="0" nodeType="withEffect">
+                                  <p:stCondLst>
+                                    <p:cond delay="0"/>
+                                  </p:stCondLst>
+                                  <p:childTnLst>
+                                    <p:set>
+                                      <p:cBhvr>
+                                        <p:cTn id="322" dur="1" fill="hold">
+                                          <p:stCondLst>
+                                            <p:cond delay="0"/>
+                                          </p:stCondLst>
+                                        </p:cTn>
+                                        <p:tgtEl>
+                                          <p:spTgt spid="179"/>
+                                        </p:tgtEl>
+                                        <p:attrNameLst>
+                                          <p:attrName>style.visibility</p:attrName>
+                                        </p:attrNameLst>
+                                      </p:cBhvr>
+                                      <p:to>
+                                        <p:strVal val="visible"/>
+                                      </p:to>
+                                    </p:set>
+                                  </p:childTnLst>
+                                </p:cTn>
+                              </p:par>
+                              <p:par>
+                                <p:cTn id="323" presetID="1" presetClass="entr" presetSubtype="0" fill="hold" grpId="0" nodeType="withEffect">
+                                  <p:stCondLst>
+                                    <p:cond delay="0"/>
+                                  </p:stCondLst>
+                                  <p:childTnLst>
+                                    <p:set>
+                                      <p:cBhvr>
+                                        <p:cTn id="324" dur="1" fill="hold">
+                                          <p:stCondLst>
+                                            <p:cond delay="0"/>
+                                          </p:stCondLst>
+                                        </p:cTn>
+                                        <p:tgtEl>
+                                          <p:spTgt spid="187"/>
+                                        </p:tgtEl>
+                                        <p:attrNameLst>
+                                          <p:attrName>style.visibility</p:attrName>
+                                        </p:attrNameLst>
+                                      </p:cBhvr>
+                                      <p:to>
+                                        <p:strVal val="visible"/>
+                                      </p:to>
+                                    </p:set>
+                                  </p:childTnLst>
+                                </p:cTn>
+                              </p:par>
+                              <p:par>
+                                <p:cTn id="325" presetID="1" presetClass="entr" presetSubtype="0" fill="hold" grpId="0" nodeType="withEffect">
+                                  <p:stCondLst>
+                                    <p:cond delay="0"/>
+                                  </p:stCondLst>
+                                  <p:childTnLst>
+                                    <p:set>
+                                      <p:cBhvr>
+                                        <p:cTn id="326" dur="1" fill="hold">
+                                          <p:stCondLst>
+                                            <p:cond delay="0"/>
+                                          </p:stCondLst>
+                                        </p:cTn>
+                                        <p:tgtEl>
+                                          <p:spTgt spid="188"/>
+                                        </p:tgtEl>
+                                        <p:attrNameLst>
+                                          <p:attrName>style.visibility</p:attrName>
+                                        </p:attrNameLst>
+                                      </p:cBhvr>
+                                      <p:to>
+                                        <p:strVal val="visible"/>
+                                      </p:to>
+                                    </p:set>
+                                  </p:childTnLst>
+                                </p:cTn>
+                              </p:par>
+                              <p:par>
+                                <p:cTn id="327" presetID="1" presetClass="entr" presetSubtype="0" fill="hold" grpId="0" nodeType="withEffect">
+                                  <p:stCondLst>
+                                    <p:cond delay="0"/>
+                                  </p:stCondLst>
+                                  <p:childTnLst>
+                                    <p:set>
+                                      <p:cBhvr>
+                                        <p:cTn id="328" dur="1" fill="hold">
+                                          <p:stCondLst>
+                                            <p:cond delay="0"/>
+                                          </p:stCondLst>
+                                        </p:cTn>
+                                        <p:tgtEl>
+                                          <p:spTgt spid="200"/>
+                                        </p:tgtEl>
+                                        <p:attrNameLst>
+                                          <p:attrName>style.visibility</p:attrName>
+                                        </p:attrNameLst>
+                                      </p:cBhvr>
+                                      <p:to>
+                                        <p:strVal val="visible"/>
+                                      </p:to>
+                                    </p:set>
+                                  </p:childTnLst>
+                                </p:cTn>
+                              </p:par>
+                              <p:par>
+                                <p:cTn id="329" presetID="1" presetClass="entr" presetSubtype="0" fill="hold" grpId="0" nodeType="withEffect">
+                                  <p:stCondLst>
+                                    <p:cond delay="0"/>
+                                  </p:stCondLst>
+                                  <p:childTnLst>
+                                    <p:set>
+                                      <p:cBhvr>
+                                        <p:cTn id="330" dur="1" fill="hold">
+                                          <p:stCondLst>
+                                            <p:cond delay="0"/>
+                                          </p:stCondLst>
+                                        </p:cTn>
+                                        <p:tgtEl>
+                                          <p:spTgt spid="201"/>
+                                        </p:tgtEl>
+                                        <p:attrNameLst>
+                                          <p:attrName>style.visibility</p:attrName>
+                                        </p:attrNameLst>
+                                      </p:cBhvr>
+                                      <p:to>
+                                        <p:strVal val="visible"/>
+                                      </p:to>
+                                    </p:set>
+                                  </p:childTnLst>
+                                </p:cTn>
+                              </p:par>
+                              <p:par>
+                                <p:cTn id="331" presetID="1" presetClass="entr" presetSubtype="0" fill="hold" grpId="0" nodeType="withEffect">
+                                  <p:stCondLst>
+                                    <p:cond delay="0"/>
+                                  </p:stCondLst>
+                                  <p:childTnLst>
+                                    <p:set>
+                                      <p:cBhvr>
+                                        <p:cTn id="332" dur="1" fill="hold">
+                                          <p:stCondLst>
+                                            <p:cond delay="0"/>
+                                          </p:stCondLst>
+                                        </p:cTn>
+                                        <p:tgtEl>
+                                          <p:spTgt spid="202"/>
+                                        </p:tgtEl>
+                                        <p:attrNameLst>
+                                          <p:attrName>style.visibility</p:attrName>
+                                        </p:attrNameLst>
+                                      </p:cBhvr>
+                                      <p:to>
+                                        <p:strVal val="visible"/>
+                                      </p:to>
+                                    </p:set>
+                                  </p:childTnLst>
+                                </p:cTn>
+                              </p:par>
+                              <p:par>
+                                <p:cTn id="333" presetID="1" presetClass="entr" presetSubtype="0" fill="hold" grpId="0" nodeType="withEffect">
+                                  <p:stCondLst>
+                                    <p:cond delay="0"/>
+                                  </p:stCondLst>
+                                  <p:childTnLst>
+                                    <p:set>
+                                      <p:cBhvr>
+                                        <p:cTn id="334" dur="1" fill="hold">
+                                          <p:stCondLst>
+                                            <p:cond delay="0"/>
+                                          </p:stCondLst>
+                                        </p:cTn>
+                                        <p:tgtEl>
+                                          <p:spTgt spid="140"/>
+                                        </p:tgtEl>
+                                        <p:attrNameLst>
+                                          <p:attrName>style.visibility</p:attrName>
+                                        </p:attrNameLst>
+                                      </p:cBhvr>
+                                      <p:to>
+                                        <p:strVal val="visible"/>
+                                      </p:to>
+                                    </p:set>
+                                  </p:childTnLst>
+                                </p:cTn>
+                              </p:par>
+                            </p:childTnLst>
+                          </p:cTn>
+                        </p:par>
+                      </p:childTnLst>
+                    </p:cTn>
+                  </p:par>
+                  <p:par>
+                    <p:cTn id="335" fill="hold">
+                      <p:stCondLst>
+                        <p:cond delay="indefinite"/>
+                      </p:stCondLst>
+                      <p:childTnLst>
+                        <p:par>
+                          <p:cTn id="336" fill="hold">
+                            <p:stCondLst>
+                              <p:cond delay="0"/>
+                            </p:stCondLst>
+                            <p:childTnLst>
+                              <p:par>
+                                <p:cTn id="337" presetID="1" presetClass="entr" presetSubtype="0" fill="hold" grpId="0" nodeType="clickEffect">
+                                  <p:stCondLst>
+                                    <p:cond delay="0"/>
+                                  </p:stCondLst>
+                                  <p:childTnLst>
+                                    <p:set>
+                                      <p:cBhvr>
+                                        <p:cTn id="338" dur="1" fill="hold">
+                                          <p:stCondLst>
+                                            <p:cond delay="0"/>
+                                          </p:stCondLst>
+                                        </p:cTn>
+                                        <p:tgtEl>
+                                          <p:spTgt spid="16"/>
+                                        </p:tgtEl>
+                                        <p:attrNameLst>
+                                          <p:attrName>style.visibility</p:attrName>
+                                        </p:attrNameLst>
+                                      </p:cBhvr>
+                                      <p:to>
+                                        <p:strVal val="visible"/>
+                                      </p:to>
+                                    </p:set>
+                                  </p:childTnLst>
+                                </p:cTn>
+                              </p:par>
+                              <p:par>
+                                <p:cTn id="339" presetID="1" presetClass="entr" presetSubtype="0" fill="hold" grpId="0" nodeType="withEffect">
+                                  <p:stCondLst>
+                                    <p:cond delay="0"/>
+                                  </p:stCondLst>
+                                  <p:childTnLst>
+                                    <p:set>
+                                      <p:cBhvr>
+                                        <p:cTn id="340" dur="1" fill="hold">
+                                          <p:stCondLst>
+                                            <p:cond delay="0"/>
+                                          </p:stCondLst>
+                                        </p:cTn>
+                                        <p:tgtEl>
+                                          <p:spTgt spid="24"/>
+                                        </p:tgtEl>
+                                        <p:attrNameLst>
+                                          <p:attrName>style.visibility</p:attrName>
+                                        </p:attrNameLst>
+                                      </p:cBhvr>
+                                      <p:to>
+                                        <p:strVal val="visible"/>
+                                      </p:to>
+                                    </p:set>
+                                  </p:childTnLst>
+                                </p:cTn>
+                              </p:par>
+                              <p:par>
+                                <p:cTn id="341" presetID="1" presetClass="entr" presetSubtype="0" fill="hold" grpId="0" nodeType="withEffect">
+                                  <p:stCondLst>
+                                    <p:cond delay="0"/>
+                                  </p:stCondLst>
+                                  <p:childTnLst>
+                                    <p:set>
+                                      <p:cBhvr>
+                                        <p:cTn id="342" dur="1" fill="hold">
+                                          <p:stCondLst>
+                                            <p:cond delay="0"/>
+                                          </p:stCondLst>
+                                        </p:cTn>
+                                        <p:tgtEl>
+                                          <p:spTgt spid="32"/>
+                                        </p:tgtEl>
+                                        <p:attrNameLst>
+                                          <p:attrName>style.visibility</p:attrName>
+                                        </p:attrNameLst>
+                                      </p:cBhvr>
+                                      <p:to>
+                                        <p:strVal val="visible"/>
+                                      </p:to>
+                                    </p:set>
+                                  </p:childTnLst>
+                                </p:cTn>
+                              </p:par>
+                              <p:par>
+                                <p:cTn id="343" presetID="1" presetClass="entr" presetSubtype="0" fill="hold" grpId="0" nodeType="withEffect">
+                                  <p:stCondLst>
+                                    <p:cond delay="0"/>
+                                  </p:stCondLst>
+                                  <p:childTnLst>
+                                    <p:set>
+                                      <p:cBhvr>
+                                        <p:cTn id="344" dur="1" fill="hold">
+                                          <p:stCondLst>
+                                            <p:cond delay="0"/>
+                                          </p:stCondLst>
+                                        </p:cTn>
+                                        <p:tgtEl>
+                                          <p:spTgt spid="40"/>
+                                        </p:tgtEl>
+                                        <p:attrNameLst>
+                                          <p:attrName>style.visibility</p:attrName>
+                                        </p:attrNameLst>
+                                      </p:cBhvr>
+                                      <p:to>
+                                        <p:strVal val="visible"/>
+                                      </p:to>
+                                    </p:set>
+                                  </p:childTnLst>
+                                </p:cTn>
+                              </p:par>
+                              <p:par>
+                                <p:cTn id="345" presetID="1" presetClass="entr" presetSubtype="0" fill="hold" grpId="0" nodeType="withEffect">
+                                  <p:stCondLst>
+                                    <p:cond delay="0"/>
+                                  </p:stCondLst>
+                                  <p:childTnLst>
+                                    <p:set>
+                                      <p:cBhvr>
+                                        <p:cTn id="346" dur="1" fill="hold">
+                                          <p:stCondLst>
+                                            <p:cond delay="0"/>
+                                          </p:stCondLst>
+                                        </p:cTn>
+                                        <p:tgtEl>
+                                          <p:spTgt spid="48"/>
+                                        </p:tgtEl>
+                                        <p:attrNameLst>
+                                          <p:attrName>style.visibility</p:attrName>
+                                        </p:attrNameLst>
+                                      </p:cBhvr>
+                                      <p:to>
+                                        <p:strVal val="visible"/>
+                                      </p:to>
+                                    </p:set>
+                                  </p:childTnLst>
+                                </p:cTn>
+                              </p:par>
+                              <p:par>
+                                <p:cTn id="347" presetID="1" presetClass="entr" presetSubtype="0" fill="hold" grpId="0" nodeType="withEffect">
+                                  <p:stCondLst>
+                                    <p:cond delay="0"/>
+                                  </p:stCondLst>
+                                  <p:childTnLst>
+                                    <p:set>
+                                      <p:cBhvr>
+                                        <p:cTn id="348" dur="1" fill="hold">
+                                          <p:stCondLst>
+                                            <p:cond delay="0"/>
+                                          </p:stCondLst>
+                                        </p:cTn>
+                                        <p:tgtEl>
+                                          <p:spTgt spid="56"/>
+                                        </p:tgtEl>
+                                        <p:attrNameLst>
+                                          <p:attrName>style.visibility</p:attrName>
+                                        </p:attrNameLst>
+                                      </p:cBhvr>
+                                      <p:to>
+                                        <p:strVal val="visible"/>
+                                      </p:to>
+                                    </p:set>
+                                  </p:childTnLst>
+                                </p:cTn>
+                              </p:par>
+                              <p:par>
+                                <p:cTn id="349" presetID="1" presetClass="entr" presetSubtype="0" fill="hold" grpId="0" nodeType="withEffect">
+                                  <p:stCondLst>
+                                    <p:cond delay="0"/>
+                                  </p:stCondLst>
+                                  <p:childTnLst>
+                                    <p:set>
+                                      <p:cBhvr>
+                                        <p:cTn id="350" dur="1" fill="hold">
+                                          <p:stCondLst>
+                                            <p:cond delay="0"/>
+                                          </p:stCondLst>
+                                        </p:cTn>
+                                        <p:tgtEl>
+                                          <p:spTgt spid="64"/>
+                                        </p:tgtEl>
+                                        <p:attrNameLst>
+                                          <p:attrName>style.visibility</p:attrName>
+                                        </p:attrNameLst>
+                                      </p:cBhvr>
+                                      <p:to>
+                                        <p:strVal val="visible"/>
+                                      </p:to>
+                                    </p:set>
+                                  </p:childTnLst>
+                                </p:cTn>
+                              </p:par>
+                              <p:par>
+                                <p:cTn id="351" presetID="1" presetClass="entr" presetSubtype="0" fill="hold" grpId="0" nodeType="withEffect">
+                                  <p:stCondLst>
+                                    <p:cond delay="0"/>
+                                  </p:stCondLst>
+                                  <p:childTnLst>
+                                    <p:set>
+                                      <p:cBhvr>
+                                        <p:cTn id="352" dur="1" fill="hold">
+                                          <p:stCondLst>
+                                            <p:cond delay="0"/>
+                                          </p:stCondLst>
+                                        </p:cTn>
+                                        <p:tgtEl>
+                                          <p:spTgt spid="72"/>
+                                        </p:tgtEl>
+                                        <p:attrNameLst>
+                                          <p:attrName>style.visibility</p:attrName>
+                                        </p:attrNameLst>
+                                      </p:cBhvr>
+                                      <p:to>
+                                        <p:strVal val="visible"/>
+                                      </p:to>
+                                    </p:set>
+                                  </p:childTnLst>
+                                </p:cTn>
+                              </p:par>
+                              <p:par>
+                                <p:cTn id="353" presetID="1" presetClass="entr" presetSubtype="0" fill="hold" grpId="0" nodeType="withEffect">
+                                  <p:stCondLst>
+                                    <p:cond delay="0"/>
+                                  </p:stCondLst>
+                                  <p:childTnLst>
+                                    <p:set>
+                                      <p:cBhvr>
+                                        <p:cTn id="354" dur="1" fill="hold">
+                                          <p:stCondLst>
+                                            <p:cond delay="0"/>
+                                          </p:stCondLst>
+                                        </p:cTn>
+                                        <p:tgtEl>
+                                          <p:spTgt spid="80"/>
+                                        </p:tgtEl>
+                                        <p:attrNameLst>
+                                          <p:attrName>style.visibility</p:attrName>
+                                        </p:attrNameLst>
+                                      </p:cBhvr>
+                                      <p:to>
+                                        <p:strVal val="visible"/>
+                                      </p:to>
+                                    </p:set>
+                                  </p:childTnLst>
+                                </p:cTn>
+                              </p:par>
+                              <p:par>
+                                <p:cTn id="355" presetID="1" presetClass="entr" presetSubtype="0" fill="hold" grpId="0" nodeType="withEffect">
+                                  <p:stCondLst>
+                                    <p:cond delay="0"/>
+                                  </p:stCondLst>
+                                  <p:childTnLst>
+                                    <p:set>
+                                      <p:cBhvr>
+                                        <p:cTn id="356" dur="1" fill="hold">
+                                          <p:stCondLst>
+                                            <p:cond delay="0"/>
+                                          </p:stCondLst>
+                                        </p:cTn>
+                                        <p:tgtEl>
+                                          <p:spTgt spid="88"/>
+                                        </p:tgtEl>
+                                        <p:attrNameLst>
+                                          <p:attrName>style.visibility</p:attrName>
+                                        </p:attrNameLst>
+                                      </p:cBhvr>
+                                      <p:to>
+                                        <p:strVal val="visible"/>
+                                      </p:to>
+                                    </p:set>
+                                  </p:childTnLst>
+                                </p:cTn>
+                              </p:par>
+                              <p:par>
+                                <p:cTn id="357" presetID="1" presetClass="entr" presetSubtype="0" fill="hold" grpId="0" nodeType="withEffect">
+                                  <p:stCondLst>
+                                    <p:cond delay="0"/>
+                                  </p:stCondLst>
+                                  <p:childTnLst>
+                                    <p:set>
+                                      <p:cBhvr>
+                                        <p:cTn id="358" dur="1" fill="hold">
+                                          <p:stCondLst>
+                                            <p:cond delay="0"/>
+                                          </p:stCondLst>
+                                        </p:cTn>
+                                        <p:tgtEl>
+                                          <p:spTgt spid="95"/>
+                                        </p:tgtEl>
+                                        <p:attrNameLst>
+                                          <p:attrName>style.visibility</p:attrName>
+                                        </p:attrNameLst>
+                                      </p:cBhvr>
+                                      <p:to>
+                                        <p:strVal val="visible"/>
+                                      </p:to>
+                                    </p:set>
+                                  </p:childTnLst>
+                                </p:cTn>
+                              </p:par>
+                              <p:par>
+                                <p:cTn id="359" presetID="1" presetClass="entr" presetSubtype="0" fill="hold" grpId="0" nodeType="withEffect">
+                                  <p:stCondLst>
+                                    <p:cond delay="0"/>
+                                  </p:stCondLst>
+                                  <p:childTnLst>
+                                    <p:set>
+                                      <p:cBhvr>
+                                        <p:cTn id="360" dur="1" fill="hold">
+                                          <p:stCondLst>
+                                            <p:cond delay="0"/>
+                                          </p:stCondLst>
+                                        </p:cTn>
+                                        <p:tgtEl>
+                                          <p:spTgt spid="106"/>
+                                        </p:tgtEl>
+                                        <p:attrNameLst>
+                                          <p:attrName>style.visibility</p:attrName>
+                                        </p:attrNameLst>
+                                      </p:cBhvr>
+                                      <p:to>
+                                        <p:strVal val="visible"/>
+                                      </p:to>
+                                    </p:set>
+                                  </p:childTnLst>
+                                </p:cTn>
+                              </p:par>
+                              <p:par>
+                                <p:cTn id="361" presetID="1" presetClass="entr" presetSubtype="0" fill="hold" grpId="0" nodeType="withEffect">
+                                  <p:stCondLst>
+                                    <p:cond delay="0"/>
+                                  </p:stCondLst>
+                                  <p:childTnLst>
+                                    <p:set>
+                                      <p:cBhvr>
+                                        <p:cTn id="362" dur="1" fill="hold">
+                                          <p:stCondLst>
+                                            <p:cond delay="0"/>
+                                          </p:stCondLst>
+                                        </p:cTn>
+                                        <p:tgtEl>
+                                          <p:spTgt spid="116"/>
+                                        </p:tgtEl>
+                                        <p:attrNameLst>
+                                          <p:attrName>style.visibility</p:attrName>
+                                        </p:attrNameLst>
+                                      </p:cBhvr>
+                                      <p:to>
+                                        <p:strVal val="visible"/>
+                                      </p:to>
+                                    </p:set>
+                                  </p:childTnLst>
+                                </p:cTn>
+                              </p:par>
+                              <p:par>
+                                <p:cTn id="363" presetID="1" presetClass="entr" presetSubtype="0" fill="hold" grpId="0" nodeType="withEffect">
+                                  <p:stCondLst>
+                                    <p:cond delay="0"/>
+                                  </p:stCondLst>
+                                  <p:childTnLst>
+                                    <p:set>
+                                      <p:cBhvr>
+                                        <p:cTn id="364" dur="1" fill="hold">
+                                          <p:stCondLst>
+                                            <p:cond delay="0"/>
+                                          </p:stCondLst>
+                                        </p:cTn>
+                                        <p:tgtEl>
+                                          <p:spTgt spid="124"/>
+                                        </p:tgtEl>
+                                        <p:attrNameLst>
+                                          <p:attrName>style.visibility</p:attrName>
+                                        </p:attrNameLst>
+                                      </p:cBhvr>
+                                      <p:to>
+                                        <p:strVal val="visible"/>
+                                      </p:to>
+                                    </p:set>
+                                  </p:childTnLst>
+                                </p:cTn>
+                              </p:par>
+                              <p:par>
+                                <p:cTn id="365" presetID="1" presetClass="entr" presetSubtype="0" fill="hold" grpId="0" nodeType="withEffect">
+                                  <p:stCondLst>
+                                    <p:cond delay="0"/>
+                                  </p:stCondLst>
+                                  <p:childTnLst>
+                                    <p:set>
+                                      <p:cBhvr>
+                                        <p:cTn id="366" dur="1" fill="hold">
+                                          <p:stCondLst>
+                                            <p:cond delay="0"/>
+                                          </p:stCondLst>
+                                        </p:cTn>
+                                        <p:tgtEl>
+                                          <p:spTgt spid="133"/>
+                                        </p:tgtEl>
+                                        <p:attrNameLst>
+                                          <p:attrName>style.visibility</p:attrName>
+                                        </p:attrNameLst>
+                                      </p:cBhvr>
+                                      <p:to>
+                                        <p:strVal val="visible"/>
+                                      </p:to>
+                                    </p:set>
+                                  </p:childTnLst>
+                                </p:cTn>
+                              </p:par>
+                              <p:par>
+                                <p:cTn id="367" presetID="1" presetClass="entr" presetSubtype="0" fill="hold" grpId="0" nodeType="withEffect">
+                                  <p:stCondLst>
+                                    <p:cond delay="0"/>
+                                  </p:stCondLst>
+                                  <p:childTnLst>
+                                    <p:set>
+                                      <p:cBhvr>
+                                        <p:cTn id="368" dur="1" fill="hold">
+                                          <p:stCondLst>
+                                            <p:cond delay="0"/>
+                                          </p:stCondLst>
+                                        </p:cTn>
+                                        <p:tgtEl>
+                                          <p:spTgt spid="141"/>
+                                        </p:tgtEl>
+                                        <p:attrNameLst>
+                                          <p:attrName>style.visibility</p:attrName>
+                                        </p:attrNameLst>
+                                      </p:cBhvr>
+                                      <p:to>
+                                        <p:strVal val="visible"/>
+                                      </p:to>
+                                    </p:set>
+                                  </p:childTnLst>
+                                </p:cTn>
+                              </p:par>
+                              <p:par>
+                                <p:cTn id="369" presetID="1" presetClass="entr" presetSubtype="0" fill="hold" grpId="0" nodeType="withEffect">
+                                  <p:stCondLst>
+                                    <p:cond delay="0"/>
+                                  </p:stCondLst>
+                                  <p:childTnLst>
+                                    <p:set>
+                                      <p:cBhvr>
+                                        <p:cTn id="370" dur="1" fill="hold">
+                                          <p:stCondLst>
+                                            <p:cond delay="0"/>
+                                          </p:stCondLst>
+                                        </p:cTn>
+                                        <p:tgtEl>
+                                          <p:spTgt spid="151"/>
+                                        </p:tgtEl>
+                                        <p:attrNameLst>
+                                          <p:attrName>style.visibility</p:attrName>
+                                        </p:attrNameLst>
+                                      </p:cBhvr>
+                                      <p:to>
+                                        <p:strVal val="visible"/>
+                                      </p:to>
+                                    </p:set>
+                                  </p:childTnLst>
+                                </p:cTn>
+                              </p:par>
+                              <p:par>
+                                <p:cTn id="371" presetID="1" presetClass="entr" presetSubtype="0" fill="hold" grpId="0" nodeType="withEffect">
+                                  <p:stCondLst>
+                                    <p:cond delay="0"/>
+                                  </p:stCondLst>
+                                  <p:childTnLst>
+                                    <p:set>
+                                      <p:cBhvr>
+                                        <p:cTn id="372" dur="1" fill="hold">
+                                          <p:stCondLst>
+                                            <p:cond delay="0"/>
+                                          </p:stCondLst>
+                                        </p:cTn>
+                                        <p:tgtEl>
+                                          <p:spTgt spid="161"/>
+                                        </p:tgtEl>
+                                        <p:attrNameLst>
+                                          <p:attrName>style.visibility</p:attrName>
+                                        </p:attrNameLst>
+                                      </p:cBhvr>
+                                      <p:to>
+                                        <p:strVal val="visible"/>
+                                      </p:to>
+                                    </p:set>
+                                  </p:childTnLst>
+                                </p:cTn>
+                              </p:par>
+                              <p:par>
+                                <p:cTn id="373" presetID="1" presetClass="entr" presetSubtype="0" fill="hold" grpId="0" nodeType="withEffect">
+                                  <p:stCondLst>
+                                    <p:cond delay="0"/>
+                                  </p:stCondLst>
+                                  <p:childTnLst>
+                                    <p:set>
+                                      <p:cBhvr>
+                                        <p:cTn id="374" dur="1" fill="hold">
+                                          <p:stCondLst>
+                                            <p:cond delay="0"/>
+                                          </p:stCondLst>
+                                        </p:cTn>
+                                        <p:tgtEl>
+                                          <p:spTgt spid="171"/>
+                                        </p:tgtEl>
+                                        <p:attrNameLst>
+                                          <p:attrName>style.visibility</p:attrName>
+                                        </p:attrNameLst>
+                                      </p:cBhvr>
+                                      <p:to>
+                                        <p:strVal val="visible"/>
+                                      </p:to>
+                                    </p:set>
+                                  </p:childTnLst>
+                                </p:cTn>
+                              </p:par>
+                              <p:par>
+                                <p:cTn id="375" presetID="1" presetClass="entr" presetSubtype="0" fill="hold" grpId="0" nodeType="withEffect">
+                                  <p:stCondLst>
+                                    <p:cond delay="0"/>
+                                  </p:stCondLst>
+                                  <p:childTnLst>
+                                    <p:set>
+                                      <p:cBhvr>
+                                        <p:cTn id="376" dur="1" fill="hold">
+                                          <p:stCondLst>
+                                            <p:cond delay="0"/>
+                                          </p:stCondLst>
+                                        </p:cTn>
+                                        <p:tgtEl>
+                                          <p:spTgt spid="180"/>
+                                        </p:tgtEl>
+                                        <p:attrNameLst>
+                                          <p:attrName>style.visibility</p:attrName>
+                                        </p:attrNameLst>
+                                      </p:cBhvr>
+                                      <p:to>
+                                        <p:strVal val="visible"/>
+                                      </p:to>
+                                    </p:set>
+                                  </p:childTnLst>
+                                </p:cTn>
+                              </p:par>
+                              <p:par>
+                                <p:cTn id="377" presetID="1" presetClass="entr" presetSubtype="0" fill="hold" grpId="0" nodeType="withEffect">
+                                  <p:stCondLst>
+                                    <p:cond delay="0"/>
+                                  </p:stCondLst>
+                                  <p:childTnLst>
+                                    <p:set>
+                                      <p:cBhvr>
+                                        <p:cTn id="378" dur="1" fill="hold">
+                                          <p:stCondLst>
+                                            <p:cond delay="0"/>
+                                          </p:stCondLst>
+                                        </p:cTn>
+                                        <p:tgtEl>
+                                          <p:spTgt spid="189"/>
+                                        </p:tgtEl>
+                                        <p:attrNameLst>
+                                          <p:attrName>style.visibility</p:attrName>
+                                        </p:attrNameLst>
+                                      </p:cBhvr>
+                                      <p:to>
+                                        <p:strVal val="visible"/>
+                                      </p:to>
+                                    </p:set>
+                                  </p:childTnLst>
+                                </p:cTn>
+                              </p:par>
+                              <p:par>
+                                <p:cTn id="379" presetID="1" presetClass="entr" presetSubtype="0" fill="hold" grpId="0" nodeType="withEffect">
+                                  <p:stCondLst>
+                                    <p:cond delay="0"/>
+                                  </p:stCondLst>
+                                  <p:childTnLst>
+                                    <p:set>
+                                      <p:cBhvr>
+                                        <p:cTn id="380" dur="1" fill="hold">
+                                          <p:stCondLst>
+                                            <p:cond delay="0"/>
+                                          </p:stCondLst>
+                                        </p:cTn>
+                                        <p:tgtEl>
+                                          <p:spTgt spid="203"/>
+                                        </p:tgtEl>
+                                        <p:attrNameLst>
+                                          <p:attrName>style.visibility</p:attrName>
+                                        </p:attrNameLst>
+                                      </p:cBhvr>
+                                      <p:to>
+                                        <p:strVal val="visible"/>
+                                      </p:to>
+                                    </p:set>
+                                  </p:childTnLst>
+                                </p:cTn>
+                              </p:par>
+                            </p:childTnLst>
+                          </p:cTn>
+                        </p:par>
+                      </p:childTnLst>
+                    </p:cTn>
+                  </p:par>
+                  <p:par>
+                    <p:cTn id="381" fill="hold">
+                      <p:stCondLst>
+                        <p:cond delay="indefinite"/>
+                      </p:stCondLst>
+                      <p:childTnLst>
+                        <p:par>
+                          <p:cTn id="382" fill="hold">
+                            <p:stCondLst>
+                              <p:cond delay="0"/>
+                            </p:stCondLst>
+                            <p:childTnLst>
+                              <p:par>
+                                <p:cTn id="383" presetID="9" presetClass="emph" presetSubtype="0" grpId="1" nodeType="clickEffect">
+                                  <p:stCondLst>
+                                    <p:cond delay="0"/>
+                                  </p:stCondLst>
+                                  <p:childTnLst>
+                                    <p:set>
+                                      <p:cBhvr>
+                                        <p:cTn id="384" dur="indefinite"/>
+                                        <p:tgtEl>
+                                          <p:spTgt spid="12"/>
+                                        </p:tgtEl>
+                                        <p:attrNameLst>
+                                          <p:attrName>style.opacity</p:attrName>
+                                        </p:attrNameLst>
+                                      </p:cBhvr>
+                                      <p:to>
+                                        <p:strVal val="0.5"/>
+                                      </p:to>
+                                    </p:set>
+                                    <p:animEffect filter="image" prLst="opacity: 0.5">
+                                      <p:cBhvr rctx="IE">
+                                        <p:cTn id="385" dur="indefinite"/>
+                                        <p:tgtEl>
+                                          <p:spTgt spid="12"/>
+                                        </p:tgtEl>
+                                      </p:cBhvr>
+                                    </p:animEffect>
+                                  </p:childTnLst>
+                                </p:cTn>
+                              </p:par>
+                              <p:par>
+                                <p:cTn id="386" presetID="9" presetClass="emph" presetSubtype="0" grpId="1" nodeType="withEffect">
+                                  <p:stCondLst>
+                                    <p:cond delay="0"/>
+                                  </p:stCondLst>
+                                  <p:childTnLst>
+                                    <p:set>
+                                      <p:cBhvr>
+                                        <p:cTn id="387" dur="indefinite"/>
+                                        <p:tgtEl>
+                                          <p:spTgt spid="20"/>
+                                        </p:tgtEl>
+                                        <p:attrNameLst>
+                                          <p:attrName>style.opacity</p:attrName>
+                                        </p:attrNameLst>
+                                      </p:cBhvr>
+                                      <p:to>
+                                        <p:strVal val="0.5"/>
+                                      </p:to>
+                                    </p:set>
+                                    <p:animEffect filter="image" prLst="opacity: 0.5">
+                                      <p:cBhvr rctx="IE">
+                                        <p:cTn id="388" dur="indefinite"/>
+                                        <p:tgtEl>
+                                          <p:spTgt spid="20"/>
+                                        </p:tgtEl>
+                                      </p:cBhvr>
+                                    </p:animEffect>
+                                  </p:childTnLst>
+                                </p:cTn>
+                              </p:par>
+                              <p:par>
+                                <p:cTn id="389" presetID="9" presetClass="emph" presetSubtype="0" grpId="1" nodeType="withEffect">
+                                  <p:stCondLst>
+                                    <p:cond delay="0"/>
+                                  </p:stCondLst>
+                                  <p:childTnLst>
+                                    <p:set>
+                                      <p:cBhvr>
+                                        <p:cTn id="390" dur="indefinite"/>
+                                        <p:tgtEl>
+                                          <p:spTgt spid="28"/>
+                                        </p:tgtEl>
+                                        <p:attrNameLst>
+                                          <p:attrName>style.opacity</p:attrName>
+                                        </p:attrNameLst>
+                                      </p:cBhvr>
+                                      <p:to>
+                                        <p:strVal val="0.5"/>
+                                      </p:to>
+                                    </p:set>
+                                    <p:animEffect filter="image" prLst="opacity: 0.5">
+                                      <p:cBhvr rctx="IE">
+                                        <p:cTn id="391" dur="indefinite"/>
+                                        <p:tgtEl>
+                                          <p:spTgt spid="28"/>
+                                        </p:tgtEl>
+                                      </p:cBhvr>
+                                    </p:animEffect>
+                                  </p:childTnLst>
+                                </p:cTn>
+                              </p:par>
+                              <p:par>
+                                <p:cTn id="392" presetID="9" presetClass="emph" presetSubtype="0" grpId="1" nodeType="withEffect">
+                                  <p:stCondLst>
+                                    <p:cond delay="0"/>
+                                  </p:stCondLst>
+                                  <p:childTnLst>
+                                    <p:set>
+                                      <p:cBhvr>
+                                        <p:cTn id="393" dur="indefinite"/>
+                                        <p:tgtEl>
+                                          <p:spTgt spid="36"/>
+                                        </p:tgtEl>
+                                        <p:attrNameLst>
+                                          <p:attrName>style.opacity</p:attrName>
+                                        </p:attrNameLst>
+                                      </p:cBhvr>
+                                      <p:to>
+                                        <p:strVal val="0.5"/>
+                                      </p:to>
+                                    </p:set>
+                                    <p:animEffect filter="image" prLst="opacity: 0.5">
+                                      <p:cBhvr rctx="IE">
+                                        <p:cTn id="394" dur="indefinite"/>
+                                        <p:tgtEl>
+                                          <p:spTgt spid="36"/>
+                                        </p:tgtEl>
+                                      </p:cBhvr>
+                                    </p:animEffect>
+                                  </p:childTnLst>
+                                </p:cTn>
+                              </p:par>
+                              <p:par>
+                                <p:cTn id="395" presetID="9" presetClass="emph" presetSubtype="0" grpId="1" nodeType="withEffect">
+                                  <p:stCondLst>
+                                    <p:cond delay="0"/>
+                                  </p:stCondLst>
+                                  <p:childTnLst>
+                                    <p:set>
+                                      <p:cBhvr>
+                                        <p:cTn id="396" dur="indefinite"/>
+                                        <p:tgtEl>
+                                          <p:spTgt spid="44"/>
+                                        </p:tgtEl>
+                                        <p:attrNameLst>
+                                          <p:attrName>style.opacity</p:attrName>
+                                        </p:attrNameLst>
+                                      </p:cBhvr>
+                                      <p:to>
+                                        <p:strVal val="0.5"/>
+                                      </p:to>
+                                    </p:set>
+                                    <p:animEffect filter="image" prLst="opacity: 0.5">
+                                      <p:cBhvr rctx="IE">
+                                        <p:cTn id="397" dur="indefinite"/>
+                                        <p:tgtEl>
+                                          <p:spTgt spid="44"/>
+                                        </p:tgtEl>
+                                      </p:cBhvr>
+                                    </p:animEffect>
+                                  </p:childTnLst>
+                                </p:cTn>
+                              </p:par>
+                              <p:par>
+                                <p:cTn id="398" presetID="9" presetClass="emph" presetSubtype="0" grpId="1" nodeType="withEffect">
+                                  <p:stCondLst>
+                                    <p:cond delay="0"/>
+                                  </p:stCondLst>
+                                  <p:childTnLst>
+                                    <p:set>
+                                      <p:cBhvr>
+                                        <p:cTn id="399" dur="indefinite"/>
+                                        <p:tgtEl>
+                                          <p:spTgt spid="52"/>
+                                        </p:tgtEl>
+                                        <p:attrNameLst>
+                                          <p:attrName>style.opacity</p:attrName>
+                                        </p:attrNameLst>
+                                      </p:cBhvr>
+                                      <p:to>
+                                        <p:strVal val="0.5"/>
+                                      </p:to>
+                                    </p:set>
+                                    <p:animEffect filter="image" prLst="opacity: 0.5">
+                                      <p:cBhvr rctx="IE">
+                                        <p:cTn id="400" dur="indefinite"/>
+                                        <p:tgtEl>
+                                          <p:spTgt spid="52"/>
+                                        </p:tgtEl>
+                                      </p:cBhvr>
+                                    </p:animEffect>
+                                  </p:childTnLst>
+                                </p:cTn>
+                              </p:par>
+                              <p:par>
+                                <p:cTn id="401" presetID="9" presetClass="emph" presetSubtype="0" grpId="1" nodeType="withEffect">
+                                  <p:stCondLst>
+                                    <p:cond delay="0"/>
+                                  </p:stCondLst>
+                                  <p:childTnLst>
+                                    <p:set>
+                                      <p:cBhvr>
+                                        <p:cTn id="402" dur="indefinite"/>
+                                        <p:tgtEl>
+                                          <p:spTgt spid="60"/>
+                                        </p:tgtEl>
+                                        <p:attrNameLst>
+                                          <p:attrName>style.opacity</p:attrName>
+                                        </p:attrNameLst>
+                                      </p:cBhvr>
+                                      <p:to>
+                                        <p:strVal val="0.5"/>
+                                      </p:to>
+                                    </p:set>
+                                    <p:animEffect filter="image" prLst="opacity: 0.5">
+                                      <p:cBhvr rctx="IE">
+                                        <p:cTn id="403" dur="indefinite"/>
+                                        <p:tgtEl>
+                                          <p:spTgt spid="60"/>
+                                        </p:tgtEl>
+                                      </p:cBhvr>
+                                    </p:animEffect>
+                                  </p:childTnLst>
+                                </p:cTn>
+                              </p:par>
+                              <p:par>
+                                <p:cTn id="404" presetID="9" presetClass="emph" presetSubtype="0" grpId="1" nodeType="withEffect">
+                                  <p:stCondLst>
+                                    <p:cond delay="0"/>
+                                  </p:stCondLst>
+                                  <p:childTnLst>
+                                    <p:set>
+                                      <p:cBhvr>
+                                        <p:cTn id="405" dur="indefinite"/>
+                                        <p:tgtEl>
+                                          <p:spTgt spid="68"/>
+                                        </p:tgtEl>
+                                        <p:attrNameLst>
+                                          <p:attrName>style.opacity</p:attrName>
+                                        </p:attrNameLst>
+                                      </p:cBhvr>
+                                      <p:to>
+                                        <p:strVal val="0.5"/>
+                                      </p:to>
+                                    </p:set>
+                                    <p:animEffect filter="image" prLst="opacity: 0.5">
+                                      <p:cBhvr rctx="IE">
+                                        <p:cTn id="406" dur="indefinite"/>
+                                        <p:tgtEl>
+                                          <p:spTgt spid="68"/>
+                                        </p:tgtEl>
+                                      </p:cBhvr>
+                                    </p:animEffect>
+                                  </p:childTnLst>
+                                </p:cTn>
+                              </p:par>
+                              <p:par>
+                                <p:cTn id="407" presetID="9" presetClass="emph" presetSubtype="0" grpId="1" nodeType="withEffect">
+                                  <p:stCondLst>
+                                    <p:cond delay="0"/>
+                                  </p:stCondLst>
+                                  <p:childTnLst>
+                                    <p:set>
+                                      <p:cBhvr>
+                                        <p:cTn id="408" dur="indefinite"/>
+                                        <p:tgtEl>
+                                          <p:spTgt spid="76"/>
+                                        </p:tgtEl>
+                                        <p:attrNameLst>
+                                          <p:attrName>style.opacity</p:attrName>
+                                        </p:attrNameLst>
+                                      </p:cBhvr>
+                                      <p:to>
+                                        <p:strVal val="0.5"/>
+                                      </p:to>
+                                    </p:set>
+                                    <p:animEffect filter="image" prLst="opacity: 0.5">
+                                      <p:cBhvr rctx="IE">
+                                        <p:cTn id="409" dur="indefinite"/>
+                                        <p:tgtEl>
+                                          <p:spTgt spid="76"/>
+                                        </p:tgtEl>
+                                      </p:cBhvr>
+                                    </p:animEffect>
+                                  </p:childTnLst>
+                                </p:cTn>
+                              </p:par>
+                              <p:par>
+                                <p:cTn id="410" presetID="9" presetClass="emph" presetSubtype="0" grpId="1" nodeType="withEffect">
+                                  <p:stCondLst>
+                                    <p:cond delay="0"/>
+                                  </p:stCondLst>
+                                  <p:childTnLst>
+                                    <p:set>
+                                      <p:cBhvr>
+                                        <p:cTn id="411" dur="indefinite"/>
+                                        <p:tgtEl>
+                                          <p:spTgt spid="84"/>
+                                        </p:tgtEl>
+                                        <p:attrNameLst>
+                                          <p:attrName>style.opacity</p:attrName>
+                                        </p:attrNameLst>
+                                      </p:cBhvr>
+                                      <p:to>
+                                        <p:strVal val="0.5"/>
+                                      </p:to>
+                                    </p:set>
+                                    <p:animEffect filter="image" prLst="opacity: 0.5">
+                                      <p:cBhvr rctx="IE">
+                                        <p:cTn id="412" dur="indefinite"/>
+                                        <p:tgtEl>
+                                          <p:spTgt spid="84"/>
+                                        </p:tgtEl>
+                                      </p:cBhvr>
+                                    </p:animEffect>
+                                  </p:childTnLst>
+                                </p:cTn>
+                              </p:par>
+                              <p:par>
+                                <p:cTn id="413" presetID="9" presetClass="emph" presetSubtype="0" grpId="1" nodeType="withEffect">
+                                  <p:stCondLst>
+                                    <p:cond delay="0"/>
+                                  </p:stCondLst>
+                                  <p:childTnLst>
+                                    <p:set>
+                                      <p:cBhvr>
+                                        <p:cTn id="414" dur="indefinite"/>
+                                        <p:tgtEl>
+                                          <p:spTgt spid="91"/>
+                                        </p:tgtEl>
+                                        <p:attrNameLst>
+                                          <p:attrName>style.opacity</p:attrName>
+                                        </p:attrNameLst>
+                                      </p:cBhvr>
+                                      <p:to>
+                                        <p:strVal val="0.5"/>
+                                      </p:to>
+                                    </p:set>
+                                    <p:animEffect filter="image" prLst="opacity: 0.5">
+                                      <p:cBhvr rctx="IE">
+                                        <p:cTn id="415" dur="indefinite"/>
+                                        <p:tgtEl>
+                                          <p:spTgt spid="91"/>
+                                        </p:tgtEl>
+                                      </p:cBhvr>
+                                    </p:animEffect>
+                                  </p:childTnLst>
+                                </p:cTn>
+                              </p:par>
+                              <p:par>
+                                <p:cTn id="416" presetID="9" presetClass="emph" presetSubtype="0" grpId="1" nodeType="withEffect">
+                                  <p:stCondLst>
+                                    <p:cond delay="0"/>
+                                  </p:stCondLst>
+                                  <p:childTnLst>
+                                    <p:set>
+                                      <p:cBhvr>
+                                        <p:cTn id="417" dur="indefinite"/>
+                                        <p:tgtEl>
+                                          <p:spTgt spid="112"/>
+                                        </p:tgtEl>
+                                        <p:attrNameLst>
+                                          <p:attrName>style.opacity</p:attrName>
+                                        </p:attrNameLst>
+                                      </p:cBhvr>
+                                      <p:to>
+                                        <p:strVal val="0.5"/>
+                                      </p:to>
+                                    </p:set>
+                                    <p:animEffect filter="image" prLst="opacity: 0.5">
+                                      <p:cBhvr rctx="IE">
+                                        <p:cTn id="418" dur="indefinite"/>
+                                        <p:tgtEl>
+                                          <p:spTgt spid="112"/>
+                                        </p:tgtEl>
+                                      </p:cBhvr>
+                                    </p:animEffect>
+                                  </p:childTnLst>
+                                </p:cTn>
+                              </p:par>
+                              <p:par>
+                                <p:cTn id="419" presetID="9" presetClass="emph" presetSubtype="0" grpId="1" nodeType="withEffect">
+                                  <p:stCondLst>
+                                    <p:cond delay="0"/>
+                                  </p:stCondLst>
+                                  <p:childTnLst>
+                                    <p:set>
+                                      <p:cBhvr>
+                                        <p:cTn id="420" dur="indefinite"/>
+                                        <p:tgtEl>
+                                          <p:spTgt spid="120"/>
+                                        </p:tgtEl>
+                                        <p:attrNameLst>
+                                          <p:attrName>style.opacity</p:attrName>
+                                        </p:attrNameLst>
+                                      </p:cBhvr>
+                                      <p:to>
+                                        <p:strVal val="0.5"/>
+                                      </p:to>
+                                    </p:set>
+                                    <p:animEffect filter="image" prLst="opacity: 0.5">
+                                      <p:cBhvr rctx="IE">
+                                        <p:cTn id="421" dur="indefinite"/>
+                                        <p:tgtEl>
+                                          <p:spTgt spid="120"/>
+                                        </p:tgtEl>
+                                      </p:cBhvr>
+                                    </p:animEffect>
+                                  </p:childTnLst>
+                                </p:cTn>
+                              </p:par>
+                              <p:par>
+                                <p:cTn id="422" presetID="9" presetClass="emph" presetSubtype="0" grpId="1" nodeType="withEffect">
+                                  <p:stCondLst>
+                                    <p:cond delay="0"/>
+                                  </p:stCondLst>
+                                  <p:childTnLst>
+                                    <p:set>
+                                      <p:cBhvr>
+                                        <p:cTn id="423" dur="indefinite"/>
+                                        <p:tgtEl>
+                                          <p:spTgt spid="129"/>
+                                        </p:tgtEl>
+                                        <p:attrNameLst>
+                                          <p:attrName>style.opacity</p:attrName>
+                                        </p:attrNameLst>
+                                      </p:cBhvr>
+                                      <p:to>
+                                        <p:strVal val="0.5"/>
+                                      </p:to>
+                                    </p:set>
+                                    <p:animEffect filter="image" prLst="opacity: 0.5">
+                                      <p:cBhvr rctx="IE">
+                                        <p:cTn id="424" dur="indefinite"/>
+                                        <p:tgtEl>
+                                          <p:spTgt spid="129"/>
+                                        </p:tgtEl>
+                                      </p:cBhvr>
+                                    </p:animEffect>
+                                  </p:childTnLst>
+                                </p:cTn>
+                              </p:par>
+                              <p:par>
+                                <p:cTn id="425" presetID="9" presetClass="emph" presetSubtype="0" grpId="1" nodeType="withEffect">
+                                  <p:stCondLst>
+                                    <p:cond delay="0"/>
+                                  </p:stCondLst>
+                                  <p:childTnLst>
+                                    <p:set>
+                                      <p:cBhvr>
+                                        <p:cTn id="426" dur="indefinite"/>
+                                        <p:tgtEl>
+                                          <p:spTgt spid="137"/>
+                                        </p:tgtEl>
+                                        <p:attrNameLst>
+                                          <p:attrName>style.opacity</p:attrName>
+                                        </p:attrNameLst>
+                                      </p:cBhvr>
+                                      <p:to>
+                                        <p:strVal val="0.5"/>
+                                      </p:to>
+                                    </p:set>
+                                    <p:animEffect filter="image" prLst="opacity: 0.5">
+                                      <p:cBhvr rctx="IE">
+                                        <p:cTn id="427" dur="indefinite"/>
+                                        <p:tgtEl>
+                                          <p:spTgt spid="137"/>
+                                        </p:tgtEl>
+                                      </p:cBhvr>
+                                    </p:animEffect>
+                                  </p:childTnLst>
+                                </p:cTn>
+                              </p:par>
+                              <p:par>
+                                <p:cTn id="428" presetID="9" presetClass="emph" presetSubtype="0" grpId="1" nodeType="withEffect">
+                                  <p:stCondLst>
+                                    <p:cond delay="0"/>
+                                  </p:stCondLst>
+                                  <p:childTnLst>
+                                    <p:set>
+                                      <p:cBhvr>
+                                        <p:cTn id="429" dur="indefinite"/>
+                                        <p:tgtEl>
+                                          <p:spTgt spid="147"/>
+                                        </p:tgtEl>
+                                        <p:attrNameLst>
+                                          <p:attrName>style.opacity</p:attrName>
+                                        </p:attrNameLst>
+                                      </p:cBhvr>
+                                      <p:to>
+                                        <p:strVal val="0.5"/>
+                                      </p:to>
+                                    </p:set>
+                                    <p:animEffect filter="image" prLst="opacity: 0.5">
+                                      <p:cBhvr rctx="IE">
+                                        <p:cTn id="430" dur="indefinite"/>
+                                        <p:tgtEl>
+                                          <p:spTgt spid="147"/>
+                                        </p:tgtEl>
+                                      </p:cBhvr>
+                                    </p:animEffect>
+                                  </p:childTnLst>
+                                </p:cTn>
+                              </p:par>
+                              <p:par>
+                                <p:cTn id="431" presetID="9" presetClass="emph" presetSubtype="0" grpId="1" nodeType="withEffect">
+                                  <p:stCondLst>
+                                    <p:cond delay="0"/>
+                                  </p:stCondLst>
+                                  <p:childTnLst>
+                                    <p:set>
+                                      <p:cBhvr>
+                                        <p:cTn id="432" dur="indefinite"/>
+                                        <p:tgtEl>
+                                          <p:spTgt spid="157"/>
+                                        </p:tgtEl>
+                                        <p:attrNameLst>
+                                          <p:attrName>style.opacity</p:attrName>
+                                        </p:attrNameLst>
+                                      </p:cBhvr>
+                                      <p:to>
+                                        <p:strVal val="0.5"/>
+                                      </p:to>
+                                    </p:set>
+                                    <p:animEffect filter="image" prLst="opacity: 0.5">
+                                      <p:cBhvr rctx="IE">
+                                        <p:cTn id="433" dur="indefinite"/>
+                                        <p:tgtEl>
+                                          <p:spTgt spid="157"/>
+                                        </p:tgtEl>
+                                      </p:cBhvr>
+                                    </p:animEffect>
+                                  </p:childTnLst>
+                                </p:cTn>
+                              </p:par>
+                              <p:par>
+                                <p:cTn id="434" presetID="9" presetClass="emph" presetSubtype="0" grpId="1" nodeType="withEffect">
+                                  <p:stCondLst>
+                                    <p:cond delay="0"/>
+                                  </p:stCondLst>
+                                  <p:childTnLst>
+                                    <p:set>
+                                      <p:cBhvr>
+                                        <p:cTn id="435" dur="indefinite"/>
+                                        <p:tgtEl>
+                                          <p:spTgt spid="166"/>
+                                        </p:tgtEl>
+                                        <p:attrNameLst>
+                                          <p:attrName>style.opacity</p:attrName>
+                                        </p:attrNameLst>
+                                      </p:cBhvr>
+                                      <p:to>
+                                        <p:strVal val="0.5"/>
+                                      </p:to>
+                                    </p:set>
+                                    <p:animEffect filter="image" prLst="opacity: 0.5">
+                                      <p:cBhvr rctx="IE">
+                                        <p:cTn id="436" dur="indefinite"/>
+                                        <p:tgtEl>
+                                          <p:spTgt spid="166"/>
+                                        </p:tgtEl>
+                                      </p:cBhvr>
+                                    </p:animEffect>
+                                  </p:childTnLst>
+                                </p:cTn>
+                              </p:par>
+                              <p:par>
+                                <p:cTn id="437" presetID="9" presetClass="emph" presetSubtype="0" grpId="1" nodeType="withEffect">
+                                  <p:stCondLst>
+                                    <p:cond delay="0"/>
+                                  </p:stCondLst>
+                                  <p:childTnLst>
+                                    <p:set>
+                                      <p:cBhvr>
+                                        <p:cTn id="438" dur="indefinite"/>
+                                        <p:tgtEl>
+                                          <p:spTgt spid="176"/>
+                                        </p:tgtEl>
+                                        <p:attrNameLst>
+                                          <p:attrName>style.opacity</p:attrName>
+                                        </p:attrNameLst>
+                                      </p:cBhvr>
+                                      <p:to>
+                                        <p:strVal val="0.5"/>
+                                      </p:to>
+                                    </p:set>
+                                    <p:animEffect filter="image" prLst="opacity: 0.5">
+                                      <p:cBhvr rctx="IE">
+                                        <p:cTn id="439" dur="indefinite"/>
+                                        <p:tgtEl>
+                                          <p:spTgt spid="176"/>
+                                        </p:tgtEl>
+                                      </p:cBhvr>
+                                    </p:animEffect>
+                                  </p:childTnLst>
+                                </p:cTn>
+                              </p:par>
+                              <p:par>
+                                <p:cTn id="440" presetID="9" presetClass="emph" presetSubtype="0" grpId="1" nodeType="withEffect">
+                                  <p:stCondLst>
+                                    <p:cond delay="0"/>
+                                  </p:stCondLst>
+                                  <p:childTnLst>
+                                    <p:set>
+                                      <p:cBhvr>
+                                        <p:cTn id="441" dur="indefinite"/>
+                                        <p:tgtEl>
+                                          <p:spTgt spid="184"/>
+                                        </p:tgtEl>
+                                        <p:attrNameLst>
+                                          <p:attrName>style.opacity</p:attrName>
+                                        </p:attrNameLst>
+                                      </p:cBhvr>
+                                      <p:to>
+                                        <p:strVal val="0.5"/>
+                                      </p:to>
+                                    </p:set>
+                                    <p:animEffect filter="image" prLst="opacity: 0.5">
+                                      <p:cBhvr rctx="IE">
+                                        <p:cTn id="442" dur="indefinite"/>
+                                        <p:tgtEl>
+                                          <p:spTgt spid="184"/>
+                                        </p:tgtEl>
+                                      </p:cBhvr>
+                                    </p:animEffect>
+                                  </p:childTnLst>
+                                </p:cTn>
+                              </p:par>
+                              <p:par>
+                                <p:cTn id="443" presetID="9" presetClass="emph" presetSubtype="0" grpId="1" nodeType="withEffect">
+                                  <p:stCondLst>
+                                    <p:cond delay="0"/>
+                                  </p:stCondLst>
+                                  <p:childTnLst>
+                                    <p:set>
+                                      <p:cBhvr>
+                                        <p:cTn id="444" dur="indefinite"/>
+                                        <p:tgtEl>
+                                          <p:spTgt spid="197"/>
+                                        </p:tgtEl>
+                                        <p:attrNameLst>
+                                          <p:attrName>style.opacity</p:attrName>
+                                        </p:attrNameLst>
+                                      </p:cBhvr>
+                                      <p:to>
+                                        <p:strVal val="0.5"/>
+                                      </p:to>
+                                    </p:set>
+                                    <p:animEffect filter="image" prLst="opacity: 0.5">
+                                      <p:cBhvr rctx="IE">
+                                        <p:cTn id="445" dur="indefinite"/>
+                                        <p:tgtEl>
+                                          <p:spTgt spid="197"/>
+                                        </p:tgtEl>
+                                      </p:cBhvr>
+                                    </p:animEffect>
+                                  </p:childTnLst>
+                                </p:cTn>
+                              </p:par>
+                              <p:par>
+                                <p:cTn id="446" presetID="9" presetClass="emph" presetSubtype="0" grpId="1" nodeType="withEffect">
+                                  <p:stCondLst>
+                                    <p:cond delay="0"/>
+                                  </p:stCondLst>
+                                  <p:childTnLst>
+                                    <p:set>
+                                      <p:cBhvr>
+                                        <p:cTn id="447" dur="indefinite"/>
+                                        <p:tgtEl>
+                                          <p:spTgt spid="13"/>
+                                        </p:tgtEl>
+                                        <p:attrNameLst>
+                                          <p:attrName>style.opacity</p:attrName>
+                                        </p:attrNameLst>
+                                      </p:cBhvr>
+                                      <p:to>
+                                        <p:strVal val="0.5"/>
+                                      </p:to>
+                                    </p:set>
+                                    <p:animEffect filter="image" prLst="opacity: 0.5">
+                                      <p:cBhvr rctx="IE">
+                                        <p:cTn id="448" dur="indefinite"/>
+                                        <p:tgtEl>
+                                          <p:spTgt spid="13"/>
+                                        </p:tgtEl>
+                                      </p:cBhvr>
+                                    </p:animEffect>
+                                  </p:childTnLst>
+                                </p:cTn>
+                              </p:par>
+                              <p:par>
+                                <p:cTn id="449" presetID="9" presetClass="emph" presetSubtype="0" grpId="1" nodeType="withEffect">
+                                  <p:stCondLst>
+                                    <p:cond delay="0"/>
+                                  </p:stCondLst>
+                                  <p:childTnLst>
+                                    <p:set>
+                                      <p:cBhvr>
+                                        <p:cTn id="450" dur="indefinite"/>
+                                        <p:tgtEl>
+                                          <p:spTgt spid="21"/>
+                                        </p:tgtEl>
+                                        <p:attrNameLst>
+                                          <p:attrName>style.opacity</p:attrName>
+                                        </p:attrNameLst>
+                                      </p:cBhvr>
+                                      <p:to>
+                                        <p:strVal val="0.5"/>
+                                      </p:to>
+                                    </p:set>
+                                    <p:animEffect filter="image" prLst="opacity: 0.5">
+                                      <p:cBhvr rctx="IE">
+                                        <p:cTn id="451" dur="indefinite"/>
+                                        <p:tgtEl>
+                                          <p:spTgt spid="21"/>
+                                        </p:tgtEl>
+                                      </p:cBhvr>
+                                    </p:animEffect>
+                                  </p:childTnLst>
+                                </p:cTn>
+                              </p:par>
+                              <p:par>
+                                <p:cTn id="452" presetID="9" presetClass="emph" presetSubtype="0" grpId="1" nodeType="withEffect">
+                                  <p:stCondLst>
+                                    <p:cond delay="0"/>
+                                  </p:stCondLst>
+                                  <p:childTnLst>
+                                    <p:set>
+                                      <p:cBhvr>
+                                        <p:cTn id="453" dur="indefinite"/>
+                                        <p:tgtEl>
+                                          <p:spTgt spid="29"/>
+                                        </p:tgtEl>
+                                        <p:attrNameLst>
+                                          <p:attrName>style.opacity</p:attrName>
+                                        </p:attrNameLst>
+                                      </p:cBhvr>
+                                      <p:to>
+                                        <p:strVal val="0.5"/>
+                                      </p:to>
+                                    </p:set>
+                                    <p:animEffect filter="image" prLst="opacity: 0.5">
+                                      <p:cBhvr rctx="IE">
+                                        <p:cTn id="454" dur="indefinite"/>
+                                        <p:tgtEl>
+                                          <p:spTgt spid="29"/>
+                                        </p:tgtEl>
+                                      </p:cBhvr>
+                                    </p:animEffect>
+                                  </p:childTnLst>
+                                </p:cTn>
+                              </p:par>
+                              <p:par>
+                                <p:cTn id="455" presetID="9" presetClass="emph" presetSubtype="0" grpId="1" nodeType="withEffect">
+                                  <p:stCondLst>
+                                    <p:cond delay="0"/>
+                                  </p:stCondLst>
+                                  <p:childTnLst>
+                                    <p:set>
+                                      <p:cBhvr>
+                                        <p:cTn id="456" dur="indefinite"/>
+                                        <p:tgtEl>
+                                          <p:spTgt spid="37"/>
+                                        </p:tgtEl>
+                                        <p:attrNameLst>
+                                          <p:attrName>style.opacity</p:attrName>
+                                        </p:attrNameLst>
+                                      </p:cBhvr>
+                                      <p:to>
+                                        <p:strVal val="0.5"/>
+                                      </p:to>
+                                    </p:set>
+                                    <p:animEffect filter="image" prLst="opacity: 0.5">
+                                      <p:cBhvr rctx="IE">
+                                        <p:cTn id="457" dur="indefinite"/>
+                                        <p:tgtEl>
+                                          <p:spTgt spid="37"/>
+                                        </p:tgtEl>
+                                      </p:cBhvr>
+                                    </p:animEffect>
+                                  </p:childTnLst>
+                                </p:cTn>
+                              </p:par>
+                              <p:par>
+                                <p:cTn id="458" presetID="9" presetClass="emph" presetSubtype="0" grpId="1" nodeType="withEffect">
+                                  <p:stCondLst>
+                                    <p:cond delay="0"/>
+                                  </p:stCondLst>
+                                  <p:childTnLst>
+                                    <p:set>
+                                      <p:cBhvr>
+                                        <p:cTn id="459" dur="indefinite"/>
+                                        <p:tgtEl>
+                                          <p:spTgt spid="45"/>
+                                        </p:tgtEl>
+                                        <p:attrNameLst>
+                                          <p:attrName>style.opacity</p:attrName>
+                                        </p:attrNameLst>
+                                      </p:cBhvr>
+                                      <p:to>
+                                        <p:strVal val="0.5"/>
+                                      </p:to>
+                                    </p:set>
+                                    <p:animEffect filter="image" prLst="opacity: 0.5">
+                                      <p:cBhvr rctx="IE">
+                                        <p:cTn id="460" dur="indefinite"/>
+                                        <p:tgtEl>
+                                          <p:spTgt spid="45"/>
+                                        </p:tgtEl>
+                                      </p:cBhvr>
+                                    </p:animEffect>
+                                  </p:childTnLst>
+                                </p:cTn>
+                              </p:par>
+                              <p:par>
+                                <p:cTn id="461" presetID="9" presetClass="emph" presetSubtype="0" grpId="1" nodeType="withEffect">
+                                  <p:stCondLst>
+                                    <p:cond delay="0"/>
+                                  </p:stCondLst>
+                                  <p:childTnLst>
+                                    <p:set>
+                                      <p:cBhvr>
+                                        <p:cTn id="462" dur="indefinite"/>
+                                        <p:tgtEl>
+                                          <p:spTgt spid="53"/>
+                                        </p:tgtEl>
+                                        <p:attrNameLst>
+                                          <p:attrName>style.opacity</p:attrName>
+                                        </p:attrNameLst>
+                                      </p:cBhvr>
+                                      <p:to>
+                                        <p:strVal val="0.5"/>
+                                      </p:to>
+                                    </p:set>
+                                    <p:animEffect filter="image" prLst="opacity: 0.5">
+                                      <p:cBhvr rctx="IE">
+                                        <p:cTn id="463" dur="indefinite"/>
+                                        <p:tgtEl>
+                                          <p:spTgt spid="53"/>
+                                        </p:tgtEl>
+                                      </p:cBhvr>
+                                    </p:animEffect>
+                                  </p:childTnLst>
+                                </p:cTn>
+                              </p:par>
+                              <p:par>
+                                <p:cTn id="464" presetID="9" presetClass="emph" presetSubtype="0" grpId="1" nodeType="withEffect">
+                                  <p:stCondLst>
+                                    <p:cond delay="0"/>
+                                  </p:stCondLst>
+                                  <p:childTnLst>
+                                    <p:set>
+                                      <p:cBhvr>
+                                        <p:cTn id="465" dur="indefinite"/>
+                                        <p:tgtEl>
+                                          <p:spTgt spid="61"/>
+                                        </p:tgtEl>
+                                        <p:attrNameLst>
+                                          <p:attrName>style.opacity</p:attrName>
+                                        </p:attrNameLst>
+                                      </p:cBhvr>
+                                      <p:to>
+                                        <p:strVal val="0.5"/>
+                                      </p:to>
+                                    </p:set>
+                                    <p:animEffect filter="image" prLst="opacity: 0.5">
+                                      <p:cBhvr rctx="IE">
+                                        <p:cTn id="466" dur="indefinite"/>
+                                        <p:tgtEl>
+                                          <p:spTgt spid="61"/>
+                                        </p:tgtEl>
+                                      </p:cBhvr>
+                                    </p:animEffect>
+                                  </p:childTnLst>
+                                </p:cTn>
+                              </p:par>
+                              <p:par>
+                                <p:cTn id="467" presetID="9" presetClass="emph" presetSubtype="0" grpId="1" nodeType="withEffect">
+                                  <p:stCondLst>
+                                    <p:cond delay="0"/>
+                                  </p:stCondLst>
+                                  <p:childTnLst>
+                                    <p:set>
+                                      <p:cBhvr>
+                                        <p:cTn id="468" dur="indefinite"/>
+                                        <p:tgtEl>
+                                          <p:spTgt spid="69"/>
+                                        </p:tgtEl>
+                                        <p:attrNameLst>
+                                          <p:attrName>style.opacity</p:attrName>
+                                        </p:attrNameLst>
+                                      </p:cBhvr>
+                                      <p:to>
+                                        <p:strVal val="0.5"/>
+                                      </p:to>
+                                    </p:set>
+                                    <p:animEffect filter="image" prLst="opacity: 0.5">
+                                      <p:cBhvr rctx="IE">
+                                        <p:cTn id="469" dur="indefinite"/>
+                                        <p:tgtEl>
+                                          <p:spTgt spid="69"/>
+                                        </p:tgtEl>
+                                      </p:cBhvr>
+                                    </p:animEffect>
+                                  </p:childTnLst>
+                                </p:cTn>
+                              </p:par>
+                              <p:par>
+                                <p:cTn id="470" presetID="9" presetClass="emph" presetSubtype="0" grpId="1" nodeType="withEffect">
+                                  <p:stCondLst>
+                                    <p:cond delay="0"/>
+                                  </p:stCondLst>
+                                  <p:childTnLst>
+                                    <p:set>
+                                      <p:cBhvr>
+                                        <p:cTn id="471" dur="indefinite"/>
+                                        <p:tgtEl>
+                                          <p:spTgt spid="77"/>
+                                        </p:tgtEl>
+                                        <p:attrNameLst>
+                                          <p:attrName>style.opacity</p:attrName>
+                                        </p:attrNameLst>
+                                      </p:cBhvr>
+                                      <p:to>
+                                        <p:strVal val="0.5"/>
+                                      </p:to>
+                                    </p:set>
+                                    <p:animEffect filter="image" prLst="opacity: 0.5">
+                                      <p:cBhvr rctx="IE">
+                                        <p:cTn id="472" dur="indefinite"/>
+                                        <p:tgtEl>
+                                          <p:spTgt spid="77"/>
+                                        </p:tgtEl>
+                                      </p:cBhvr>
+                                    </p:animEffect>
+                                  </p:childTnLst>
+                                </p:cTn>
+                              </p:par>
+                              <p:par>
+                                <p:cTn id="473" presetID="9" presetClass="emph" presetSubtype="0" grpId="1" nodeType="withEffect">
+                                  <p:stCondLst>
+                                    <p:cond delay="0"/>
+                                  </p:stCondLst>
+                                  <p:childTnLst>
+                                    <p:set>
+                                      <p:cBhvr>
+                                        <p:cTn id="474" dur="indefinite"/>
+                                        <p:tgtEl>
+                                          <p:spTgt spid="85"/>
+                                        </p:tgtEl>
+                                        <p:attrNameLst>
+                                          <p:attrName>style.opacity</p:attrName>
+                                        </p:attrNameLst>
+                                      </p:cBhvr>
+                                      <p:to>
+                                        <p:strVal val="0.5"/>
+                                      </p:to>
+                                    </p:set>
+                                    <p:animEffect filter="image" prLst="opacity: 0.5">
+                                      <p:cBhvr rctx="IE">
+                                        <p:cTn id="475" dur="indefinite"/>
+                                        <p:tgtEl>
+                                          <p:spTgt spid="85"/>
+                                        </p:tgtEl>
+                                      </p:cBhvr>
+                                    </p:animEffect>
+                                  </p:childTnLst>
+                                </p:cTn>
+                              </p:par>
+                              <p:par>
+                                <p:cTn id="476" presetID="9" presetClass="emph" presetSubtype="0" grpId="1" nodeType="withEffect">
+                                  <p:stCondLst>
+                                    <p:cond delay="0"/>
+                                  </p:stCondLst>
+                                  <p:childTnLst>
+                                    <p:set>
+                                      <p:cBhvr>
+                                        <p:cTn id="477" dur="indefinite"/>
+                                        <p:tgtEl>
+                                          <p:spTgt spid="92"/>
+                                        </p:tgtEl>
+                                        <p:attrNameLst>
+                                          <p:attrName>style.opacity</p:attrName>
+                                        </p:attrNameLst>
+                                      </p:cBhvr>
+                                      <p:to>
+                                        <p:strVal val="0.5"/>
+                                      </p:to>
+                                    </p:set>
+                                    <p:animEffect filter="image" prLst="opacity: 0.5">
+                                      <p:cBhvr rctx="IE">
+                                        <p:cTn id="478" dur="indefinite"/>
+                                        <p:tgtEl>
+                                          <p:spTgt spid="92"/>
+                                        </p:tgtEl>
+                                      </p:cBhvr>
+                                    </p:animEffect>
+                                  </p:childTnLst>
+                                </p:cTn>
+                              </p:par>
+                              <p:par>
+                                <p:cTn id="479" presetID="9" presetClass="emph" presetSubtype="0" grpId="1" nodeType="withEffect">
+                                  <p:stCondLst>
+                                    <p:cond delay="0"/>
+                                  </p:stCondLst>
+                                  <p:childTnLst>
+                                    <p:set>
+                                      <p:cBhvr>
+                                        <p:cTn id="480" dur="indefinite"/>
+                                        <p:tgtEl>
+                                          <p:spTgt spid="113"/>
+                                        </p:tgtEl>
+                                        <p:attrNameLst>
+                                          <p:attrName>style.opacity</p:attrName>
+                                        </p:attrNameLst>
+                                      </p:cBhvr>
+                                      <p:to>
+                                        <p:strVal val="0.5"/>
+                                      </p:to>
+                                    </p:set>
+                                    <p:animEffect filter="image" prLst="opacity: 0.5">
+                                      <p:cBhvr rctx="IE">
+                                        <p:cTn id="481" dur="indefinite"/>
+                                        <p:tgtEl>
+                                          <p:spTgt spid="113"/>
+                                        </p:tgtEl>
+                                      </p:cBhvr>
+                                    </p:animEffect>
+                                  </p:childTnLst>
+                                </p:cTn>
+                              </p:par>
+                              <p:par>
+                                <p:cTn id="482" presetID="9" presetClass="emph" presetSubtype="0" grpId="1" nodeType="withEffect">
+                                  <p:stCondLst>
+                                    <p:cond delay="0"/>
+                                  </p:stCondLst>
+                                  <p:childTnLst>
+                                    <p:set>
+                                      <p:cBhvr>
+                                        <p:cTn id="483" dur="indefinite"/>
+                                        <p:tgtEl>
+                                          <p:spTgt spid="121"/>
+                                        </p:tgtEl>
+                                        <p:attrNameLst>
+                                          <p:attrName>style.opacity</p:attrName>
+                                        </p:attrNameLst>
+                                      </p:cBhvr>
+                                      <p:to>
+                                        <p:strVal val="0.5"/>
+                                      </p:to>
+                                    </p:set>
+                                    <p:animEffect filter="image" prLst="opacity: 0.5">
+                                      <p:cBhvr rctx="IE">
+                                        <p:cTn id="484" dur="indefinite"/>
+                                        <p:tgtEl>
+                                          <p:spTgt spid="121"/>
+                                        </p:tgtEl>
+                                      </p:cBhvr>
+                                    </p:animEffect>
+                                  </p:childTnLst>
+                                </p:cTn>
+                              </p:par>
+                              <p:par>
+                                <p:cTn id="485" presetID="9" presetClass="emph" presetSubtype="0" grpId="1" nodeType="withEffect">
+                                  <p:stCondLst>
+                                    <p:cond delay="0"/>
+                                  </p:stCondLst>
+                                  <p:childTnLst>
+                                    <p:set>
+                                      <p:cBhvr>
+                                        <p:cTn id="486" dur="indefinite"/>
+                                        <p:tgtEl>
+                                          <p:spTgt spid="130"/>
+                                        </p:tgtEl>
+                                        <p:attrNameLst>
+                                          <p:attrName>style.opacity</p:attrName>
+                                        </p:attrNameLst>
+                                      </p:cBhvr>
+                                      <p:to>
+                                        <p:strVal val="0.5"/>
+                                      </p:to>
+                                    </p:set>
+                                    <p:animEffect filter="image" prLst="opacity: 0.5">
+                                      <p:cBhvr rctx="IE">
+                                        <p:cTn id="487" dur="indefinite"/>
+                                        <p:tgtEl>
+                                          <p:spTgt spid="130"/>
+                                        </p:tgtEl>
+                                      </p:cBhvr>
+                                    </p:animEffect>
+                                  </p:childTnLst>
+                                </p:cTn>
+                              </p:par>
+                              <p:par>
+                                <p:cTn id="488" presetID="9" presetClass="emph" presetSubtype="0" grpId="1" nodeType="withEffect">
+                                  <p:stCondLst>
+                                    <p:cond delay="0"/>
+                                  </p:stCondLst>
+                                  <p:childTnLst>
+                                    <p:set>
+                                      <p:cBhvr>
+                                        <p:cTn id="489" dur="indefinite"/>
+                                        <p:tgtEl>
+                                          <p:spTgt spid="138"/>
+                                        </p:tgtEl>
+                                        <p:attrNameLst>
+                                          <p:attrName>style.opacity</p:attrName>
+                                        </p:attrNameLst>
+                                      </p:cBhvr>
+                                      <p:to>
+                                        <p:strVal val="0.5"/>
+                                      </p:to>
+                                    </p:set>
+                                    <p:animEffect filter="image" prLst="opacity: 0.5">
+                                      <p:cBhvr rctx="IE">
+                                        <p:cTn id="490" dur="indefinite"/>
+                                        <p:tgtEl>
+                                          <p:spTgt spid="138"/>
+                                        </p:tgtEl>
+                                      </p:cBhvr>
+                                    </p:animEffect>
+                                  </p:childTnLst>
+                                </p:cTn>
+                              </p:par>
+                              <p:par>
+                                <p:cTn id="491" presetID="9" presetClass="emph" presetSubtype="0" grpId="1" nodeType="withEffect">
+                                  <p:stCondLst>
+                                    <p:cond delay="0"/>
+                                  </p:stCondLst>
+                                  <p:childTnLst>
+                                    <p:set>
+                                      <p:cBhvr>
+                                        <p:cTn id="492" dur="indefinite"/>
+                                        <p:tgtEl>
+                                          <p:spTgt spid="148"/>
+                                        </p:tgtEl>
+                                        <p:attrNameLst>
+                                          <p:attrName>style.opacity</p:attrName>
+                                        </p:attrNameLst>
+                                      </p:cBhvr>
+                                      <p:to>
+                                        <p:strVal val="0.5"/>
+                                      </p:to>
+                                    </p:set>
+                                    <p:animEffect filter="image" prLst="opacity: 0.5">
+                                      <p:cBhvr rctx="IE">
+                                        <p:cTn id="493" dur="indefinite"/>
+                                        <p:tgtEl>
+                                          <p:spTgt spid="148"/>
+                                        </p:tgtEl>
+                                      </p:cBhvr>
+                                    </p:animEffect>
+                                  </p:childTnLst>
+                                </p:cTn>
+                              </p:par>
+                              <p:par>
+                                <p:cTn id="494" presetID="9" presetClass="emph" presetSubtype="0" grpId="1" nodeType="withEffect">
+                                  <p:stCondLst>
+                                    <p:cond delay="0"/>
+                                  </p:stCondLst>
+                                  <p:childTnLst>
+                                    <p:set>
+                                      <p:cBhvr>
+                                        <p:cTn id="495" dur="indefinite"/>
+                                        <p:tgtEl>
+                                          <p:spTgt spid="158"/>
+                                        </p:tgtEl>
+                                        <p:attrNameLst>
+                                          <p:attrName>style.opacity</p:attrName>
+                                        </p:attrNameLst>
+                                      </p:cBhvr>
+                                      <p:to>
+                                        <p:strVal val="0.5"/>
+                                      </p:to>
+                                    </p:set>
+                                    <p:animEffect filter="image" prLst="opacity: 0.5">
+                                      <p:cBhvr rctx="IE">
+                                        <p:cTn id="496" dur="indefinite"/>
+                                        <p:tgtEl>
+                                          <p:spTgt spid="158"/>
+                                        </p:tgtEl>
+                                      </p:cBhvr>
+                                    </p:animEffect>
+                                  </p:childTnLst>
+                                </p:cTn>
+                              </p:par>
+                              <p:par>
+                                <p:cTn id="497" presetID="9" presetClass="emph" presetSubtype="0" grpId="1" nodeType="withEffect">
+                                  <p:stCondLst>
+                                    <p:cond delay="0"/>
+                                  </p:stCondLst>
+                                  <p:childTnLst>
+                                    <p:set>
+                                      <p:cBhvr>
+                                        <p:cTn id="498" dur="indefinite"/>
+                                        <p:tgtEl>
+                                          <p:spTgt spid="167"/>
+                                        </p:tgtEl>
+                                        <p:attrNameLst>
+                                          <p:attrName>style.opacity</p:attrName>
+                                        </p:attrNameLst>
+                                      </p:cBhvr>
+                                      <p:to>
+                                        <p:strVal val="0.5"/>
+                                      </p:to>
+                                    </p:set>
+                                    <p:animEffect filter="image" prLst="opacity: 0.5">
+                                      <p:cBhvr rctx="IE">
+                                        <p:cTn id="499" dur="indefinite"/>
+                                        <p:tgtEl>
+                                          <p:spTgt spid="167"/>
+                                        </p:tgtEl>
+                                      </p:cBhvr>
+                                    </p:animEffect>
+                                  </p:childTnLst>
+                                </p:cTn>
+                              </p:par>
+                              <p:par>
+                                <p:cTn id="500" presetID="9" presetClass="emph" presetSubtype="0" grpId="1" nodeType="withEffect">
+                                  <p:stCondLst>
+                                    <p:cond delay="0"/>
+                                  </p:stCondLst>
+                                  <p:childTnLst>
+                                    <p:set>
+                                      <p:cBhvr>
+                                        <p:cTn id="501" dur="indefinite"/>
+                                        <p:tgtEl>
+                                          <p:spTgt spid="177"/>
+                                        </p:tgtEl>
+                                        <p:attrNameLst>
+                                          <p:attrName>style.opacity</p:attrName>
+                                        </p:attrNameLst>
+                                      </p:cBhvr>
+                                      <p:to>
+                                        <p:strVal val="0.5"/>
+                                      </p:to>
+                                    </p:set>
+                                    <p:animEffect filter="image" prLst="opacity: 0.5">
+                                      <p:cBhvr rctx="IE">
+                                        <p:cTn id="502" dur="indefinite"/>
+                                        <p:tgtEl>
+                                          <p:spTgt spid="177"/>
+                                        </p:tgtEl>
+                                      </p:cBhvr>
+                                    </p:animEffect>
+                                  </p:childTnLst>
+                                </p:cTn>
+                              </p:par>
+                              <p:par>
+                                <p:cTn id="503" presetID="9" presetClass="emph" presetSubtype="0" grpId="1" nodeType="withEffect">
+                                  <p:stCondLst>
+                                    <p:cond delay="0"/>
+                                  </p:stCondLst>
+                                  <p:childTnLst>
+                                    <p:set>
+                                      <p:cBhvr>
+                                        <p:cTn id="504" dur="indefinite"/>
+                                        <p:tgtEl>
+                                          <p:spTgt spid="185"/>
+                                        </p:tgtEl>
+                                        <p:attrNameLst>
+                                          <p:attrName>style.opacity</p:attrName>
+                                        </p:attrNameLst>
+                                      </p:cBhvr>
+                                      <p:to>
+                                        <p:strVal val="0.5"/>
+                                      </p:to>
+                                    </p:set>
+                                    <p:animEffect filter="image" prLst="opacity: 0.5">
+                                      <p:cBhvr rctx="IE">
+                                        <p:cTn id="505" dur="indefinite"/>
+                                        <p:tgtEl>
+                                          <p:spTgt spid="185"/>
+                                        </p:tgtEl>
+                                      </p:cBhvr>
+                                    </p:animEffect>
+                                  </p:childTnLst>
+                                </p:cTn>
+                              </p:par>
+                              <p:par>
+                                <p:cTn id="506" presetID="9" presetClass="emph" presetSubtype="0" grpId="1" nodeType="withEffect">
+                                  <p:stCondLst>
+                                    <p:cond delay="0"/>
+                                  </p:stCondLst>
+                                  <p:childTnLst>
+                                    <p:set>
+                                      <p:cBhvr>
+                                        <p:cTn id="507" dur="indefinite"/>
+                                        <p:tgtEl>
+                                          <p:spTgt spid="198"/>
+                                        </p:tgtEl>
+                                        <p:attrNameLst>
+                                          <p:attrName>style.opacity</p:attrName>
+                                        </p:attrNameLst>
+                                      </p:cBhvr>
+                                      <p:to>
+                                        <p:strVal val="0.5"/>
+                                      </p:to>
+                                    </p:set>
+                                    <p:animEffect filter="image" prLst="opacity: 0.5">
+                                      <p:cBhvr rctx="IE">
+                                        <p:cTn id="508" dur="indefinite"/>
+                                        <p:tgtEl>
+                                          <p:spTgt spid="198"/>
+                                        </p:tgtEl>
+                                      </p:cBhvr>
+                                    </p:animEffect>
+                                  </p:childTnLst>
+                                </p:cTn>
+                              </p:par>
+                              <p:par>
+                                <p:cTn id="509" presetID="9" presetClass="emph" presetSubtype="0" grpId="1" nodeType="withEffect">
+                                  <p:stCondLst>
+                                    <p:cond delay="0"/>
+                                  </p:stCondLst>
+                                  <p:childTnLst>
+                                    <p:set>
+                                      <p:cBhvr>
+                                        <p:cTn id="510" dur="indefinite"/>
+                                        <p:tgtEl>
+                                          <p:spTgt spid="93"/>
+                                        </p:tgtEl>
+                                        <p:attrNameLst>
+                                          <p:attrName>style.opacity</p:attrName>
+                                        </p:attrNameLst>
+                                      </p:cBhvr>
+                                      <p:to>
+                                        <p:strVal val="0.5"/>
+                                      </p:to>
+                                    </p:set>
+                                    <p:animEffect filter="image" prLst="opacity: 0.5">
+                                      <p:cBhvr rctx="IE">
+                                        <p:cTn id="511" dur="indefinite"/>
+                                        <p:tgtEl>
+                                          <p:spTgt spid="93"/>
+                                        </p:tgtEl>
+                                      </p:cBhvr>
+                                    </p:animEffect>
+                                  </p:childTnLst>
+                                </p:cTn>
+                              </p:par>
+                              <p:par>
+                                <p:cTn id="512" presetID="9" presetClass="emph" presetSubtype="0" grpId="1" nodeType="withEffect">
+                                  <p:stCondLst>
+                                    <p:cond delay="0"/>
+                                  </p:stCondLst>
+                                  <p:childTnLst>
+                                    <p:set>
+                                      <p:cBhvr>
+                                        <p:cTn id="513" dur="indefinite"/>
+                                        <p:tgtEl>
+                                          <p:spTgt spid="15"/>
+                                        </p:tgtEl>
+                                        <p:attrNameLst>
+                                          <p:attrName>style.opacity</p:attrName>
+                                        </p:attrNameLst>
+                                      </p:cBhvr>
+                                      <p:to>
+                                        <p:strVal val="0.5"/>
+                                      </p:to>
+                                    </p:set>
+                                    <p:animEffect filter="image" prLst="opacity: 0.5">
+                                      <p:cBhvr rctx="IE">
+                                        <p:cTn id="514" dur="indefinite"/>
+                                        <p:tgtEl>
+                                          <p:spTgt spid="15"/>
+                                        </p:tgtEl>
+                                      </p:cBhvr>
+                                    </p:animEffect>
+                                  </p:childTnLst>
+                                </p:cTn>
+                              </p:par>
+                              <p:par>
+                                <p:cTn id="515" presetID="9" presetClass="emph" presetSubtype="0" grpId="1" nodeType="withEffect">
+                                  <p:stCondLst>
+                                    <p:cond delay="0"/>
+                                  </p:stCondLst>
+                                  <p:childTnLst>
+                                    <p:set>
+                                      <p:cBhvr>
+                                        <p:cTn id="516" dur="indefinite"/>
+                                        <p:tgtEl>
+                                          <p:spTgt spid="23"/>
+                                        </p:tgtEl>
+                                        <p:attrNameLst>
+                                          <p:attrName>style.opacity</p:attrName>
+                                        </p:attrNameLst>
+                                      </p:cBhvr>
+                                      <p:to>
+                                        <p:strVal val="0.5"/>
+                                      </p:to>
+                                    </p:set>
+                                    <p:animEffect filter="image" prLst="opacity: 0.5">
+                                      <p:cBhvr rctx="IE">
+                                        <p:cTn id="517" dur="indefinite"/>
+                                        <p:tgtEl>
+                                          <p:spTgt spid="23"/>
+                                        </p:tgtEl>
+                                      </p:cBhvr>
+                                    </p:animEffect>
+                                  </p:childTnLst>
+                                </p:cTn>
+                              </p:par>
+                              <p:par>
+                                <p:cTn id="518" presetID="9" presetClass="emph" presetSubtype="0" grpId="1" nodeType="withEffect">
+                                  <p:stCondLst>
+                                    <p:cond delay="0"/>
+                                  </p:stCondLst>
+                                  <p:childTnLst>
+                                    <p:set>
+                                      <p:cBhvr>
+                                        <p:cTn id="519" dur="indefinite"/>
+                                        <p:tgtEl>
+                                          <p:spTgt spid="31"/>
+                                        </p:tgtEl>
+                                        <p:attrNameLst>
+                                          <p:attrName>style.opacity</p:attrName>
+                                        </p:attrNameLst>
+                                      </p:cBhvr>
+                                      <p:to>
+                                        <p:strVal val="0.5"/>
+                                      </p:to>
+                                    </p:set>
+                                    <p:animEffect filter="image" prLst="opacity: 0.5">
+                                      <p:cBhvr rctx="IE">
+                                        <p:cTn id="520" dur="indefinite"/>
+                                        <p:tgtEl>
+                                          <p:spTgt spid="31"/>
+                                        </p:tgtEl>
+                                      </p:cBhvr>
+                                    </p:animEffect>
+                                  </p:childTnLst>
+                                </p:cTn>
+                              </p:par>
+                              <p:par>
+                                <p:cTn id="521" presetID="9" presetClass="emph" presetSubtype="0" grpId="1" nodeType="withEffect">
+                                  <p:stCondLst>
+                                    <p:cond delay="0"/>
+                                  </p:stCondLst>
+                                  <p:childTnLst>
+                                    <p:set>
+                                      <p:cBhvr>
+                                        <p:cTn id="522" dur="indefinite"/>
+                                        <p:tgtEl>
+                                          <p:spTgt spid="39"/>
+                                        </p:tgtEl>
+                                        <p:attrNameLst>
+                                          <p:attrName>style.opacity</p:attrName>
+                                        </p:attrNameLst>
+                                      </p:cBhvr>
+                                      <p:to>
+                                        <p:strVal val="0.5"/>
+                                      </p:to>
+                                    </p:set>
+                                    <p:animEffect filter="image" prLst="opacity: 0.5">
+                                      <p:cBhvr rctx="IE">
+                                        <p:cTn id="523" dur="indefinite"/>
+                                        <p:tgtEl>
+                                          <p:spTgt spid="39"/>
+                                        </p:tgtEl>
+                                      </p:cBhvr>
+                                    </p:animEffect>
+                                  </p:childTnLst>
+                                </p:cTn>
+                              </p:par>
+                              <p:par>
+                                <p:cTn id="524" presetID="9" presetClass="emph" presetSubtype="0" grpId="1" nodeType="withEffect">
+                                  <p:stCondLst>
+                                    <p:cond delay="0"/>
+                                  </p:stCondLst>
+                                  <p:childTnLst>
+                                    <p:set>
+                                      <p:cBhvr>
+                                        <p:cTn id="525" dur="indefinite"/>
+                                        <p:tgtEl>
+                                          <p:spTgt spid="47"/>
+                                        </p:tgtEl>
+                                        <p:attrNameLst>
+                                          <p:attrName>style.opacity</p:attrName>
+                                        </p:attrNameLst>
+                                      </p:cBhvr>
+                                      <p:to>
+                                        <p:strVal val="0.5"/>
+                                      </p:to>
+                                    </p:set>
+                                    <p:animEffect filter="image" prLst="opacity: 0.5">
+                                      <p:cBhvr rctx="IE">
+                                        <p:cTn id="526" dur="indefinite"/>
+                                        <p:tgtEl>
+                                          <p:spTgt spid="47"/>
+                                        </p:tgtEl>
+                                      </p:cBhvr>
+                                    </p:animEffect>
+                                  </p:childTnLst>
+                                </p:cTn>
+                              </p:par>
+                              <p:par>
+                                <p:cTn id="527" presetID="9" presetClass="emph" presetSubtype="0" grpId="1" nodeType="withEffect">
+                                  <p:stCondLst>
+                                    <p:cond delay="0"/>
+                                  </p:stCondLst>
+                                  <p:childTnLst>
+                                    <p:set>
+                                      <p:cBhvr>
+                                        <p:cTn id="528" dur="indefinite"/>
+                                        <p:tgtEl>
+                                          <p:spTgt spid="55"/>
+                                        </p:tgtEl>
+                                        <p:attrNameLst>
+                                          <p:attrName>style.opacity</p:attrName>
+                                        </p:attrNameLst>
+                                      </p:cBhvr>
+                                      <p:to>
+                                        <p:strVal val="0.5"/>
+                                      </p:to>
+                                    </p:set>
+                                    <p:animEffect filter="image" prLst="opacity: 0.5">
+                                      <p:cBhvr rctx="IE">
+                                        <p:cTn id="529" dur="indefinite"/>
+                                        <p:tgtEl>
+                                          <p:spTgt spid="55"/>
+                                        </p:tgtEl>
+                                      </p:cBhvr>
+                                    </p:animEffect>
+                                  </p:childTnLst>
+                                </p:cTn>
+                              </p:par>
+                              <p:par>
+                                <p:cTn id="530" presetID="9" presetClass="emph" presetSubtype="0" grpId="1" nodeType="withEffect">
+                                  <p:stCondLst>
+                                    <p:cond delay="0"/>
+                                  </p:stCondLst>
+                                  <p:childTnLst>
+                                    <p:set>
+                                      <p:cBhvr>
+                                        <p:cTn id="531" dur="indefinite"/>
+                                        <p:tgtEl>
+                                          <p:spTgt spid="63"/>
+                                        </p:tgtEl>
+                                        <p:attrNameLst>
+                                          <p:attrName>style.opacity</p:attrName>
+                                        </p:attrNameLst>
+                                      </p:cBhvr>
+                                      <p:to>
+                                        <p:strVal val="0.5"/>
+                                      </p:to>
+                                    </p:set>
+                                    <p:animEffect filter="image" prLst="opacity: 0.5">
+                                      <p:cBhvr rctx="IE">
+                                        <p:cTn id="532" dur="indefinite"/>
+                                        <p:tgtEl>
+                                          <p:spTgt spid="63"/>
+                                        </p:tgtEl>
+                                      </p:cBhvr>
+                                    </p:animEffect>
+                                  </p:childTnLst>
+                                </p:cTn>
+                              </p:par>
+                              <p:par>
+                                <p:cTn id="533" presetID="9" presetClass="emph" presetSubtype="0" grpId="1" nodeType="withEffect">
+                                  <p:stCondLst>
+                                    <p:cond delay="0"/>
+                                  </p:stCondLst>
+                                  <p:childTnLst>
+                                    <p:set>
+                                      <p:cBhvr>
+                                        <p:cTn id="534" dur="indefinite"/>
+                                        <p:tgtEl>
+                                          <p:spTgt spid="71"/>
+                                        </p:tgtEl>
+                                        <p:attrNameLst>
+                                          <p:attrName>style.opacity</p:attrName>
+                                        </p:attrNameLst>
+                                      </p:cBhvr>
+                                      <p:to>
+                                        <p:strVal val="0.5"/>
+                                      </p:to>
+                                    </p:set>
+                                    <p:animEffect filter="image" prLst="opacity: 0.5">
+                                      <p:cBhvr rctx="IE">
+                                        <p:cTn id="535" dur="indefinite"/>
+                                        <p:tgtEl>
+                                          <p:spTgt spid="71"/>
+                                        </p:tgtEl>
+                                      </p:cBhvr>
+                                    </p:animEffect>
+                                  </p:childTnLst>
+                                </p:cTn>
+                              </p:par>
+                              <p:par>
+                                <p:cTn id="536" presetID="9" presetClass="emph" presetSubtype="0" grpId="1" nodeType="withEffect">
+                                  <p:stCondLst>
+                                    <p:cond delay="0"/>
+                                  </p:stCondLst>
+                                  <p:childTnLst>
+                                    <p:set>
+                                      <p:cBhvr>
+                                        <p:cTn id="537" dur="indefinite"/>
+                                        <p:tgtEl>
+                                          <p:spTgt spid="79"/>
+                                        </p:tgtEl>
+                                        <p:attrNameLst>
+                                          <p:attrName>style.opacity</p:attrName>
+                                        </p:attrNameLst>
+                                      </p:cBhvr>
+                                      <p:to>
+                                        <p:strVal val="0.5"/>
+                                      </p:to>
+                                    </p:set>
+                                    <p:animEffect filter="image" prLst="opacity: 0.5">
+                                      <p:cBhvr rctx="IE">
+                                        <p:cTn id="538" dur="indefinite"/>
+                                        <p:tgtEl>
+                                          <p:spTgt spid="79"/>
+                                        </p:tgtEl>
+                                      </p:cBhvr>
+                                    </p:animEffect>
+                                  </p:childTnLst>
+                                </p:cTn>
+                              </p:par>
+                              <p:par>
+                                <p:cTn id="539" presetID="9" presetClass="emph" presetSubtype="0" grpId="1" nodeType="withEffect">
+                                  <p:stCondLst>
+                                    <p:cond delay="0"/>
+                                  </p:stCondLst>
+                                  <p:childTnLst>
+                                    <p:set>
+                                      <p:cBhvr>
+                                        <p:cTn id="540" dur="indefinite"/>
+                                        <p:tgtEl>
+                                          <p:spTgt spid="87"/>
+                                        </p:tgtEl>
+                                        <p:attrNameLst>
+                                          <p:attrName>style.opacity</p:attrName>
+                                        </p:attrNameLst>
+                                      </p:cBhvr>
+                                      <p:to>
+                                        <p:strVal val="0.5"/>
+                                      </p:to>
+                                    </p:set>
+                                    <p:animEffect filter="image" prLst="opacity: 0.5">
+                                      <p:cBhvr rctx="IE">
+                                        <p:cTn id="541" dur="indefinite"/>
+                                        <p:tgtEl>
+                                          <p:spTgt spid="87"/>
+                                        </p:tgtEl>
+                                      </p:cBhvr>
+                                    </p:animEffect>
+                                  </p:childTnLst>
+                                </p:cTn>
+                              </p:par>
+                              <p:par>
+                                <p:cTn id="542" presetID="9" presetClass="emph" presetSubtype="0" grpId="1" nodeType="withEffect">
+                                  <p:stCondLst>
+                                    <p:cond delay="0"/>
+                                  </p:stCondLst>
+                                  <p:childTnLst>
+                                    <p:set>
+                                      <p:cBhvr>
+                                        <p:cTn id="543" dur="indefinite"/>
+                                        <p:tgtEl>
+                                          <p:spTgt spid="94"/>
+                                        </p:tgtEl>
+                                        <p:attrNameLst>
+                                          <p:attrName>style.opacity</p:attrName>
+                                        </p:attrNameLst>
+                                      </p:cBhvr>
+                                      <p:to>
+                                        <p:strVal val="0.5"/>
+                                      </p:to>
+                                    </p:set>
+                                    <p:animEffect filter="image" prLst="opacity: 0.5">
+                                      <p:cBhvr rctx="IE">
+                                        <p:cTn id="544" dur="indefinite"/>
+                                        <p:tgtEl>
+                                          <p:spTgt spid="94"/>
+                                        </p:tgtEl>
+                                      </p:cBhvr>
+                                    </p:animEffect>
+                                  </p:childTnLst>
+                                </p:cTn>
+                              </p:par>
+                              <p:par>
+                                <p:cTn id="545" presetID="9" presetClass="emph" presetSubtype="0" grpId="1" nodeType="withEffect">
+                                  <p:stCondLst>
+                                    <p:cond delay="0"/>
+                                  </p:stCondLst>
+                                  <p:childTnLst>
+                                    <p:set>
+                                      <p:cBhvr>
+                                        <p:cTn id="546" dur="indefinite"/>
+                                        <p:tgtEl>
+                                          <p:spTgt spid="115"/>
+                                        </p:tgtEl>
+                                        <p:attrNameLst>
+                                          <p:attrName>style.opacity</p:attrName>
+                                        </p:attrNameLst>
+                                      </p:cBhvr>
+                                      <p:to>
+                                        <p:strVal val="0.5"/>
+                                      </p:to>
+                                    </p:set>
+                                    <p:animEffect filter="image" prLst="opacity: 0.5">
+                                      <p:cBhvr rctx="IE">
+                                        <p:cTn id="547" dur="indefinite"/>
+                                        <p:tgtEl>
+                                          <p:spTgt spid="115"/>
+                                        </p:tgtEl>
+                                      </p:cBhvr>
+                                    </p:animEffect>
+                                  </p:childTnLst>
+                                </p:cTn>
+                              </p:par>
+                              <p:par>
+                                <p:cTn id="548" presetID="9" presetClass="emph" presetSubtype="0" grpId="1" nodeType="withEffect">
+                                  <p:stCondLst>
+                                    <p:cond delay="0"/>
+                                  </p:stCondLst>
+                                  <p:childTnLst>
+                                    <p:set>
+                                      <p:cBhvr>
+                                        <p:cTn id="549" dur="indefinite"/>
+                                        <p:tgtEl>
+                                          <p:spTgt spid="123"/>
+                                        </p:tgtEl>
+                                        <p:attrNameLst>
+                                          <p:attrName>style.opacity</p:attrName>
+                                        </p:attrNameLst>
+                                      </p:cBhvr>
+                                      <p:to>
+                                        <p:strVal val="0.5"/>
+                                      </p:to>
+                                    </p:set>
+                                    <p:animEffect filter="image" prLst="opacity: 0.5">
+                                      <p:cBhvr rctx="IE">
+                                        <p:cTn id="550" dur="indefinite"/>
+                                        <p:tgtEl>
+                                          <p:spTgt spid="123"/>
+                                        </p:tgtEl>
+                                      </p:cBhvr>
+                                    </p:animEffect>
+                                  </p:childTnLst>
+                                </p:cTn>
+                              </p:par>
+                              <p:par>
+                                <p:cTn id="551" presetID="9" presetClass="emph" presetSubtype="0" grpId="1" nodeType="withEffect">
+                                  <p:stCondLst>
+                                    <p:cond delay="0"/>
+                                  </p:stCondLst>
+                                  <p:childTnLst>
+                                    <p:set>
+                                      <p:cBhvr>
+                                        <p:cTn id="552" dur="indefinite"/>
+                                        <p:tgtEl>
+                                          <p:spTgt spid="132"/>
+                                        </p:tgtEl>
+                                        <p:attrNameLst>
+                                          <p:attrName>style.opacity</p:attrName>
+                                        </p:attrNameLst>
+                                      </p:cBhvr>
+                                      <p:to>
+                                        <p:strVal val="0.5"/>
+                                      </p:to>
+                                    </p:set>
+                                    <p:animEffect filter="image" prLst="opacity: 0.5">
+                                      <p:cBhvr rctx="IE">
+                                        <p:cTn id="553" dur="indefinite"/>
+                                        <p:tgtEl>
+                                          <p:spTgt spid="132"/>
+                                        </p:tgtEl>
+                                      </p:cBhvr>
+                                    </p:animEffect>
+                                  </p:childTnLst>
+                                </p:cTn>
+                              </p:par>
+                              <p:par>
+                                <p:cTn id="554" presetID="9" presetClass="emph" presetSubtype="0" grpId="1" nodeType="withEffect">
+                                  <p:stCondLst>
+                                    <p:cond delay="0"/>
+                                  </p:stCondLst>
+                                  <p:childTnLst>
+                                    <p:set>
+                                      <p:cBhvr>
+                                        <p:cTn id="555" dur="indefinite"/>
+                                        <p:tgtEl>
+                                          <p:spTgt spid="150"/>
+                                        </p:tgtEl>
+                                        <p:attrNameLst>
+                                          <p:attrName>style.opacity</p:attrName>
+                                        </p:attrNameLst>
+                                      </p:cBhvr>
+                                      <p:to>
+                                        <p:strVal val="0.5"/>
+                                      </p:to>
+                                    </p:set>
+                                    <p:animEffect filter="image" prLst="opacity: 0.5">
+                                      <p:cBhvr rctx="IE">
+                                        <p:cTn id="556" dur="indefinite"/>
+                                        <p:tgtEl>
+                                          <p:spTgt spid="150"/>
+                                        </p:tgtEl>
+                                      </p:cBhvr>
+                                    </p:animEffect>
+                                  </p:childTnLst>
+                                </p:cTn>
+                              </p:par>
+                              <p:par>
+                                <p:cTn id="557" presetID="9" presetClass="emph" presetSubtype="0" grpId="1" nodeType="withEffect">
+                                  <p:stCondLst>
+                                    <p:cond delay="0"/>
+                                  </p:stCondLst>
+                                  <p:childTnLst>
+                                    <p:set>
+                                      <p:cBhvr>
+                                        <p:cTn id="558" dur="indefinite"/>
+                                        <p:tgtEl>
+                                          <p:spTgt spid="160"/>
+                                        </p:tgtEl>
+                                        <p:attrNameLst>
+                                          <p:attrName>style.opacity</p:attrName>
+                                        </p:attrNameLst>
+                                      </p:cBhvr>
+                                      <p:to>
+                                        <p:strVal val="0.5"/>
+                                      </p:to>
+                                    </p:set>
+                                    <p:animEffect filter="image" prLst="opacity: 0.5">
+                                      <p:cBhvr rctx="IE">
+                                        <p:cTn id="559" dur="indefinite"/>
+                                        <p:tgtEl>
+                                          <p:spTgt spid="160"/>
+                                        </p:tgtEl>
+                                      </p:cBhvr>
+                                    </p:animEffect>
+                                  </p:childTnLst>
+                                </p:cTn>
+                              </p:par>
+                              <p:par>
+                                <p:cTn id="560" presetID="9" presetClass="emph" presetSubtype="0" grpId="1" nodeType="withEffect">
+                                  <p:stCondLst>
+                                    <p:cond delay="0"/>
+                                  </p:stCondLst>
+                                  <p:childTnLst>
+                                    <p:set>
+                                      <p:cBhvr>
+                                        <p:cTn id="561" dur="indefinite"/>
+                                        <p:tgtEl>
+                                          <p:spTgt spid="169"/>
+                                        </p:tgtEl>
+                                        <p:attrNameLst>
+                                          <p:attrName>style.opacity</p:attrName>
+                                        </p:attrNameLst>
+                                      </p:cBhvr>
+                                      <p:to>
+                                        <p:strVal val="0.5"/>
+                                      </p:to>
+                                    </p:set>
+                                    <p:animEffect filter="image" prLst="opacity: 0.5">
+                                      <p:cBhvr rctx="IE">
+                                        <p:cTn id="562" dur="indefinite"/>
+                                        <p:tgtEl>
+                                          <p:spTgt spid="169"/>
+                                        </p:tgtEl>
+                                      </p:cBhvr>
+                                    </p:animEffect>
+                                  </p:childTnLst>
+                                </p:cTn>
+                              </p:par>
+                              <p:par>
+                                <p:cTn id="563" presetID="9" presetClass="emph" presetSubtype="0" grpId="1" nodeType="withEffect">
+                                  <p:stCondLst>
+                                    <p:cond delay="0"/>
+                                  </p:stCondLst>
+                                  <p:childTnLst>
+                                    <p:set>
+                                      <p:cBhvr>
+                                        <p:cTn id="564" dur="indefinite"/>
+                                        <p:tgtEl>
+                                          <p:spTgt spid="170"/>
+                                        </p:tgtEl>
+                                        <p:attrNameLst>
+                                          <p:attrName>style.opacity</p:attrName>
+                                        </p:attrNameLst>
+                                      </p:cBhvr>
+                                      <p:to>
+                                        <p:strVal val="0.5"/>
+                                      </p:to>
+                                    </p:set>
+                                    <p:animEffect filter="image" prLst="opacity: 0.5">
+                                      <p:cBhvr rctx="IE">
+                                        <p:cTn id="565" dur="indefinite"/>
+                                        <p:tgtEl>
+                                          <p:spTgt spid="170"/>
+                                        </p:tgtEl>
+                                      </p:cBhvr>
+                                    </p:animEffect>
+                                  </p:childTnLst>
+                                </p:cTn>
+                              </p:par>
+                              <p:par>
+                                <p:cTn id="566" presetID="9" presetClass="emph" presetSubtype="0" grpId="1" nodeType="withEffect">
+                                  <p:stCondLst>
+                                    <p:cond delay="0"/>
+                                  </p:stCondLst>
+                                  <p:childTnLst>
+                                    <p:set>
+                                      <p:cBhvr>
+                                        <p:cTn id="567" dur="indefinite"/>
+                                        <p:tgtEl>
+                                          <p:spTgt spid="179"/>
+                                        </p:tgtEl>
+                                        <p:attrNameLst>
+                                          <p:attrName>style.opacity</p:attrName>
+                                        </p:attrNameLst>
+                                      </p:cBhvr>
+                                      <p:to>
+                                        <p:strVal val="0.5"/>
+                                      </p:to>
+                                    </p:set>
+                                    <p:animEffect filter="image" prLst="opacity: 0.5">
+                                      <p:cBhvr rctx="IE">
+                                        <p:cTn id="568" dur="indefinite"/>
+                                        <p:tgtEl>
+                                          <p:spTgt spid="179"/>
+                                        </p:tgtEl>
+                                      </p:cBhvr>
+                                    </p:animEffect>
+                                  </p:childTnLst>
+                                </p:cTn>
+                              </p:par>
+                              <p:par>
+                                <p:cTn id="569" presetID="9" presetClass="emph" presetSubtype="0" grpId="1" nodeType="withEffect">
+                                  <p:stCondLst>
+                                    <p:cond delay="0"/>
+                                  </p:stCondLst>
+                                  <p:childTnLst>
+                                    <p:set>
+                                      <p:cBhvr>
+                                        <p:cTn id="570" dur="indefinite"/>
+                                        <p:tgtEl>
+                                          <p:spTgt spid="187"/>
+                                        </p:tgtEl>
+                                        <p:attrNameLst>
+                                          <p:attrName>style.opacity</p:attrName>
+                                        </p:attrNameLst>
+                                      </p:cBhvr>
+                                      <p:to>
+                                        <p:strVal val="0.5"/>
+                                      </p:to>
+                                    </p:set>
+                                    <p:animEffect filter="image" prLst="opacity: 0.5">
+                                      <p:cBhvr rctx="IE">
+                                        <p:cTn id="571" dur="indefinite"/>
+                                        <p:tgtEl>
+                                          <p:spTgt spid="187"/>
+                                        </p:tgtEl>
+                                      </p:cBhvr>
+                                    </p:animEffect>
+                                  </p:childTnLst>
+                                </p:cTn>
+                              </p:par>
+                              <p:par>
+                                <p:cTn id="572" presetID="9" presetClass="emph" presetSubtype="0" grpId="1" nodeType="withEffect">
+                                  <p:stCondLst>
+                                    <p:cond delay="0"/>
+                                  </p:stCondLst>
+                                  <p:childTnLst>
+                                    <p:set>
+                                      <p:cBhvr>
+                                        <p:cTn id="573" dur="indefinite"/>
+                                        <p:tgtEl>
+                                          <p:spTgt spid="188"/>
+                                        </p:tgtEl>
+                                        <p:attrNameLst>
+                                          <p:attrName>style.opacity</p:attrName>
+                                        </p:attrNameLst>
+                                      </p:cBhvr>
+                                      <p:to>
+                                        <p:strVal val="0.5"/>
+                                      </p:to>
+                                    </p:set>
+                                    <p:animEffect filter="image" prLst="opacity: 0.5">
+                                      <p:cBhvr rctx="IE">
+                                        <p:cTn id="574" dur="indefinite"/>
+                                        <p:tgtEl>
+                                          <p:spTgt spid="188"/>
+                                        </p:tgtEl>
+                                      </p:cBhvr>
+                                    </p:animEffect>
+                                  </p:childTnLst>
+                                </p:cTn>
+                              </p:par>
+                              <p:par>
+                                <p:cTn id="575" presetID="9" presetClass="emph" presetSubtype="0" grpId="1" nodeType="withEffect">
+                                  <p:stCondLst>
+                                    <p:cond delay="0"/>
+                                  </p:stCondLst>
+                                  <p:childTnLst>
+                                    <p:set>
+                                      <p:cBhvr>
+                                        <p:cTn id="576" dur="indefinite"/>
+                                        <p:tgtEl>
+                                          <p:spTgt spid="200"/>
+                                        </p:tgtEl>
+                                        <p:attrNameLst>
+                                          <p:attrName>style.opacity</p:attrName>
+                                        </p:attrNameLst>
+                                      </p:cBhvr>
+                                      <p:to>
+                                        <p:strVal val="0.5"/>
+                                      </p:to>
+                                    </p:set>
+                                    <p:animEffect filter="image" prLst="opacity: 0.5">
+                                      <p:cBhvr rctx="IE">
+                                        <p:cTn id="577" dur="indefinite"/>
+                                        <p:tgtEl>
+                                          <p:spTgt spid="200"/>
+                                        </p:tgtEl>
+                                      </p:cBhvr>
+                                    </p:animEffect>
+                                  </p:childTnLst>
+                                </p:cTn>
+                              </p:par>
+                              <p:par>
+                                <p:cTn id="578" presetID="9" presetClass="emph" presetSubtype="0" grpId="1" nodeType="withEffect">
+                                  <p:stCondLst>
+                                    <p:cond delay="0"/>
+                                  </p:stCondLst>
+                                  <p:childTnLst>
+                                    <p:set>
+                                      <p:cBhvr>
+                                        <p:cTn id="579" dur="indefinite"/>
+                                        <p:tgtEl>
+                                          <p:spTgt spid="201"/>
+                                        </p:tgtEl>
+                                        <p:attrNameLst>
+                                          <p:attrName>style.opacity</p:attrName>
+                                        </p:attrNameLst>
+                                      </p:cBhvr>
+                                      <p:to>
+                                        <p:strVal val="0.5"/>
+                                      </p:to>
+                                    </p:set>
+                                    <p:animEffect filter="image" prLst="opacity: 0.5">
+                                      <p:cBhvr rctx="IE">
+                                        <p:cTn id="580" dur="indefinite"/>
+                                        <p:tgtEl>
+                                          <p:spTgt spid="201"/>
+                                        </p:tgtEl>
+                                      </p:cBhvr>
+                                    </p:animEffect>
+                                  </p:childTnLst>
+                                </p:cTn>
+                              </p:par>
+                              <p:par>
+                                <p:cTn id="581" presetID="9" presetClass="emph" presetSubtype="0" grpId="1" nodeType="withEffect">
+                                  <p:stCondLst>
+                                    <p:cond delay="0"/>
+                                  </p:stCondLst>
+                                  <p:childTnLst>
+                                    <p:set>
+                                      <p:cBhvr>
+                                        <p:cTn id="582" dur="indefinite"/>
+                                        <p:tgtEl>
+                                          <p:spTgt spid="202"/>
+                                        </p:tgtEl>
+                                        <p:attrNameLst>
+                                          <p:attrName>style.opacity</p:attrName>
+                                        </p:attrNameLst>
+                                      </p:cBhvr>
+                                      <p:to>
+                                        <p:strVal val="0.5"/>
+                                      </p:to>
+                                    </p:set>
+                                    <p:animEffect filter="image" prLst="opacity: 0.5">
+                                      <p:cBhvr rctx="IE">
+                                        <p:cTn id="583" dur="indefinite"/>
+                                        <p:tgtEl>
+                                          <p:spTgt spid="202"/>
+                                        </p:tgtEl>
+                                      </p:cBhvr>
+                                    </p:animEffect>
+                                  </p:childTnLst>
+                                </p:cTn>
+                              </p:par>
+                              <p:par>
+                                <p:cTn id="584" presetID="9" presetClass="emph" presetSubtype="0" grpId="1" nodeType="withEffect">
+                                  <p:stCondLst>
+                                    <p:cond delay="0"/>
+                                  </p:stCondLst>
+                                  <p:childTnLst>
+                                    <p:set>
+                                      <p:cBhvr>
+                                        <p:cTn id="585" dur="indefinite"/>
+                                        <p:tgtEl>
+                                          <p:spTgt spid="140"/>
+                                        </p:tgtEl>
+                                        <p:attrNameLst>
+                                          <p:attrName>style.opacity</p:attrName>
+                                        </p:attrNameLst>
+                                      </p:cBhvr>
+                                      <p:to>
+                                        <p:strVal val="0.5"/>
+                                      </p:to>
+                                    </p:set>
+                                    <p:animEffect filter="image" prLst="opacity: 0.5">
+                                      <p:cBhvr rctx="IE">
+                                        <p:cTn id="586" dur="indefinite"/>
+                                        <p:tgtEl>
+                                          <p:spTgt spid="140"/>
+                                        </p:tgtEl>
+                                      </p:cBhvr>
+                                    </p:animEffect>
+                                  </p:childTnLst>
+                                </p:cTn>
+                              </p:par>
+                              <p:par>
+                                <p:cTn id="587" presetID="9" presetClass="emph" presetSubtype="0" grpId="1" nodeType="withEffect">
+                                  <p:stCondLst>
+                                    <p:cond delay="0"/>
+                                  </p:stCondLst>
+                                  <p:childTnLst>
+                                    <p:set>
+                                      <p:cBhvr>
+                                        <p:cTn id="588" dur="indefinite"/>
+                                        <p:tgtEl>
+                                          <p:spTgt spid="16"/>
+                                        </p:tgtEl>
+                                        <p:attrNameLst>
+                                          <p:attrName>style.opacity</p:attrName>
+                                        </p:attrNameLst>
+                                      </p:cBhvr>
+                                      <p:to>
+                                        <p:strVal val="0.5"/>
+                                      </p:to>
+                                    </p:set>
+                                    <p:animEffect filter="image" prLst="opacity: 0.5">
+                                      <p:cBhvr rctx="IE">
+                                        <p:cTn id="589" dur="indefinite"/>
+                                        <p:tgtEl>
+                                          <p:spTgt spid="16"/>
+                                        </p:tgtEl>
+                                      </p:cBhvr>
+                                    </p:animEffect>
+                                  </p:childTnLst>
+                                </p:cTn>
+                              </p:par>
+                              <p:par>
+                                <p:cTn id="590" presetID="9" presetClass="emph" presetSubtype="0" grpId="1" nodeType="withEffect">
+                                  <p:stCondLst>
+                                    <p:cond delay="0"/>
+                                  </p:stCondLst>
+                                  <p:childTnLst>
+                                    <p:set>
+                                      <p:cBhvr>
+                                        <p:cTn id="591" dur="indefinite"/>
+                                        <p:tgtEl>
+                                          <p:spTgt spid="24"/>
+                                        </p:tgtEl>
+                                        <p:attrNameLst>
+                                          <p:attrName>style.opacity</p:attrName>
+                                        </p:attrNameLst>
+                                      </p:cBhvr>
+                                      <p:to>
+                                        <p:strVal val="0.5"/>
+                                      </p:to>
+                                    </p:set>
+                                    <p:animEffect filter="image" prLst="opacity: 0.5">
+                                      <p:cBhvr rctx="IE">
+                                        <p:cTn id="592" dur="indefinite"/>
+                                        <p:tgtEl>
+                                          <p:spTgt spid="24"/>
+                                        </p:tgtEl>
+                                      </p:cBhvr>
+                                    </p:animEffect>
+                                  </p:childTnLst>
+                                </p:cTn>
+                              </p:par>
+                              <p:par>
+                                <p:cTn id="593" presetID="9" presetClass="emph" presetSubtype="0" grpId="1" nodeType="withEffect">
+                                  <p:stCondLst>
+                                    <p:cond delay="0"/>
+                                  </p:stCondLst>
+                                  <p:childTnLst>
+                                    <p:set>
+                                      <p:cBhvr>
+                                        <p:cTn id="594" dur="indefinite"/>
+                                        <p:tgtEl>
+                                          <p:spTgt spid="32"/>
+                                        </p:tgtEl>
+                                        <p:attrNameLst>
+                                          <p:attrName>style.opacity</p:attrName>
+                                        </p:attrNameLst>
+                                      </p:cBhvr>
+                                      <p:to>
+                                        <p:strVal val="0.5"/>
+                                      </p:to>
+                                    </p:set>
+                                    <p:animEffect filter="image" prLst="opacity: 0.5">
+                                      <p:cBhvr rctx="IE">
+                                        <p:cTn id="595" dur="indefinite"/>
+                                        <p:tgtEl>
+                                          <p:spTgt spid="32"/>
+                                        </p:tgtEl>
+                                      </p:cBhvr>
+                                    </p:animEffect>
+                                  </p:childTnLst>
+                                </p:cTn>
+                              </p:par>
+                              <p:par>
+                                <p:cTn id="596" presetID="9" presetClass="emph" presetSubtype="0" grpId="1" nodeType="withEffect">
+                                  <p:stCondLst>
+                                    <p:cond delay="0"/>
+                                  </p:stCondLst>
+                                  <p:childTnLst>
+                                    <p:set>
+                                      <p:cBhvr>
+                                        <p:cTn id="597" dur="indefinite"/>
+                                        <p:tgtEl>
+                                          <p:spTgt spid="40"/>
+                                        </p:tgtEl>
+                                        <p:attrNameLst>
+                                          <p:attrName>style.opacity</p:attrName>
+                                        </p:attrNameLst>
+                                      </p:cBhvr>
+                                      <p:to>
+                                        <p:strVal val="0.5"/>
+                                      </p:to>
+                                    </p:set>
+                                    <p:animEffect filter="image" prLst="opacity: 0.5">
+                                      <p:cBhvr rctx="IE">
+                                        <p:cTn id="598" dur="indefinite"/>
+                                        <p:tgtEl>
+                                          <p:spTgt spid="40"/>
+                                        </p:tgtEl>
+                                      </p:cBhvr>
+                                    </p:animEffect>
+                                  </p:childTnLst>
+                                </p:cTn>
+                              </p:par>
+                              <p:par>
+                                <p:cTn id="599" presetID="9" presetClass="emph" presetSubtype="0" grpId="1" nodeType="withEffect">
+                                  <p:stCondLst>
+                                    <p:cond delay="0"/>
+                                  </p:stCondLst>
+                                  <p:childTnLst>
+                                    <p:set>
+                                      <p:cBhvr>
+                                        <p:cTn id="600" dur="indefinite"/>
+                                        <p:tgtEl>
+                                          <p:spTgt spid="48"/>
+                                        </p:tgtEl>
+                                        <p:attrNameLst>
+                                          <p:attrName>style.opacity</p:attrName>
+                                        </p:attrNameLst>
+                                      </p:cBhvr>
+                                      <p:to>
+                                        <p:strVal val="0.5"/>
+                                      </p:to>
+                                    </p:set>
+                                    <p:animEffect filter="image" prLst="opacity: 0.5">
+                                      <p:cBhvr rctx="IE">
+                                        <p:cTn id="601" dur="indefinite"/>
+                                        <p:tgtEl>
+                                          <p:spTgt spid="48"/>
+                                        </p:tgtEl>
+                                      </p:cBhvr>
+                                    </p:animEffect>
+                                  </p:childTnLst>
+                                </p:cTn>
+                              </p:par>
+                              <p:par>
+                                <p:cTn id="602" presetID="9" presetClass="emph" presetSubtype="0" grpId="1" nodeType="withEffect">
+                                  <p:stCondLst>
+                                    <p:cond delay="0"/>
+                                  </p:stCondLst>
+                                  <p:childTnLst>
+                                    <p:set>
+                                      <p:cBhvr>
+                                        <p:cTn id="603" dur="indefinite"/>
+                                        <p:tgtEl>
+                                          <p:spTgt spid="56"/>
+                                        </p:tgtEl>
+                                        <p:attrNameLst>
+                                          <p:attrName>style.opacity</p:attrName>
+                                        </p:attrNameLst>
+                                      </p:cBhvr>
+                                      <p:to>
+                                        <p:strVal val="0.5"/>
+                                      </p:to>
+                                    </p:set>
+                                    <p:animEffect filter="image" prLst="opacity: 0.5">
+                                      <p:cBhvr rctx="IE">
+                                        <p:cTn id="604" dur="indefinite"/>
+                                        <p:tgtEl>
+                                          <p:spTgt spid="56"/>
+                                        </p:tgtEl>
+                                      </p:cBhvr>
+                                    </p:animEffect>
+                                  </p:childTnLst>
+                                </p:cTn>
+                              </p:par>
+                              <p:par>
+                                <p:cTn id="605" presetID="9" presetClass="emph" presetSubtype="0" grpId="1" nodeType="withEffect">
+                                  <p:stCondLst>
+                                    <p:cond delay="0"/>
+                                  </p:stCondLst>
+                                  <p:childTnLst>
+                                    <p:set>
+                                      <p:cBhvr>
+                                        <p:cTn id="606" dur="indefinite"/>
+                                        <p:tgtEl>
+                                          <p:spTgt spid="64"/>
+                                        </p:tgtEl>
+                                        <p:attrNameLst>
+                                          <p:attrName>style.opacity</p:attrName>
+                                        </p:attrNameLst>
+                                      </p:cBhvr>
+                                      <p:to>
+                                        <p:strVal val="0.5"/>
+                                      </p:to>
+                                    </p:set>
+                                    <p:animEffect filter="image" prLst="opacity: 0.5">
+                                      <p:cBhvr rctx="IE">
+                                        <p:cTn id="607" dur="indefinite"/>
+                                        <p:tgtEl>
+                                          <p:spTgt spid="64"/>
+                                        </p:tgtEl>
+                                      </p:cBhvr>
+                                    </p:animEffect>
+                                  </p:childTnLst>
+                                </p:cTn>
+                              </p:par>
+                              <p:par>
+                                <p:cTn id="608" presetID="9" presetClass="emph" presetSubtype="0" grpId="1" nodeType="withEffect">
+                                  <p:stCondLst>
+                                    <p:cond delay="0"/>
+                                  </p:stCondLst>
+                                  <p:childTnLst>
+                                    <p:set>
+                                      <p:cBhvr>
+                                        <p:cTn id="609" dur="indefinite"/>
+                                        <p:tgtEl>
+                                          <p:spTgt spid="72"/>
+                                        </p:tgtEl>
+                                        <p:attrNameLst>
+                                          <p:attrName>style.opacity</p:attrName>
+                                        </p:attrNameLst>
+                                      </p:cBhvr>
+                                      <p:to>
+                                        <p:strVal val="0.5"/>
+                                      </p:to>
+                                    </p:set>
+                                    <p:animEffect filter="image" prLst="opacity: 0.5">
+                                      <p:cBhvr rctx="IE">
+                                        <p:cTn id="610" dur="indefinite"/>
+                                        <p:tgtEl>
+                                          <p:spTgt spid="72"/>
+                                        </p:tgtEl>
+                                      </p:cBhvr>
+                                    </p:animEffect>
+                                  </p:childTnLst>
+                                </p:cTn>
+                              </p:par>
+                              <p:par>
+                                <p:cTn id="611" presetID="9" presetClass="emph" presetSubtype="0" grpId="1" nodeType="withEffect">
+                                  <p:stCondLst>
+                                    <p:cond delay="0"/>
+                                  </p:stCondLst>
+                                  <p:childTnLst>
+                                    <p:set>
+                                      <p:cBhvr>
+                                        <p:cTn id="612" dur="indefinite"/>
+                                        <p:tgtEl>
+                                          <p:spTgt spid="80"/>
+                                        </p:tgtEl>
+                                        <p:attrNameLst>
+                                          <p:attrName>style.opacity</p:attrName>
+                                        </p:attrNameLst>
+                                      </p:cBhvr>
+                                      <p:to>
+                                        <p:strVal val="0.5"/>
+                                      </p:to>
+                                    </p:set>
+                                    <p:animEffect filter="image" prLst="opacity: 0.5">
+                                      <p:cBhvr rctx="IE">
+                                        <p:cTn id="613" dur="indefinite"/>
+                                        <p:tgtEl>
+                                          <p:spTgt spid="80"/>
+                                        </p:tgtEl>
+                                      </p:cBhvr>
+                                    </p:animEffect>
+                                  </p:childTnLst>
+                                </p:cTn>
+                              </p:par>
+                              <p:par>
+                                <p:cTn id="614" presetID="9" presetClass="emph" presetSubtype="0" grpId="1" nodeType="withEffect">
+                                  <p:stCondLst>
+                                    <p:cond delay="0"/>
+                                  </p:stCondLst>
+                                  <p:childTnLst>
+                                    <p:set>
+                                      <p:cBhvr>
+                                        <p:cTn id="615" dur="indefinite"/>
+                                        <p:tgtEl>
+                                          <p:spTgt spid="88"/>
+                                        </p:tgtEl>
+                                        <p:attrNameLst>
+                                          <p:attrName>style.opacity</p:attrName>
+                                        </p:attrNameLst>
+                                      </p:cBhvr>
+                                      <p:to>
+                                        <p:strVal val="0.5"/>
+                                      </p:to>
+                                    </p:set>
+                                    <p:animEffect filter="image" prLst="opacity: 0.5">
+                                      <p:cBhvr rctx="IE">
+                                        <p:cTn id="616" dur="indefinite"/>
+                                        <p:tgtEl>
+                                          <p:spTgt spid="88"/>
+                                        </p:tgtEl>
+                                      </p:cBhvr>
+                                    </p:animEffect>
+                                  </p:childTnLst>
+                                </p:cTn>
+                              </p:par>
+                              <p:par>
+                                <p:cTn id="617" presetID="9" presetClass="emph" presetSubtype="0" grpId="1" nodeType="withEffect">
+                                  <p:stCondLst>
+                                    <p:cond delay="0"/>
+                                  </p:stCondLst>
+                                  <p:childTnLst>
+                                    <p:set>
+                                      <p:cBhvr>
+                                        <p:cTn id="618" dur="indefinite"/>
+                                        <p:tgtEl>
+                                          <p:spTgt spid="95"/>
+                                        </p:tgtEl>
+                                        <p:attrNameLst>
+                                          <p:attrName>style.opacity</p:attrName>
+                                        </p:attrNameLst>
+                                      </p:cBhvr>
+                                      <p:to>
+                                        <p:strVal val="0.5"/>
+                                      </p:to>
+                                    </p:set>
+                                    <p:animEffect filter="image" prLst="opacity: 0.5">
+                                      <p:cBhvr rctx="IE">
+                                        <p:cTn id="619" dur="indefinite"/>
+                                        <p:tgtEl>
+                                          <p:spTgt spid="95"/>
+                                        </p:tgtEl>
+                                      </p:cBhvr>
+                                    </p:animEffect>
+                                  </p:childTnLst>
+                                </p:cTn>
+                              </p:par>
+                              <p:par>
+                                <p:cTn id="620" presetID="9" presetClass="emph" presetSubtype="0" grpId="1" nodeType="withEffect">
+                                  <p:stCondLst>
+                                    <p:cond delay="0"/>
+                                  </p:stCondLst>
+                                  <p:childTnLst>
+                                    <p:set>
+                                      <p:cBhvr>
+                                        <p:cTn id="621" dur="indefinite"/>
+                                        <p:tgtEl>
+                                          <p:spTgt spid="106"/>
+                                        </p:tgtEl>
+                                        <p:attrNameLst>
+                                          <p:attrName>style.opacity</p:attrName>
+                                        </p:attrNameLst>
+                                      </p:cBhvr>
+                                      <p:to>
+                                        <p:strVal val="0.5"/>
+                                      </p:to>
+                                    </p:set>
+                                    <p:animEffect filter="image" prLst="opacity: 0.5">
+                                      <p:cBhvr rctx="IE">
+                                        <p:cTn id="622" dur="indefinite"/>
+                                        <p:tgtEl>
+                                          <p:spTgt spid="106"/>
+                                        </p:tgtEl>
+                                      </p:cBhvr>
+                                    </p:animEffect>
+                                  </p:childTnLst>
+                                </p:cTn>
+                              </p:par>
+                              <p:par>
+                                <p:cTn id="623" presetID="9" presetClass="emph" presetSubtype="0" grpId="1" nodeType="withEffect">
+                                  <p:stCondLst>
+                                    <p:cond delay="0"/>
+                                  </p:stCondLst>
+                                  <p:childTnLst>
+                                    <p:set>
+                                      <p:cBhvr>
+                                        <p:cTn id="624" dur="indefinite"/>
+                                        <p:tgtEl>
+                                          <p:spTgt spid="116"/>
+                                        </p:tgtEl>
+                                        <p:attrNameLst>
+                                          <p:attrName>style.opacity</p:attrName>
+                                        </p:attrNameLst>
+                                      </p:cBhvr>
+                                      <p:to>
+                                        <p:strVal val="0.5"/>
+                                      </p:to>
+                                    </p:set>
+                                    <p:animEffect filter="image" prLst="opacity: 0.5">
+                                      <p:cBhvr rctx="IE">
+                                        <p:cTn id="625" dur="indefinite"/>
+                                        <p:tgtEl>
+                                          <p:spTgt spid="116"/>
+                                        </p:tgtEl>
+                                      </p:cBhvr>
+                                    </p:animEffect>
+                                  </p:childTnLst>
+                                </p:cTn>
+                              </p:par>
+                              <p:par>
+                                <p:cTn id="626" presetID="9" presetClass="emph" presetSubtype="0" grpId="1" nodeType="withEffect">
+                                  <p:stCondLst>
+                                    <p:cond delay="0"/>
+                                  </p:stCondLst>
+                                  <p:childTnLst>
+                                    <p:set>
+                                      <p:cBhvr>
+                                        <p:cTn id="627" dur="indefinite"/>
+                                        <p:tgtEl>
+                                          <p:spTgt spid="124"/>
+                                        </p:tgtEl>
+                                        <p:attrNameLst>
+                                          <p:attrName>style.opacity</p:attrName>
+                                        </p:attrNameLst>
+                                      </p:cBhvr>
+                                      <p:to>
+                                        <p:strVal val="0.5"/>
+                                      </p:to>
+                                    </p:set>
+                                    <p:animEffect filter="image" prLst="opacity: 0.5">
+                                      <p:cBhvr rctx="IE">
+                                        <p:cTn id="628" dur="indefinite"/>
+                                        <p:tgtEl>
+                                          <p:spTgt spid="124"/>
+                                        </p:tgtEl>
+                                      </p:cBhvr>
+                                    </p:animEffect>
+                                  </p:childTnLst>
+                                </p:cTn>
+                              </p:par>
+                              <p:par>
+                                <p:cTn id="629" presetID="9" presetClass="emph" presetSubtype="0" grpId="1" nodeType="withEffect">
+                                  <p:stCondLst>
+                                    <p:cond delay="0"/>
+                                  </p:stCondLst>
+                                  <p:childTnLst>
+                                    <p:set>
+                                      <p:cBhvr>
+                                        <p:cTn id="630" dur="indefinite"/>
+                                        <p:tgtEl>
+                                          <p:spTgt spid="133"/>
+                                        </p:tgtEl>
+                                        <p:attrNameLst>
+                                          <p:attrName>style.opacity</p:attrName>
+                                        </p:attrNameLst>
+                                      </p:cBhvr>
+                                      <p:to>
+                                        <p:strVal val="0.5"/>
+                                      </p:to>
+                                    </p:set>
+                                    <p:animEffect filter="image" prLst="opacity: 0.5">
+                                      <p:cBhvr rctx="IE">
+                                        <p:cTn id="631" dur="indefinite"/>
+                                        <p:tgtEl>
+                                          <p:spTgt spid="133"/>
+                                        </p:tgtEl>
+                                      </p:cBhvr>
+                                    </p:animEffect>
+                                  </p:childTnLst>
+                                </p:cTn>
+                              </p:par>
+                              <p:par>
+                                <p:cTn id="632" presetID="9" presetClass="emph" presetSubtype="0" grpId="1" nodeType="withEffect">
+                                  <p:stCondLst>
+                                    <p:cond delay="0"/>
+                                  </p:stCondLst>
+                                  <p:childTnLst>
+                                    <p:set>
+                                      <p:cBhvr>
+                                        <p:cTn id="633" dur="indefinite"/>
+                                        <p:tgtEl>
+                                          <p:spTgt spid="141"/>
+                                        </p:tgtEl>
+                                        <p:attrNameLst>
+                                          <p:attrName>style.opacity</p:attrName>
+                                        </p:attrNameLst>
+                                      </p:cBhvr>
+                                      <p:to>
+                                        <p:strVal val="0.5"/>
+                                      </p:to>
+                                    </p:set>
+                                    <p:animEffect filter="image" prLst="opacity: 0.5">
+                                      <p:cBhvr rctx="IE">
+                                        <p:cTn id="634" dur="indefinite"/>
+                                        <p:tgtEl>
+                                          <p:spTgt spid="141"/>
+                                        </p:tgtEl>
+                                      </p:cBhvr>
+                                    </p:animEffect>
+                                  </p:childTnLst>
+                                </p:cTn>
+                              </p:par>
+                              <p:par>
+                                <p:cTn id="635" presetID="9" presetClass="emph" presetSubtype="0" grpId="1" nodeType="withEffect">
+                                  <p:stCondLst>
+                                    <p:cond delay="0"/>
+                                  </p:stCondLst>
+                                  <p:childTnLst>
+                                    <p:set>
+                                      <p:cBhvr>
+                                        <p:cTn id="636" dur="indefinite"/>
+                                        <p:tgtEl>
+                                          <p:spTgt spid="151"/>
+                                        </p:tgtEl>
+                                        <p:attrNameLst>
+                                          <p:attrName>style.opacity</p:attrName>
+                                        </p:attrNameLst>
+                                      </p:cBhvr>
+                                      <p:to>
+                                        <p:strVal val="0.5"/>
+                                      </p:to>
+                                    </p:set>
+                                    <p:animEffect filter="image" prLst="opacity: 0.5">
+                                      <p:cBhvr rctx="IE">
+                                        <p:cTn id="637" dur="indefinite"/>
+                                        <p:tgtEl>
+                                          <p:spTgt spid="151"/>
+                                        </p:tgtEl>
+                                      </p:cBhvr>
+                                    </p:animEffect>
+                                  </p:childTnLst>
+                                </p:cTn>
+                              </p:par>
+                              <p:par>
+                                <p:cTn id="638" presetID="9" presetClass="emph" presetSubtype="0" grpId="1" nodeType="withEffect">
+                                  <p:stCondLst>
+                                    <p:cond delay="0"/>
+                                  </p:stCondLst>
+                                  <p:childTnLst>
+                                    <p:set>
+                                      <p:cBhvr>
+                                        <p:cTn id="639" dur="indefinite"/>
+                                        <p:tgtEl>
+                                          <p:spTgt spid="161"/>
+                                        </p:tgtEl>
+                                        <p:attrNameLst>
+                                          <p:attrName>style.opacity</p:attrName>
+                                        </p:attrNameLst>
+                                      </p:cBhvr>
+                                      <p:to>
+                                        <p:strVal val="0.5"/>
+                                      </p:to>
+                                    </p:set>
+                                    <p:animEffect filter="image" prLst="opacity: 0.5">
+                                      <p:cBhvr rctx="IE">
+                                        <p:cTn id="640" dur="indefinite"/>
+                                        <p:tgtEl>
+                                          <p:spTgt spid="161"/>
+                                        </p:tgtEl>
+                                      </p:cBhvr>
+                                    </p:animEffect>
+                                  </p:childTnLst>
+                                </p:cTn>
+                              </p:par>
+                              <p:par>
+                                <p:cTn id="641" presetID="9" presetClass="emph" presetSubtype="0" grpId="1" nodeType="withEffect">
+                                  <p:stCondLst>
+                                    <p:cond delay="0"/>
+                                  </p:stCondLst>
+                                  <p:childTnLst>
+                                    <p:set>
+                                      <p:cBhvr>
+                                        <p:cTn id="642" dur="indefinite"/>
+                                        <p:tgtEl>
+                                          <p:spTgt spid="171"/>
+                                        </p:tgtEl>
+                                        <p:attrNameLst>
+                                          <p:attrName>style.opacity</p:attrName>
+                                        </p:attrNameLst>
+                                      </p:cBhvr>
+                                      <p:to>
+                                        <p:strVal val="0.5"/>
+                                      </p:to>
+                                    </p:set>
+                                    <p:animEffect filter="image" prLst="opacity: 0.5">
+                                      <p:cBhvr rctx="IE">
+                                        <p:cTn id="643" dur="indefinite"/>
+                                        <p:tgtEl>
+                                          <p:spTgt spid="171"/>
+                                        </p:tgtEl>
+                                      </p:cBhvr>
+                                    </p:animEffect>
+                                  </p:childTnLst>
+                                </p:cTn>
+                              </p:par>
+                              <p:par>
+                                <p:cTn id="644" presetID="9" presetClass="emph" presetSubtype="0" grpId="1" nodeType="withEffect">
+                                  <p:stCondLst>
+                                    <p:cond delay="0"/>
+                                  </p:stCondLst>
+                                  <p:childTnLst>
+                                    <p:set>
+                                      <p:cBhvr>
+                                        <p:cTn id="645" dur="indefinite"/>
+                                        <p:tgtEl>
+                                          <p:spTgt spid="180"/>
+                                        </p:tgtEl>
+                                        <p:attrNameLst>
+                                          <p:attrName>style.opacity</p:attrName>
+                                        </p:attrNameLst>
+                                      </p:cBhvr>
+                                      <p:to>
+                                        <p:strVal val="0.5"/>
+                                      </p:to>
+                                    </p:set>
+                                    <p:animEffect filter="image" prLst="opacity: 0.5">
+                                      <p:cBhvr rctx="IE">
+                                        <p:cTn id="646" dur="indefinite"/>
+                                        <p:tgtEl>
+                                          <p:spTgt spid="180"/>
+                                        </p:tgtEl>
+                                      </p:cBhvr>
+                                    </p:animEffect>
+                                  </p:childTnLst>
+                                </p:cTn>
+                              </p:par>
+                              <p:par>
+                                <p:cTn id="647" presetID="9" presetClass="emph" presetSubtype="0" grpId="1" nodeType="withEffect">
+                                  <p:stCondLst>
+                                    <p:cond delay="0"/>
+                                  </p:stCondLst>
+                                  <p:childTnLst>
+                                    <p:set>
+                                      <p:cBhvr>
+                                        <p:cTn id="648" dur="indefinite"/>
+                                        <p:tgtEl>
+                                          <p:spTgt spid="189"/>
+                                        </p:tgtEl>
+                                        <p:attrNameLst>
+                                          <p:attrName>style.opacity</p:attrName>
+                                        </p:attrNameLst>
+                                      </p:cBhvr>
+                                      <p:to>
+                                        <p:strVal val="0.5"/>
+                                      </p:to>
+                                    </p:set>
+                                    <p:animEffect filter="image" prLst="opacity: 0.5">
+                                      <p:cBhvr rctx="IE">
+                                        <p:cTn id="649" dur="indefinite"/>
+                                        <p:tgtEl>
+                                          <p:spTgt spid="189"/>
+                                        </p:tgtEl>
+                                      </p:cBhvr>
+                                    </p:animEffect>
+                                  </p:childTnLst>
+                                </p:cTn>
+                              </p:par>
+                              <p:par>
+                                <p:cTn id="650" presetID="9" presetClass="emph" presetSubtype="0" grpId="1" nodeType="withEffect">
+                                  <p:stCondLst>
+                                    <p:cond delay="0"/>
+                                  </p:stCondLst>
+                                  <p:childTnLst>
+                                    <p:set>
+                                      <p:cBhvr>
+                                        <p:cTn id="651" dur="indefinite"/>
+                                        <p:tgtEl>
+                                          <p:spTgt spid="203"/>
+                                        </p:tgtEl>
+                                        <p:attrNameLst>
+                                          <p:attrName>style.opacity</p:attrName>
+                                        </p:attrNameLst>
+                                      </p:cBhvr>
+                                      <p:to>
+                                        <p:strVal val="0.5"/>
+                                      </p:to>
+                                    </p:set>
+                                    <p:animEffect filter="image" prLst="opacity: 0.5">
+                                      <p:cBhvr rctx="IE">
+                                        <p:cTn id="652" dur="indefinite"/>
+                                        <p:tgtEl>
+                                          <p:spTgt spid="203"/>
+                                        </p:tgtEl>
+                                      </p:cBhvr>
+                                    </p:animEffect>
+                                  </p:childTnLst>
+                                </p:cTn>
+                              </p:par>
+                            </p:childTnLst>
+                          </p:cTn>
+                        </p:par>
+                      </p:childTnLst>
+                    </p:cTn>
+                  </p:par>
+                </p:childTnLst>
+              </p:cTn>
+              <p:prevCondLst>
+                <p:cond evt="onPrev" delay="0">
+                  <p:tgtEl>
+                    <p:sldTgt/>
+                  </p:tgtEl>
+                </p:cond>
+              </p:prevCondLst>
+              <p:nextCondLst>
+                <p:cond evt="onNext" delay="0">
+                  <p:tgtEl>
+                    <p:sldTgt/>
+                  </p:tgtEl>
+                </p:cond>
+              </p:nextCondLst>
+            </p:seq>
+          </p:childTnLst>
+        </p:cTn>
+      </p:par>
+    </p:tnLst>
+    <p:bldLst>
+      <p:bldP spid="9" grpId="0" animBg="1"/>
+      <p:bldP spid="10" grpId="0" animBg="1"/>
+      <p:bldP spid="11" grpId="0" animBg="1"/>
+      <p:bldP spid="12" grpId="0" animBg="1"/>
+      <p:bldP spid="12" grpId="1" animBg="1"/>
+      <p:bldP spid="13" grpId="0" animBg="1"/>
+      <p:bldP spid="13" grpId="1" animBg="1"/>
+      <p:bldP spid="14" grpId="0" animBg="1"/>
+      <p:bldP spid="15" grpId="0" animBg="1"/>
+      <p:bldP spid="15" grpId="1" animBg="1"/>
+      <p:bldP spid="16" grpId="0" animBg="1"/>
+      <p:bldP spid="16" grpId="1" animBg="1"/>
+      <p:bldP spid="17" grpId="0" animBg="1"/>
+      <p:bldP spid="18" grpId="0" animBg="1"/>
+      <p:bldP spid="19" grpId="0" animBg="1"/>
+      <p:bldP spid="20" grpId="0" animBg="1"/>
+      <p:bldP spid="20" grpId="1" animBg="1"/>
+      <p:bldP spid="21" grpId="0" animBg="1"/>
+      <p:bldP spid="21" grpId="1" animBg="1"/>
+      <p:bldP spid="22" grpId="0" animBg="1"/>
+      <p:bldP spid="23" grpId="0" animBg="1"/>
+      <p:bldP spid="23" grpId="1" animBg="1"/>
+      <p:bldP spid="24" grpId="0" animBg="1"/>
+      <p:bldP spid="24" grpId="1" animBg="1"/>
+      <p:bldP spid="25" grpId="0" animBg="1"/>
+      <p:bldP spid="26" grpId="0" animBg="1"/>
+      <p:bldP spid="27" grpId="0" animBg="1"/>
+      <p:bldP spid="28" grpId="0" animBg="1"/>
+      <p:bldP spid="28" grpId="1" animBg="1"/>
+      <p:bldP spid="29" grpId="0" animBg="1"/>
+      <p:bldP spid="29" grpId="1" animBg="1"/>
+      <p:bldP spid="30" grpId="0" animBg="1"/>
+      <p:bldP spid="31" grpId="0" animBg="1"/>
+      <p:bldP spid="31" grpId="1" animBg="1"/>
+      <p:bldP spid="32" grpId="0" animBg="1"/>
+      <p:bldP spid="32" grpId="1" animBg="1"/>
+      <p:bldP spid="33" grpId="0" animBg="1"/>
+      <p:bldP spid="34" grpId="0" animBg="1"/>
+      <p:bldP spid="35" grpId="0" animBg="1"/>
+      <p:bldP spid="36" grpId="0" animBg="1"/>
+      <p:bldP spid="36" grpId="1" animBg="1"/>
+      <p:bldP spid="37" grpId="0" animBg="1"/>
+      <p:bldP spid="37" grpId="1" animBg="1"/>
+      <p:bldP spid="38" grpId="0" animBg="1"/>
+      <p:bldP spid="39" grpId="0" animBg="1"/>
+      <p:bldP spid="39" grpId="1" animBg="1"/>
+      <p:bldP spid="40" grpId="0" animBg="1"/>
+      <p:bldP spid="40" grpId="1" animBg="1"/>
+      <p:bldP spid="41" grpId="0" animBg="1"/>
+      <p:bldP spid="42" grpId="0" animBg="1"/>
+      <p:bldP spid="43" grpId="0" animBg="1"/>
+      <p:bldP spid="44" grpId="0" animBg="1"/>
+      <p:bldP spid="44" grpId="1" animBg="1"/>
+      <p:bldP spid="45" grpId="0" animBg="1"/>
+      <p:bldP spid="45" grpId="1" animBg="1"/>
+      <p:bldP spid="46" grpId="0" animBg="1"/>
+      <p:bldP spid="47" grpId="0" animBg="1"/>
+      <p:bldP spid="47" grpId="1" animBg="1"/>
+      <p:bldP spid="48" grpId="0" animBg="1"/>
+      <p:bldP spid="48" grpId="1" animBg="1"/>
+      <p:bldP spid="49" grpId="0" animBg="1"/>
+      <p:bldP spid="50" grpId="0" animBg="1"/>
+      <p:bldP spid="51" grpId="0" animBg="1"/>
+      <p:bldP spid="52" grpId="0" animBg="1"/>
+      <p:bldP spid="52" grpId="1" animBg="1"/>
+      <p:bldP spid="53" grpId="0" animBg="1"/>
+      <p:bldP spid="53" grpId="1" animBg="1"/>
+      <p:bldP spid="54" grpId="0" animBg="1"/>
+      <p:bldP spid="55" grpId="0" animBg="1"/>
+      <p:bldP spid="55" grpId="1" animBg="1"/>
+      <p:bldP spid="56" grpId="0" animBg="1"/>
+      <p:bldP spid="56" grpId="1" animBg="1"/>
+      <p:bldP spid="57" grpId="0" animBg="1"/>
+      <p:bldP spid="58" grpId="0" animBg="1"/>
+      <p:bldP spid="59" grpId="0" animBg="1"/>
+      <p:bldP spid="60" grpId="0" animBg="1"/>
+      <p:bldP spid="60" grpId="1" animBg="1"/>
+      <p:bldP spid="61" grpId="0" animBg="1"/>
+      <p:bldP spid="61" grpId="1" animBg="1"/>
+      <p:bldP spid="62" grpId="0" animBg="1"/>
+      <p:bldP spid="63" grpId="0" animBg="1"/>
+      <p:bldP spid="63" grpId="1" animBg="1"/>
+      <p:bldP spid="64" grpId="0" animBg="1"/>
+      <p:bldP spid="64" grpId="1" animBg="1"/>
+      <p:bldP spid="65" grpId="0" animBg="1"/>
+      <p:bldP spid="66" grpId="0" animBg="1"/>
+      <p:bldP spid="67" grpId="0" animBg="1"/>
+      <p:bldP spid="68" grpId="0" animBg="1"/>
+      <p:bldP spid="68" grpId="1" animBg="1"/>
+      <p:bldP spid="69" grpId="0" animBg="1"/>
+      <p:bldP spid="69" grpId="1" animBg="1"/>
+      <p:bldP spid="70" grpId="0" animBg="1"/>
+      <p:bldP spid="71" grpId="0" animBg="1"/>
+      <p:bldP spid="71" grpId="1" animBg="1"/>
+      <p:bldP spid="72" grpId="0" animBg="1"/>
+      <p:bldP spid="72" grpId="1" animBg="1"/>
+      <p:bldP spid="73" grpId="0" animBg="1"/>
+      <p:bldP spid="74" grpId="0" animBg="1"/>
+      <p:bldP spid="75" grpId="0" animBg="1"/>
+      <p:bldP spid="76" grpId="0" animBg="1"/>
+      <p:bldP spid="76" grpId="1" animBg="1"/>
+      <p:bldP spid="77" grpId="0" animBg="1"/>
+      <p:bldP spid="77" grpId="1" animBg="1"/>
+      <p:bldP spid="78" grpId="0" animBg="1"/>
+      <p:bldP spid="79" grpId="0" animBg="1"/>
+      <p:bldP spid="79" grpId="1" animBg="1"/>
+      <p:bldP spid="80" grpId="0" animBg="1"/>
+      <p:bldP spid="80" grpId="1" animBg="1"/>
+      <p:bldP spid="81" grpId="0" animBg="1"/>
+      <p:bldP spid="82" grpId="0" animBg="1"/>
+      <p:bldP spid="83" grpId="0" animBg="1"/>
+      <p:bldP spid="84" grpId="0" animBg="1"/>
+      <p:bldP spid="84" grpId="1" animBg="1"/>
+      <p:bldP spid="85" grpId="0" animBg="1"/>
+      <p:bldP spid="85" grpId="1" animBg="1"/>
+      <p:bldP spid="86" grpId="0" animBg="1"/>
+      <p:bldP spid="87" grpId="0" animBg="1"/>
+      <p:bldP spid="87" grpId="1" animBg="1"/>
+      <p:bldP spid="88" grpId="0" animBg="1"/>
+      <p:bldP spid="88" grpId="1" animBg="1"/>
+      <p:bldP spid="89" grpId="0" animBg="1"/>
+      <p:bldP spid="90" grpId="0" animBg="1"/>
+      <p:bldP spid="91" grpId="0" animBg="1"/>
+      <p:bldP spid="91" grpId="1" animBg="1"/>
+      <p:bldP spid="92" grpId="0" animBg="1"/>
+      <p:bldP spid="92" grpId="1" animBg="1"/>
+      <p:bldP spid="93" grpId="0" animBg="1"/>
+      <p:bldP spid="93" grpId="1" animBg="1"/>
+      <p:bldP spid="94" grpId="0" animBg="1"/>
+      <p:bldP spid="94" grpId="1" animBg="1"/>
+      <p:bldP spid="95" grpId="0" animBg="1"/>
+      <p:bldP spid="95" grpId="1" animBg="1"/>
+      <p:bldP spid="105" grpId="0" animBg="1"/>
+      <p:bldP spid="106" grpId="0" animBg="1"/>
+      <p:bldP spid="106" grpId="1" animBg="1"/>
+      <p:bldP spid="109" grpId="0"/>
+      <p:bldP spid="110" grpId="0"/>
+      <p:bldP spid="111" grpId="0"/>
+      <p:bldP spid="112" grpId="0"/>
+      <p:bldP spid="112" grpId="1"/>
+      <p:bldP spid="113" grpId="0"/>
+      <p:bldP spid="113" grpId="1"/>
+      <p:bldP spid="114" grpId="0"/>
+      <p:bldP spid="115" grpId="0"/>
+      <p:bldP spid="115" grpId="1"/>
+      <p:bldP spid="116" grpId="0"/>
+      <p:bldP spid="116" grpId="1"/>
+      <p:bldP spid="117" grpId="0"/>
+      <p:bldP spid="118" grpId="0"/>
+      <p:bldP spid="119" grpId="0"/>
+      <p:bldP spid="120" grpId="0"/>
+      <p:bldP spid="120" grpId="1"/>
+      <p:bldP spid="121" grpId="0"/>
+      <p:bldP spid="121" grpId="1"/>
+      <p:bldP spid="122" grpId="0"/>
+      <p:bldP spid="123" grpId="0"/>
+      <p:bldP spid="123" grpId="1"/>
+      <p:bldP spid="124" grpId="0"/>
+      <p:bldP spid="124" grpId="1"/>
+      <p:bldP spid="125" grpId="0"/>
+      <p:bldP spid="126" grpId="0"/>
+      <p:bldP spid="127" grpId="0"/>
+      <p:bldP spid="128" grpId="0"/>
+      <p:bldP spid="129" grpId="0"/>
+      <p:bldP spid="129" grpId="1"/>
+      <p:bldP spid="130" grpId="0"/>
+      <p:bldP spid="130" grpId="1"/>
+      <p:bldP spid="131" grpId="0"/>
+      <p:bldP spid="132" grpId="0"/>
+      <p:bldP spid="132" grpId="1"/>
+      <p:bldP spid="133" grpId="0"/>
+      <p:bldP spid="133" grpId="1"/>
+      <p:bldP spid="134" grpId="0"/>
+      <p:bldP spid="135" grpId="0"/>
+      <p:bldP spid="136" grpId="0"/>
+      <p:bldP spid="137" grpId="0"/>
+      <p:bldP spid="137" grpId="1"/>
+      <p:bldP spid="138" grpId="0"/>
+      <p:bldP spid="138" grpId="1"/>
+      <p:bldP spid="139" grpId="0"/>
+      <p:bldP spid="140" grpId="0"/>
+      <p:bldP spid="140" grpId="1"/>
+      <p:bldP spid="141" grpId="0"/>
+      <p:bldP spid="141" grpId="1"/>
+      <p:bldP spid="142" grpId="0"/>
+      <p:bldP spid="143" grpId="0"/>
+      <p:bldP spid="144" grpId="0"/>
+      <p:bldP spid="145" grpId="0"/>
+      <p:bldP spid="146" grpId="0"/>
+      <p:bldP spid="147" grpId="0"/>
+      <p:bldP spid="147" grpId="1"/>
+      <p:bldP spid="148" grpId="0"/>
+      <p:bldP spid="148" grpId="1"/>
+      <p:bldP spid="149" grpId="0"/>
+      <p:bldP spid="150" grpId="0"/>
+      <p:bldP spid="150" grpId="1"/>
+      <p:bldP spid="151" grpId="0"/>
+      <p:bldP spid="151" grpId="1"/>
+      <p:bldP spid="152" grpId="0"/>
+      <p:bldP spid="153" grpId="0"/>
+      <p:bldP spid="154" grpId="0"/>
+      <p:bldP spid="155" grpId="0"/>
+      <p:bldP spid="156" grpId="0"/>
+      <p:bldP spid="157" grpId="0"/>
+      <p:bldP spid="157" grpId="1"/>
+      <p:bldP spid="158" grpId="0"/>
+      <p:bldP spid="158" grpId="1"/>
+      <p:bldP spid="159" grpId="0"/>
+      <p:bldP spid="160" grpId="0"/>
+      <p:bldP spid="160" grpId="1"/>
+      <p:bldP spid="161" grpId="0"/>
+      <p:bldP spid="161" grpId="1"/>
+      <p:bldP spid="163" grpId="0"/>
+      <p:bldP spid="164" grpId="0"/>
+      <p:bldP spid="165" grpId="0"/>
+      <p:bldP spid="166" grpId="0"/>
+      <p:bldP spid="166" grpId="1"/>
+      <p:bldP spid="167" grpId="0"/>
+      <p:bldP spid="167" grpId="1"/>
+      <p:bldP spid="168" grpId="0"/>
+      <p:bldP spid="169" grpId="0"/>
+      <p:bldP spid="169" grpId="1"/>
+      <p:bldP spid="170" grpId="0"/>
+      <p:bldP spid="170" grpId="1"/>
+      <p:bldP spid="171" grpId="0"/>
+      <p:bldP spid="171" grpId="1"/>
+      <p:bldP spid="172" grpId="0"/>
+      <p:bldP spid="173" grpId="0"/>
+      <p:bldP spid="174" grpId="0"/>
+      <p:bldP spid="175" grpId="0"/>
+      <p:bldP spid="176" grpId="0"/>
+      <p:bldP spid="176" grpId="1"/>
+      <p:bldP spid="177" grpId="0"/>
+      <p:bldP spid="177" grpId="1"/>
+      <p:bldP spid="178" grpId="0"/>
+      <p:bldP spid="179" grpId="0"/>
+      <p:bldP spid="179" grpId="1"/>
+      <p:bldP spid="180" grpId="0"/>
+      <p:bldP spid="180" grpId="1"/>
+      <p:bldP spid="182" grpId="0"/>
+      <p:bldP spid="183" grpId="0"/>
+      <p:bldP spid="184" grpId="0"/>
+      <p:bldP spid="184" grpId="1"/>
+      <p:bldP spid="185" grpId="0"/>
+      <p:bldP spid="185" grpId="1"/>
+      <p:bldP spid="186" grpId="0"/>
+      <p:bldP spid="187" grpId="0"/>
+      <p:bldP spid="187" grpId="1"/>
+      <p:bldP spid="188" grpId="0"/>
+      <p:bldP spid="188" grpId="1"/>
+      <p:bldP spid="189" grpId="0"/>
+      <p:bldP spid="189" grpId="1"/>
+      <p:bldP spid="190" grpId="0"/>
+      <p:bldP spid="191" grpId="0"/>
+      <p:bldP spid="192" grpId="0"/>
+      <p:bldP spid="193" grpId="0"/>
+      <p:bldP spid="195" grpId="0"/>
+      <p:bldP spid="196" grpId="0"/>
+      <p:bldP spid="197" grpId="0"/>
+      <p:bldP spid="197" grpId="1"/>
+      <p:bldP spid="198" grpId="0"/>
+      <p:bldP spid="198" grpId="1"/>
+      <p:bldP spid="199" grpId="0"/>
+      <p:bldP spid="200" grpId="0"/>
+      <p:bldP spid="200" grpId="1"/>
+      <p:bldP spid="201" grpId="0"/>
+      <p:bldP spid="201" grpId="1"/>
+      <p:bldP spid="202" grpId="0"/>
+      <p:bldP spid="202" grpId="1"/>
+      <p:bldP spid="203" grpId="0"/>
+      <p:bldP spid="203" grpId="1"/>
+    </p:bldLst>
+  </p:timing>
 </p:sld>
 </file>
 
@@ -33887,11 +41994,10 @@
           <a:bodyPr/>
           <a:lstStyle/>
           <a:p>
-            <a:fld id="{7858EF83-5965-4AF8-9DE8-82F677B09B54}" type="datetime1">
-              <a:rPr lang="de-DE" smtClean="0"/>
-              <a:t>18.06.2018</a:t>
-            </a:fld>
-            <a:endParaRPr lang="de-DE"/>
+            <a:r>
+              <a:rPr lang="de-DE"/>
+              <a:t>02.07.2018</a:t>
+            </a:r>
           </a:p>
         </p:txBody>
       </p:sp>
@@ -33953,8 +42059,8 @@
         </p:blipFill>
         <p:spPr bwMode="auto">
           <a:xfrm>
-            <a:off x="1097280" y="2415500"/>
-            <a:ext cx="4384195" cy="1394174"/>
+            <a:off x="1171585" y="2848589"/>
+            <a:ext cx="2761488" cy="878153"/>
           </a:xfrm>
           <a:prstGeom prst="rect">
             <a:avLst/>
@@ -33993,8 +42099,8 @@
         </p:blipFill>
         <p:spPr>
           <a:xfrm>
-            <a:off x="5533271" y="2415500"/>
-            <a:ext cx="5679212" cy="1394174"/>
+            <a:off x="7827650" y="2842301"/>
+            <a:ext cx="3235825" cy="794354"/>
           </a:xfrm>
           <a:prstGeom prst="rect">
             <a:avLst/>
@@ -34266,7 +42372,7 @@
           <a:p>
             <a:r>
               <a:rPr lang="de-DE" dirty="0"/>
-              <a:t>Das Ziel des Lasttests</a:t>
+              <a:t>Setup des Endpoints</a:t>
             </a:r>
           </a:p>
         </p:txBody>
@@ -34292,11 +42398,10 @@
           <a:bodyPr/>
           <a:lstStyle/>
           <a:p>
-            <a:fld id="{7736C446-317E-49E7-ADCD-DA06ECC51C08}" type="datetime1">
-              <a:rPr lang="de-DE" smtClean="0"/>
-              <a:t>18.06.2018</a:t>
-            </a:fld>
-            <a:endParaRPr lang="de-DE"/>
+            <a:r>
+              <a:rPr lang="de-DE"/>
+              <a:t>02.07.2018</a:t>
+            </a:r>
           </a:p>
         </p:txBody>
       </p:sp>
@@ -34412,7 +42517,7 @@
           <a:p>
             <a:r>
               <a:rPr lang="de-DE" dirty="0"/>
-              <a:t>Testszenario</a:t>
+              <a:t>Wie sieht das Testszenario aus?</a:t>
             </a:r>
           </a:p>
         </p:txBody>
@@ -34438,11 +42543,10 @@
           <a:bodyPr/>
           <a:lstStyle/>
           <a:p>
-            <a:fld id="{4C0B1892-615A-4EE1-81D8-E7473EB75E35}" type="datetime1">
-              <a:rPr lang="de-DE" smtClean="0"/>
-              <a:t>18.06.2018</a:t>
-            </a:fld>
-            <a:endParaRPr lang="de-DE"/>
+            <a:r>
+              <a:rPr lang="de-DE"/>
+              <a:t>02.07.2018</a:t>
+            </a:r>
           </a:p>
         </p:txBody>
       </p:sp>
@@ -36450,6 +44554,65 @@
             </a:r>
             <a:endParaRPr lang="de-DE" dirty="0"/>
           </a:p>
+          <a:p>
+            <a:pPr lvl="1">
+              <a:buFont typeface="Wingdings" panose="05000000000000000000" pitchFamily="2" charset="2"/>
+              <a:buChar char="Ø"/>
+            </a:pPr>
+            <a:endParaRPr lang="de-DE" dirty="0"/>
+          </a:p>
+          <a:p>
+            <a:pPr>
+              <a:buFont typeface="Wingdings" panose="05000000000000000000" pitchFamily="2" charset="2"/>
+              <a:buChar char="Ø"/>
+            </a:pPr>
+            <a:r>
+              <a:rPr lang="de-DE" dirty="0"/>
+              <a:t> Testszenarien (siehe Abbildung):</a:t>
+            </a:r>
+          </a:p>
+          <a:p>
+            <a:pPr lvl="1">
+              <a:buFont typeface="Wingdings" panose="05000000000000000000" pitchFamily="2" charset="2"/>
+              <a:buChar char="Ø"/>
+            </a:pPr>
+            <a:r>
+              <a:rPr lang="de-DE" dirty="0"/>
+              <a:t>Gatling in Scala Klasse</a:t>
+            </a:r>
+          </a:p>
+          <a:p>
+            <a:pPr lvl="1">
+              <a:buFont typeface="Wingdings" panose="05000000000000000000" pitchFamily="2" charset="2"/>
+              <a:buChar char="Ø"/>
+            </a:pPr>
+            <a:r>
+              <a:rPr lang="de-DE" dirty="0" err="1"/>
+              <a:t>Locust</a:t>
+            </a:r>
+            <a:r>
+              <a:rPr lang="de-DE" dirty="0"/>
+              <a:t> als Python File</a:t>
+            </a:r>
+          </a:p>
+          <a:p>
+            <a:pPr lvl="1">
+              <a:buFont typeface="Wingdings" panose="05000000000000000000" pitchFamily="2" charset="2"/>
+              <a:buChar char="Ø"/>
+            </a:pPr>
+            <a:r>
+              <a:rPr lang="de-DE" dirty="0"/>
+              <a:t> </a:t>
+            </a:r>
+            <a:r>
+              <a:rPr lang="de-DE" dirty="0" err="1"/>
+              <a:t>Artillery</a:t>
+            </a:r>
+            <a:r>
+              <a:rPr lang="de-DE" dirty="0"/>
+              <a:t> als YAML-File</a:t>
+            </a:r>
+          </a:p>
         </p:txBody>
       </p:sp>
       <p:sp>
@@ -36473,11 +44636,10 @@
           <a:bodyPr/>
           <a:lstStyle/>
           <a:p>
-            <a:fld id="{7858EF83-5965-4AF8-9DE8-82F677B09B54}" type="datetime1">
-              <a:rPr lang="de-DE" smtClean="0"/>
-              <a:t>18.06.2018</a:t>
-            </a:fld>
-            <a:endParaRPr lang="de-DE"/>
+            <a:r>
+              <a:rPr lang="de-DE"/>
+              <a:t>02.07.2018</a:t>
+            </a:r>
           </a:p>
         </p:txBody>
       </p:sp>

--- a/LoadTesting.pptx
+++ b/LoadTesting.pptx
@@ -4680,14 +4680,14 @@
             <p:ph idx="1"/>
             <p:extLst>
               <p:ext uri="{D42A27DB-BD31-4B8C-83A1-F6EECF244321}">
-                <p14:modId xmlns:p14="http://schemas.microsoft.com/office/powerpoint/2010/main" val="2356859967"/>
+                <p14:modId xmlns:p14="http://schemas.microsoft.com/office/powerpoint/2010/main" val="3887764731"/>
               </p:ext>
             </p:extLst>
           </p:nvPr>
         </p:nvGraphicFramePr>
         <p:xfrm>
           <a:off x="146304" y="1827975"/>
-          <a:ext cx="11914316" cy="4399280"/>
+          <a:ext cx="11914316" cy="4673600"/>
         </p:xfrm>
         <a:graphic>
           <a:graphicData uri="http://schemas.openxmlformats.org/drawingml/2006/table">
@@ -5004,7 +5004,15 @@
                       </a:pPr>
                       <a:r>
                         <a:rPr lang="de-DE" dirty="0"/>
-                        <a:t>Testreport als HTML</a:t>
+                        <a:t>Testreport als HTML (</a:t>
+                      </a:r>
+                      <a:r>
+                        <a:rPr lang="de-DE" dirty="0" err="1"/>
+                        <a:t>default</a:t>
+                      </a:r>
+                      <a:r>
+                        <a:rPr lang="de-DE" dirty="0"/>
+                        <a:t>)</a:t>
                       </a:r>
                     </a:p>
                   </a:txBody>
@@ -5058,7 +5066,15 @@
                       </a:pPr>
                       <a:r>
                         <a:rPr lang="de-DE" dirty="0"/>
-                        <a:t>Testreport als HTML</a:t>
+                        <a:t>Testreport als HTML (nicht </a:t>
+                      </a:r>
+                      <a:r>
+                        <a:rPr lang="de-DE" dirty="0" err="1"/>
+                        <a:t>default</a:t>
+                      </a:r>
+                      <a:r>
+                        <a:rPr lang="de-DE" dirty="0"/>
+                        <a:t>)</a:t>
                       </a:r>
                     </a:p>
                   </a:txBody>
@@ -5095,7 +5111,7 @@
                       </a:pPr>
                       <a:r>
                         <a:rPr lang="de-DE" dirty="0"/>
-                        <a:t>Keine Scala Kenntnisse notwendig</a:t>
+                        <a:t>Keine Scala Kenntnisse notwendig (Doku erklärt notwendiges)</a:t>
                       </a:r>
                     </a:p>
                   </a:txBody>

--- a/LoadTesting.pptx
+++ b/LoadTesting.pptx
@@ -5,7 +5,7 @@
     <p:sldMasterId id="2147483672" r:id="rId1"/>
   </p:sldMasterIdLst>
   <p:notesMasterIdLst>
-    <p:notesMasterId r:id="rId13"/>
+    <p:notesMasterId r:id="rId14"/>
   </p:notesMasterIdLst>
   <p:sldIdLst>
     <p:sldId id="256" r:id="rId2"/>
@@ -18,7 +18,8 @@
     <p:sldId id="291" r:id="rId9"/>
     <p:sldId id="295" r:id="rId10"/>
     <p:sldId id="293" r:id="rId11"/>
-    <p:sldId id="288" r:id="rId12"/>
+    <p:sldId id="296" r:id="rId12"/>
+    <p:sldId id="288" r:id="rId13"/>
   </p:sldIdLst>
   <p:sldSz cx="12192000" cy="6858000"/>
   <p:notesSz cx="6858000" cy="9144000"/>
@@ -211,7 +212,7 @@
           <a:p>
             <a:fld id="{7F7A1CCF-3A8B-40F6-A64D-2A4687177E43}" type="datetimeFigureOut">
               <a:rPr lang="de-DE" smtClean="0"/>
-              <a:t>24.06.2018</a:t>
+              <a:t>26.06.2018</a:t>
             </a:fld>
             <a:endParaRPr lang="de-DE"/>
           </a:p>
@@ -618,6 +619,153 @@
     <p:extLst>
       <p:ext uri="{BB962C8B-B14F-4D97-AF65-F5344CB8AC3E}">
         <p14:creationId xmlns:p14="http://schemas.microsoft.com/office/powerpoint/2010/main" val="2049720491"/>
+      </p:ext>
+    </p:extLst>
+  </p:cSld>
+  <p:clrMapOvr>
+    <a:masterClrMapping/>
+  </p:clrMapOvr>
+</p:notes>
+</file>
+
+<file path=ppt/notesSlides/notesSlide2.xml><?xml version="1.0" encoding="utf-8"?>
+<p:notes xmlns:a="http://schemas.openxmlformats.org/drawingml/2006/main" xmlns:r="http://schemas.openxmlformats.org/officeDocument/2006/relationships" xmlns:p="http://schemas.openxmlformats.org/presentationml/2006/main">
+  <p:cSld>
+    <p:spTree>
+      <p:nvGrpSpPr>
+        <p:cNvPr id="1" name=""/>
+        <p:cNvGrpSpPr/>
+        <p:nvPr/>
+      </p:nvGrpSpPr>
+      <p:grpSpPr>
+        <a:xfrm>
+          <a:off x="0" y="0"/>
+          <a:ext cx="0" cy="0"/>
+          <a:chOff x="0" y="0"/>
+          <a:chExt cx="0" cy="0"/>
+        </a:xfrm>
+      </p:grpSpPr>
+      <p:sp>
+        <p:nvSpPr>
+          <p:cNvPr id="2" name="Folienbildplatzhalter 1"/>
+          <p:cNvSpPr>
+            <a:spLocks noGrp="1" noRot="1" noChangeAspect="1"/>
+          </p:cNvSpPr>
+          <p:nvPr>
+            <p:ph type="sldImg"/>
+          </p:nvPr>
+        </p:nvSpPr>
+        <p:spPr/>
+      </p:sp>
+      <p:sp>
+        <p:nvSpPr>
+          <p:cNvPr id="3" name="Notizenplatzhalter 2"/>
+          <p:cNvSpPr>
+            <a:spLocks noGrp="1"/>
+          </p:cNvSpPr>
+          <p:nvPr>
+            <p:ph type="body" idx="1"/>
+          </p:nvPr>
+        </p:nvSpPr>
+        <p:spPr/>
+        <p:txBody>
+          <a:bodyPr/>
+          <a:lstStyle/>
+          <a:p>
+            <a:r>
+              <a:rPr lang="de-DE" dirty="0"/>
+              <a:t>Gegenargumente:</a:t>
+            </a:r>
+          </a:p>
+          <a:p>
+            <a:pPr marL="171450" indent="-171450">
+              <a:buFontTx/>
+              <a:buChar char="-"/>
+            </a:pPr>
+            <a:r>
+              <a:rPr lang="de-DE" dirty="0" err="1"/>
+              <a:t>Slapper</a:t>
+            </a:r>
+            <a:r>
+              <a:rPr lang="de-DE" dirty="0"/>
+              <a:t>: CLI-Tool für simple Tests; Für Vergleich nicht genügend</a:t>
+            </a:r>
+          </a:p>
+          <a:p>
+            <a:pPr marL="171450" indent="-171450">
+              <a:buFontTx/>
+              <a:buChar char="-"/>
+            </a:pPr>
+            <a:r>
+              <a:rPr lang="de-DE" dirty="0" err="1"/>
+              <a:t>nGrinder</a:t>
+            </a:r>
+            <a:r>
+              <a:rPr lang="de-DE" dirty="0"/>
+              <a:t>: Geringes Interesse -&gt; keine hohe Verbreitung</a:t>
+            </a:r>
+          </a:p>
+          <a:p>
+            <a:pPr marL="171450" indent="-171450">
+              <a:buFontTx/>
+              <a:buChar char="-"/>
+            </a:pPr>
+            <a:r>
+              <a:rPr lang="de-DE" dirty="0"/>
+              <a:t>Apache Bench: CLI-Tool simple Tests</a:t>
+            </a:r>
+          </a:p>
+          <a:p>
+            <a:pPr marL="171450" indent="-171450">
+              <a:buFontTx/>
+              <a:buChar char="-"/>
+            </a:pPr>
+            <a:r>
+              <a:rPr lang="de-DE" dirty="0"/>
+              <a:t>k6: Keine Stable Version, kein </a:t>
+            </a:r>
+            <a:r>
+              <a:rPr lang="de-DE" dirty="0" err="1"/>
+              <a:t>OpenHub</a:t>
+            </a:r>
+            <a:r>
+              <a:rPr lang="de-DE" dirty="0"/>
+              <a:t>, </a:t>
+            </a:r>
+            <a:r>
+              <a:rPr lang="de-DE"/>
+              <a:t>AGPL Lizenz</a:t>
+            </a:r>
+          </a:p>
+        </p:txBody>
+      </p:sp>
+      <p:sp>
+        <p:nvSpPr>
+          <p:cNvPr id="4" name="Foliennummernplatzhalter 3"/>
+          <p:cNvSpPr>
+            <a:spLocks noGrp="1"/>
+          </p:cNvSpPr>
+          <p:nvPr>
+            <p:ph type="sldNum" sz="quarter" idx="10"/>
+          </p:nvPr>
+        </p:nvSpPr>
+        <p:spPr/>
+        <p:txBody>
+          <a:bodyPr/>
+          <a:lstStyle/>
+          <a:p>
+            <a:fld id="{D14C2DC8-7E40-4960-AC23-B60999404DF0}" type="slidenum">
+              <a:rPr lang="de-DE" smtClean="0"/>
+              <a:t>5</a:t>
+            </a:fld>
+            <a:endParaRPr lang="de-DE"/>
+          </a:p>
+        </p:txBody>
+      </p:sp>
+    </p:spTree>
+    <p:extLst>
+      <p:ext uri="{BB962C8B-B14F-4D97-AF65-F5344CB8AC3E}">
+        <p14:creationId xmlns:p14="http://schemas.microsoft.com/office/powerpoint/2010/main" val="2713186303"/>
       </p:ext>
     </p:extLst>
   </p:cSld>
@@ -4680,14 +4828,14 @@
             <p:ph idx="1"/>
             <p:extLst>
               <p:ext uri="{D42A27DB-BD31-4B8C-83A1-F6EECF244321}">
-                <p14:modId xmlns:p14="http://schemas.microsoft.com/office/powerpoint/2010/main" val="3887764731"/>
+                <p14:modId xmlns:p14="http://schemas.microsoft.com/office/powerpoint/2010/main" val="3386998633"/>
               </p:ext>
             </p:extLst>
           </p:nvPr>
         </p:nvGraphicFramePr>
         <p:xfrm>
           <a:off x="146304" y="1827975"/>
-          <a:ext cx="11914316" cy="4673600"/>
+          <a:ext cx="11955384" cy="4033520"/>
         </p:xfrm>
         <a:graphic>
           <a:graphicData uri="http://schemas.openxmlformats.org/drawingml/2006/table">
@@ -4696,28 +4844,28 @@
                 <a:tableStyleId>{5C22544A-7EE6-4342-B048-85BDC9FD1C3A}</a:tableStyleId>
               </a:tblPr>
               <a:tblGrid>
-                <a:gridCol w="2978579">
+                <a:gridCol w="2824770">
                   <a:extLst>
                     <a:ext uri="{9D8B030D-6E8A-4147-A177-3AD203B41FA5}">
                       <a16:colId xmlns:a16="http://schemas.microsoft.com/office/drawing/2014/main" val="4043243373"/>
                     </a:ext>
                   </a:extLst>
                 </a:gridCol>
-                <a:gridCol w="2978579">
+                <a:gridCol w="2517927">
                   <a:extLst>
                     <a:ext uri="{9D8B030D-6E8A-4147-A177-3AD203B41FA5}">
                       <a16:colId xmlns:a16="http://schemas.microsoft.com/office/drawing/2014/main" val="3224653980"/>
                     </a:ext>
                   </a:extLst>
                 </a:gridCol>
-                <a:gridCol w="2978579">
+                <a:gridCol w="3787917">
                   <a:extLst>
                     <a:ext uri="{9D8B030D-6E8A-4147-A177-3AD203B41FA5}">
                       <a16:colId xmlns:a16="http://schemas.microsoft.com/office/drawing/2014/main" val="1500568629"/>
                     </a:ext>
                   </a:extLst>
                 </a:gridCol>
-                <a:gridCol w="2978579">
+                <a:gridCol w="2824770">
                   <a:extLst>
                     <a:ext uri="{9D8B030D-6E8A-4147-A177-3AD203B41FA5}">
                       <a16:colId xmlns:a16="http://schemas.microsoft.com/office/drawing/2014/main" val="829322388"/>
@@ -4732,7 +4880,7 @@
                     <a:lstStyle/>
                     <a:p>
                       <a:r>
-                        <a:rPr lang="de-DE" dirty="0"/>
+                        <a:rPr lang="de-DE" sz="1600" dirty="0"/>
                         <a:t>Kriterium</a:t>
                       </a:r>
                     </a:p>
@@ -4745,7 +4893,7 @@
                     <a:lstStyle/>
                     <a:p>
                       <a:r>
-                        <a:rPr lang="de-DE" dirty="0"/>
+                        <a:rPr lang="de-DE" sz="1600" dirty="0"/>
                         <a:t>Gatling</a:t>
                       </a:r>
                     </a:p>
@@ -4758,10 +4906,10 @@
                     <a:lstStyle/>
                     <a:p>
                       <a:r>
-                        <a:rPr lang="de-DE" dirty="0" err="1"/>
+                        <a:rPr lang="de-DE" sz="1600" dirty="0" err="1"/>
                         <a:t>Locust</a:t>
                       </a:r>
-                      <a:endParaRPr lang="de-DE" dirty="0"/>
+                      <a:endParaRPr lang="de-DE" sz="1600" dirty="0"/>
                     </a:p>
                   </a:txBody>
                   <a:tcPr/>
@@ -4772,10 +4920,10 @@
                     <a:lstStyle/>
                     <a:p>
                       <a:r>
-                        <a:rPr lang="de-DE" dirty="0" err="1"/>
+                        <a:rPr lang="de-DE" sz="1600" dirty="0" err="1"/>
                         <a:t>Artillery</a:t>
                       </a:r>
-                      <a:endParaRPr lang="de-DE" dirty="0"/>
+                      <a:endParaRPr lang="de-DE" sz="1600" dirty="0"/>
                     </a:p>
                   </a:txBody>
                   <a:tcPr/>
@@ -4793,7 +4941,7 @@
                     <a:lstStyle/>
                     <a:p>
                       <a:r>
-                        <a:rPr lang="de-DE" dirty="0"/>
+                        <a:rPr lang="de-DE" sz="1600" dirty="0"/>
                         <a:t>Voraussetzungen</a:t>
                       </a:r>
                     </a:p>
@@ -4810,7 +4958,7 @@
                         <a:buChar char="•"/>
                       </a:pPr>
                       <a:r>
-                        <a:rPr lang="de-DE" dirty="0"/>
+                        <a:rPr lang="de-DE" sz="1600" dirty="0"/>
                         <a:t>JDK8</a:t>
                       </a:r>
                     </a:p>
@@ -4827,7 +4975,7 @@
                         <a:buChar char="•"/>
                       </a:pPr>
                       <a:r>
-                        <a:rPr lang="de-DE" dirty="0"/>
+                        <a:rPr lang="de-DE" sz="1600" dirty="0"/>
                         <a:t>Python 2.x bzw. 3.x</a:t>
                       </a:r>
                     </a:p>
@@ -4844,7 +4992,7 @@
                         <a:buChar char="•"/>
                       </a:pPr>
                       <a:r>
-                        <a:rPr lang="de-DE" dirty="0"/>
+                        <a:rPr lang="de-DE" sz="1600" dirty="0"/>
                         <a:t>Node.js</a:t>
                       </a:r>
                     </a:p>
@@ -4864,7 +5012,7 @@
                     <a:lstStyle/>
                     <a:p>
                       <a:r>
-                        <a:rPr lang="de-DE" dirty="0"/>
+                        <a:rPr lang="de-DE" sz="1600" dirty="0"/>
                         <a:t>Installationsmöglichkeiten</a:t>
                       </a:r>
                     </a:p>
@@ -4881,10 +5029,10 @@
                         <a:buChar char="•"/>
                       </a:pPr>
                       <a:r>
-                        <a:rPr lang="de-DE" dirty="0" err="1"/>
+                        <a:rPr lang="de-DE" sz="1600" dirty="0" err="1"/>
                         <a:t>Gradle</a:t>
                       </a:r>
-                      <a:endParaRPr lang="de-DE" dirty="0"/>
+                      <a:endParaRPr lang="de-DE" sz="1600" dirty="0"/>
                     </a:p>
                     <a:p>
                       <a:pPr marL="285750" indent="-285750">
@@ -4892,7 +5040,7 @@
                         <a:buChar char="•"/>
                       </a:pPr>
                       <a:r>
-                        <a:rPr lang="de-DE" dirty="0"/>
+                        <a:rPr lang="de-DE" sz="1600" dirty="0"/>
                         <a:t>ZIP Bundle</a:t>
                       </a:r>
                     </a:p>
@@ -4902,7 +5050,7 @@
                         <a:buChar char="•"/>
                       </a:pPr>
                       <a:r>
-                        <a:rPr lang="de-DE" dirty="0"/>
+                        <a:rPr lang="de-DE" sz="1600" dirty="0"/>
                         <a:t>Maven</a:t>
                       </a:r>
                     </a:p>
@@ -4919,14 +5067,14 @@
                         <a:buChar char="•"/>
                       </a:pPr>
                       <a:r>
-                        <a:rPr lang="de-DE" dirty="0"/>
+                        <a:rPr lang="de-DE" sz="1600" dirty="0"/>
                         <a:t>Python </a:t>
                       </a:r>
                       <a:r>
-                        <a:rPr lang="de-DE" dirty="0" err="1"/>
+                        <a:rPr lang="de-DE" sz="1600" dirty="0" err="1"/>
                         <a:t>pip</a:t>
                       </a:r>
-                      <a:endParaRPr lang="de-DE" dirty="0"/>
+                      <a:endParaRPr lang="de-DE" sz="1600" dirty="0"/>
                     </a:p>
                     <a:p>
                       <a:pPr marL="285750" indent="-285750">
@@ -4934,11 +5082,11 @@
                         <a:buChar char="•"/>
                       </a:pPr>
                       <a:r>
-                        <a:rPr lang="de-DE" dirty="0" err="1"/>
+                        <a:rPr lang="de-DE" sz="1600" dirty="0" err="1"/>
                         <a:t>Homebrew</a:t>
                       </a:r>
                       <a:r>
-                        <a:rPr lang="de-DE" dirty="0"/>
+                        <a:rPr lang="de-DE" sz="1600" dirty="0"/>
                         <a:t> (Mac)</a:t>
                       </a:r>
                     </a:p>
@@ -4955,10 +5103,10 @@
                         <a:buChar char="•"/>
                       </a:pPr>
                       <a:r>
-                        <a:rPr lang="de-DE" dirty="0" err="1"/>
+                        <a:rPr lang="de-DE" sz="1600" dirty="0" err="1"/>
                         <a:t>Npm</a:t>
                       </a:r>
-                      <a:endParaRPr lang="de-DE" dirty="0"/>
+                      <a:endParaRPr lang="de-DE" sz="1600" dirty="0"/>
                     </a:p>
                   </a:txBody>
                   <a:tcPr/>
@@ -4976,7 +5124,7 @@
                     <a:lstStyle/>
                     <a:p>
                       <a:r>
-                        <a:rPr lang="de-DE" dirty="0"/>
+                        <a:rPr lang="de-DE" sz="1600" dirty="0"/>
                         <a:t>Auswertbarkeit</a:t>
                       </a:r>
                     </a:p>
@@ -4993,7 +5141,7 @@
                         <a:buChar char="•"/>
                       </a:pPr>
                       <a:r>
-                        <a:rPr lang="de-DE" dirty="0"/>
+                        <a:rPr lang="de-DE" sz="1600" dirty="0"/>
                         <a:t>Ausgabe in Konsole</a:t>
                       </a:r>
                     </a:p>
@@ -5003,16 +5151,8 @@
                         <a:buChar char="•"/>
                       </a:pPr>
                       <a:r>
-                        <a:rPr lang="de-DE" dirty="0"/>
-                        <a:t>Testreport als HTML (</a:t>
-                      </a:r>
-                      <a:r>
-                        <a:rPr lang="de-DE" dirty="0" err="1"/>
-                        <a:t>default</a:t>
-                      </a:r>
-                      <a:r>
-                        <a:rPr lang="de-DE" dirty="0"/>
-                        <a:t>)</a:t>
+                        <a:rPr lang="de-DE" sz="1600" dirty="0"/>
+                        <a:t>Testreport als HTML</a:t>
                       </a:r>
                     </a:p>
                   </a:txBody>
@@ -5028,7 +5168,7 @@
                         <a:buChar char="•"/>
                       </a:pPr>
                       <a:r>
-                        <a:rPr lang="de-DE" dirty="0"/>
+                        <a:rPr lang="de-DE" sz="1600" dirty="0"/>
                         <a:t>Live-Dashboard (Browser)</a:t>
                       </a:r>
                     </a:p>
@@ -5038,7 +5178,7 @@
                         <a:buChar char="•"/>
                       </a:pPr>
                       <a:r>
-                        <a:rPr lang="de-DE" dirty="0"/>
+                        <a:rPr lang="de-DE" sz="1600" dirty="0"/>
                         <a:t>Report nach Testlauf</a:t>
                       </a:r>
                     </a:p>
@@ -5055,7 +5195,7 @@
                         <a:buChar char="•"/>
                       </a:pPr>
                       <a:r>
-                        <a:rPr lang="de-DE" dirty="0"/>
+                        <a:rPr lang="de-DE" sz="1600" dirty="0"/>
                         <a:t>Ausgabe in Konsole</a:t>
                       </a:r>
                     </a:p>
@@ -5065,16 +5205,8 @@
                         <a:buChar char="•"/>
                       </a:pPr>
                       <a:r>
-                        <a:rPr lang="de-DE" dirty="0"/>
-                        <a:t>Testreport als HTML (nicht </a:t>
-                      </a:r>
-                      <a:r>
-                        <a:rPr lang="de-DE" dirty="0" err="1"/>
-                        <a:t>default</a:t>
-                      </a:r>
-                      <a:r>
-                        <a:rPr lang="de-DE" dirty="0"/>
-                        <a:t>)</a:t>
+                        <a:rPr lang="de-DE" sz="1600" dirty="0"/>
+                        <a:t>Testreport als HTML</a:t>
                       </a:r>
                     </a:p>
                   </a:txBody>
@@ -5093,7 +5225,7 @@
                     <a:lstStyle/>
                     <a:p>
                       <a:r>
-                        <a:rPr lang="de-DE" dirty="0"/>
+                        <a:rPr lang="de-DE" sz="1600" dirty="0"/>
                         <a:t>Usability</a:t>
                       </a:r>
                     </a:p>
@@ -5110,8 +5242,8 @@
                         <a:buChar char="•"/>
                       </a:pPr>
                       <a:r>
-                        <a:rPr lang="de-DE" dirty="0"/>
-                        <a:t>Keine Scala Kenntnisse notwendig (Doku erklärt notwendiges)</a:t>
+                        <a:rPr lang="de-DE" sz="1600" dirty="0"/>
+                        <a:t>Keine Scala Kenntnisse notwendig</a:t>
                       </a:r>
                     </a:p>
                   </a:txBody>
@@ -5127,34 +5259,8 @@
                         <a:buChar char="•"/>
                       </a:pPr>
                       <a:r>
-                        <a:rPr lang="de-DE" dirty="0"/>
+                        <a:rPr lang="de-DE" sz="1600" dirty="0"/>
                         <a:t>Python Kenntnisse (Bsp. CSV-Feeder)</a:t>
-                      </a:r>
-                    </a:p>
-                    <a:p>
-                      <a:pPr marL="285750" indent="-285750">
-                        <a:buFont typeface="Arial" panose="020B0604020202020204" pitchFamily="34" charset="0"/>
-                        <a:buChar char="•"/>
-                      </a:pPr>
-                      <a:r>
-                        <a:rPr lang="de-DE" dirty="0"/>
-                        <a:t>Lokal umständlicher (</a:t>
-                      </a:r>
-                      <a:r>
-                        <a:rPr lang="de-DE" dirty="0" err="1"/>
-                        <a:t>WebUI</a:t>
-                      </a:r>
-                      <a:r>
-                        <a:rPr lang="de-DE" dirty="0"/>
-                        <a:t> zur User </a:t>
-                      </a:r>
-                      <a:r>
-                        <a:rPr lang="de-DE" dirty="0" err="1"/>
-                        <a:t>Config</a:t>
-                      </a:r>
-                      <a:r>
-                        <a:rPr lang="de-DE" dirty="0"/>
-                        <a:t>)</a:t>
                       </a:r>
                     </a:p>
                   </a:txBody>
@@ -5170,15 +5276,15 @@
                         <a:buChar char="•"/>
                       </a:pPr>
                       <a:r>
-                        <a:rPr lang="de-DE" dirty="0"/>
+                        <a:rPr lang="de-DE" sz="1600" dirty="0"/>
                         <a:t>Sprechendes Format (.</a:t>
                       </a:r>
                       <a:r>
-                        <a:rPr lang="de-DE" dirty="0" err="1"/>
+                        <a:rPr lang="de-DE" sz="1600" dirty="0" err="1"/>
                         <a:t>yml</a:t>
                       </a:r>
                       <a:r>
-                        <a:rPr lang="de-DE" dirty="0"/>
+                        <a:rPr lang="de-DE" sz="1600" dirty="0"/>
                         <a:t>)</a:t>
                       </a:r>
                     </a:p>
@@ -5198,8 +5304,8 @@
                     <a:lstStyle/>
                     <a:p>
                       <a:r>
-                        <a:rPr lang="de-DE" dirty="0"/>
-                        <a:t>Einschränkungen beim Umsetzen des Tests</a:t>
+                        <a:rPr lang="de-DE" sz="1600" dirty="0"/>
+                        <a:t>Erkenntnisse beim Umsetzen des Showcases</a:t>
                       </a:r>
                     </a:p>
                   </a:txBody>
@@ -5210,8 +5316,12 @@
                     <a:bodyPr/>
                     <a:lstStyle/>
                     <a:p>
+                      <a:pPr marL="285750" indent="-285750">
+                        <a:buFont typeface="Arial" panose="020B0604020202020204" pitchFamily="34" charset="0"/>
+                        <a:buChar char="•"/>
+                      </a:pPr>
                       <a:r>
-                        <a:rPr lang="de-DE" dirty="0"/>
+                        <a:rPr lang="de-DE" sz="1600" dirty="0"/>
                         <a:t>-</a:t>
                       </a:r>
                     </a:p>
@@ -5228,8 +5338,34 @@
                         <a:buChar char="•"/>
                       </a:pPr>
                       <a:r>
-                        <a:rPr lang="de-DE" dirty="0"/>
+                        <a:rPr lang="de-DE" sz="1600" dirty="0"/>
                         <a:t>Kein CSV-Feeder -&gt; manuelles Schreiben einer passenden Methode</a:t>
+                      </a:r>
+                    </a:p>
+                    <a:p>
+                      <a:pPr marL="285750" indent="-285750">
+                        <a:buFont typeface="Arial" panose="020B0604020202020204" pitchFamily="34" charset="0"/>
+                        <a:buChar char="•"/>
+                      </a:pPr>
+                      <a:r>
+                        <a:rPr lang="de-DE" sz="1600" dirty="0"/>
+                        <a:t>Konfiguration von max. </a:t>
+                      </a:r>
+                      <a:r>
+                        <a:rPr lang="de-DE" sz="1600" dirty="0" err="1"/>
+                        <a:t>Userzahl</a:t>
+                      </a:r>
+                      <a:r>
+                        <a:rPr lang="de-DE" sz="1600" dirty="0"/>
+                        <a:t> + </a:t>
+                      </a:r>
+                      <a:r>
+                        <a:rPr lang="de-DE" sz="1600" dirty="0" err="1"/>
+                        <a:t>Hatchrate</a:t>
+                      </a:r>
+                      <a:r>
+                        <a:rPr lang="de-DE" sz="1600" dirty="0"/>
+                        <a:t> (keine zeitliche Änderung möglich)</a:t>
                       </a:r>
                     </a:p>
                   </a:txBody>
@@ -5245,13 +5381,22 @@
                         <a:buChar char="•"/>
                       </a:pPr>
                       <a:r>
-                        <a:rPr lang="de-DE" dirty="0" err="1"/>
+                        <a:rPr lang="de-DE" sz="1600" dirty="0" err="1"/>
                         <a:t>Ramp</a:t>
                       </a:r>
                       <a:r>
-                        <a:rPr lang="de-DE" dirty="0"/>
-                        <a:t>-Up nicht direkt integriert</a:t>
+                        <a:rPr lang="de-DE" sz="1600" dirty="0"/>
+                        <a:t>-Up nicht direkt integriert (</a:t>
                       </a:r>
+                      <a:r>
+                        <a:rPr lang="de-DE" sz="1600" dirty="0" err="1"/>
+                        <a:t>Phases</a:t>
+                      </a:r>
+                      <a:r>
+                        <a:rPr lang="de-DE" sz="1600"/>
+                        <a:t>)</a:t>
+                      </a:r>
+                      <a:endParaRPr lang="de-DE" sz="1600" dirty="0"/>
                     </a:p>
                   </a:txBody>
                   <a:tcPr/>
@@ -5355,6 +5500,208 @@
       </p:grpSpPr>
       <p:sp>
         <p:nvSpPr>
+          <p:cNvPr id="2" name="Titel 1">
+            <a:extLst>
+              <a:ext uri="{FF2B5EF4-FFF2-40B4-BE49-F238E27FC236}">
+                <a16:creationId xmlns:a16="http://schemas.microsoft.com/office/drawing/2014/main" id="{69A9EDF1-E7ED-4747-8FA0-27EA3B305327}"/>
+              </a:ext>
+            </a:extLst>
+          </p:cNvPr>
+          <p:cNvSpPr>
+            <a:spLocks noGrp="1"/>
+          </p:cNvSpPr>
+          <p:nvPr>
+            <p:ph type="title"/>
+          </p:nvPr>
+        </p:nvSpPr>
+        <p:spPr/>
+        <p:txBody>
+          <a:bodyPr/>
+          <a:lstStyle/>
+          <a:p>
+            <a:r>
+              <a:rPr lang="de-DE" dirty="0"/>
+              <a:t>Code zur Live Demo</a:t>
+            </a:r>
+          </a:p>
+        </p:txBody>
+      </p:sp>
+      <p:sp>
+        <p:nvSpPr>
+          <p:cNvPr id="3" name="Inhaltsplatzhalter 2">
+            <a:extLst>
+              <a:ext uri="{FF2B5EF4-FFF2-40B4-BE49-F238E27FC236}">
+                <a16:creationId xmlns:a16="http://schemas.microsoft.com/office/drawing/2014/main" id="{7C84BEAB-DE12-41ED-8A60-29CA84106732}"/>
+              </a:ext>
+            </a:extLst>
+          </p:cNvPr>
+          <p:cNvSpPr>
+            <a:spLocks noGrp="1"/>
+          </p:cNvSpPr>
+          <p:nvPr>
+            <p:ph idx="1"/>
+          </p:nvPr>
+        </p:nvSpPr>
+        <p:spPr/>
+        <p:txBody>
+          <a:bodyPr/>
+          <a:lstStyle/>
+          <a:p>
+            <a:pPr>
+              <a:buFont typeface="Wingdings" panose="05000000000000000000" pitchFamily="2" charset="2"/>
+              <a:buChar char="Ø"/>
+            </a:pPr>
+            <a:r>
+              <a:rPr lang="de-DE" dirty="0"/>
+              <a:t> Webservice:</a:t>
+            </a:r>
+          </a:p>
+          <a:p>
+            <a:pPr lvl="1">
+              <a:buFont typeface="Wingdings" panose="05000000000000000000" pitchFamily="2" charset="2"/>
+              <a:buChar char="Ø"/>
+            </a:pPr>
+            <a:r>
+              <a:rPr lang="de-DE" dirty="0"/>
+              <a:t> </a:t>
+            </a:r>
+            <a:r>
+              <a:rPr lang="de-DE" dirty="0">
+                <a:hlinkClick r:id="rId2"/>
+              </a:rPr>
+              <a:t>https://github.com/StTraeger/sqs-car-webservice</a:t>
+            </a:r>
+            <a:endParaRPr lang="de-DE" dirty="0"/>
+          </a:p>
+          <a:p>
+            <a:pPr>
+              <a:buFont typeface="Wingdings" panose="05000000000000000000" pitchFamily="2" charset="2"/>
+              <a:buChar char="Ø"/>
+            </a:pPr>
+            <a:r>
+              <a:rPr lang="de-DE" dirty="0"/>
+              <a:t> Projekt mit </a:t>
+            </a:r>
+            <a:r>
+              <a:rPr lang="de-DE" dirty="0" err="1"/>
+              <a:t>Lasttest</a:t>
+            </a:r>
+            <a:r>
+              <a:rPr lang="de-DE" dirty="0"/>
+              <a:t> Implementierungen:</a:t>
+            </a:r>
+          </a:p>
+          <a:p>
+            <a:pPr lvl="1">
+              <a:buFont typeface="Wingdings" panose="05000000000000000000" pitchFamily="2" charset="2"/>
+              <a:buChar char="Ø"/>
+            </a:pPr>
+            <a:r>
+              <a:rPr lang="de-DE" dirty="0">
+                <a:hlinkClick r:id="rId3"/>
+              </a:rPr>
+              <a:t>https://github.com/StTraeger/sqs-load-testing</a:t>
+            </a:r>
+            <a:endParaRPr lang="de-DE" dirty="0"/>
+          </a:p>
+          <a:p>
+            <a:pPr lvl="1">
+              <a:buFont typeface="Wingdings" panose="05000000000000000000" pitchFamily="2" charset="2"/>
+              <a:buChar char="Ø"/>
+            </a:pPr>
+            <a:endParaRPr lang="de-DE" dirty="0"/>
+          </a:p>
+        </p:txBody>
+      </p:sp>
+      <p:sp>
+        <p:nvSpPr>
+          <p:cNvPr id="4" name="Datumsplatzhalter 3">
+            <a:extLst>
+              <a:ext uri="{FF2B5EF4-FFF2-40B4-BE49-F238E27FC236}">
+                <a16:creationId xmlns:a16="http://schemas.microsoft.com/office/drawing/2014/main" id="{E32D3C64-F536-4ABB-AF83-B77C7F660B8A}"/>
+              </a:ext>
+            </a:extLst>
+          </p:cNvPr>
+          <p:cNvSpPr>
+            <a:spLocks noGrp="1"/>
+          </p:cNvSpPr>
+          <p:nvPr>
+            <p:ph type="dt" sz="half" idx="10"/>
+          </p:nvPr>
+        </p:nvSpPr>
+        <p:spPr/>
+        <p:txBody>
+          <a:bodyPr/>
+          <a:lstStyle/>
+          <a:p>
+            <a:r>
+              <a:rPr lang="de-DE"/>
+              <a:t>02.07.2018</a:t>
+            </a:r>
+          </a:p>
+        </p:txBody>
+      </p:sp>
+      <p:sp>
+        <p:nvSpPr>
+          <p:cNvPr id="5" name="Foliennummernplatzhalter 4">
+            <a:extLst>
+              <a:ext uri="{FF2B5EF4-FFF2-40B4-BE49-F238E27FC236}">
+                <a16:creationId xmlns:a16="http://schemas.microsoft.com/office/drawing/2014/main" id="{7B12B4DE-4EF3-4C8E-B51C-8AD90B4A6DD0}"/>
+              </a:ext>
+            </a:extLst>
+          </p:cNvPr>
+          <p:cNvSpPr>
+            <a:spLocks noGrp="1"/>
+          </p:cNvSpPr>
+          <p:nvPr>
+            <p:ph type="sldNum" sz="quarter" idx="12"/>
+          </p:nvPr>
+        </p:nvSpPr>
+        <p:spPr/>
+        <p:txBody>
+          <a:bodyPr/>
+          <a:lstStyle/>
+          <a:p>
+            <a:fld id="{C9BFD74B-BF5B-4F1B-BDFB-3F89FD2A71A6}" type="slidenum">
+              <a:rPr lang="de-DE" smtClean="0"/>
+              <a:t>11</a:t>
+            </a:fld>
+            <a:endParaRPr lang="de-DE"/>
+          </a:p>
+        </p:txBody>
+      </p:sp>
+    </p:spTree>
+    <p:extLst>
+      <p:ext uri="{BB962C8B-B14F-4D97-AF65-F5344CB8AC3E}">
+        <p14:creationId xmlns:p14="http://schemas.microsoft.com/office/powerpoint/2010/main" val="779626361"/>
+      </p:ext>
+    </p:extLst>
+  </p:cSld>
+  <p:clrMapOvr>
+    <a:masterClrMapping/>
+  </p:clrMapOvr>
+</p:sld>
+</file>
+
+<file path=ppt/slides/slide12.xml><?xml version="1.0" encoding="utf-8"?>
+<p:sld xmlns:a="http://schemas.openxmlformats.org/drawingml/2006/main" xmlns:r="http://schemas.openxmlformats.org/officeDocument/2006/relationships" xmlns:p="http://schemas.openxmlformats.org/presentationml/2006/main">
+  <p:cSld>
+    <p:spTree>
+      <p:nvGrpSpPr>
+        <p:cNvPr id="1" name=""/>
+        <p:cNvGrpSpPr/>
+        <p:nvPr/>
+      </p:nvGrpSpPr>
+      <p:grpSpPr>
+        <a:xfrm>
+          <a:off x="0" y="0"/>
+          <a:ext cx="0" cy="0"/>
+          <a:chOff x="0" y="0"/>
+          <a:chExt cx="0" cy="0"/>
+        </a:xfrm>
+      </p:grpSpPr>
+      <p:sp>
+        <p:nvSpPr>
           <p:cNvPr id="2" name="Titel 1"/>
           <p:cNvSpPr>
             <a:spLocks noGrp="1"/>
@@ -5419,7 +5766,7 @@
           <a:p>
             <a:fld id="{C9BFD74B-BF5B-4F1B-BDFB-3F89FD2A71A6}" type="slidenum">
               <a:rPr lang="de-DE" smtClean="0"/>
-              <a:t>11</a:t>
+              <a:t>12</a:t>
             </a:fld>
             <a:endParaRPr lang="de-DE"/>
           </a:p>

--- a/LoadTesting.pptx
+++ b/LoadTesting.pptx
@@ -5,21 +5,22 @@
     <p:sldMasterId id="2147483672" r:id="rId1"/>
   </p:sldMasterIdLst>
   <p:notesMasterIdLst>
-    <p:notesMasterId r:id="rId14"/>
+    <p:notesMasterId r:id="rId15"/>
   </p:notesMasterIdLst>
   <p:sldIdLst>
     <p:sldId id="256" r:id="rId2"/>
-    <p:sldId id="264" r:id="rId3"/>
-    <p:sldId id="263" r:id="rId4"/>
-    <p:sldId id="289" r:id="rId5"/>
-    <p:sldId id="278" r:id="rId6"/>
-    <p:sldId id="292" r:id="rId7"/>
-    <p:sldId id="290" r:id="rId8"/>
-    <p:sldId id="291" r:id="rId9"/>
-    <p:sldId id="295" r:id="rId10"/>
+    <p:sldId id="297" r:id="rId3"/>
+    <p:sldId id="264" r:id="rId4"/>
+    <p:sldId id="263" r:id="rId5"/>
+    <p:sldId id="289" r:id="rId6"/>
+    <p:sldId id="278" r:id="rId7"/>
+    <p:sldId id="292" r:id="rId8"/>
+    <p:sldId id="290" r:id="rId9"/>
+    <p:sldId id="291" r:id="rId10"/>
     <p:sldId id="293" r:id="rId11"/>
-    <p:sldId id="296" r:id="rId12"/>
-    <p:sldId id="288" r:id="rId13"/>
+    <p:sldId id="298" r:id="rId12"/>
+    <p:sldId id="296" r:id="rId13"/>
+    <p:sldId id="288" r:id="rId14"/>
   </p:sldIdLst>
   <p:sldSz cx="12192000" cy="6858000"/>
   <p:notesSz cx="6858000" cy="9144000"/>
@@ -212,7 +213,7 @@
           <a:p>
             <a:fld id="{7F7A1CCF-3A8B-40F6-A64D-2A4687177E43}" type="datetimeFigureOut">
               <a:rPr lang="de-DE" smtClean="0"/>
-              <a:t>26.06.2018</a:t>
+              <a:t>27.06.2018</a:t>
             </a:fld>
             <a:endParaRPr lang="de-DE"/>
           </a:p>
@@ -609,7 +610,7 @@
           <a:p>
             <a:fld id="{D14C2DC8-7E40-4960-AC23-B60999404DF0}" type="slidenum">
               <a:rPr lang="de-DE" smtClean="0"/>
-              <a:t>4</a:t>
+              <a:t>5</a:t>
             </a:fld>
             <a:endParaRPr lang="de-DE"/>
           </a:p>
@@ -756,7 +757,7 @@
           <a:p>
             <a:fld id="{D14C2DC8-7E40-4960-AC23-B60999404DF0}" type="slidenum">
               <a:rPr lang="de-DE" smtClean="0"/>
-              <a:t>5</a:t>
+              <a:t>6</a:t>
             </a:fld>
             <a:endParaRPr lang="de-DE"/>
           </a:p>
@@ -4807,7 +4808,7 @@
           <a:p>
             <a:r>
               <a:rPr lang="de-DE" dirty="0"/>
-              <a:t>Auswertung Testszenario</a:t>
+              <a:t>Auswertung der Tools</a:t>
             </a:r>
           </a:p>
         </p:txBody>
@@ -4828,14 +4829,14 @@
             <p:ph idx="1"/>
             <p:extLst>
               <p:ext uri="{D42A27DB-BD31-4B8C-83A1-F6EECF244321}">
-                <p14:modId xmlns:p14="http://schemas.microsoft.com/office/powerpoint/2010/main" val="3386998633"/>
+                <p14:modId xmlns:p14="http://schemas.microsoft.com/office/powerpoint/2010/main" val="1389190086"/>
               </p:ext>
             </p:extLst>
           </p:nvPr>
         </p:nvGraphicFramePr>
         <p:xfrm>
           <a:off x="146304" y="1827975"/>
-          <a:ext cx="11955384" cy="4033520"/>
+          <a:ext cx="11955384" cy="2722880"/>
         </p:xfrm>
         <a:graphic>
           <a:graphicData uri="http://schemas.openxmlformats.org/drawingml/2006/table">
@@ -5297,116 +5298,6 @@
                   </a:ext>
                 </a:extLst>
               </a:tr>
-              <a:tr h="370840">
-                <a:tc>
-                  <a:txBody>
-                    <a:bodyPr/>
-                    <a:lstStyle/>
-                    <a:p>
-                      <a:r>
-                        <a:rPr lang="de-DE" sz="1600" dirty="0"/>
-                        <a:t>Erkenntnisse beim Umsetzen des Showcases</a:t>
-                      </a:r>
-                    </a:p>
-                  </a:txBody>
-                  <a:tcPr/>
-                </a:tc>
-                <a:tc>
-                  <a:txBody>
-                    <a:bodyPr/>
-                    <a:lstStyle/>
-                    <a:p>
-                      <a:pPr marL="285750" indent="-285750">
-                        <a:buFont typeface="Arial" panose="020B0604020202020204" pitchFamily="34" charset="0"/>
-                        <a:buChar char="•"/>
-                      </a:pPr>
-                      <a:r>
-                        <a:rPr lang="de-DE" sz="1600" dirty="0"/>
-                        <a:t>-</a:t>
-                      </a:r>
-                    </a:p>
-                  </a:txBody>
-                  <a:tcPr/>
-                </a:tc>
-                <a:tc>
-                  <a:txBody>
-                    <a:bodyPr/>
-                    <a:lstStyle/>
-                    <a:p>
-                      <a:pPr marL="285750" indent="-285750">
-                        <a:buFont typeface="Arial" panose="020B0604020202020204" pitchFamily="34" charset="0"/>
-                        <a:buChar char="•"/>
-                      </a:pPr>
-                      <a:r>
-                        <a:rPr lang="de-DE" sz="1600" dirty="0"/>
-                        <a:t>Kein CSV-Feeder -&gt; manuelles Schreiben einer passenden Methode</a:t>
-                      </a:r>
-                    </a:p>
-                    <a:p>
-                      <a:pPr marL="285750" indent="-285750">
-                        <a:buFont typeface="Arial" panose="020B0604020202020204" pitchFamily="34" charset="0"/>
-                        <a:buChar char="•"/>
-                      </a:pPr>
-                      <a:r>
-                        <a:rPr lang="de-DE" sz="1600" dirty="0"/>
-                        <a:t>Konfiguration von max. </a:t>
-                      </a:r>
-                      <a:r>
-                        <a:rPr lang="de-DE" sz="1600" dirty="0" err="1"/>
-                        <a:t>Userzahl</a:t>
-                      </a:r>
-                      <a:r>
-                        <a:rPr lang="de-DE" sz="1600" dirty="0"/>
-                        <a:t> + </a:t>
-                      </a:r>
-                      <a:r>
-                        <a:rPr lang="de-DE" sz="1600" dirty="0" err="1"/>
-                        <a:t>Hatchrate</a:t>
-                      </a:r>
-                      <a:r>
-                        <a:rPr lang="de-DE" sz="1600" dirty="0"/>
-                        <a:t> (keine zeitliche Änderung möglich)</a:t>
-                      </a:r>
-                    </a:p>
-                  </a:txBody>
-                  <a:tcPr/>
-                </a:tc>
-                <a:tc>
-                  <a:txBody>
-                    <a:bodyPr/>
-                    <a:lstStyle/>
-                    <a:p>
-                      <a:pPr marL="285750" indent="-285750">
-                        <a:buFont typeface="Arial" panose="020B0604020202020204" pitchFamily="34" charset="0"/>
-                        <a:buChar char="•"/>
-                      </a:pPr>
-                      <a:r>
-                        <a:rPr lang="de-DE" sz="1600" dirty="0" err="1"/>
-                        <a:t>Ramp</a:t>
-                      </a:r>
-                      <a:r>
-                        <a:rPr lang="de-DE" sz="1600" dirty="0"/>
-                        <a:t>-Up nicht direkt integriert (</a:t>
-                      </a:r>
-                      <a:r>
-                        <a:rPr lang="de-DE" sz="1600" dirty="0" err="1"/>
-                        <a:t>Phases</a:t>
-                      </a:r>
-                      <a:r>
-                        <a:rPr lang="de-DE" sz="1600"/>
-                        <a:t>)</a:t>
-                      </a:r>
-                      <a:endParaRPr lang="de-DE" sz="1600" dirty="0"/>
-                    </a:p>
-                  </a:txBody>
-                  <a:tcPr/>
-                </a:tc>
-                <a:extLst>
-                  <a:ext uri="{0D108BD9-81ED-4DB2-BD59-A6C34878D82A}">
-                    <a16:rowId xmlns:a16="http://schemas.microsoft.com/office/drawing/2014/main" val="3685135999"/>
-                  </a:ext>
-                </a:extLst>
-              </a:tr>
             </a:tbl>
           </a:graphicData>
         </a:graphic>
@@ -5482,6 +5373,552 @@
 </file>
 
 <file path=ppt/slides/slide11.xml><?xml version="1.0" encoding="utf-8"?>
+<p:sld xmlns:a="http://schemas.openxmlformats.org/drawingml/2006/main" xmlns:r="http://schemas.openxmlformats.org/officeDocument/2006/relationships" xmlns:p="http://schemas.openxmlformats.org/presentationml/2006/main">
+  <p:cSld>
+    <p:spTree>
+      <p:nvGrpSpPr>
+        <p:cNvPr id="1" name=""/>
+        <p:cNvGrpSpPr/>
+        <p:nvPr/>
+      </p:nvGrpSpPr>
+      <p:grpSpPr>
+        <a:xfrm>
+          <a:off x="0" y="0"/>
+          <a:ext cx="0" cy="0"/>
+          <a:chOff x="0" y="0"/>
+          <a:chExt cx="0" cy="0"/>
+        </a:xfrm>
+      </p:grpSpPr>
+      <p:sp>
+        <p:nvSpPr>
+          <p:cNvPr id="2" name="Titel 1">
+            <a:extLst>
+              <a:ext uri="{FF2B5EF4-FFF2-40B4-BE49-F238E27FC236}">
+                <a16:creationId xmlns:a16="http://schemas.microsoft.com/office/drawing/2014/main" id="{EFF19F49-A85B-474F-8171-17BEE690600C}"/>
+              </a:ext>
+            </a:extLst>
+          </p:cNvPr>
+          <p:cNvSpPr>
+            <a:spLocks noGrp="1"/>
+          </p:cNvSpPr>
+          <p:nvPr>
+            <p:ph type="title"/>
+          </p:nvPr>
+        </p:nvSpPr>
+        <p:spPr/>
+        <p:txBody>
+          <a:bodyPr>
+            <a:normAutofit/>
+          </a:bodyPr>
+          <a:lstStyle/>
+          <a:p>
+            <a:r>
+              <a:rPr lang="de-DE" sz="4000" dirty="0"/>
+              <a:t>Konkrete Erkenntnisse aus dem Showcase</a:t>
+            </a:r>
+          </a:p>
+        </p:txBody>
+      </p:sp>
+      <p:graphicFrame>
+        <p:nvGraphicFramePr>
+          <p:cNvPr id="6" name="Inhaltsplatzhalter 5">
+            <a:extLst>
+              <a:ext uri="{FF2B5EF4-FFF2-40B4-BE49-F238E27FC236}">
+                <a16:creationId xmlns:a16="http://schemas.microsoft.com/office/drawing/2014/main" id="{3D930888-2A9D-48A1-AF88-93C439A0E614}"/>
+              </a:ext>
+            </a:extLst>
+          </p:cNvPr>
+          <p:cNvGraphicFramePr>
+            <a:graphicFrameLocks noGrp="1"/>
+          </p:cNvGraphicFramePr>
+          <p:nvPr>
+            <p:ph idx="1"/>
+            <p:extLst>
+              <p:ext uri="{D42A27DB-BD31-4B8C-83A1-F6EECF244321}">
+                <p14:modId xmlns:p14="http://schemas.microsoft.com/office/powerpoint/2010/main" val="3262586089"/>
+              </p:ext>
+            </p:extLst>
+          </p:nvPr>
+        </p:nvGraphicFramePr>
+        <p:xfrm>
+          <a:off x="1096963" y="1846263"/>
+          <a:ext cx="10058400" cy="2763520"/>
+        </p:xfrm>
+        <a:graphic>
+          <a:graphicData uri="http://schemas.openxmlformats.org/drawingml/2006/table">
+            <a:tbl>
+              <a:tblPr firstRow="1" firstCol="1" bandRow="1">
+                <a:tableStyleId>{5C22544A-7EE6-4342-B048-85BDC9FD1C3A}</a:tableStyleId>
+              </a:tblPr>
+              <a:tblGrid>
+                <a:gridCol w="2514600">
+                  <a:extLst>
+                    <a:ext uri="{9D8B030D-6E8A-4147-A177-3AD203B41FA5}">
+                      <a16:colId xmlns:a16="http://schemas.microsoft.com/office/drawing/2014/main" val="4276794914"/>
+                    </a:ext>
+                  </a:extLst>
+                </a:gridCol>
+                <a:gridCol w="2514600">
+                  <a:extLst>
+                    <a:ext uri="{9D8B030D-6E8A-4147-A177-3AD203B41FA5}">
+                      <a16:colId xmlns:a16="http://schemas.microsoft.com/office/drawing/2014/main" val="1469153801"/>
+                    </a:ext>
+                  </a:extLst>
+                </a:gridCol>
+                <a:gridCol w="2514600">
+                  <a:extLst>
+                    <a:ext uri="{9D8B030D-6E8A-4147-A177-3AD203B41FA5}">
+                      <a16:colId xmlns:a16="http://schemas.microsoft.com/office/drawing/2014/main" val="3106663265"/>
+                    </a:ext>
+                  </a:extLst>
+                </a:gridCol>
+                <a:gridCol w="2514600">
+                  <a:extLst>
+                    <a:ext uri="{9D8B030D-6E8A-4147-A177-3AD203B41FA5}">
+                      <a16:colId xmlns:a16="http://schemas.microsoft.com/office/drawing/2014/main" val="3557599804"/>
+                    </a:ext>
+                  </a:extLst>
+                </a:gridCol>
+              </a:tblGrid>
+              <a:tr h="370840">
+                <a:tc>
+                  <a:txBody>
+                    <a:bodyPr/>
+                    <a:lstStyle/>
+                    <a:p>
+                      <a:r>
+                        <a:rPr lang="de-DE" dirty="0"/>
+                        <a:t>Kriterium</a:t>
+                      </a:r>
+                    </a:p>
+                  </a:txBody>
+                  <a:tcPr/>
+                </a:tc>
+                <a:tc>
+                  <a:txBody>
+                    <a:bodyPr/>
+                    <a:lstStyle/>
+                    <a:p>
+                      <a:r>
+                        <a:rPr lang="de-DE" dirty="0"/>
+                        <a:t>Gatling</a:t>
+                      </a:r>
+                    </a:p>
+                  </a:txBody>
+                  <a:tcPr/>
+                </a:tc>
+                <a:tc>
+                  <a:txBody>
+                    <a:bodyPr/>
+                    <a:lstStyle/>
+                    <a:p>
+                      <a:r>
+                        <a:rPr lang="de-DE" dirty="0" err="1"/>
+                        <a:t>Locust</a:t>
+                      </a:r>
+                      <a:endParaRPr lang="de-DE" dirty="0"/>
+                    </a:p>
+                  </a:txBody>
+                  <a:tcPr/>
+                </a:tc>
+                <a:tc>
+                  <a:txBody>
+                    <a:bodyPr/>
+                    <a:lstStyle/>
+                    <a:p>
+                      <a:r>
+                        <a:rPr lang="de-DE" dirty="0" err="1"/>
+                        <a:t>Artillery</a:t>
+                      </a:r>
+                      <a:endParaRPr lang="de-DE" dirty="0"/>
+                    </a:p>
+                  </a:txBody>
+                  <a:tcPr/>
+                </a:tc>
+                <a:extLst>
+                  <a:ext uri="{0D108BD9-81ED-4DB2-BD59-A6C34878D82A}">
+                    <a16:rowId xmlns:a16="http://schemas.microsoft.com/office/drawing/2014/main" val="312928363"/>
+                  </a:ext>
+                </a:extLst>
+              </a:tr>
+              <a:tr h="370840">
+                <a:tc>
+                  <a:txBody>
+                    <a:bodyPr/>
+                    <a:lstStyle/>
+                    <a:p>
+                      <a:r>
+                        <a:rPr lang="de-DE" dirty="0"/>
+                        <a:t>Lines </a:t>
+                      </a:r>
+                      <a:r>
+                        <a:rPr lang="de-DE" dirty="0" err="1"/>
+                        <a:t>of</a:t>
+                      </a:r>
+                      <a:r>
+                        <a:rPr lang="de-DE" dirty="0"/>
+                        <a:t> Code</a:t>
+                      </a:r>
+                    </a:p>
+                  </a:txBody>
+                  <a:tcPr/>
+                </a:tc>
+                <a:tc>
+                  <a:txBody>
+                    <a:bodyPr/>
+                    <a:lstStyle/>
+                    <a:p>
+                      <a:r>
+                        <a:rPr lang="de-DE" dirty="0"/>
+                        <a:t>18</a:t>
+                      </a:r>
+                    </a:p>
+                  </a:txBody>
+                  <a:tcPr/>
+                </a:tc>
+                <a:tc>
+                  <a:txBody>
+                    <a:bodyPr/>
+                    <a:lstStyle/>
+                    <a:p>
+                      <a:r>
+                        <a:rPr lang="de-DE" dirty="0"/>
+                        <a:t>24</a:t>
+                      </a:r>
+                    </a:p>
+                  </a:txBody>
+                  <a:tcPr/>
+                </a:tc>
+                <a:tc>
+                  <a:txBody>
+                    <a:bodyPr/>
+                    <a:lstStyle/>
+                    <a:p>
+                      <a:r>
+                        <a:rPr lang="de-DE" dirty="0"/>
+                        <a:t>16</a:t>
+                      </a:r>
+                    </a:p>
+                  </a:txBody>
+                  <a:tcPr/>
+                </a:tc>
+                <a:extLst>
+                  <a:ext uri="{0D108BD9-81ED-4DB2-BD59-A6C34878D82A}">
+                    <a16:rowId xmlns:a16="http://schemas.microsoft.com/office/drawing/2014/main" val="3799778474"/>
+                  </a:ext>
+                </a:extLst>
+              </a:tr>
+              <a:tr h="370840">
+                <a:tc>
+                  <a:txBody>
+                    <a:bodyPr/>
+                    <a:lstStyle/>
+                    <a:p>
+                      <a:r>
+                        <a:rPr lang="de-DE" dirty="0" err="1"/>
+                        <a:t>Ramp</a:t>
+                      </a:r>
+                      <a:r>
+                        <a:rPr lang="de-DE" dirty="0"/>
+                        <a:t>-Up möglich</a:t>
+                      </a:r>
+                    </a:p>
+                  </a:txBody>
+                  <a:tcPr/>
+                </a:tc>
+                <a:tc>
+                  <a:txBody>
+                    <a:bodyPr/>
+                    <a:lstStyle/>
+                    <a:p>
+                      <a:r>
+                        <a:rPr lang="de-DE" dirty="0"/>
+                        <a:t>Ja</a:t>
+                      </a:r>
+                    </a:p>
+                  </a:txBody>
+                  <a:tcPr/>
+                </a:tc>
+                <a:tc>
+                  <a:txBody>
+                    <a:bodyPr/>
+                    <a:lstStyle/>
+                    <a:p>
+                      <a:r>
+                        <a:rPr lang="de-DE" dirty="0"/>
+                        <a:t>Ja</a:t>
+                      </a:r>
+                    </a:p>
+                  </a:txBody>
+                  <a:tcPr/>
+                </a:tc>
+                <a:tc>
+                  <a:txBody>
+                    <a:bodyPr/>
+                    <a:lstStyle/>
+                    <a:p>
+                      <a:r>
+                        <a:rPr lang="de-DE" dirty="0"/>
+                        <a:t>Ja</a:t>
+                      </a:r>
+                    </a:p>
+                  </a:txBody>
+                  <a:tcPr/>
+                </a:tc>
+                <a:extLst>
+                  <a:ext uri="{0D108BD9-81ED-4DB2-BD59-A6C34878D82A}">
+                    <a16:rowId xmlns:a16="http://schemas.microsoft.com/office/drawing/2014/main" val="1335381374"/>
+                  </a:ext>
+                </a:extLst>
+              </a:tr>
+              <a:tr h="370840">
+                <a:tc>
+                  <a:txBody>
+                    <a:bodyPr/>
+                    <a:lstStyle/>
+                    <a:p>
+                      <a:r>
+                        <a:rPr lang="de-DE" dirty="0"/>
+                        <a:t>Initiale User-Zahl konfigurierbar</a:t>
+                      </a:r>
+                    </a:p>
+                  </a:txBody>
+                  <a:tcPr/>
+                </a:tc>
+                <a:tc>
+                  <a:txBody>
+                    <a:bodyPr/>
+                    <a:lstStyle/>
+                    <a:p>
+                      <a:r>
+                        <a:rPr lang="de-DE" dirty="0"/>
+                        <a:t>Ja</a:t>
+                      </a:r>
+                    </a:p>
+                  </a:txBody>
+                  <a:tcPr/>
+                </a:tc>
+                <a:tc>
+                  <a:txBody>
+                    <a:bodyPr/>
+                    <a:lstStyle/>
+                    <a:p>
+                      <a:r>
+                        <a:rPr lang="de-DE" dirty="0"/>
+                        <a:t>Nein</a:t>
+                      </a:r>
+                    </a:p>
+                  </a:txBody>
+                  <a:tcPr/>
+                </a:tc>
+                <a:tc>
+                  <a:txBody>
+                    <a:bodyPr/>
+                    <a:lstStyle/>
+                    <a:p>
+                      <a:r>
+                        <a:rPr lang="de-DE" dirty="0"/>
+                        <a:t>Ja</a:t>
+                      </a:r>
+                    </a:p>
+                  </a:txBody>
+                  <a:tcPr/>
+                </a:tc>
+                <a:extLst>
+                  <a:ext uri="{0D108BD9-81ED-4DB2-BD59-A6C34878D82A}">
+                    <a16:rowId xmlns:a16="http://schemas.microsoft.com/office/drawing/2014/main" val="3161244721"/>
+                  </a:ext>
+                </a:extLst>
+              </a:tr>
+              <a:tr h="370840">
+                <a:tc>
+                  <a:txBody>
+                    <a:bodyPr/>
+                    <a:lstStyle/>
+                    <a:p>
+                      <a:r>
+                        <a:rPr lang="de-DE" dirty="0"/>
+                        <a:t>Testende konfigurierbar</a:t>
+                      </a:r>
+                    </a:p>
+                  </a:txBody>
+                  <a:tcPr/>
+                </a:tc>
+                <a:tc>
+                  <a:txBody>
+                    <a:bodyPr/>
+                    <a:lstStyle/>
+                    <a:p>
+                      <a:r>
+                        <a:rPr lang="de-DE" dirty="0"/>
+                        <a:t>Ja (zeitlich)</a:t>
+                      </a:r>
+                    </a:p>
+                  </a:txBody>
+                  <a:tcPr/>
+                </a:tc>
+                <a:tc>
+                  <a:txBody>
+                    <a:bodyPr/>
+                    <a:lstStyle/>
+                    <a:p>
+                      <a:r>
+                        <a:rPr lang="de-DE" dirty="0"/>
+                        <a:t>Ja (# </a:t>
+                      </a:r>
+                      <a:r>
+                        <a:rPr lang="de-DE" dirty="0" err="1"/>
+                        <a:t>requests</a:t>
+                      </a:r>
+                      <a:r>
+                        <a:rPr lang="de-DE" dirty="0"/>
+                        <a:t>; zeitlich in neuer Version geplant)</a:t>
+                      </a:r>
+                    </a:p>
+                  </a:txBody>
+                  <a:tcPr/>
+                </a:tc>
+                <a:tc>
+                  <a:txBody>
+                    <a:bodyPr/>
+                    <a:lstStyle/>
+                    <a:p>
+                      <a:r>
+                        <a:rPr lang="de-DE" dirty="0"/>
+                        <a:t>Ja (zeitlich)</a:t>
+                      </a:r>
+                    </a:p>
+                  </a:txBody>
+                  <a:tcPr/>
+                </a:tc>
+                <a:extLst>
+                  <a:ext uri="{0D108BD9-81ED-4DB2-BD59-A6C34878D82A}">
+                    <a16:rowId xmlns:a16="http://schemas.microsoft.com/office/drawing/2014/main" val="1894647928"/>
+                  </a:ext>
+                </a:extLst>
+              </a:tr>
+              <a:tr h="370840">
+                <a:tc>
+                  <a:txBody>
+                    <a:bodyPr/>
+                    <a:lstStyle/>
+                    <a:p>
+                      <a:endParaRPr lang="de-DE" dirty="0"/>
+                    </a:p>
+                  </a:txBody>
+                  <a:tcPr/>
+                </a:tc>
+                <a:tc>
+                  <a:txBody>
+                    <a:bodyPr/>
+                    <a:lstStyle/>
+                    <a:p>
+                      <a:endParaRPr lang="de-DE" dirty="0"/>
+                    </a:p>
+                  </a:txBody>
+                  <a:tcPr/>
+                </a:tc>
+                <a:tc>
+                  <a:txBody>
+                    <a:bodyPr/>
+                    <a:lstStyle/>
+                    <a:p>
+                      <a:endParaRPr lang="de-DE" dirty="0"/>
+                    </a:p>
+                  </a:txBody>
+                  <a:tcPr/>
+                </a:tc>
+                <a:tc>
+                  <a:txBody>
+                    <a:bodyPr/>
+                    <a:lstStyle/>
+                    <a:p>
+                      <a:endParaRPr lang="de-DE" dirty="0"/>
+                    </a:p>
+                  </a:txBody>
+                  <a:tcPr/>
+                </a:tc>
+                <a:extLst>
+                  <a:ext uri="{0D108BD9-81ED-4DB2-BD59-A6C34878D82A}">
+                    <a16:rowId xmlns:a16="http://schemas.microsoft.com/office/drawing/2014/main" val="1964015876"/>
+                  </a:ext>
+                </a:extLst>
+              </a:tr>
+            </a:tbl>
+          </a:graphicData>
+        </a:graphic>
+      </p:graphicFrame>
+      <p:sp>
+        <p:nvSpPr>
+          <p:cNvPr id="4" name="Datumsplatzhalter 3">
+            <a:extLst>
+              <a:ext uri="{FF2B5EF4-FFF2-40B4-BE49-F238E27FC236}">
+                <a16:creationId xmlns:a16="http://schemas.microsoft.com/office/drawing/2014/main" id="{53303277-3CAB-437C-A5FA-8971187C9704}"/>
+              </a:ext>
+            </a:extLst>
+          </p:cNvPr>
+          <p:cNvSpPr>
+            <a:spLocks noGrp="1"/>
+          </p:cNvSpPr>
+          <p:nvPr>
+            <p:ph type="dt" sz="half" idx="10"/>
+          </p:nvPr>
+        </p:nvSpPr>
+        <p:spPr/>
+        <p:txBody>
+          <a:bodyPr/>
+          <a:lstStyle/>
+          <a:p>
+            <a:r>
+              <a:rPr lang="de-DE"/>
+              <a:t>02.07.2018</a:t>
+            </a:r>
+          </a:p>
+        </p:txBody>
+      </p:sp>
+      <p:sp>
+        <p:nvSpPr>
+          <p:cNvPr id="5" name="Foliennummernplatzhalter 4">
+            <a:extLst>
+              <a:ext uri="{FF2B5EF4-FFF2-40B4-BE49-F238E27FC236}">
+                <a16:creationId xmlns:a16="http://schemas.microsoft.com/office/drawing/2014/main" id="{6E74DBAB-97A1-46F5-8892-5C70E67EEE64}"/>
+              </a:ext>
+            </a:extLst>
+          </p:cNvPr>
+          <p:cNvSpPr>
+            <a:spLocks noGrp="1"/>
+          </p:cNvSpPr>
+          <p:nvPr>
+            <p:ph type="sldNum" sz="quarter" idx="12"/>
+          </p:nvPr>
+        </p:nvSpPr>
+        <p:spPr/>
+        <p:txBody>
+          <a:bodyPr/>
+          <a:lstStyle/>
+          <a:p>
+            <a:fld id="{C9BFD74B-BF5B-4F1B-BDFB-3F89FD2A71A6}" type="slidenum">
+              <a:rPr lang="de-DE" smtClean="0"/>
+              <a:t>11</a:t>
+            </a:fld>
+            <a:endParaRPr lang="de-DE"/>
+          </a:p>
+        </p:txBody>
+      </p:sp>
+    </p:spTree>
+    <p:extLst>
+      <p:ext uri="{BB962C8B-B14F-4D97-AF65-F5344CB8AC3E}">
+        <p14:creationId xmlns:p14="http://schemas.microsoft.com/office/powerpoint/2010/main" val="376951508"/>
+      </p:ext>
+    </p:extLst>
+  </p:cSld>
+  <p:clrMapOvr>
+    <a:masterClrMapping/>
+  </p:clrMapOvr>
+</p:sld>
+</file>
+
+<file path=ppt/slides/slide12.xml><?xml version="1.0" encoding="utf-8"?>
 <p:sld xmlns:a="http://schemas.openxmlformats.org/drawingml/2006/main" xmlns:r="http://schemas.openxmlformats.org/officeDocument/2006/relationships" xmlns:p="http://schemas.openxmlformats.org/presentationml/2006/main">
   <p:cSld>
     <p:spTree>
@@ -5664,7 +6101,7 @@
           <a:p>
             <a:fld id="{C9BFD74B-BF5B-4F1B-BDFB-3F89FD2A71A6}" type="slidenum">
               <a:rPr lang="de-DE" smtClean="0"/>
-              <a:t>11</a:t>
+              <a:t>12</a:t>
             </a:fld>
             <a:endParaRPr lang="de-DE"/>
           </a:p>
@@ -5683,7 +6120,7 @@
 </p:sld>
 </file>
 
-<file path=ppt/slides/slide12.xml><?xml version="1.0" encoding="utf-8"?>
+<file path=ppt/slides/slide13.xml><?xml version="1.0" encoding="utf-8"?>
 <p:sld xmlns:a="http://schemas.openxmlformats.org/drawingml/2006/main" xmlns:r="http://schemas.openxmlformats.org/officeDocument/2006/relationships" xmlns:p="http://schemas.openxmlformats.org/presentationml/2006/main">
   <p:cSld>
     <p:spTree>
@@ -5766,7 +6203,7 @@
           <a:p>
             <a:fld id="{C9BFD74B-BF5B-4F1B-BDFB-3F89FD2A71A6}" type="slidenum">
               <a:rPr lang="de-DE" smtClean="0"/>
-              <a:t>12</a:t>
+              <a:t>13</a:t>
             </a:fld>
             <a:endParaRPr lang="de-DE"/>
           </a:p>
@@ -5908,6 +6345,189 @@
 </file>
 
 <file path=ppt/slides/slide2.xml><?xml version="1.0" encoding="utf-8"?>
+<p:sld xmlns:a="http://schemas.openxmlformats.org/drawingml/2006/main" xmlns:r="http://schemas.openxmlformats.org/officeDocument/2006/relationships" xmlns:p="http://schemas.openxmlformats.org/presentationml/2006/main">
+  <p:cSld>
+    <p:spTree>
+      <p:nvGrpSpPr>
+        <p:cNvPr id="1" name=""/>
+        <p:cNvGrpSpPr/>
+        <p:nvPr/>
+      </p:nvGrpSpPr>
+      <p:grpSpPr>
+        <a:xfrm>
+          <a:off x="0" y="0"/>
+          <a:ext cx="0" cy="0"/>
+          <a:chOff x="0" y="0"/>
+          <a:chExt cx="0" cy="0"/>
+        </a:xfrm>
+      </p:grpSpPr>
+      <p:sp>
+        <p:nvSpPr>
+          <p:cNvPr id="2" name="Titel 1">
+            <a:extLst>
+              <a:ext uri="{FF2B5EF4-FFF2-40B4-BE49-F238E27FC236}">
+                <a16:creationId xmlns:a16="http://schemas.microsoft.com/office/drawing/2014/main" id="{FD5A4BEF-E0D9-4D0B-B882-413B2172DA69}"/>
+              </a:ext>
+            </a:extLst>
+          </p:cNvPr>
+          <p:cNvSpPr>
+            <a:spLocks noGrp="1"/>
+          </p:cNvSpPr>
+          <p:nvPr>
+            <p:ph type="title"/>
+          </p:nvPr>
+        </p:nvSpPr>
+        <p:spPr/>
+        <p:txBody>
+          <a:bodyPr/>
+          <a:lstStyle/>
+          <a:p>
+            <a:r>
+              <a:rPr lang="de-DE" dirty="0"/>
+              <a:t>Ziel des Vortrags</a:t>
+            </a:r>
+          </a:p>
+        </p:txBody>
+      </p:sp>
+      <p:sp>
+        <p:nvSpPr>
+          <p:cNvPr id="3" name="Inhaltsplatzhalter 2">
+            <a:extLst>
+              <a:ext uri="{FF2B5EF4-FFF2-40B4-BE49-F238E27FC236}">
+                <a16:creationId xmlns:a16="http://schemas.microsoft.com/office/drawing/2014/main" id="{AF4C7ADE-9048-406C-9802-1F0BA6F61949}"/>
+              </a:ext>
+            </a:extLst>
+          </p:cNvPr>
+          <p:cNvSpPr>
+            <a:spLocks noGrp="1"/>
+          </p:cNvSpPr>
+          <p:nvPr>
+            <p:ph idx="1"/>
+          </p:nvPr>
+        </p:nvSpPr>
+        <p:spPr/>
+        <p:txBody>
+          <a:bodyPr/>
+          <a:lstStyle/>
+          <a:p>
+            <a:pPr>
+              <a:buFont typeface="Wingdings" panose="05000000000000000000" pitchFamily="2" charset="2"/>
+              <a:buChar char="Ø"/>
+            </a:pPr>
+            <a:r>
+              <a:rPr lang="de-DE" dirty="0"/>
+              <a:t> Warum Performance Tests für die Software </a:t>
+            </a:r>
+            <a:r>
+              <a:rPr lang="de-DE" dirty="0" err="1"/>
+              <a:t>Qualittässicherung</a:t>
+            </a:r>
+            <a:r>
+              <a:rPr lang="de-DE" dirty="0"/>
+              <a:t>?</a:t>
+            </a:r>
+          </a:p>
+          <a:p>
+            <a:pPr>
+              <a:buFont typeface="Wingdings" panose="05000000000000000000" pitchFamily="2" charset="2"/>
+              <a:buChar char="Ø"/>
+            </a:pPr>
+            <a:r>
+              <a:rPr lang="de-DE" dirty="0"/>
+              <a:t> Was sind aktuell verfügbare Open-Source Tools für </a:t>
+            </a:r>
+            <a:r>
+              <a:rPr lang="de-DE" dirty="0" err="1"/>
+              <a:t>Lasttesting</a:t>
+            </a:r>
+            <a:r>
+              <a:rPr lang="de-DE" dirty="0"/>
+              <a:t>?</a:t>
+            </a:r>
+          </a:p>
+          <a:p>
+            <a:pPr>
+              <a:buFont typeface="Wingdings" panose="05000000000000000000" pitchFamily="2" charset="2"/>
+              <a:buChar char="Ø"/>
+            </a:pPr>
+            <a:r>
+              <a:rPr lang="de-DE" dirty="0"/>
+              <a:t> Wie implementiere ich Lasttests mit diesen Tools (Auswahl von 3 Tools)?</a:t>
+            </a:r>
+          </a:p>
+        </p:txBody>
+      </p:sp>
+      <p:sp>
+        <p:nvSpPr>
+          <p:cNvPr id="4" name="Datumsplatzhalter 3">
+            <a:extLst>
+              <a:ext uri="{FF2B5EF4-FFF2-40B4-BE49-F238E27FC236}">
+                <a16:creationId xmlns:a16="http://schemas.microsoft.com/office/drawing/2014/main" id="{2C3DFD7E-4B9A-468F-AE62-0681843F752A}"/>
+              </a:ext>
+            </a:extLst>
+          </p:cNvPr>
+          <p:cNvSpPr>
+            <a:spLocks noGrp="1"/>
+          </p:cNvSpPr>
+          <p:nvPr>
+            <p:ph type="dt" sz="half" idx="10"/>
+          </p:nvPr>
+        </p:nvSpPr>
+        <p:spPr/>
+        <p:txBody>
+          <a:bodyPr/>
+          <a:lstStyle/>
+          <a:p>
+            <a:r>
+              <a:rPr lang="de-DE"/>
+              <a:t>02.07.2018</a:t>
+            </a:r>
+          </a:p>
+        </p:txBody>
+      </p:sp>
+      <p:sp>
+        <p:nvSpPr>
+          <p:cNvPr id="5" name="Foliennummernplatzhalter 4">
+            <a:extLst>
+              <a:ext uri="{FF2B5EF4-FFF2-40B4-BE49-F238E27FC236}">
+                <a16:creationId xmlns:a16="http://schemas.microsoft.com/office/drawing/2014/main" id="{474705AF-E62E-43D1-A67A-E14170193E7E}"/>
+              </a:ext>
+            </a:extLst>
+          </p:cNvPr>
+          <p:cNvSpPr>
+            <a:spLocks noGrp="1"/>
+          </p:cNvSpPr>
+          <p:nvPr>
+            <p:ph type="sldNum" sz="quarter" idx="12"/>
+          </p:nvPr>
+        </p:nvSpPr>
+        <p:spPr/>
+        <p:txBody>
+          <a:bodyPr/>
+          <a:lstStyle/>
+          <a:p>
+            <a:fld id="{C9BFD74B-BF5B-4F1B-BDFB-3F89FD2A71A6}" type="slidenum">
+              <a:rPr lang="de-DE" smtClean="0"/>
+              <a:t>2</a:t>
+            </a:fld>
+            <a:endParaRPr lang="de-DE"/>
+          </a:p>
+        </p:txBody>
+      </p:sp>
+    </p:spTree>
+    <p:extLst>
+      <p:ext uri="{BB962C8B-B14F-4D97-AF65-F5344CB8AC3E}">
+        <p14:creationId xmlns:p14="http://schemas.microsoft.com/office/powerpoint/2010/main" val="368966129"/>
+      </p:ext>
+    </p:extLst>
+  </p:cSld>
+  <p:clrMapOvr>
+    <a:masterClrMapping/>
+  </p:clrMapOvr>
+</p:sld>
+</file>
+
+<file path=ppt/slides/slide3.xml><?xml version="1.0" encoding="utf-8"?>
 <p:sld xmlns:a="http://schemas.openxmlformats.org/drawingml/2006/main" xmlns:r="http://schemas.openxmlformats.org/officeDocument/2006/relationships" xmlns:p="http://schemas.openxmlformats.org/presentationml/2006/main">
   <p:cSld>
     <p:spTree>
@@ -6065,7 +6685,7 @@
           <a:p>
             <a:fld id="{C9BFD74B-BF5B-4F1B-BDFB-3F89FD2A71A6}" type="slidenum">
               <a:rPr lang="de-DE" smtClean="0"/>
-              <a:t>2</a:t>
+              <a:t>3</a:t>
             </a:fld>
             <a:endParaRPr lang="de-DE"/>
           </a:p>
@@ -6084,7 +6704,7 @@
 </p:sld>
 </file>
 
-<file path=ppt/slides/slide3.xml><?xml version="1.0" encoding="utf-8"?>
+<file path=ppt/slides/slide4.xml><?xml version="1.0" encoding="utf-8"?>
 <p:sld xmlns:a="http://schemas.openxmlformats.org/drawingml/2006/main" xmlns:r="http://schemas.openxmlformats.org/officeDocument/2006/relationships" xmlns:p="http://schemas.openxmlformats.org/presentationml/2006/main">
   <p:cSld>
     <p:spTree>
@@ -6356,7 +6976,7 @@
           <a:p>
             <a:fld id="{C9BFD74B-BF5B-4F1B-BDFB-3F89FD2A71A6}" type="slidenum">
               <a:rPr lang="de-DE" smtClean="0"/>
-              <a:t>3</a:t>
+              <a:t>4</a:t>
             </a:fld>
             <a:endParaRPr lang="de-DE"/>
           </a:p>
@@ -6375,7 +6995,7 @@
 </p:sld>
 </file>
 
-<file path=ppt/slides/slide4.xml><?xml version="1.0" encoding="utf-8"?>
+<file path=ppt/slides/slide5.xml><?xml version="1.0" encoding="utf-8"?>
 <p:sld xmlns:a="http://schemas.openxmlformats.org/drawingml/2006/main" xmlns:r="http://schemas.openxmlformats.org/officeDocument/2006/relationships" xmlns:p="http://schemas.openxmlformats.org/presentationml/2006/main">
   <p:cSld>
     <p:spTree>
@@ -6471,7 +7091,7 @@
           <a:p>
             <a:fld id="{C9BFD74B-BF5B-4F1B-BDFB-3F89FD2A71A6}" type="slidenum">
               <a:rPr lang="de-DE" smtClean="0"/>
-              <a:t>4</a:t>
+              <a:t>5</a:t>
             </a:fld>
             <a:endParaRPr lang="de-DE"/>
           </a:p>
@@ -7415,7 +8035,7 @@
 </p:sld>
 </file>
 
-<file path=ppt/slides/slide5.xml><?xml version="1.0" encoding="utf-8"?>
+<file path=ppt/slides/slide6.xml><?xml version="1.0" encoding="utf-8"?>
 <p:sld xmlns:a="http://schemas.openxmlformats.org/drawingml/2006/main" xmlns:r="http://schemas.openxmlformats.org/officeDocument/2006/relationships" xmlns:p="http://schemas.openxmlformats.org/presentationml/2006/main">
   <p:cSld>
     <p:spTree>
@@ -7512,7 +8132,7 @@
           <a:p>
             <a:fld id="{C9BFD74B-BF5B-4F1B-BDFB-3F89FD2A71A6}" type="slidenum">
               <a:rPr lang="de-DE" smtClean="0"/>
-              <a:t>5</a:t>
+              <a:t>6</a:t>
             </a:fld>
             <a:endParaRPr lang="de-DE"/>
           </a:p>
@@ -42291,7 +42911,7 @@
 </p:sld>
 </file>
 
-<file path=ppt/slides/slide6.xml><?xml version="1.0" encoding="utf-8"?>
+<file path=ppt/slides/slide7.xml><?xml version="1.0" encoding="utf-8"?>
 <p:sld xmlns:a="http://schemas.openxmlformats.org/drawingml/2006/main" xmlns:r="http://schemas.openxmlformats.org/officeDocument/2006/relationships" xmlns:p="http://schemas.openxmlformats.org/presentationml/2006/main">
   <p:cSld>
     <p:spTree>
@@ -42387,7 +43007,7 @@
           <a:p>
             <a:fld id="{C9BFD74B-BF5B-4F1B-BDFB-3F89FD2A71A6}" type="slidenum">
               <a:rPr lang="de-DE" smtClean="0"/>
-              <a:t>6</a:t>
+              <a:t>7</a:t>
             </a:fld>
             <a:endParaRPr lang="de-DE"/>
           </a:p>
@@ -42695,7 +43315,7 @@
 </p:sld>
 </file>
 
-<file path=ppt/slides/slide7.xml><?xml version="1.0" encoding="utf-8"?>
+<file path=ppt/slides/slide8.xml><?xml version="1.0" encoding="utf-8"?>
 <p:sld xmlns:a="http://schemas.openxmlformats.org/drawingml/2006/main" xmlns:r="http://schemas.openxmlformats.org/officeDocument/2006/relationships" xmlns:p="http://schemas.openxmlformats.org/presentationml/2006/main">
   <p:cSld>
     <p:spTree>
@@ -42791,7 +43411,7 @@
           <a:p>
             <a:fld id="{C9BFD74B-BF5B-4F1B-BDFB-3F89FD2A71A6}" type="slidenum">
               <a:rPr lang="de-DE" smtClean="0"/>
-              <a:t>7</a:t>
+              <a:t>8</a:t>
             </a:fld>
             <a:endParaRPr lang="de-DE"/>
           </a:p>
@@ -42840,7 +43460,7 @@
 </p:sld>
 </file>
 
-<file path=ppt/slides/slide8.xml><?xml version="1.0" encoding="utf-8"?>
+<file path=ppt/slides/slide9.xml><?xml version="1.0" encoding="utf-8"?>
 <p:sld xmlns:a="http://schemas.openxmlformats.org/drawingml/2006/main" xmlns:r="http://schemas.openxmlformats.org/officeDocument/2006/relationships" xmlns:p="http://schemas.openxmlformats.org/presentationml/2006/main">
   <p:cSld>
     <p:spTree>
@@ -42936,7 +43556,7 @@
           <a:p>
             <a:fld id="{C9BFD74B-BF5B-4F1B-BDFB-3F89FD2A71A6}" type="slidenum">
               <a:rPr lang="de-DE" smtClean="0"/>
-              <a:t>8</a:t>
+              <a:t>9</a:t>
             </a:fld>
             <a:endParaRPr lang="de-DE"/>
           </a:p>
@@ -44755,299 +45375,6 @@
 </p:sld>
 </file>
 
-<file path=ppt/slides/slide9.xml><?xml version="1.0" encoding="utf-8"?>
-<p:sld xmlns:a="http://schemas.openxmlformats.org/drawingml/2006/main" xmlns:r="http://schemas.openxmlformats.org/officeDocument/2006/relationships" xmlns:p="http://schemas.openxmlformats.org/presentationml/2006/main">
-  <p:cSld>
-    <p:spTree>
-      <p:nvGrpSpPr>
-        <p:cNvPr id="1" name=""/>
-        <p:cNvGrpSpPr/>
-        <p:nvPr/>
-      </p:nvGrpSpPr>
-      <p:grpSpPr>
-        <a:xfrm>
-          <a:off x="0" y="0"/>
-          <a:ext cx="0" cy="0"/>
-          <a:chOff x="0" y="0"/>
-          <a:chExt cx="0" cy="0"/>
-        </a:xfrm>
-      </p:grpSpPr>
-      <p:sp>
-        <p:nvSpPr>
-          <p:cNvPr id="2" name="Titel 1">
-            <a:extLst>
-              <a:ext uri="{FF2B5EF4-FFF2-40B4-BE49-F238E27FC236}">
-                <a16:creationId xmlns:a16="http://schemas.microsoft.com/office/drawing/2014/main" id="{D11F61E1-ACB7-459C-B768-E2C244939FD9}"/>
-              </a:ext>
-            </a:extLst>
-          </p:cNvPr>
-          <p:cNvSpPr>
-            <a:spLocks noGrp="1"/>
-          </p:cNvSpPr>
-          <p:nvPr>
-            <p:ph type="title"/>
-          </p:nvPr>
-        </p:nvSpPr>
-        <p:spPr/>
-        <p:txBody>
-          <a:bodyPr/>
-          <a:lstStyle/>
-          <a:p>
-            <a:r>
-              <a:rPr lang="de-DE" dirty="0"/>
-              <a:t>Aufbau der Testsuite</a:t>
-            </a:r>
-          </a:p>
-        </p:txBody>
-      </p:sp>
-      <p:sp>
-        <p:nvSpPr>
-          <p:cNvPr id="3" name="Inhaltsplatzhalter 2">
-            <a:extLst>
-              <a:ext uri="{FF2B5EF4-FFF2-40B4-BE49-F238E27FC236}">
-                <a16:creationId xmlns:a16="http://schemas.microsoft.com/office/drawing/2014/main" id="{FEE66145-71D6-48B3-9C67-D8AB4500B966}"/>
-              </a:ext>
-            </a:extLst>
-          </p:cNvPr>
-          <p:cNvSpPr>
-            <a:spLocks noGrp="1"/>
-          </p:cNvSpPr>
-          <p:nvPr>
-            <p:ph idx="1"/>
-          </p:nvPr>
-        </p:nvSpPr>
-        <p:spPr/>
-        <p:txBody>
-          <a:bodyPr/>
-          <a:lstStyle/>
-          <a:p>
-            <a:pPr>
-              <a:buFont typeface="Wingdings" panose="05000000000000000000" pitchFamily="2" charset="2"/>
-              <a:buChar char="Ø"/>
-            </a:pPr>
-            <a:r>
-              <a:rPr lang="de-DE" dirty="0"/>
-              <a:t> </a:t>
-            </a:r>
-            <a:r>
-              <a:rPr lang="de-DE" dirty="0" err="1"/>
-              <a:t>Gradle</a:t>
-            </a:r>
-            <a:r>
-              <a:rPr lang="de-DE" dirty="0"/>
-              <a:t> Projekt (</a:t>
-            </a:r>
-            <a:r>
-              <a:rPr lang="de-DE" dirty="0" err="1"/>
-              <a:t>Gradle</a:t>
-            </a:r>
-            <a:r>
-              <a:rPr lang="de-DE" dirty="0"/>
-              <a:t> Tasks für das Starten der verschiedenen Tests)</a:t>
-            </a:r>
-          </a:p>
-          <a:p>
-            <a:pPr>
-              <a:buFont typeface="Wingdings" panose="05000000000000000000" pitchFamily="2" charset="2"/>
-              <a:buChar char="Ø"/>
-            </a:pPr>
-            <a:r>
-              <a:rPr lang="de-DE" dirty="0"/>
-              <a:t> Installationen:</a:t>
-            </a:r>
-          </a:p>
-          <a:p>
-            <a:pPr lvl="1">
-              <a:buFont typeface="Wingdings" panose="05000000000000000000" pitchFamily="2" charset="2"/>
-              <a:buChar char="Ø"/>
-            </a:pPr>
-            <a:r>
-              <a:rPr lang="de-DE" dirty="0"/>
-              <a:t>Gatling als </a:t>
-            </a:r>
-            <a:r>
-              <a:rPr lang="de-DE" dirty="0" err="1"/>
-              <a:t>Gradle</a:t>
-            </a:r>
-            <a:r>
-              <a:rPr lang="de-DE" dirty="0"/>
-              <a:t> </a:t>
-            </a:r>
-            <a:r>
-              <a:rPr lang="de-DE" dirty="0" err="1"/>
-              <a:t>Dependency</a:t>
-            </a:r>
-            <a:endParaRPr lang="de-DE" dirty="0"/>
-          </a:p>
-          <a:p>
-            <a:pPr lvl="1">
-              <a:buFont typeface="Wingdings" panose="05000000000000000000" pitchFamily="2" charset="2"/>
-              <a:buChar char="Ø"/>
-            </a:pPr>
-            <a:r>
-              <a:rPr lang="de-DE" dirty="0" err="1"/>
-              <a:t>Locust</a:t>
-            </a:r>
-            <a:r>
-              <a:rPr lang="de-DE" dirty="0"/>
-              <a:t> mit Python </a:t>
-            </a:r>
-            <a:r>
-              <a:rPr lang="de-DE" dirty="0" err="1"/>
-              <a:t>Pip</a:t>
-            </a:r>
-            <a:endParaRPr lang="de-DE" dirty="0"/>
-          </a:p>
-          <a:p>
-            <a:pPr lvl="1">
-              <a:buFont typeface="Wingdings" panose="05000000000000000000" pitchFamily="2" charset="2"/>
-              <a:buChar char="Ø"/>
-            </a:pPr>
-            <a:r>
-              <a:rPr lang="de-DE" dirty="0" err="1"/>
-              <a:t>Artillery</a:t>
-            </a:r>
-            <a:r>
-              <a:rPr lang="de-DE" dirty="0"/>
-              <a:t> mit </a:t>
-            </a:r>
-            <a:r>
-              <a:rPr lang="de-DE" dirty="0" err="1"/>
-              <a:t>npm</a:t>
-            </a:r>
-            <a:endParaRPr lang="de-DE" dirty="0"/>
-          </a:p>
-          <a:p>
-            <a:pPr lvl="1">
-              <a:buFont typeface="Wingdings" panose="05000000000000000000" pitchFamily="2" charset="2"/>
-              <a:buChar char="Ø"/>
-            </a:pPr>
-            <a:endParaRPr lang="de-DE" dirty="0"/>
-          </a:p>
-          <a:p>
-            <a:pPr>
-              <a:buFont typeface="Wingdings" panose="05000000000000000000" pitchFamily="2" charset="2"/>
-              <a:buChar char="Ø"/>
-            </a:pPr>
-            <a:r>
-              <a:rPr lang="de-DE" dirty="0"/>
-              <a:t> Testszenarien (siehe Abbildung):</a:t>
-            </a:r>
-          </a:p>
-          <a:p>
-            <a:pPr lvl="1">
-              <a:buFont typeface="Wingdings" panose="05000000000000000000" pitchFamily="2" charset="2"/>
-              <a:buChar char="Ø"/>
-            </a:pPr>
-            <a:r>
-              <a:rPr lang="de-DE" dirty="0"/>
-              <a:t>Gatling in Scala Klasse</a:t>
-            </a:r>
-          </a:p>
-          <a:p>
-            <a:pPr lvl="1">
-              <a:buFont typeface="Wingdings" panose="05000000000000000000" pitchFamily="2" charset="2"/>
-              <a:buChar char="Ø"/>
-            </a:pPr>
-            <a:r>
-              <a:rPr lang="de-DE" dirty="0" err="1"/>
-              <a:t>Locust</a:t>
-            </a:r>
-            <a:r>
-              <a:rPr lang="de-DE" dirty="0"/>
-              <a:t> als Python File</a:t>
-            </a:r>
-          </a:p>
-          <a:p>
-            <a:pPr lvl="1">
-              <a:buFont typeface="Wingdings" panose="05000000000000000000" pitchFamily="2" charset="2"/>
-              <a:buChar char="Ø"/>
-            </a:pPr>
-            <a:r>
-              <a:rPr lang="de-DE" dirty="0"/>
-              <a:t> </a:t>
-            </a:r>
-            <a:r>
-              <a:rPr lang="de-DE" dirty="0" err="1"/>
-              <a:t>Artillery</a:t>
-            </a:r>
-            <a:r>
-              <a:rPr lang="de-DE" dirty="0"/>
-              <a:t> als YAML-File</a:t>
-            </a:r>
-          </a:p>
-        </p:txBody>
-      </p:sp>
-      <p:sp>
-        <p:nvSpPr>
-          <p:cNvPr id="4" name="Datumsplatzhalter 3">
-            <a:extLst>
-              <a:ext uri="{FF2B5EF4-FFF2-40B4-BE49-F238E27FC236}">
-                <a16:creationId xmlns:a16="http://schemas.microsoft.com/office/drawing/2014/main" id="{DF7516F0-F6F8-4C07-9AD1-000677960898}"/>
-              </a:ext>
-            </a:extLst>
-          </p:cNvPr>
-          <p:cNvSpPr>
-            <a:spLocks noGrp="1"/>
-          </p:cNvSpPr>
-          <p:nvPr>
-            <p:ph type="dt" sz="half" idx="10"/>
-          </p:nvPr>
-        </p:nvSpPr>
-        <p:spPr/>
-        <p:txBody>
-          <a:bodyPr/>
-          <a:lstStyle/>
-          <a:p>
-            <a:r>
-              <a:rPr lang="de-DE"/>
-              <a:t>02.07.2018</a:t>
-            </a:r>
-          </a:p>
-        </p:txBody>
-      </p:sp>
-      <p:sp>
-        <p:nvSpPr>
-          <p:cNvPr id="5" name="Foliennummernplatzhalter 4">
-            <a:extLst>
-              <a:ext uri="{FF2B5EF4-FFF2-40B4-BE49-F238E27FC236}">
-                <a16:creationId xmlns:a16="http://schemas.microsoft.com/office/drawing/2014/main" id="{663FF34D-06E9-4ACA-B1BF-FC4D04800EEE}"/>
-              </a:ext>
-            </a:extLst>
-          </p:cNvPr>
-          <p:cNvSpPr>
-            <a:spLocks noGrp="1"/>
-          </p:cNvSpPr>
-          <p:nvPr>
-            <p:ph type="sldNum" sz="quarter" idx="12"/>
-          </p:nvPr>
-        </p:nvSpPr>
-        <p:spPr/>
-        <p:txBody>
-          <a:bodyPr/>
-          <a:lstStyle/>
-          <a:p>
-            <a:fld id="{C9BFD74B-BF5B-4F1B-BDFB-3F89FD2A71A6}" type="slidenum">
-              <a:rPr lang="de-DE" smtClean="0"/>
-              <a:t>9</a:t>
-            </a:fld>
-            <a:endParaRPr lang="de-DE"/>
-          </a:p>
-        </p:txBody>
-      </p:sp>
-    </p:spTree>
-    <p:extLst>
-      <p:ext uri="{BB962C8B-B14F-4D97-AF65-F5344CB8AC3E}">
-        <p14:creationId xmlns:p14="http://schemas.microsoft.com/office/powerpoint/2010/main" val="2057577408"/>
-      </p:ext>
-    </p:extLst>
-  </p:cSld>
-  <p:clrMapOvr>
-    <a:masterClrMapping/>
-  </p:clrMapOvr>
-</p:sld>
-</file>
-
 <file path=ppt/theme/theme1.xml><?xml version="1.0" encoding="utf-8"?>
 <a:theme xmlns:a="http://schemas.openxmlformats.org/drawingml/2006/main" name="Rückblick">
   <a:themeElements>
